--- a/Presentazione.pptx
+++ b/Presentazione.pptx
@@ -5,11 +5,34 @@
     <p:sldMasterId id="2147483660" r:id="rId1"/>
     <p:sldMasterId id="2147483665" r:id="rId2"/>
   </p:sldMasterIdLst>
+  <p:notesMasterIdLst>
+    <p:notesMasterId r:id="rId27"/>
+  </p:notesMasterIdLst>
   <p:sldIdLst>
     <p:sldId id="258" r:id="rId3"/>
     <p:sldId id="256" r:id="rId4"/>
     <p:sldId id="257" r:id="rId5"/>
-    <p:sldId id="259" r:id="rId6"/>
+    <p:sldId id="263" r:id="rId6"/>
+    <p:sldId id="262" r:id="rId7"/>
+    <p:sldId id="259" r:id="rId8"/>
+    <p:sldId id="260" r:id="rId9"/>
+    <p:sldId id="264" r:id="rId10"/>
+    <p:sldId id="265" r:id="rId11"/>
+    <p:sldId id="266" r:id="rId12"/>
+    <p:sldId id="267" r:id="rId13"/>
+    <p:sldId id="269" r:id="rId14"/>
+    <p:sldId id="271" r:id="rId15"/>
+    <p:sldId id="270" r:id="rId16"/>
+    <p:sldId id="268" r:id="rId17"/>
+    <p:sldId id="273" r:id="rId18"/>
+    <p:sldId id="274" r:id="rId19"/>
+    <p:sldId id="272" r:id="rId20"/>
+    <p:sldId id="275" r:id="rId21"/>
+    <p:sldId id="276" r:id="rId22"/>
+    <p:sldId id="277" r:id="rId23"/>
+    <p:sldId id="279" r:id="rId24"/>
+    <p:sldId id="281" r:id="rId25"/>
+    <p:sldId id="280" r:id="rId26"/>
   </p:sldIdLst>
   <p:sldSz cx="9144000" cy="6858000" type="screen4x3"/>
   <p:notesSz cx="6858000" cy="9144000"/>
@@ -111,6 +134,1300 @@
 </p:presentation>
 </file>
 
+<file path=ppt/notesMasters/notesMaster1.xml><?xml version="1.0" encoding="utf-8"?>
+<p:notesMaster xmlns:a="http://schemas.openxmlformats.org/drawingml/2006/main" xmlns:r="http://schemas.openxmlformats.org/officeDocument/2006/relationships" xmlns:p="http://schemas.openxmlformats.org/presentationml/2006/main">
+  <p:cSld>
+    <p:bg>
+      <p:bgRef idx="1001">
+        <a:schemeClr val="bg1"/>
+      </p:bgRef>
+    </p:bg>
+    <p:spTree>
+      <p:nvGrpSpPr>
+        <p:cNvPr id="1" name=""/>
+        <p:cNvGrpSpPr/>
+        <p:nvPr/>
+      </p:nvGrpSpPr>
+      <p:grpSpPr>
+        <a:xfrm>
+          <a:off x="0" y="0"/>
+          <a:ext cx="0" cy="0"/>
+          <a:chOff x="0" y="0"/>
+          <a:chExt cx="0" cy="0"/>
+        </a:xfrm>
+      </p:grpSpPr>
+      <p:sp>
+        <p:nvSpPr>
+          <p:cNvPr id="2" name="Segnaposto intestazione 1"/>
+          <p:cNvSpPr>
+            <a:spLocks noGrp="1"/>
+          </p:cNvSpPr>
+          <p:nvPr>
+            <p:ph type="hdr" sz="quarter"/>
+          </p:nvPr>
+        </p:nvSpPr>
+        <p:spPr>
+          <a:xfrm>
+            <a:off x="0" y="0"/>
+            <a:ext cx="2971800" cy="457200"/>
+          </a:xfrm>
+          <a:prstGeom prst="rect">
+            <a:avLst/>
+          </a:prstGeom>
+        </p:spPr>
+        <p:txBody>
+          <a:bodyPr vert="horz" lIns="91440" tIns="45720" rIns="91440" bIns="45720" rtlCol="0"/>
+          <a:lstStyle>
+            <a:lvl1pPr algn="l">
+              <a:defRPr sz="1200"/>
+            </a:lvl1pPr>
+          </a:lstStyle>
+          <a:p>
+            <a:endParaRPr lang="it-IT"/>
+          </a:p>
+        </p:txBody>
+      </p:sp>
+      <p:sp>
+        <p:nvSpPr>
+          <p:cNvPr id="3" name="Segnaposto data 2"/>
+          <p:cNvSpPr>
+            <a:spLocks noGrp="1"/>
+          </p:cNvSpPr>
+          <p:nvPr>
+            <p:ph type="dt" idx="1"/>
+          </p:nvPr>
+        </p:nvSpPr>
+        <p:spPr>
+          <a:xfrm>
+            <a:off x="3884613" y="0"/>
+            <a:ext cx="2971800" cy="457200"/>
+          </a:xfrm>
+          <a:prstGeom prst="rect">
+            <a:avLst/>
+          </a:prstGeom>
+        </p:spPr>
+        <p:txBody>
+          <a:bodyPr vert="horz" lIns="91440" tIns="45720" rIns="91440" bIns="45720" rtlCol="0"/>
+          <a:lstStyle>
+            <a:lvl1pPr algn="r">
+              <a:defRPr sz="1200"/>
+            </a:lvl1pPr>
+          </a:lstStyle>
+          <a:p>
+            <a:fld id="{F27EA845-85CE-45E8-B19E-7CDFF949B86A}" type="datetimeFigureOut">
+              <a:rPr lang="it-IT" smtClean="0"/>
+              <a:t>02/03/2018</a:t>
+            </a:fld>
+            <a:endParaRPr lang="it-IT"/>
+          </a:p>
+        </p:txBody>
+      </p:sp>
+      <p:sp>
+        <p:nvSpPr>
+          <p:cNvPr id="4" name="Segnaposto immagine diapositiva 3"/>
+          <p:cNvSpPr>
+            <a:spLocks noGrp="1" noRot="1" noChangeAspect="1"/>
+          </p:cNvSpPr>
+          <p:nvPr>
+            <p:ph type="sldImg" idx="2"/>
+          </p:nvPr>
+        </p:nvSpPr>
+        <p:spPr>
+          <a:xfrm>
+            <a:off x="1143000" y="685800"/>
+            <a:ext cx="4572000" cy="3429000"/>
+          </a:xfrm>
+          <a:prstGeom prst="rect">
+            <a:avLst/>
+          </a:prstGeom>
+          <a:noFill/>
+          <a:ln w="12700">
+            <a:solidFill>
+              <a:prstClr val="black"/>
+            </a:solidFill>
+          </a:ln>
+        </p:spPr>
+        <p:txBody>
+          <a:bodyPr vert="horz" lIns="91440" tIns="45720" rIns="91440" bIns="45720" rtlCol="0" anchor="ctr"/>
+          <a:lstStyle/>
+          <a:p>
+            <a:endParaRPr lang="it-IT"/>
+          </a:p>
+        </p:txBody>
+      </p:sp>
+      <p:sp>
+        <p:nvSpPr>
+          <p:cNvPr id="5" name="Segnaposto note 4"/>
+          <p:cNvSpPr>
+            <a:spLocks noGrp="1"/>
+          </p:cNvSpPr>
+          <p:nvPr>
+            <p:ph type="body" sz="quarter" idx="3"/>
+          </p:nvPr>
+        </p:nvSpPr>
+        <p:spPr>
+          <a:xfrm>
+            <a:off x="685800" y="4343400"/>
+            <a:ext cx="5486400" cy="4114800"/>
+          </a:xfrm>
+          <a:prstGeom prst="rect">
+            <a:avLst/>
+          </a:prstGeom>
+        </p:spPr>
+        <p:txBody>
+          <a:bodyPr vert="horz" lIns="91440" tIns="45720" rIns="91440" bIns="45720" rtlCol="0"/>
+          <a:lstStyle/>
+          <a:p>
+            <a:pPr lvl="0"/>
+            <a:r>
+              <a:rPr lang="it-IT" smtClean="0"/>
+              <a:t>Fare clic per modificare stili del testo dello schema</a:t>
+            </a:r>
+          </a:p>
+          <a:p>
+            <a:pPr lvl="1"/>
+            <a:r>
+              <a:rPr lang="it-IT" smtClean="0"/>
+              <a:t>Secondo livello</a:t>
+            </a:r>
+          </a:p>
+          <a:p>
+            <a:pPr lvl="2"/>
+            <a:r>
+              <a:rPr lang="it-IT" smtClean="0"/>
+              <a:t>Terzo livello</a:t>
+            </a:r>
+          </a:p>
+          <a:p>
+            <a:pPr lvl="3"/>
+            <a:r>
+              <a:rPr lang="it-IT" smtClean="0"/>
+              <a:t>Quarto livello</a:t>
+            </a:r>
+          </a:p>
+          <a:p>
+            <a:pPr lvl="4"/>
+            <a:r>
+              <a:rPr lang="it-IT" smtClean="0"/>
+              <a:t>Quinto livello</a:t>
+            </a:r>
+            <a:endParaRPr lang="it-IT"/>
+          </a:p>
+        </p:txBody>
+      </p:sp>
+      <p:sp>
+        <p:nvSpPr>
+          <p:cNvPr id="6" name="Segnaposto piè di pagina 5"/>
+          <p:cNvSpPr>
+            <a:spLocks noGrp="1"/>
+          </p:cNvSpPr>
+          <p:nvPr>
+            <p:ph type="ftr" sz="quarter" idx="4"/>
+          </p:nvPr>
+        </p:nvSpPr>
+        <p:spPr>
+          <a:xfrm>
+            <a:off x="0" y="8685213"/>
+            <a:ext cx="2971800" cy="457200"/>
+          </a:xfrm>
+          <a:prstGeom prst="rect">
+            <a:avLst/>
+          </a:prstGeom>
+        </p:spPr>
+        <p:txBody>
+          <a:bodyPr vert="horz" lIns="91440" tIns="45720" rIns="91440" bIns="45720" rtlCol="0" anchor="b"/>
+          <a:lstStyle>
+            <a:lvl1pPr algn="l">
+              <a:defRPr sz="1200"/>
+            </a:lvl1pPr>
+          </a:lstStyle>
+          <a:p>
+            <a:endParaRPr lang="it-IT"/>
+          </a:p>
+        </p:txBody>
+      </p:sp>
+      <p:sp>
+        <p:nvSpPr>
+          <p:cNvPr id="7" name="Segnaposto numero diapositiva 6"/>
+          <p:cNvSpPr>
+            <a:spLocks noGrp="1"/>
+          </p:cNvSpPr>
+          <p:nvPr>
+            <p:ph type="sldNum" sz="quarter" idx="5"/>
+          </p:nvPr>
+        </p:nvSpPr>
+        <p:spPr>
+          <a:xfrm>
+            <a:off x="3884613" y="8685213"/>
+            <a:ext cx="2971800" cy="457200"/>
+          </a:xfrm>
+          <a:prstGeom prst="rect">
+            <a:avLst/>
+          </a:prstGeom>
+        </p:spPr>
+        <p:txBody>
+          <a:bodyPr vert="horz" lIns="91440" tIns="45720" rIns="91440" bIns="45720" rtlCol="0" anchor="b"/>
+          <a:lstStyle>
+            <a:lvl1pPr algn="r">
+              <a:defRPr sz="1200"/>
+            </a:lvl1pPr>
+          </a:lstStyle>
+          <a:p>
+            <a:fld id="{C082161E-3966-4D80-B450-0915D95E276E}" type="slidenum">
+              <a:rPr lang="it-IT" smtClean="0"/>
+              <a:t>‹N›</a:t>
+            </a:fld>
+            <a:endParaRPr lang="it-IT"/>
+          </a:p>
+        </p:txBody>
+      </p:sp>
+    </p:spTree>
+    <p:extLst>
+      <p:ext uri="{BB962C8B-B14F-4D97-AF65-F5344CB8AC3E}">
+        <p14:creationId xmlns:p14="http://schemas.microsoft.com/office/powerpoint/2010/main" val="3080575591"/>
+      </p:ext>
+    </p:extLst>
+  </p:cSld>
+  <p:clrMap bg1="lt1" tx1="dk1" bg2="lt2" tx2="dk2" accent1="accent1" accent2="accent2" accent3="accent3" accent4="accent4" accent5="accent5" accent6="accent6" hlink="hlink" folHlink="folHlink"/>
+  <p:notesStyle>
+    <a:lvl1pPr marL="0" algn="l" defTabSz="914400" rtl="0" eaLnBrk="1" latinLnBrk="0" hangingPunct="1">
+      <a:defRPr sz="1200" kern="1200">
+        <a:solidFill>
+          <a:schemeClr val="tx1"/>
+        </a:solidFill>
+        <a:latin typeface="+mn-lt"/>
+        <a:ea typeface="+mn-ea"/>
+        <a:cs typeface="+mn-cs"/>
+      </a:defRPr>
+    </a:lvl1pPr>
+    <a:lvl2pPr marL="457200" algn="l" defTabSz="914400" rtl="0" eaLnBrk="1" latinLnBrk="0" hangingPunct="1">
+      <a:defRPr sz="1200" kern="1200">
+        <a:solidFill>
+          <a:schemeClr val="tx1"/>
+        </a:solidFill>
+        <a:latin typeface="+mn-lt"/>
+        <a:ea typeface="+mn-ea"/>
+        <a:cs typeface="+mn-cs"/>
+      </a:defRPr>
+    </a:lvl2pPr>
+    <a:lvl3pPr marL="914400" algn="l" defTabSz="914400" rtl="0" eaLnBrk="1" latinLnBrk="0" hangingPunct="1">
+      <a:defRPr sz="1200" kern="1200">
+        <a:solidFill>
+          <a:schemeClr val="tx1"/>
+        </a:solidFill>
+        <a:latin typeface="+mn-lt"/>
+        <a:ea typeface="+mn-ea"/>
+        <a:cs typeface="+mn-cs"/>
+      </a:defRPr>
+    </a:lvl3pPr>
+    <a:lvl4pPr marL="1371600" algn="l" defTabSz="914400" rtl="0" eaLnBrk="1" latinLnBrk="0" hangingPunct="1">
+      <a:defRPr sz="1200" kern="1200">
+        <a:solidFill>
+          <a:schemeClr val="tx1"/>
+        </a:solidFill>
+        <a:latin typeface="+mn-lt"/>
+        <a:ea typeface="+mn-ea"/>
+        <a:cs typeface="+mn-cs"/>
+      </a:defRPr>
+    </a:lvl4pPr>
+    <a:lvl5pPr marL="1828800" algn="l" defTabSz="914400" rtl="0" eaLnBrk="1" latinLnBrk="0" hangingPunct="1">
+      <a:defRPr sz="1200" kern="1200">
+        <a:solidFill>
+          <a:schemeClr val="tx1"/>
+        </a:solidFill>
+        <a:latin typeface="+mn-lt"/>
+        <a:ea typeface="+mn-ea"/>
+        <a:cs typeface="+mn-cs"/>
+      </a:defRPr>
+    </a:lvl5pPr>
+    <a:lvl6pPr marL="2286000" algn="l" defTabSz="914400" rtl="0" eaLnBrk="1" latinLnBrk="0" hangingPunct="1">
+      <a:defRPr sz="1200" kern="1200">
+        <a:solidFill>
+          <a:schemeClr val="tx1"/>
+        </a:solidFill>
+        <a:latin typeface="+mn-lt"/>
+        <a:ea typeface="+mn-ea"/>
+        <a:cs typeface="+mn-cs"/>
+      </a:defRPr>
+    </a:lvl6pPr>
+    <a:lvl7pPr marL="2743200" algn="l" defTabSz="914400" rtl="0" eaLnBrk="1" latinLnBrk="0" hangingPunct="1">
+      <a:defRPr sz="1200" kern="1200">
+        <a:solidFill>
+          <a:schemeClr val="tx1"/>
+        </a:solidFill>
+        <a:latin typeface="+mn-lt"/>
+        <a:ea typeface="+mn-ea"/>
+        <a:cs typeface="+mn-cs"/>
+      </a:defRPr>
+    </a:lvl7pPr>
+    <a:lvl8pPr marL="3200400" algn="l" defTabSz="914400" rtl="0" eaLnBrk="1" latinLnBrk="0" hangingPunct="1">
+      <a:defRPr sz="1200" kern="1200">
+        <a:solidFill>
+          <a:schemeClr val="tx1"/>
+        </a:solidFill>
+        <a:latin typeface="+mn-lt"/>
+        <a:ea typeface="+mn-ea"/>
+        <a:cs typeface="+mn-cs"/>
+      </a:defRPr>
+    </a:lvl8pPr>
+    <a:lvl9pPr marL="3657600" algn="l" defTabSz="914400" rtl="0" eaLnBrk="1" latinLnBrk="0" hangingPunct="1">
+      <a:defRPr sz="1200" kern="1200">
+        <a:solidFill>
+          <a:schemeClr val="tx1"/>
+        </a:solidFill>
+        <a:latin typeface="+mn-lt"/>
+        <a:ea typeface="+mn-ea"/>
+        <a:cs typeface="+mn-cs"/>
+      </a:defRPr>
+    </a:lvl9pPr>
+  </p:notesStyle>
+</p:notesMaster>
+</file>
+
+<file path=ppt/notesSlides/notesSlide1.xml><?xml version="1.0" encoding="utf-8"?>
+<p:notes xmlns:a="http://schemas.openxmlformats.org/drawingml/2006/main" xmlns:r="http://schemas.openxmlformats.org/officeDocument/2006/relationships" xmlns:p="http://schemas.openxmlformats.org/presentationml/2006/main">
+  <p:cSld>
+    <p:spTree>
+      <p:nvGrpSpPr>
+        <p:cNvPr id="1" name=""/>
+        <p:cNvGrpSpPr/>
+        <p:nvPr/>
+      </p:nvGrpSpPr>
+      <p:grpSpPr>
+        <a:xfrm>
+          <a:off x="0" y="0"/>
+          <a:ext cx="0" cy="0"/>
+          <a:chOff x="0" y="0"/>
+          <a:chExt cx="0" cy="0"/>
+        </a:xfrm>
+      </p:grpSpPr>
+      <p:sp>
+        <p:nvSpPr>
+          <p:cNvPr id="2" name="Segnaposto immagine diapositiva 1"/>
+          <p:cNvSpPr>
+            <a:spLocks noGrp="1" noRot="1" noChangeAspect="1"/>
+          </p:cNvSpPr>
+          <p:nvPr>
+            <p:ph type="sldImg"/>
+          </p:nvPr>
+        </p:nvSpPr>
+        <p:spPr/>
+      </p:sp>
+      <p:sp>
+        <p:nvSpPr>
+          <p:cNvPr id="3" name="Segnaposto note 2"/>
+          <p:cNvSpPr>
+            <a:spLocks noGrp="1"/>
+          </p:cNvSpPr>
+          <p:nvPr>
+            <p:ph type="body" idx="1"/>
+          </p:nvPr>
+        </p:nvSpPr>
+        <p:spPr/>
+        <p:txBody>
+          <a:bodyPr/>
+          <a:lstStyle/>
+          <a:p>
+            <a:r>
+              <a:rPr lang="it-IT" dirty="0" smtClean="0"/>
+              <a:t>Un esempio di valore salvato (in</a:t>
+            </a:r>
+            <a:r>
+              <a:rPr lang="it-IT" baseline="0" dirty="0" smtClean="0"/>
+              <a:t> </a:t>
+            </a:r>
+            <a:r>
+              <a:rPr lang="it-IT" baseline="0" dirty="0" err="1" smtClean="0"/>
+              <a:t>bitcoin</a:t>
+            </a:r>
+            <a:r>
+              <a:rPr lang="it-IT" baseline="0" dirty="0" smtClean="0"/>
+              <a:t>) è la transazione stessa (</a:t>
+            </a:r>
+            <a:r>
+              <a:rPr lang="it-IT" baseline="0" dirty="0" err="1" smtClean="0"/>
+              <a:t>Da,Per</a:t>
+            </a:r>
+            <a:r>
+              <a:rPr lang="it-IT" baseline="0" dirty="0" smtClean="0"/>
+              <a:t>, valore transazione)</a:t>
+            </a:r>
+          </a:p>
+          <a:p>
+            <a:r>
+              <a:rPr lang="it-IT" baseline="0" dirty="0" err="1" smtClean="0"/>
+              <a:t>Hash</a:t>
+            </a:r>
+            <a:r>
+              <a:rPr lang="it-IT" baseline="0" dirty="0" smtClean="0"/>
+              <a:t> è sinonimo di IMPRONTA DIGITALE</a:t>
+            </a:r>
+            <a:endParaRPr lang="it-IT" dirty="0"/>
+          </a:p>
+        </p:txBody>
+      </p:sp>
+      <p:sp>
+        <p:nvSpPr>
+          <p:cNvPr id="4" name="Segnaposto numero diapositiva 3"/>
+          <p:cNvSpPr>
+            <a:spLocks noGrp="1"/>
+          </p:cNvSpPr>
+          <p:nvPr>
+            <p:ph type="sldNum" sz="quarter" idx="10"/>
+          </p:nvPr>
+        </p:nvSpPr>
+        <p:spPr/>
+        <p:txBody>
+          <a:bodyPr/>
+          <a:lstStyle/>
+          <a:p>
+            <a:fld id="{C082161E-3966-4D80-B450-0915D95E276E}" type="slidenum">
+              <a:rPr lang="it-IT" smtClean="0"/>
+              <a:t>13</a:t>
+            </a:fld>
+            <a:endParaRPr lang="it-IT"/>
+          </a:p>
+        </p:txBody>
+      </p:sp>
+    </p:spTree>
+    <p:extLst>
+      <p:ext uri="{BB962C8B-B14F-4D97-AF65-F5344CB8AC3E}">
+        <p14:creationId xmlns:p14="http://schemas.microsoft.com/office/powerpoint/2010/main" val="635118481"/>
+      </p:ext>
+    </p:extLst>
+  </p:cSld>
+  <p:clrMapOvr>
+    <a:masterClrMapping/>
+  </p:clrMapOvr>
+</p:notes>
+</file>
+
+<file path=ppt/notesSlides/notesSlide2.xml><?xml version="1.0" encoding="utf-8"?>
+<p:notes xmlns:a="http://schemas.openxmlformats.org/drawingml/2006/main" xmlns:r="http://schemas.openxmlformats.org/officeDocument/2006/relationships" xmlns:p="http://schemas.openxmlformats.org/presentationml/2006/main">
+  <p:cSld>
+    <p:spTree>
+      <p:nvGrpSpPr>
+        <p:cNvPr id="1" name=""/>
+        <p:cNvGrpSpPr/>
+        <p:nvPr/>
+      </p:nvGrpSpPr>
+      <p:grpSpPr>
+        <a:xfrm>
+          <a:off x="0" y="0"/>
+          <a:ext cx="0" cy="0"/>
+          <a:chOff x="0" y="0"/>
+          <a:chExt cx="0" cy="0"/>
+        </a:xfrm>
+      </p:grpSpPr>
+      <p:sp>
+        <p:nvSpPr>
+          <p:cNvPr id="2" name="Segnaposto immagine diapositiva 1"/>
+          <p:cNvSpPr>
+            <a:spLocks noGrp="1" noRot="1" noChangeAspect="1"/>
+          </p:cNvSpPr>
+          <p:nvPr>
+            <p:ph type="sldImg"/>
+          </p:nvPr>
+        </p:nvSpPr>
+        <p:spPr/>
+      </p:sp>
+      <p:sp>
+        <p:nvSpPr>
+          <p:cNvPr id="3" name="Segnaposto note 2"/>
+          <p:cNvSpPr>
+            <a:spLocks noGrp="1"/>
+          </p:cNvSpPr>
+          <p:nvPr>
+            <p:ph type="body" idx="1"/>
+          </p:nvPr>
+        </p:nvSpPr>
+        <p:spPr/>
+        <p:txBody>
+          <a:bodyPr/>
+          <a:lstStyle/>
+          <a:p>
+            <a:r>
+              <a:rPr lang="it-IT" dirty="0" smtClean="0"/>
+              <a:t>Un esempio di valore salvato (in</a:t>
+            </a:r>
+            <a:r>
+              <a:rPr lang="it-IT" baseline="0" dirty="0" smtClean="0"/>
+              <a:t> </a:t>
+            </a:r>
+            <a:r>
+              <a:rPr lang="it-IT" baseline="0" dirty="0" err="1" smtClean="0"/>
+              <a:t>bitcoin</a:t>
+            </a:r>
+            <a:r>
+              <a:rPr lang="it-IT" baseline="0" dirty="0" smtClean="0"/>
+              <a:t>) è la transazione stessa (</a:t>
+            </a:r>
+            <a:r>
+              <a:rPr lang="it-IT" baseline="0" dirty="0" err="1" smtClean="0"/>
+              <a:t>Da,Per</a:t>
+            </a:r>
+            <a:r>
+              <a:rPr lang="it-IT" baseline="0" dirty="0" smtClean="0"/>
+              <a:t>, valore transazione)</a:t>
+            </a:r>
+          </a:p>
+          <a:p>
+            <a:r>
+              <a:rPr lang="it-IT" baseline="0" dirty="0" err="1" smtClean="0"/>
+              <a:t>Hash</a:t>
+            </a:r>
+            <a:r>
+              <a:rPr lang="it-IT" baseline="0" dirty="0" smtClean="0"/>
+              <a:t> è sinonimo di IMPRONTA DIGITALE</a:t>
+            </a:r>
+            <a:endParaRPr lang="it-IT" dirty="0"/>
+          </a:p>
+        </p:txBody>
+      </p:sp>
+      <p:sp>
+        <p:nvSpPr>
+          <p:cNvPr id="4" name="Segnaposto numero diapositiva 3"/>
+          <p:cNvSpPr>
+            <a:spLocks noGrp="1"/>
+          </p:cNvSpPr>
+          <p:nvPr>
+            <p:ph type="sldNum" sz="quarter" idx="10"/>
+          </p:nvPr>
+        </p:nvSpPr>
+        <p:spPr/>
+        <p:txBody>
+          <a:bodyPr/>
+          <a:lstStyle/>
+          <a:p>
+            <a:fld id="{C082161E-3966-4D80-B450-0915D95E276E}" type="slidenum">
+              <a:rPr lang="it-IT" smtClean="0"/>
+              <a:t>14</a:t>
+            </a:fld>
+            <a:endParaRPr lang="it-IT"/>
+          </a:p>
+        </p:txBody>
+      </p:sp>
+    </p:spTree>
+    <p:extLst>
+      <p:ext uri="{BB962C8B-B14F-4D97-AF65-F5344CB8AC3E}">
+        <p14:creationId xmlns:p14="http://schemas.microsoft.com/office/powerpoint/2010/main" val="635118481"/>
+      </p:ext>
+    </p:extLst>
+  </p:cSld>
+  <p:clrMapOvr>
+    <a:masterClrMapping/>
+  </p:clrMapOvr>
+</p:notes>
+</file>
+
+<file path=ppt/notesSlides/notesSlide3.xml><?xml version="1.0" encoding="utf-8"?>
+<p:notes xmlns:a="http://schemas.openxmlformats.org/drawingml/2006/main" xmlns:r="http://schemas.openxmlformats.org/officeDocument/2006/relationships" xmlns:p="http://schemas.openxmlformats.org/presentationml/2006/main">
+  <p:cSld>
+    <p:spTree>
+      <p:nvGrpSpPr>
+        <p:cNvPr id="1" name=""/>
+        <p:cNvGrpSpPr/>
+        <p:nvPr/>
+      </p:nvGrpSpPr>
+      <p:grpSpPr>
+        <a:xfrm>
+          <a:off x="0" y="0"/>
+          <a:ext cx="0" cy="0"/>
+          <a:chOff x="0" y="0"/>
+          <a:chExt cx="0" cy="0"/>
+        </a:xfrm>
+      </p:grpSpPr>
+      <p:sp>
+        <p:nvSpPr>
+          <p:cNvPr id="2" name="Segnaposto immagine diapositiva 1"/>
+          <p:cNvSpPr>
+            <a:spLocks noGrp="1" noRot="1" noChangeAspect="1"/>
+          </p:cNvSpPr>
+          <p:nvPr>
+            <p:ph type="sldImg"/>
+          </p:nvPr>
+        </p:nvSpPr>
+        <p:spPr/>
+      </p:sp>
+      <p:sp>
+        <p:nvSpPr>
+          <p:cNvPr id="3" name="Segnaposto note 2"/>
+          <p:cNvSpPr>
+            <a:spLocks noGrp="1"/>
+          </p:cNvSpPr>
+          <p:nvPr>
+            <p:ph type="body" idx="1"/>
+          </p:nvPr>
+        </p:nvSpPr>
+        <p:spPr/>
+        <p:txBody>
+          <a:bodyPr/>
+          <a:lstStyle/>
+          <a:p>
+            <a:r>
+              <a:rPr lang="it-IT" dirty="0" err="1" smtClean="0"/>
+              <a:t>Hash</a:t>
+            </a:r>
+            <a:r>
+              <a:rPr lang="it-IT" dirty="0" smtClean="0"/>
+              <a:t> è basata sul valore del cubo, se</a:t>
+            </a:r>
+            <a:r>
+              <a:rPr lang="it-IT" baseline="0" dirty="0" smtClean="0"/>
+              <a:t> questo cambia, cambia il cubo!</a:t>
+            </a:r>
+            <a:endParaRPr lang="it-IT" dirty="0"/>
+          </a:p>
+        </p:txBody>
+      </p:sp>
+      <p:sp>
+        <p:nvSpPr>
+          <p:cNvPr id="4" name="Segnaposto numero diapositiva 3"/>
+          <p:cNvSpPr>
+            <a:spLocks noGrp="1"/>
+          </p:cNvSpPr>
+          <p:nvPr>
+            <p:ph type="sldNum" sz="quarter" idx="10"/>
+          </p:nvPr>
+        </p:nvSpPr>
+        <p:spPr/>
+        <p:txBody>
+          <a:bodyPr/>
+          <a:lstStyle/>
+          <a:p>
+            <a:fld id="{C082161E-3966-4D80-B450-0915D95E276E}" type="slidenum">
+              <a:rPr lang="it-IT" smtClean="0"/>
+              <a:t>15</a:t>
+            </a:fld>
+            <a:endParaRPr lang="it-IT"/>
+          </a:p>
+        </p:txBody>
+      </p:sp>
+    </p:spTree>
+    <p:extLst>
+      <p:ext uri="{BB962C8B-B14F-4D97-AF65-F5344CB8AC3E}">
+        <p14:creationId xmlns:p14="http://schemas.microsoft.com/office/powerpoint/2010/main" val="628522522"/>
+      </p:ext>
+    </p:extLst>
+  </p:cSld>
+  <p:clrMapOvr>
+    <a:masterClrMapping/>
+  </p:clrMapOvr>
+</p:notes>
+</file>
+
+<file path=ppt/notesSlides/notesSlide4.xml><?xml version="1.0" encoding="utf-8"?>
+<p:notes xmlns:a="http://schemas.openxmlformats.org/drawingml/2006/main" xmlns:r="http://schemas.openxmlformats.org/officeDocument/2006/relationships" xmlns:p="http://schemas.openxmlformats.org/presentationml/2006/main">
+  <p:cSld>
+    <p:spTree>
+      <p:nvGrpSpPr>
+        <p:cNvPr id="1" name=""/>
+        <p:cNvGrpSpPr/>
+        <p:nvPr/>
+      </p:nvGrpSpPr>
+      <p:grpSpPr>
+        <a:xfrm>
+          <a:off x="0" y="0"/>
+          <a:ext cx="0" cy="0"/>
+          <a:chOff x="0" y="0"/>
+          <a:chExt cx="0" cy="0"/>
+        </a:xfrm>
+      </p:grpSpPr>
+      <p:sp>
+        <p:nvSpPr>
+          <p:cNvPr id="2" name="Segnaposto immagine diapositiva 1"/>
+          <p:cNvSpPr>
+            <a:spLocks noGrp="1" noRot="1" noChangeAspect="1"/>
+          </p:cNvSpPr>
+          <p:nvPr>
+            <p:ph type="sldImg"/>
+          </p:nvPr>
+        </p:nvSpPr>
+        <p:spPr/>
+      </p:sp>
+      <p:sp>
+        <p:nvSpPr>
+          <p:cNvPr id="3" name="Segnaposto note 2"/>
+          <p:cNvSpPr>
+            <a:spLocks noGrp="1"/>
+          </p:cNvSpPr>
+          <p:nvPr>
+            <p:ph type="body" idx="1"/>
+          </p:nvPr>
+        </p:nvSpPr>
+        <p:spPr/>
+        <p:txBody>
+          <a:bodyPr/>
+          <a:lstStyle/>
+          <a:p>
+            <a:r>
+              <a:rPr lang="it-IT" dirty="0" err="1" smtClean="0"/>
+              <a:t>Hash</a:t>
+            </a:r>
+            <a:r>
+              <a:rPr lang="it-IT" dirty="0" smtClean="0"/>
+              <a:t> è basata sul valore del cubo, se</a:t>
+            </a:r>
+            <a:r>
+              <a:rPr lang="it-IT" baseline="0" dirty="0" smtClean="0"/>
+              <a:t> questo cambia, cambia il cubo!</a:t>
+            </a:r>
+            <a:endParaRPr lang="it-IT" dirty="0"/>
+          </a:p>
+        </p:txBody>
+      </p:sp>
+      <p:sp>
+        <p:nvSpPr>
+          <p:cNvPr id="4" name="Segnaposto numero diapositiva 3"/>
+          <p:cNvSpPr>
+            <a:spLocks noGrp="1"/>
+          </p:cNvSpPr>
+          <p:nvPr>
+            <p:ph type="sldNum" sz="quarter" idx="10"/>
+          </p:nvPr>
+        </p:nvSpPr>
+        <p:spPr/>
+        <p:txBody>
+          <a:bodyPr/>
+          <a:lstStyle/>
+          <a:p>
+            <a:fld id="{C082161E-3966-4D80-B450-0915D95E276E}" type="slidenum">
+              <a:rPr lang="it-IT" smtClean="0"/>
+              <a:t>16</a:t>
+            </a:fld>
+            <a:endParaRPr lang="it-IT"/>
+          </a:p>
+        </p:txBody>
+      </p:sp>
+    </p:spTree>
+    <p:extLst>
+      <p:ext uri="{BB962C8B-B14F-4D97-AF65-F5344CB8AC3E}">
+        <p14:creationId xmlns:p14="http://schemas.microsoft.com/office/powerpoint/2010/main" val="628522522"/>
+      </p:ext>
+    </p:extLst>
+  </p:cSld>
+  <p:clrMapOvr>
+    <a:masterClrMapping/>
+  </p:clrMapOvr>
+</p:notes>
+</file>
+
+<file path=ppt/notesSlides/notesSlide5.xml><?xml version="1.0" encoding="utf-8"?>
+<p:notes xmlns:a="http://schemas.openxmlformats.org/drawingml/2006/main" xmlns:r="http://schemas.openxmlformats.org/officeDocument/2006/relationships" xmlns:p="http://schemas.openxmlformats.org/presentationml/2006/main">
+  <p:cSld>
+    <p:spTree>
+      <p:nvGrpSpPr>
+        <p:cNvPr id="1" name=""/>
+        <p:cNvGrpSpPr/>
+        <p:nvPr/>
+      </p:nvGrpSpPr>
+      <p:grpSpPr>
+        <a:xfrm>
+          <a:off x="0" y="0"/>
+          <a:ext cx="0" cy="0"/>
+          <a:chOff x="0" y="0"/>
+          <a:chExt cx="0" cy="0"/>
+        </a:xfrm>
+      </p:grpSpPr>
+      <p:sp>
+        <p:nvSpPr>
+          <p:cNvPr id="2" name="Segnaposto immagine diapositiva 1"/>
+          <p:cNvSpPr>
+            <a:spLocks noGrp="1" noRot="1" noChangeAspect="1"/>
+          </p:cNvSpPr>
+          <p:nvPr>
+            <p:ph type="sldImg"/>
+          </p:nvPr>
+        </p:nvSpPr>
+        <p:spPr/>
+      </p:sp>
+      <p:sp>
+        <p:nvSpPr>
+          <p:cNvPr id="3" name="Segnaposto note 2"/>
+          <p:cNvSpPr>
+            <a:spLocks noGrp="1"/>
+          </p:cNvSpPr>
+          <p:nvPr>
+            <p:ph type="body" idx="1"/>
+          </p:nvPr>
+        </p:nvSpPr>
+        <p:spPr/>
+        <p:txBody>
+          <a:bodyPr/>
+          <a:lstStyle/>
+          <a:p>
+            <a:r>
+              <a:rPr lang="it-IT" dirty="0" err="1" smtClean="0"/>
+              <a:t>Hash</a:t>
+            </a:r>
+            <a:r>
+              <a:rPr lang="it-IT" dirty="0" smtClean="0"/>
+              <a:t> è basata sul valore del cubo, se</a:t>
+            </a:r>
+            <a:r>
+              <a:rPr lang="it-IT" baseline="0" dirty="0" smtClean="0"/>
+              <a:t> questo cambia, cambia il cubo!</a:t>
+            </a:r>
+            <a:endParaRPr lang="it-IT" dirty="0"/>
+          </a:p>
+        </p:txBody>
+      </p:sp>
+      <p:sp>
+        <p:nvSpPr>
+          <p:cNvPr id="4" name="Segnaposto numero diapositiva 3"/>
+          <p:cNvSpPr>
+            <a:spLocks noGrp="1"/>
+          </p:cNvSpPr>
+          <p:nvPr>
+            <p:ph type="sldNum" sz="quarter" idx="10"/>
+          </p:nvPr>
+        </p:nvSpPr>
+        <p:spPr/>
+        <p:txBody>
+          <a:bodyPr/>
+          <a:lstStyle/>
+          <a:p>
+            <a:fld id="{C082161E-3966-4D80-B450-0915D95E276E}" type="slidenum">
+              <a:rPr lang="it-IT" smtClean="0"/>
+              <a:t>17</a:t>
+            </a:fld>
+            <a:endParaRPr lang="it-IT"/>
+          </a:p>
+        </p:txBody>
+      </p:sp>
+    </p:spTree>
+    <p:extLst>
+      <p:ext uri="{BB962C8B-B14F-4D97-AF65-F5344CB8AC3E}">
+        <p14:creationId xmlns:p14="http://schemas.microsoft.com/office/powerpoint/2010/main" val="628522522"/>
+      </p:ext>
+    </p:extLst>
+  </p:cSld>
+  <p:clrMapOvr>
+    <a:masterClrMapping/>
+  </p:clrMapOvr>
+</p:notes>
+</file>
+
+<file path=ppt/notesSlides/notesSlide6.xml><?xml version="1.0" encoding="utf-8"?>
+<p:notes xmlns:a="http://schemas.openxmlformats.org/drawingml/2006/main" xmlns:r="http://schemas.openxmlformats.org/officeDocument/2006/relationships" xmlns:p="http://schemas.openxmlformats.org/presentationml/2006/main">
+  <p:cSld>
+    <p:spTree>
+      <p:nvGrpSpPr>
+        <p:cNvPr id="1" name=""/>
+        <p:cNvGrpSpPr/>
+        <p:nvPr/>
+      </p:nvGrpSpPr>
+      <p:grpSpPr>
+        <a:xfrm>
+          <a:off x="0" y="0"/>
+          <a:ext cx="0" cy="0"/>
+          <a:chOff x="0" y="0"/>
+          <a:chExt cx="0" cy="0"/>
+        </a:xfrm>
+      </p:grpSpPr>
+      <p:sp>
+        <p:nvSpPr>
+          <p:cNvPr id="2" name="Segnaposto immagine diapositiva 1"/>
+          <p:cNvSpPr>
+            <a:spLocks noGrp="1" noRot="1" noChangeAspect="1"/>
+          </p:cNvSpPr>
+          <p:nvPr>
+            <p:ph type="sldImg"/>
+          </p:nvPr>
+        </p:nvSpPr>
+        <p:spPr/>
+      </p:sp>
+      <p:sp>
+        <p:nvSpPr>
+          <p:cNvPr id="3" name="Segnaposto note 2"/>
+          <p:cNvSpPr>
+            <a:spLocks noGrp="1"/>
+          </p:cNvSpPr>
+          <p:nvPr>
+            <p:ph type="body" idx="1"/>
+          </p:nvPr>
+        </p:nvSpPr>
+        <p:spPr/>
+        <p:txBody>
+          <a:bodyPr/>
+          <a:lstStyle/>
+          <a:p>
+            <a:r>
+              <a:rPr lang="it-IT" dirty="0" smtClean="0"/>
+              <a:t>Il primo blocco, che non punta a nessuno viene chiamato genesi</a:t>
+            </a:r>
+            <a:endParaRPr lang="it-IT" dirty="0"/>
+          </a:p>
+        </p:txBody>
+      </p:sp>
+      <p:sp>
+        <p:nvSpPr>
+          <p:cNvPr id="4" name="Segnaposto numero diapositiva 3"/>
+          <p:cNvSpPr>
+            <a:spLocks noGrp="1"/>
+          </p:cNvSpPr>
+          <p:nvPr>
+            <p:ph type="sldNum" sz="quarter" idx="10"/>
+          </p:nvPr>
+        </p:nvSpPr>
+        <p:spPr/>
+        <p:txBody>
+          <a:bodyPr/>
+          <a:lstStyle/>
+          <a:p>
+            <a:fld id="{C082161E-3966-4D80-B450-0915D95E276E}" type="slidenum">
+              <a:rPr lang="it-IT" smtClean="0"/>
+              <a:t>18</a:t>
+            </a:fld>
+            <a:endParaRPr lang="it-IT"/>
+          </a:p>
+        </p:txBody>
+      </p:sp>
+    </p:spTree>
+    <p:extLst>
+      <p:ext uri="{BB962C8B-B14F-4D97-AF65-F5344CB8AC3E}">
+        <p14:creationId xmlns:p14="http://schemas.microsoft.com/office/powerpoint/2010/main" val="803582957"/>
+      </p:ext>
+    </p:extLst>
+  </p:cSld>
+  <p:clrMapOvr>
+    <a:masterClrMapping/>
+  </p:clrMapOvr>
+</p:notes>
+</file>
+
+<file path=ppt/notesSlides/notesSlide7.xml><?xml version="1.0" encoding="utf-8"?>
+<p:notes xmlns:a="http://schemas.openxmlformats.org/drawingml/2006/main" xmlns:r="http://schemas.openxmlformats.org/officeDocument/2006/relationships" xmlns:p="http://schemas.openxmlformats.org/presentationml/2006/main">
+  <p:cSld>
+    <p:spTree>
+      <p:nvGrpSpPr>
+        <p:cNvPr id="1" name=""/>
+        <p:cNvGrpSpPr/>
+        <p:nvPr/>
+      </p:nvGrpSpPr>
+      <p:grpSpPr>
+        <a:xfrm>
+          <a:off x="0" y="0"/>
+          <a:ext cx="0" cy="0"/>
+          <a:chOff x="0" y="0"/>
+          <a:chExt cx="0" cy="0"/>
+        </a:xfrm>
+      </p:grpSpPr>
+      <p:sp>
+        <p:nvSpPr>
+          <p:cNvPr id="2" name="Segnaposto immagine diapositiva 1"/>
+          <p:cNvSpPr>
+            <a:spLocks noGrp="1" noRot="1" noChangeAspect="1"/>
+          </p:cNvSpPr>
+          <p:nvPr>
+            <p:ph type="sldImg"/>
+          </p:nvPr>
+        </p:nvSpPr>
+        <p:spPr/>
+      </p:sp>
+      <p:sp>
+        <p:nvSpPr>
+          <p:cNvPr id="3" name="Segnaposto note 2"/>
+          <p:cNvSpPr>
+            <a:spLocks noGrp="1"/>
+          </p:cNvSpPr>
+          <p:nvPr>
+            <p:ph type="body" idx="1"/>
+          </p:nvPr>
+        </p:nvSpPr>
+        <p:spPr/>
+        <p:txBody>
+          <a:bodyPr/>
+          <a:lstStyle/>
+          <a:p>
+            <a:r>
+              <a:rPr lang="it-IT" dirty="0" smtClean="0"/>
+              <a:t>Supponiamo che qualcuno corrompesse</a:t>
+            </a:r>
+            <a:r>
+              <a:rPr lang="it-IT" baseline="0" dirty="0" smtClean="0"/>
+              <a:t> il secondo blocco. In questo caso, cambierebbe anche il suo </a:t>
+            </a:r>
+            <a:r>
+              <a:rPr lang="it-IT" baseline="0" dirty="0" err="1" smtClean="0"/>
+              <a:t>hash</a:t>
+            </a:r>
+            <a:r>
+              <a:rPr lang="it-IT" baseline="0" dirty="0" smtClean="0"/>
+              <a:t> e la catena si romperebbe</a:t>
+            </a:r>
+            <a:endParaRPr lang="it-IT" dirty="0"/>
+          </a:p>
+        </p:txBody>
+      </p:sp>
+      <p:sp>
+        <p:nvSpPr>
+          <p:cNvPr id="4" name="Segnaposto numero diapositiva 3"/>
+          <p:cNvSpPr>
+            <a:spLocks noGrp="1"/>
+          </p:cNvSpPr>
+          <p:nvPr>
+            <p:ph type="sldNum" sz="quarter" idx="10"/>
+          </p:nvPr>
+        </p:nvSpPr>
+        <p:spPr/>
+        <p:txBody>
+          <a:bodyPr/>
+          <a:lstStyle/>
+          <a:p>
+            <a:fld id="{C082161E-3966-4D80-B450-0915D95E276E}" type="slidenum">
+              <a:rPr lang="it-IT" smtClean="0"/>
+              <a:t>19</a:t>
+            </a:fld>
+            <a:endParaRPr lang="it-IT"/>
+          </a:p>
+        </p:txBody>
+      </p:sp>
+    </p:spTree>
+    <p:extLst>
+      <p:ext uri="{BB962C8B-B14F-4D97-AF65-F5344CB8AC3E}">
+        <p14:creationId xmlns:p14="http://schemas.microsoft.com/office/powerpoint/2010/main" val="803582957"/>
+      </p:ext>
+    </p:extLst>
+  </p:cSld>
+  <p:clrMapOvr>
+    <a:masterClrMapping/>
+  </p:clrMapOvr>
+</p:notes>
+</file>
+
+<file path=ppt/notesSlides/notesSlide8.xml><?xml version="1.0" encoding="utf-8"?>
+<p:notes xmlns:a="http://schemas.openxmlformats.org/drawingml/2006/main" xmlns:r="http://schemas.openxmlformats.org/officeDocument/2006/relationships" xmlns:p="http://schemas.openxmlformats.org/presentationml/2006/main">
+  <p:cSld>
+    <p:spTree>
+      <p:nvGrpSpPr>
+        <p:cNvPr id="1" name=""/>
+        <p:cNvGrpSpPr/>
+        <p:nvPr/>
+      </p:nvGrpSpPr>
+      <p:grpSpPr>
+        <a:xfrm>
+          <a:off x="0" y="0"/>
+          <a:ext cx="0" cy="0"/>
+          <a:chOff x="0" y="0"/>
+          <a:chExt cx="0" cy="0"/>
+        </a:xfrm>
+      </p:grpSpPr>
+      <p:sp>
+        <p:nvSpPr>
+          <p:cNvPr id="2" name="Segnaposto immagine diapositiva 1"/>
+          <p:cNvSpPr>
+            <a:spLocks noGrp="1" noRot="1" noChangeAspect="1"/>
+          </p:cNvSpPr>
+          <p:nvPr>
+            <p:ph type="sldImg"/>
+          </p:nvPr>
+        </p:nvSpPr>
+        <p:spPr/>
+      </p:sp>
+      <p:sp>
+        <p:nvSpPr>
+          <p:cNvPr id="3" name="Segnaposto note 2"/>
+          <p:cNvSpPr>
+            <a:spLocks noGrp="1"/>
+          </p:cNvSpPr>
+          <p:nvPr>
+            <p:ph type="body" idx="1"/>
+          </p:nvPr>
+        </p:nvSpPr>
+        <p:spPr/>
+        <p:txBody>
+          <a:bodyPr/>
+          <a:lstStyle/>
+          <a:p>
+            <a:r>
+              <a:rPr lang="it-IT" dirty="0" smtClean="0"/>
+              <a:t>Supponiamo che qualcuno corrompesse</a:t>
+            </a:r>
+            <a:r>
+              <a:rPr lang="it-IT" baseline="0" dirty="0" smtClean="0"/>
+              <a:t> il secondo blocco. In questo caso, cambierebbe anche il suo </a:t>
+            </a:r>
+            <a:r>
+              <a:rPr lang="it-IT" baseline="0" dirty="0" err="1" smtClean="0"/>
+              <a:t>hash</a:t>
+            </a:r>
+            <a:r>
+              <a:rPr lang="it-IT" baseline="0" dirty="0" smtClean="0"/>
+              <a:t> e la catena si romperebbe.</a:t>
+            </a:r>
+          </a:p>
+          <a:p>
+            <a:r>
+              <a:rPr lang="it-IT" baseline="0" dirty="0" smtClean="0"/>
+              <a:t>Ma al giorno d’oggi i PC possono </a:t>
+            </a:r>
+            <a:r>
+              <a:rPr lang="it-IT" baseline="0" dirty="0" err="1" smtClean="0"/>
+              <a:t>calcorare</a:t>
+            </a:r>
+            <a:r>
+              <a:rPr lang="it-IT" baseline="0" dirty="0" smtClean="0"/>
+              <a:t> un sacco di </a:t>
+            </a:r>
+            <a:r>
+              <a:rPr lang="it-IT" baseline="0" dirty="0" err="1" smtClean="0"/>
+              <a:t>hash</a:t>
+            </a:r>
+            <a:r>
+              <a:rPr lang="it-IT" baseline="0" dirty="0" smtClean="0"/>
+              <a:t> al secondo, quindi serve una PROOF-OF-WORK</a:t>
+            </a:r>
+            <a:endParaRPr lang="it-IT" dirty="0"/>
+          </a:p>
+        </p:txBody>
+      </p:sp>
+      <p:sp>
+        <p:nvSpPr>
+          <p:cNvPr id="4" name="Segnaposto numero diapositiva 3"/>
+          <p:cNvSpPr>
+            <a:spLocks noGrp="1"/>
+          </p:cNvSpPr>
+          <p:nvPr>
+            <p:ph type="sldNum" sz="quarter" idx="10"/>
+          </p:nvPr>
+        </p:nvSpPr>
+        <p:spPr/>
+        <p:txBody>
+          <a:bodyPr/>
+          <a:lstStyle/>
+          <a:p>
+            <a:fld id="{C082161E-3966-4D80-B450-0915D95E276E}" type="slidenum">
+              <a:rPr lang="it-IT" smtClean="0"/>
+              <a:t>20</a:t>
+            </a:fld>
+            <a:endParaRPr lang="it-IT"/>
+          </a:p>
+        </p:txBody>
+      </p:sp>
+    </p:spTree>
+    <p:extLst>
+      <p:ext uri="{BB962C8B-B14F-4D97-AF65-F5344CB8AC3E}">
+        <p14:creationId xmlns:p14="http://schemas.microsoft.com/office/powerpoint/2010/main" val="803582957"/>
+      </p:ext>
+    </p:extLst>
+  </p:cSld>
+  <p:clrMapOvr>
+    <a:masterClrMapping/>
+  </p:clrMapOvr>
+</p:notes>
+</file>
+
+<file path=ppt/notesSlides/notesSlide9.xml><?xml version="1.0" encoding="utf-8"?>
+<p:notes xmlns:a="http://schemas.openxmlformats.org/drawingml/2006/main" xmlns:r="http://schemas.openxmlformats.org/officeDocument/2006/relationships" xmlns:p="http://schemas.openxmlformats.org/presentationml/2006/main">
+  <p:cSld>
+    <p:spTree>
+      <p:nvGrpSpPr>
+        <p:cNvPr id="1" name=""/>
+        <p:cNvGrpSpPr/>
+        <p:nvPr/>
+      </p:nvGrpSpPr>
+      <p:grpSpPr>
+        <a:xfrm>
+          <a:off x="0" y="0"/>
+          <a:ext cx="0" cy="0"/>
+          <a:chOff x="0" y="0"/>
+          <a:chExt cx="0" cy="0"/>
+        </a:xfrm>
+      </p:grpSpPr>
+      <p:sp>
+        <p:nvSpPr>
+          <p:cNvPr id="2" name="Segnaposto immagine diapositiva 1"/>
+          <p:cNvSpPr>
+            <a:spLocks noGrp="1" noRot="1" noChangeAspect="1"/>
+          </p:cNvSpPr>
+          <p:nvPr>
+            <p:ph type="sldImg"/>
+          </p:nvPr>
+        </p:nvSpPr>
+        <p:spPr/>
+      </p:sp>
+      <p:sp>
+        <p:nvSpPr>
+          <p:cNvPr id="3" name="Segnaposto note 2"/>
+          <p:cNvSpPr>
+            <a:spLocks noGrp="1"/>
+          </p:cNvSpPr>
+          <p:nvPr>
+            <p:ph type="body" idx="1"/>
+          </p:nvPr>
+        </p:nvSpPr>
+        <p:spPr/>
+        <p:txBody>
+          <a:bodyPr/>
+          <a:lstStyle/>
+          <a:p>
+            <a:r>
+              <a:rPr lang="it-IT" dirty="0" smtClean="0"/>
+              <a:t>PROOF</a:t>
+            </a:r>
+            <a:r>
+              <a:rPr lang="it-IT" baseline="0" dirty="0" smtClean="0"/>
+              <a:t> OF WORK -&gt; meccanismo che rallenta la produzione di nuovi blocchi alla catena. Se quindi un blocco cambiasse, tutti i blocchi dovrebbero ricalcolare la catena.</a:t>
+            </a:r>
+          </a:p>
+          <a:p>
+            <a:r>
+              <a:rPr lang="it-IT" baseline="0" dirty="0" smtClean="0"/>
+              <a:t>La sicurezza arriva dalla combo </a:t>
+            </a:r>
+            <a:r>
+              <a:rPr lang="it-IT" baseline="0" dirty="0" err="1" smtClean="0"/>
+              <a:t>Proof</a:t>
+            </a:r>
+            <a:r>
+              <a:rPr lang="it-IT" baseline="0" dirty="0" smtClean="0"/>
+              <a:t>-of-work / </a:t>
+            </a:r>
+            <a:r>
+              <a:rPr lang="it-IT" baseline="0" dirty="0" err="1" smtClean="0"/>
+              <a:t>hashing</a:t>
+            </a:r>
+            <a:endParaRPr lang="it-IT" dirty="0"/>
+          </a:p>
+        </p:txBody>
+      </p:sp>
+      <p:sp>
+        <p:nvSpPr>
+          <p:cNvPr id="4" name="Segnaposto numero diapositiva 3"/>
+          <p:cNvSpPr>
+            <a:spLocks noGrp="1"/>
+          </p:cNvSpPr>
+          <p:nvPr>
+            <p:ph type="sldNum" sz="quarter" idx="10"/>
+          </p:nvPr>
+        </p:nvSpPr>
+        <p:spPr/>
+        <p:txBody>
+          <a:bodyPr/>
+          <a:lstStyle/>
+          <a:p>
+            <a:fld id="{C082161E-3966-4D80-B450-0915D95E276E}" type="slidenum">
+              <a:rPr lang="it-IT" smtClean="0"/>
+              <a:t>21</a:t>
+            </a:fld>
+            <a:endParaRPr lang="it-IT"/>
+          </a:p>
+        </p:txBody>
+      </p:sp>
+    </p:spTree>
+    <p:extLst>
+      <p:ext uri="{BB962C8B-B14F-4D97-AF65-F5344CB8AC3E}">
+        <p14:creationId xmlns:p14="http://schemas.microsoft.com/office/powerpoint/2010/main" val="803582957"/>
+      </p:ext>
+    </p:extLst>
+  </p:cSld>
+  <p:clrMapOvr>
+    <a:masterClrMapping/>
+  </p:clrMapOvr>
+</p:notes>
+</file>
+
 <file path=ppt/slideLayouts/slideLayout1.xml><?xml version="1.0" encoding="utf-8"?>
 <p:sldLayout xmlns:a="http://schemas.openxmlformats.org/drawingml/2006/main" xmlns:r="http://schemas.openxmlformats.org/officeDocument/2006/relationships" xmlns:p="http://schemas.openxmlformats.org/presentationml/2006/main" preserve="1" userDrawn="1">
   <p:cSld name="1_PAOLOVI_Layout">
@@ -901,7 +2218,7 @@
           <a:p>
             <a:fld id="{EEA66B03-0061-492A-9EC7-EE1D80E5446B}" type="datetimeFigureOut">
               <a:rPr lang="it-IT" smtClean="0"/>
-              <a:t>01/03/2018</a:t>
+              <a:t>02/03/2018</a:t>
             </a:fld>
             <a:endParaRPr lang="it-IT"/>
           </a:p>
@@ -1019,7 +2336,7 @@
           <a:p>
             <a:fld id="{EEA66B03-0061-492A-9EC7-EE1D80E5446B}" type="datetimeFigureOut">
               <a:rPr lang="it-IT" smtClean="0"/>
-              <a:t>01/03/2018</a:t>
+              <a:t>02/03/2018</a:t>
             </a:fld>
             <a:endParaRPr lang="it-IT"/>
           </a:p>
@@ -1114,7 +2431,7 @@
           <a:p>
             <a:fld id="{EEA66B03-0061-492A-9EC7-EE1D80E5446B}" type="datetimeFigureOut">
               <a:rPr lang="it-IT" smtClean="0"/>
-              <a:t>01/03/2018</a:t>
+              <a:t>02/03/2018</a:t>
             </a:fld>
             <a:endParaRPr lang="it-IT"/>
           </a:p>
@@ -1391,7 +2708,7 @@
           <a:p>
             <a:fld id="{EEA66B03-0061-492A-9EC7-EE1D80E5446B}" type="datetimeFigureOut">
               <a:rPr lang="it-IT" smtClean="0"/>
-              <a:t>01/03/2018</a:t>
+              <a:t>02/03/2018</a:t>
             </a:fld>
             <a:endParaRPr lang="it-IT"/>
           </a:p>
@@ -1644,7 +2961,7 @@
           <a:p>
             <a:fld id="{EEA66B03-0061-492A-9EC7-EE1D80E5446B}" type="datetimeFigureOut">
               <a:rPr lang="it-IT" smtClean="0"/>
-              <a:t>01/03/2018</a:t>
+              <a:t>02/03/2018</a:t>
             </a:fld>
             <a:endParaRPr lang="it-IT"/>
           </a:p>
@@ -1814,7 +3131,7 @@
           <a:p>
             <a:fld id="{EEA66B03-0061-492A-9EC7-EE1D80E5446B}" type="datetimeFigureOut">
               <a:rPr lang="it-IT" smtClean="0"/>
-              <a:t>01/03/2018</a:t>
+              <a:t>02/03/2018</a:t>
             </a:fld>
             <a:endParaRPr lang="it-IT"/>
           </a:p>
@@ -1994,7 +3311,7 @@
           <a:p>
             <a:fld id="{EEA66B03-0061-492A-9EC7-EE1D80E5446B}" type="datetimeFigureOut">
               <a:rPr lang="it-IT" smtClean="0"/>
-              <a:t>01/03/2018</a:t>
+              <a:t>02/03/2018</a:t>
             </a:fld>
             <a:endParaRPr lang="it-IT"/>
           </a:p>
@@ -2327,15 +3644,7 @@
           <a:p>
             <a:r>
               <a:rPr lang="it-IT" dirty="0" smtClean="0"/>
-              <a:t>Fare </a:t>
-            </a:r>
-            <a:r>
-              <a:rPr lang="it-IT" dirty="0" smtClean="0"/>
-              <a:t>click </a:t>
-            </a:r>
-            <a:r>
-              <a:rPr lang="it-IT" dirty="0" smtClean="0"/>
-              <a:t>per inserire il titolo</a:t>
+              <a:t>Fare click per inserire il titolo</a:t>
             </a:r>
             <a:endParaRPr lang="it-IT" dirty="0"/>
           </a:p>
@@ -3255,7 +4564,7 @@
           <a:p>
             <a:fld id="{EEA66B03-0061-492A-9EC7-EE1D80E5446B}" type="datetimeFigureOut">
               <a:rPr lang="it-IT" smtClean="0"/>
-              <a:t>01/03/2018</a:t>
+              <a:t>02/03/2018</a:t>
             </a:fld>
             <a:endParaRPr lang="it-IT"/>
           </a:p>
@@ -3425,7 +4734,7 @@
           <a:p>
             <a:fld id="{EEA66B03-0061-492A-9EC7-EE1D80E5446B}" type="datetimeFigureOut">
               <a:rPr lang="it-IT" smtClean="0"/>
-              <a:t>01/03/2018</a:t>
+              <a:t>02/03/2018</a:t>
             </a:fld>
             <a:endParaRPr lang="it-IT"/>
           </a:p>
@@ -3671,7 +4980,7 @@
           <a:p>
             <a:fld id="{EEA66B03-0061-492A-9EC7-EE1D80E5446B}" type="datetimeFigureOut">
               <a:rPr lang="it-IT" smtClean="0"/>
-              <a:t>01/03/2018</a:t>
+              <a:t>02/03/2018</a:t>
             </a:fld>
             <a:endParaRPr lang="it-IT"/>
           </a:p>
@@ -3959,7 +5268,7 @@
           <a:p>
             <a:fld id="{EEA66B03-0061-492A-9EC7-EE1D80E5446B}" type="datetimeFigureOut">
               <a:rPr lang="it-IT" smtClean="0"/>
-              <a:t>01/03/2018</a:t>
+              <a:t>02/03/2018</a:t>
             </a:fld>
             <a:endParaRPr lang="it-IT"/>
           </a:p>
@@ -4469,7 +5778,7 @@
           <a:p>
             <a:fld id="{EEA66B03-0061-492A-9EC7-EE1D80E5446B}" type="datetimeFigureOut">
               <a:rPr lang="it-IT" smtClean="0"/>
-              <a:t>01/03/2018</a:t>
+              <a:t>02/03/2018</a:t>
             </a:fld>
             <a:endParaRPr lang="it-IT"/>
           </a:p>
@@ -4896,6 +6205,5532 @@
   <p:clrMapOvr>
     <a:masterClrMapping/>
   </p:clrMapOvr>
+  <p:timing>
+    <p:tnLst>
+      <p:par>
+        <p:cTn id="1" dur="indefinite" restart="never" nodeType="tmRoot"/>
+      </p:par>
+    </p:tnLst>
+  </p:timing>
+</p:sld>
+</file>
+
+<file path=ppt/slides/slide10.xml><?xml version="1.0" encoding="utf-8"?>
+<p:sld xmlns:a="http://schemas.openxmlformats.org/drawingml/2006/main" xmlns:r="http://schemas.openxmlformats.org/officeDocument/2006/relationships" xmlns:p="http://schemas.openxmlformats.org/presentationml/2006/main">
+  <p:cSld>
+    <p:spTree>
+      <p:nvGrpSpPr>
+        <p:cNvPr id="1" name=""/>
+        <p:cNvGrpSpPr/>
+        <p:nvPr/>
+      </p:nvGrpSpPr>
+      <p:grpSpPr>
+        <a:xfrm>
+          <a:off x="0" y="0"/>
+          <a:ext cx="0" cy="0"/>
+          <a:chOff x="0" y="0"/>
+          <a:chExt cx="0" cy="0"/>
+        </a:xfrm>
+      </p:grpSpPr>
+      <p:sp>
+        <p:nvSpPr>
+          <p:cNvPr id="2" name="Titolo 1"/>
+          <p:cNvSpPr>
+            <a:spLocks noGrp="1"/>
+          </p:cNvSpPr>
+          <p:nvPr>
+            <p:ph type="ctrTitle"/>
+          </p:nvPr>
+        </p:nvSpPr>
+        <p:spPr>
+          <a:xfrm>
+            <a:off x="257249" y="1988840"/>
+            <a:ext cx="8131175" cy="936104"/>
+          </a:xfrm>
+          <a:prstGeom prst="rect">
+            <a:avLst/>
+          </a:prstGeom>
+        </p:spPr>
+        <p:txBody>
+          <a:bodyPr/>
+          <a:lstStyle/>
+          <a:p>
+            <a:pPr algn="l"/>
+            <a:r>
+              <a:rPr lang="it-IT" dirty="0" smtClean="0">
+                <a:solidFill>
+                  <a:srgbClr val="FF6633"/>
+                </a:solidFill>
+                <a:latin typeface="Cabin"/>
+              </a:rPr>
+              <a:t>BLOCKCHAIN</a:t>
+            </a:r>
+            <a:br>
+              <a:rPr lang="it-IT" dirty="0" smtClean="0">
+                <a:solidFill>
+                  <a:srgbClr val="FF6633"/>
+                </a:solidFill>
+                <a:latin typeface="Cabin"/>
+              </a:rPr>
+            </a:br>
+            <a:endParaRPr lang="it-IT" dirty="0">
+              <a:solidFill>
+                <a:srgbClr val="FF6633"/>
+              </a:solidFill>
+              <a:latin typeface="Cabin"/>
+            </a:endParaRPr>
+          </a:p>
+        </p:txBody>
+      </p:sp>
+      <p:sp>
+        <p:nvSpPr>
+          <p:cNvPr id="3" name="Titolo 1"/>
+          <p:cNvSpPr txBox="1">
+            <a:spLocks/>
+          </p:cNvSpPr>
+          <p:nvPr/>
+        </p:nvSpPr>
+        <p:spPr>
+          <a:xfrm>
+            <a:off x="1034585" y="3077344"/>
+            <a:ext cx="8131175" cy="936104"/>
+          </a:xfrm>
+          <a:prstGeom prst="rect">
+            <a:avLst/>
+          </a:prstGeom>
+        </p:spPr>
+        <p:txBody>
+          <a:bodyPr/>
+          <a:lstStyle>
+            <a:lvl1pPr algn="r" defTabSz="914400" rtl="0" eaLnBrk="1" latinLnBrk="0" hangingPunct="1">
+              <a:spcBef>
+                <a:spcPct val="0"/>
+              </a:spcBef>
+              <a:buNone/>
+              <a:defRPr sz="6000" b="1" kern="1200" baseline="0">
+                <a:solidFill>
+                  <a:srgbClr val="FF6633"/>
+                </a:solidFill>
+                <a:latin typeface="Cabin"/>
+                <a:ea typeface="+mj-ea"/>
+                <a:cs typeface="+mj-cs"/>
+              </a:defRPr>
+            </a:lvl1pPr>
+          </a:lstStyle>
+          <a:p>
+            <a:pPr algn="l"/>
+            <a:endParaRPr lang="it-IT" sz="3600" b="0" dirty="0"/>
+          </a:p>
+        </p:txBody>
+      </p:sp>
+      <p:sp>
+        <p:nvSpPr>
+          <p:cNvPr id="4" name="CasellaDiTesto 3"/>
+          <p:cNvSpPr txBox="1"/>
+          <p:nvPr/>
+        </p:nvSpPr>
+        <p:spPr>
+          <a:xfrm>
+            <a:off x="395536" y="3077344"/>
+            <a:ext cx="5040560" cy="369332"/>
+          </a:xfrm>
+          <a:prstGeom prst="rect">
+            <a:avLst/>
+          </a:prstGeom>
+          <a:noFill/>
+        </p:spPr>
+        <p:txBody>
+          <a:bodyPr wrap="square" rtlCol="0">
+            <a:spAutoFit/>
+          </a:bodyPr>
+          <a:lstStyle/>
+          <a:p>
+            <a:r>
+              <a:rPr lang="it-IT" dirty="0">
+                <a:solidFill>
+                  <a:srgbClr val="FF0000"/>
+                </a:solidFill>
+              </a:rPr>
+              <a:t>f</a:t>
+            </a:r>
+            <a:r>
+              <a:rPr lang="it-IT" dirty="0" smtClean="0">
+                <a:solidFill>
+                  <a:srgbClr val="FF0000"/>
+                </a:solidFill>
+              </a:rPr>
+              <a:t>or </a:t>
+            </a:r>
+            <a:r>
+              <a:rPr lang="it-IT" dirty="0" err="1" smtClean="0">
+                <a:solidFill>
+                  <a:srgbClr val="FF0000"/>
+                </a:solidFill>
+              </a:rPr>
+              <a:t>Dummies</a:t>
+            </a:r>
+            <a:r>
+              <a:rPr lang="it-IT" dirty="0" smtClean="0">
+                <a:solidFill>
+                  <a:srgbClr val="FF0000"/>
+                </a:solidFill>
+              </a:rPr>
+              <a:t>…</a:t>
+            </a:r>
+            <a:endParaRPr lang="it-IT" dirty="0">
+              <a:solidFill>
+                <a:srgbClr val="FF0000"/>
+              </a:solidFill>
+            </a:endParaRPr>
+          </a:p>
+        </p:txBody>
+      </p:sp>
+    </p:spTree>
+    <p:extLst>
+      <p:ext uri="{BB962C8B-B14F-4D97-AF65-F5344CB8AC3E}">
+        <p14:creationId xmlns:p14="http://schemas.microsoft.com/office/powerpoint/2010/main" val="4202283039"/>
+      </p:ext>
+    </p:extLst>
+  </p:cSld>
+  <p:clrMapOvr>
+    <a:masterClrMapping/>
+  </p:clrMapOvr>
+  <p:timing>
+    <p:tnLst>
+      <p:par>
+        <p:cTn id="1" dur="indefinite" restart="never" nodeType="tmRoot"/>
+      </p:par>
+    </p:tnLst>
+  </p:timing>
+</p:sld>
+</file>
+
+<file path=ppt/slides/slide11.xml><?xml version="1.0" encoding="utf-8"?>
+<p:sld xmlns:a="http://schemas.openxmlformats.org/drawingml/2006/main" xmlns:r="http://schemas.openxmlformats.org/officeDocument/2006/relationships" xmlns:p="http://schemas.openxmlformats.org/presentationml/2006/main">
+  <p:cSld>
+    <p:spTree>
+      <p:nvGrpSpPr>
+        <p:cNvPr id="1" name=""/>
+        <p:cNvGrpSpPr/>
+        <p:nvPr/>
+      </p:nvGrpSpPr>
+      <p:grpSpPr>
+        <a:xfrm>
+          <a:off x="0" y="0"/>
+          <a:ext cx="0" cy="0"/>
+          <a:chOff x="0" y="0"/>
+          <a:chExt cx="0" cy="0"/>
+        </a:xfrm>
+      </p:grpSpPr>
+      <p:sp>
+        <p:nvSpPr>
+          <p:cNvPr id="2" name="Segnaposto testo verticale 1"/>
+          <p:cNvSpPr>
+            <a:spLocks noGrp="1"/>
+          </p:cNvSpPr>
+          <p:nvPr>
+            <p:ph type="body" orient="vert" idx="1"/>
+          </p:nvPr>
+        </p:nvSpPr>
+        <p:spPr/>
+        <p:txBody>
+          <a:bodyPr/>
+          <a:lstStyle/>
+          <a:p>
+            <a:pPr marL="457200" indent="-457200">
+              <a:buFont typeface="Arial" pitchFamily="34" charset="0"/>
+              <a:buChar char="•"/>
+            </a:pPr>
+            <a:r>
+              <a:rPr lang="it-IT" dirty="0" smtClean="0"/>
+              <a:t>Catena di blocchi (1991, usata per TS di dati)</a:t>
+            </a:r>
+          </a:p>
+          <a:p>
+            <a:pPr marL="457200" indent="-457200">
+              <a:buFont typeface="Arial" pitchFamily="34" charset="0"/>
+              <a:buChar char="•"/>
+            </a:pPr>
+            <a:r>
+              <a:rPr lang="it-IT" dirty="0" smtClean="0"/>
+              <a:t>Registro distribuito aperto a tutti con alcune proprietà particolari</a:t>
+            </a:r>
+          </a:p>
+          <a:p>
+            <a:pPr marL="457200" indent="-457200">
+              <a:buFont typeface="Arial" pitchFamily="34" charset="0"/>
+              <a:buChar char="•"/>
+            </a:pPr>
+            <a:r>
+              <a:rPr lang="it-IT" dirty="0"/>
+              <a:t>Quando un dato viene messo nella </a:t>
+            </a:r>
+            <a:r>
+              <a:rPr lang="it-IT" dirty="0" err="1"/>
+              <a:t>blockchain</a:t>
+            </a:r>
+            <a:r>
+              <a:rPr lang="it-IT" dirty="0"/>
+              <a:t>, diventa molto difficile modificarlo (a volte impossibile)</a:t>
+            </a:r>
+          </a:p>
+          <a:p>
+            <a:endParaRPr lang="it-IT" u="sng" dirty="0"/>
+          </a:p>
+        </p:txBody>
+      </p:sp>
+      <p:sp>
+        <p:nvSpPr>
+          <p:cNvPr id="3" name="Titolo verticale 2"/>
+          <p:cNvSpPr>
+            <a:spLocks noGrp="1"/>
+          </p:cNvSpPr>
+          <p:nvPr>
+            <p:ph type="title" orient="vert"/>
+          </p:nvPr>
+        </p:nvSpPr>
+        <p:spPr/>
+        <p:txBody>
+          <a:bodyPr/>
+          <a:lstStyle/>
+          <a:p>
+            <a:r>
+              <a:rPr lang="it-IT" dirty="0" err="1" smtClean="0"/>
+              <a:t>Blockchain</a:t>
+            </a:r>
+            <a:r>
+              <a:rPr lang="it-IT" dirty="0" smtClean="0"/>
+              <a:t> - Struttura</a:t>
+            </a:r>
+            <a:endParaRPr lang="it-IT" dirty="0"/>
+          </a:p>
+        </p:txBody>
+      </p:sp>
+    </p:spTree>
+    <p:extLst>
+      <p:ext uri="{BB962C8B-B14F-4D97-AF65-F5344CB8AC3E}">
+        <p14:creationId xmlns:p14="http://schemas.microsoft.com/office/powerpoint/2010/main" val="731246140"/>
+      </p:ext>
+    </p:extLst>
+  </p:cSld>
+  <p:clrMapOvr>
+    <a:masterClrMapping/>
+  </p:clrMapOvr>
+  <p:timing>
+    <p:tnLst>
+      <p:par>
+        <p:cTn id="1" dur="indefinite" restart="never" nodeType="tmRoot"/>
+      </p:par>
+    </p:tnLst>
+  </p:timing>
+</p:sld>
+</file>
+
+<file path=ppt/slides/slide12.xml><?xml version="1.0" encoding="utf-8"?>
+<p:sld xmlns:a="http://schemas.openxmlformats.org/drawingml/2006/main" xmlns:r="http://schemas.openxmlformats.org/officeDocument/2006/relationships" xmlns:p="http://schemas.openxmlformats.org/presentationml/2006/main">
+  <p:cSld>
+    <p:spTree>
+      <p:nvGrpSpPr>
+        <p:cNvPr id="1" name=""/>
+        <p:cNvGrpSpPr/>
+        <p:nvPr/>
+      </p:nvGrpSpPr>
+      <p:grpSpPr>
+        <a:xfrm>
+          <a:off x="0" y="0"/>
+          <a:ext cx="0" cy="0"/>
+          <a:chOff x="0" y="0"/>
+          <a:chExt cx="0" cy="0"/>
+        </a:xfrm>
+      </p:grpSpPr>
+      <p:sp>
+        <p:nvSpPr>
+          <p:cNvPr id="3" name="Titolo verticale 2"/>
+          <p:cNvSpPr>
+            <a:spLocks noGrp="1"/>
+          </p:cNvSpPr>
+          <p:nvPr>
+            <p:ph type="title" orient="vert"/>
+          </p:nvPr>
+        </p:nvSpPr>
+        <p:spPr/>
+        <p:txBody>
+          <a:bodyPr/>
+          <a:lstStyle/>
+          <a:p>
+            <a:r>
+              <a:rPr lang="it-IT" dirty="0" err="1" smtClean="0"/>
+              <a:t>Blockchain</a:t>
+            </a:r>
+            <a:r>
+              <a:rPr lang="it-IT" dirty="0" smtClean="0"/>
+              <a:t> - Struttura</a:t>
+            </a:r>
+            <a:endParaRPr lang="it-IT" dirty="0"/>
+          </a:p>
+        </p:txBody>
+      </p:sp>
+      <p:pic>
+        <p:nvPicPr>
+          <p:cNvPr id="3074" name="Picture 2" descr="Risultati immagini per block chain"/>
+          <p:cNvPicPr>
+            <a:picLocks noChangeAspect="1" noChangeArrowheads="1"/>
+          </p:cNvPicPr>
+          <p:nvPr/>
+        </p:nvPicPr>
+        <p:blipFill>
+          <a:blip r:embed="rId2">
+            <a:extLst>
+              <a:ext uri="{28A0092B-C50C-407E-A947-70E740481C1C}">
+                <a14:useLocalDpi xmlns:a14="http://schemas.microsoft.com/office/drawing/2010/main" val="0"/>
+              </a:ext>
+            </a:extLst>
+          </a:blip>
+          <a:srcRect/>
+          <a:stretch>
+            <a:fillRect/>
+          </a:stretch>
+        </p:blipFill>
+        <p:spPr bwMode="auto">
+          <a:xfrm>
+            <a:off x="2267744" y="2420888"/>
+            <a:ext cx="4962525" cy="1885950"/>
+          </a:xfrm>
+          <a:prstGeom prst="rect">
+            <a:avLst/>
+          </a:prstGeom>
+          <a:noFill/>
+          <a:extLst>
+            <a:ext uri="{909E8E84-426E-40DD-AFC4-6F175D3DCCD1}">
+              <a14:hiddenFill xmlns:a14="http://schemas.microsoft.com/office/drawing/2010/main">
+                <a:solidFill>
+                  <a:srgbClr val="FFFFFF"/>
+                </a:solidFill>
+              </a14:hiddenFill>
+            </a:ext>
+          </a:extLst>
+        </p:spPr>
+      </p:pic>
+      <p:pic>
+        <p:nvPicPr>
+          <p:cNvPr id="3075" name="Picture 3" descr="C:\Users\higla\Downloads\BlockNoChain.gif"/>
+          <p:cNvPicPr>
+            <a:picLocks noChangeAspect="1" noChangeArrowheads="1"/>
+          </p:cNvPicPr>
+          <p:nvPr/>
+        </p:nvPicPr>
+        <p:blipFill>
+          <a:blip r:embed="rId3">
+            <a:extLst>
+              <a:ext uri="{28A0092B-C50C-407E-A947-70E740481C1C}">
+                <a14:useLocalDpi xmlns:a14="http://schemas.microsoft.com/office/drawing/2010/main" val="0"/>
+              </a:ext>
+            </a:extLst>
+          </a:blip>
+          <a:srcRect/>
+          <a:stretch>
+            <a:fillRect/>
+          </a:stretch>
+        </p:blipFill>
+        <p:spPr bwMode="auto">
+          <a:xfrm>
+            <a:off x="-1044624" y="2459038"/>
+            <a:ext cx="4962526" cy="1885950"/>
+          </a:xfrm>
+          <a:prstGeom prst="rect">
+            <a:avLst/>
+          </a:prstGeom>
+          <a:noFill/>
+          <a:extLst>
+            <a:ext uri="{909E8E84-426E-40DD-AFC4-6F175D3DCCD1}">
+              <a14:hiddenFill xmlns:a14="http://schemas.microsoft.com/office/drawing/2010/main">
+                <a:solidFill>
+                  <a:srgbClr val="FFFFFF"/>
+                </a:solidFill>
+              </a14:hiddenFill>
+            </a:ext>
+          </a:extLst>
+        </p:spPr>
+      </p:pic>
+      <p:pic>
+        <p:nvPicPr>
+          <p:cNvPr id="6" name="Picture 3" descr="C:\Users\higla\Downloads\BlockNoChain.gif"/>
+          <p:cNvPicPr>
+            <a:picLocks noChangeAspect="1" noChangeArrowheads="1"/>
+          </p:cNvPicPr>
+          <p:nvPr/>
+        </p:nvPicPr>
+        <p:blipFill>
+          <a:blip r:embed="rId3">
+            <a:extLst>
+              <a:ext uri="{28A0092B-C50C-407E-A947-70E740481C1C}">
+                <a14:useLocalDpi xmlns:a14="http://schemas.microsoft.com/office/drawing/2010/main" val="0"/>
+              </a:ext>
+            </a:extLst>
+          </a:blip>
+          <a:srcRect/>
+          <a:stretch>
+            <a:fillRect/>
+          </a:stretch>
+        </p:blipFill>
+        <p:spPr bwMode="auto">
+          <a:xfrm>
+            <a:off x="5573208" y="2448765"/>
+            <a:ext cx="4962526" cy="1885950"/>
+          </a:xfrm>
+          <a:prstGeom prst="rect">
+            <a:avLst/>
+          </a:prstGeom>
+          <a:noFill/>
+          <a:extLst>
+            <a:ext uri="{909E8E84-426E-40DD-AFC4-6F175D3DCCD1}">
+              <a14:hiddenFill xmlns:a14="http://schemas.microsoft.com/office/drawing/2010/main">
+                <a:solidFill>
+                  <a:srgbClr val="FFFFFF"/>
+                </a:solidFill>
+              </a14:hiddenFill>
+            </a:ext>
+          </a:extLst>
+        </p:spPr>
+      </p:pic>
+      <p:pic>
+        <p:nvPicPr>
+          <p:cNvPr id="8" name="Picture 3" descr="C:\Users\higla\Downloads\BlockNoChain.gif"/>
+          <p:cNvPicPr>
+            <a:picLocks noChangeAspect="1" noChangeArrowheads="1"/>
+          </p:cNvPicPr>
+          <p:nvPr/>
+        </p:nvPicPr>
+        <p:blipFill>
+          <a:blip r:embed="rId3">
+            <a:extLst>
+              <a:ext uri="{28A0092B-C50C-407E-A947-70E740481C1C}">
+                <a14:useLocalDpi xmlns:a14="http://schemas.microsoft.com/office/drawing/2010/main" val="0"/>
+              </a:ext>
+            </a:extLst>
+          </a:blip>
+          <a:srcRect/>
+          <a:stretch>
+            <a:fillRect/>
+          </a:stretch>
+        </p:blipFill>
+        <p:spPr bwMode="auto">
+          <a:xfrm>
+            <a:off x="2195736" y="2420888"/>
+            <a:ext cx="4962526" cy="1885950"/>
+          </a:xfrm>
+          <a:prstGeom prst="rect">
+            <a:avLst/>
+          </a:prstGeom>
+          <a:noFill/>
+          <a:extLst>
+            <a:ext uri="{909E8E84-426E-40DD-AFC4-6F175D3DCCD1}">
+              <a14:hiddenFill xmlns:a14="http://schemas.microsoft.com/office/drawing/2010/main">
+                <a:solidFill>
+                  <a:srgbClr val="FFFFFF"/>
+                </a:solidFill>
+              </a14:hiddenFill>
+            </a:ext>
+          </a:extLst>
+        </p:spPr>
+      </p:pic>
+    </p:spTree>
+    <p:extLst>
+      <p:ext uri="{BB962C8B-B14F-4D97-AF65-F5344CB8AC3E}">
+        <p14:creationId xmlns:p14="http://schemas.microsoft.com/office/powerpoint/2010/main" val="4095341056"/>
+      </p:ext>
+    </p:extLst>
+  </p:cSld>
+  <p:clrMapOvr>
+    <a:masterClrMapping/>
+  </p:clrMapOvr>
+  <p:timing>
+    <p:tnLst>
+      <p:par>
+        <p:cTn id="1" dur="indefinite" restart="never" nodeType="tmRoot">
+          <p:childTnLst>
+            <p:seq concurrent="1" nextAc="seek">
+              <p:cTn id="2" dur="indefinite" nodeType="mainSeq">
+                <p:childTnLst>
+                  <p:par>
+                    <p:cTn id="3" fill="hold">
+                      <p:stCondLst>
+                        <p:cond delay="indefinite"/>
+                      </p:stCondLst>
+                      <p:childTnLst>
+                        <p:par>
+                          <p:cTn id="4" fill="hold">
+                            <p:stCondLst>
+                              <p:cond delay="0"/>
+                            </p:stCondLst>
+                            <p:childTnLst>
+                              <p:par>
+                                <p:cTn id="5" presetID="10" presetClass="exit" presetSubtype="0" fill="hold" nodeType="clickEffect">
+                                  <p:stCondLst>
+                                    <p:cond delay="0"/>
+                                  </p:stCondLst>
+                                  <p:childTnLst>
+                                    <p:animEffect transition="out" filter="fade">
+                                      <p:cBhvr>
+                                        <p:cTn id="6" dur="500"/>
+                                        <p:tgtEl>
+                                          <p:spTgt spid="3075"/>
+                                        </p:tgtEl>
+                                      </p:cBhvr>
+                                    </p:animEffect>
+                                    <p:set>
+                                      <p:cBhvr>
+                                        <p:cTn id="7" dur="1" fill="hold">
+                                          <p:stCondLst>
+                                            <p:cond delay="499"/>
+                                          </p:stCondLst>
+                                        </p:cTn>
+                                        <p:tgtEl>
+                                          <p:spTgt spid="3075"/>
+                                        </p:tgtEl>
+                                        <p:attrNameLst>
+                                          <p:attrName>style.visibility</p:attrName>
+                                        </p:attrNameLst>
+                                      </p:cBhvr>
+                                      <p:to>
+                                        <p:strVal val="hidden"/>
+                                      </p:to>
+                                    </p:set>
+                                  </p:childTnLst>
+                                </p:cTn>
+                              </p:par>
+                              <p:par>
+                                <p:cTn id="8" presetID="10" presetClass="exit" presetSubtype="0" fill="hold" nodeType="withEffect">
+                                  <p:stCondLst>
+                                    <p:cond delay="0"/>
+                                  </p:stCondLst>
+                                  <p:childTnLst>
+                                    <p:animEffect transition="out" filter="fade">
+                                      <p:cBhvr>
+                                        <p:cTn id="9" dur="500"/>
+                                        <p:tgtEl>
+                                          <p:spTgt spid="3074"/>
+                                        </p:tgtEl>
+                                      </p:cBhvr>
+                                    </p:animEffect>
+                                    <p:set>
+                                      <p:cBhvr>
+                                        <p:cTn id="10" dur="1" fill="hold">
+                                          <p:stCondLst>
+                                            <p:cond delay="499"/>
+                                          </p:stCondLst>
+                                        </p:cTn>
+                                        <p:tgtEl>
+                                          <p:spTgt spid="3074"/>
+                                        </p:tgtEl>
+                                        <p:attrNameLst>
+                                          <p:attrName>style.visibility</p:attrName>
+                                        </p:attrNameLst>
+                                      </p:cBhvr>
+                                      <p:to>
+                                        <p:strVal val="hidden"/>
+                                      </p:to>
+                                    </p:set>
+                                  </p:childTnLst>
+                                </p:cTn>
+                              </p:par>
+                              <p:par>
+                                <p:cTn id="11" presetID="10" presetClass="exit" presetSubtype="0" fill="hold" nodeType="withEffect">
+                                  <p:stCondLst>
+                                    <p:cond delay="0"/>
+                                  </p:stCondLst>
+                                  <p:childTnLst>
+                                    <p:animEffect transition="out" filter="fade">
+                                      <p:cBhvr>
+                                        <p:cTn id="12" dur="500"/>
+                                        <p:tgtEl>
+                                          <p:spTgt spid="6"/>
+                                        </p:tgtEl>
+                                      </p:cBhvr>
+                                    </p:animEffect>
+                                    <p:set>
+                                      <p:cBhvr>
+                                        <p:cTn id="13" dur="1" fill="hold">
+                                          <p:stCondLst>
+                                            <p:cond delay="499"/>
+                                          </p:stCondLst>
+                                        </p:cTn>
+                                        <p:tgtEl>
+                                          <p:spTgt spid="6"/>
+                                        </p:tgtEl>
+                                        <p:attrNameLst>
+                                          <p:attrName>style.visibility</p:attrName>
+                                        </p:attrNameLst>
+                                      </p:cBhvr>
+                                      <p:to>
+                                        <p:strVal val="hidden"/>
+                                      </p:to>
+                                    </p:set>
+                                  </p:childTnLst>
+                                </p:cTn>
+                              </p:par>
+                            </p:childTnLst>
+                          </p:cTn>
+                        </p:par>
+                      </p:childTnLst>
+                    </p:cTn>
+                  </p:par>
+                </p:childTnLst>
+              </p:cTn>
+              <p:prevCondLst>
+                <p:cond evt="onPrev" delay="0">
+                  <p:tgtEl>
+                    <p:sldTgt/>
+                  </p:tgtEl>
+                </p:cond>
+              </p:prevCondLst>
+              <p:nextCondLst>
+                <p:cond evt="onNext" delay="0">
+                  <p:tgtEl>
+                    <p:sldTgt/>
+                  </p:tgtEl>
+                </p:cond>
+              </p:nextCondLst>
+            </p:seq>
+          </p:childTnLst>
+        </p:cTn>
+      </p:par>
+    </p:tnLst>
+  </p:timing>
+</p:sld>
+</file>
+
+<file path=ppt/slides/slide13.xml><?xml version="1.0" encoding="utf-8"?>
+<p:sld xmlns:a="http://schemas.openxmlformats.org/drawingml/2006/main" xmlns:r="http://schemas.openxmlformats.org/officeDocument/2006/relationships" xmlns:p="http://schemas.openxmlformats.org/presentationml/2006/main">
+  <p:cSld>
+    <p:spTree>
+      <p:nvGrpSpPr>
+        <p:cNvPr id="1" name=""/>
+        <p:cNvGrpSpPr/>
+        <p:nvPr/>
+      </p:nvGrpSpPr>
+      <p:grpSpPr>
+        <a:xfrm>
+          <a:off x="0" y="0"/>
+          <a:ext cx="0" cy="0"/>
+          <a:chOff x="0" y="0"/>
+          <a:chExt cx="0" cy="0"/>
+        </a:xfrm>
+      </p:grpSpPr>
+      <p:sp>
+        <p:nvSpPr>
+          <p:cNvPr id="3" name="Titolo verticale 2"/>
+          <p:cNvSpPr>
+            <a:spLocks noGrp="1"/>
+          </p:cNvSpPr>
+          <p:nvPr>
+            <p:ph type="title" orient="vert"/>
+          </p:nvPr>
+        </p:nvSpPr>
+        <p:spPr/>
+        <p:txBody>
+          <a:bodyPr/>
+          <a:lstStyle/>
+          <a:p>
+            <a:r>
+              <a:rPr lang="it-IT" dirty="0" err="1"/>
+              <a:t>Blockchain</a:t>
+            </a:r>
+            <a:r>
+              <a:rPr lang="it-IT" dirty="0"/>
+              <a:t> - Struttura</a:t>
+            </a:r>
+          </a:p>
+        </p:txBody>
+      </p:sp>
+      <p:pic>
+        <p:nvPicPr>
+          <p:cNvPr id="4" name="Picture 3" descr="C:\Users\higla\Downloads\BlockNoChain.gif"/>
+          <p:cNvPicPr>
+            <a:picLocks noChangeAspect="1" noChangeArrowheads="1"/>
+          </p:cNvPicPr>
+          <p:nvPr/>
+        </p:nvPicPr>
+        <p:blipFill>
+          <a:blip r:embed="rId3">
+            <a:extLst>
+              <a:ext uri="{28A0092B-C50C-407E-A947-70E740481C1C}">
+                <a14:useLocalDpi xmlns:a14="http://schemas.microsoft.com/office/drawing/2010/main" val="0"/>
+              </a:ext>
+            </a:extLst>
+          </a:blip>
+          <a:srcRect/>
+          <a:stretch>
+            <a:fillRect/>
+          </a:stretch>
+        </p:blipFill>
+        <p:spPr bwMode="auto">
+          <a:xfrm>
+            <a:off x="364791" y="1556791"/>
+            <a:ext cx="7807609" cy="2967191"/>
+          </a:xfrm>
+          <a:prstGeom prst="rect">
+            <a:avLst/>
+          </a:prstGeom>
+          <a:noFill/>
+          <a:extLst>
+            <a:ext uri="{909E8E84-426E-40DD-AFC4-6F175D3DCCD1}">
+              <a14:hiddenFill xmlns:a14="http://schemas.microsoft.com/office/drawing/2010/main">
+                <a:solidFill>
+                  <a:srgbClr val="FFFFFF"/>
+                </a:solidFill>
+              </a14:hiddenFill>
+            </a:ext>
+          </a:extLst>
+        </p:spPr>
+      </p:pic>
+      <p:sp>
+        <p:nvSpPr>
+          <p:cNvPr id="5" name="CasellaDiTesto 4"/>
+          <p:cNvSpPr txBox="1"/>
+          <p:nvPr/>
+        </p:nvSpPr>
+        <p:spPr>
+          <a:xfrm>
+            <a:off x="6012160" y="1556791"/>
+            <a:ext cx="2880320" cy="369332"/>
+          </a:xfrm>
+          <a:prstGeom prst="rect">
+            <a:avLst/>
+          </a:prstGeom>
+          <a:noFill/>
+        </p:spPr>
+        <p:txBody>
+          <a:bodyPr wrap="square" rtlCol="0">
+            <a:spAutoFit/>
+          </a:bodyPr>
+          <a:lstStyle/>
+          <a:p>
+            <a:r>
+              <a:rPr lang="it-IT" dirty="0" smtClean="0"/>
+              <a:t>Valore</a:t>
+            </a:r>
+            <a:endParaRPr lang="it-IT" dirty="0"/>
+          </a:p>
+        </p:txBody>
+      </p:sp>
+      <p:sp>
+        <p:nvSpPr>
+          <p:cNvPr id="6" name="CasellaDiTesto 5"/>
+          <p:cNvSpPr txBox="1"/>
+          <p:nvPr/>
+        </p:nvSpPr>
+        <p:spPr>
+          <a:xfrm>
+            <a:off x="5855912" y="2924944"/>
+            <a:ext cx="2880320" cy="369332"/>
+          </a:xfrm>
+          <a:prstGeom prst="rect">
+            <a:avLst/>
+          </a:prstGeom>
+          <a:noFill/>
+        </p:spPr>
+        <p:txBody>
+          <a:bodyPr wrap="square" rtlCol="0">
+            <a:spAutoFit/>
+          </a:bodyPr>
+          <a:lstStyle/>
+          <a:p>
+            <a:r>
+              <a:rPr lang="it-IT" dirty="0" err="1" smtClean="0"/>
+              <a:t>Hash</a:t>
+            </a:r>
+            <a:r>
+              <a:rPr lang="it-IT" dirty="0" smtClean="0"/>
+              <a:t> del cubo</a:t>
+            </a:r>
+            <a:endParaRPr lang="it-IT" dirty="0"/>
+          </a:p>
+        </p:txBody>
+      </p:sp>
+      <p:sp>
+        <p:nvSpPr>
+          <p:cNvPr id="7" name="CasellaDiTesto 6"/>
+          <p:cNvSpPr txBox="1"/>
+          <p:nvPr/>
+        </p:nvSpPr>
+        <p:spPr>
+          <a:xfrm>
+            <a:off x="2267744" y="4725144"/>
+            <a:ext cx="2880320" cy="369332"/>
+          </a:xfrm>
+          <a:prstGeom prst="rect">
+            <a:avLst/>
+          </a:prstGeom>
+          <a:noFill/>
+        </p:spPr>
+        <p:txBody>
+          <a:bodyPr wrap="square" rtlCol="0">
+            <a:spAutoFit/>
+          </a:bodyPr>
+          <a:lstStyle/>
+          <a:p>
+            <a:r>
+              <a:rPr lang="it-IT" dirty="0" err="1" smtClean="0"/>
+              <a:t>Hash</a:t>
+            </a:r>
+            <a:r>
+              <a:rPr lang="it-IT" dirty="0" smtClean="0"/>
+              <a:t> precedente</a:t>
+            </a:r>
+            <a:endParaRPr lang="it-IT" dirty="0"/>
+          </a:p>
+        </p:txBody>
+      </p:sp>
+      <p:cxnSp>
+        <p:nvCxnSpPr>
+          <p:cNvPr id="16" name="Connettore 1 15"/>
+          <p:cNvCxnSpPr/>
+          <p:nvPr/>
+        </p:nvCxnSpPr>
+        <p:spPr>
+          <a:xfrm flipV="1">
+            <a:off x="2483768" y="3573016"/>
+            <a:ext cx="0" cy="1008112"/>
+          </a:xfrm>
+          <a:prstGeom prst="line">
+            <a:avLst/>
+          </a:prstGeom>
+          <a:ln w="28575">
+            <a:solidFill>
+              <a:srgbClr val="FF6633"/>
+            </a:solidFill>
+          </a:ln>
+        </p:spPr>
+        <p:style>
+          <a:lnRef idx="1">
+            <a:schemeClr val="accent1"/>
+          </a:lnRef>
+          <a:fillRef idx="0">
+            <a:schemeClr val="accent1"/>
+          </a:fillRef>
+          <a:effectRef idx="0">
+            <a:schemeClr val="accent1"/>
+          </a:effectRef>
+          <a:fontRef idx="minor">
+            <a:schemeClr val="tx1"/>
+          </a:fontRef>
+        </p:style>
+      </p:cxnSp>
+      <p:cxnSp>
+        <p:nvCxnSpPr>
+          <p:cNvPr id="19" name="Connettore 1 18"/>
+          <p:cNvCxnSpPr/>
+          <p:nvPr/>
+        </p:nvCxnSpPr>
+        <p:spPr>
+          <a:xfrm flipH="1">
+            <a:off x="2483768" y="3573016"/>
+            <a:ext cx="1224136" cy="0"/>
+          </a:xfrm>
+          <a:prstGeom prst="line">
+            <a:avLst/>
+          </a:prstGeom>
+          <a:ln w="28575">
+            <a:solidFill>
+              <a:srgbClr val="FF6633"/>
+            </a:solidFill>
+          </a:ln>
+        </p:spPr>
+        <p:style>
+          <a:lnRef idx="1">
+            <a:schemeClr val="accent1"/>
+          </a:lnRef>
+          <a:fillRef idx="0">
+            <a:schemeClr val="accent1"/>
+          </a:fillRef>
+          <a:effectRef idx="0">
+            <a:schemeClr val="accent1"/>
+          </a:effectRef>
+          <a:fontRef idx="minor">
+            <a:schemeClr val="tx1"/>
+          </a:fontRef>
+        </p:style>
+      </p:cxnSp>
+      <p:sp>
+        <p:nvSpPr>
+          <p:cNvPr id="22" name="Ovale 21"/>
+          <p:cNvSpPr/>
+          <p:nvPr/>
+        </p:nvSpPr>
+        <p:spPr>
+          <a:xfrm>
+            <a:off x="2407216" y="4581128"/>
+            <a:ext cx="144016" cy="144016"/>
+          </a:xfrm>
+          <a:prstGeom prst="ellipse">
+            <a:avLst/>
+          </a:prstGeom>
+        </p:spPr>
+        <p:style>
+          <a:lnRef idx="2">
+            <a:schemeClr val="accent1">
+              <a:shade val="50000"/>
+            </a:schemeClr>
+          </a:lnRef>
+          <a:fillRef idx="1">
+            <a:schemeClr val="accent1"/>
+          </a:fillRef>
+          <a:effectRef idx="0">
+            <a:schemeClr val="accent1"/>
+          </a:effectRef>
+          <a:fontRef idx="minor">
+            <a:schemeClr val="lt1"/>
+          </a:fontRef>
+        </p:style>
+        <p:txBody>
+          <a:bodyPr rtlCol="0" anchor="ctr"/>
+          <a:lstStyle/>
+          <a:p>
+            <a:pPr algn="ctr"/>
+            <a:endParaRPr lang="it-IT"/>
+          </a:p>
+        </p:txBody>
+      </p:sp>
+      <p:cxnSp>
+        <p:nvCxnSpPr>
+          <p:cNvPr id="23" name="Connettore 1 22"/>
+          <p:cNvCxnSpPr/>
+          <p:nvPr/>
+        </p:nvCxnSpPr>
+        <p:spPr>
+          <a:xfrm flipV="1">
+            <a:off x="4355976" y="1758336"/>
+            <a:ext cx="742936" cy="806568"/>
+          </a:xfrm>
+          <a:prstGeom prst="line">
+            <a:avLst/>
+          </a:prstGeom>
+          <a:ln w="28575">
+            <a:solidFill>
+              <a:srgbClr val="FF6633"/>
+            </a:solidFill>
+          </a:ln>
+        </p:spPr>
+        <p:style>
+          <a:lnRef idx="1">
+            <a:schemeClr val="accent1"/>
+          </a:lnRef>
+          <a:fillRef idx="0">
+            <a:schemeClr val="accent1"/>
+          </a:fillRef>
+          <a:effectRef idx="0">
+            <a:schemeClr val="accent1"/>
+          </a:effectRef>
+          <a:fontRef idx="minor">
+            <a:schemeClr val="tx1"/>
+          </a:fontRef>
+        </p:style>
+      </p:cxnSp>
+      <p:cxnSp>
+        <p:nvCxnSpPr>
+          <p:cNvPr id="24" name="Connettore 1 23"/>
+          <p:cNvCxnSpPr/>
+          <p:nvPr/>
+        </p:nvCxnSpPr>
+        <p:spPr>
+          <a:xfrm flipH="1">
+            <a:off x="5098912" y="1758336"/>
+            <a:ext cx="720080" cy="0"/>
+          </a:xfrm>
+          <a:prstGeom prst="line">
+            <a:avLst/>
+          </a:prstGeom>
+          <a:ln w="28575">
+            <a:solidFill>
+              <a:srgbClr val="FF6633"/>
+            </a:solidFill>
+          </a:ln>
+        </p:spPr>
+        <p:style>
+          <a:lnRef idx="1">
+            <a:schemeClr val="accent1"/>
+          </a:lnRef>
+          <a:fillRef idx="0">
+            <a:schemeClr val="accent1"/>
+          </a:fillRef>
+          <a:effectRef idx="0">
+            <a:schemeClr val="accent1"/>
+          </a:effectRef>
+          <a:fontRef idx="minor">
+            <a:schemeClr val="tx1"/>
+          </a:fontRef>
+        </p:style>
+      </p:cxnSp>
+      <p:sp>
+        <p:nvSpPr>
+          <p:cNvPr id="26" name="Ovale 25"/>
+          <p:cNvSpPr/>
+          <p:nvPr/>
+        </p:nvSpPr>
+        <p:spPr>
+          <a:xfrm>
+            <a:off x="5818992" y="1686328"/>
+            <a:ext cx="144016" cy="144016"/>
+          </a:xfrm>
+          <a:prstGeom prst="ellipse">
+            <a:avLst/>
+          </a:prstGeom>
+        </p:spPr>
+        <p:style>
+          <a:lnRef idx="2">
+            <a:schemeClr val="accent1">
+              <a:shade val="50000"/>
+            </a:schemeClr>
+          </a:lnRef>
+          <a:fillRef idx="1">
+            <a:schemeClr val="accent1"/>
+          </a:fillRef>
+          <a:effectRef idx="0">
+            <a:schemeClr val="accent1"/>
+          </a:effectRef>
+          <a:fontRef idx="minor">
+            <a:schemeClr val="lt1"/>
+          </a:fontRef>
+        </p:style>
+        <p:txBody>
+          <a:bodyPr rtlCol="0" anchor="ctr"/>
+          <a:lstStyle/>
+          <a:p>
+            <a:pPr algn="ctr"/>
+            <a:endParaRPr lang="it-IT"/>
+          </a:p>
+        </p:txBody>
+      </p:sp>
+      <p:cxnSp>
+        <p:nvCxnSpPr>
+          <p:cNvPr id="28" name="Connettore 1 27"/>
+          <p:cNvCxnSpPr/>
+          <p:nvPr/>
+        </p:nvCxnSpPr>
+        <p:spPr>
+          <a:xfrm flipH="1">
+            <a:off x="4949544" y="3109610"/>
+            <a:ext cx="720080" cy="0"/>
+          </a:xfrm>
+          <a:prstGeom prst="line">
+            <a:avLst/>
+          </a:prstGeom>
+          <a:ln w="28575">
+            <a:solidFill>
+              <a:srgbClr val="FF6633"/>
+            </a:solidFill>
+          </a:ln>
+        </p:spPr>
+        <p:style>
+          <a:lnRef idx="1">
+            <a:schemeClr val="accent1"/>
+          </a:lnRef>
+          <a:fillRef idx="0">
+            <a:schemeClr val="accent1"/>
+          </a:fillRef>
+          <a:effectRef idx="0">
+            <a:schemeClr val="accent1"/>
+          </a:effectRef>
+          <a:fontRef idx="minor">
+            <a:schemeClr val="tx1"/>
+          </a:fontRef>
+        </p:style>
+      </p:cxnSp>
+      <p:sp>
+        <p:nvSpPr>
+          <p:cNvPr id="29" name="Ovale 28"/>
+          <p:cNvSpPr/>
+          <p:nvPr/>
+        </p:nvSpPr>
+        <p:spPr>
+          <a:xfrm>
+            <a:off x="5669624" y="3054466"/>
+            <a:ext cx="144016" cy="144016"/>
+          </a:xfrm>
+          <a:prstGeom prst="ellipse">
+            <a:avLst/>
+          </a:prstGeom>
+        </p:spPr>
+        <p:style>
+          <a:lnRef idx="2">
+            <a:schemeClr val="accent1">
+              <a:shade val="50000"/>
+            </a:schemeClr>
+          </a:lnRef>
+          <a:fillRef idx="1">
+            <a:schemeClr val="accent1"/>
+          </a:fillRef>
+          <a:effectRef idx="0">
+            <a:schemeClr val="accent1"/>
+          </a:effectRef>
+          <a:fontRef idx="minor">
+            <a:schemeClr val="lt1"/>
+          </a:fontRef>
+        </p:style>
+        <p:txBody>
+          <a:bodyPr rtlCol="0" anchor="ctr"/>
+          <a:lstStyle/>
+          <a:p>
+            <a:pPr algn="ctr"/>
+            <a:endParaRPr lang="it-IT"/>
+          </a:p>
+        </p:txBody>
+      </p:sp>
+    </p:spTree>
+    <p:extLst>
+      <p:ext uri="{BB962C8B-B14F-4D97-AF65-F5344CB8AC3E}">
+        <p14:creationId xmlns:p14="http://schemas.microsoft.com/office/powerpoint/2010/main" val="2250375682"/>
+      </p:ext>
+    </p:extLst>
+  </p:cSld>
+  <p:clrMapOvr>
+    <a:masterClrMapping/>
+  </p:clrMapOvr>
+  <p:timing>
+    <p:tnLst>
+      <p:par>
+        <p:cTn id="1" dur="indefinite" restart="never" nodeType="tmRoot">
+          <p:childTnLst>
+            <p:seq concurrent="1" nextAc="seek">
+              <p:cTn id="2" dur="indefinite" nodeType="mainSeq">
+                <p:childTnLst>
+                  <p:par>
+                    <p:cTn id="3" fill="hold">
+                      <p:stCondLst>
+                        <p:cond delay="indefinite"/>
+                      </p:stCondLst>
+                      <p:childTnLst>
+                        <p:par>
+                          <p:cTn id="4" fill="hold">
+                            <p:stCondLst>
+                              <p:cond delay="0"/>
+                            </p:stCondLst>
+                            <p:childTnLst>
+                              <p:par>
+                                <p:cTn id="5" presetID="10" presetClass="entr" presetSubtype="0" fill="hold" nodeType="clickEffect">
+                                  <p:stCondLst>
+                                    <p:cond delay="0"/>
+                                  </p:stCondLst>
+                                  <p:childTnLst>
+                                    <p:set>
+                                      <p:cBhvr>
+                                        <p:cTn id="6" dur="1" fill="hold">
+                                          <p:stCondLst>
+                                            <p:cond delay="0"/>
+                                          </p:stCondLst>
+                                        </p:cTn>
+                                        <p:tgtEl>
+                                          <p:spTgt spid="28"/>
+                                        </p:tgtEl>
+                                        <p:attrNameLst>
+                                          <p:attrName>style.visibility</p:attrName>
+                                        </p:attrNameLst>
+                                      </p:cBhvr>
+                                      <p:to>
+                                        <p:strVal val="visible"/>
+                                      </p:to>
+                                    </p:set>
+                                    <p:animEffect transition="in" filter="fade">
+                                      <p:cBhvr>
+                                        <p:cTn id="7" dur="500"/>
+                                        <p:tgtEl>
+                                          <p:spTgt spid="28"/>
+                                        </p:tgtEl>
+                                      </p:cBhvr>
+                                    </p:animEffect>
+                                  </p:childTnLst>
+                                </p:cTn>
+                              </p:par>
+                              <p:par>
+                                <p:cTn id="8" presetID="10" presetClass="entr" presetSubtype="0" fill="hold" grpId="0" nodeType="withEffect">
+                                  <p:stCondLst>
+                                    <p:cond delay="0"/>
+                                  </p:stCondLst>
+                                  <p:childTnLst>
+                                    <p:set>
+                                      <p:cBhvr>
+                                        <p:cTn id="9" dur="1" fill="hold">
+                                          <p:stCondLst>
+                                            <p:cond delay="0"/>
+                                          </p:stCondLst>
+                                        </p:cTn>
+                                        <p:tgtEl>
+                                          <p:spTgt spid="29"/>
+                                        </p:tgtEl>
+                                        <p:attrNameLst>
+                                          <p:attrName>style.visibility</p:attrName>
+                                        </p:attrNameLst>
+                                      </p:cBhvr>
+                                      <p:to>
+                                        <p:strVal val="visible"/>
+                                      </p:to>
+                                    </p:set>
+                                    <p:animEffect transition="in" filter="fade">
+                                      <p:cBhvr>
+                                        <p:cTn id="10" dur="500"/>
+                                        <p:tgtEl>
+                                          <p:spTgt spid="29"/>
+                                        </p:tgtEl>
+                                      </p:cBhvr>
+                                    </p:animEffect>
+                                  </p:childTnLst>
+                                </p:cTn>
+                              </p:par>
+                              <p:par>
+                                <p:cTn id="11" presetID="10" presetClass="entr" presetSubtype="0" fill="hold" grpId="0" nodeType="withEffect">
+                                  <p:stCondLst>
+                                    <p:cond delay="0"/>
+                                  </p:stCondLst>
+                                  <p:childTnLst>
+                                    <p:set>
+                                      <p:cBhvr>
+                                        <p:cTn id="12" dur="1" fill="hold">
+                                          <p:stCondLst>
+                                            <p:cond delay="0"/>
+                                          </p:stCondLst>
+                                        </p:cTn>
+                                        <p:tgtEl>
+                                          <p:spTgt spid="6"/>
+                                        </p:tgtEl>
+                                        <p:attrNameLst>
+                                          <p:attrName>style.visibility</p:attrName>
+                                        </p:attrNameLst>
+                                      </p:cBhvr>
+                                      <p:to>
+                                        <p:strVal val="visible"/>
+                                      </p:to>
+                                    </p:set>
+                                    <p:animEffect transition="in" filter="fade">
+                                      <p:cBhvr>
+                                        <p:cTn id="13" dur="500"/>
+                                        <p:tgtEl>
+                                          <p:spTgt spid="6"/>
+                                        </p:tgtEl>
+                                      </p:cBhvr>
+                                    </p:animEffect>
+                                  </p:childTnLst>
+                                </p:cTn>
+                              </p:par>
+                              <p:par>
+                                <p:cTn id="14" presetID="10" presetClass="entr" presetSubtype="0" fill="hold" nodeType="withEffect">
+                                  <p:stCondLst>
+                                    <p:cond delay="0"/>
+                                  </p:stCondLst>
+                                  <p:childTnLst>
+                                    <p:set>
+                                      <p:cBhvr>
+                                        <p:cTn id="15" dur="1" fill="hold">
+                                          <p:stCondLst>
+                                            <p:cond delay="0"/>
+                                          </p:stCondLst>
+                                        </p:cTn>
+                                        <p:tgtEl>
+                                          <p:spTgt spid="24"/>
+                                        </p:tgtEl>
+                                        <p:attrNameLst>
+                                          <p:attrName>style.visibility</p:attrName>
+                                        </p:attrNameLst>
+                                      </p:cBhvr>
+                                      <p:to>
+                                        <p:strVal val="visible"/>
+                                      </p:to>
+                                    </p:set>
+                                    <p:animEffect transition="in" filter="fade">
+                                      <p:cBhvr>
+                                        <p:cTn id="16" dur="500"/>
+                                        <p:tgtEl>
+                                          <p:spTgt spid="24"/>
+                                        </p:tgtEl>
+                                      </p:cBhvr>
+                                    </p:animEffect>
+                                  </p:childTnLst>
+                                </p:cTn>
+                              </p:par>
+                              <p:par>
+                                <p:cTn id="17" presetID="10" presetClass="entr" presetSubtype="0" fill="hold" nodeType="withEffect">
+                                  <p:stCondLst>
+                                    <p:cond delay="0"/>
+                                  </p:stCondLst>
+                                  <p:childTnLst>
+                                    <p:set>
+                                      <p:cBhvr>
+                                        <p:cTn id="18" dur="1" fill="hold">
+                                          <p:stCondLst>
+                                            <p:cond delay="0"/>
+                                          </p:stCondLst>
+                                        </p:cTn>
+                                        <p:tgtEl>
+                                          <p:spTgt spid="23"/>
+                                        </p:tgtEl>
+                                        <p:attrNameLst>
+                                          <p:attrName>style.visibility</p:attrName>
+                                        </p:attrNameLst>
+                                      </p:cBhvr>
+                                      <p:to>
+                                        <p:strVal val="visible"/>
+                                      </p:to>
+                                    </p:set>
+                                    <p:animEffect transition="in" filter="fade">
+                                      <p:cBhvr>
+                                        <p:cTn id="19" dur="500"/>
+                                        <p:tgtEl>
+                                          <p:spTgt spid="23"/>
+                                        </p:tgtEl>
+                                      </p:cBhvr>
+                                    </p:animEffect>
+                                  </p:childTnLst>
+                                </p:cTn>
+                              </p:par>
+                              <p:par>
+                                <p:cTn id="20" presetID="10" presetClass="entr" presetSubtype="0" fill="hold" grpId="0" nodeType="withEffect">
+                                  <p:stCondLst>
+                                    <p:cond delay="0"/>
+                                  </p:stCondLst>
+                                  <p:childTnLst>
+                                    <p:set>
+                                      <p:cBhvr>
+                                        <p:cTn id="21" dur="1" fill="hold">
+                                          <p:stCondLst>
+                                            <p:cond delay="0"/>
+                                          </p:stCondLst>
+                                        </p:cTn>
+                                        <p:tgtEl>
+                                          <p:spTgt spid="26"/>
+                                        </p:tgtEl>
+                                        <p:attrNameLst>
+                                          <p:attrName>style.visibility</p:attrName>
+                                        </p:attrNameLst>
+                                      </p:cBhvr>
+                                      <p:to>
+                                        <p:strVal val="visible"/>
+                                      </p:to>
+                                    </p:set>
+                                    <p:animEffect transition="in" filter="fade">
+                                      <p:cBhvr>
+                                        <p:cTn id="22" dur="500"/>
+                                        <p:tgtEl>
+                                          <p:spTgt spid="26"/>
+                                        </p:tgtEl>
+                                      </p:cBhvr>
+                                    </p:animEffect>
+                                  </p:childTnLst>
+                                </p:cTn>
+                              </p:par>
+                              <p:par>
+                                <p:cTn id="23" presetID="10" presetClass="entr" presetSubtype="0" fill="hold" grpId="0" nodeType="withEffect">
+                                  <p:stCondLst>
+                                    <p:cond delay="0"/>
+                                  </p:stCondLst>
+                                  <p:childTnLst>
+                                    <p:set>
+                                      <p:cBhvr>
+                                        <p:cTn id="24" dur="1" fill="hold">
+                                          <p:stCondLst>
+                                            <p:cond delay="0"/>
+                                          </p:stCondLst>
+                                        </p:cTn>
+                                        <p:tgtEl>
+                                          <p:spTgt spid="5"/>
+                                        </p:tgtEl>
+                                        <p:attrNameLst>
+                                          <p:attrName>style.visibility</p:attrName>
+                                        </p:attrNameLst>
+                                      </p:cBhvr>
+                                      <p:to>
+                                        <p:strVal val="visible"/>
+                                      </p:to>
+                                    </p:set>
+                                    <p:animEffect transition="in" filter="fade">
+                                      <p:cBhvr>
+                                        <p:cTn id="25" dur="500"/>
+                                        <p:tgtEl>
+                                          <p:spTgt spid="5"/>
+                                        </p:tgtEl>
+                                      </p:cBhvr>
+                                    </p:animEffect>
+                                  </p:childTnLst>
+                                </p:cTn>
+                              </p:par>
+                              <p:par>
+                                <p:cTn id="26" presetID="10" presetClass="entr" presetSubtype="0" fill="hold" nodeType="withEffect">
+                                  <p:stCondLst>
+                                    <p:cond delay="0"/>
+                                  </p:stCondLst>
+                                  <p:childTnLst>
+                                    <p:set>
+                                      <p:cBhvr>
+                                        <p:cTn id="27" dur="1" fill="hold">
+                                          <p:stCondLst>
+                                            <p:cond delay="0"/>
+                                          </p:stCondLst>
+                                        </p:cTn>
+                                        <p:tgtEl>
+                                          <p:spTgt spid="19"/>
+                                        </p:tgtEl>
+                                        <p:attrNameLst>
+                                          <p:attrName>style.visibility</p:attrName>
+                                        </p:attrNameLst>
+                                      </p:cBhvr>
+                                      <p:to>
+                                        <p:strVal val="visible"/>
+                                      </p:to>
+                                    </p:set>
+                                    <p:animEffect transition="in" filter="fade">
+                                      <p:cBhvr>
+                                        <p:cTn id="28" dur="500"/>
+                                        <p:tgtEl>
+                                          <p:spTgt spid="19"/>
+                                        </p:tgtEl>
+                                      </p:cBhvr>
+                                    </p:animEffect>
+                                  </p:childTnLst>
+                                </p:cTn>
+                              </p:par>
+                              <p:par>
+                                <p:cTn id="29" presetID="10" presetClass="entr" presetSubtype="0" fill="hold" nodeType="withEffect">
+                                  <p:stCondLst>
+                                    <p:cond delay="0"/>
+                                  </p:stCondLst>
+                                  <p:childTnLst>
+                                    <p:set>
+                                      <p:cBhvr>
+                                        <p:cTn id="30" dur="1" fill="hold">
+                                          <p:stCondLst>
+                                            <p:cond delay="0"/>
+                                          </p:stCondLst>
+                                        </p:cTn>
+                                        <p:tgtEl>
+                                          <p:spTgt spid="16"/>
+                                        </p:tgtEl>
+                                        <p:attrNameLst>
+                                          <p:attrName>style.visibility</p:attrName>
+                                        </p:attrNameLst>
+                                      </p:cBhvr>
+                                      <p:to>
+                                        <p:strVal val="visible"/>
+                                      </p:to>
+                                    </p:set>
+                                    <p:animEffect transition="in" filter="fade">
+                                      <p:cBhvr>
+                                        <p:cTn id="31" dur="500"/>
+                                        <p:tgtEl>
+                                          <p:spTgt spid="16"/>
+                                        </p:tgtEl>
+                                      </p:cBhvr>
+                                    </p:animEffect>
+                                  </p:childTnLst>
+                                </p:cTn>
+                              </p:par>
+                              <p:par>
+                                <p:cTn id="32" presetID="10" presetClass="entr" presetSubtype="0" fill="hold" grpId="0" nodeType="withEffect">
+                                  <p:stCondLst>
+                                    <p:cond delay="0"/>
+                                  </p:stCondLst>
+                                  <p:childTnLst>
+                                    <p:set>
+                                      <p:cBhvr>
+                                        <p:cTn id="33" dur="1" fill="hold">
+                                          <p:stCondLst>
+                                            <p:cond delay="0"/>
+                                          </p:stCondLst>
+                                        </p:cTn>
+                                        <p:tgtEl>
+                                          <p:spTgt spid="22"/>
+                                        </p:tgtEl>
+                                        <p:attrNameLst>
+                                          <p:attrName>style.visibility</p:attrName>
+                                        </p:attrNameLst>
+                                      </p:cBhvr>
+                                      <p:to>
+                                        <p:strVal val="visible"/>
+                                      </p:to>
+                                    </p:set>
+                                    <p:animEffect transition="in" filter="fade">
+                                      <p:cBhvr>
+                                        <p:cTn id="34" dur="500"/>
+                                        <p:tgtEl>
+                                          <p:spTgt spid="22"/>
+                                        </p:tgtEl>
+                                      </p:cBhvr>
+                                    </p:animEffect>
+                                  </p:childTnLst>
+                                </p:cTn>
+                              </p:par>
+                              <p:par>
+                                <p:cTn id="35" presetID="10" presetClass="entr" presetSubtype="0" fill="hold" grpId="0" nodeType="withEffect">
+                                  <p:stCondLst>
+                                    <p:cond delay="0"/>
+                                  </p:stCondLst>
+                                  <p:childTnLst>
+                                    <p:set>
+                                      <p:cBhvr>
+                                        <p:cTn id="36" dur="1" fill="hold">
+                                          <p:stCondLst>
+                                            <p:cond delay="0"/>
+                                          </p:stCondLst>
+                                        </p:cTn>
+                                        <p:tgtEl>
+                                          <p:spTgt spid="7"/>
+                                        </p:tgtEl>
+                                        <p:attrNameLst>
+                                          <p:attrName>style.visibility</p:attrName>
+                                        </p:attrNameLst>
+                                      </p:cBhvr>
+                                      <p:to>
+                                        <p:strVal val="visible"/>
+                                      </p:to>
+                                    </p:set>
+                                    <p:animEffect transition="in" filter="fade">
+                                      <p:cBhvr>
+                                        <p:cTn id="37" dur="500"/>
+                                        <p:tgtEl>
+                                          <p:spTgt spid="7"/>
+                                        </p:tgtEl>
+                                      </p:cBhvr>
+                                    </p:animEffect>
+                                  </p:childTnLst>
+                                </p:cTn>
+                              </p:par>
+                            </p:childTnLst>
+                          </p:cTn>
+                        </p:par>
+                      </p:childTnLst>
+                    </p:cTn>
+                  </p:par>
+                </p:childTnLst>
+              </p:cTn>
+              <p:prevCondLst>
+                <p:cond evt="onPrev" delay="0">
+                  <p:tgtEl>
+                    <p:sldTgt/>
+                  </p:tgtEl>
+                </p:cond>
+              </p:prevCondLst>
+              <p:nextCondLst>
+                <p:cond evt="onNext" delay="0">
+                  <p:tgtEl>
+                    <p:sldTgt/>
+                  </p:tgtEl>
+                </p:cond>
+              </p:nextCondLst>
+            </p:seq>
+          </p:childTnLst>
+        </p:cTn>
+      </p:par>
+    </p:tnLst>
+    <p:bldLst>
+      <p:bldP spid="5" grpId="0"/>
+      <p:bldP spid="6" grpId="0"/>
+      <p:bldP spid="7" grpId="0"/>
+      <p:bldP spid="22" grpId="0" animBg="1"/>
+      <p:bldP spid="26" grpId="0" animBg="1"/>
+      <p:bldP spid="29" grpId="0" animBg="1"/>
+    </p:bldLst>
+  </p:timing>
+</p:sld>
+</file>
+
+<file path=ppt/slides/slide14.xml><?xml version="1.0" encoding="utf-8"?>
+<p:sld xmlns:a="http://schemas.openxmlformats.org/drawingml/2006/main" xmlns:r="http://schemas.openxmlformats.org/officeDocument/2006/relationships" xmlns:p="http://schemas.openxmlformats.org/presentationml/2006/main">
+  <p:cSld>
+    <p:spTree>
+      <p:nvGrpSpPr>
+        <p:cNvPr id="1" name=""/>
+        <p:cNvGrpSpPr/>
+        <p:nvPr/>
+      </p:nvGrpSpPr>
+      <p:grpSpPr>
+        <a:xfrm>
+          <a:off x="0" y="0"/>
+          <a:ext cx="0" cy="0"/>
+          <a:chOff x="0" y="0"/>
+          <a:chExt cx="0" cy="0"/>
+        </a:xfrm>
+      </p:grpSpPr>
+      <p:sp>
+        <p:nvSpPr>
+          <p:cNvPr id="3" name="Titolo verticale 2"/>
+          <p:cNvSpPr>
+            <a:spLocks noGrp="1"/>
+          </p:cNvSpPr>
+          <p:nvPr>
+            <p:ph type="title" orient="vert"/>
+          </p:nvPr>
+        </p:nvSpPr>
+        <p:spPr/>
+        <p:txBody>
+          <a:bodyPr/>
+          <a:lstStyle/>
+          <a:p>
+            <a:r>
+              <a:rPr lang="it-IT" dirty="0" err="1"/>
+              <a:t>Blockchain</a:t>
+            </a:r>
+            <a:r>
+              <a:rPr lang="it-IT" dirty="0"/>
+              <a:t> - Struttura</a:t>
+            </a:r>
+          </a:p>
+        </p:txBody>
+      </p:sp>
+      <p:pic>
+        <p:nvPicPr>
+          <p:cNvPr id="4" name="Picture 3" descr="C:\Users\higla\Downloads\BlockNoChain.gif"/>
+          <p:cNvPicPr>
+            <a:picLocks noChangeAspect="1" noChangeArrowheads="1"/>
+          </p:cNvPicPr>
+          <p:nvPr/>
+        </p:nvPicPr>
+        <p:blipFill>
+          <a:blip r:embed="rId3">
+            <a:extLst>
+              <a:ext uri="{28A0092B-C50C-407E-A947-70E740481C1C}">
+                <a14:useLocalDpi xmlns:a14="http://schemas.microsoft.com/office/drawing/2010/main" val="0"/>
+              </a:ext>
+            </a:extLst>
+          </a:blip>
+          <a:srcRect/>
+          <a:stretch>
+            <a:fillRect/>
+          </a:stretch>
+        </p:blipFill>
+        <p:spPr bwMode="auto">
+          <a:xfrm>
+            <a:off x="364791" y="1556791"/>
+            <a:ext cx="7807609" cy="2967191"/>
+          </a:xfrm>
+          <a:prstGeom prst="rect">
+            <a:avLst/>
+          </a:prstGeom>
+          <a:noFill/>
+          <a:extLst>
+            <a:ext uri="{909E8E84-426E-40DD-AFC4-6F175D3DCCD1}">
+              <a14:hiddenFill xmlns:a14="http://schemas.microsoft.com/office/drawing/2010/main">
+                <a:solidFill>
+                  <a:srgbClr val="FFFFFF"/>
+                </a:solidFill>
+              </a14:hiddenFill>
+            </a:ext>
+          </a:extLst>
+        </p:spPr>
+      </p:pic>
+      <p:sp>
+        <p:nvSpPr>
+          <p:cNvPr id="5" name="CasellaDiTesto 4"/>
+          <p:cNvSpPr txBox="1"/>
+          <p:nvPr/>
+        </p:nvSpPr>
+        <p:spPr>
+          <a:xfrm>
+            <a:off x="6012160" y="1556791"/>
+            <a:ext cx="2880320" cy="369332"/>
+          </a:xfrm>
+          <a:prstGeom prst="rect">
+            <a:avLst/>
+          </a:prstGeom>
+          <a:noFill/>
+        </p:spPr>
+        <p:txBody>
+          <a:bodyPr wrap="square" rtlCol="0">
+            <a:spAutoFit/>
+          </a:bodyPr>
+          <a:lstStyle/>
+          <a:p>
+            <a:r>
+              <a:rPr lang="it-IT" dirty="0" smtClean="0"/>
+              <a:t>Valore</a:t>
+            </a:r>
+            <a:endParaRPr lang="it-IT" dirty="0"/>
+          </a:p>
+        </p:txBody>
+      </p:sp>
+      <p:sp>
+        <p:nvSpPr>
+          <p:cNvPr id="6" name="CasellaDiTesto 5"/>
+          <p:cNvSpPr txBox="1"/>
+          <p:nvPr/>
+        </p:nvSpPr>
+        <p:spPr>
+          <a:xfrm>
+            <a:off x="5855912" y="2924944"/>
+            <a:ext cx="2880320" cy="369332"/>
+          </a:xfrm>
+          <a:prstGeom prst="rect">
+            <a:avLst/>
+          </a:prstGeom>
+          <a:noFill/>
+        </p:spPr>
+        <p:txBody>
+          <a:bodyPr wrap="square" rtlCol="0">
+            <a:spAutoFit/>
+          </a:bodyPr>
+          <a:lstStyle/>
+          <a:p>
+            <a:r>
+              <a:rPr lang="it-IT" dirty="0" err="1" smtClean="0"/>
+              <a:t>Hash</a:t>
+            </a:r>
+            <a:r>
+              <a:rPr lang="it-IT" dirty="0" smtClean="0"/>
+              <a:t> del cubo</a:t>
+            </a:r>
+            <a:endParaRPr lang="it-IT" dirty="0"/>
+          </a:p>
+        </p:txBody>
+      </p:sp>
+      <p:sp>
+        <p:nvSpPr>
+          <p:cNvPr id="7" name="CasellaDiTesto 6"/>
+          <p:cNvSpPr txBox="1"/>
+          <p:nvPr/>
+        </p:nvSpPr>
+        <p:spPr>
+          <a:xfrm>
+            <a:off x="2267744" y="4725144"/>
+            <a:ext cx="2880320" cy="369332"/>
+          </a:xfrm>
+          <a:prstGeom prst="rect">
+            <a:avLst/>
+          </a:prstGeom>
+          <a:noFill/>
+        </p:spPr>
+        <p:txBody>
+          <a:bodyPr wrap="square" rtlCol="0">
+            <a:spAutoFit/>
+          </a:bodyPr>
+          <a:lstStyle/>
+          <a:p>
+            <a:r>
+              <a:rPr lang="it-IT" dirty="0" err="1" smtClean="0"/>
+              <a:t>Hash</a:t>
+            </a:r>
+            <a:r>
+              <a:rPr lang="it-IT" dirty="0" smtClean="0"/>
+              <a:t> precedente</a:t>
+            </a:r>
+            <a:endParaRPr lang="it-IT" dirty="0"/>
+          </a:p>
+        </p:txBody>
+      </p:sp>
+      <p:cxnSp>
+        <p:nvCxnSpPr>
+          <p:cNvPr id="16" name="Connettore 1 15"/>
+          <p:cNvCxnSpPr/>
+          <p:nvPr/>
+        </p:nvCxnSpPr>
+        <p:spPr>
+          <a:xfrm flipV="1">
+            <a:off x="2483768" y="3573016"/>
+            <a:ext cx="0" cy="1008112"/>
+          </a:xfrm>
+          <a:prstGeom prst="line">
+            <a:avLst/>
+          </a:prstGeom>
+          <a:ln w="28575">
+            <a:solidFill>
+              <a:srgbClr val="FF6633"/>
+            </a:solidFill>
+          </a:ln>
+        </p:spPr>
+        <p:style>
+          <a:lnRef idx="1">
+            <a:schemeClr val="accent1"/>
+          </a:lnRef>
+          <a:fillRef idx="0">
+            <a:schemeClr val="accent1"/>
+          </a:fillRef>
+          <a:effectRef idx="0">
+            <a:schemeClr val="accent1"/>
+          </a:effectRef>
+          <a:fontRef idx="minor">
+            <a:schemeClr val="tx1"/>
+          </a:fontRef>
+        </p:style>
+      </p:cxnSp>
+      <p:cxnSp>
+        <p:nvCxnSpPr>
+          <p:cNvPr id="19" name="Connettore 1 18"/>
+          <p:cNvCxnSpPr/>
+          <p:nvPr/>
+        </p:nvCxnSpPr>
+        <p:spPr>
+          <a:xfrm flipH="1">
+            <a:off x="2483768" y="3573016"/>
+            <a:ext cx="1224136" cy="0"/>
+          </a:xfrm>
+          <a:prstGeom prst="line">
+            <a:avLst/>
+          </a:prstGeom>
+          <a:ln w="28575">
+            <a:solidFill>
+              <a:srgbClr val="FF6633"/>
+            </a:solidFill>
+          </a:ln>
+        </p:spPr>
+        <p:style>
+          <a:lnRef idx="1">
+            <a:schemeClr val="accent1"/>
+          </a:lnRef>
+          <a:fillRef idx="0">
+            <a:schemeClr val="accent1"/>
+          </a:fillRef>
+          <a:effectRef idx="0">
+            <a:schemeClr val="accent1"/>
+          </a:effectRef>
+          <a:fontRef idx="minor">
+            <a:schemeClr val="tx1"/>
+          </a:fontRef>
+        </p:style>
+      </p:cxnSp>
+      <p:sp>
+        <p:nvSpPr>
+          <p:cNvPr id="22" name="Ovale 21"/>
+          <p:cNvSpPr/>
+          <p:nvPr/>
+        </p:nvSpPr>
+        <p:spPr>
+          <a:xfrm>
+            <a:off x="2407216" y="4581128"/>
+            <a:ext cx="144016" cy="144016"/>
+          </a:xfrm>
+          <a:prstGeom prst="ellipse">
+            <a:avLst/>
+          </a:prstGeom>
+        </p:spPr>
+        <p:style>
+          <a:lnRef idx="2">
+            <a:schemeClr val="accent1">
+              <a:shade val="50000"/>
+            </a:schemeClr>
+          </a:lnRef>
+          <a:fillRef idx="1">
+            <a:schemeClr val="accent1"/>
+          </a:fillRef>
+          <a:effectRef idx="0">
+            <a:schemeClr val="accent1"/>
+          </a:effectRef>
+          <a:fontRef idx="minor">
+            <a:schemeClr val="lt1"/>
+          </a:fontRef>
+        </p:style>
+        <p:txBody>
+          <a:bodyPr rtlCol="0" anchor="ctr"/>
+          <a:lstStyle/>
+          <a:p>
+            <a:pPr algn="ctr"/>
+            <a:endParaRPr lang="it-IT"/>
+          </a:p>
+        </p:txBody>
+      </p:sp>
+      <p:cxnSp>
+        <p:nvCxnSpPr>
+          <p:cNvPr id="23" name="Connettore 1 22"/>
+          <p:cNvCxnSpPr/>
+          <p:nvPr/>
+        </p:nvCxnSpPr>
+        <p:spPr>
+          <a:xfrm flipV="1">
+            <a:off x="4355976" y="1758336"/>
+            <a:ext cx="742936" cy="806568"/>
+          </a:xfrm>
+          <a:prstGeom prst="line">
+            <a:avLst/>
+          </a:prstGeom>
+          <a:ln w="28575">
+            <a:solidFill>
+              <a:srgbClr val="FF6633"/>
+            </a:solidFill>
+          </a:ln>
+        </p:spPr>
+        <p:style>
+          <a:lnRef idx="1">
+            <a:schemeClr val="accent1"/>
+          </a:lnRef>
+          <a:fillRef idx="0">
+            <a:schemeClr val="accent1"/>
+          </a:fillRef>
+          <a:effectRef idx="0">
+            <a:schemeClr val="accent1"/>
+          </a:effectRef>
+          <a:fontRef idx="minor">
+            <a:schemeClr val="tx1"/>
+          </a:fontRef>
+        </p:style>
+      </p:cxnSp>
+      <p:cxnSp>
+        <p:nvCxnSpPr>
+          <p:cNvPr id="24" name="Connettore 1 23"/>
+          <p:cNvCxnSpPr/>
+          <p:nvPr/>
+        </p:nvCxnSpPr>
+        <p:spPr>
+          <a:xfrm flipH="1">
+            <a:off x="5098912" y="1758336"/>
+            <a:ext cx="720080" cy="0"/>
+          </a:xfrm>
+          <a:prstGeom prst="line">
+            <a:avLst/>
+          </a:prstGeom>
+          <a:ln w="28575">
+            <a:solidFill>
+              <a:srgbClr val="FF6633"/>
+            </a:solidFill>
+          </a:ln>
+        </p:spPr>
+        <p:style>
+          <a:lnRef idx="1">
+            <a:schemeClr val="accent1"/>
+          </a:lnRef>
+          <a:fillRef idx="0">
+            <a:schemeClr val="accent1"/>
+          </a:fillRef>
+          <a:effectRef idx="0">
+            <a:schemeClr val="accent1"/>
+          </a:effectRef>
+          <a:fontRef idx="minor">
+            <a:schemeClr val="tx1"/>
+          </a:fontRef>
+        </p:style>
+      </p:cxnSp>
+      <p:sp>
+        <p:nvSpPr>
+          <p:cNvPr id="26" name="Ovale 25"/>
+          <p:cNvSpPr/>
+          <p:nvPr/>
+        </p:nvSpPr>
+        <p:spPr>
+          <a:xfrm>
+            <a:off x="5818992" y="1686328"/>
+            <a:ext cx="144016" cy="144016"/>
+          </a:xfrm>
+          <a:prstGeom prst="ellipse">
+            <a:avLst/>
+          </a:prstGeom>
+        </p:spPr>
+        <p:style>
+          <a:lnRef idx="2">
+            <a:schemeClr val="accent1">
+              <a:shade val="50000"/>
+            </a:schemeClr>
+          </a:lnRef>
+          <a:fillRef idx="1">
+            <a:schemeClr val="accent1"/>
+          </a:fillRef>
+          <a:effectRef idx="0">
+            <a:schemeClr val="accent1"/>
+          </a:effectRef>
+          <a:fontRef idx="minor">
+            <a:schemeClr val="lt1"/>
+          </a:fontRef>
+        </p:style>
+        <p:txBody>
+          <a:bodyPr rtlCol="0" anchor="ctr"/>
+          <a:lstStyle/>
+          <a:p>
+            <a:pPr algn="ctr"/>
+            <a:endParaRPr lang="it-IT"/>
+          </a:p>
+        </p:txBody>
+      </p:sp>
+      <p:cxnSp>
+        <p:nvCxnSpPr>
+          <p:cNvPr id="28" name="Connettore 1 27"/>
+          <p:cNvCxnSpPr/>
+          <p:nvPr/>
+        </p:nvCxnSpPr>
+        <p:spPr>
+          <a:xfrm flipH="1">
+            <a:off x="4949544" y="3109610"/>
+            <a:ext cx="720080" cy="0"/>
+          </a:xfrm>
+          <a:prstGeom prst="line">
+            <a:avLst/>
+          </a:prstGeom>
+          <a:ln w="28575">
+            <a:solidFill>
+              <a:srgbClr val="FF6633"/>
+            </a:solidFill>
+          </a:ln>
+        </p:spPr>
+        <p:style>
+          <a:lnRef idx="1">
+            <a:schemeClr val="accent1"/>
+          </a:lnRef>
+          <a:fillRef idx="0">
+            <a:schemeClr val="accent1"/>
+          </a:fillRef>
+          <a:effectRef idx="0">
+            <a:schemeClr val="accent1"/>
+          </a:effectRef>
+          <a:fontRef idx="minor">
+            <a:schemeClr val="tx1"/>
+          </a:fontRef>
+        </p:style>
+      </p:cxnSp>
+      <p:sp>
+        <p:nvSpPr>
+          <p:cNvPr id="29" name="Ovale 28"/>
+          <p:cNvSpPr/>
+          <p:nvPr/>
+        </p:nvSpPr>
+        <p:spPr>
+          <a:xfrm>
+            <a:off x="5669624" y="3054466"/>
+            <a:ext cx="144016" cy="144016"/>
+          </a:xfrm>
+          <a:prstGeom prst="ellipse">
+            <a:avLst/>
+          </a:prstGeom>
+        </p:spPr>
+        <p:style>
+          <a:lnRef idx="2">
+            <a:schemeClr val="accent1">
+              <a:shade val="50000"/>
+            </a:schemeClr>
+          </a:lnRef>
+          <a:fillRef idx="1">
+            <a:schemeClr val="accent1"/>
+          </a:fillRef>
+          <a:effectRef idx="0">
+            <a:schemeClr val="accent1"/>
+          </a:effectRef>
+          <a:fontRef idx="minor">
+            <a:schemeClr val="lt1"/>
+          </a:fontRef>
+        </p:style>
+        <p:txBody>
+          <a:bodyPr rtlCol="0" anchor="ctr"/>
+          <a:lstStyle/>
+          <a:p>
+            <a:pPr algn="ctr"/>
+            <a:endParaRPr lang="it-IT"/>
+          </a:p>
+        </p:txBody>
+      </p:sp>
+    </p:spTree>
+    <p:extLst>
+      <p:ext uri="{BB962C8B-B14F-4D97-AF65-F5344CB8AC3E}">
+        <p14:creationId xmlns:p14="http://schemas.microsoft.com/office/powerpoint/2010/main" val="1411577663"/>
+      </p:ext>
+    </p:extLst>
+  </p:cSld>
+  <p:clrMapOvr>
+    <a:masterClrMapping/>
+  </p:clrMapOvr>
+  <p:timing>
+    <p:tnLst>
+      <p:par>
+        <p:cTn id="1" dur="indefinite" restart="never" nodeType="tmRoot">
+          <p:childTnLst>
+            <p:seq concurrent="1" nextAc="seek">
+              <p:cTn id="2" dur="indefinite" nodeType="mainSeq">
+                <p:childTnLst>
+                  <p:par>
+                    <p:cTn id="3" fill="hold">
+                      <p:stCondLst>
+                        <p:cond delay="indefinite"/>
+                      </p:stCondLst>
+                      <p:childTnLst>
+                        <p:par>
+                          <p:cTn id="4" fill="hold">
+                            <p:stCondLst>
+                              <p:cond delay="0"/>
+                            </p:stCondLst>
+                            <p:childTnLst>
+                              <p:par>
+                                <p:cTn id="5" presetID="10" presetClass="exit" presetSubtype="0" fill="hold" grpId="0" nodeType="clickEffect">
+                                  <p:stCondLst>
+                                    <p:cond delay="0"/>
+                                  </p:stCondLst>
+                                  <p:childTnLst>
+                                    <p:animEffect transition="out" filter="fade">
+                                      <p:cBhvr>
+                                        <p:cTn id="6" dur="500"/>
+                                        <p:tgtEl>
+                                          <p:spTgt spid="7"/>
+                                        </p:tgtEl>
+                                      </p:cBhvr>
+                                    </p:animEffect>
+                                    <p:set>
+                                      <p:cBhvr>
+                                        <p:cTn id="7" dur="1" fill="hold">
+                                          <p:stCondLst>
+                                            <p:cond delay="499"/>
+                                          </p:stCondLst>
+                                        </p:cTn>
+                                        <p:tgtEl>
+                                          <p:spTgt spid="7"/>
+                                        </p:tgtEl>
+                                        <p:attrNameLst>
+                                          <p:attrName>style.visibility</p:attrName>
+                                        </p:attrNameLst>
+                                      </p:cBhvr>
+                                      <p:to>
+                                        <p:strVal val="hidden"/>
+                                      </p:to>
+                                    </p:set>
+                                  </p:childTnLst>
+                                </p:cTn>
+                              </p:par>
+                              <p:par>
+                                <p:cTn id="8" presetID="10" presetClass="exit" presetSubtype="0" fill="hold" grpId="0" nodeType="withEffect">
+                                  <p:stCondLst>
+                                    <p:cond delay="0"/>
+                                  </p:stCondLst>
+                                  <p:childTnLst>
+                                    <p:animEffect transition="out" filter="fade">
+                                      <p:cBhvr>
+                                        <p:cTn id="9" dur="500"/>
+                                        <p:tgtEl>
+                                          <p:spTgt spid="22"/>
+                                        </p:tgtEl>
+                                      </p:cBhvr>
+                                    </p:animEffect>
+                                    <p:set>
+                                      <p:cBhvr>
+                                        <p:cTn id="10" dur="1" fill="hold">
+                                          <p:stCondLst>
+                                            <p:cond delay="499"/>
+                                          </p:stCondLst>
+                                        </p:cTn>
+                                        <p:tgtEl>
+                                          <p:spTgt spid="22"/>
+                                        </p:tgtEl>
+                                        <p:attrNameLst>
+                                          <p:attrName>style.visibility</p:attrName>
+                                        </p:attrNameLst>
+                                      </p:cBhvr>
+                                      <p:to>
+                                        <p:strVal val="hidden"/>
+                                      </p:to>
+                                    </p:set>
+                                  </p:childTnLst>
+                                </p:cTn>
+                              </p:par>
+                              <p:par>
+                                <p:cTn id="11" presetID="10" presetClass="exit" presetSubtype="0" fill="hold" nodeType="withEffect">
+                                  <p:stCondLst>
+                                    <p:cond delay="0"/>
+                                  </p:stCondLst>
+                                  <p:childTnLst>
+                                    <p:animEffect transition="out" filter="fade">
+                                      <p:cBhvr>
+                                        <p:cTn id="12" dur="500"/>
+                                        <p:tgtEl>
+                                          <p:spTgt spid="16"/>
+                                        </p:tgtEl>
+                                      </p:cBhvr>
+                                    </p:animEffect>
+                                    <p:set>
+                                      <p:cBhvr>
+                                        <p:cTn id="13" dur="1" fill="hold">
+                                          <p:stCondLst>
+                                            <p:cond delay="499"/>
+                                          </p:stCondLst>
+                                        </p:cTn>
+                                        <p:tgtEl>
+                                          <p:spTgt spid="16"/>
+                                        </p:tgtEl>
+                                        <p:attrNameLst>
+                                          <p:attrName>style.visibility</p:attrName>
+                                        </p:attrNameLst>
+                                      </p:cBhvr>
+                                      <p:to>
+                                        <p:strVal val="hidden"/>
+                                      </p:to>
+                                    </p:set>
+                                  </p:childTnLst>
+                                </p:cTn>
+                              </p:par>
+                              <p:par>
+                                <p:cTn id="14" presetID="10" presetClass="exit" presetSubtype="0" fill="hold" nodeType="withEffect">
+                                  <p:stCondLst>
+                                    <p:cond delay="0"/>
+                                  </p:stCondLst>
+                                  <p:childTnLst>
+                                    <p:animEffect transition="out" filter="fade">
+                                      <p:cBhvr>
+                                        <p:cTn id="15" dur="500"/>
+                                        <p:tgtEl>
+                                          <p:spTgt spid="19"/>
+                                        </p:tgtEl>
+                                      </p:cBhvr>
+                                    </p:animEffect>
+                                    <p:set>
+                                      <p:cBhvr>
+                                        <p:cTn id="16" dur="1" fill="hold">
+                                          <p:stCondLst>
+                                            <p:cond delay="499"/>
+                                          </p:stCondLst>
+                                        </p:cTn>
+                                        <p:tgtEl>
+                                          <p:spTgt spid="19"/>
+                                        </p:tgtEl>
+                                        <p:attrNameLst>
+                                          <p:attrName>style.visibility</p:attrName>
+                                        </p:attrNameLst>
+                                      </p:cBhvr>
+                                      <p:to>
+                                        <p:strVal val="hidden"/>
+                                      </p:to>
+                                    </p:set>
+                                  </p:childTnLst>
+                                </p:cTn>
+                              </p:par>
+                              <p:par>
+                                <p:cTn id="17" presetID="10" presetClass="exit" presetSubtype="0" fill="hold" nodeType="withEffect">
+                                  <p:stCondLst>
+                                    <p:cond delay="0"/>
+                                  </p:stCondLst>
+                                  <p:childTnLst>
+                                    <p:animEffect transition="out" filter="fade">
+                                      <p:cBhvr>
+                                        <p:cTn id="18" dur="500"/>
+                                        <p:tgtEl>
+                                          <p:spTgt spid="28"/>
+                                        </p:tgtEl>
+                                      </p:cBhvr>
+                                    </p:animEffect>
+                                    <p:set>
+                                      <p:cBhvr>
+                                        <p:cTn id="19" dur="1" fill="hold">
+                                          <p:stCondLst>
+                                            <p:cond delay="499"/>
+                                          </p:stCondLst>
+                                        </p:cTn>
+                                        <p:tgtEl>
+                                          <p:spTgt spid="28"/>
+                                        </p:tgtEl>
+                                        <p:attrNameLst>
+                                          <p:attrName>style.visibility</p:attrName>
+                                        </p:attrNameLst>
+                                      </p:cBhvr>
+                                      <p:to>
+                                        <p:strVal val="hidden"/>
+                                      </p:to>
+                                    </p:set>
+                                  </p:childTnLst>
+                                </p:cTn>
+                              </p:par>
+                              <p:par>
+                                <p:cTn id="20" presetID="10" presetClass="exit" presetSubtype="0" fill="hold" grpId="0" nodeType="withEffect">
+                                  <p:stCondLst>
+                                    <p:cond delay="0"/>
+                                  </p:stCondLst>
+                                  <p:childTnLst>
+                                    <p:animEffect transition="out" filter="fade">
+                                      <p:cBhvr>
+                                        <p:cTn id="21" dur="500"/>
+                                        <p:tgtEl>
+                                          <p:spTgt spid="29"/>
+                                        </p:tgtEl>
+                                      </p:cBhvr>
+                                    </p:animEffect>
+                                    <p:set>
+                                      <p:cBhvr>
+                                        <p:cTn id="22" dur="1" fill="hold">
+                                          <p:stCondLst>
+                                            <p:cond delay="499"/>
+                                          </p:stCondLst>
+                                        </p:cTn>
+                                        <p:tgtEl>
+                                          <p:spTgt spid="29"/>
+                                        </p:tgtEl>
+                                        <p:attrNameLst>
+                                          <p:attrName>style.visibility</p:attrName>
+                                        </p:attrNameLst>
+                                      </p:cBhvr>
+                                      <p:to>
+                                        <p:strVal val="hidden"/>
+                                      </p:to>
+                                    </p:set>
+                                  </p:childTnLst>
+                                </p:cTn>
+                              </p:par>
+                              <p:par>
+                                <p:cTn id="23" presetID="10" presetClass="exit" presetSubtype="0" fill="hold" grpId="0" nodeType="withEffect">
+                                  <p:stCondLst>
+                                    <p:cond delay="0"/>
+                                  </p:stCondLst>
+                                  <p:childTnLst>
+                                    <p:animEffect transition="out" filter="fade">
+                                      <p:cBhvr>
+                                        <p:cTn id="24" dur="500"/>
+                                        <p:tgtEl>
+                                          <p:spTgt spid="6"/>
+                                        </p:tgtEl>
+                                      </p:cBhvr>
+                                    </p:animEffect>
+                                    <p:set>
+                                      <p:cBhvr>
+                                        <p:cTn id="25" dur="1" fill="hold">
+                                          <p:stCondLst>
+                                            <p:cond delay="499"/>
+                                          </p:stCondLst>
+                                        </p:cTn>
+                                        <p:tgtEl>
+                                          <p:spTgt spid="6"/>
+                                        </p:tgtEl>
+                                        <p:attrNameLst>
+                                          <p:attrName>style.visibility</p:attrName>
+                                        </p:attrNameLst>
+                                      </p:cBhvr>
+                                      <p:to>
+                                        <p:strVal val="hidden"/>
+                                      </p:to>
+                                    </p:set>
+                                  </p:childTnLst>
+                                </p:cTn>
+                              </p:par>
+                              <p:par>
+                                <p:cTn id="26" presetID="10" presetClass="exit" presetSubtype="0" fill="hold" nodeType="withEffect">
+                                  <p:stCondLst>
+                                    <p:cond delay="0"/>
+                                  </p:stCondLst>
+                                  <p:childTnLst>
+                                    <p:animEffect transition="out" filter="fade">
+                                      <p:cBhvr>
+                                        <p:cTn id="27" dur="500"/>
+                                        <p:tgtEl>
+                                          <p:spTgt spid="23"/>
+                                        </p:tgtEl>
+                                      </p:cBhvr>
+                                    </p:animEffect>
+                                    <p:set>
+                                      <p:cBhvr>
+                                        <p:cTn id="28" dur="1" fill="hold">
+                                          <p:stCondLst>
+                                            <p:cond delay="499"/>
+                                          </p:stCondLst>
+                                        </p:cTn>
+                                        <p:tgtEl>
+                                          <p:spTgt spid="23"/>
+                                        </p:tgtEl>
+                                        <p:attrNameLst>
+                                          <p:attrName>style.visibility</p:attrName>
+                                        </p:attrNameLst>
+                                      </p:cBhvr>
+                                      <p:to>
+                                        <p:strVal val="hidden"/>
+                                      </p:to>
+                                    </p:set>
+                                  </p:childTnLst>
+                                </p:cTn>
+                              </p:par>
+                              <p:par>
+                                <p:cTn id="29" presetID="10" presetClass="exit" presetSubtype="0" fill="hold" nodeType="withEffect">
+                                  <p:stCondLst>
+                                    <p:cond delay="0"/>
+                                  </p:stCondLst>
+                                  <p:childTnLst>
+                                    <p:animEffect transition="out" filter="fade">
+                                      <p:cBhvr>
+                                        <p:cTn id="30" dur="500"/>
+                                        <p:tgtEl>
+                                          <p:spTgt spid="24"/>
+                                        </p:tgtEl>
+                                      </p:cBhvr>
+                                    </p:animEffect>
+                                    <p:set>
+                                      <p:cBhvr>
+                                        <p:cTn id="31" dur="1" fill="hold">
+                                          <p:stCondLst>
+                                            <p:cond delay="499"/>
+                                          </p:stCondLst>
+                                        </p:cTn>
+                                        <p:tgtEl>
+                                          <p:spTgt spid="24"/>
+                                        </p:tgtEl>
+                                        <p:attrNameLst>
+                                          <p:attrName>style.visibility</p:attrName>
+                                        </p:attrNameLst>
+                                      </p:cBhvr>
+                                      <p:to>
+                                        <p:strVal val="hidden"/>
+                                      </p:to>
+                                    </p:set>
+                                  </p:childTnLst>
+                                </p:cTn>
+                              </p:par>
+                              <p:par>
+                                <p:cTn id="32" presetID="10" presetClass="exit" presetSubtype="0" fill="hold" grpId="0" nodeType="withEffect">
+                                  <p:stCondLst>
+                                    <p:cond delay="0"/>
+                                  </p:stCondLst>
+                                  <p:childTnLst>
+                                    <p:animEffect transition="out" filter="fade">
+                                      <p:cBhvr>
+                                        <p:cTn id="33" dur="500"/>
+                                        <p:tgtEl>
+                                          <p:spTgt spid="26"/>
+                                        </p:tgtEl>
+                                      </p:cBhvr>
+                                    </p:animEffect>
+                                    <p:set>
+                                      <p:cBhvr>
+                                        <p:cTn id="34" dur="1" fill="hold">
+                                          <p:stCondLst>
+                                            <p:cond delay="499"/>
+                                          </p:stCondLst>
+                                        </p:cTn>
+                                        <p:tgtEl>
+                                          <p:spTgt spid="26"/>
+                                        </p:tgtEl>
+                                        <p:attrNameLst>
+                                          <p:attrName>style.visibility</p:attrName>
+                                        </p:attrNameLst>
+                                      </p:cBhvr>
+                                      <p:to>
+                                        <p:strVal val="hidden"/>
+                                      </p:to>
+                                    </p:set>
+                                  </p:childTnLst>
+                                </p:cTn>
+                              </p:par>
+                              <p:par>
+                                <p:cTn id="35" presetID="10" presetClass="exit" presetSubtype="0" fill="hold" grpId="0" nodeType="withEffect">
+                                  <p:stCondLst>
+                                    <p:cond delay="0"/>
+                                  </p:stCondLst>
+                                  <p:childTnLst>
+                                    <p:animEffect transition="out" filter="fade">
+                                      <p:cBhvr>
+                                        <p:cTn id="36" dur="500"/>
+                                        <p:tgtEl>
+                                          <p:spTgt spid="5"/>
+                                        </p:tgtEl>
+                                      </p:cBhvr>
+                                    </p:animEffect>
+                                    <p:set>
+                                      <p:cBhvr>
+                                        <p:cTn id="37" dur="1" fill="hold">
+                                          <p:stCondLst>
+                                            <p:cond delay="499"/>
+                                          </p:stCondLst>
+                                        </p:cTn>
+                                        <p:tgtEl>
+                                          <p:spTgt spid="5"/>
+                                        </p:tgtEl>
+                                        <p:attrNameLst>
+                                          <p:attrName>style.visibility</p:attrName>
+                                        </p:attrNameLst>
+                                      </p:cBhvr>
+                                      <p:to>
+                                        <p:strVal val="hidden"/>
+                                      </p:to>
+                                    </p:set>
+                                  </p:childTnLst>
+                                </p:cTn>
+                              </p:par>
+                            </p:childTnLst>
+                          </p:cTn>
+                        </p:par>
+                      </p:childTnLst>
+                    </p:cTn>
+                  </p:par>
+                  <p:par>
+                    <p:cTn id="38" fill="hold">
+                      <p:stCondLst>
+                        <p:cond delay="indefinite"/>
+                      </p:stCondLst>
+                      <p:childTnLst>
+                        <p:par>
+                          <p:cTn id="39" fill="hold">
+                            <p:stCondLst>
+                              <p:cond delay="0"/>
+                            </p:stCondLst>
+                            <p:childTnLst>
+                              <p:par>
+                                <p:cTn id="40" presetID="42" presetClass="path" presetSubtype="0" accel="50000" decel="50000" fill="hold" nodeType="clickEffect">
+                                  <p:stCondLst>
+                                    <p:cond delay="0"/>
+                                  </p:stCondLst>
+                                  <p:childTnLst>
+                                    <p:animMotion origin="layout" path="M -2.77778E-7 2.96296E-6 L -0.21094 -0.00625 " pathEditMode="relative" rAng="0" ptsTypes="AA">
+                                      <p:cBhvr>
+                                        <p:cTn id="41" dur="2000" fill="hold"/>
+                                        <p:tgtEl>
+                                          <p:spTgt spid="4"/>
+                                        </p:tgtEl>
+                                        <p:attrNameLst>
+                                          <p:attrName>ppt_x</p:attrName>
+                                          <p:attrName>ppt_y</p:attrName>
+                                        </p:attrNameLst>
+                                      </p:cBhvr>
+                                      <p:rCtr x="-10556" y="-324"/>
+                                    </p:animMotion>
+                                  </p:childTnLst>
+                                </p:cTn>
+                              </p:par>
+                            </p:childTnLst>
+                          </p:cTn>
+                        </p:par>
+                      </p:childTnLst>
+                    </p:cTn>
+                  </p:par>
+                </p:childTnLst>
+              </p:cTn>
+              <p:prevCondLst>
+                <p:cond evt="onPrev" delay="0">
+                  <p:tgtEl>
+                    <p:sldTgt/>
+                  </p:tgtEl>
+                </p:cond>
+              </p:prevCondLst>
+              <p:nextCondLst>
+                <p:cond evt="onNext" delay="0">
+                  <p:tgtEl>
+                    <p:sldTgt/>
+                  </p:tgtEl>
+                </p:cond>
+              </p:nextCondLst>
+            </p:seq>
+          </p:childTnLst>
+        </p:cTn>
+      </p:par>
+    </p:tnLst>
+    <p:bldLst>
+      <p:bldP spid="5" grpId="0"/>
+      <p:bldP spid="6" grpId="0"/>
+      <p:bldP spid="7" grpId="0"/>
+      <p:bldP spid="22" grpId="0" animBg="1"/>
+      <p:bldP spid="26" grpId="0" animBg="1"/>
+      <p:bldP spid="29" grpId="0" animBg="1"/>
+    </p:bldLst>
+  </p:timing>
+</p:sld>
+</file>
+
+<file path=ppt/slides/slide15.xml><?xml version="1.0" encoding="utf-8"?>
+<p:sld xmlns:a="http://schemas.openxmlformats.org/drawingml/2006/main" xmlns:r="http://schemas.openxmlformats.org/officeDocument/2006/relationships" xmlns:p="http://schemas.openxmlformats.org/presentationml/2006/main">
+  <p:cSld>
+    <p:spTree>
+      <p:nvGrpSpPr>
+        <p:cNvPr id="1" name=""/>
+        <p:cNvGrpSpPr/>
+        <p:nvPr/>
+      </p:nvGrpSpPr>
+      <p:grpSpPr>
+        <a:xfrm>
+          <a:off x="0" y="0"/>
+          <a:ext cx="0" cy="0"/>
+          <a:chOff x="0" y="0"/>
+          <a:chExt cx="0" cy="0"/>
+        </a:xfrm>
+      </p:grpSpPr>
+      <p:sp>
+        <p:nvSpPr>
+          <p:cNvPr id="3" name="Titolo verticale 2"/>
+          <p:cNvSpPr>
+            <a:spLocks noGrp="1"/>
+          </p:cNvSpPr>
+          <p:nvPr>
+            <p:ph type="title" orient="vert"/>
+          </p:nvPr>
+        </p:nvSpPr>
+        <p:spPr/>
+        <p:txBody>
+          <a:bodyPr/>
+          <a:lstStyle/>
+          <a:p>
+            <a:r>
+              <a:rPr lang="it-IT" dirty="0" err="1" smtClean="0"/>
+              <a:t>Blockchain</a:t>
+            </a:r>
+            <a:r>
+              <a:rPr lang="it-IT" dirty="0" smtClean="0"/>
+              <a:t> - Struttura</a:t>
+            </a:r>
+            <a:endParaRPr lang="it-IT" dirty="0"/>
+          </a:p>
+        </p:txBody>
+      </p:sp>
+      <p:pic>
+        <p:nvPicPr>
+          <p:cNvPr id="6" name="Picture 3" descr="C:\Users\higla\Downloads\BlockNoChain.gif"/>
+          <p:cNvPicPr>
+            <a:picLocks noChangeAspect="1" noChangeArrowheads="1"/>
+          </p:cNvPicPr>
+          <p:nvPr/>
+        </p:nvPicPr>
+        <p:blipFill>
+          <a:blip r:embed="rId3">
+            <a:extLst>
+              <a:ext uri="{28A0092B-C50C-407E-A947-70E740481C1C}">
+                <a14:useLocalDpi xmlns:a14="http://schemas.microsoft.com/office/drawing/2010/main" val="0"/>
+              </a:ext>
+            </a:extLst>
+          </a:blip>
+          <a:srcRect/>
+          <a:stretch>
+            <a:fillRect/>
+          </a:stretch>
+        </p:blipFill>
+        <p:spPr bwMode="auto">
+          <a:xfrm>
+            <a:off x="-1579425" y="1484784"/>
+            <a:ext cx="7807609" cy="2967191"/>
+          </a:xfrm>
+          <a:prstGeom prst="rect">
+            <a:avLst/>
+          </a:prstGeom>
+          <a:noFill/>
+          <a:extLst>
+            <a:ext uri="{909E8E84-426E-40DD-AFC4-6F175D3DCCD1}">
+              <a14:hiddenFill xmlns:a14="http://schemas.microsoft.com/office/drawing/2010/main">
+                <a:solidFill>
+                  <a:srgbClr val="FFFFFF"/>
+                </a:solidFill>
+              </a14:hiddenFill>
+            </a:ext>
+          </a:extLst>
+        </p:spPr>
+      </p:pic>
+      <p:sp>
+        <p:nvSpPr>
+          <p:cNvPr id="7" name="CasellaDiTesto 6"/>
+          <p:cNvSpPr txBox="1"/>
+          <p:nvPr/>
+        </p:nvSpPr>
+        <p:spPr>
+          <a:xfrm>
+            <a:off x="4229464" y="2276872"/>
+            <a:ext cx="2880320" cy="369332"/>
+          </a:xfrm>
+          <a:prstGeom prst="rect">
+            <a:avLst/>
+          </a:prstGeom>
+          <a:noFill/>
+        </p:spPr>
+        <p:txBody>
+          <a:bodyPr wrap="square" rtlCol="0">
+            <a:spAutoFit/>
+          </a:bodyPr>
+          <a:lstStyle/>
+          <a:p>
+            <a:r>
+              <a:rPr lang="it-IT" dirty="0" err="1" smtClean="0"/>
+              <a:t>Hash</a:t>
+            </a:r>
+            <a:r>
+              <a:rPr lang="it-IT" dirty="0" smtClean="0"/>
+              <a:t> del cubo</a:t>
+            </a:r>
+            <a:endParaRPr lang="it-IT" dirty="0"/>
+          </a:p>
+        </p:txBody>
+      </p:sp>
+      <p:cxnSp>
+        <p:nvCxnSpPr>
+          <p:cNvPr id="8" name="Connettore 1 7"/>
+          <p:cNvCxnSpPr/>
+          <p:nvPr/>
+        </p:nvCxnSpPr>
+        <p:spPr>
+          <a:xfrm flipH="1">
+            <a:off x="3323096" y="2461538"/>
+            <a:ext cx="720080" cy="0"/>
+          </a:xfrm>
+          <a:prstGeom prst="line">
+            <a:avLst/>
+          </a:prstGeom>
+          <a:ln w="28575">
+            <a:solidFill>
+              <a:srgbClr val="FF6633"/>
+            </a:solidFill>
+          </a:ln>
+        </p:spPr>
+        <p:style>
+          <a:lnRef idx="1">
+            <a:schemeClr val="accent1"/>
+          </a:lnRef>
+          <a:fillRef idx="0">
+            <a:schemeClr val="accent1"/>
+          </a:fillRef>
+          <a:effectRef idx="0">
+            <a:schemeClr val="accent1"/>
+          </a:effectRef>
+          <a:fontRef idx="minor">
+            <a:schemeClr val="tx1"/>
+          </a:fontRef>
+        </p:style>
+      </p:cxnSp>
+      <p:sp>
+        <p:nvSpPr>
+          <p:cNvPr id="9" name="Ovale 8"/>
+          <p:cNvSpPr/>
+          <p:nvPr/>
+        </p:nvSpPr>
+        <p:spPr>
+          <a:xfrm>
+            <a:off x="4043176" y="2406394"/>
+            <a:ext cx="144016" cy="144016"/>
+          </a:xfrm>
+          <a:prstGeom prst="ellipse">
+            <a:avLst/>
+          </a:prstGeom>
+        </p:spPr>
+        <p:style>
+          <a:lnRef idx="2">
+            <a:schemeClr val="accent1">
+              <a:shade val="50000"/>
+            </a:schemeClr>
+          </a:lnRef>
+          <a:fillRef idx="1">
+            <a:schemeClr val="accent1"/>
+          </a:fillRef>
+          <a:effectRef idx="0">
+            <a:schemeClr val="accent1"/>
+          </a:effectRef>
+          <a:fontRef idx="minor">
+            <a:schemeClr val="lt1"/>
+          </a:fontRef>
+        </p:style>
+        <p:txBody>
+          <a:bodyPr rtlCol="0" anchor="ctr"/>
+          <a:lstStyle/>
+          <a:p>
+            <a:pPr algn="ctr"/>
+            <a:endParaRPr lang="it-IT"/>
+          </a:p>
+        </p:txBody>
+      </p:sp>
+      <p:pic>
+        <p:nvPicPr>
+          <p:cNvPr id="5124" name="Picture 4" descr="Risultati immagini per finger print"/>
+          <p:cNvPicPr>
+            <a:picLocks noChangeAspect="1" noChangeArrowheads="1"/>
+          </p:cNvPicPr>
+          <p:nvPr/>
+        </p:nvPicPr>
+        <p:blipFill>
+          <a:blip r:embed="rId4" cstate="print">
+            <a:extLst>
+              <a:ext uri="{28A0092B-C50C-407E-A947-70E740481C1C}">
+                <a14:useLocalDpi xmlns:a14="http://schemas.microsoft.com/office/drawing/2010/main" val="0"/>
+              </a:ext>
+            </a:extLst>
+          </a:blip>
+          <a:srcRect/>
+          <a:stretch>
+            <a:fillRect/>
+          </a:stretch>
+        </p:blipFill>
+        <p:spPr bwMode="auto">
+          <a:xfrm>
+            <a:off x="4193354" y="2780928"/>
+            <a:ext cx="1765403" cy="2223469"/>
+          </a:xfrm>
+          <a:prstGeom prst="rect">
+            <a:avLst/>
+          </a:prstGeom>
+          <a:noFill/>
+          <a:extLst>
+            <a:ext uri="{909E8E84-426E-40DD-AFC4-6F175D3DCCD1}">
+              <a14:hiddenFill xmlns:a14="http://schemas.microsoft.com/office/drawing/2010/main">
+                <a:solidFill>
+                  <a:srgbClr val="FFFFFF"/>
+                </a:solidFill>
+              </a14:hiddenFill>
+            </a:ext>
+          </a:extLst>
+        </p:spPr>
+      </p:pic>
+    </p:spTree>
+    <p:extLst>
+      <p:ext uri="{BB962C8B-B14F-4D97-AF65-F5344CB8AC3E}">
+        <p14:creationId xmlns:p14="http://schemas.microsoft.com/office/powerpoint/2010/main" val="2363538033"/>
+      </p:ext>
+    </p:extLst>
+  </p:cSld>
+  <p:clrMapOvr>
+    <a:masterClrMapping/>
+  </p:clrMapOvr>
+  <p:timing>
+    <p:tnLst>
+      <p:par>
+        <p:cTn id="1" dur="indefinite" restart="never" nodeType="tmRoot">
+          <p:childTnLst>
+            <p:seq concurrent="1" nextAc="seek">
+              <p:cTn id="2" dur="indefinite" nodeType="mainSeq">
+                <p:childTnLst>
+                  <p:par>
+                    <p:cTn id="3" fill="hold">
+                      <p:stCondLst>
+                        <p:cond delay="indefinite"/>
+                      </p:stCondLst>
+                      <p:childTnLst>
+                        <p:par>
+                          <p:cTn id="4" fill="hold">
+                            <p:stCondLst>
+                              <p:cond delay="0"/>
+                            </p:stCondLst>
+                            <p:childTnLst>
+                              <p:par>
+                                <p:cTn id="5" presetID="10" presetClass="entr" presetSubtype="0" fill="hold" nodeType="clickEffect">
+                                  <p:stCondLst>
+                                    <p:cond delay="0"/>
+                                  </p:stCondLst>
+                                  <p:childTnLst>
+                                    <p:set>
+                                      <p:cBhvr>
+                                        <p:cTn id="6" dur="1" fill="hold">
+                                          <p:stCondLst>
+                                            <p:cond delay="0"/>
+                                          </p:stCondLst>
+                                        </p:cTn>
+                                        <p:tgtEl>
+                                          <p:spTgt spid="8"/>
+                                        </p:tgtEl>
+                                        <p:attrNameLst>
+                                          <p:attrName>style.visibility</p:attrName>
+                                        </p:attrNameLst>
+                                      </p:cBhvr>
+                                      <p:to>
+                                        <p:strVal val="visible"/>
+                                      </p:to>
+                                    </p:set>
+                                    <p:animEffect transition="in" filter="fade">
+                                      <p:cBhvr>
+                                        <p:cTn id="7" dur="500"/>
+                                        <p:tgtEl>
+                                          <p:spTgt spid="8"/>
+                                        </p:tgtEl>
+                                      </p:cBhvr>
+                                    </p:animEffect>
+                                  </p:childTnLst>
+                                </p:cTn>
+                              </p:par>
+                              <p:par>
+                                <p:cTn id="8" presetID="10" presetClass="entr" presetSubtype="0" fill="hold" grpId="0" nodeType="withEffect">
+                                  <p:stCondLst>
+                                    <p:cond delay="0"/>
+                                  </p:stCondLst>
+                                  <p:childTnLst>
+                                    <p:set>
+                                      <p:cBhvr>
+                                        <p:cTn id="9" dur="1" fill="hold">
+                                          <p:stCondLst>
+                                            <p:cond delay="0"/>
+                                          </p:stCondLst>
+                                        </p:cTn>
+                                        <p:tgtEl>
+                                          <p:spTgt spid="9"/>
+                                        </p:tgtEl>
+                                        <p:attrNameLst>
+                                          <p:attrName>style.visibility</p:attrName>
+                                        </p:attrNameLst>
+                                      </p:cBhvr>
+                                      <p:to>
+                                        <p:strVal val="visible"/>
+                                      </p:to>
+                                    </p:set>
+                                    <p:animEffect transition="in" filter="fade">
+                                      <p:cBhvr>
+                                        <p:cTn id="10" dur="500"/>
+                                        <p:tgtEl>
+                                          <p:spTgt spid="9"/>
+                                        </p:tgtEl>
+                                      </p:cBhvr>
+                                    </p:animEffect>
+                                  </p:childTnLst>
+                                </p:cTn>
+                              </p:par>
+                              <p:par>
+                                <p:cTn id="11" presetID="10" presetClass="entr" presetSubtype="0" fill="hold" grpId="0" nodeType="withEffect">
+                                  <p:stCondLst>
+                                    <p:cond delay="0"/>
+                                  </p:stCondLst>
+                                  <p:childTnLst>
+                                    <p:set>
+                                      <p:cBhvr>
+                                        <p:cTn id="12" dur="1" fill="hold">
+                                          <p:stCondLst>
+                                            <p:cond delay="0"/>
+                                          </p:stCondLst>
+                                        </p:cTn>
+                                        <p:tgtEl>
+                                          <p:spTgt spid="7"/>
+                                        </p:tgtEl>
+                                        <p:attrNameLst>
+                                          <p:attrName>style.visibility</p:attrName>
+                                        </p:attrNameLst>
+                                      </p:cBhvr>
+                                      <p:to>
+                                        <p:strVal val="visible"/>
+                                      </p:to>
+                                    </p:set>
+                                    <p:animEffect transition="in" filter="fade">
+                                      <p:cBhvr>
+                                        <p:cTn id="13" dur="500"/>
+                                        <p:tgtEl>
+                                          <p:spTgt spid="7"/>
+                                        </p:tgtEl>
+                                      </p:cBhvr>
+                                    </p:animEffect>
+                                  </p:childTnLst>
+                                </p:cTn>
+                              </p:par>
+                            </p:childTnLst>
+                          </p:cTn>
+                        </p:par>
+                      </p:childTnLst>
+                    </p:cTn>
+                  </p:par>
+                  <p:par>
+                    <p:cTn id="14" fill="hold">
+                      <p:stCondLst>
+                        <p:cond delay="indefinite"/>
+                      </p:stCondLst>
+                      <p:childTnLst>
+                        <p:par>
+                          <p:cTn id="15" fill="hold">
+                            <p:stCondLst>
+                              <p:cond delay="0"/>
+                            </p:stCondLst>
+                            <p:childTnLst>
+                              <p:par>
+                                <p:cTn id="16" presetID="10" presetClass="entr" presetSubtype="0" fill="hold" nodeType="clickEffect">
+                                  <p:stCondLst>
+                                    <p:cond delay="0"/>
+                                  </p:stCondLst>
+                                  <p:childTnLst>
+                                    <p:set>
+                                      <p:cBhvr>
+                                        <p:cTn id="17" dur="1" fill="hold">
+                                          <p:stCondLst>
+                                            <p:cond delay="0"/>
+                                          </p:stCondLst>
+                                        </p:cTn>
+                                        <p:tgtEl>
+                                          <p:spTgt spid="5124"/>
+                                        </p:tgtEl>
+                                        <p:attrNameLst>
+                                          <p:attrName>style.visibility</p:attrName>
+                                        </p:attrNameLst>
+                                      </p:cBhvr>
+                                      <p:to>
+                                        <p:strVal val="visible"/>
+                                      </p:to>
+                                    </p:set>
+                                    <p:animEffect transition="in" filter="fade">
+                                      <p:cBhvr>
+                                        <p:cTn id="18" dur="500"/>
+                                        <p:tgtEl>
+                                          <p:spTgt spid="5124"/>
+                                        </p:tgtEl>
+                                      </p:cBhvr>
+                                    </p:animEffect>
+                                  </p:childTnLst>
+                                </p:cTn>
+                              </p:par>
+                            </p:childTnLst>
+                          </p:cTn>
+                        </p:par>
+                      </p:childTnLst>
+                    </p:cTn>
+                  </p:par>
+                </p:childTnLst>
+              </p:cTn>
+              <p:prevCondLst>
+                <p:cond evt="onPrev" delay="0">
+                  <p:tgtEl>
+                    <p:sldTgt/>
+                  </p:tgtEl>
+                </p:cond>
+              </p:prevCondLst>
+              <p:nextCondLst>
+                <p:cond evt="onNext" delay="0">
+                  <p:tgtEl>
+                    <p:sldTgt/>
+                  </p:tgtEl>
+                </p:cond>
+              </p:nextCondLst>
+            </p:seq>
+          </p:childTnLst>
+        </p:cTn>
+      </p:par>
+    </p:tnLst>
+    <p:bldLst>
+      <p:bldP spid="7" grpId="0"/>
+      <p:bldP spid="9" grpId="0" animBg="1"/>
+    </p:bldLst>
+  </p:timing>
+</p:sld>
+</file>
+
+<file path=ppt/slides/slide16.xml><?xml version="1.0" encoding="utf-8"?>
+<p:sld xmlns:a="http://schemas.openxmlformats.org/drawingml/2006/main" xmlns:r="http://schemas.openxmlformats.org/officeDocument/2006/relationships" xmlns:p="http://schemas.openxmlformats.org/presentationml/2006/main">
+  <p:cSld>
+    <p:spTree>
+      <p:nvGrpSpPr>
+        <p:cNvPr id="1" name=""/>
+        <p:cNvGrpSpPr/>
+        <p:nvPr/>
+      </p:nvGrpSpPr>
+      <p:grpSpPr>
+        <a:xfrm>
+          <a:off x="0" y="0"/>
+          <a:ext cx="0" cy="0"/>
+          <a:chOff x="0" y="0"/>
+          <a:chExt cx="0" cy="0"/>
+        </a:xfrm>
+      </p:grpSpPr>
+      <p:sp>
+        <p:nvSpPr>
+          <p:cNvPr id="3" name="Titolo verticale 2"/>
+          <p:cNvSpPr>
+            <a:spLocks noGrp="1"/>
+          </p:cNvSpPr>
+          <p:nvPr>
+            <p:ph type="title" orient="vert"/>
+          </p:nvPr>
+        </p:nvSpPr>
+        <p:spPr/>
+        <p:txBody>
+          <a:bodyPr/>
+          <a:lstStyle/>
+          <a:p>
+            <a:r>
+              <a:rPr lang="it-IT" dirty="0" err="1" smtClean="0"/>
+              <a:t>Blockchain</a:t>
+            </a:r>
+            <a:r>
+              <a:rPr lang="it-IT" dirty="0" smtClean="0"/>
+              <a:t> - Struttura</a:t>
+            </a:r>
+            <a:endParaRPr lang="it-IT" dirty="0"/>
+          </a:p>
+        </p:txBody>
+      </p:sp>
+      <p:pic>
+        <p:nvPicPr>
+          <p:cNvPr id="6" name="Picture 3" descr="C:\Users\higla\Downloads\BlockNoChain.gif"/>
+          <p:cNvPicPr>
+            <a:picLocks noChangeAspect="1" noChangeArrowheads="1"/>
+          </p:cNvPicPr>
+          <p:nvPr/>
+        </p:nvPicPr>
+        <p:blipFill>
+          <a:blip r:embed="rId3">
+            <a:extLst>
+              <a:ext uri="{28A0092B-C50C-407E-A947-70E740481C1C}">
+                <a14:useLocalDpi xmlns:a14="http://schemas.microsoft.com/office/drawing/2010/main" val="0"/>
+              </a:ext>
+            </a:extLst>
+          </a:blip>
+          <a:srcRect/>
+          <a:stretch>
+            <a:fillRect/>
+          </a:stretch>
+        </p:blipFill>
+        <p:spPr bwMode="auto">
+          <a:xfrm>
+            <a:off x="-1579425" y="1484784"/>
+            <a:ext cx="7807609" cy="2967191"/>
+          </a:xfrm>
+          <a:prstGeom prst="rect">
+            <a:avLst/>
+          </a:prstGeom>
+          <a:noFill/>
+          <a:extLst>
+            <a:ext uri="{909E8E84-426E-40DD-AFC4-6F175D3DCCD1}">
+              <a14:hiddenFill xmlns:a14="http://schemas.microsoft.com/office/drawing/2010/main">
+                <a:solidFill>
+                  <a:srgbClr val="FFFFFF"/>
+                </a:solidFill>
+              </a14:hiddenFill>
+            </a:ext>
+          </a:extLst>
+        </p:spPr>
+      </p:pic>
+      <p:sp>
+        <p:nvSpPr>
+          <p:cNvPr id="7" name="CasellaDiTesto 6"/>
+          <p:cNvSpPr txBox="1"/>
+          <p:nvPr/>
+        </p:nvSpPr>
+        <p:spPr>
+          <a:xfrm>
+            <a:off x="4229464" y="2276872"/>
+            <a:ext cx="2880320" cy="369332"/>
+          </a:xfrm>
+          <a:prstGeom prst="rect">
+            <a:avLst/>
+          </a:prstGeom>
+          <a:noFill/>
+        </p:spPr>
+        <p:txBody>
+          <a:bodyPr wrap="square" rtlCol="0">
+            <a:spAutoFit/>
+          </a:bodyPr>
+          <a:lstStyle/>
+          <a:p>
+            <a:r>
+              <a:rPr lang="it-IT" dirty="0" err="1" smtClean="0"/>
+              <a:t>Hash</a:t>
+            </a:r>
+            <a:r>
+              <a:rPr lang="it-IT" dirty="0" smtClean="0"/>
+              <a:t> del cubo</a:t>
+            </a:r>
+            <a:endParaRPr lang="it-IT" dirty="0"/>
+          </a:p>
+        </p:txBody>
+      </p:sp>
+      <p:cxnSp>
+        <p:nvCxnSpPr>
+          <p:cNvPr id="8" name="Connettore 1 7"/>
+          <p:cNvCxnSpPr/>
+          <p:nvPr/>
+        </p:nvCxnSpPr>
+        <p:spPr>
+          <a:xfrm flipH="1">
+            <a:off x="3323096" y="2461538"/>
+            <a:ext cx="720080" cy="0"/>
+          </a:xfrm>
+          <a:prstGeom prst="line">
+            <a:avLst/>
+          </a:prstGeom>
+          <a:ln w="28575">
+            <a:solidFill>
+              <a:srgbClr val="FF6633"/>
+            </a:solidFill>
+          </a:ln>
+        </p:spPr>
+        <p:style>
+          <a:lnRef idx="1">
+            <a:schemeClr val="accent1"/>
+          </a:lnRef>
+          <a:fillRef idx="0">
+            <a:schemeClr val="accent1"/>
+          </a:fillRef>
+          <a:effectRef idx="0">
+            <a:schemeClr val="accent1"/>
+          </a:effectRef>
+          <a:fontRef idx="minor">
+            <a:schemeClr val="tx1"/>
+          </a:fontRef>
+        </p:style>
+      </p:cxnSp>
+      <p:sp>
+        <p:nvSpPr>
+          <p:cNvPr id="9" name="Ovale 8"/>
+          <p:cNvSpPr/>
+          <p:nvPr/>
+        </p:nvSpPr>
+        <p:spPr>
+          <a:xfrm>
+            <a:off x="4043176" y="2406394"/>
+            <a:ext cx="144016" cy="144016"/>
+          </a:xfrm>
+          <a:prstGeom prst="ellipse">
+            <a:avLst/>
+          </a:prstGeom>
+        </p:spPr>
+        <p:style>
+          <a:lnRef idx="2">
+            <a:schemeClr val="accent1">
+              <a:shade val="50000"/>
+            </a:schemeClr>
+          </a:lnRef>
+          <a:fillRef idx="1">
+            <a:schemeClr val="accent1"/>
+          </a:fillRef>
+          <a:effectRef idx="0">
+            <a:schemeClr val="accent1"/>
+          </a:effectRef>
+          <a:fontRef idx="minor">
+            <a:schemeClr val="lt1"/>
+          </a:fontRef>
+        </p:style>
+        <p:txBody>
+          <a:bodyPr rtlCol="0" anchor="ctr"/>
+          <a:lstStyle/>
+          <a:p>
+            <a:pPr algn="ctr"/>
+            <a:endParaRPr lang="it-IT"/>
+          </a:p>
+        </p:txBody>
+      </p:sp>
+      <p:pic>
+        <p:nvPicPr>
+          <p:cNvPr id="5124" name="Picture 4" descr="Risultati immagini per finger print"/>
+          <p:cNvPicPr>
+            <a:picLocks noChangeAspect="1" noChangeArrowheads="1"/>
+          </p:cNvPicPr>
+          <p:nvPr/>
+        </p:nvPicPr>
+        <p:blipFill>
+          <a:blip r:embed="rId4" cstate="print">
+            <a:extLst>
+              <a:ext uri="{28A0092B-C50C-407E-A947-70E740481C1C}">
+                <a14:useLocalDpi xmlns:a14="http://schemas.microsoft.com/office/drawing/2010/main" val="0"/>
+              </a:ext>
+            </a:extLst>
+          </a:blip>
+          <a:srcRect/>
+          <a:stretch>
+            <a:fillRect/>
+          </a:stretch>
+        </p:blipFill>
+        <p:spPr bwMode="auto">
+          <a:xfrm>
+            <a:off x="4193354" y="2780928"/>
+            <a:ext cx="1765403" cy="2223469"/>
+          </a:xfrm>
+          <a:prstGeom prst="rect">
+            <a:avLst/>
+          </a:prstGeom>
+          <a:noFill/>
+          <a:extLst>
+            <a:ext uri="{909E8E84-426E-40DD-AFC4-6F175D3DCCD1}">
+              <a14:hiddenFill xmlns:a14="http://schemas.microsoft.com/office/drawing/2010/main">
+                <a:solidFill>
+                  <a:srgbClr val="FFFFFF"/>
+                </a:solidFill>
+              </a14:hiddenFill>
+            </a:ext>
+          </a:extLst>
+        </p:spPr>
+      </p:pic>
+    </p:spTree>
+    <p:extLst>
+      <p:ext uri="{BB962C8B-B14F-4D97-AF65-F5344CB8AC3E}">
+        <p14:creationId xmlns:p14="http://schemas.microsoft.com/office/powerpoint/2010/main" val="1894923535"/>
+      </p:ext>
+    </p:extLst>
+  </p:cSld>
+  <p:clrMapOvr>
+    <a:masterClrMapping/>
+  </p:clrMapOvr>
+  <p:timing>
+    <p:tnLst>
+      <p:par>
+        <p:cTn id="1" dur="indefinite" restart="never" nodeType="tmRoot">
+          <p:childTnLst>
+            <p:seq concurrent="1" nextAc="seek">
+              <p:cTn id="2" dur="indefinite" nodeType="mainSeq">
+                <p:childTnLst>
+                  <p:par>
+                    <p:cTn id="3" fill="hold">
+                      <p:stCondLst>
+                        <p:cond delay="indefinite"/>
+                      </p:stCondLst>
+                      <p:childTnLst>
+                        <p:par>
+                          <p:cTn id="4" fill="hold">
+                            <p:stCondLst>
+                              <p:cond delay="0"/>
+                            </p:stCondLst>
+                            <p:childTnLst>
+                              <p:par>
+                                <p:cTn id="5" presetID="10" presetClass="exit" presetSubtype="0" fill="hold" nodeType="clickEffect">
+                                  <p:stCondLst>
+                                    <p:cond delay="0"/>
+                                  </p:stCondLst>
+                                  <p:childTnLst>
+                                    <p:animEffect transition="out" filter="fade">
+                                      <p:cBhvr>
+                                        <p:cTn id="6" dur="500"/>
+                                        <p:tgtEl>
+                                          <p:spTgt spid="5124"/>
+                                        </p:tgtEl>
+                                      </p:cBhvr>
+                                    </p:animEffect>
+                                    <p:set>
+                                      <p:cBhvr>
+                                        <p:cTn id="7" dur="1" fill="hold">
+                                          <p:stCondLst>
+                                            <p:cond delay="499"/>
+                                          </p:stCondLst>
+                                        </p:cTn>
+                                        <p:tgtEl>
+                                          <p:spTgt spid="5124"/>
+                                        </p:tgtEl>
+                                        <p:attrNameLst>
+                                          <p:attrName>style.visibility</p:attrName>
+                                        </p:attrNameLst>
+                                      </p:cBhvr>
+                                      <p:to>
+                                        <p:strVal val="hidden"/>
+                                      </p:to>
+                                    </p:set>
+                                  </p:childTnLst>
+                                </p:cTn>
+                              </p:par>
+                              <p:par>
+                                <p:cTn id="8" presetID="10" presetClass="exit" presetSubtype="0" fill="hold" nodeType="withEffect">
+                                  <p:stCondLst>
+                                    <p:cond delay="0"/>
+                                  </p:stCondLst>
+                                  <p:childTnLst>
+                                    <p:animEffect transition="out" filter="fade">
+                                      <p:cBhvr>
+                                        <p:cTn id="9" dur="500"/>
+                                        <p:tgtEl>
+                                          <p:spTgt spid="8"/>
+                                        </p:tgtEl>
+                                      </p:cBhvr>
+                                    </p:animEffect>
+                                    <p:set>
+                                      <p:cBhvr>
+                                        <p:cTn id="10" dur="1" fill="hold">
+                                          <p:stCondLst>
+                                            <p:cond delay="499"/>
+                                          </p:stCondLst>
+                                        </p:cTn>
+                                        <p:tgtEl>
+                                          <p:spTgt spid="8"/>
+                                        </p:tgtEl>
+                                        <p:attrNameLst>
+                                          <p:attrName>style.visibility</p:attrName>
+                                        </p:attrNameLst>
+                                      </p:cBhvr>
+                                      <p:to>
+                                        <p:strVal val="hidden"/>
+                                      </p:to>
+                                    </p:set>
+                                  </p:childTnLst>
+                                </p:cTn>
+                              </p:par>
+                              <p:par>
+                                <p:cTn id="11" presetID="10" presetClass="exit" presetSubtype="0" fill="hold" grpId="0" nodeType="withEffect">
+                                  <p:stCondLst>
+                                    <p:cond delay="0"/>
+                                  </p:stCondLst>
+                                  <p:childTnLst>
+                                    <p:animEffect transition="out" filter="fade">
+                                      <p:cBhvr>
+                                        <p:cTn id="12" dur="500"/>
+                                        <p:tgtEl>
+                                          <p:spTgt spid="9"/>
+                                        </p:tgtEl>
+                                      </p:cBhvr>
+                                    </p:animEffect>
+                                    <p:set>
+                                      <p:cBhvr>
+                                        <p:cTn id="13" dur="1" fill="hold">
+                                          <p:stCondLst>
+                                            <p:cond delay="499"/>
+                                          </p:stCondLst>
+                                        </p:cTn>
+                                        <p:tgtEl>
+                                          <p:spTgt spid="9"/>
+                                        </p:tgtEl>
+                                        <p:attrNameLst>
+                                          <p:attrName>style.visibility</p:attrName>
+                                        </p:attrNameLst>
+                                      </p:cBhvr>
+                                      <p:to>
+                                        <p:strVal val="hidden"/>
+                                      </p:to>
+                                    </p:set>
+                                  </p:childTnLst>
+                                </p:cTn>
+                              </p:par>
+                              <p:par>
+                                <p:cTn id="14" presetID="10" presetClass="exit" presetSubtype="0" fill="hold" grpId="0" nodeType="withEffect">
+                                  <p:stCondLst>
+                                    <p:cond delay="0"/>
+                                  </p:stCondLst>
+                                  <p:childTnLst>
+                                    <p:animEffect transition="out" filter="fade">
+                                      <p:cBhvr>
+                                        <p:cTn id="15" dur="500"/>
+                                        <p:tgtEl>
+                                          <p:spTgt spid="7"/>
+                                        </p:tgtEl>
+                                      </p:cBhvr>
+                                    </p:animEffect>
+                                    <p:set>
+                                      <p:cBhvr>
+                                        <p:cTn id="16" dur="1" fill="hold">
+                                          <p:stCondLst>
+                                            <p:cond delay="499"/>
+                                          </p:stCondLst>
+                                        </p:cTn>
+                                        <p:tgtEl>
+                                          <p:spTgt spid="7"/>
+                                        </p:tgtEl>
+                                        <p:attrNameLst>
+                                          <p:attrName>style.visibility</p:attrName>
+                                        </p:attrNameLst>
+                                      </p:cBhvr>
+                                      <p:to>
+                                        <p:strVal val="hidden"/>
+                                      </p:to>
+                                    </p:set>
+                                  </p:childTnLst>
+                                </p:cTn>
+                              </p:par>
+                            </p:childTnLst>
+                          </p:cTn>
+                        </p:par>
+                      </p:childTnLst>
+                    </p:cTn>
+                  </p:par>
+                </p:childTnLst>
+              </p:cTn>
+              <p:prevCondLst>
+                <p:cond evt="onPrev" delay="0">
+                  <p:tgtEl>
+                    <p:sldTgt/>
+                  </p:tgtEl>
+                </p:cond>
+              </p:prevCondLst>
+              <p:nextCondLst>
+                <p:cond evt="onNext" delay="0">
+                  <p:tgtEl>
+                    <p:sldTgt/>
+                  </p:tgtEl>
+                </p:cond>
+              </p:nextCondLst>
+            </p:seq>
+          </p:childTnLst>
+        </p:cTn>
+      </p:par>
+    </p:tnLst>
+    <p:bldLst>
+      <p:bldP spid="7" grpId="0"/>
+      <p:bldP spid="9" grpId="0" animBg="1"/>
+    </p:bldLst>
+  </p:timing>
+</p:sld>
+</file>
+
+<file path=ppt/slides/slide17.xml><?xml version="1.0" encoding="utf-8"?>
+<p:sld xmlns:a="http://schemas.openxmlformats.org/drawingml/2006/main" xmlns:r="http://schemas.openxmlformats.org/officeDocument/2006/relationships" xmlns:p="http://schemas.openxmlformats.org/presentationml/2006/main">
+  <p:cSld>
+    <p:spTree>
+      <p:nvGrpSpPr>
+        <p:cNvPr id="1" name=""/>
+        <p:cNvGrpSpPr/>
+        <p:nvPr/>
+      </p:nvGrpSpPr>
+      <p:grpSpPr>
+        <a:xfrm>
+          <a:off x="0" y="0"/>
+          <a:ext cx="0" cy="0"/>
+          <a:chOff x="0" y="0"/>
+          <a:chExt cx="0" cy="0"/>
+        </a:xfrm>
+      </p:grpSpPr>
+      <p:sp>
+        <p:nvSpPr>
+          <p:cNvPr id="3" name="Titolo verticale 2"/>
+          <p:cNvSpPr>
+            <a:spLocks noGrp="1"/>
+          </p:cNvSpPr>
+          <p:nvPr>
+            <p:ph type="title" orient="vert"/>
+          </p:nvPr>
+        </p:nvSpPr>
+        <p:spPr/>
+        <p:txBody>
+          <a:bodyPr/>
+          <a:lstStyle/>
+          <a:p>
+            <a:r>
+              <a:rPr lang="it-IT" dirty="0" err="1" smtClean="0"/>
+              <a:t>Blockchain</a:t>
+            </a:r>
+            <a:r>
+              <a:rPr lang="it-IT" dirty="0" smtClean="0"/>
+              <a:t> - Struttura</a:t>
+            </a:r>
+            <a:endParaRPr lang="it-IT" dirty="0"/>
+          </a:p>
+        </p:txBody>
+      </p:sp>
+      <p:pic>
+        <p:nvPicPr>
+          <p:cNvPr id="6" name="Picture 3" descr="C:\Users\higla\Downloads\BlockNoChain.gif"/>
+          <p:cNvPicPr>
+            <a:picLocks noChangeAspect="1" noChangeArrowheads="1"/>
+          </p:cNvPicPr>
+          <p:nvPr/>
+        </p:nvPicPr>
+        <p:blipFill>
+          <a:blip r:embed="rId3">
+            <a:extLst>
+              <a:ext uri="{28A0092B-C50C-407E-A947-70E740481C1C}">
+                <a14:useLocalDpi xmlns:a14="http://schemas.microsoft.com/office/drawing/2010/main" val="0"/>
+              </a:ext>
+            </a:extLst>
+          </a:blip>
+          <a:srcRect/>
+          <a:stretch>
+            <a:fillRect/>
+          </a:stretch>
+        </p:blipFill>
+        <p:spPr bwMode="auto">
+          <a:xfrm>
+            <a:off x="-1579425" y="1484784"/>
+            <a:ext cx="7807609" cy="2967191"/>
+          </a:xfrm>
+          <a:prstGeom prst="rect">
+            <a:avLst/>
+          </a:prstGeom>
+          <a:noFill/>
+          <a:extLst>
+            <a:ext uri="{909E8E84-426E-40DD-AFC4-6F175D3DCCD1}">
+              <a14:hiddenFill xmlns:a14="http://schemas.microsoft.com/office/drawing/2010/main">
+                <a:solidFill>
+                  <a:srgbClr val="FFFFFF"/>
+                </a:solidFill>
+              </a14:hiddenFill>
+            </a:ext>
+          </a:extLst>
+        </p:spPr>
+      </p:pic>
+      <p:sp>
+        <p:nvSpPr>
+          <p:cNvPr id="13" name="CasellaDiTesto 12"/>
+          <p:cNvSpPr txBox="1"/>
+          <p:nvPr/>
+        </p:nvSpPr>
+        <p:spPr>
+          <a:xfrm>
+            <a:off x="323528" y="4437112"/>
+            <a:ext cx="2880320" cy="369332"/>
+          </a:xfrm>
+          <a:prstGeom prst="rect">
+            <a:avLst/>
+          </a:prstGeom>
+          <a:noFill/>
+        </p:spPr>
+        <p:txBody>
+          <a:bodyPr wrap="square" rtlCol="0">
+            <a:spAutoFit/>
+          </a:bodyPr>
+          <a:lstStyle/>
+          <a:p>
+            <a:r>
+              <a:rPr lang="it-IT" dirty="0" err="1" smtClean="0"/>
+              <a:t>Hash</a:t>
+            </a:r>
+            <a:r>
+              <a:rPr lang="it-IT" dirty="0" smtClean="0"/>
+              <a:t> precedente</a:t>
+            </a:r>
+            <a:endParaRPr lang="it-IT" dirty="0"/>
+          </a:p>
+        </p:txBody>
+      </p:sp>
+      <p:cxnSp>
+        <p:nvCxnSpPr>
+          <p:cNvPr id="14" name="Connettore 1 13"/>
+          <p:cNvCxnSpPr/>
+          <p:nvPr/>
+        </p:nvCxnSpPr>
+        <p:spPr>
+          <a:xfrm flipV="1">
+            <a:off x="539552" y="3284984"/>
+            <a:ext cx="0" cy="1008112"/>
+          </a:xfrm>
+          <a:prstGeom prst="line">
+            <a:avLst/>
+          </a:prstGeom>
+          <a:ln w="28575">
+            <a:solidFill>
+              <a:srgbClr val="FF6633"/>
+            </a:solidFill>
+          </a:ln>
+        </p:spPr>
+        <p:style>
+          <a:lnRef idx="1">
+            <a:schemeClr val="accent1"/>
+          </a:lnRef>
+          <a:fillRef idx="0">
+            <a:schemeClr val="accent1"/>
+          </a:fillRef>
+          <a:effectRef idx="0">
+            <a:schemeClr val="accent1"/>
+          </a:effectRef>
+          <a:fontRef idx="minor">
+            <a:schemeClr val="tx1"/>
+          </a:fontRef>
+        </p:style>
+      </p:cxnSp>
+      <p:cxnSp>
+        <p:nvCxnSpPr>
+          <p:cNvPr id="15" name="Connettore 1 14"/>
+          <p:cNvCxnSpPr/>
+          <p:nvPr/>
+        </p:nvCxnSpPr>
+        <p:spPr>
+          <a:xfrm flipH="1">
+            <a:off x="539552" y="3284984"/>
+            <a:ext cx="1224136" cy="0"/>
+          </a:xfrm>
+          <a:prstGeom prst="line">
+            <a:avLst/>
+          </a:prstGeom>
+          <a:ln w="28575">
+            <a:solidFill>
+              <a:srgbClr val="FF6633"/>
+            </a:solidFill>
+          </a:ln>
+        </p:spPr>
+        <p:style>
+          <a:lnRef idx="1">
+            <a:schemeClr val="accent1"/>
+          </a:lnRef>
+          <a:fillRef idx="0">
+            <a:schemeClr val="accent1"/>
+          </a:fillRef>
+          <a:effectRef idx="0">
+            <a:schemeClr val="accent1"/>
+          </a:effectRef>
+          <a:fontRef idx="minor">
+            <a:schemeClr val="tx1"/>
+          </a:fontRef>
+        </p:style>
+      </p:cxnSp>
+      <p:sp>
+        <p:nvSpPr>
+          <p:cNvPr id="16" name="Ovale 15"/>
+          <p:cNvSpPr/>
+          <p:nvPr/>
+        </p:nvSpPr>
+        <p:spPr>
+          <a:xfrm>
+            <a:off x="463000" y="4293096"/>
+            <a:ext cx="144016" cy="144016"/>
+          </a:xfrm>
+          <a:prstGeom prst="ellipse">
+            <a:avLst/>
+          </a:prstGeom>
+        </p:spPr>
+        <p:style>
+          <a:lnRef idx="2">
+            <a:schemeClr val="accent1">
+              <a:shade val="50000"/>
+            </a:schemeClr>
+          </a:lnRef>
+          <a:fillRef idx="1">
+            <a:schemeClr val="accent1"/>
+          </a:fillRef>
+          <a:effectRef idx="0">
+            <a:schemeClr val="accent1"/>
+          </a:effectRef>
+          <a:fontRef idx="minor">
+            <a:schemeClr val="lt1"/>
+          </a:fontRef>
+        </p:style>
+        <p:txBody>
+          <a:bodyPr rtlCol="0" anchor="ctr"/>
+          <a:lstStyle/>
+          <a:p>
+            <a:pPr algn="ctr"/>
+            <a:endParaRPr lang="it-IT"/>
+          </a:p>
+        </p:txBody>
+      </p:sp>
+      <p:pic>
+        <p:nvPicPr>
+          <p:cNvPr id="17" name="Picture 2" descr="Risultati immagini per block chain"/>
+          <p:cNvPicPr>
+            <a:picLocks noChangeAspect="1" noChangeArrowheads="1"/>
+          </p:cNvPicPr>
+          <p:nvPr/>
+        </p:nvPicPr>
+        <p:blipFill>
+          <a:blip r:embed="rId4" cstate="print">
+            <a:extLst>
+              <a:ext uri="{28A0092B-C50C-407E-A947-70E740481C1C}">
+                <a14:useLocalDpi xmlns:a14="http://schemas.microsoft.com/office/drawing/2010/main" val="0"/>
+              </a:ext>
+            </a:extLst>
+          </a:blip>
+          <a:srcRect/>
+          <a:stretch>
+            <a:fillRect/>
+          </a:stretch>
+        </p:blipFill>
+        <p:spPr bwMode="auto">
+          <a:xfrm flipH="1">
+            <a:off x="5436096" y="2941608"/>
+            <a:ext cx="1944216" cy="738877"/>
+          </a:xfrm>
+          <a:prstGeom prst="rect">
+            <a:avLst/>
+          </a:prstGeom>
+          <a:noFill/>
+          <a:extLst>
+            <a:ext uri="{909E8E84-426E-40DD-AFC4-6F175D3DCCD1}">
+              <a14:hiddenFill xmlns:a14="http://schemas.microsoft.com/office/drawing/2010/main">
+                <a:solidFill>
+                  <a:srgbClr val="FFFFFF"/>
+                </a:solidFill>
+              </a14:hiddenFill>
+            </a:ext>
+          </a:extLst>
+        </p:spPr>
+      </p:pic>
+      <p:pic>
+        <p:nvPicPr>
+          <p:cNvPr id="18" name="Picture 3" descr="C:\Users\higla\Downloads\BlockNoChain.gif"/>
+          <p:cNvPicPr>
+            <a:picLocks noChangeAspect="1" noChangeArrowheads="1"/>
+          </p:cNvPicPr>
+          <p:nvPr/>
+        </p:nvPicPr>
+        <p:blipFill>
+          <a:blip r:embed="rId3" cstate="print">
+            <a:extLst>
+              <a:ext uri="{28A0092B-C50C-407E-A947-70E740481C1C}">
+                <a14:useLocalDpi xmlns:a14="http://schemas.microsoft.com/office/drawing/2010/main" val="0"/>
+              </a:ext>
+            </a:extLst>
+          </a:blip>
+          <a:srcRect/>
+          <a:stretch>
+            <a:fillRect/>
+          </a:stretch>
+        </p:blipFill>
+        <p:spPr bwMode="auto">
+          <a:xfrm flipH="1">
+            <a:off x="4067944" y="2941607"/>
+            <a:ext cx="1944216" cy="738877"/>
+          </a:xfrm>
+          <a:prstGeom prst="rect">
+            <a:avLst/>
+          </a:prstGeom>
+          <a:noFill/>
+          <a:extLst>
+            <a:ext uri="{909E8E84-426E-40DD-AFC4-6F175D3DCCD1}">
+              <a14:hiddenFill xmlns:a14="http://schemas.microsoft.com/office/drawing/2010/main">
+                <a:solidFill>
+                  <a:srgbClr val="FFFFFF"/>
+                </a:solidFill>
+              </a14:hiddenFill>
+            </a:ext>
+          </a:extLst>
+        </p:spPr>
+      </p:pic>
+      <p:pic>
+        <p:nvPicPr>
+          <p:cNvPr id="19" name="Picture 3" descr="C:\Users\higla\Downloads\BlockNoChain.gif"/>
+          <p:cNvPicPr>
+            <a:picLocks noChangeAspect="1" noChangeArrowheads="1"/>
+          </p:cNvPicPr>
+          <p:nvPr/>
+        </p:nvPicPr>
+        <p:blipFill>
+          <a:blip r:embed="rId3" cstate="print">
+            <a:extLst>
+              <a:ext uri="{28A0092B-C50C-407E-A947-70E740481C1C}">
+                <a14:useLocalDpi xmlns:a14="http://schemas.microsoft.com/office/drawing/2010/main" val="0"/>
+              </a:ext>
+            </a:extLst>
+          </a:blip>
+          <a:srcRect/>
+          <a:stretch>
+            <a:fillRect/>
+          </a:stretch>
+        </p:blipFill>
+        <p:spPr bwMode="auto">
+          <a:xfrm flipH="1">
+            <a:off x="6804248" y="2941606"/>
+            <a:ext cx="1944216" cy="738877"/>
+          </a:xfrm>
+          <a:prstGeom prst="rect">
+            <a:avLst/>
+          </a:prstGeom>
+          <a:noFill/>
+          <a:extLst>
+            <a:ext uri="{909E8E84-426E-40DD-AFC4-6F175D3DCCD1}">
+              <a14:hiddenFill xmlns:a14="http://schemas.microsoft.com/office/drawing/2010/main">
+                <a:solidFill>
+                  <a:srgbClr val="FFFFFF"/>
+                </a:solidFill>
+              </a14:hiddenFill>
+            </a:ext>
+          </a:extLst>
+        </p:spPr>
+      </p:pic>
+    </p:spTree>
+    <p:extLst>
+      <p:ext uri="{BB962C8B-B14F-4D97-AF65-F5344CB8AC3E}">
+        <p14:creationId xmlns:p14="http://schemas.microsoft.com/office/powerpoint/2010/main" val="3571666426"/>
+      </p:ext>
+    </p:extLst>
+  </p:cSld>
+  <p:clrMapOvr>
+    <a:masterClrMapping/>
+  </p:clrMapOvr>
+  <p:timing>
+    <p:tnLst>
+      <p:par>
+        <p:cTn id="1" dur="indefinite" restart="never" nodeType="tmRoot">
+          <p:childTnLst>
+            <p:seq concurrent="1" nextAc="seek">
+              <p:cTn id="2" dur="indefinite" nodeType="mainSeq">
+                <p:childTnLst>
+                  <p:par>
+                    <p:cTn id="3" fill="hold">
+                      <p:stCondLst>
+                        <p:cond delay="indefinite"/>
+                      </p:stCondLst>
+                      <p:childTnLst>
+                        <p:par>
+                          <p:cTn id="4" fill="hold">
+                            <p:stCondLst>
+                              <p:cond delay="0"/>
+                            </p:stCondLst>
+                            <p:childTnLst>
+                              <p:par>
+                                <p:cTn id="5" presetID="10" presetClass="entr" presetSubtype="0" fill="hold" grpId="0" nodeType="clickEffect">
+                                  <p:stCondLst>
+                                    <p:cond delay="0"/>
+                                  </p:stCondLst>
+                                  <p:childTnLst>
+                                    <p:set>
+                                      <p:cBhvr>
+                                        <p:cTn id="6" dur="1" fill="hold">
+                                          <p:stCondLst>
+                                            <p:cond delay="0"/>
+                                          </p:stCondLst>
+                                        </p:cTn>
+                                        <p:tgtEl>
+                                          <p:spTgt spid="13"/>
+                                        </p:tgtEl>
+                                        <p:attrNameLst>
+                                          <p:attrName>style.visibility</p:attrName>
+                                        </p:attrNameLst>
+                                      </p:cBhvr>
+                                      <p:to>
+                                        <p:strVal val="visible"/>
+                                      </p:to>
+                                    </p:set>
+                                    <p:animEffect transition="in" filter="fade">
+                                      <p:cBhvr>
+                                        <p:cTn id="7" dur="500"/>
+                                        <p:tgtEl>
+                                          <p:spTgt spid="13"/>
+                                        </p:tgtEl>
+                                      </p:cBhvr>
+                                    </p:animEffect>
+                                  </p:childTnLst>
+                                </p:cTn>
+                              </p:par>
+                              <p:par>
+                                <p:cTn id="8" presetID="10" presetClass="entr" presetSubtype="0" fill="hold" grpId="0" nodeType="withEffect">
+                                  <p:stCondLst>
+                                    <p:cond delay="0"/>
+                                  </p:stCondLst>
+                                  <p:childTnLst>
+                                    <p:set>
+                                      <p:cBhvr>
+                                        <p:cTn id="9" dur="1" fill="hold">
+                                          <p:stCondLst>
+                                            <p:cond delay="0"/>
+                                          </p:stCondLst>
+                                        </p:cTn>
+                                        <p:tgtEl>
+                                          <p:spTgt spid="16"/>
+                                        </p:tgtEl>
+                                        <p:attrNameLst>
+                                          <p:attrName>style.visibility</p:attrName>
+                                        </p:attrNameLst>
+                                      </p:cBhvr>
+                                      <p:to>
+                                        <p:strVal val="visible"/>
+                                      </p:to>
+                                    </p:set>
+                                    <p:animEffect transition="in" filter="fade">
+                                      <p:cBhvr>
+                                        <p:cTn id="10" dur="500"/>
+                                        <p:tgtEl>
+                                          <p:spTgt spid="16"/>
+                                        </p:tgtEl>
+                                      </p:cBhvr>
+                                    </p:animEffect>
+                                  </p:childTnLst>
+                                </p:cTn>
+                              </p:par>
+                              <p:par>
+                                <p:cTn id="11" presetID="10" presetClass="entr" presetSubtype="0" fill="hold" nodeType="withEffect">
+                                  <p:stCondLst>
+                                    <p:cond delay="0"/>
+                                  </p:stCondLst>
+                                  <p:childTnLst>
+                                    <p:set>
+                                      <p:cBhvr>
+                                        <p:cTn id="12" dur="1" fill="hold">
+                                          <p:stCondLst>
+                                            <p:cond delay="0"/>
+                                          </p:stCondLst>
+                                        </p:cTn>
+                                        <p:tgtEl>
+                                          <p:spTgt spid="14"/>
+                                        </p:tgtEl>
+                                        <p:attrNameLst>
+                                          <p:attrName>style.visibility</p:attrName>
+                                        </p:attrNameLst>
+                                      </p:cBhvr>
+                                      <p:to>
+                                        <p:strVal val="visible"/>
+                                      </p:to>
+                                    </p:set>
+                                    <p:animEffect transition="in" filter="fade">
+                                      <p:cBhvr>
+                                        <p:cTn id="13" dur="500"/>
+                                        <p:tgtEl>
+                                          <p:spTgt spid="14"/>
+                                        </p:tgtEl>
+                                      </p:cBhvr>
+                                    </p:animEffect>
+                                  </p:childTnLst>
+                                </p:cTn>
+                              </p:par>
+                              <p:par>
+                                <p:cTn id="14" presetID="10" presetClass="entr" presetSubtype="0" fill="hold" nodeType="withEffect">
+                                  <p:stCondLst>
+                                    <p:cond delay="0"/>
+                                  </p:stCondLst>
+                                  <p:childTnLst>
+                                    <p:set>
+                                      <p:cBhvr>
+                                        <p:cTn id="15" dur="1" fill="hold">
+                                          <p:stCondLst>
+                                            <p:cond delay="0"/>
+                                          </p:stCondLst>
+                                        </p:cTn>
+                                        <p:tgtEl>
+                                          <p:spTgt spid="15"/>
+                                        </p:tgtEl>
+                                        <p:attrNameLst>
+                                          <p:attrName>style.visibility</p:attrName>
+                                        </p:attrNameLst>
+                                      </p:cBhvr>
+                                      <p:to>
+                                        <p:strVal val="visible"/>
+                                      </p:to>
+                                    </p:set>
+                                    <p:animEffect transition="in" filter="fade">
+                                      <p:cBhvr>
+                                        <p:cTn id="16" dur="500"/>
+                                        <p:tgtEl>
+                                          <p:spTgt spid="15"/>
+                                        </p:tgtEl>
+                                      </p:cBhvr>
+                                    </p:animEffect>
+                                  </p:childTnLst>
+                                </p:cTn>
+                              </p:par>
+                            </p:childTnLst>
+                          </p:cTn>
+                        </p:par>
+                      </p:childTnLst>
+                    </p:cTn>
+                  </p:par>
+                  <p:par>
+                    <p:cTn id="17" fill="hold">
+                      <p:stCondLst>
+                        <p:cond delay="indefinite"/>
+                      </p:stCondLst>
+                      <p:childTnLst>
+                        <p:par>
+                          <p:cTn id="18" fill="hold">
+                            <p:stCondLst>
+                              <p:cond delay="0"/>
+                            </p:stCondLst>
+                            <p:childTnLst>
+                              <p:par>
+                                <p:cTn id="19" presetID="10" presetClass="entr" presetSubtype="0" fill="hold" nodeType="clickEffect">
+                                  <p:stCondLst>
+                                    <p:cond delay="0"/>
+                                  </p:stCondLst>
+                                  <p:childTnLst>
+                                    <p:set>
+                                      <p:cBhvr>
+                                        <p:cTn id="20" dur="1" fill="hold">
+                                          <p:stCondLst>
+                                            <p:cond delay="0"/>
+                                          </p:stCondLst>
+                                        </p:cTn>
+                                        <p:tgtEl>
+                                          <p:spTgt spid="19"/>
+                                        </p:tgtEl>
+                                        <p:attrNameLst>
+                                          <p:attrName>style.visibility</p:attrName>
+                                        </p:attrNameLst>
+                                      </p:cBhvr>
+                                      <p:to>
+                                        <p:strVal val="visible"/>
+                                      </p:to>
+                                    </p:set>
+                                    <p:animEffect transition="in" filter="fade">
+                                      <p:cBhvr>
+                                        <p:cTn id="21" dur="500"/>
+                                        <p:tgtEl>
+                                          <p:spTgt spid="19"/>
+                                        </p:tgtEl>
+                                      </p:cBhvr>
+                                    </p:animEffect>
+                                  </p:childTnLst>
+                                </p:cTn>
+                              </p:par>
+                              <p:par>
+                                <p:cTn id="22" presetID="10" presetClass="entr" presetSubtype="0" fill="hold" nodeType="withEffect">
+                                  <p:stCondLst>
+                                    <p:cond delay="0"/>
+                                  </p:stCondLst>
+                                  <p:childTnLst>
+                                    <p:set>
+                                      <p:cBhvr>
+                                        <p:cTn id="23" dur="1" fill="hold">
+                                          <p:stCondLst>
+                                            <p:cond delay="0"/>
+                                          </p:stCondLst>
+                                        </p:cTn>
+                                        <p:tgtEl>
+                                          <p:spTgt spid="17"/>
+                                        </p:tgtEl>
+                                        <p:attrNameLst>
+                                          <p:attrName>style.visibility</p:attrName>
+                                        </p:attrNameLst>
+                                      </p:cBhvr>
+                                      <p:to>
+                                        <p:strVal val="visible"/>
+                                      </p:to>
+                                    </p:set>
+                                    <p:animEffect transition="in" filter="fade">
+                                      <p:cBhvr>
+                                        <p:cTn id="24" dur="500"/>
+                                        <p:tgtEl>
+                                          <p:spTgt spid="17"/>
+                                        </p:tgtEl>
+                                      </p:cBhvr>
+                                    </p:animEffect>
+                                  </p:childTnLst>
+                                </p:cTn>
+                              </p:par>
+                              <p:par>
+                                <p:cTn id="25" presetID="10" presetClass="entr" presetSubtype="0" fill="hold" nodeType="withEffect">
+                                  <p:stCondLst>
+                                    <p:cond delay="0"/>
+                                  </p:stCondLst>
+                                  <p:childTnLst>
+                                    <p:set>
+                                      <p:cBhvr>
+                                        <p:cTn id="26" dur="1" fill="hold">
+                                          <p:stCondLst>
+                                            <p:cond delay="0"/>
+                                          </p:stCondLst>
+                                        </p:cTn>
+                                        <p:tgtEl>
+                                          <p:spTgt spid="18"/>
+                                        </p:tgtEl>
+                                        <p:attrNameLst>
+                                          <p:attrName>style.visibility</p:attrName>
+                                        </p:attrNameLst>
+                                      </p:cBhvr>
+                                      <p:to>
+                                        <p:strVal val="visible"/>
+                                      </p:to>
+                                    </p:set>
+                                    <p:animEffect transition="in" filter="fade">
+                                      <p:cBhvr>
+                                        <p:cTn id="27" dur="500"/>
+                                        <p:tgtEl>
+                                          <p:spTgt spid="18"/>
+                                        </p:tgtEl>
+                                      </p:cBhvr>
+                                    </p:animEffect>
+                                  </p:childTnLst>
+                                </p:cTn>
+                              </p:par>
+                            </p:childTnLst>
+                          </p:cTn>
+                        </p:par>
+                      </p:childTnLst>
+                    </p:cTn>
+                  </p:par>
+                </p:childTnLst>
+              </p:cTn>
+              <p:prevCondLst>
+                <p:cond evt="onPrev" delay="0">
+                  <p:tgtEl>
+                    <p:sldTgt/>
+                  </p:tgtEl>
+                </p:cond>
+              </p:prevCondLst>
+              <p:nextCondLst>
+                <p:cond evt="onNext" delay="0">
+                  <p:tgtEl>
+                    <p:sldTgt/>
+                  </p:tgtEl>
+                </p:cond>
+              </p:nextCondLst>
+            </p:seq>
+          </p:childTnLst>
+        </p:cTn>
+      </p:par>
+    </p:tnLst>
+    <p:bldLst>
+      <p:bldP spid="13" grpId="0"/>
+      <p:bldP spid="16" grpId="0" animBg="1"/>
+    </p:bldLst>
+  </p:timing>
+</p:sld>
+</file>
+
+<file path=ppt/slides/slide18.xml><?xml version="1.0" encoding="utf-8"?>
+<p:sld xmlns:a="http://schemas.openxmlformats.org/drawingml/2006/main" xmlns:r="http://schemas.openxmlformats.org/officeDocument/2006/relationships" xmlns:p="http://schemas.openxmlformats.org/presentationml/2006/main">
+  <p:cSld>
+    <p:spTree>
+      <p:nvGrpSpPr>
+        <p:cNvPr id="1" name=""/>
+        <p:cNvGrpSpPr/>
+        <p:nvPr/>
+      </p:nvGrpSpPr>
+      <p:grpSpPr>
+        <a:xfrm>
+          <a:off x="0" y="0"/>
+          <a:ext cx="0" cy="0"/>
+          <a:chOff x="0" y="0"/>
+          <a:chExt cx="0" cy="0"/>
+        </a:xfrm>
+      </p:grpSpPr>
+      <p:sp>
+        <p:nvSpPr>
+          <p:cNvPr id="3" name="Titolo verticale 2"/>
+          <p:cNvSpPr>
+            <a:spLocks noGrp="1"/>
+          </p:cNvSpPr>
+          <p:nvPr>
+            <p:ph type="title" orient="vert"/>
+          </p:nvPr>
+        </p:nvSpPr>
+        <p:spPr/>
+        <p:txBody>
+          <a:bodyPr/>
+          <a:lstStyle/>
+          <a:p>
+            <a:r>
+              <a:rPr lang="it-IT" dirty="0" err="1" smtClean="0"/>
+              <a:t>Blockchain</a:t>
+            </a:r>
+            <a:r>
+              <a:rPr lang="it-IT" dirty="0" smtClean="0"/>
+              <a:t> - Esempio</a:t>
+            </a:r>
+            <a:endParaRPr lang="it-IT" dirty="0"/>
+          </a:p>
+        </p:txBody>
+      </p:sp>
+      <p:pic>
+        <p:nvPicPr>
+          <p:cNvPr id="4" name="Picture 2" descr="Risultati immagini per block chain"/>
+          <p:cNvPicPr>
+            <a:picLocks noChangeAspect="1" noChangeArrowheads="1"/>
+          </p:cNvPicPr>
+          <p:nvPr/>
+        </p:nvPicPr>
+        <p:blipFill>
+          <a:blip r:embed="rId3">
+            <a:extLst>
+              <a:ext uri="{28A0092B-C50C-407E-A947-70E740481C1C}">
+                <a14:useLocalDpi xmlns:a14="http://schemas.microsoft.com/office/drawing/2010/main" val="0"/>
+              </a:ext>
+            </a:extLst>
+          </a:blip>
+          <a:srcRect/>
+          <a:stretch>
+            <a:fillRect/>
+          </a:stretch>
+        </p:blipFill>
+        <p:spPr bwMode="auto">
+          <a:xfrm>
+            <a:off x="2195736" y="1124744"/>
+            <a:ext cx="4962525" cy="1885950"/>
+          </a:xfrm>
+          <a:prstGeom prst="rect">
+            <a:avLst/>
+          </a:prstGeom>
+          <a:noFill/>
+          <a:extLst>
+            <a:ext uri="{909E8E84-426E-40DD-AFC4-6F175D3DCCD1}">
+              <a14:hiddenFill xmlns:a14="http://schemas.microsoft.com/office/drawing/2010/main">
+                <a:solidFill>
+                  <a:srgbClr val="FFFFFF"/>
+                </a:solidFill>
+              </a14:hiddenFill>
+            </a:ext>
+          </a:extLst>
+        </p:spPr>
+      </p:pic>
+      <p:pic>
+        <p:nvPicPr>
+          <p:cNvPr id="5" name="Picture 3" descr="C:\Users\higla\Downloads\BlockNoChain.gif"/>
+          <p:cNvPicPr>
+            <a:picLocks noChangeAspect="1" noChangeArrowheads="1"/>
+          </p:cNvPicPr>
+          <p:nvPr/>
+        </p:nvPicPr>
+        <p:blipFill>
+          <a:blip r:embed="rId4">
+            <a:extLst>
+              <a:ext uri="{28A0092B-C50C-407E-A947-70E740481C1C}">
+                <a14:useLocalDpi xmlns:a14="http://schemas.microsoft.com/office/drawing/2010/main" val="0"/>
+              </a:ext>
+            </a:extLst>
+          </a:blip>
+          <a:srcRect/>
+          <a:stretch>
+            <a:fillRect/>
+          </a:stretch>
+        </p:blipFill>
+        <p:spPr bwMode="auto">
+          <a:xfrm>
+            <a:off x="-1116632" y="1162894"/>
+            <a:ext cx="4962526" cy="1885950"/>
+          </a:xfrm>
+          <a:prstGeom prst="rect">
+            <a:avLst/>
+          </a:prstGeom>
+          <a:noFill/>
+          <a:extLst>
+            <a:ext uri="{909E8E84-426E-40DD-AFC4-6F175D3DCCD1}">
+              <a14:hiddenFill xmlns:a14="http://schemas.microsoft.com/office/drawing/2010/main">
+                <a:solidFill>
+                  <a:srgbClr val="FFFFFF"/>
+                </a:solidFill>
+              </a14:hiddenFill>
+            </a:ext>
+          </a:extLst>
+        </p:spPr>
+      </p:pic>
+      <p:pic>
+        <p:nvPicPr>
+          <p:cNvPr id="6" name="Picture 3" descr="C:\Users\higla\Downloads\BlockNoChain.gif"/>
+          <p:cNvPicPr>
+            <a:picLocks noChangeAspect="1" noChangeArrowheads="1"/>
+          </p:cNvPicPr>
+          <p:nvPr/>
+        </p:nvPicPr>
+        <p:blipFill>
+          <a:blip r:embed="rId4">
+            <a:extLst>
+              <a:ext uri="{28A0092B-C50C-407E-A947-70E740481C1C}">
+                <a14:useLocalDpi xmlns:a14="http://schemas.microsoft.com/office/drawing/2010/main" val="0"/>
+              </a:ext>
+            </a:extLst>
+          </a:blip>
+          <a:srcRect/>
+          <a:stretch>
+            <a:fillRect/>
+          </a:stretch>
+        </p:blipFill>
+        <p:spPr bwMode="auto">
+          <a:xfrm>
+            <a:off x="5501200" y="1152621"/>
+            <a:ext cx="4962526" cy="1885950"/>
+          </a:xfrm>
+          <a:prstGeom prst="rect">
+            <a:avLst/>
+          </a:prstGeom>
+          <a:noFill/>
+          <a:extLst>
+            <a:ext uri="{909E8E84-426E-40DD-AFC4-6F175D3DCCD1}">
+              <a14:hiddenFill xmlns:a14="http://schemas.microsoft.com/office/drawing/2010/main">
+                <a:solidFill>
+                  <a:srgbClr val="FFFFFF"/>
+                </a:solidFill>
+              </a14:hiddenFill>
+            </a:ext>
+          </a:extLst>
+        </p:spPr>
+      </p:pic>
+      <p:graphicFrame>
+        <p:nvGraphicFramePr>
+          <p:cNvPr id="10" name="Tabella 9"/>
+          <p:cNvGraphicFramePr>
+            <a:graphicFrameLocks noGrp="1"/>
+          </p:cNvGraphicFramePr>
+          <p:nvPr>
+            <p:extLst>
+              <p:ext uri="{D42A27DB-BD31-4B8C-83A1-F6EECF244321}">
+                <p14:modId xmlns:p14="http://schemas.microsoft.com/office/powerpoint/2010/main" val="2715374404"/>
+              </p:ext>
+            </p:extLst>
+          </p:nvPr>
+        </p:nvGraphicFramePr>
+        <p:xfrm>
+          <a:off x="323529" y="3861048"/>
+          <a:ext cx="8568951" cy="792480"/>
+        </p:xfrm>
+        <a:graphic>
+          <a:graphicData uri="http://schemas.openxmlformats.org/drawingml/2006/table">
+            <a:tbl>
+              <a:tblPr firstRow="1" bandRow="1">
+                <a:tableStyleId>{5C22544A-7EE6-4342-B048-85BDC9FD1C3A}</a:tableStyleId>
+              </a:tblPr>
+              <a:tblGrid>
+                <a:gridCol w="2856317"/>
+                <a:gridCol w="2856317"/>
+                <a:gridCol w="2856317"/>
+              </a:tblGrid>
+              <a:tr h="370840">
+                <a:tc>
+                  <a:txBody>
+                    <a:bodyPr/>
+                    <a:lstStyle/>
+                    <a:p>
+                      <a:r>
+                        <a:rPr lang="it-IT" sz="2000" b="0" dirty="0" err="1" smtClean="0">
+                          <a:solidFill>
+                            <a:schemeClr val="tx1"/>
+                          </a:solidFill>
+                        </a:rPr>
+                        <a:t>Hash</a:t>
+                      </a:r>
+                      <a:r>
+                        <a:rPr lang="it-IT" sz="2000" b="0" dirty="0" smtClean="0">
+                          <a:solidFill>
+                            <a:schemeClr val="tx1"/>
+                          </a:solidFill>
+                        </a:rPr>
+                        <a:t>:                                  1</a:t>
+                      </a:r>
+                      <a:endParaRPr lang="it-IT" sz="2000" b="0" dirty="0">
+                        <a:solidFill>
+                          <a:schemeClr val="tx1"/>
+                        </a:solidFill>
+                      </a:endParaRPr>
+                    </a:p>
+                  </a:txBody>
+                  <a:tcPr>
+                    <a:lnR w="12700" cap="flat" cmpd="sng" algn="ctr">
+                      <a:solidFill>
+                        <a:schemeClr val="tx1"/>
+                      </a:solidFill>
+                      <a:prstDash val="solid"/>
+                      <a:round/>
+                      <a:headEnd type="none" w="med" len="med"/>
+                      <a:tailEnd type="none" w="med" len="med"/>
+                    </a:lnR>
+                    <a:lnB w="12700" cap="flat" cmpd="sng" algn="ctr">
+                      <a:noFill/>
+                      <a:prstDash val="solid"/>
+                      <a:round/>
+                      <a:headEnd type="none" w="med" len="med"/>
+                      <a:tailEnd type="none" w="med" len="med"/>
+                    </a:lnB>
+                    <a:noFill/>
+                  </a:tcPr>
+                </a:tc>
+                <a:tc>
+                  <a:txBody>
+                    <a:bodyPr/>
+                    <a:lstStyle/>
+                    <a:p>
+                      <a:r>
+                        <a:rPr lang="it-IT" sz="2000" b="0" dirty="0" err="1" smtClean="0">
+                          <a:solidFill>
+                            <a:schemeClr val="tx1"/>
+                          </a:solidFill>
+                        </a:rPr>
+                        <a:t>Hash</a:t>
+                      </a:r>
+                      <a:r>
+                        <a:rPr lang="it-IT" sz="2000" b="0" dirty="0" smtClean="0">
+                          <a:solidFill>
+                            <a:schemeClr val="tx1"/>
+                          </a:solidFill>
+                        </a:rPr>
+                        <a:t>:                                  2</a:t>
+                      </a:r>
+                      <a:endParaRPr lang="it-IT" sz="2000" b="0" dirty="0">
+                        <a:solidFill>
+                          <a:schemeClr val="tx1"/>
+                        </a:solidFill>
+                      </a:endParaRPr>
+                    </a:p>
+                  </a:txBody>
+                  <a:tcPr>
+                    <a:lnL w="12700" cap="flat" cmpd="sng" algn="ctr">
+                      <a:solidFill>
+                        <a:schemeClr val="tx1"/>
+                      </a:solidFill>
+                      <a:prstDash val="solid"/>
+                      <a:round/>
+                      <a:headEnd type="none" w="med" len="med"/>
+                      <a:tailEnd type="none" w="med" len="med"/>
+                    </a:lnL>
+                    <a:lnR w="12700" cap="flat" cmpd="sng" algn="ctr">
+                      <a:solidFill>
+                        <a:schemeClr val="tx1"/>
+                      </a:solidFill>
+                      <a:prstDash val="solid"/>
+                      <a:round/>
+                      <a:headEnd type="none" w="med" len="med"/>
+                      <a:tailEnd type="none" w="med" len="med"/>
+                    </a:lnR>
+                    <a:lnB w="12700" cap="flat" cmpd="sng" algn="ctr">
+                      <a:noFill/>
+                      <a:prstDash val="solid"/>
+                      <a:round/>
+                      <a:headEnd type="none" w="med" len="med"/>
+                      <a:tailEnd type="none" w="med" len="med"/>
+                    </a:lnB>
+                    <a:noFill/>
+                  </a:tcPr>
+                </a:tc>
+                <a:tc>
+                  <a:txBody>
+                    <a:bodyPr/>
+                    <a:lstStyle/>
+                    <a:p>
+                      <a:r>
+                        <a:rPr lang="it-IT" sz="2000" b="0" dirty="0" err="1" smtClean="0">
+                          <a:solidFill>
+                            <a:schemeClr val="tx1"/>
+                          </a:solidFill>
+                        </a:rPr>
+                        <a:t>Hash</a:t>
+                      </a:r>
+                      <a:r>
+                        <a:rPr lang="it-IT" sz="2000" b="0" dirty="0" smtClean="0">
+                          <a:solidFill>
+                            <a:schemeClr val="tx1"/>
+                          </a:solidFill>
+                        </a:rPr>
+                        <a:t>:                                  3</a:t>
+                      </a:r>
+                      <a:endParaRPr lang="it-IT" sz="2000" b="0" dirty="0">
+                        <a:solidFill>
+                          <a:schemeClr val="tx1"/>
+                        </a:solidFill>
+                      </a:endParaRPr>
+                    </a:p>
+                  </a:txBody>
+                  <a:tcPr>
+                    <a:lnL w="12700" cap="flat" cmpd="sng" algn="ctr">
+                      <a:solidFill>
+                        <a:schemeClr val="tx1"/>
+                      </a:solidFill>
+                      <a:prstDash val="solid"/>
+                      <a:round/>
+                      <a:headEnd type="none" w="med" len="med"/>
+                      <a:tailEnd type="none" w="med" len="med"/>
+                    </a:lnL>
+                    <a:lnB w="12700" cap="flat" cmpd="sng" algn="ctr">
+                      <a:noFill/>
+                      <a:prstDash val="solid"/>
+                      <a:round/>
+                      <a:headEnd type="none" w="med" len="med"/>
+                      <a:tailEnd type="none" w="med" len="med"/>
+                    </a:lnB>
+                    <a:noFill/>
+                  </a:tcPr>
+                </a:tc>
+              </a:tr>
+              <a:tr h="370840">
+                <a:tc>
+                  <a:txBody>
+                    <a:bodyPr/>
+                    <a:lstStyle/>
+                    <a:p>
+                      <a:r>
+                        <a:rPr lang="it-IT" sz="2000" b="0" dirty="0" err="1" smtClean="0">
+                          <a:solidFill>
+                            <a:schemeClr val="tx1"/>
+                          </a:solidFill>
+                        </a:rPr>
+                        <a:t>Hash</a:t>
+                      </a:r>
+                      <a:r>
+                        <a:rPr lang="it-IT" sz="2000" b="0" dirty="0" smtClean="0">
+                          <a:solidFill>
+                            <a:schemeClr val="tx1"/>
+                          </a:solidFill>
+                        </a:rPr>
+                        <a:t> precedente:            0 </a:t>
+                      </a:r>
+                      <a:endParaRPr lang="it-IT" sz="2000" b="0" dirty="0">
+                        <a:solidFill>
+                          <a:schemeClr val="tx1"/>
+                        </a:solidFill>
+                      </a:endParaRPr>
+                    </a:p>
+                  </a:txBody>
+                  <a:tcPr>
+                    <a:lnR w="12700" cap="flat" cmpd="sng" algn="ctr">
+                      <a:solidFill>
+                        <a:schemeClr val="tx1"/>
+                      </a:solidFill>
+                      <a:prstDash val="solid"/>
+                      <a:round/>
+                      <a:headEnd type="none" w="med" len="med"/>
+                      <a:tailEnd type="none" w="med" len="med"/>
+                    </a:lnR>
+                    <a:lnT w="12700" cap="flat" cmpd="sng" algn="ctr">
+                      <a:noFill/>
+                      <a:prstDash val="solid"/>
+                      <a:round/>
+                      <a:headEnd type="none" w="med" len="med"/>
+                      <a:tailEnd type="none" w="med" len="med"/>
+                    </a:lnT>
+                    <a:noFill/>
+                  </a:tcPr>
+                </a:tc>
+                <a:tc>
+                  <a:txBody>
+                    <a:bodyPr/>
+                    <a:lstStyle/>
+                    <a:p>
+                      <a:r>
+                        <a:rPr lang="it-IT" sz="2000" b="0" dirty="0" err="1" smtClean="0">
+                          <a:solidFill>
+                            <a:schemeClr val="tx1"/>
+                          </a:solidFill>
+                        </a:rPr>
+                        <a:t>Hash</a:t>
+                      </a:r>
+                      <a:r>
+                        <a:rPr lang="it-IT" sz="2000" b="0" dirty="0" smtClean="0">
+                          <a:solidFill>
+                            <a:schemeClr val="tx1"/>
+                          </a:solidFill>
+                        </a:rPr>
+                        <a:t> precedente:            1</a:t>
+                      </a:r>
+                      <a:endParaRPr lang="it-IT" sz="2000" b="0" dirty="0">
+                        <a:solidFill>
+                          <a:schemeClr val="tx1"/>
+                        </a:solidFill>
+                      </a:endParaRPr>
+                    </a:p>
+                  </a:txBody>
+                  <a:tcPr>
+                    <a:lnL w="12700" cap="flat" cmpd="sng" algn="ctr">
+                      <a:solidFill>
+                        <a:schemeClr val="tx1"/>
+                      </a:solidFill>
+                      <a:prstDash val="solid"/>
+                      <a:round/>
+                      <a:headEnd type="none" w="med" len="med"/>
+                      <a:tailEnd type="none" w="med" len="med"/>
+                    </a:lnL>
+                    <a:lnR w="12700" cap="flat" cmpd="sng" algn="ctr">
+                      <a:solidFill>
+                        <a:schemeClr val="tx1"/>
+                      </a:solidFill>
+                      <a:prstDash val="solid"/>
+                      <a:round/>
+                      <a:headEnd type="none" w="med" len="med"/>
+                      <a:tailEnd type="none" w="med" len="med"/>
+                    </a:lnR>
+                    <a:lnT w="12700" cap="flat" cmpd="sng" algn="ctr">
+                      <a:noFill/>
+                      <a:prstDash val="solid"/>
+                      <a:round/>
+                      <a:headEnd type="none" w="med" len="med"/>
+                      <a:tailEnd type="none" w="med" len="med"/>
+                    </a:lnT>
+                    <a:noFill/>
+                  </a:tcPr>
+                </a:tc>
+                <a:tc>
+                  <a:txBody>
+                    <a:bodyPr/>
+                    <a:lstStyle/>
+                    <a:p>
+                      <a:r>
+                        <a:rPr lang="it-IT" sz="2000" b="0" dirty="0" err="1" smtClean="0">
+                          <a:solidFill>
+                            <a:schemeClr val="tx1"/>
+                          </a:solidFill>
+                        </a:rPr>
+                        <a:t>Hash</a:t>
+                      </a:r>
+                      <a:r>
+                        <a:rPr lang="it-IT" sz="2000" b="0" baseline="0" dirty="0" smtClean="0">
+                          <a:solidFill>
+                            <a:schemeClr val="tx1"/>
+                          </a:solidFill>
+                        </a:rPr>
+                        <a:t> precedente:            2</a:t>
+                      </a:r>
+                      <a:endParaRPr lang="it-IT" sz="2000" b="0" dirty="0">
+                        <a:solidFill>
+                          <a:schemeClr val="tx1"/>
+                        </a:solidFill>
+                      </a:endParaRPr>
+                    </a:p>
+                  </a:txBody>
+                  <a:tcPr>
+                    <a:lnL w="12700" cap="flat" cmpd="sng" algn="ctr">
+                      <a:solidFill>
+                        <a:schemeClr val="tx1"/>
+                      </a:solidFill>
+                      <a:prstDash val="solid"/>
+                      <a:round/>
+                      <a:headEnd type="none" w="med" len="med"/>
+                      <a:tailEnd type="none" w="med" len="med"/>
+                    </a:lnL>
+                    <a:lnT w="12700" cap="flat" cmpd="sng" algn="ctr">
+                      <a:noFill/>
+                      <a:prstDash val="solid"/>
+                      <a:round/>
+                      <a:headEnd type="none" w="med" len="med"/>
+                      <a:tailEnd type="none" w="med" len="med"/>
+                    </a:lnT>
+                    <a:noFill/>
+                  </a:tcPr>
+                </a:tc>
+              </a:tr>
+            </a:tbl>
+          </a:graphicData>
+        </a:graphic>
+      </p:graphicFrame>
+      <p:sp>
+        <p:nvSpPr>
+          <p:cNvPr id="11" name="CasellaDiTesto 10"/>
+          <p:cNvSpPr txBox="1"/>
+          <p:nvPr/>
+        </p:nvSpPr>
+        <p:spPr>
+          <a:xfrm>
+            <a:off x="1187624" y="1383159"/>
+            <a:ext cx="360040" cy="461665"/>
+          </a:xfrm>
+          <a:prstGeom prst="rect">
+            <a:avLst/>
+          </a:prstGeom>
+          <a:noFill/>
+        </p:spPr>
+        <p:txBody>
+          <a:bodyPr wrap="square" rtlCol="0">
+            <a:spAutoFit/>
+          </a:bodyPr>
+          <a:lstStyle/>
+          <a:p>
+            <a:r>
+              <a:rPr lang="it-IT" sz="2400" dirty="0" smtClean="0">
+                <a:solidFill>
+                  <a:schemeClr val="bg1"/>
+                </a:solidFill>
+              </a:rPr>
+              <a:t>1</a:t>
+            </a:r>
+            <a:endParaRPr lang="it-IT" sz="2400" dirty="0">
+              <a:solidFill>
+                <a:schemeClr val="bg1"/>
+              </a:solidFill>
+            </a:endParaRPr>
+          </a:p>
+        </p:txBody>
+      </p:sp>
+      <p:sp>
+        <p:nvSpPr>
+          <p:cNvPr id="12" name="CasellaDiTesto 11"/>
+          <p:cNvSpPr txBox="1"/>
+          <p:nvPr/>
+        </p:nvSpPr>
+        <p:spPr>
+          <a:xfrm>
+            <a:off x="4496978" y="1388498"/>
+            <a:ext cx="360040" cy="461665"/>
+          </a:xfrm>
+          <a:prstGeom prst="rect">
+            <a:avLst/>
+          </a:prstGeom>
+          <a:noFill/>
+        </p:spPr>
+        <p:txBody>
+          <a:bodyPr wrap="square" rtlCol="0">
+            <a:spAutoFit/>
+          </a:bodyPr>
+          <a:lstStyle/>
+          <a:p>
+            <a:r>
+              <a:rPr lang="it-IT" sz="2400" dirty="0" smtClean="0">
+                <a:solidFill>
+                  <a:schemeClr val="bg1"/>
+                </a:solidFill>
+              </a:rPr>
+              <a:t>2</a:t>
+            </a:r>
+            <a:endParaRPr lang="it-IT" sz="2400" dirty="0">
+              <a:solidFill>
+                <a:schemeClr val="bg1"/>
+              </a:solidFill>
+            </a:endParaRPr>
+          </a:p>
+        </p:txBody>
+      </p:sp>
+      <p:sp>
+        <p:nvSpPr>
+          <p:cNvPr id="13" name="CasellaDiTesto 12"/>
+          <p:cNvSpPr txBox="1"/>
+          <p:nvPr/>
+        </p:nvSpPr>
+        <p:spPr>
+          <a:xfrm>
+            <a:off x="7802443" y="1380522"/>
+            <a:ext cx="360040" cy="461665"/>
+          </a:xfrm>
+          <a:prstGeom prst="rect">
+            <a:avLst/>
+          </a:prstGeom>
+          <a:noFill/>
+        </p:spPr>
+        <p:txBody>
+          <a:bodyPr wrap="square" rtlCol="0">
+            <a:spAutoFit/>
+          </a:bodyPr>
+          <a:lstStyle/>
+          <a:p>
+            <a:r>
+              <a:rPr lang="it-IT" sz="2400" dirty="0">
+                <a:solidFill>
+                  <a:schemeClr val="bg1"/>
+                </a:solidFill>
+              </a:rPr>
+              <a:t>3</a:t>
+            </a:r>
+          </a:p>
+        </p:txBody>
+      </p:sp>
+      <p:cxnSp>
+        <p:nvCxnSpPr>
+          <p:cNvPr id="15" name="Connettore 7 14"/>
+          <p:cNvCxnSpPr/>
+          <p:nvPr/>
+        </p:nvCxnSpPr>
+        <p:spPr>
+          <a:xfrm rot="10800000">
+            <a:off x="5868144" y="4077072"/>
+            <a:ext cx="2808312" cy="360040"/>
+          </a:xfrm>
+          <a:prstGeom prst="curvedConnector3">
+            <a:avLst>
+              <a:gd name="adj1" fmla="val 50000"/>
+            </a:avLst>
+          </a:prstGeom>
+          <a:ln w="28575">
+            <a:solidFill>
+              <a:srgbClr val="FF0000"/>
+            </a:solidFill>
+            <a:tailEnd type="arrow"/>
+          </a:ln>
+        </p:spPr>
+        <p:style>
+          <a:lnRef idx="1">
+            <a:schemeClr val="accent1"/>
+          </a:lnRef>
+          <a:fillRef idx="0">
+            <a:schemeClr val="accent1"/>
+          </a:fillRef>
+          <a:effectRef idx="0">
+            <a:schemeClr val="accent1"/>
+          </a:effectRef>
+          <a:fontRef idx="minor">
+            <a:schemeClr val="tx1"/>
+          </a:fontRef>
+        </p:style>
+      </p:cxnSp>
+      <p:cxnSp>
+        <p:nvCxnSpPr>
+          <p:cNvPr id="19" name="Connettore 7 18"/>
+          <p:cNvCxnSpPr/>
+          <p:nvPr/>
+        </p:nvCxnSpPr>
+        <p:spPr>
+          <a:xfrm rot="10800000">
+            <a:off x="3131840" y="4077074"/>
+            <a:ext cx="2592290" cy="360042"/>
+          </a:xfrm>
+          <a:prstGeom prst="curvedConnector3">
+            <a:avLst>
+              <a:gd name="adj1" fmla="val 50000"/>
+            </a:avLst>
+          </a:prstGeom>
+          <a:ln w="28575">
+            <a:solidFill>
+              <a:srgbClr val="FF0000"/>
+            </a:solidFill>
+            <a:tailEnd type="arrow"/>
+          </a:ln>
+        </p:spPr>
+        <p:style>
+          <a:lnRef idx="1">
+            <a:schemeClr val="accent1"/>
+          </a:lnRef>
+          <a:fillRef idx="0">
+            <a:schemeClr val="accent1"/>
+          </a:fillRef>
+          <a:effectRef idx="0">
+            <a:schemeClr val="accent1"/>
+          </a:effectRef>
+          <a:fontRef idx="minor">
+            <a:schemeClr val="tx1"/>
+          </a:fontRef>
+        </p:style>
+      </p:cxnSp>
+    </p:spTree>
+    <p:extLst>
+      <p:ext uri="{BB962C8B-B14F-4D97-AF65-F5344CB8AC3E}">
+        <p14:creationId xmlns:p14="http://schemas.microsoft.com/office/powerpoint/2010/main" val="2608135803"/>
+      </p:ext>
+    </p:extLst>
+  </p:cSld>
+  <p:clrMapOvr>
+    <a:masterClrMapping/>
+  </p:clrMapOvr>
+  <p:timing>
+    <p:tnLst>
+      <p:par>
+        <p:cTn id="1" dur="indefinite" restart="never" nodeType="tmRoot"/>
+      </p:par>
+    </p:tnLst>
+  </p:timing>
+</p:sld>
+</file>
+
+<file path=ppt/slides/slide19.xml><?xml version="1.0" encoding="utf-8"?>
+<p:sld xmlns:a="http://schemas.openxmlformats.org/drawingml/2006/main" xmlns:r="http://schemas.openxmlformats.org/officeDocument/2006/relationships" xmlns:p="http://schemas.openxmlformats.org/presentationml/2006/main">
+  <p:cSld>
+    <p:spTree>
+      <p:nvGrpSpPr>
+        <p:cNvPr id="1" name=""/>
+        <p:cNvGrpSpPr/>
+        <p:nvPr/>
+      </p:nvGrpSpPr>
+      <p:grpSpPr>
+        <a:xfrm>
+          <a:off x="0" y="0"/>
+          <a:ext cx="0" cy="0"/>
+          <a:chOff x="0" y="0"/>
+          <a:chExt cx="0" cy="0"/>
+        </a:xfrm>
+      </p:grpSpPr>
+      <p:sp>
+        <p:nvSpPr>
+          <p:cNvPr id="3" name="Titolo verticale 2"/>
+          <p:cNvSpPr>
+            <a:spLocks noGrp="1"/>
+          </p:cNvSpPr>
+          <p:nvPr>
+            <p:ph type="title" orient="vert"/>
+          </p:nvPr>
+        </p:nvSpPr>
+        <p:spPr/>
+        <p:txBody>
+          <a:bodyPr/>
+          <a:lstStyle/>
+          <a:p>
+            <a:r>
+              <a:rPr lang="it-IT" dirty="0" err="1" smtClean="0"/>
+              <a:t>Blockchain</a:t>
+            </a:r>
+            <a:r>
+              <a:rPr lang="it-IT" dirty="0" smtClean="0"/>
+              <a:t> - Esempio</a:t>
+            </a:r>
+            <a:endParaRPr lang="it-IT" dirty="0"/>
+          </a:p>
+        </p:txBody>
+      </p:sp>
+      <p:pic>
+        <p:nvPicPr>
+          <p:cNvPr id="4" name="Picture 2" descr="Risultati immagini per block chain"/>
+          <p:cNvPicPr>
+            <a:picLocks noChangeAspect="1" noChangeArrowheads="1"/>
+          </p:cNvPicPr>
+          <p:nvPr/>
+        </p:nvPicPr>
+        <p:blipFill>
+          <a:blip r:embed="rId3">
+            <a:extLst>
+              <a:ext uri="{28A0092B-C50C-407E-A947-70E740481C1C}">
+                <a14:useLocalDpi xmlns:a14="http://schemas.microsoft.com/office/drawing/2010/main" val="0"/>
+              </a:ext>
+            </a:extLst>
+          </a:blip>
+          <a:srcRect/>
+          <a:stretch>
+            <a:fillRect/>
+          </a:stretch>
+        </p:blipFill>
+        <p:spPr bwMode="auto">
+          <a:xfrm>
+            <a:off x="2195736" y="1124744"/>
+            <a:ext cx="4962525" cy="1885950"/>
+          </a:xfrm>
+          <a:prstGeom prst="rect">
+            <a:avLst/>
+          </a:prstGeom>
+          <a:noFill/>
+          <a:extLst>
+            <a:ext uri="{909E8E84-426E-40DD-AFC4-6F175D3DCCD1}">
+              <a14:hiddenFill xmlns:a14="http://schemas.microsoft.com/office/drawing/2010/main">
+                <a:solidFill>
+                  <a:srgbClr val="FFFFFF"/>
+                </a:solidFill>
+              </a14:hiddenFill>
+            </a:ext>
+          </a:extLst>
+        </p:spPr>
+      </p:pic>
+      <p:pic>
+        <p:nvPicPr>
+          <p:cNvPr id="5" name="Picture 3" descr="C:\Users\higla\Downloads\BlockNoChain.gif"/>
+          <p:cNvPicPr>
+            <a:picLocks noChangeAspect="1" noChangeArrowheads="1"/>
+          </p:cNvPicPr>
+          <p:nvPr/>
+        </p:nvPicPr>
+        <p:blipFill>
+          <a:blip r:embed="rId4">
+            <a:extLst>
+              <a:ext uri="{28A0092B-C50C-407E-A947-70E740481C1C}">
+                <a14:useLocalDpi xmlns:a14="http://schemas.microsoft.com/office/drawing/2010/main" val="0"/>
+              </a:ext>
+            </a:extLst>
+          </a:blip>
+          <a:srcRect/>
+          <a:stretch>
+            <a:fillRect/>
+          </a:stretch>
+        </p:blipFill>
+        <p:spPr bwMode="auto">
+          <a:xfrm>
+            <a:off x="-1116632" y="1162894"/>
+            <a:ext cx="4962526" cy="1885950"/>
+          </a:xfrm>
+          <a:prstGeom prst="rect">
+            <a:avLst/>
+          </a:prstGeom>
+          <a:noFill/>
+          <a:extLst>
+            <a:ext uri="{909E8E84-426E-40DD-AFC4-6F175D3DCCD1}">
+              <a14:hiddenFill xmlns:a14="http://schemas.microsoft.com/office/drawing/2010/main">
+                <a:solidFill>
+                  <a:srgbClr val="FFFFFF"/>
+                </a:solidFill>
+              </a14:hiddenFill>
+            </a:ext>
+          </a:extLst>
+        </p:spPr>
+      </p:pic>
+      <p:pic>
+        <p:nvPicPr>
+          <p:cNvPr id="6" name="Picture 3" descr="C:\Users\higla\Downloads\BlockNoChain.gif"/>
+          <p:cNvPicPr>
+            <a:picLocks noChangeAspect="1" noChangeArrowheads="1"/>
+          </p:cNvPicPr>
+          <p:nvPr/>
+        </p:nvPicPr>
+        <p:blipFill>
+          <a:blip r:embed="rId4">
+            <a:extLst>
+              <a:ext uri="{28A0092B-C50C-407E-A947-70E740481C1C}">
+                <a14:useLocalDpi xmlns:a14="http://schemas.microsoft.com/office/drawing/2010/main" val="0"/>
+              </a:ext>
+            </a:extLst>
+          </a:blip>
+          <a:srcRect/>
+          <a:stretch>
+            <a:fillRect/>
+          </a:stretch>
+        </p:blipFill>
+        <p:spPr bwMode="auto">
+          <a:xfrm>
+            <a:off x="5501200" y="1152621"/>
+            <a:ext cx="4962526" cy="1885950"/>
+          </a:xfrm>
+          <a:prstGeom prst="rect">
+            <a:avLst/>
+          </a:prstGeom>
+          <a:noFill/>
+          <a:extLst>
+            <a:ext uri="{909E8E84-426E-40DD-AFC4-6F175D3DCCD1}">
+              <a14:hiddenFill xmlns:a14="http://schemas.microsoft.com/office/drawing/2010/main">
+                <a:solidFill>
+                  <a:srgbClr val="FFFFFF"/>
+                </a:solidFill>
+              </a14:hiddenFill>
+            </a:ext>
+          </a:extLst>
+        </p:spPr>
+      </p:pic>
+      <p:graphicFrame>
+        <p:nvGraphicFramePr>
+          <p:cNvPr id="10" name="Tabella 9"/>
+          <p:cNvGraphicFramePr>
+            <a:graphicFrameLocks noGrp="1"/>
+          </p:cNvGraphicFramePr>
+          <p:nvPr>
+            <p:extLst>
+              <p:ext uri="{D42A27DB-BD31-4B8C-83A1-F6EECF244321}">
+                <p14:modId xmlns:p14="http://schemas.microsoft.com/office/powerpoint/2010/main" val="3841581871"/>
+              </p:ext>
+            </p:extLst>
+          </p:nvPr>
+        </p:nvGraphicFramePr>
+        <p:xfrm>
+          <a:off x="323529" y="3861048"/>
+          <a:ext cx="8568951" cy="792480"/>
+        </p:xfrm>
+        <a:graphic>
+          <a:graphicData uri="http://schemas.openxmlformats.org/drawingml/2006/table">
+            <a:tbl>
+              <a:tblPr firstRow="1" bandRow="1">
+                <a:tableStyleId>{5C22544A-7EE6-4342-B048-85BDC9FD1C3A}</a:tableStyleId>
+              </a:tblPr>
+              <a:tblGrid>
+                <a:gridCol w="2856317"/>
+                <a:gridCol w="2856317"/>
+                <a:gridCol w="2856317"/>
+              </a:tblGrid>
+              <a:tr h="370840">
+                <a:tc>
+                  <a:txBody>
+                    <a:bodyPr/>
+                    <a:lstStyle/>
+                    <a:p>
+                      <a:r>
+                        <a:rPr lang="it-IT" sz="2000" b="0" dirty="0" err="1" smtClean="0">
+                          <a:solidFill>
+                            <a:schemeClr val="tx1"/>
+                          </a:solidFill>
+                        </a:rPr>
+                        <a:t>Hash</a:t>
+                      </a:r>
+                      <a:r>
+                        <a:rPr lang="it-IT" sz="2000" b="0" dirty="0" smtClean="0">
+                          <a:solidFill>
+                            <a:schemeClr val="tx1"/>
+                          </a:solidFill>
+                        </a:rPr>
+                        <a:t>:                                  1</a:t>
+                      </a:r>
+                      <a:endParaRPr lang="it-IT" sz="2000" b="0" dirty="0">
+                        <a:solidFill>
+                          <a:schemeClr val="tx1"/>
+                        </a:solidFill>
+                      </a:endParaRPr>
+                    </a:p>
+                  </a:txBody>
+                  <a:tcPr>
+                    <a:lnR w="12700" cap="flat" cmpd="sng" algn="ctr">
+                      <a:solidFill>
+                        <a:schemeClr val="tx1"/>
+                      </a:solidFill>
+                      <a:prstDash val="solid"/>
+                      <a:round/>
+                      <a:headEnd type="none" w="med" len="med"/>
+                      <a:tailEnd type="none" w="med" len="med"/>
+                    </a:lnR>
+                    <a:lnB w="12700" cap="flat" cmpd="sng" algn="ctr">
+                      <a:noFill/>
+                      <a:prstDash val="solid"/>
+                      <a:round/>
+                      <a:headEnd type="none" w="med" len="med"/>
+                      <a:tailEnd type="none" w="med" len="med"/>
+                    </a:lnB>
+                    <a:noFill/>
+                  </a:tcPr>
+                </a:tc>
+                <a:tc>
+                  <a:txBody>
+                    <a:bodyPr/>
+                    <a:lstStyle/>
+                    <a:p>
+                      <a:r>
+                        <a:rPr lang="it-IT" sz="2000" b="0" dirty="0" err="1" smtClean="0">
+                          <a:solidFill>
+                            <a:schemeClr val="tx1"/>
+                          </a:solidFill>
+                        </a:rPr>
+                        <a:t>Hash</a:t>
+                      </a:r>
+                      <a:r>
+                        <a:rPr lang="it-IT" sz="2000" b="0" dirty="0" smtClean="0">
+                          <a:solidFill>
+                            <a:schemeClr val="tx1"/>
+                          </a:solidFill>
+                        </a:rPr>
+                        <a:t>:                                  2</a:t>
+                      </a:r>
+                      <a:endParaRPr lang="it-IT" sz="2000" b="0" dirty="0">
+                        <a:solidFill>
+                          <a:schemeClr val="tx1"/>
+                        </a:solidFill>
+                      </a:endParaRPr>
+                    </a:p>
+                  </a:txBody>
+                  <a:tcPr>
+                    <a:lnL w="12700" cap="flat" cmpd="sng" algn="ctr">
+                      <a:solidFill>
+                        <a:schemeClr val="tx1"/>
+                      </a:solidFill>
+                      <a:prstDash val="solid"/>
+                      <a:round/>
+                      <a:headEnd type="none" w="med" len="med"/>
+                      <a:tailEnd type="none" w="med" len="med"/>
+                    </a:lnL>
+                    <a:lnR w="12700" cap="flat" cmpd="sng" algn="ctr">
+                      <a:solidFill>
+                        <a:schemeClr val="tx1"/>
+                      </a:solidFill>
+                      <a:prstDash val="solid"/>
+                      <a:round/>
+                      <a:headEnd type="none" w="med" len="med"/>
+                      <a:tailEnd type="none" w="med" len="med"/>
+                    </a:lnR>
+                    <a:lnB w="12700" cap="flat" cmpd="sng" algn="ctr">
+                      <a:noFill/>
+                      <a:prstDash val="solid"/>
+                      <a:round/>
+                      <a:headEnd type="none" w="med" len="med"/>
+                      <a:tailEnd type="none" w="med" len="med"/>
+                    </a:lnB>
+                    <a:noFill/>
+                  </a:tcPr>
+                </a:tc>
+                <a:tc>
+                  <a:txBody>
+                    <a:bodyPr/>
+                    <a:lstStyle/>
+                    <a:p>
+                      <a:r>
+                        <a:rPr lang="it-IT" sz="2000" b="0" dirty="0" err="1" smtClean="0">
+                          <a:solidFill>
+                            <a:schemeClr val="tx1"/>
+                          </a:solidFill>
+                        </a:rPr>
+                        <a:t>Hash</a:t>
+                      </a:r>
+                      <a:r>
+                        <a:rPr lang="it-IT" sz="2000" b="0" dirty="0" smtClean="0">
+                          <a:solidFill>
+                            <a:schemeClr val="tx1"/>
+                          </a:solidFill>
+                        </a:rPr>
+                        <a:t>:                                  3</a:t>
+                      </a:r>
+                      <a:endParaRPr lang="it-IT" sz="2000" b="0" dirty="0">
+                        <a:solidFill>
+                          <a:schemeClr val="tx1"/>
+                        </a:solidFill>
+                      </a:endParaRPr>
+                    </a:p>
+                  </a:txBody>
+                  <a:tcPr>
+                    <a:lnL w="12700" cap="flat" cmpd="sng" algn="ctr">
+                      <a:solidFill>
+                        <a:schemeClr val="tx1"/>
+                      </a:solidFill>
+                      <a:prstDash val="solid"/>
+                      <a:round/>
+                      <a:headEnd type="none" w="med" len="med"/>
+                      <a:tailEnd type="none" w="med" len="med"/>
+                    </a:lnL>
+                    <a:lnB w="12700" cap="flat" cmpd="sng" algn="ctr">
+                      <a:noFill/>
+                      <a:prstDash val="solid"/>
+                      <a:round/>
+                      <a:headEnd type="none" w="med" len="med"/>
+                      <a:tailEnd type="none" w="med" len="med"/>
+                    </a:lnB>
+                    <a:noFill/>
+                  </a:tcPr>
+                </a:tc>
+              </a:tr>
+              <a:tr h="370840">
+                <a:tc>
+                  <a:txBody>
+                    <a:bodyPr/>
+                    <a:lstStyle/>
+                    <a:p>
+                      <a:r>
+                        <a:rPr lang="it-IT" sz="2000" b="0" dirty="0" err="1" smtClean="0">
+                          <a:solidFill>
+                            <a:schemeClr val="tx1"/>
+                          </a:solidFill>
+                        </a:rPr>
+                        <a:t>Hash</a:t>
+                      </a:r>
+                      <a:r>
+                        <a:rPr lang="it-IT" sz="2000" b="0" dirty="0" smtClean="0">
+                          <a:solidFill>
+                            <a:schemeClr val="tx1"/>
+                          </a:solidFill>
+                        </a:rPr>
+                        <a:t> precedente:            0 </a:t>
+                      </a:r>
+                      <a:endParaRPr lang="it-IT" sz="2000" b="0" dirty="0">
+                        <a:solidFill>
+                          <a:schemeClr val="tx1"/>
+                        </a:solidFill>
+                      </a:endParaRPr>
+                    </a:p>
+                  </a:txBody>
+                  <a:tcPr>
+                    <a:lnR w="12700" cap="flat" cmpd="sng" algn="ctr">
+                      <a:solidFill>
+                        <a:schemeClr val="tx1"/>
+                      </a:solidFill>
+                      <a:prstDash val="solid"/>
+                      <a:round/>
+                      <a:headEnd type="none" w="med" len="med"/>
+                      <a:tailEnd type="none" w="med" len="med"/>
+                    </a:lnR>
+                    <a:lnT w="12700" cap="flat" cmpd="sng" algn="ctr">
+                      <a:noFill/>
+                      <a:prstDash val="solid"/>
+                      <a:round/>
+                      <a:headEnd type="none" w="med" len="med"/>
+                      <a:tailEnd type="none" w="med" len="med"/>
+                    </a:lnT>
+                    <a:noFill/>
+                  </a:tcPr>
+                </a:tc>
+                <a:tc>
+                  <a:txBody>
+                    <a:bodyPr/>
+                    <a:lstStyle/>
+                    <a:p>
+                      <a:r>
+                        <a:rPr lang="it-IT" sz="2000" b="0" dirty="0" err="1" smtClean="0">
+                          <a:solidFill>
+                            <a:schemeClr val="tx1"/>
+                          </a:solidFill>
+                        </a:rPr>
+                        <a:t>Hash</a:t>
+                      </a:r>
+                      <a:r>
+                        <a:rPr lang="it-IT" sz="2000" b="0" dirty="0" smtClean="0">
+                          <a:solidFill>
+                            <a:schemeClr val="tx1"/>
+                          </a:solidFill>
+                        </a:rPr>
+                        <a:t> precedente:            1</a:t>
+                      </a:r>
+                      <a:endParaRPr lang="it-IT" sz="2000" b="0" dirty="0">
+                        <a:solidFill>
+                          <a:schemeClr val="tx1"/>
+                        </a:solidFill>
+                      </a:endParaRPr>
+                    </a:p>
+                  </a:txBody>
+                  <a:tcPr>
+                    <a:lnL w="12700" cap="flat" cmpd="sng" algn="ctr">
+                      <a:solidFill>
+                        <a:schemeClr val="tx1"/>
+                      </a:solidFill>
+                      <a:prstDash val="solid"/>
+                      <a:round/>
+                      <a:headEnd type="none" w="med" len="med"/>
+                      <a:tailEnd type="none" w="med" len="med"/>
+                    </a:lnL>
+                    <a:lnR w="12700" cap="flat" cmpd="sng" algn="ctr">
+                      <a:solidFill>
+                        <a:schemeClr val="tx1"/>
+                      </a:solidFill>
+                      <a:prstDash val="solid"/>
+                      <a:round/>
+                      <a:headEnd type="none" w="med" len="med"/>
+                      <a:tailEnd type="none" w="med" len="med"/>
+                    </a:lnR>
+                    <a:lnT w="12700" cap="flat" cmpd="sng" algn="ctr">
+                      <a:noFill/>
+                      <a:prstDash val="solid"/>
+                      <a:round/>
+                      <a:headEnd type="none" w="med" len="med"/>
+                      <a:tailEnd type="none" w="med" len="med"/>
+                    </a:lnT>
+                    <a:noFill/>
+                  </a:tcPr>
+                </a:tc>
+                <a:tc>
+                  <a:txBody>
+                    <a:bodyPr/>
+                    <a:lstStyle/>
+                    <a:p>
+                      <a:r>
+                        <a:rPr lang="it-IT" sz="2000" b="0" dirty="0" err="1" smtClean="0">
+                          <a:solidFill>
+                            <a:schemeClr val="tx1"/>
+                          </a:solidFill>
+                        </a:rPr>
+                        <a:t>Hash</a:t>
+                      </a:r>
+                      <a:r>
+                        <a:rPr lang="it-IT" sz="2000" b="0" baseline="0" dirty="0" smtClean="0">
+                          <a:solidFill>
+                            <a:schemeClr val="tx1"/>
+                          </a:solidFill>
+                        </a:rPr>
+                        <a:t> precedente:            2</a:t>
+                      </a:r>
+                      <a:endParaRPr lang="it-IT" sz="2000" b="0" dirty="0">
+                        <a:solidFill>
+                          <a:schemeClr val="tx1"/>
+                        </a:solidFill>
+                      </a:endParaRPr>
+                    </a:p>
+                  </a:txBody>
+                  <a:tcPr>
+                    <a:lnL w="12700" cap="flat" cmpd="sng" algn="ctr">
+                      <a:solidFill>
+                        <a:schemeClr val="tx1"/>
+                      </a:solidFill>
+                      <a:prstDash val="solid"/>
+                      <a:round/>
+                      <a:headEnd type="none" w="med" len="med"/>
+                      <a:tailEnd type="none" w="med" len="med"/>
+                    </a:lnL>
+                    <a:lnT w="12700" cap="flat" cmpd="sng" algn="ctr">
+                      <a:noFill/>
+                      <a:prstDash val="solid"/>
+                      <a:round/>
+                      <a:headEnd type="none" w="med" len="med"/>
+                      <a:tailEnd type="none" w="med" len="med"/>
+                    </a:lnT>
+                    <a:noFill/>
+                  </a:tcPr>
+                </a:tc>
+              </a:tr>
+            </a:tbl>
+          </a:graphicData>
+        </a:graphic>
+      </p:graphicFrame>
+      <p:sp>
+        <p:nvSpPr>
+          <p:cNvPr id="11" name="CasellaDiTesto 10"/>
+          <p:cNvSpPr txBox="1"/>
+          <p:nvPr/>
+        </p:nvSpPr>
+        <p:spPr>
+          <a:xfrm>
+            <a:off x="1187624" y="1383159"/>
+            <a:ext cx="360040" cy="461665"/>
+          </a:xfrm>
+          <a:prstGeom prst="rect">
+            <a:avLst/>
+          </a:prstGeom>
+          <a:noFill/>
+        </p:spPr>
+        <p:txBody>
+          <a:bodyPr wrap="square" rtlCol="0">
+            <a:spAutoFit/>
+          </a:bodyPr>
+          <a:lstStyle/>
+          <a:p>
+            <a:r>
+              <a:rPr lang="it-IT" sz="2400" dirty="0" smtClean="0">
+                <a:solidFill>
+                  <a:schemeClr val="bg1"/>
+                </a:solidFill>
+              </a:rPr>
+              <a:t>1</a:t>
+            </a:r>
+            <a:endParaRPr lang="it-IT" sz="2400" dirty="0">
+              <a:solidFill>
+                <a:schemeClr val="bg1"/>
+              </a:solidFill>
+            </a:endParaRPr>
+          </a:p>
+        </p:txBody>
+      </p:sp>
+      <p:sp>
+        <p:nvSpPr>
+          <p:cNvPr id="12" name="CasellaDiTesto 11"/>
+          <p:cNvSpPr txBox="1"/>
+          <p:nvPr/>
+        </p:nvSpPr>
+        <p:spPr>
+          <a:xfrm>
+            <a:off x="4496978" y="1388498"/>
+            <a:ext cx="360040" cy="461665"/>
+          </a:xfrm>
+          <a:prstGeom prst="rect">
+            <a:avLst/>
+          </a:prstGeom>
+          <a:noFill/>
+        </p:spPr>
+        <p:txBody>
+          <a:bodyPr wrap="square" rtlCol="0">
+            <a:spAutoFit/>
+          </a:bodyPr>
+          <a:lstStyle/>
+          <a:p>
+            <a:r>
+              <a:rPr lang="it-IT" sz="2400" dirty="0" smtClean="0">
+                <a:solidFill>
+                  <a:schemeClr val="bg1"/>
+                </a:solidFill>
+              </a:rPr>
+              <a:t>2</a:t>
+            </a:r>
+            <a:endParaRPr lang="it-IT" sz="2400" dirty="0">
+              <a:solidFill>
+                <a:schemeClr val="bg1"/>
+              </a:solidFill>
+            </a:endParaRPr>
+          </a:p>
+        </p:txBody>
+      </p:sp>
+      <p:sp>
+        <p:nvSpPr>
+          <p:cNvPr id="13" name="CasellaDiTesto 12"/>
+          <p:cNvSpPr txBox="1"/>
+          <p:nvPr/>
+        </p:nvSpPr>
+        <p:spPr>
+          <a:xfrm>
+            <a:off x="7802443" y="1380522"/>
+            <a:ext cx="360040" cy="461665"/>
+          </a:xfrm>
+          <a:prstGeom prst="rect">
+            <a:avLst/>
+          </a:prstGeom>
+          <a:noFill/>
+        </p:spPr>
+        <p:txBody>
+          <a:bodyPr wrap="square" rtlCol="0">
+            <a:spAutoFit/>
+          </a:bodyPr>
+          <a:lstStyle/>
+          <a:p>
+            <a:r>
+              <a:rPr lang="it-IT" sz="2400" dirty="0">
+                <a:solidFill>
+                  <a:schemeClr val="bg1"/>
+                </a:solidFill>
+              </a:rPr>
+              <a:t>3</a:t>
+            </a:r>
+          </a:p>
+        </p:txBody>
+      </p:sp>
+    </p:spTree>
+    <p:extLst>
+      <p:ext uri="{BB962C8B-B14F-4D97-AF65-F5344CB8AC3E}">
+        <p14:creationId xmlns:p14="http://schemas.microsoft.com/office/powerpoint/2010/main" val="481537396"/>
+      </p:ext>
+    </p:extLst>
+  </p:cSld>
+  <p:clrMapOvr>
+    <a:masterClrMapping/>
+  </p:clrMapOvr>
+  <p:timing>
+    <p:tnLst>
+      <p:par>
+        <p:cTn id="1" dur="indefinite" restart="never" nodeType="tmRoot"/>
+      </p:par>
+    </p:tnLst>
+  </p:timing>
 </p:sld>
 </file>
 
@@ -5010,6 +11845,1619 @@
     <p:extLst>
       <p:ext uri="{BB962C8B-B14F-4D97-AF65-F5344CB8AC3E}">
         <p14:creationId xmlns:p14="http://schemas.microsoft.com/office/powerpoint/2010/main" val="1535604335"/>
+      </p:ext>
+    </p:extLst>
+  </p:cSld>
+  <p:clrMapOvr>
+    <a:masterClrMapping/>
+  </p:clrMapOvr>
+  <p:timing>
+    <p:tnLst>
+      <p:par>
+        <p:cTn id="1" dur="indefinite" restart="never" nodeType="tmRoot"/>
+      </p:par>
+    </p:tnLst>
+  </p:timing>
+</p:sld>
+</file>
+
+<file path=ppt/slides/slide20.xml><?xml version="1.0" encoding="utf-8"?>
+<p:sld xmlns:a="http://schemas.openxmlformats.org/drawingml/2006/main" xmlns:r="http://schemas.openxmlformats.org/officeDocument/2006/relationships" xmlns:p="http://schemas.openxmlformats.org/presentationml/2006/main">
+  <p:cSld>
+    <p:spTree>
+      <p:nvGrpSpPr>
+        <p:cNvPr id="1" name=""/>
+        <p:cNvGrpSpPr/>
+        <p:nvPr/>
+      </p:nvGrpSpPr>
+      <p:grpSpPr>
+        <a:xfrm>
+          <a:off x="0" y="0"/>
+          <a:ext cx="0" cy="0"/>
+          <a:chOff x="0" y="0"/>
+          <a:chExt cx="0" cy="0"/>
+        </a:xfrm>
+      </p:grpSpPr>
+      <p:sp>
+        <p:nvSpPr>
+          <p:cNvPr id="3" name="Titolo verticale 2"/>
+          <p:cNvSpPr>
+            <a:spLocks noGrp="1"/>
+          </p:cNvSpPr>
+          <p:nvPr>
+            <p:ph type="title" orient="vert"/>
+          </p:nvPr>
+        </p:nvSpPr>
+        <p:spPr/>
+        <p:txBody>
+          <a:bodyPr/>
+          <a:lstStyle/>
+          <a:p>
+            <a:r>
+              <a:rPr lang="it-IT" dirty="0" err="1" smtClean="0"/>
+              <a:t>Blockchain</a:t>
+            </a:r>
+            <a:r>
+              <a:rPr lang="it-IT" dirty="0" smtClean="0"/>
+              <a:t> - Esempio</a:t>
+            </a:r>
+            <a:endParaRPr lang="it-IT" dirty="0"/>
+          </a:p>
+        </p:txBody>
+      </p:sp>
+      <p:pic>
+        <p:nvPicPr>
+          <p:cNvPr id="4" name="Picture 2" descr="Risultati immagini per block chain"/>
+          <p:cNvPicPr>
+            <a:picLocks noChangeAspect="1" noChangeArrowheads="1"/>
+          </p:cNvPicPr>
+          <p:nvPr/>
+        </p:nvPicPr>
+        <p:blipFill>
+          <a:blip r:embed="rId3">
+            <a:extLst>
+              <a:ext uri="{28A0092B-C50C-407E-A947-70E740481C1C}">
+                <a14:useLocalDpi xmlns:a14="http://schemas.microsoft.com/office/drawing/2010/main" val="0"/>
+              </a:ext>
+            </a:extLst>
+          </a:blip>
+          <a:srcRect/>
+          <a:stretch>
+            <a:fillRect/>
+          </a:stretch>
+        </p:blipFill>
+        <p:spPr bwMode="auto">
+          <a:xfrm>
+            <a:off x="2195736" y="1124744"/>
+            <a:ext cx="4962525" cy="1885950"/>
+          </a:xfrm>
+          <a:prstGeom prst="rect">
+            <a:avLst/>
+          </a:prstGeom>
+          <a:noFill/>
+          <a:extLst>
+            <a:ext uri="{909E8E84-426E-40DD-AFC4-6F175D3DCCD1}">
+              <a14:hiddenFill xmlns:a14="http://schemas.microsoft.com/office/drawing/2010/main">
+                <a:solidFill>
+                  <a:srgbClr val="FFFFFF"/>
+                </a:solidFill>
+              </a14:hiddenFill>
+            </a:ext>
+          </a:extLst>
+        </p:spPr>
+      </p:pic>
+      <p:pic>
+        <p:nvPicPr>
+          <p:cNvPr id="5" name="Picture 3" descr="C:\Users\higla\Downloads\BlockNoChain.gif"/>
+          <p:cNvPicPr>
+            <a:picLocks noChangeAspect="1" noChangeArrowheads="1"/>
+          </p:cNvPicPr>
+          <p:nvPr/>
+        </p:nvPicPr>
+        <p:blipFill>
+          <a:blip r:embed="rId4">
+            <a:extLst>
+              <a:ext uri="{28A0092B-C50C-407E-A947-70E740481C1C}">
+                <a14:useLocalDpi xmlns:a14="http://schemas.microsoft.com/office/drawing/2010/main" val="0"/>
+              </a:ext>
+            </a:extLst>
+          </a:blip>
+          <a:srcRect/>
+          <a:stretch>
+            <a:fillRect/>
+          </a:stretch>
+        </p:blipFill>
+        <p:spPr bwMode="auto">
+          <a:xfrm>
+            <a:off x="-1116632" y="1162894"/>
+            <a:ext cx="4962526" cy="1885950"/>
+          </a:xfrm>
+          <a:prstGeom prst="rect">
+            <a:avLst/>
+          </a:prstGeom>
+          <a:noFill/>
+          <a:extLst>
+            <a:ext uri="{909E8E84-426E-40DD-AFC4-6F175D3DCCD1}">
+              <a14:hiddenFill xmlns:a14="http://schemas.microsoft.com/office/drawing/2010/main">
+                <a:solidFill>
+                  <a:srgbClr val="FFFFFF"/>
+                </a:solidFill>
+              </a14:hiddenFill>
+            </a:ext>
+          </a:extLst>
+        </p:spPr>
+      </p:pic>
+      <p:pic>
+        <p:nvPicPr>
+          <p:cNvPr id="6" name="Picture 3" descr="C:\Users\higla\Downloads\BlockNoChain.gif"/>
+          <p:cNvPicPr>
+            <a:picLocks noChangeAspect="1" noChangeArrowheads="1"/>
+          </p:cNvPicPr>
+          <p:nvPr/>
+        </p:nvPicPr>
+        <p:blipFill>
+          <a:blip r:embed="rId4">
+            <a:extLst>
+              <a:ext uri="{28A0092B-C50C-407E-A947-70E740481C1C}">
+                <a14:useLocalDpi xmlns:a14="http://schemas.microsoft.com/office/drawing/2010/main" val="0"/>
+              </a:ext>
+            </a:extLst>
+          </a:blip>
+          <a:srcRect/>
+          <a:stretch>
+            <a:fillRect/>
+          </a:stretch>
+        </p:blipFill>
+        <p:spPr bwMode="auto">
+          <a:xfrm>
+            <a:off x="5501200" y="1152621"/>
+            <a:ext cx="4962526" cy="1885950"/>
+          </a:xfrm>
+          <a:prstGeom prst="rect">
+            <a:avLst/>
+          </a:prstGeom>
+          <a:noFill/>
+          <a:extLst>
+            <a:ext uri="{909E8E84-426E-40DD-AFC4-6F175D3DCCD1}">
+              <a14:hiddenFill xmlns:a14="http://schemas.microsoft.com/office/drawing/2010/main">
+                <a:solidFill>
+                  <a:srgbClr val="FFFFFF"/>
+                </a:solidFill>
+              </a14:hiddenFill>
+            </a:ext>
+          </a:extLst>
+        </p:spPr>
+      </p:pic>
+      <p:graphicFrame>
+        <p:nvGraphicFramePr>
+          <p:cNvPr id="10" name="Tabella 9"/>
+          <p:cNvGraphicFramePr>
+            <a:graphicFrameLocks noGrp="1"/>
+          </p:cNvGraphicFramePr>
+          <p:nvPr>
+            <p:extLst>
+              <p:ext uri="{D42A27DB-BD31-4B8C-83A1-F6EECF244321}">
+                <p14:modId xmlns:p14="http://schemas.microsoft.com/office/powerpoint/2010/main" val="3944881417"/>
+              </p:ext>
+            </p:extLst>
+          </p:nvPr>
+        </p:nvGraphicFramePr>
+        <p:xfrm>
+          <a:off x="323529" y="3861048"/>
+          <a:ext cx="8568951" cy="792480"/>
+        </p:xfrm>
+        <a:graphic>
+          <a:graphicData uri="http://schemas.openxmlformats.org/drawingml/2006/table">
+            <a:tbl>
+              <a:tblPr firstRow="1" bandRow="1">
+                <a:tableStyleId>{5C22544A-7EE6-4342-B048-85BDC9FD1C3A}</a:tableStyleId>
+              </a:tblPr>
+              <a:tblGrid>
+                <a:gridCol w="2856317"/>
+                <a:gridCol w="2856317"/>
+                <a:gridCol w="2856317"/>
+              </a:tblGrid>
+              <a:tr h="370840">
+                <a:tc>
+                  <a:txBody>
+                    <a:bodyPr/>
+                    <a:lstStyle/>
+                    <a:p>
+                      <a:r>
+                        <a:rPr lang="it-IT" sz="2000" b="0" dirty="0" err="1" smtClean="0">
+                          <a:solidFill>
+                            <a:schemeClr val="tx1"/>
+                          </a:solidFill>
+                        </a:rPr>
+                        <a:t>Hash</a:t>
+                      </a:r>
+                      <a:r>
+                        <a:rPr lang="it-IT" sz="2000" b="0" dirty="0" smtClean="0">
+                          <a:solidFill>
+                            <a:schemeClr val="tx1"/>
+                          </a:solidFill>
+                        </a:rPr>
+                        <a:t>:                               A1</a:t>
+                      </a:r>
+                      <a:endParaRPr lang="it-IT" sz="2000" b="0" dirty="0">
+                        <a:solidFill>
+                          <a:schemeClr val="tx1"/>
+                        </a:solidFill>
+                      </a:endParaRPr>
+                    </a:p>
+                  </a:txBody>
+                  <a:tcPr>
+                    <a:lnR w="12700" cap="flat" cmpd="sng" algn="ctr">
+                      <a:solidFill>
+                        <a:schemeClr val="tx1"/>
+                      </a:solidFill>
+                      <a:prstDash val="solid"/>
+                      <a:round/>
+                      <a:headEnd type="none" w="med" len="med"/>
+                      <a:tailEnd type="none" w="med" len="med"/>
+                    </a:lnR>
+                    <a:lnB w="12700" cap="flat" cmpd="sng" algn="ctr">
+                      <a:noFill/>
+                      <a:prstDash val="solid"/>
+                      <a:round/>
+                      <a:headEnd type="none" w="med" len="med"/>
+                      <a:tailEnd type="none" w="med" len="med"/>
+                    </a:lnB>
+                    <a:noFill/>
+                  </a:tcPr>
+                </a:tc>
+                <a:tc>
+                  <a:txBody>
+                    <a:bodyPr/>
+                    <a:lstStyle/>
+                    <a:p>
+                      <a:r>
+                        <a:rPr lang="it-IT" sz="2000" b="0" dirty="0" err="1" smtClean="0">
+                          <a:solidFill>
+                            <a:schemeClr val="tx1"/>
+                          </a:solidFill>
+                        </a:rPr>
+                        <a:t>Hash</a:t>
+                      </a:r>
+                      <a:r>
+                        <a:rPr lang="it-IT" sz="2000" b="0" dirty="0" smtClean="0">
+                          <a:solidFill>
+                            <a:schemeClr val="tx1"/>
+                          </a:solidFill>
+                        </a:rPr>
+                        <a:t>:                               A2</a:t>
+                      </a:r>
+                      <a:endParaRPr lang="it-IT" sz="2000" b="0" dirty="0">
+                        <a:solidFill>
+                          <a:schemeClr val="tx1"/>
+                        </a:solidFill>
+                      </a:endParaRPr>
+                    </a:p>
+                  </a:txBody>
+                  <a:tcPr>
+                    <a:lnL w="12700" cap="flat" cmpd="sng" algn="ctr">
+                      <a:solidFill>
+                        <a:schemeClr val="tx1"/>
+                      </a:solidFill>
+                      <a:prstDash val="solid"/>
+                      <a:round/>
+                      <a:headEnd type="none" w="med" len="med"/>
+                      <a:tailEnd type="none" w="med" len="med"/>
+                    </a:lnL>
+                    <a:lnR w="12700" cap="flat" cmpd="sng" algn="ctr">
+                      <a:solidFill>
+                        <a:schemeClr val="tx1"/>
+                      </a:solidFill>
+                      <a:prstDash val="solid"/>
+                      <a:round/>
+                      <a:headEnd type="none" w="med" len="med"/>
+                      <a:tailEnd type="none" w="med" len="med"/>
+                    </a:lnR>
+                    <a:lnB w="12700" cap="flat" cmpd="sng" algn="ctr">
+                      <a:noFill/>
+                      <a:prstDash val="solid"/>
+                      <a:round/>
+                      <a:headEnd type="none" w="med" len="med"/>
+                      <a:tailEnd type="none" w="med" len="med"/>
+                    </a:lnB>
+                    <a:noFill/>
+                  </a:tcPr>
+                </a:tc>
+                <a:tc>
+                  <a:txBody>
+                    <a:bodyPr/>
+                    <a:lstStyle/>
+                    <a:p>
+                      <a:r>
+                        <a:rPr lang="it-IT" sz="2000" b="0" dirty="0" err="1" smtClean="0">
+                          <a:solidFill>
+                            <a:schemeClr val="tx1"/>
+                          </a:solidFill>
+                        </a:rPr>
+                        <a:t>Hash</a:t>
+                      </a:r>
+                      <a:r>
+                        <a:rPr lang="it-IT" sz="2000" b="0" dirty="0" smtClean="0">
+                          <a:solidFill>
+                            <a:schemeClr val="tx1"/>
+                          </a:solidFill>
+                        </a:rPr>
+                        <a:t>:                               A3</a:t>
+                      </a:r>
+                      <a:endParaRPr lang="it-IT" sz="2000" b="0" dirty="0">
+                        <a:solidFill>
+                          <a:schemeClr val="tx1"/>
+                        </a:solidFill>
+                      </a:endParaRPr>
+                    </a:p>
+                  </a:txBody>
+                  <a:tcPr>
+                    <a:lnL w="12700" cap="flat" cmpd="sng" algn="ctr">
+                      <a:solidFill>
+                        <a:schemeClr val="tx1"/>
+                      </a:solidFill>
+                      <a:prstDash val="solid"/>
+                      <a:round/>
+                      <a:headEnd type="none" w="med" len="med"/>
+                      <a:tailEnd type="none" w="med" len="med"/>
+                    </a:lnL>
+                    <a:lnB w="12700" cap="flat" cmpd="sng" algn="ctr">
+                      <a:noFill/>
+                      <a:prstDash val="solid"/>
+                      <a:round/>
+                      <a:headEnd type="none" w="med" len="med"/>
+                      <a:tailEnd type="none" w="med" len="med"/>
+                    </a:lnB>
+                    <a:noFill/>
+                  </a:tcPr>
+                </a:tc>
+              </a:tr>
+              <a:tr h="370840">
+                <a:tc>
+                  <a:txBody>
+                    <a:bodyPr/>
+                    <a:lstStyle/>
+                    <a:p>
+                      <a:r>
+                        <a:rPr lang="it-IT" sz="2000" b="0" dirty="0" err="1" smtClean="0">
+                          <a:solidFill>
+                            <a:schemeClr val="tx1"/>
+                          </a:solidFill>
+                        </a:rPr>
+                        <a:t>Hash</a:t>
+                      </a:r>
+                      <a:r>
+                        <a:rPr lang="it-IT" sz="2000" b="0" dirty="0" smtClean="0">
+                          <a:solidFill>
+                            <a:schemeClr val="tx1"/>
+                          </a:solidFill>
+                        </a:rPr>
+                        <a:t> precedente:            0 </a:t>
+                      </a:r>
+                      <a:endParaRPr lang="it-IT" sz="2000" b="0" dirty="0">
+                        <a:solidFill>
+                          <a:schemeClr val="tx1"/>
+                        </a:solidFill>
+                      </a:endParaRPr>
+                    </a:p>
+                  </a:txBody>
+                  <a:tcPr>
+                    <a:lnR w="12700" cap="flat" cmpd="sng" algn="ctr">
+                      <a:solidFill>
+                        <a:schemeClr val="tx1"/>
+                      </a:solidFill>
+                      <a:prstDash val="solid"/>
+                      <a:round/>
+                      <a:headEnd type="none" w="med" len="med"/>
+                      <a:tailEnd type="none" w="med" len="med"/>
+                    </a:lnR>
+                    <a:lnT w="12700" cap="flat" cmpd="sng" algn="ctr">
+                      <a:noFill/>
+                      <a:prstDash val="solid"/>
+                      <a:round/>
+                      <a:headEnd type="none" w="med" len="med"/>
+                      <a:tailEnd type="none" w="med" len="med"/>
+                    </a:lnT>
+                    <a:noFill/>
+                  </a:tcPr>
+                </a:tc>
+                <a:tc>
+                  <a:txBody>
+                    <a:bodyPr/>
+                    <a:lstStyle/>
+                    <a:p>
+                      <a:r>
+                        <a:rPr lang="it-IT" sz="2000" b="0" dirty="0" err="1" smtClean="0">
+                          <a:solidFill>
+                            <a:schemeClr val="tx1"/>
+                          </a:solidFill>
+                        </a:rPr>
+                        <a:t>Hash</a:t>
+                      </a:r>
+                      <a:r>
+                        <a:rPr lang="it-IT" sz="2000" b="0" dirty="0" smtClean="0">
+                          <a:solidFill>
+                            <a:schemeClr val="tx1"/>
+                          </a:solidFill>
+                        </a:rPr>
+                        <a:t> precedente:            1</a:t>
+                      </a:r>
+                      <a:endParaRPr lang="it-IT" sz="2000" b="0" dirty="0">
+                        <a:solidFill>
+                          <a:schemeClr val="tx1"/>
+                        </a:solidFill>
+                      </a:endParaRPr>
+                    </a:p>
+                  </a:txBody>
+                  <a:tcPr>
+                    <a:lnL w="12700" cap="flat" cmpd="sng" algn="ctr">
+                      <a:solidFill>
+                        <a:schemeClr val="tx1"/>
+                      </a:solidFill>
+                      <a:prstDash val="solid"/>
+                      <a:round/>
+                      <a:headEnd type="none" w="med" len="med"/>
+                      <a:tailEnd type="none" w="med" len="med"/>
+                    </a:lnL>
+                    <a:lnR w="12700" cap="flat" cmpd="sng" algn="ctr">
+                      <a:solidFill>
+                        <a:schemeClr val="tx1"/>
+                      </a:solidFill>
+                      <a:prstDash val="solid"/>
+                      <a:round/>
+                      <a:headEnd type="none" w="med" len="med"/>
+                      <a:tailEnd type="none" w="med" len="med"/>
+                    </a:lnR>
+                    <a:lnT w="12700" cap="flat" cmpd="sng" algn="ctr">
+                      <a:noFill/>
+                      <a:prstDash val="solid"/>
+                      <a:round/>
+                      <a:headEnd type="none" w="med" len="med"/>
+                      <a:tailEnd type="none" w="med" len="med"/>
+                    </a:lnT>
+                    <a:noFill/>
+                  </a:tcPr>
+                </a:tc>
+                <a:tc>
+                  <a:txBody>
+                    <a:bodyPr/>
+                    <a:lstStyle/>
+                    <a:p>
+                      <a:r>
+                        <a:rPr lang="it-IT" sz="2000" b="0" dirty="0" err="1" smtClean="0">
+                          <a:solidFill>
+                            <a:schemeClr val="tx1"/>
+                          </a:solidFill>
+                        </a:rPr>
+                        <a:t>Hash</a:t>
+                      </a:r>
+                      <a:r>
+                        <a:rPr lang="it-IT" sz="2000" b="0" baseline="0" dirty="0" smtClean="0">
+                          <a:solidFill>
+                            <a:schemeClr val="tx1"/>
+                          </a:solidFill>
+                        </a:rPr>
+                        <a:t> precedente:            2</a:t>
+                      </a:r>
+                      <a:endParaRPr lang="it-IT" sz="2000" b="0" dirty="0">
+                        <a:solidFill>
+                          <a:schemeClr val="tx1"/>
+                        </a:solidFill>
+                      </a:endParaRPr>
+                    </a:p>
+                  </a:txBody>
+                  <a:tcPr>
+                    <a:lnL w="12700" cap="flat" cmpd="sng" algn="ctr">
+                      <a:solidFill>
+                        <a:schemeClr val="tx1"/>
+                      </a:solidFill>
+                      <a:prstDash val="solid"/>
+                      <a:round/>
+                      <a:headEnd type="none" w="med" len="med"/>
+                      <a:tailEnd type="none" w="med" len="med"/>
+                    </a:lnL>
+                    <a:lnT w="12700" cap="flat" cmpd="sng" algn="ctr">
+                      <a:noFill/>
+                      <a:prstDash val="solid"/>
+                      <a:round/>
+                      <a:headEnd type="none" w="med" len="med"/>
+                      <a:tailEnd type="none" w="med" len="med"/>
+                    </a:lnT>
+                    <a:noFill/>
+                  </a:tcPr>
+                </a:tc>
+              </a:tr>
+            </a:tbl>
+          </a:graphicData>
+        </a:graphic>
+      </p:graphicFrame>
+      <p:sp>
+        <p:nvSpPr>
+          <p:cNvPr id="11" name="CasellaDiTesto 10"/>
+          <p:cNvSpPr txBox="1"/>
+          <p:nvPr/>
+        </p:nvSpPr>
+        <p:spPr>
+          <a:xfrm>
+            <a:off x="1187624" y="1383159"/>
+            <a:ext cx="360040" cy="461665"/>
+          </a:xfrm>
+          <a:prstGeom prst="rect">
+            <a:avLst/>
+          </a:prstGeom>
+          <a:noFill/>
+        </p:spPr>
+        <p:txBody>
+          <a:bodyPr wrap="square" rtlCol="0">
+            <a:spAutoFit/>
+          </a:bodyPr>
+          <a:lstStyle/>
+          <a:p>
+            <a:r>
+              <a:rPr lang="it-IT" sz="2400" dirty="0" smtClean="0">
+                <a:solidFill>
+                  <a:schemeClr val="bg1"/>
+                </a:solidFill>
+              </a:rPr>
+              <a:t>1</a:t>
+            </a:r>
+            <a:endParaRPr lang="it-IT" sz="2400" dirty="0">
+              <a:solidFill>
+                <a:schemeClr val="bg1"/>
+              </a:solidFill>
+            </a:endParaRPr>
+          </a:p>
+        </p:txBody>
+      </p:sp>
+      <p:sp>
+        <p:nvSpPr>
+          <p:cNvPr id="12" name="CasellaDiTesto 11"/>
+          <p:cNvSpPr txBox="1"/>
+          <p:nvPr/>
+        </p:nvSpPr>
+        <p:spPr>
+          <a:xfrm>
+            <a:off x="4496978" y="1388498"/>
+            <a:ext cx="360040" cy="461665"/>
+          </a:xfrm>
+          <a:prstGeom prst="rect">
+            <a:avLst/>
+          </a:prstGeom>
+          <a:noFill/>
+        </p:spPr>
+        <p:txBody>
+          <a:bodyPr wrap="square" rtlCol="0">
+            <a:spAutoFit/>
+          </a:bodyPr>
+          <a:lstStyle/>
+          <a:p>
+            <a:r>
+              <a:rPr lang="it-IT" sz="2400" dirty="0" smtClean="0">
+                <a:solidFill>
+                  <a:schemeClr val="bg1"/>
+                </a:solidFill>
+              </a:rPr>
+              <a:t>2</a:t>
+            </a:r>
+            <a:endParaRPr lang="it-IT" sz="2400" dirty="0">
+              <a:solidFill>
+                <a:schemeClr val="bg1"/>
+              </a:solidFill>
+            </a:endParaRPr>
+          </a:p>
+        </p:txBody>
+      </p:sp>
+      <p:sp>
+        <p:nvSpPr>
+          <p:cNvPr id="13" name="CasellaDiTesto 12"/>
+          <p:cNvSpPr txBox="1"/>
+          <p:nvPr/>
+        </p:nvSpPr>
+        <p:spPr>
+          <a:xfrm>
+            <a:off x="7802443" y="1380522"/>
+            <a:ext cx="360040" cy="461665"/>
+          </a:xfrm>
+          <a:prstGeom prst="rect">
+            <a:avLst/>
+          </a:prstGeom>
+          <a:noFill/>
+        </p:spPr>
+        <p:txBody>
+          <a:bodyPr wrap="square" rtlCol="0">
+            <a:spAutoFit/>
+          </a:bodyPr>
+          <a:lstStyle/>
+          <a:p>
+            <a:r>
+              <a:rPr lang="it-IT" sz="2400" dirty="0">
+                <a:solidFill>
+                  <a:schemeClr val="bg1"/>
+                </a:solidFill>
+              </a:rPr>
+              <a:t>3</a:t>
+            </a:r>
+          </a:p>
+        </p:txBody>
+      </p:sp>
+    </p:spTree>
+    <p:extLst>
+      <p:ext uri="{BB962C8B-B14F-4D97-AF65-F5344CB8AC3E}">
+        <p14:creationId xmlns:p14="http://schemas.microsoft.com/office/powerpoint/2010/main" val="4110333618"/>
+      </p:ext>
+    </p:extLst>
+  </p:cSld>
+  <p:clrMapOvr>
+    <a:masterClrMapping/>
+  </p:clrMapOvr>
+  <p:timing>
+    <p:tnLst>
+      <p:par>
+        <p:cTn id="1" dur="indefinite" restart="never" nodeType="tmRoot"/>
+      </p:par>
+    </p:tnLst>
+  </p:timing>
+</p:sld>
+</file>
+
+<file path=ppt/slides/slide21.xml><?xml version="1.0" encoding="utf-8"?>
+<p:sld xmlns:a="http://schemas.openxmlformats.org/drawingml/2006/main" xmlns:r="http://schemas.openxmlformats.org/officeDocument/2006/relationships" xmlns:p="http://schemas.openxmlformats.org/presentationml/2006/main">
+  <p:cSld>
+    <p:spTree>
+      <p:nvGrpSpPr>
+        <p:cNvPr id="1" name=""/>
+        <p:cNvGrpSpPr/>
+        <p:nvPr/>
+      </p:nvGrpSpPr>
+      <p:grpSpPr>
+        <a:xfrm>
+          <a:off x="0" y="0"/>
+          <a:ext cx="0" cy="0"/>
+          <a:chOff x="0" y="0"/>
+          <a:chExt cx="0" cy="0"/>
+        </a:xfrm>
+      </p:grpSpPr>
+      <p:sp>
+        <p:nvSpPr>
+          <p:cNvPr id="3" name="Titolo verticale 2"/>
+          <p:cNvSpPr>
+            <a:spLocks noGrp="1"/>
+          </p:cNvSpPr>
+          <p:nvPr>
+            <p:ph type="title" orient="vert"/>
+          </p:nvPr>
+        </p:nvSpPr>
+        <p:spPr/>
+        <p:txBody>
+          <a:bodyPr/>
+          <a:lstStyle/>
+          <a:p>
+            <a:r>
+              <a:rPr lang="it-IT" dirty="0" err="1" smtClean="0"/>
+              <a:t>Blockchain</a:t>
+            </a:r>
+            <a:r>
+              <a:rPr lang="it-IT" dirty="0" smtClean="0"/>
+              <a:t> – </a:t>
+            </a:r>
+            <a:r>
+              <a:rPr lang="it-IT" dirty="0" err="1" smtClean="0"/>
+              <a:t>Proof</a:t>
+            </a:r>
+            <a:r>
+              <a:rPr lang="it-IT" dirty="0" smtClean="0"/>
+              <a:t> Of Work</a:t>
+            </a:r>
+            <a:endParaRPr lang="it-IT" dirty="0"/>
+          </a:p>
+        </p:txBody>
+      </p:sp>
+      <p:pic>
+        <p:nvPicPr>
+          <p:cNvPr id="4" name="Picture 2" descr="Risultati immagini per block chain"/>
+          <p:cNvPicPr>
+            <a:picLocks noChangeAspect="1" noChangeArrowheads="1"/>
+          </p:cNvPicPr>
+          <p:nvPr/>
+        </p:nvPicPr>
+        <p:blipFill>
+          <a:blip r:embed="rId3">
+            <a:extLst>
+              <a:ext uri="{28A0092B-C50C-407E-A947-70E740481C1C}">
+                <a14:useLocalDpi xmlns:a14="http://schemas.microsoft.com/office/drawing/2010/main" val="0"/>
+              </a:ext>
+            </a:extLst>
+          </a:blip>
+          <a:srcRect/>
+          <a:stretch>
+            <a:fillRect/>
+          </a:stretch>
+        </p:blipFill>
+        <p:spPr bwMode="auto">
+          <a:xfrm>
+            <a:off x="2195736" y="1124744"/>
+            <a:ext cx="4962525" cy="1885950"/>
+          </a:xfrm>
+          <a:prstGeom prst="rect">
+            <a:avLst/>
+          </a:prstGeom>
+          <a:noFill/>
+          <a:extLst>
+            <a:ext uri="{909E8E84-426E-40DD-AFC4-6F175D3DCCD1}">
+              <a14:hiddenFill xmlns:a14="http://schemas.microsoft.com/office/drawing/2010/main">
+                <a:solidFill>
+                  <a:srgbClr val="FFFFFF"/>
+                </a:solidFill>
+              </a14:hiddenFill>
+            </a:ext>
+          </a:extLst>
+        </p:spPr>
+      </p:pic>
+      <p:pic>
+        <p:nvPicPr>
+          <p:cNvPr id="5" name="Picture 3" descr="C:\Users\higla\Downloads\BlockNoChain.gif"/>
+          <p:cNvPicPr>
+            <a:picLocks noChangeAspect="1" noChangeArrowheads="1"/>
+          </p:cNvPicPr>
+          <p:nvPr/>
+        </p:nvPicPr>
+        <p:blipFill>
+          <a:blip r:embed="rId4">
+            <a:extLst>
+              <a:ext uri="{28A0092B-C50C-407E-A947-70E740481C1C}">
+                <a14:useLocalDpi xmlns:a14="http://schemas.microsoft.com/office/drawing/2010/main" val="0"/>
+              </a:ext>
+            </a:extLst>
+          </a:blip>
+          <a:srcRect/>
+          <a:stretch>
+            <a:fillRect/>
+          </a:stretch>
+        </p:blipFill>
+        <p:spPr bwMode="auto">
+          <a:xfrm>
+            <a:off x="-1116632" y="1162894"/>
+            <a:ext cx="4962526" cy="1885950"/>
+          </a:xfrm>
+          <a:prstGeom prst="rect">
+            <a:avLst/>
+          </a:prstGeom>
+          <a:noFill/>
+          <a:extLst>
+            <a:ext uri="{909E8E84-426E-40DD-AFC4-6F175D3DCCD1}">
+              <a14:hiddenFill xmlns:a14="http://schemas.microsoft.com/office/drawing/2010/main">
+                <a:solidFill>
+                  <a:srgbClr val="FFFFFF"/>
+                </a:solidFill>
+              </a14:hiddenFill>
+            </a:ext>
+          </a:extLst>
+        </p:spPr>
+      </p:pic>
+      <p:pic>
+        <p:nvPicPr>
+          <p:cNvPr id="6" name="Picture 3" descr="C:\Users\higla\Downloads\BlockNoChain.gif"/>
+          <p:cNvPicPr>
+            <a:picLocks noChangeAspect="1" noChangeArrowheads="1"/>
+          </p:cNvPicPr>
+          <p:nvPr/>
+        </p:nvPicPr>
+        <p:blipFill>
+          <a:blip r:embed="rId4">
+            <a:extLst>
+              <a:ext uri="{28A0092B-C50C-407E-A947-70E740481C1C}">
+                <a14:useLocalDpi xmlns:a14="http://schemas.microsoft.com/office/drawing/2010/main" val="0"/>
+              </a:ext>
+            </a:extLst>
+          </a:blip>
+          <a:srcRect/>
+          <a:stretch>
+            <a:fillRect/>
+          </a:stretch>
+        </p:blipFill>
+        <p:spPr bwMode="auto">
+          <a:xfrm>
+            <a:off x="5501200" y="1152621"/>
+            <a:ext cx="4962526" cy="1885950"/>
+          </a:xfrm>
+          <a:prstGeom prst="rect">
+            <a:avLst/>
+          </a:prstGeom>
+          <a:noFill/>
+          <a:extLst>
+            <a:ext uri="{909E8E84-426E-40DD-AFC4-6F175D3DCCD1}">
+              <a14:hiddenFill xmlns:a14="http://schemas.microsoft.com/office/drawing/2010/main">
+                <a:solidFill>
+                  <a:srgbClr val="FFFFFF"/>
+                </a:solidFill>
+              </a14:hiddenFill>
+            </a:ext>
+          </a:extLst>
+        </p:spPr>
+      </p:pic>
+      <p:graphicFrame>
+        <p:nvGraphicFramePr>
+          <p:cNvPr id="10" name="Tabella 9"/>
+          <p:cNvGraphicFramePr>
+            <a:graphicFrameLocks noGrp="1"/>
+          </p:cNvGraphicFramePr>
+          <p:nvPr>
+            <p:extLst>
+              <p:ext uri="{D42A27DB-BD31-4B8C-83A1-F6EECF244321}">
+                <p14:modId xmlns:p14="http://schemas.microsoft.com/office/powerpoint/2010/main" val="3332975205"/>
+              </p:ext>
+            </p:extLst>
+          </p:nvPr>
+        </p:nvGraphicFramePr>
+        <p:xfrm>
+          <a:off x="323529" y="3861048"/>
+          <a:ext cx="8568951" cy="792480"/>
+        </p:xfrm>
+        <a:graphic>
+          <a:graphicData uri="http://schemas.openxmlformats.org/drawingml/2006/table">
+            <a:tbl>
+              <a:tblPr firstRow="1" bandRow="1">
+                <a:tableStyleId>{5C22544A-7EE6-4342-B048-85BDC9FD1C3A}</a:tableStyleId>
+              </a:tblPr>
+              <a:tblGrid>
+                <a:gridCol w="2856317"/>
+                <a:gridCol w="2856317"/>
+                <a:gridCol w="2856317"/>
+              </a:tblGrid>
+              <a:tr h="370840">
+                <a:tc>
+                  <a:txBody>
+                    <a:bodyPr/>
+                    <a:lstStyle/>
+                    <a:p>
+                      <a:r>
+                        <a:rPr lang="it-IT" sz="2000" b="0" dirty="0" err="1" smtClean="0">
+                          <a:solidFill>
+                            <a:schemeClr val="tx1"/>
+                          </a:solidFill>
+                        </a:rPr>
+                        <a:t>Hash</a:t>
+                      </a:r>
+                      <a:r>
+                        <a:rPr lang="it-IT" sz="2000" b="0" dirty="0" smtClean="0">
+                          <a:solidFill>
+                            <a:schemeClr val="tx1"/>
+                          </a:solidFill>
+                        </a:rPr>
+                        <a:t>:                               A1</a:t>
+                      </a:r>
+                      <a:endParaRPr lang="it-IT" sz="2000" b="0" dirty="0">
+                        <a:solidFill>
+                          <a:schemeClr val="tx1"/>
+                        </a:solidFill>
+                      </a:endParaRPr>
+                    </a:p>
+                  </a:txBody>
+                  <a:tcPr>
+                    <a:lnR w="12700" cap="flat" cmpd="sng" algn="ctr">
+                      <a:solidFill>
+                        <a:schemeClr val="tx1"/>
+                      </a:solidFill>
+                      <a:prstDash val="solid"/>
+                      <a:round/>
+                      <a:headEnd type="none" w="med" len="med"/>
+                      <a:tailEnd type="none" w="med" len="med"/>
+                    </a:lnR>
+                    <a:lnB w="12700" cap="flat" cmpd="sng" algn="ctr">
+                      <a:noFill/>
+                      <a:prstDash val="solid"/>
+                      <a:round/>
+                      <a:headEnd type="none" w="med" len="med"/>
+                      <a:tailEnd type="none" w="med" len="med"/>
+                    </a:lnB>
+                    <a:noFill/>
+                  </a:tcPr>
+                </a:tc>
+                <a:tc>
+                  <a:txBody>
+                    <a:bodyPr/>
+                    <a:lstStyle/>
+                    <a:p>
+                      <a:r>
+                        <a:rPr lang="it-IT" sz="2000" b="0" dirty="0" err="1" smtClean="0">
+                          <a:solidFill>
+                            <a:schemeClr val="tx1"/>
+                          </a:solidFill>
+                        </a:rPr>
+                        <a:t>Hash</a:t>
+                      </a:r>
+                      <a:r>
+                        <a:rPr lang="it-IT" sz="2000" b="0" dirty="0" smtClean="0">
+                          <a:solidFill>
+                            <a:schemeClr val="tx1"/>
+                          </a:solidFill>
+                        </a:rPr>
+                        <a:t>:                               A2</a:t>
+                      </a:r>
+                      <a:endParaRPr lang="it-IT" sz="2000" b="0" dirty="0">
+                        <a:solidFill>
+                          <a:schemeClr val="tx1"/>
+                        </a:solidFill>
+                      </a:endParaRPr>
+                    </a:p>
+                  </a:txBody>
+                  <a:tcPr>
+                    <a:lnL w="12700" cap="flat" cmpd="sng" algn="ctr">
+                      <a:solidFill>
+                        <a:schemeClr val="tx1"/>
+                      </a:solidFill>
+                      <a:prstDash val="solid"/>
+                      <a:round/>
+                      <a:headEnd type="none" w="med" len="med"/>
+                      <a:tailEnd type="none" w="med" len="med"/>
+                    </a:lnL>
+                    <a:lnR w="12700" cap="flat" cmpd="sng" algn="ctr">
+                      <a:solidFill>
+                        <a:schemeClr val="tx1"/>
+                      </a:solidFill>
+                      <a:prstDash val="solid"/>
+                      <a:round/>
+                      <a:headEnd type="none" w="med" len="med"/>
+                      <a:tailEnd type="none" w="med" len="med"/>
+                    </a:lnR>
+                    <a:lnB w="12700" cap="flat" cmpd="sng" algn="ctr">
+                      <a:noFill/>
+                      <a:prstDash val="solid"/>
+                      <a:round/>
+                      <a:headEnd type="none" w="med" len="med"/>
+                      <a:tailEnd type="none" w="med" len="med"/>
+                    </a:lnB>
+                    <a:noFill/>
+                  </a:tcPr>
+                </a:tc>
+                <a:tc>
+                  <a:txBody>
+                    <a:bodyPr/>
+                    <a:lstStyle/>
+                    <a:p>
+                      <a:r>
+                        <a:rPr lang="it-IT" sz="2000" b="0" dirty="0" err="1" smtClean="0">
+                          <a:solidFill>
+                            <a:schemeClr val="tx1"/>
+                          </a:solidFill>
+                        </a:rPr>
+                        <a:t>Hash</a:t>
+                      </a:r>
+                      <a:r>
+                        <a:rPr lang="it-IT" sz="2000" b="0" dirty="0" smtClean="0">
+                          <a:solidFill>
+                            <a:schemeClr val="tx1"/>
+                          </a:solidFill>
+                        </a:rPr>
+                        <a:t>:                               A3</a:t>
+                      </a:r>
+                      <a:endParaRPr lang="it-IT" sz="2000" b="0" dirty="0">
+                        <a:solidFill>
+                          <a:schemeClr val="tx1"/>
+                        </a:solidFill>
+                      </a:endParaRPr>
+                    </a:p>
+                  </a:txBody>
+                  <a:tcPr>
+                    <a:lnL w="12700" cap="flat" cmpd="sng" algn="ctr">
+                      <a:solidFill>
+                        <a:schemeClr val="tx1"/>
+                      </a:solidFill>
+                      <a:prstDash val="solid"/>
+                      <a:round/>
+                      <a:headEnd type="none" w="med" len="med"/>
+                      <a:tailEnd type="none" w="med" len="med"/>
+                    </a:lnL>
+                    <a:lnB w="12700" cap="flat" cmpd="sng" algn="ctr">
+                      <a:noFill/>
+                      <a:prstDash val="solid"/>
+                      <a:round/>
+                      <a:headEnd type="none" w="med" len="med"/>
+                      <a:tailEnd type="none" w="med" len="med"/>
+                    </a:lnB>
+                    <a:noFill/>
+                  </a:tcPr>
+                </a:tc>
+              </a:tr>
+              <a:tr h="370840">
+                <a:tc>
+                  <a:txBody>
+                    <a:bodyPr/>
+                    <a:lstStyle/>
+                    <a:p>
+                      <a:r>
+                        <a:rPr lang="it-IT" sz="2000" b="0" dirty="0" err="1" smtClean="0">
+                          <a:solidFill>
+                            <a:schemeClr val="tx1"/>
+                          </a:solidFill>
+                        </a:rPr>
+                        <a:t>Hash</a:t>
+                      </a:r>
+                      <a:r>
+                        <a:rPr lang="it-IT" sz="2000" b="0" dirty="0" smtClean="0">
+                          <a:solidFill>
+                            <a:schemeClr val="tx1"/>
+                          </a:solidFill>
+                        </a:rPr>
+                        <a:t> precedente:            0 </a:t>
+                      </a:r>
+                      <a:endParaRPr lang="it-IT" sz="2000" b="0" dirty="0">
+                        <a:solidFill>
+                          <a:schemeClr val="tx1"/>
+                        </a:solidFill>
+                      </a:endParaRPr>
+                    </a:p>
+                  </a:txBody>
+                  <a:tcPr>
+                    <a:lnR w="12700" cap="flat" cmpd="sng" algn="ctr">
+                      <a:solidFill>
+                        <a:schemeClr val="tx1"/>
+                      </a:solidFill>
+                      <a:prstDash val="solid"/>
+                      <a:round/>
+                      <a:headEnd type="none" w="med" len="med"/>
+                      <a:tailEnd type="none" w="med" len="med"/>
+                    </a:lnR>
+                    <a:lnT w="12700" cap="flat" cmpd="sng" algn="ctr">
+                      <a:noFill/>
+                      <a:prstDash val="solid"/>
+                      <a:round/>
+                      <a:headEnd type="none" w="med" len="med"/>
+                      <a:tailEnd type="none" w="med" len="med"/>
+                    </a:lnT>
+                    <a:noFill/>
+                  </a:tcPr>
+                </a:tc>
+                <a:tc>
+                  <a:txBody>
+                    <a:bodyPr/>
+                    <a:lstStyle/>
+                    <a:p>
+                      <a:r>
+                        <a:rPr lang="it-IT" sz="2000" b="0" dirty="0" err="1" smtClean="0">
+                          <a:solidFill>
+                            <a:schemeClr val="tx1"/>
+                          </a:solidFill>
+                        </a:rPr>
+                        <a:t>Hash</a:t>
+                      </a:r>
+                      <a:r>
+                        <a:rPr lang="it-IT" sz="2000" b="0" dirty="0" smtClean="0">
+                          <a:solidFill>
+                            <a:schemeClr val="tx1"/>
+                          </a:solidFill>
+                        </a:rPr>
+                        <a:t> precedente:            1</a:t>
+                      </a:r>
+                      <a:endParaRPr lang="it-IT" sz="2000" b="0" dirty="0">
+                        <a:solidFill>
+                          <a:schemeClr val="tx1"/>
+                        </a:solidFill>
+                      </a:endParaRPr>
+                    </a:p>
+                  </a:txBody>
+                  <a:tcPr>
+                    <a:lnL w="12700" cap="flat" cmpd="sng" algn="ctr">
+                      <a:solidFill>
+                        <a:schemeClr val="tx1"/>
+                      </a:solidFill>
+                      <a:prstDash val="solid"/>
+                      <a:round/>
+                      <a:headEnd type="none" w="med" len="med"/>
+                      <a:tailEnd type="none" w="med" len="med"/>
+                    </a:lnL>
+                    <a:lnR w="12700" cap="flat" cmpd="sng" algn="ctr">
+                      <a:solidFill>
+                        <a:schemeClr val="tx1"/>
+                      </a:solidFill>
+                      <a:prstDash val="solid"/>
+                      <a:round/>
+                      <a:headEnd type="none" w="med" len="med"/>
+                      <a:tailEnd type="none" w="med" len="med"/>
+                    </a:lnR>
+                    <a:lnT w="12700" cap="flat" cmpd="sng" algn="ctr">
+                      <a:noFill/>
+                      <a:prstDash val="solid"/>
+                      <a:round/>
+                      <a:headEnd type="none" w="med" len="med"/>
+                      <a:tailEnd type="none" w="med" len="med"/>
+                    </a:lnT>
+                    <a:noFill/>
+                  </a:tcPr>
+                </a:tc>
+                <a:tc>
+                  <a:txBody>
+                    <a:bodyPr/>
+                    <a:lstStyle/>
+                    <a:p>
+                      <a:r>
+                        <a:rPr lang="it-IT" sz="2000" b="0" dirty="0" err="1" smtClean="0">
+                          <a:solidFill>
+                            <a:schemeClr val="tx1"/>
+                          </a:solidFill>
+                        </a:rPr>
+                        <a:t>Hash</a:t>
+                      </a:r>
+                      <a:r>
+                        <a:rPr lang="it-IT" sz="2000" b="0" baseline="0" dirty="0" smtClean="0">
+                          <a:solidFill>
+                            <a:schemeClr val="tx1"/>
+                          </a:solidFill>
+                        </a:rPr>
+                        <a:t> precedente:            2</a:t>
+                      </a:r>
+                      <a:endParaRPr lang="it-IT" sz="2000" b="0" dirty="0">
+                        <a:solidFill>
+                          <a:schemeClr val="tx1"/>
+                        </a:solidFill>
+                      </a:endParaRPr>
+                    </a:p>
+                  </a:txBody>
+                  <a:tcPr>
+                    <a:lnL w="12700" cap="flat" cmpd="sng" algn="ctr">
+                      <a:solidFill>
+                        <a:schemeClr val="tx1"/>
+                      </a:solidFill>
+                      <a:prstDash val="solid"/>
+                      <a:round/>
+                      <a:headEnd type="none" w="med" len="med"/>
+                      <a:tailEnd type="none" w="med" len="med"/>
+                    </a:lnL>
+                    <a:lnT w="12700" cap="flat" cmpd="sng" algn="ctr">
+                      <a:noFill/>
+                      <a:prstDash val="solid"/>
+                      <a:round/>
+                      <a:headEnd type="none" w="med" len="med"/>
+                      <a:tailEnd type="none" w="med" len="med"/>
+                    </a:lnT>
+                    <a:noFill/>
+                  </a:tcPr>
+                </a:tc>
+              </a:tr>
+            </a:tbl>
+          </a:graphicData>
+        </a:graphic>
+      </p:graphicFrame>
+      <p:sp>
+        <p:nvSpPr>
+          <p:cNvPr id="11" name="CasellaDiTesto 10"/>
+          <p:cNvSpPr txBox="1"/>
+          <p:nvPr/>
+        </p:nvSpPr>
+        <p:spPr>
+          <a:xfrm>
+            <a:off x="1187624" y="1383159"/>
+            <a:ext cx="360040" cy="461665"/>
+          </a:xfrm>
+          <a:prstGeom prst="rect">
+            <a:avLst/>
+          </a:prstGeom>
+          <a:noFill/>
+        </p:spPr>
+        <p:txBody>
+          <a:bodyPr wrap="square" rtlCol="0">
+            <a:spAutoFit/>
+          </a:bodyPr>
+          <a:lstStyle/>
+          <a:p>
+            <a:r>
+              <a:rPr lang="it-IT" sz="2400" dirty="0" smtClean="0">
+                <a:solidFill>
+                  <a:schemeClr val="bg1"/>
+                </a:solidFill>
+              </a:rPr>
+              <a:t>1</a:t>
+            </a:r>
+            <a:endParaRPr lang="it-IT" sz="2400" dirty="0">
+              <a:solidFill>
+                <a:schemeClr val="bg1"/>
+              </a:solidFill>
+            </a:endParaRPr>
+          </a:p>
+        </p:txBody>
+      </p:sp>
+      <p:sp>
+        <p:nvSpPr>
+          <p:cNvPr id="12" name="CasellaDiTesto 11"/>
+          <p:cNvSpPr txBox="1"/>
+          <p:nvPr/>
+        </p:nvSpPr>
+        <p:spPr>
+          <a:xfrm>
+            <a:off x="4496978" y="1388498"/>
+            <a:ext cx="360040" cy="461665"/>
+          </a:xfrm>
+          <a:prstGeom prst="rect">
+            <a:avLst/>
+          </a:prstGeom>
+          <a:noFill/>
+        </p:spPr>
+        <p:txBody>
+          <a:bodyPr wrap="square" rtlCol="0">
+            <a:spAutoFit/>
+          </a:bodyPr>
+          <a:lstStyle/>
+          <a:p>
+            <a:r>
+              <a:rPr lang="it-IT" sz="2400" dirty="0" smtClean="0">
+                <a:solidFill>
+                  <a:schemeClr val="bg1"/>
+                </a:solidFill>
+              </a:rPr>
+              <a:t>2</a:t>
+            </a:r>
+            <a:endParaRPr lang="it-IT" sz="2400" dirty="0">
+              <a:solidFill>
+                <a:schemeClr val="bg1"/>
+              </a:solidFill>
+            </a:endParaRPr>
+          </a:p>
+        </p:txBody>
+      </p:sp>
+      <p:sp>
+        <p:nvSpPr>
+          <p:cNvPr id="13" name="CasellaDiTesto 12"/>
+          <p:cNvSpPr txBox="1"/>
+          <p:nvPr/>
+        </p:nvSpPr>
+        <p:spPr>
+          <a:xfrm>
+            <a:off x="7802443" y="1380522"/>
+            <a:ext cx="360040" cy="461665"/>
+          </a:xfrm>
+          <a:prstGeom prst="rect">
+            <a:avLst/>
+          </a:prstGeom>
+          <a:noFill/>
+        </p:spPr>
+        <p:txBody>
+          <a:bodyPr wrap="square" rtlCol="0">
+            <a:spAutoFit/>
+          </a:bodyPr>
+          <a:lstStyle/>
+          <a:p>
+            <a:r>
+              <a:rPr lang="it-IT" sz="2400" dirty="0">
+                <a:solidFill>
+                  <a:schemeClr val="bg1"/>
+                </a:solidFill>
+              </a:rPr>
+              <a:t>3</a:t>
+            </a:r>
+          </a:p>
+        </p:txBody>
+      </p:sp>
+    </p:spTree>
+    <p:extLst>
+      <p:ext uri="{BB962C8B-B14F-4D97-AF65-F5344CB8AC3E}">
+        <p14:creationId xmlns:p14="http://schemas.microsoft.com/office/powerpoint/2010/main" val="3525197018"/>
+      </p:ext>
+    </p:extLst>
+  </p:cSld>
+  <p:clrMapOvr>
+    <a:masterClrMapping/>
+  </p:clrMapOvr>
+  <p:timing>
+    <p:tnLst>
+      <p:par>
+        <p:cTn id="1" dur="indefinite" restart="never" nodeType="tmRoot"/>
+      </p:par>
+    </p:tnLst>
+  </p:timing>
+</p:sld>
+</file>
+
+<file path=ppt/slides/slide22.xml><?xml version="1.0" encoding="utf-8"?>
+<p:sld xmlns:a="http://schemas.openxmlformats.org/drawingml/2006/main" xmlns:r="http://schemas.openxmlformats.org/officeDocument/2006/relationships" xmlns:p="http://schemas.openxmlformats.org/presentationml/2006/main">
+  <p:cSld>
+    <p:spTree>
+      <p:nvGrpSpPr>
+        <p:cNvPr id="1" name=""/>
+        <p:cNvGrpSpPr/>
+        <p:nvPr/>
+      </p:nvGrpSpPr>
+      <p:grpSpPr>
+        <a:xfrm>
+          <a:off x="0" y="0"/>
+          <a:ext cx="0" cy="0"/>
+          <a:chOff x="0" y="0"/>
+          <a:chExt cx="0" cy="0"/>
+        </a:xfrm>
+      </p:grpSpPr>
+      <p:sp>
+        <p:nvSpPr>
+          <p:cNvPr id="2" name="Segnaposto testo verticale 1"/>
+          <p:cNvSpPr>
+            <a:spLocks noGrp="1"/>
+          </p:cNvSpPr>
+          <p:nvPr>
+            <p:ph type="body" orient="vert" idx="1"/>
+          </p:nvPr>
+        </p:nvSpPr>
+        <p:spPr/>
+        <p:txBody>
+          <a:bodyPr/>
+          <a:lstStyle/>
+          <a:p>
+            <a:r>
+              <a:rPr lang="it-IT" dirty="0" smtClean="0"/>
+              <a:t>Esiste anche un ulteriore meccanismo di sicurezza.</a:t>
+            </a:r>
+          </a:p>
+          <a:p>
+            <a:r>
+              <a:rPr lang="it-IT" dirty="0" smtClean="0"/>
+              <a:t>Le </a:t>
+            </a:r>
+            <a:r>
+              <a:rPr lang="it-IT" dirty="0" err="1" smtClean="0"/>
+              <a:t>blockchain</a:t>
+            </a:r>
+            <a:r>
+              <a:rPr lang="it-IT" dirty="0" smtClean="0"/>
+              <a:t> sono distribuite tramite una rete P2P.</a:t>
+            </a:r>
+          </a:p>
+          <a:p>
+            <a:r>
+              <a:rPr lang="it-IT" dirty="0" smtClean="0"/>
+              <a:t>Quando qualcuno entra nella rete, riceve un’intera copia della </a:t>
+            </a:r>
+            <a:r>
+              <a:rPr lang="it-IT" dirty="0" err="1" smtClean="0"/>
+              <a:t>blockchain</a:t>
+            </a:r>
+            <a:r>
+              <a:rPr lang="it-IT" dirty="0" smtClean="0"/>
+              <a:t>.</a:t>
+            </a:r>
+          </a:p>
+          <a:p>
+            <a:r>
+              <a:rPr lang="it-IT" dirty="0" smtClean="0"/>
+              <a:t>Quando qualcuno crea un nuovo blocco, questo viene inviato a tutti nella rete.</a:t>
+            </a:r>
+          </a:p>
+          <a:p>
+            <a:r>
+              <a:rPr lang="it-IT" dirty="0" smtClean="0"/>
+              <a:t>Tutti verificano che il blocco sia valido, e nel caso lo aggiungono alla catena</a:t>
+            </a:r>
+            <a:endParaRPr lang="it-IT" dirty="0"/>
+          </a:p>
+        </p:txBody>
+      </p:sp>
+      <p:sp>
+        <p:nvSpPr>
+          <p:cNvPr id="3" name="Titolo verticale 2"/>
+          <p:cNvSpPr>
+            <a:spLocks noGrp="1"/>
+          </p:cNvSpPr>
+          <p:nvPr>
+            <p:ph type="title" orient="vert"/>
+          </p:nvPr>
+        </p:nvSpPr>
+        <p:spPr/>
+        <p:txBody>
+          <a:bodyPr/>
+          <a:lstStyle/>
+          <a:p>
+            <a:r>
+              <a:rPr lang="it-IT" dirty="0" err="1" smtClean="0"/>
+              <a:t>Blockchain</a:t>
+            </a:r>
+            <a:r>
+              <a:rPr lang="it-IT" dirty="0" smtClean="0"/>
+              <a:t> – P2P</a:t>
+            </a:r>
+            <a:endParaRPr lang="it-IT" dirty="0"/>
+          </a:p>
+        </p:txBody>
+      </p:sp>
+    </p:spTree>
+    <p:extLst>
+      <p:ext uri="{BB962C8B-B14F-4D97-AF65-F5344CB8AC3E}">
+        <p14:creationId xmlns:p14="http://schemas.microsoft.com/office/powerpoint/2010/main" val="3722311352"/>
+      </p:ext>
+    </p:extLst>
+  </p:cSld>
+  <p:clrMapOvr>
+    <a:masterClrMapping/>
+  </p:clrMapOvr>
+  <p:timing>
+    <p:tnLst>
+      <p:par>
+        <p:cTn id="1" dur="indefinite" restart="never" nodeType="tmRoot"/>
+      </p:par>
+    </p:tnLst>
+  </p:timing>
+</p:sld>
+</file>
+
+<file path=ppt/slides/slide23.xml><?xml version="1.0" encoding="utf-8"?>
+<p:sld xmlns:a="http://schemas.openxmlformats.org/drawingml/2006/main" xmlns:r="http://schemas.openxmlformats.org/officeDocument/2006/relationships" xmlns:p="http://schemas.openxmlformats.org/presentationml/2006/main">
+  <p:cSld>
+    <p:spTree>
+      <p:nvGrpSpPr>
+        <p:cNvPr id="1" name=""/>
+        <p:cNvGrpSpPr/>
+        <p:nvPr/>
+      </p:nvGrpSpPr>
+      <p:grpSpPr>
+        <a:xfrm>
+          <a:off x="0" y="0"/>
+          <a:ext cx="0" cy="0"/>
+          <a:chOff x="0" y="0"/>
+          <a:chExt cx="0" cy="0"/>
+        </a:xfrm>
+      </p:grpSpPr>
+      <p:sp>
+        <p:nvSpPr>
+          <p:cNvPr id="2" name="Segnaposto testo verticale 1"/>
+          <p:cNvSpPr>
+            <a:spLocks noGrp="1"/>
+          </p:cNvSpPr>
+          <p:nvPr>
+            <p:ph type="body" orient="vert" idx="1"/>
+          </p:nvPr>
+        </p:nvSpPr>
+        <p:spPr/>
+        <p:txBody>
+          <a:bodyPr/>
+          <a:lstStyle/>
+          <a:p>
+            <a:r>
+              <a:rPr lang="it-IT" dirty="0" smtClean="0"/>
+              <a:t>Tutti i blocchi in questo caso creano il CONSENSO.</a:t>
+            </a:r>
+          </a:p>
+          <a:p>
+            <a:r>
+              <a:rPr lang="it-IT" dirty="0" smtClean="0"/>
+              <a:t>In questa maniera, per «</a:t>
+            </a:r>
+            <a:r>
+              <a:rPr lang="it-IT" dirty="0" err="1" smtClean="0"/>
+              <a:t>hackerare</a:t>
+            </a:r>
+            <a:r>
+              <a:rPr lang="it-IT" dirty="0" smtClean="0"/>
+              <a:t>» la </a:t>
+            </a:r>
+            <a:r>
+              <a:rPr lang="it-IT" dirty="0" err="1" smtClean="0"/>
+              <a:t>blockchain</a:t>
+            </a:r>
+            <a:r>
+              <a:rPr lang="it-IT" dirty="0" smtClean="0"/>
+              <a:t> bisognerebbe ottenere il controllo di almeno il 50% della rete. </a:t>
+            </a:r>
+            <a:endParaRPr lang="it-IT" dirty="0"/>
+          </a:p>
+        </p:txBody>
+      </p:sp>
+      <p:sp>
+        <p:nvSpPr>
+          <p:cNvPr id="3" name="Titolo verticale 2"/>
+          <p:cNvSpPr>
+            <a:spLocks noGrp="1"/>
+          </p:cNvSpPr>
+          <p:nvPr>
+            <p:ph type="title" orient="vert"/>
+          </p:nvPr>
+        </p:nvSpPr>
+        <p:spPr/>
+        <p:txBody>
+          <a:bodyPr/>
+          <a:lstStyle/>
+          <a:p>
+            <a:r>
+              <a:rPr lang="it-IT" dirty="0" err="1" smtClean="0"/>
+              <a:t>Blockchain</a:t>
+            </a:r>
+            <a:r>
+              <a:rPr lang="it-IT" dirty="0" smtClean="0"/>
+              <a:t> – P2P</a:t>
+            </a:r>
+            <a:endParaRPr lang="it-IT" dirty="0"/>
+          </a:p>
+        </p:txBody>
+      </p:sp>
+    </p:spTree>
+    <p:extLst>
+      <p:ext uri="{BB962C8B-B14F-4D97-AF65-F5344CB8AC3E}">
+        <p14:creationId xmlns:p14="http://schemas.microsoft.com/office/powerpoint/2010/main" val="2618307388"/>
+      </p:ext>
+    </p:extLst>
+  </p:cSld>
+  <p:clrMapOvr>
+    <a:masterClrMapping/>
+  </p:clrMapOvr>
+  <p:timing>
+    <p:tnLst>
+      <p:par>
+        <p:cTn id="1" dur="indefinite" restart="never" nodeType="tmRoot"/>
+      </p:par>
+    </p:tnLst>
+  </p:timing>
+</p:sld>
+</file>
+
+<file path=ppt/slides/slide24.xml><?xml version="1.0" encoding="utf-8"?>
+<p:sld xmlns:a="http://schemas.openxmlformats.org/drawingml/2006/main" xmlns:r="http://schemas.openxmlformats.org/officeDocument/2006/relationships" xmlns:p="http://schemas.openxmlformats.org/presentationml/2006/main">
+  <p:cSld>
+    <p:spTree>
+      <p:nvGrpSpPr>
+        <p:cNvPr id="1" name=""/>
+        <p:cNvGrpSpPr/>
+        <p:nvPr/>
+      </p:nvGrpSpPr>
+      <p:grpSpPr>
+        <a:xfrm>
+          <a:off x="0" y="0"/>
+          <a:ext cx="0" cy="0"/>
+          <a:chOff x="0" y="0"/>
+          <a:chExt cx="0" cy="0"/>
+        </a:xfrm>
+      </p:grpSpPr>
+      <p:sp>
+        <p:nvSpPr>
+          <p:cNvPr id="2" name="Segnaposto testo verticale 1"/>
+          <p:cNvSpPr>
+            <a:spLocks noGrp="1"/>
+          </p:cNvSpPr>
+          <p:nvPr>
+            <p:ph type="body" orient="vert" idx="1"/>
+          </p:nvPr>
+        </p:nvSpPr>
+        <p:spPr/>
+        <p:txBody>
+          <a:bodyPr/>
+          <a:lstStyle/>
+          <a:p>
+            <a:r>
+              <a:rPr lang="it-IT" dirty="0" smtClean="0"/>
+              <a:t>Breve accenno</a:t>
+            </a:r>
+            <a:endParaRPr lang="it-IT" dirty="0"/>
+          </a:p>
+        </p:txBody>
+      </p:sp>
+      <p:sp>
+        <p:nvSpPr>
+          <p:cNvPr id="3" name="Titolo verticale 2"/>
+          <p:cNvSpPr>
+            <a:spLocks noGrp="1"/>
+          </p:cNvSpPr>
+          <p:nvPr>
+            <p:ph type="title" orient="vert"/>
+          </p:nvPr>
+        </p:nvSpPr>
+        <p:spPr/>
+        <p:txBody>
+          <a:bodyPr/>
+          <a:lstStyle/>
+          <a:p>
+            <a:r>
+              <a:rPr lang="it-IT" dirty="0" err="1" smtClean="0"/>
+              <a:t>Blockchain</a:t>
+            </a:r>
+            <a:r>
+              <a:rPr lang="it-IT" dirty="0" smtClean="0"/>
+              <a:t> – Smart </a:t>
+            </a:r>
+            <a:r>
+              <a:rPr lang="it-IT" dirty="0" err="1" smtClean="0"/>
+              <a:t>Contracts</a:t>
+            </a:r>
+            <a:endParaRPr lang="it-IT" dirty="0"/>
+          </a:p>
+        </p:txBody>
+      </p:sp>
+    </p:spTree>
+    <p:extLst>
+      <p:ext uri="{BB962C8B-B14F-4D97-AF65-F5344CB8AC3E}">
+        <p14:creationId xmlns:p14="http://schemas.microsoft.com/office/powerpoint/2010/main" val="2714794835"/>
       </p:ext>
     </p:extLst>
   </p:cSld>
@@ -5058,29 +13506,187 @@
           <a:bodyPr/>
           <a:lstStyle/>
           <a:p>
+            <a:r>
+              <a:rPr lang="it-IT" dirty="0" smtClean="0"/>
+              <a:t>DISCLAIMER</a:t>
+            </a:r>
+            <a:endParaRPr lang="it-IT" dirty="0"/>
+          </a:p>
+        </p:txBody>
+      </p:sp>
+      <p:sp>
+        <p:nvSpPr>
+          <p:cNvPr id="4" name="AutoShape 2" descr="Risultati immagini per coinbase"/>
+          <p:cNvSpPr>
+            <a:spLocks noChangeAspect="1" noChangeArrowheads="1"/>
+          </p:cNvSpPr>
+          <p:nvPr/>
+        </p:nvSpPr>
+        <p:spPr bwMode="auto">
+          <a:xfrm>
+            <a:off x="155575" y="-144463"/>
+            <a:ext cx="304800" cy="304801"/>
+          </a:xfrm>
+          <a:prstGeom prst="rect">
+            <a:avLst/>
+          </a:prstGeom>
+          <a:noFill/>
+          <a:extLst>
+            <a:ext uri="{909E8E84-426E-40DD-AFC4-6F175D3DCCD1}">
+              <a14:hiddenFill xmlns:a14="http://schemas.microsoft.com/office/drawing/2010/main">
+                <a:solidFill>
+                  <a:srgbClr val="FFFFFF"/>
+                </a:solidFill>
+              </a14:hiddenFill>
+            </a:ext>
+          </a:extLst>
+        </p:spPr>
+        <p:txBody>
+          <a:bodyPr vert="horz" wrap="square" lIns="91440" tIns="45720" rIns="91440" bIns="45720" numCol="1" anchor="t" anchorCtr="0" compatLnSpc="1">
+            <a:prstTxWarp prst="textNoShape">
+              <a:avLst/>
+            </a:prstTxWarp>
+          </a:bodyPr>
+          <a:lstStyle/>
+          <a:p>
             <a:endParaRPr lang="it-IT"/>
           </a:p>
         </p:txBody>
       </p:sp>
-      <p:sp>
-        <p:nvSpPr>
-          <p:cNvPr id="3" name="Segnaposto testo verticale 2"/>
-          <p:cNvSpPr>
-            <a:spLocks noGrp="1"/>
-          </p:cNvSpPr>
-          <p:nvPr>
-            <p:ph type="body" orient="vert" idx="1"/>
-          </p:nvPr>
-        </p:nvSpPr>
-        <p:spPr/>
-        <p:txBody>
-          <a:bodyPr/>
-          <a:lstStyle/>
-          <a:p>
-            <a:endParaRPr lang="it-IT"/>
-          </a:p>
-        </p:txBody>
-      </p:sp>
+      <p:pic>
+        <p:nvPicPr>
+          <p:cNvPr id="1027" name="Picture 3"/>
+          <p:cNvPicPr>
+            <a:picLocks noChangeAspect="1" noChangeArrowheads="1"/>
+          </p:cNvPicPr>
+          <p:nvPr/>
+        </p:nvPicPr>
+        <p:blipFill>
+          <a:blip r:embed="rId2">
+            <a:extLst>
+              <a:ext uri="{28A0092B-C50C-407E-A947-70E740481C1C}">
+                <a14:useLocalDpi xmlns:a14="http://schemas.microsoft.com/office/drawing/2010/main" val="0"/>
+              </a:ext>
+            </a:extLst>
+          </a:blip>
+          <a:srcRect/>
+          <a:stretch>
+            <a:fillRect/>
+          </a:stretch>
+        </p:blipFill>
+        <p:spPr bwMode="auto">
+          <a:xfrm>
+            <a:off x="1984572" y="1700808"/>
+            <a:ext cx="5323732" cy="2808312"/>
+          </a:xfrm>
+          <a:prstGeom prst="rect">
+            <a:avLst/>
+          </a:prstGeom>
+          <a:noFill/>
+          <a:ln>
+            <a:noFill/>
+          </a:ln>
+          <a:effectLst/>
+          <a:extLst>
+            <a:ext uri="{909E8E84-426E-40DD-AFC4-6F175D3DCCD1}">
+              <a14:hiddenFill xmlns:a14="http://schemas.microsoft.com/office/drawing/2010/main">
+                <a:solidFill>
+                  <a:schemeClr val="accent1"/>
+                </a:solidFill>
+              </a14:hiddenFill>
+            </a:ext>
+            <a:ext uri="{91240B29-F687-4F45-9708-019B960494DF}">
+              <a14:hiddenLine xmlns:a14="http://schemas.microsoft.com/office/drawing/2010/main" w="9525">
+                <a:solidFill>
+                  <a:schemeClr val="tx1"/>
+                </a:solidFill>
+                <a:miter lim="800000"/>
+                <a:headEnd/>
+                <a:tailEnd/>
+              </a14:hiddenLine>
+            </a:ext>
+            <a:ext uri="{AF507438-7753-43E0-B8FC-AC1667EBCBE1}">
+              <a14:hiddenEffects xmlns:a14="http://schemas.microsoft.com/office/drawing/2010/main">
+                <a:effectLst>
+                  <a:outerShdw dist="35921" dir="2700000" algn="ctr" rotWithShape="0">
+                    <a:schemeClr val="bg2"/>
+                  </a:outerShdw>
+                </a:effectLst>
+              </a14:hiddenEffects>
+            </a:ext>
+          </a:extLst>
+        </p:spPr>
+      </p:pic>
+      <p:cxnSp>
+        <p:nvCxnSpPr>
+          <p:cNvPr id="7" name="Connettore 1 6"/>
+          <p:cNvCxnSpPr/>
+          <p:nvPr/>
+        </p:nvCxnSpPr>
+        <p:spPr>
+          <a:xfrm>
+            <a:off x="2800597" y="1772816"/>
+            <a:ext cx="3384376" cy="3312368"/>
+          </a:xfrm>
+          <a:prstGeom prst="line">
+            <a:avLst/>
+          </a:prstGeom>
+          <a:ln w="76200">
+            <a:solidFill>
+              <a:srgbClr val="FF0000"/>
+            </a:solidFill>
+          </a:ln>
+        </p:spPr>
+        <p:style>
+          <a:lnRef idx="1">
+            <a:schemeClr val="accent1"/>
+          </a:lnRef>
+          <a:fillRef idx="0">
+            <a:schemeClr val="accent1"/>
+          </a:fillRef>
+          <a:effectRef idx="0">
+            <a:schemeClr val="accent1"/>
+          </a:effectRef>
+          <a:fontRef idx="minor">
+            <a:schemeClr val="tx1"/>
+          </a:fontRef>
+        </p:style>
+      </p:cxnSp>
+      <p:cxnSp>
+        <p:nvCxnSpPr>
+          <p:cNvPr id="10" name="Connettore 1 9"/>
+          <p:cNvCxnSpPr/>
+          <p:nvPr/>
+        </p:nvCxnSpPr>
+        <p:spPr>
+          <a:xfrm flipV="1">
+            <a:off x="2944613" y="1772816"/>
+            <a:ext cx="3240360" cy="3168352"/>
+          </a:xfrm>
+          <a:prstGeom prst="line">
+            <a:avLst/>
+          </a:prstGeom>
+          <a:ln w="76200">
+            <a:solidFill>
+              <a:srgbClr val="FF0000"/>
+            </a:solidFill>
+          </a:ln>
+        </p:spPr>
+        <p:style>
+          <a:lnRef idx="1">
+            <a:schemeClr val="accent1"/>
+          </a:lnRef>
+          <a:fillRef idx="0">
+            <a:schemeClr val="accent1"/>
+          </a:fillRef>
+          <a:effectRef idx="0">
+            <a:schemeClr val="accent1"/>
+          </a:effectRef>
+          <a:fontRef idx="minor">
+            <a:schemeClr val="tx1"/>
+          </a:fontRef>
+        </p:style>
+      </p:cxnSp>
     </p:spTree>
     <p:extLst>
       <p:ext uri="{BB962C8B-B14F-4D97-AF65-F5344CB8AC3E}">
@@ -5094,7 +13700,118 @@
   <p:timing>
     <p:tnLst>
       <p:par>
-        <p:cTn id="1" dur="indefinite" restart="never" nodeType="tmRoot"/>
+        <p:cTn id="1" dur="indefinite" restart="never" nodeType="tmRoot">
+          <p:childTnLst>
+            <p:seq concurrent="1" nextAc="seek">
+              <p:cTn id="2" dur="indefinite" nodeType="mainSeq">
+                <p:childTnLst>
+                  <p:par>
+                    <p:cTn id="3" fill="hold">
+                      <p:stCondLst>
+                        <p:cond delay="indefinite"/>
+                      </p:stCondLst>
+                      <p:childTnLst>
+                        <p:par>
+                          <p:cTn id="4" fill="hold">
+                            <p:stCondLst>
+                              <p:cond delay="0"/>
+                            </p:stCondLst>
+                            <p:childTnLst>
+                              <p:par>
+                                <p:cTn id="5" presetID="22" presetClass="entr" presetSubtype="4" fill="hold" nodeType="clickEffect">
+                                  <p:stCondLst>
+                                    <p:cond delay="0"/>
+                                  </p:stCondLst>
+                                  <p:childTnLst>
+                                    <p:set>
+                                      <p:cBhvr>
+                                        <p:cTn id="6" dur="1" fill="hold">
+                                          <p:stCondLst>
+                                            <p:cond delay="0"/>
+                                          </p:stCondLst>
+                                        </p:cTn>
+                                        <p:tgtEl>
+                                          <p:spTgt spid="10"/>
+                                        </p:tgtEl>
+                                        <p:attrNameLst>
+                                          <p:attrName>style.visibility</p:attrName>
+                                        </p:attrNameLst>
+                                      </p:cBhvr>
+                                      <p:to>
+                                        <p:strVal val="visible"/>
+                                      </p:to>
+                                    </p:set>
+                                    <p:animEffect transition="in" filter="wipe(down)">
+                                      <p:cBhvr>
+                                        <p:cTn id="7" dur="500"/>
+                                        <p:tgtEl>
+                                          <p:spTgt spid="10"/>
+                                        </p:tgtEl>
+                                      </p:cBhvr>
+                                    </p:animEffect>
+                                  </p:childTnLst>
+                                </p:cTn>
+                              </p:par>
+                              <p:par>
+                                <p:cTn id="8" presetID="22" presetClass="entr" presetSubtype="4" fill="hold" nodeType="withEffect">
+                                  <p:stCondLst>
+                                    <p:cond delay="0"/>
+                                  </p:stCondLst>
+                                  <p:childTnLst>
+                                    <p:set>
+                                      <p:cBhvr>
+                                        <p:cTn id="9" dur="1" fill="hold">
+                                          <p:stCondLst>
+                                            <p:cond delay="0"/>
+                                          </p:stCondLst>
+                                        </p:cTn>
+                                        <p:tgtEl>
+                                          <p:spTgt spid="7"/>
+                                        </p:tgtEl>
+                                        <p:attrNameLst>
+                                          <p:attrName>style.visibility</p:attrName>
+                                        </p:attrNameLst>
+                                      </p:cBhvr>
+                                      <p:to>
+                                        <p:strVal val="visible"/>
+                                      </p:to>
+                                    </p:set>
+                                    <p:animEffect transition="in" filter="wipe(down)">
+                                      <p:cBhvr>
+                                        <p:cTn id="10" dur="500"/>
+                                        <p:tgtEl>
+                                          <p:spTgt spid="7"/>
+                                        </p:tgtEl>
+                                      </p:cBhvr>
+                                    </p:animEffect>
+                                  </p:childTnLst>
+                                </p:cTn>
+                              </p:par>
+                            </p:childTnLst>
+                          </p:cTn>
+                        </p:par>
+                      </p:childTnLst>
+                    </p:cTn>
+                  </p:par>
+                </p:childTnLst>
+              </p:cTn>
+              <p:prevCondLst>
+                <p:cond evt="onPrev" delay="0">
+                  <p:tgtEl>
+                    <p:sldTgt/>
+                  </p:tgtEl>
+                </p:cond>
+              </p:prevCondLst>
+              <p:nextCondLst>
+                <p:cond evt="onNext" delay="0">
+                  <p:tgtEl>
+                    <p:sldTgt/>
+                  </p:tgtEl>
+                </p:cond>
+              </p:nextCondLst>
+            </p:seq>
+          </p:childTnLst>
+        </p:cTn>
       </p:par>
     </p:tnLst>
   </p:timing>
@@ -5120,6 +13837,286 @@
       </p:grpSpPr>
       <p:sp>
         <p:nvSpPr>
+          <p:cNvPr id="2" name="Titolo verticale 1"/>
+          <p:cNvSpPr>
+            <a:spLocks noGrp="1"/>
+          </p:cNvSpPr>
+          <p:nvPr>
+            <p:ph type="title" orient="vert"/>
+          </p:nvPr>
+        </p:nvSpPr>
+        <p:spPr/>
+        <p:txBody>
+          <a:bodyPr/>
+          <a:lstStyle/>
+          <a:p>
+            <a:r>
+              <a:rPr lang="it-IT" dirty="0" smtClean="0"/>
+              <a:t>DISCLAIMER</a:t>
+            </a:r>
+            <a:endParaRPr lang="it-IT" dirty="0"/>
+          </a:p>
+        </p:txBody>
+      </p:sp>
+      <p:sp>
+        <p:nvSpPr>
+          <p:cNvPr id="4" name="AutoShape 2" descr="Risultati immagini per coinbase"/>
+          <p:cNvSpPr>
+            <a:spLocks noChangeAspect="1" noChangeArrowheads="1"/>
+          </p:cNvSpPr>
+          <p:nvPr/>
+        </p:nvSpPr>
+        <p:spPr bwMode="auto">
+          <a:xfrm>
+            <a:off x="155575" y="-144463"/>
+            <a:ext cx="304800" cy="304801"/>
+          </a:xfrm>
+          <a:prstGeom prst="rect">
+            <a:avLst/>
+          </a:prstGeom>
+          <a:noFill/>
+          <a:extLst>
+            <a:ext uri="{909E8E84-426E-40DD-AFC4-6F175D3DCCD1}">
+              <a14:hiddenFill xmlns:a14="http://schemas.microsoft.com/office/drawing/2010/main">
+                <a:solidFill>
+                  <a:srgbClr val="FFFFFF"/>
+                </a:solidFill>
+              </a14:hiddenFill>
+            </a:ext>
+          </a:extLst>
+        </p:spPr>
+        <p:txBody>
+          <a:bodyPr vert="horz" wrap="square" lIns="91440" tIns="45720" rIns="91440" bIns="45720" numCol="1" anchor="t" anchorCtr="0" compatLnSpc="1">
+            <a:prstTxWarp prst="textNoShape">
+              <a:avLst/>
+            </a:prstTxWarp>
+          </a:bodyPr>
+          <a:lstStyle/>
+          <a:p>
+            <a:endParaRPr lang="it-IT"/>
+          </a:p>
+        </p:txBody>
+      </p:sp>
+      <p:pic>
+        <p:nvPicPr>
+          <p:cNvPr id="2050" name="Picture 2" descr="Risultati immagini per blockchain"/>
+          <p:cNvPicPr>
+            <a:picLocks noChangeAspect="1" noChangeArrowheads="1"/>
+          </p:cNvPicPr>
+          <p:nvPr/>
+        </p:nvPicPr>
+        <p:blipFill>
+          <a:blip r:embed="rId2">
+            <a:extLst>
+              <a:ext uri="{28A0092B-C50C-407E-A947-70E740481C1C}">
+                <a14:useLocalDpi xmlns:a14="http://schemas.microsoft.com/office/drawing/2010/main" val="0"/>
+              </a:ext>
+            </a:extLst>
+          </a:blip>
+          <a:srcRect/>
+          <a:stretch>
+            <a:fillRect/>
+          </a:stretch>
+        </p:blipFill>
+        <p:spPr bwMode="auto">
+          <a:xfrm>
+            <a:off x="611560" y="1037010"/>
+            <a:ext cx="7939485" cy="4768254"/>
+          </a:xfrm>
+          <a:prstGeom prst="rect">
+            <a:avLst/>
+          </a:prstGeom>
+          <a:noFill/>
+          <a:extLst>
+            <a:ext uri="{909E8E84-426E-40DD-AFC4-6F175D3DCCD1}">
+              <a14:hiddenFill xmlns:a14="http://schemas.microsoft.com/office/drawing/2010/main">
+                <a:solidFill>
+                  <a:srgbClr val="FFFFFF"/>
+                </a:solidFill>
+              </a14:hiddenFill>
+            </a:ext>
+          </a:extLst>
+        </p:spPr>
+      </p:pic>
+    </p:spTree>
+    <p:extLst>
+      <p:ext uri="{BB962C8B-B14F-4D97-AF65-F5344CB8AC3E}">
+        <p14:creationId xmlns:p14="http://schemas.microsoft.com/office/powerpoint/2010/main" val="845721127"/>
+      </p:ext>
+    </p:extLst>
+  </p:cSld>
+  <p:clrMapOvr>
+    <a:masterClrMapping/>
+  </p:clrMapOvr>
+  <p:timing>
+    <p:tnLst>
+      <p:par>
+        <p:cTn id="1" dur="indefinite" restart="never" nodeType="tmRoot"/>
+      </p:par>
+    </p:tnLst>
+  </p:timing>
+</p:sld>
+</file>
+
+<file path=ppt/slides/slide5.xml><?xml version="1.0" encoding="utf-8"?>
+<p:sld xmlns:a="http://schemas.openxmlformats.org/drawingml/2006/main" xmlns:r="http://schemas.openxmlformats.org/officeDocument/2006/relationships" xmlns:p="http://schemas.openxmlformats.org/presentationml/2006/main">
+  <p:cSld>
+    <p:spTree>
+      <p:nvGrpSpPr>
+        <p:cNvPr id="1" name=""/>
+        <p:cNvGrpSpPr/>
+        <p:nvPr/>
+      </p:nvGrpSpPr>
+      <p:grpSpPr>
+        <a:xfrm>
+          <a:off x="0" y="0"/>
+          <a:ext cx="0" cy="0"/>
+          <a:chOff x="0" y="0"/>
+          <a:chExt cx="0" cy="0"/>
+        </a:xfrm>
+      </p:grpSpPr>
+      <p:sp>
+        <p:nvSpPr>
+          <p:cNvPr id="2" name="Titolo verticale 1"/>
+          <p:cNvSpPr>
+            <a:spLocks noGrp="1"/>
+          </p:cNvSpPr>
+          <p:nvPr>
+            <p:ph type="title" orient="vert"/>
+          </p:nvPr>
+        </p:nvSpPr>
+        <p:spPr/>
+        <p:txBody>
+          <a:bodyPr/>
+          <a:lstStyle/>
+          <a:p>
+            <a:r>
+              <a:rPr lang="it-IT" dirty="0" smtClean="0"/>
+              <a:t>DISCLAIMER</a:t>
+            </a:r>
+            <a:endParaRPr lang="it-IT" dirty="0"/>
+          </a:p>
+        </p:txBody>
+      </p:sp>
+      <p:sp>
+        <p:nvSpPr>
+          <p:cNvPr id="4" name="AutoShape 2" descr="Risultati immagini per coinbase"/>
+          <p:cNvSpPr>
+            <a:spLocks noChangeAspect="1" noChangeArrowheads="1"/>
+          </p:cNvSpPr>
+          <p:nvPr/>
+        </p:nvSpPr>
+        <p:spPr bwMode="auto">
+          <a:xfrm>
+            <a:off x="155575" y="-144463"/>
+            <a:ext cx="304800" cy="304801"/>
+          </a:xfrm>
+          <a:prstGeom prst="rect">
+            <a:avLst/>
+          </a:prstGeom>
+          <a:noFill/>
+          <a:extLst>
+            <a:ext uri="{909E8E84-426E-40DD-AFC4-6F175D3DCCD1}">
+              <a14:hiddenFill xmlns:a14="http://schemas.microsoft.com/office/drawing/2010/main">
+                <a:solidFill>
+                  <a:srgbClr val="FFFFFF"/>
+                </a:solidFill>
+              </a14:hiddenFill>
+            </a:ext>
+          </a:extLst>
+        </p:spPr>
+        <p:txBody>
+          <a:bodyPr vert="horz" wrap="square" lIns="91440" tIns="45720" rIns="91440" bIns="45720" numCol="1" anchor="t" anchorCtr="0" compatLnSpc="1">
+            <a:prstTxWarp prst="textNoShape">
+              <a:avLst/>
+            </a:prstTxWarp>
+          </a:bodyPr>
+          <a:lstStyle/>
+          <a:p>
+            <a:endParaRPr lang="it-IT"/>
+          </a:p>
+        </p:txBody>
+      </p:sp>
+      <p:pic>
+        <p:nvPicPr>
+          <p:cNvPr id="2052" name="Picture 4" descr="Risultati immagini per criptocurrencies"/>
+          <p:cNvPicPr>
+            <a:picLocks noChangeAspect="1" noChangeArrowheads="1"/>
+          </p:cNvPicPr>
+          <p:nvPr/>
+        </p:nvPicPr>
+        <p:blipFill>
+          <a:blip r:embed="rId2">
+            <a:extLst>
+              <a:ext uri="{28A0092B-C50C-407E-A947-70E740481C1C}">
+                <a14:useLocalDpi xmlns:a14="http://schemas.microsoft.com/office/drawing/2010/main" val="0"/>
+              </a:ext>
+            </a:extLst>
+          </a:blip>
+          <a:srcRect/>
+          <a:stretch>
+            <a:fillRect/>
+          </a:stretch>
+        </p:blipFill>
+        <p:spPr bwMode="auto">
+          <a:xfrm>
+            <a:off x="299951" y="1960624"/>
+            <a:ext cx="8629650" cy="3152775"/>
+          </a:xfrm>
+          <a:prstGeom prst="rect">
+            <a:avLst/>
+          </a:prstGeom>
+          <a:noFill/>
+          <a:extLst>
+            <a:ext uri="{909E8E84-426E-40DD-AFC4-6F175D3DCCD1}">
+              <a14:hiddenFill xmlns:a14="http://schemas.microsoft.com/office/drawing/2010/main">
+                <a:solidFill>
+                  <a:srgbClr val="FFFFFF"/>
+                </a:solidFill>
+              </a14:hiddenFill>
+            </a:ext>
+          </a:extLst>
+        </p:spPr>
+      </p:pic>
+    </p:spTree>
+    <p:extLst>
+      <p:ext uri="{BB962C8B-B14F-4D97-AF65-F5344CB8AC3E}">
+        <p14:creationId xmlns:p14="http://schemas.microsoft.com/office/powerpoint/2010/main" val="1605709104"/>
+      </p:ext>
+    </p:extLst>
+  </p:cSld>
+  <p:clrMapOvr>
+    <a:masterClrMapping/>
+  </p:clrMapOvr>
+  <p:timing>
+    <p:tnLst>
+      <p:par>
+        <p:cTn id="1" dur="indefinite" restart="never" nodeType="tmRoot"/>
+      </p:par>
+    </p:tnLst>
+  </p:timing>
+</p:sld>
+</file>
+
+<file path=ppt/slides/slide6.xml><?xml version="1.0" encoding="utf-8"?>
+<p:sld xmlns:a="http://schemas.openxmlformats.org/drawingml/2006/main" xmlns:r="http://schemas.openxmlformats.org/officeDocument/2006/relationships" xmlns:p="http://schemas.openxmlformats.org/presentationml/2006/main">
+  <p:cSld>
+    <p:spTree>
+      <p:nvGrpSpPr>
+        <p:cNvPr id="1" name=""/>
+        <p:cNvGrpSpPr/>
+        <p:nvPr/>
+      </p:nvGrpSpPr>
+      <p:grpSpPr>
+        <a:xfrm>
+          <a:off x="0" y="0"/>
+          <a:ext cx="0" cy="0"/>
+          <a:chOff x="0" y="0"/>
+          <a:chExt cx="0" cy="0"/>
+        </a:xfrm>
+      </p:grpSpPr>
+      <p:sp>
+        <p:nvSpPr>
           <p:cNvPr id="2" name="Titolo 1"/>
           <p:cNvSpPr>
             <a:spLocks noGrp="1"/>
@@ -5130,7 +14127,7 @@
         </p:nvSpPr>
         <p:spPr>
           <a:xfrm>
-            <a:off x="1012825" y="1988840"/>
+            <a:off x="257249" y="1988840"/>
             <a:ext cx="8131175" cy="936104"/>
           </a:xfrm>
           <a:prstGeom prst="rect">
@@ -5144,7 +14141,7 @@
             <a:pPr algn="l"/>
             <a:r>
               <a:rPr lang="it-IT" dirty="0" smtClean="0"/>
-              <a:t>NECESSITA’</a:t>
+              <a:t>STORIA DEL P2P</a:t>
             </a:r>
             <a:endParaRPr lang="it-IT" dirty="0">
               <a:solidFill>
@@ -5192,10 +14189,6 @@
           </a:lstStyle>
           <a:p>
             <a:pPr algn="l"/>
-            <a:r>
-              <a:rPr lang="it-IT" sz="3600" b="0" dirty="0" smtClean="0"/>
-              <a:t>Qualcos’altro…</a:t>
-            </a:r>
             <a:endParaRPr lang="it-IT" sz="3600" b="0" dirty="0"/>
           </a:p>
         </p:txBody>
@@ -5204,6 +14197,386 @@
     <p:extLst>
       <p:ext uri="{BB962C8B-B14F-4D97-AF65-F5344CB8AC3E}">
         <p14:creationId xmlns:p14="http://schemas.microsoft.com/office/powerpoint/2010/main" val="3263818960"/>
+      </p:ext>
+    </p:extLst>
+  </p:cSld>
+  <p:clrMapOvr>
+    <a:masterClrMapping/>
+  </p:clrMapOvr>
+  <p:timing>
+    <p:tnLst>
+      <p:par>
+        <p:cTn id="1" dur="indefinite" restart="never" nodeType="tmRoot"/>
+      </p:par>
+    </p:tnLst>
+  </p:timing>
+</p:sld>
+</file>
+
+<file path=ppt/slides/slide7.xml><?xml version="1.0" encoding="utf-8"?>
+<p:sld xmlns:a="http://schemas.openxmlformats.org/drawingml/2006/main" xmlns:r="http://schemas.openxmlformats.org/officeDocument/2006/relationships" xmlns:p="http://schemas.openxmlformats.org/presentationml/2006/main">
+  <p:cSld>
+    <p:spTree>
+      <p:nvGrpSpPr>
+        <p:cNvPr id="1" name=""/>
+        <p:cNvGrpSpPr/>
+        <p:nvPr/>
+      </p:nvGrpSpPr>
+      <p:grpSpPr>
+        <a:xfrm>
+          <a:off x="0" y="0"/>
+          <a:ext cx="0" cy="0"/>
+          <a:chOff x="0" y="0"/>
+          <a:chExt cx="0" cy="0"/>
+        </a:xfrm>
+      </p:grpSpPr>
+      <p:sp>
+        <p:nvSpPr>
+          <p:cNvPr id="2" name="Titolo verticale 1"/>
+          <p:cNvSpPr>
+            <a:spLocks noGrp="1"/>
+          </p:cNvSpPr>
+          <p:nvPr>
+            <p:ph type="title" orient="vert"/>
+          </p:nvPr>
+        </p:nvSpPr>
+        <p:spPr/>
+        <p:txBody>
+          <a:bodyPr/>
+          <a:lstStyle/>
+          <a:p>
+            <a:r>
+              <a:rPr lang="it-IT" dirty="0" smtClean="0"/>
+              <a:t>Storia del Peer To Peer – Cos’è?</a:t>
+            </a:r>
+            <a:endParaRPr lang="it-IT" dirty="0"/>
+          </a:p>
+        </p:txBody>
+      </p:sp>
+      <p:sp>
+        <p:nvSpPr>
+          <p:cNvPr id="3" name="Segnaposto testo verticale 2"/>
+          <p:cNvSpPr>
+            <a:spLocks noGrp="1"/>
+          </p:cNvSpPr>
+          <p:nvPr>
+            <p:ph type="body" orient="vert" idx="1"/>
+          </p:nvPr>
+        </p:nvSpPr>
+        <p:spPr/>
+        <p:txBody>
+          <a:bodyPr/>
+          <a:lstStyle/>
+          <a:p>
+            <a:r>
+              <a:rPr lang="it-IT" dirty="0" smtClean="0"/>
+              <a:t>Paradigma che promuove la condivisione di risorse all’interno di una rete direttamente tra i membri di questa rete</a:t>
+            </a:r>
+            <a:endParaRPr lang="it-IT" dirty="0"/>
+          </a:p>
+        </p:txBody>
+      </p:sp>
+    </p:spTree>
+    <p:extLst>
+      <p:ext uri="{BB962C8B-B14F-4D97-AF65-F5344CB8AC3E}">
+        <p14:creationId xmlns:p14="http://schemas.microsoft.com/office/powerpoint/2010/main" val="520296978"/>
+      </p:ext>
+    </p:extLst>
+  </p:cSld>
+  <p:clrMapOvr>
+    <a:masterClrMapping/>
+  </p:clrMapOvr>
+  <p:timing>
+    <p:tnLst>
+      <p:par>
+        <p:cTn id="1" dur="indefinite" restart="never" nodeType="tmRoot"/>
+      </p:par>
+    </p:tnLst>
+  </p:timing>
+</p:sld>
+</file>
+
+<file path=ppt/slides/slide8.xml><?xml version="1.0" encoding="utf-8"?>
+<p:sld xmlns:a="http://schemas.openxmlformats.org/drawingml/2006/main" xmlns:r="http://schemas.openxmlformats.org/officeDocument/2006/relationships" xmlns:p="http://schemas.openxmlformats.org/presentationml/2006/main">
+  <p:cSld>
+    <p:spTree>
+      <p:nvGrpSpPr>
+        <p:cNvPr id="1" name=""/>
+        <p:cNvGrpSpPr/>
+        <p:nvPr/>
+      </p:nvGrpSpPr>
+      <p:grpSpPr>
+        <a:xfrm>
+          <a:off x="0" y="0"/>
+          <a:ext cx="0" cy="0"/>
+          <a:chOff x="0" y="0"/>
+          <a:chExt cx="0" cy="0"/>
+        </a:xfrm>
+      </p:grpSpPr>
+      <p:sp>
+        <p:nvSpPr>
+          <p:cNvPr id="2" name="Segnaposto testo verticale 1"/>
+          <p:cNvSpPr>
+            <a:spLocks noGrp="1"/>
+          </p:cNvSpPr>
+          <p:nvPr>
+            <p:ph type="body" orient="vert" idx="1"/>
+          </p:nvPr>
+        </p:nvSpPr>
+        <p:spPr>
+          <a:xfrm rot="16200000">
+            <a:off x="2374096" y="-853816"/>
+            <a:ext cx="4382074" cy="8771242"/>
+          </a:xfrm>
+        </p:spPr>
+        <p:txBody>
+          <a:bodyPr/>
+          <a:lstStyle/>
+          <a:p>
+            <a:pPr marL="457200" indent="-457200">
+              <a:buFont typeface="Arial" pitchFamily="34" charset="0"/>
+              <a:buChar char="•"/>
+            </a:pPr>
+            <a:r>
+              <a:rPr lang="it-IT" dirty="0" smtClean="0"/>
+              <a:t>Aumento banda internet ( fibra ottica)</a:t>
+            </a:r>
+          </a:p>
+          <a:p>
+            <a:pPr marL="457200" indent="-457200">
+              <a:buFont typeface="Arial" pitchFamily="34" charset="0"/>
+              <a:buChar char="•"/>
+            </a:pPr>
+            <a:r>
+              <a:rPr lang="it-IT" dirty="0" smtClean="0"/>
+              <a:t>Aumento potenza di calcolo dei computer stessi</a:t>
+            </a:r>
+            <a:endParaRPr lang="it-IT" dirty="0"/>
+          </a:p>
+        </p:txBody>
+      </p:sp>
+      <p:sp>
+        <p:nvSpPr>
+          <p:cNvPr id="3" name="Titolo verticale 2"/>
+          <p:cNvSpPr>
+            <a:spLocks noGrp="1"/>
+          </p:cNvSpPr>
+          <p:nvPr>
+            <p:ph type="title" orient="vert"/>
+          </p:nvPr>
+        </p:nvSpPr>
+        <p:spPr/>
+        <p:txBody>
+          <a:bodyPr/>
+          <a:lstStyle/>
+          <a:p>
+            <a:r>
+              <a:rPr lang="it-IT" dirty="0"/>
+              <a:t>Storia del Peer To Peer – </a:t>
+            </a:r>
+            <a:r>
+              <a:rPr lang="it-IT" dirty="0" smtClean="0"/>
+              <a:t>Perché ora?</a:t>
+            </a:r>
+            <a:endParaRPr lang="it-IT" dirty="0"/>
+          </a:p>
+        </p:txBody>
+      </p:sp>
+    </p:spTree>
+    <p:extLst>
+      <p:ext uri="{BB962C8B-B14F-4D97-AF65-F5344CB8AC3E}">
+        <p14:creationId xmlns:p14="http://schemas.microsoft.com/office/powerpoint/2010/main" val="3196368034"/>
+      </p:ext>
+    </p:extLst>
+  </p:cSld>
+  <p:clrMapOvr>
+    <a:masterClrMapping/>
+  </p:clrMapOvr>
+  <p:timing>
+    <p:tnLst>
+      <p:par>
+        <p:cTn id="1" dur="indefinite" restart="never" nodeType="tmRoot"/>
+      </p:par>
+    </p:tnLst>
+  </p:timing>
+</p:sld>
+</file>
+
+<file path=ppt/slides/slide9.xml><?xml version="1.0" encoding="utf-8"?>
+<p:sld xmlns:a="http://schemas.openxmlformats.org/drawingml/2006/main" xmlns:r="http://schemas.openxmlformats.org/officeDocument/2006/relationships" xmlns:p="http://schemas.openxmlformats.org/presentationml/2006/main">
+  <p:cSld>
+    <p:spTree>
+      <p:nvGrpSpPr>
+        <p:cNvPr id="1" name=""/>
+        <p:cNvGrpSpPr/>
+        <p:nvPr/>
+      </p:nvGrpSpPr>
+      <p:grpSpPr>
+        <a:xfrm>
+          <a:off x="0" y="0"/>
+          <a:ext cx="0" cy="0"/>
+          <a:chOff x="0" y="0"/>
+          <a:chExt cx="0" cy="0"/>
+        </a:xfrm>
+      </p:grpSpPr>
+      <p:sp>
+        <p:nvSpPr>
+          <p:cNvPr id="2" name="Segnaposto testo verticale 1"/>
+          <p:cNvSpPr>
+            <a:spLocks noGrp="1"/>
+          </p:cNvSpPr>
+          <p:nvPr>
+            <p:ph type="body" orient="vert" idx="1"/>
+          </p:nvPr>
+        </p:nvSpPr>
+        <p:spPr/>
+        <p:txBody>
+          <a:bodyPr/>
+          <a:lstStyle/>
+          <a:p>
+            <a:pPr marL="457200" indent="-457200">
+              <a:buFont typeface="Arial" pitchFamily="34" charset="0"/>
+              <a:buChar char="•"/>
+            </a:pPr>
+            <a:r>
+              <a:rPr lang="it-IT" dirty="0" smtClean="0"/>
+              <a:t>Napster (1999 -  2001)</a:t>
+            </a:r>
+          </a:p>
+          <a:p>
+            <a:pPr marL="457200" indent="-457200">
+              <a:buFont typeface="Arial" pitchFamily="34" charset="0"/>
+              <a:buChar char="•"/>
+            </a:pPr>
+            <a:r>
+              <a:rPr lang="it-IT" dirty="0" err="1" smtClean="0"/>
+              <a:t>Gnutella</a:t>
+            </a:r>
+            <a:r>
+              <a:rPr lang="it-IT" dirty="0" smtClean="0"/>
+              <a:t> (1999 – </a:t>
+            </a:r>
+            <a:r>
+              <a:rPr lang="it-IT" dirty="0" err="1" smtClean="0"/>
+              <a:t>today</a:t>
+            </a:r>
+            <a:r>
+              <a:rPr lang="it-IT" dirty="0" smtClean="0"/>
+              <a:t>)</a:t>
+            </a:r>
+          </a:p>
+          <a:p>
+            <a:pPr marL="457200" indent="-457200">
+              <a:buFont typeface="Arial" pitchFamily="34" charset="0"/>
+              <a:buChar char="•"/>
+            </a:pPr>
+            <a:r>
+              <a:rPr lang="it-IT" dirty="0" err="1" smtClean="0"/>
+              <a:t>Kazaa</a:t>
+            </a:r>
+            <a:r>
+              <a:rPr lang="it-IT" dirty="0" smtClean="0"/>
+              <a:t> (2001 – 2012)</a:t>
+            </a:r>
+          </a:p>
+          <a:p>
+            <a:pPr marL="457200" indent="-457200">
+              <a:buFont typeface="Arial" pitchFamily="34" charset="0"/>
+              <a:buChar char="•"/>
+            </a:pPr>
+            <a:r>
+              <a:rPr lang="it-IT" dirty="0" smtClean="0"/>
+              <a:t>Bit </a:t>
+            </a:r>
+            <a:r>
+              <a:rPr lang="it-IT" dirty="0" err="1" smtClean="0"/>
+              <a:t>torrent</a:t>
+            </a:r>
+            <a:r>
+              <a:rPr lang="it-IT" dirty="0" smtClean="0"/>
+              <a:t> (2001 – </a:t>
+            </a:r>
+            <a:r>
+              <a:rPr lang="it-IT" dirty="0" err="1" smtClean="0"/>
+              <a:t>today</a:t>
+            </a:r>
+            <a:r>
+              <a:rPr lang="it-IT" dirty="0" smtClean="0"/>
+              <a:t>)</a:t>
+            </a:r>
+          </a:p>
+          <a:p>
+            <a:pPr marL="457200" indent="-457200">
+              <a:buFont typeface="Arial" pitchFamily="34" charset="0"/>
+              <a:buChar char="•"/>
+            </a:pPr>
+            <a:r>
+              <a:rPr lang="it-IT" dirty="0" smtClean="0"/>
+              <a:t>….</a:t>
+            </a:r>
+          </a:p>
+          <a:p>
+            <a:pPr marL="457200" indent="-457200">
+              <a:buFont typeface="Arial" pitchFamily="34" charset="0"/>
+              <a:buChar char="•"/>
+            </a:pPr>
+            <a:r>
+              <a:rPr lang="it-IT" dirty="0" err="1" smtClean="0"/>
+              <a:t>Bitcoin</a:t>
+            </a:r>
+            <a:r>
+              <a:rPr lang="it-IT" dirty="0" smtClean="0"/>
+              <a:t> (2009 – </a:t>
+            </a:r>
+            <a:r>
+              <a:rPr lang="it-IT" dirty="0" err="1" smtClean="0"/>
+              <a:t>today</a:t>
+            </a:r>
+            <a:r>
+              <a:rPr lang="it-IT" dirty="0" smtClean="0"/>
+              <a:t>)</a:t>
+            </a:r>
+          </a:p>
+          <a:p>
+            <a:pPr marL="457200" indent="-457200">
+              <a:buFont typeface="Arial" pitchFamily="34" charset="0"/>
+              <a:buChar char="•"/>
+            </a:pPr>
+            <a:endParaRPr lang="it-IT" dirty="0"/>
+          </a:p>
+        </p:txBody>
+      </p:sp>
+      <p:sp>
+        <p:nvSpPr>
+          <p:cNvPr id="3" name="Titolo verticale 2"/>
+          <p:cNvSpPr>
+            <a:spLocks noGrp="1"/>
+          </p:cNvSpPr>
+          <p:nvPr>
+            <p:ph type="title" orient="vert"/>
+          </p:nvPr>
+        </p:nvSpPr>
+        <p:spPr/>
+        <p:txBody>
+          <a:bodyPr/>
+          <a:lstStyle/>
+          <a:p>
+            <a:r>
+              <a:rPr lang="it-IT" dirty="0"/>
+              <a:t>Storia del Peer To Peer </a:t>
+            </a:r>
+            <a:r>
+              <a:rPr lang="it-IT" dirty="0" smtClean="0"/>
+              <a:t>– Esempi</a:t>
+            </a:r>
+            <a:endParaRPr lang="it-IT" dirty="0"/>
+          </a:p>
+        </p:txBody>
+      </p:sp>
+    </p:spTree>
+    <p:extLst>
+      <p:ext uri="{BB962C8B-B14F-4D97-AF65-F5344CB8AC3E}">
+        <p14:creationId xmlns:p14="http://schemas.microsoft.com/office/powerpoint/2010/main" val="2032788050"/>
       </p:ext>
     </p:extLst>
   </p:cSld>
@@ -5788,4 +15161,289 @@
   <a:objectDefaults/>
   <a:extraClrSchemeLst/>
 </a:theme>
+</file>
+
+<file path=ppt/theme/theme3.xml><?xml version="1.0" encoding="utf-8"?>
+<a:theme xmlns:a="http://schemas.openxmlformats.org/drawingml/2006/main" name="Tema di Office">
+  <a:themeElements>
+    <a:clrScheme name="Office">
+      <a:dk1>
+        <a:sysClr val="windowText" lastClr="000000"/>
+      </a:dk1>
+      <a:lt1>
+        <a:sysClr val="window" lastClr="FFFFFF"/>
+      </a:lt1>
+      <a:dk2>
+        <a:srgbClr val="1F497D"/>
+      </a:dk2>
+      <a:lt2>
+        <a:srgbClr val="EEECE1"/>
+      </a:lt2>
+      <a:accent1>
+        <a:srgbClr val="4F81BD"/>
+      </a:accent1>
+      <a:accent2>
+        <a:srgbClr val="C0504D"/>
+      </a:accent2>
+      <a:accent3>
+        <a:srgbClr val="9BBB59"/>
+      </a:accent3>
+      <a:accent4>
+        <a:srgbClr val="8064A2"/>
+      </a:accent4>
+      <a:accent5>
+        <a:srgbClr val="4BACC6"/>
+      </a:accent5>
+      <a:accent6>
+        <a:srgbClr val="F79646"/>
+      </a:accent6>
+      <a:hlink>
+        <a:srgbClr val="0000FF"/>
+      </a:hlink>
+      <a:folHlink>
+        <a:srgbClr val="800080"/>
+      </a:folHlink>
+    </a:clrScheme>
+    <a:fontScheme name="Office">
+      <a:majorFont>
+        <a:latin typeface="Calibri"/>
+        <a:ea typeface=""/>
+        <a:cs typeface=""/>
+        <a:font script="Jpan" typeface="ＭＳ Ｐゴシック"/>
+        <a:font script="Hang" typeface="맑은 고딕"/>
+        <a:font script="Hans" typeface="宋体"/>
+        <a:font script="Hant" typeface="新細明體"/>
+        <a:font script="Arab" typeface="Times New Roman"/>
+        <a:font script="Hebr" typeface="Times New Roman"/>
+        <a:font script="Thai" typeface="Angsana New"/>
+        <a:font script="Ethi" typeface="Nyala"/>
+        <a:font script="Beng" typeface="Vrinda"/>
+        <a:font script="Gujr" typeface="Shruti"/>
+        <a:font script="Khmr" typeface="MoolBoran"/>
+        <a:font script="Knda" typeface="Tunga"/>
+        <a:font script="Guru" typeface="Raavi"/>
+        <a:font script="Cans" typeface="Euphemia"/>
+        <a:font script="Cher" typeface="Plantagenet Cherokee"/>
+        <a:font script="Yiii" typeface="Microsoft Yi Baiti"/>
+        <a:font script="Tibt" typeface="Microsoft Himalaya"/>
+        <a:font script="Thaa" typeface="MV Boli"/>
+        <a:font script="Deva" typeface="Mangal"/>
+        <a:font script="Telu" typeface="Gautami"/>
+        <a:font script="Taml" typeface="Latha"/>
+        <a:font script="Syrc" typeface="Estrangelo Edessa"/>
+        <a:font script="Orya" typeface="Kalinga"/>
+        <a:font script="Mlym" typeface="Kartika"/>
+        <a:font script="Laoo" typeface="DokChampa"/>
+        <a:font script="Sinh" typeface="Iskoola Pota"/>
+        <a:font script="Mong" typeface="Mongolian Baiti"/>
+        <a:font script="Viet" typeface="Times New Roman"/>
+        <a:font script="Uigh" typeface="Microsoft Uighur"/>
+        <a:font script="Geor" typeface="Sylfaen"/>
+      </a:majorFont>
+      <a:minorFont>
+        <a:latin typeface="Calibri"/>
+        <a:ea typeface=""/>
+        <a:cs typeface=""/>
+        <a:font script="Jpan" typeface="ＭＳ Ｐゴシック"/>
+        <a:font script="Hang" typeface="맑은 고딕"/>
+        <a:font script="Hans" typeface="宋体"/>
+        <a:font script="Hant" typeface="新細明體"/>
+        <a:font script="Arab" typeface="Arial"/>
+        <a:font script="Hebr" typeface="Arial"/>
+        <a:font script="Thai" typeface="Cordia New"/>
+        <a:font script="Ethi" typeface="Nyala"/>
+        <a:font script="Beng" typeface="Vrinda"/>
+        <a:font script="Gujr" typeface="Shruti"/>
+        <a:font script="Khmr" typeface="DaunPenh"/>
+        <a:font script="Knda" typeface="Tunga"/>
+        <a:font script="Guru" typeface="Raavi"/>
+        <a:font script="Cans" typeface="Euphemia"/>
+        <a:font script="Cher" typeface="Plantagenet Cherokee"/>
+        <a:font script="Yiii" typeface="Microsoft Yi Baiti"/>
+        <a:font script="Tibt" typeface="Microsoft Himalaya"/>
+        <a:font script="Thaa" typeface="MV Boli"/>
+        <a:font script="Deva" typeface="Mangal"/>
+        <a:font script="Telu" typeface="Gautami"/>
+        <a:font script="Taml" typeface="Latha"/>
+        <a:font script="Syrc" typeface="Estrangelo Edessa"/>
+        <a:font script="Orya" typeface="Kalinga"/>
+        <a:font script="Mlym" typeface="Kartika"/>
+        <a:font script="Laoo" typeface="DokChampa"/>
+        <a:font script="Sinh" typeface="Iskoola Pota"/>
+        <a:font script="Mong" typeface="Mongolian Baiti"/>
+        <a:font script="Viet" typeface="Arial"/>
+        <a:font script="Uigh" typeface="Microsoft Uighur"/>
+        <a:font script="Geor" typeface="Sylfaen"/>
+      </a:minorFont>
+    </a:fontScheme>
+    <a:fmtScheme name="Office">
+      <a:fillStyleLst>
+        <a:solidFill>
+          <a:schemeClr val="phClr"/>
+        </a:solidFill>
+        <a:gradFill rotWithShape="1">
+          <a:gsLst>
+            <a:gs pos="0">
+              <a:schemeClr val="phClr">
+                <a:tint val="50000"/>
+                <a:satMod val="300000"/>
+              </a:schemeClr>
+            </a:gs>
+            <a:gs pos="35000">
+              <a:schemeClr val="phClr">
+                <a:tint val="37000"/>
+                <a:satMod val="300000"/>
+              </a:schemeClr>
+            </a:gs>
+            <a:gs pos="100000">
+              <a:schemeClr val="phClr">
+                <a:tint val="15000"/>
+                <a:satMod val="350000"/>
+              </a:schemeClr>
+            </a:gs>
+          </a:gsLst>
+          <a:lin ang="16200000" scaled="1"/>
+        </a:gradFill>
+        <a:gradFill rotWithShape="1">
+          <a:gsLst>
+            <a:gs pos="0">
+              <a:schemeClr val="phClr">
+                <a:shade val="51000"/>
+                <a:satMod val="130000"/>
+              </a:schemeClr>
+            </a:gs>
+            <a:gs pos="80000">
+              <a:schemeClr val="phClr">
+                <a:shade val="93000"/>
+                <a:satMod val="130000"/>
+              </a:schemeClr>
+            </a:gs>
+            <a:gs pos="100000">
+              <a:schemeClr val="phClr">
+                <a:shade val="94000"/>
+                <a:satMod val="135000"/>
+              </a:schemeClr>
+            </a:gs>
+          </a:gsLst>
+          <a:lin ang="16200000" scaled="0"/>
+        </a:gradFill>
+      </a:fillStyleLst>
+      <a:lnStyleLst>
+        <a:ln w="9525" cap="flat" cmpd="sng" algn="ctr">
+          <a:solidFill>
+            <a:schemeClr val="phClr">
+              <a:shade val="95000"/>
+              <a:satMod val="105000"/>
+            </a:schemeClr>
+          </a:solidFill>
+          <a:prstDash val="solid"/>
+        </a:ln>
+        <a:ln w="25400" cap="flat" cmpd="sng" algn="ctr">
+          <a:solidFill>
+            <a:schemeClr val="phClr"/>
+          </a:solidFill>
+          <a:prstDash val="solid"/>
+        </a:ln>
+        <a:ln w="38100" cap="flat" cmpd="sng" algn="ctr">
+          <a:solidFill>
+            <a:schemeClr val="phClr"/>
+          </a:solidFill>
+          <a:prstDash val="solid"/>
+        </a:ln>
+      </a:lnStyleLst>
+      <a:effectStyleLst>
+        <a:effectStyle>
+          <a:effectLst>
+            <a:outerShdw blurRad="40000" dist="20000" dir="5400000" rotWithShape="0">
+              <a:srgbClr val="000000">
+                <a:alpha val="38000"/>
+              </a:srgbClr>
+            </a:outerShdw>
+          </a:effectLst>
+        </a:effectStyle>
+        <a:effectStyle>
+          <a:effectLst>
+            <a:outerShdw blurRad="40000" dist="23000" dir="5400000" rotWithShape="0">
+              <a:srgbClr val="000000">
+                <a:alpha val="35000"/>
+              </a:srgbClr>
+            </a:outerShdw>
+          </a:effectLst>
+        </a:effectStyle>
+        <a:effectStyle>
+          <a:effectLst>
+            <a:outerShdw blurRad="40000" dist="23000" dir="5400000" rotWithShape="0">
+              <a:srgbClr val="000000">
+                <a:alpha val="35000"/>
+              </a:srgbClr>
+            </a:outerShdw>
+          </a:effectLst>
+          <a:scene3d>
+            <a:camera prst="orthographicFront">
+              <a:rot lat="0" lon="0" rev="0"/>
+            </a:camera>
+            <a:lightRig rig="threePt" dir="t">
+              <a:rot lat="0" lon="0" rev="1200000"/>
+            </a:lightRig>
+          </a:scene3d>
+          <a:sp3d>
+            <a:bevelT w="63500" h="25400"/>
+          </a:sp3d>
+        </a:effectStyle>
+      </a:effectStyleLst>
+      <a:bgFillStyleLst>
+        <a:solidFill>
+          <a:schemeClr val="phClr"/>
+        </a:solidFill>
+        <a:gradFill rotWithShape="1">
+          <a:gsLst>
+            <a:gs pos="0">
+              <a:schemeClr val="phClr">
+                <a:tint val="40000"/>
+                <a:satMod val="350000"/>
+              </a:schemeClr>
+            </a:gs>
+            <a:gs pos="40000">
+              <a:schemeClr val="phClr">
+                <a:tint val="45000"/>
+                <a:shade val="99000"/>
+                <a:satMod val="350000"/>
+              </a:schemeClr>
+            </a:gs>
+            <a:gs pos="100000">
+              <a:schemeClr val="phClr">
+                <a:shade val="20000"/>
+                <a:satMod val="255000"/>
+              </a:schemeClr>
+            </a:gs>
+          </a:gsLst>
+          <a:path path="circle">
+            <a:fillToRect l="50000" t="-80000" r="50000" b="180000"/>
+          </a:path>
+        </a:gradFill>
+        <a:gradFill rotWithShape="1">
+          <a:gsLst>
+            <a:gs pos="0">
+              <a:schemeClr val="phClr">
+                <a:tint val="80000"/>
+                <a:satMod val="300000"/>
+              </a:schemeClr>
+            </a:gs>
+            <a:gs pos="100000">
+              <a:schemeClr val="phClr">
+                <a:shade val="30000"/>
+                <a:satMod val="200000"/>
+              </a:schemeClr>
+            </a:gs>
+          </a:gsLst>
+          <a:path path="circle">
+            <a:fillToRect l="50000" t="50000" r="50000" b="50000"/>
+          </a:path>
+        </a:gradFill>
+      </a:bgFillStyleLst>
+    </a:fmtScheme>
+  </a:themeElements>
+  <a:objectDefaults/>
+  <a:extraClrSchemeLst/>
+</a:theme>
 </file>
--- a/Presentazione.pptx
+++ b/Presentazione.pptx
@@ -6,7 +6,7 @@
     <p:sldMasterId id="2147483665" r:id="rId2"/>
   </p:sldMasterIdLst>
   <p:notesMasterIdLst>
-    <p:notesMasterId r:id="rId30"/>
+    <p:notesMasterId r:id="rId39"/>
   </p:notesMasterIdLst>
   <p:sldIdLst>
     <p:sldId id="258" r:id="rId3"/>
@@ -36,6 +36,15 @@
     <p:sldId id="283" r:id="rId27"/>
     <p:sldId id="284" r:id="rId28"/>
     <p:sldId id="285" r:id="rId29"/>
+    <p:sldId id="286" r:id="rId30"/>
+    <p:sldId id="287" r:id="rId31"/>
+    <p:sldId id="288" r:id="rId32"/>
+    <p:sldId id="289" r:id="rId33"/>
+    <p:sldId id="290" r:id="rId34"/>
+    <p:sldId id="291" r:id="rId35"/>
+    <p:sldId id="292" r:id="rId36"/>
+    <p:sldId id="293" r:id="rId37"/>
+    <p:sldId id="294" r:id="rId38"/>
   </p:sldIdLst>
   <p:sldSz cx="9144000" cy="6858000" type="screen4x3"/>
   <p:notesSz cx="6858000" cy="9144000"/>
@@ -134,6 +143,22 @@
       </a:defRPr>
     </a:lvl9pPr>
   </p:defaultTextStyle>
+  <p:extLst>
+    <p:ext uri="{EFAFB233-063F-42B5-8137-9DF3F51BA10A}">
+      <p15:sldGuideLst xmlns:p15="http://schemas.microsoft.com/office/powerpoint/2012/main">
+        <p15:guide id="1" orient="horz" pos="2160">
+          <p15:clr>
+            <a:srgbClr val="A4A3A4"/>
+          </p15:clr>
+        </p15:guide>
+        <p15:guide id="2" pos="2880">
+          <p15:clr>
+            <a:srgbClr val="A4A3A4"/>
+          </p15:clr>
+        </p15:guide>
+      </p15:sldGuideLst>
+    </p:ext>
+  </p:extLst>
 </p:presentation>
 </file>
 
@@ -219,7 +244,7 @@
           <a:p>
             <a:fld id="{F27EA845-85CE-45E8-B19E-7CDFF949B86A}" type="datetimeFigureOut">
               <a:rPr lang="it-IT" smtClean="0"/>
-              <a:t>02/03/2018</a:t>
+              <a:t>03/03/2018</a:t>
             </a:fld>
             <a:endParaRPr lang="it-IT"/>
           </a:p>
@@ -283,38 +308,37 @@
           <a:p>
             <a:pPr lvl="0"/>
             <a:r>
-              <a:rPr lang="it-IT" smtClean="0"/>
+              <a:rPr lang="it-IT"/>
               <a:t>Fare clic per modificare stili del testo dello schema</a:t>
             </a:r>
           </a:p>
           <a:p>
             <a:pPr lvl="1"/>
             <a:r>
-              <a:rPr lang="it-IT" smtClean="0"/>
+              <a:rPr lang="it-IT"/>
               <a:t>Secondo livello</a:t>
             </a:r>
           </a:p>
           <a:p>
             <a:pPr lvl="2"/>
             <a:r>
-              <a:rPr lang="it-IT" smtClean="0"/>
+              <a:rPr lang="it-IT"/>
               <a:t>Terzo livello</a:t>
             </a:r>
           </a:p>
           <a:p>
             <a:pPr lvl="3"/>
             <a:r>
-              <a:rPr lang="it-IT" smtClean="0"/>
+              <a:rPr lang="it-IT"/>
               <a:t>Quarto livello</a:t>
             </a:r>
           </a:p>
           <a:p>
             <a:pPr lvl="4"/>
             <a:r>
-              <a:rPr lang="it-IT" smtClean="0"/>
+              <a:rPr lang="it-IT"/>
               <a:t>Quinto livello</a:t>
             </a:r>
-            <a:endParaRPr lang="it-IT"/>
           </a:p>
         </p:txBody>
       </p:sp>
@@ -532,40 +556,40 @@
           <a:lstStyle/>
           <a:p>
             <a:r>
-              <a:rPr lang="it-IT" dirty="0" smtClean="0"/>
+              <a:rPr lang="it-IT"/>
               <a:t>Un esempio di valore salvato (in</a:t>
             </a:r>
             <a:r>
-              <a:rPr lang="it-IT" baseline="0" dirty="0" smtClean="0"/>
+              <a:rPr lang="it-IT" baseline="0"/>
               <a:t> </a:t>
             </a:r>
             <a:r>
-              <a:rPr lang="it-IT" baseline="0" dirty="0" err="1" smtClean="0"/>
+              <a:rPr lang="it-IT" baseline="0" err="1"/>
               <a:t>bitcoin</a:t>
             </a:r>
             <a:r>
-              <a:rPr lang="it-IT" baseline="0" dirty="0" smtClean="0"/>
+              <a:rPr lang="it-IT" baseline="0"/>
               <a:t>) è la transazione stessa (</a:t>
             </a:r>
             <a:r>
-              <a:rPr lang="it-IT" baseline="0" dirty="0" err="1" smtClean="0"/>
+              <a:rPr lang="it-IT" baseline="0" err="1"/>
               <a:t>Da,Per</a:t>
             </a:r>
             <a:r>
-              <a:rPr lang="it-IT" baseline="0" dirty="0" smtClean="0"/>
+              <a:rPr lang="it-IT" baseline="0"/>
               <a:t>, valore transazione)</a:t>
             </a:r>
           </a:p>
           <a:p>
             <a:r>
-              <a:rPr lang="it-IT" baseline="0" dirty="0" err="1" smtClean="0"/>
+              <a:rPr lang="it-IT" baseline="0" err="1"/>
               <a:t>Hash</a:t>
             </a:r>
             <a:r>
-              <a:rPr lang="it-IT" baseline="0" dirty="0" smtClean="0"/>
+              <a:rPr lang="it-IT" baseline="0"/>
               <a:t> è sinonimo di IMPRONTA DIGITALE</a:t>
             </a:r>
-            <a:endParaRPr lang="it-IT" dirty="0"/>
+            <a:endParaRPr lang="it-IT"/>
           </a:p>
         </p:txBody>
       </p:sp>
@@ -650,32 +674,32 @@
           <a:lstStyle/>
           <a:p>
             <a:r>
-              <a:rPr lang="it-IT" dirty="0" smtClean="0"/>
+              <a:rPr lang="it-IT"/>
               <a:t>PROOF</a:t>
             </a:r>
             <a:r>
-              <a:rPr lang="it-IT" baseline="0" dirty="0" smtClean="0"/>
+              <a:rPr lang="it-IT" baseline="0"/>
               <a:t> OF WORK -&gt; meccanismo che rallenta la produzione di nuovi blocchi alla catena. Se quindi un blocco cambiasse, tutti i blocchi dovrebbero ricalcolare la catena.</a:t>
             </a:r>
           </a:p>
           <a:p>
             <a:r>
-              <a:rPr lang="it-IT" baseline="0" dirty="0" smtClean="0"/>
+              <a:rPr lang="it-IT" baseline="0"/>
               <a:t>La sicurezza arriva dalla combo </a:t>
             </a:r>
             <a:r>
-              <a:rPr lang="it-IT" baseline="0" dirty="0" err="1" smtClean="0"/>
+              <a:rPr lang="it-IT" baseline="0" err="1"/>
               <a:t>Proof</a:t>
             </a:r>
             <a:r>
-              <a:rPr lang="it-IT" baseline="0" dirty="0" smtClean="0"/>
+              <a:rPr lang="it-IT" baseline="0"/>
               <a:t>-of-work / </a:t>
             </a:r>
             <a:r>
-              <a:rPr lang="it-IT" baseline="0" dirty="0" err="1" smtClean="0"/>
+              <a:rPr lang="it-IT" baseline="0" err="1"/>
               <a:t>hashing</a:t>
             </a:r>
-            <a:endParaRPr lang="it-IT" dirty="0"/>
+            <a:endParaRPr lang="it-IT"/>
           </a:p>
         </p:txBody>
       </p:sp>
@@ -760,40 +784,40 @@
           <a:lstStyle/>
           <a:p>
             <a:r>
-              <a:rPr lang="it-IT" dirty="0" smtClean="0"/>
+              <a:rPr lang="it-IT"/>
               <a:t>Un esempio di valore salvato (in</a:t>
             </a:r>
             <a:r>
-              <a:rPr lang="it-IT" baseline="0" dirty="0" smtClean="0"/>
+              <a:rPr lang="it-IT" baseline="0"/>
               <a:t> </a:t>
             </a:r>
             <a:r>
-              <a:rPr lang="it-IT" baseline="0" dirty="0" err="1" smtClean="0"/>
+              <a:rPr lang="it-IT" baseline="0" err="1"/>
               <a:t>bitcoin</a:t>
             </a:r>
             <a:r>
-              <a:rPr lang="it-IT" baseline="0" dirty="0" smtClean="0"/>
+              <a:rPr lang="it-IT" baseline="0"/>
               <a:t>) è la transazione stessa (</a:t>
             </a:r>
             <a:r>
-              <a:rPr lang="it-IT" baseline="0" dirty="0" err="1" smtClean="0"/>
+              <a:rPr lang="it-IT" baseline="0" err="1"/>
               <a:t>Da,Per</a:t>
             </a:r>
             <a:r>
-              <a:rPr lang="it-IT" baseline="0" dirty="0" smtClean="0"/>
+              <a:rPr lang="it-IT" baseline="0"/>
               <a:t>, valore transazione)</a:t>
             </a:r>
           </a:p>
           <a:p>
             <a:r>
-              <a:rPr lang="it-IT" baseline="0" dirty="0" err="1" smtClean="0"/>
+              <a:rPr lang="it-IT" baseline="0" err="1"/>
               <a:t>Hash</a:t>
             </a:r>
             <a:r>
-              <a:rPr lang="it-IT" baseline="0" dirty="0" smtClean="0"/>
+              <a:rPr lang="it-IT" baseline="0"/>
               <a:t> è sinonimo di IMPRONTA DIGITALE</a:t>
             </a:r>
-            <a:endParaRPr lang="it-IT" dirty="0"/>
+            <a:endParaRPr lang="it-IT"/>
           </a:p>
         </p:txBody>
       </p:sp>
@@ -878,18 +902,18 @@
           <a:lstStyle/>
           <a:p>
             <a:r>
-              <a:rPr lang="it-IT" dirty="0" err="1" smtClean="0"/>
+              <a:rPr lang="it-IT" err="1"/>
               <a:t>Hash</a:t>
             </a:r>
             <a:r>
-              <a:rPr lang="it-IT" dirty="0" smtClean="0"/>
+              <a:rPr lang="it-IT"/>
               <a:t> è basata sul valore del cubo, se</a:t>
             </a:r>
             <a:r>
-              <a:rPr lang="it-IT" baseline="0" dirty="0" smtClean="0"/>
+              <a:rPr lang="it-IT" baseline="0"/>
               <a:t> questo cambia, cambia il cubo!</a:t>
             </a:r>
-            <a:endParaRPr lang="it-IT" dirty="0"/>
+            <a:endParaRPr lang="it-IT"/>
           </a:p>
         </p:txBody>
       </p:sp>
@@ -974,18 +998,18 @@
           <a:lstStyle/>
           <a:p>
             <a:r>
-              <a:rPr lang="it-IT" dirty="0" err="1" smtClean="0"/>
+              <a:rPr lang="it-IT" err="1"/>
               <a:t>Hash</a:t>
             </a:r>
             <a:r>
-              <a:rPr lang="it-IT" dirty="0" smtClean="0"/>
+              <a:rPr lang="it-IT"/>
               <a:t> è basata sul valore del cubo, se</a:t>
             </a:r>
             <a:r>
-              <a:rPr lang="it-IT" baseline="0" dirty="0" smtClean="0"/>
+              <a:rPr lang="it-IT" baseline="0"/>
               <a:t> questo cambia, cambia il cubo!</a:t>
             </a:r>
-            <a:endParaRPr lang="it-IT" dirty="0"/>
+            <a:endParaRPr lang="it-IT"/>
           </a:p>
         </p:txBody>
       </p:sp>
@@ -1070,18 +1094,18 @@
           <a:lstStyle/>
           <a:p>
             <a:r>
-              <a:rPr lang="it-IT" dirty="0" err="1" smtClean="0"/>
+              <a:rPr lang="it-IT" err="1"/>
               <a:t>Hash</a:t>
             </a:r>
             <a:r>
-              <a:rPr lang="it-IT" dirty="0" smtClean="0"/>
+              <a:rPr lang="it-IT"/>
               <a:t> è basata sul valore del cubo, se</a:t>
             </a:r>
             <a:r>
-              <a:rPr lang="it-IT" baseline="0" dirty="0" smtClean="0"/>
+              <a:rPr lang="it-IT" baseline="0"/>
               <a:t> questo cambia, cambia il cubo!</a:t>
             </a:r>
-            <a:endParaRPr lang="it-IT" dirty="0"/>
+            <a:endParaRPr lang="it-IT"/>
           </a:p>
         </p:txBody>
       </p:sp>
@@ -1166,10 +1190,9 @@
           <a:lstStyle/>
           <a:p>
             <a:r>
-              <a:rPr lang="it-IT" dirty="0" smtClean="0"/>
+              <a:rPr lang="it-IT"/>
               <a:t>Il primo blocco, che non punta a nessuno viene chiamato genesi</a:t>
             </a:r>
-            <a:endParaRPr lang="it-IT" dirty="0"/>
           </a:p>
         </p:txBody>
       </p:sp>
@@ -1254,30 +1277,22 @@
           <a:lstStyle/>
           <a:p>
             <a:r>
-              <a:rPr lang="it-IT" dirty="0" smtClean="0"/>
+              <a:rPr lang="it-IT"/>
               <a:t>Supponiamo che qualcuno corrompesse</a:t>
             </a:r>
             <a:r>
-              <a:rPr lang="it-IT" baseline="0" dirty="0" smtClean="0"/>
-              <a:t> il </a:t>
-            </a:r>
-            <a:r>
-              <a:rPr lang="it-IT" baseline="0" dirty="0" smtClean="0"/>
-              <a:t>valore del secondo </a:t>
-            </a:r>
-            <a:r>
-              <a:rPr lang="it-IT" baseline="0" dirty="0" smtClean="0"/>
-              <a:t>blocco. In questo caso, cambierebbe anche il suo </a:t>
-            </a:r>
-            <a:r>
-              <a:rPr lang="it-IT" baseline="0" dirty="0" err="1" smtClean="0"/>
+              <a:rPr lang="it-IT" baseline="0"/>
+              <a:t> il valore del secondo blocco. In questo caso, cambierebbe anche il suo </a:t>
+            </a:r>
+            <a:r>
+              <a:rPr lang="it-IT" baseline="0" err="1"/>
               <a:t>hash</a:t>
             </a:r>
             <a:r>
-              <a:rPr lang="it-IT" baseline="0" dirty="0" smtClean="0"/>
+              <a:rPr lang="it-IT" baseline="0"/>
               <a:t> e la catena si romperebbe</a:t>
             </a:r>
-            <a:endParaRPr lang="it-IT" dirty="0"/>
+            <a:endParaRPr lang="it-IT"/>
           </a:p>
         </p:txBody>
       </p:sp>
@@ -1362,30 +1377,22 @@
           <a:lstStyle/>
           <a:p>
             <a:r>
-              <a:rPr lang="it-IT" dirty="0" smtClean="0"/>
+              <a:rPr lang="it-IT"/>
               <a:t>Supponiamo che qualcuno corrompesse</a:t>
             </a:r>
             <a:r>
-              <a:rPr lang="it-IT" baseline="0" dirty="0" smtClean="0"/>
-              <a:t> il </a:t>
-            </a:r>
-            <a:r>
-              <a:rPr lang="it-IT" baseline="0" dirty="0" smtClean="0"/>
-              <a:t>valore del secondo </a:t>
-            </a:r>
-            <a:r>
-              <a:rPr lang="it-IT" baseline="0" dirty="0" smtClean="0"/>
-              <a:t>blocco. In questo caso, cambierebbe anche il suo </a:t>
-            </a:r>
-            <a:r>
-              <a:rPr lang="it-IT" baseline="0" dirty="0" err="1" smtClean="0"/>
+              <a:rPr lang="it-IT" baseline="0"/>
+              <a:t> il valore del secondo blocco. In questo caso, cambierebbe anche il suo </a:t>
+            </a:r>
+            <a:r>
+              <a:rPr lang="it-IT" baseline="0" err="1"/>
               <a:t>hash</a:t>
             </a:r>
             <a:r>
-              <a:rPr lang="it-IT" baseline="0" dirty="0" smtClean="0"/>
+              <a:rPr lang="it-IT" baseline="0"/>
               <a:t> e la catena si romperebbe</a:t>
             </a:r>
-            <a:endParaRPr lang="it-IT" dirty="0"/>
+            <a:endParaRPr lang="it-IT"/>
           </a:p>
         </p:txBody>
       </p:sp>
@@ -1470,30 +1477,26 @@
           <a:lstStyle/>
           <a:p>
             <a:r>
-              <a:rPr lang="it-IT" baseline="0" dirty="0" smtClean="0"/>
-              <a:t>Ma </a:t>
-            </a:r>
-            <a:r>
-              <a:rPr lang="it-IT" baseline="0" dirty="0" smtClean="0"/>
-              <a:t>al giorno d’oggi i PC possono </a:t>
-            </a:r>
-            <a:r>
-              <a:rPr lang="it-IT" baseline="0" dirty="0" err="1" smtClean="0"/>
+              <a:rPr lang="it-IT" baseline="0"/>
+              <a:t>Ma al giorno d’oggi i PC possono </a:t>
+            </a:r>
+            <a:r>
+              <a:rPr lang="it-IT" baseline="0" err="1"/>
               <a:t>calcorare</a:t>
             </a:r>
             <a:r>
-              <a:rPr lang="it-IT" baseline="0" dirty="0" smtClean="0"/>
+              <a:rPr lang="it-IT" baseline="0"/>
               <a:t> un sacco di </a:t>
             </a:r>
             <a:r>
-              <a:rPr lang="it-IT" baseline="0" dirty="0" err="1" smtClean="0"/>
+              <a:rPr lang="it-IT" baseline="0" err="1"/>
               <a:t>hash</a:t>
             </a:r>
             <a:r>
-              <a:rPr lang="it-IT" baseline="0" dirty="0" smtClean="0"/>
+              <a:rPr lang="it-IT" baseline="0"/>
               <a:t> al secondo, quindi serve una PROOF-OF-WORK</a:t>
             </a:r>
-            <a:endParaRPr lang="it-IT" dirty="0"/>
+            <a:endParaRPr lang="it-IT"/>
           </a:p>
         </p:txBody>
       </p:sp>
@@ -1583,10 +1586,9 @@
           </a:lstStyle>
           <a:p>
             <a:r>
-              <a:rPr lang="it-IT" dirty="0" smtClean="0"/>
+              <a:rPr lang="it-IT"/>
               <a:t>Inserisci qui il titolo</a:t>
             </a:r>
-            <a:endParaRPr lang="it-IT" dirty="0"/>
           </a:p>
         </p:txBody>
       </p:sp>
@@ -1716,7 +1718,7 @@
           </a:lstStyle>
           <a:p>
             <a:r>
-              <a:rPr lang="it-IT" b="1" dirty="0" smtClean="0">
+              <a:rPr lang="it-IT" b="1">
                 <a:solidFill>
                   <a:srgbClr val="FF6633"/>
                 </a:solidFill>
@@ -1724,12 +1726,6 @@
               </a:rPr>
               <a:t>PAOL</a:t>
             </a:r>
-            <a:endParaRPr lang="it-IT" b="1" dirty="0">
-              <a:solidFill>
-                <a:srgbClr val="FF6633"/>
-              </a:solidFill>
-              <a:latin typeface="Cabin"/>
-            </a:endParaRPr>
           </a:p>
         </p:txBody>
       </p:sp>
@@ -1797,18 +1793,13 @@
           <a:lstStyle/>
           <a:p>
             <a:r>
-              <a:rPr lang="it-IT" sz="2400" dirty="0" smtClean="0">
+              <a:rPr lang="it-IT" sz="2400">
                 <a:solidFill>
                   <a:srgbClr val="706F6F"/>
                 </a:solidFill>
               </a:rPr>
               <a:t>Collegio Universitario</a:t>
             </a:r>
-            <a:endParaRPr lang="it-IT" sz="2400" dirty="0">
-              <a:solidFill>
-                <a:srgbClr val="706F6F"/>
-              </a:solidFill>
-            </a:endParaRPr>
           </a:p>
         </p:txBody>
       </p:sp>
@@ -1835,7 +1826,7 @@
           <a:lstStyle/>
           <a:p>
             <a:r>
-              <a:rPr lang="it-IT" sz="1800" dirty="0" smtClean="0">
+              <a:rPr lang="it-IT" sz="1800">
                 <a:solidFill>
                   <a:srgbClr val="ADADAD"/>
                 </a:solidFill>
@@ -1843,14 +1834,14 @@
               <a:t>Salesiani</a:t>
             </a:r>
             <a:r>
-              <a:rPr lang="it-IT" sz="1800" baseline="0" dirty="0" smtClean="0">
+              <a:rPr lang="it-IT" sz="1800" baseline="0">
                 <a:solidFill>
                   <a:srgbClr val="ADADAD"/>
                 </a:solidFill>
               </a:rPr>
               <a:t> Don Bosco</a:t>
             </a:r>
-            <a:endParaRPr lang="it-IT" sz="1800" dirty="0">
+            <a:endParaRPr lang="it-IT" sz="1800">
               <a:solidFill>
                 <a:srgbClr val="ADADAD"/>
               </a:solidFill>
@@ -1916,7 +1907,7 @@
           <a:p>
             <a:pPr algn="r"/>
             <a:r>
-              <a:rPr lang="it-IT" sz="1800" dirty="0" smtClean="0">
+              <a:rPr lang="it-IT" sz="1800">
                 <a:solidFill>
                   <a:srgbClr val="FF6633"/>
                 </a:solidFill>
@@ -1927,18 +1918,13 @@
           <a:p>
             <a:pPr algn="r"/>
             <a:r>
-              <a:rPr lang="it-IT" sz="1800" dirty="0" smtClean="0">
+              <a:rPr lang="it-IT" sz="1800">
                 <a:solidFill>
                   <a:srgbClr val="FF6633"/>
                 </a:solidFill>
               </a:rPr>
               <a:t>Giacomo Randazzo</a:t>
             </a:r>
-            <a:endParaRPr lang="it-IT" sz="1800" dirty="0">
-              <a:solidFill>
-                <a:srgbClr val="FF6633"/>
-              </a:solidFill>
-            </a:endParaRPr>
           </a:p>
         </p:txBody>
       </p:sp>
@@ -1952,13 +1938,6 @@
   <p:clrMapOvr>
     <a:masterClrMapping/>
   </p:clrMapOvr>
-  <p:timing>
-    <p:tnLst>
-      <p:par>
-        <p:cTn id="1" dur="indefinite" restart="never" nodeType="tmRoot"/>
-      </p:par>
-    </p:tnLst>
-  </p:timing>
 </p:sldLayout>
 </file>
 
@@ -1999,10 +1978,9 @@
           </a:lstStyle>
           <a:p>
             <a:r>
-              <a:rPr lang="it-IT" smtClean="0"/>
+              <a:rPr lang="it-IT"/>
               <a:t>Fare clic per modificare lo stile del titolo</a:t>
             </a:r>
-            <a:endParaRPr lang="it-IT"/>
           </a:p>
         </p:txBody>
       </p:sp>
@@ -2065,7 +2043,7 @@
           <a:p>
             <a:pPr lvl="0"/>
             <a:r>
-              <a:rPr lang="it-IT" smtClean="0"/>
+              <a:rPr lang="it-IT"/>
               <a:t>Fare clic per modificare stili del testo dello schema</a:t>
             </a:r>
           </a:p>
@@ -2121,38 +2099,37 @@
           <a:p>
             <a:pPr lvl="0"/>
             <a:r>
-              <a:rPr lang="it-IT" smtClean="0"/>
+              <a:rPr lang="it-IT"/>
               <a:t>Fare clic per modificare stili del testo dello schema</a:t>
             </a:r>
           </a:p>
           <a:p>
             <a:pPr lvl="1"/>
             <a:r>
-              <a:rPr lang="it-IT" smtClean="0"/>
+              <a:rPr lang="it-IT"/>
               <a:t>Secondo livello</a:t>
             </a:r>
           </a:p>
           <a:p>
             <a:pPr lvl="2"/>
             <a:r>
-              <a:rPr lang="it-IT" smtClean="0"/>
+              <a:rPr lang="it-IT"/>
               <a:t>Terzo livello</a:t>
             </a:r>
           </a:p>
           <a:p>
             <a:pPr lvl="3"/>
             <a:r>
-              <a:rPr lang="it-IT" smtClean="0"/>
+              <a:rPr lang="it-IT"/>
               <a:t>Quarto livello</a:t>
             </a:r>
           </a:p>
           <a:p>
             <a:pPr lvl="4"/>
             <a:r>
-              <a:rPr lang="it-IT" smtClean="0"/>
+              <a:rPr lang="it-IT"/>
               <a:t>Quinto livello</a:t>
             </a:r>
-            <a:endParaRPr lang="it-IT"/>
           </a:p>
         </p:txBody>
       </p:sp>
@@ -2215,7 +2192,7 @@
           <a:p>
             <a:pPr lvl="0"/>
             <a:r>
-              <a:rPr lang="it-IT" smtClean="0"/>
+              <a:rPr lang="it-IT"/>
               <a:t>Fare clic per modificare stili del testo dello schema</a:t>
             </a:r>
           </a:p>
@@ -2271,38 +2248,37 @@
           <a:p>
             <a:pPr lvl="0"/>
             <a:r>
-              <a:rPr lang="it-IT" smtClean="0"/>
+              <a:rPr lang="it-IT"/>
               <a:t>Fare clic per modificare stili del testo dello schema</a:t>
             </a:r>
           </a:p>
           <a:p>
             <a:pPr lvl="1"/>
             <a:r>
-              <a:rPr lang="it-IT" smtClean="0"/>
+              <a:rPr lang="it-IT"/>
               <a:t>Secondo livello</a:t>
             </a:r>
           </a:p>
           <a:p>
             <a:pPr lvl="2"/>
             <a:r>
-              <a:rPr lang="it-IT" smtClean="0"/>
+              <a:rPr lang="it-IT"/>
               <a:t>Terzo livello</a:t>
             </a:r>
           </a:p>
           <a:p>
             <a:pPr lvl="3"/>
             <a:r>
-              <a:rPr lang="it-IT" smtClean="0"/>
+              <a:rPr lang="it-IT"/>
               <a:t>Quarto livello</a:t>
             </a:r>
           </a:p>
           <a:p>
             <a:pPr lvl="4"/>
             <a:r>
-              <a:rPr lang="it-IT" smtClean="0"/>
+              <a:rPr lang="it-IT"/>
               <a:t>Quinto livello</a:t>
             </a:r>
-            <a:endParaRPr lang="it-IT"/>
           </a:p>
         </p:txBody>
       </p:sp>
@@ -2323,7 +2299,7 @@
           <a:p>
             <a:fld id="{EEA66B03-0061-492A-9EC7-EE1D80E5446B}" type="datetimeFigureOut">
               <a:rPr lang="it-IT" smtClean="0"/>
-              <a:t>02/03/2018</a:t>
+              <a:t>03/03/2018</a:t>
             </a:fld>
             <a:endParaRPr lang="it-IT"/>
           </a:p>
@@ -2417,10 +2393,9 @@
           <a:lstStyle/>
           <a:p>
             <a:r>
-              <a:rPr lang="it-IT" smtClean="0"/>
+              <a:rPr lang="it-IT"/>
               <a:t>Fare clic per modificare lo stile del titolo</a:t>
             </a:r>
-            <a:endParaRPr lang="it-IT"/>
           </a:p>
         </p:txBody>
       </p:sp>
@@ -2441,7 +2416,7 @@
           <a:p>
             <a:fld id="{EEA66B03-0061-492A-9EC7-EE1D80E5446B}" type="datetimeFigureOut">
               <a:rPr lang="it-IT" smtClean="0"/>
-              <a:t>02/03/2018</a:t>
+              <a:t>03/03/2018</a:t>
             </a:fld>
             <a:endParaRPr lang="it-IT"/>
           </a:p>
@@ -2536,7 +2511,7 @@
           <a:p>
             <a:fld id="{EEA66B03-0061-492A-9EC7-EE1D80E5446B}" type="datetimeFigureOut">
               <a:rPr lang="it-IT" smtClean="0"/>
-              <a:t>02/03/2018</a:t>
+              <a:t>03/03/2018</a:t>
             </a:fld>
             <a:endParaRPr lang="it-IT"/>
           </a:p>
@@ -2639,10 +2614,9 @@
           </a:lstStyle>
           <a:p>
             <a:r>
-              <a:rPr lang="it-IT" smtClean="0"/>
+              <a:rPr lang="it-IT"/>
               <a:t>Fare clic per modificare lo stile del titolo</a:t>
             </a:r>
-            <a:endParaRPr lang="it-IT"/>
           </a:p>
         </p:txBody>
       </p:sp>
@@ -2696,38 +2670,37 @@
           <a:p>
             <a:pPr lvl="0"/>
             <a:r>
-              <a:rPr lang="it-IT" smtClean="0"/>
+              <a:rPr lang="it-IT"/>
               <a:t>Fare clic per modificare stili del testo dello schema</a:t>
             </a:r>
           </a:p>
           <a:p>
             <a:pPr lvl="1"/>
             <a:r>
-              <a:rPr lang="it-IT" smtClean="0"/>
+              <a:rPr lang="it-IT"/>
               <a:t>Secondo livello</a:t>
             </a:r>
           </a:p>
           <a:p>
             <a:pPr lvl="2"/>
             <a:r>
-              <a:rPr lang="it-IT" smtClean="0"/>
+              <a:rPr lang="it-IT"/>
               <a:t>Terzo livello</a:t>
             </a:r>
           </a:p>
           <a:p>
             <a:pPr lvl="3"/>
             <a:r>
-              <a:rPr lang="it-IT" smtClean="0"/>
+              <a:rPr lang="it-IT"/>
               <a:t>Quarto livello</a:t>
             </a:r>
           </a:p>
           <a:p>
             <a:pPr lvl="4"/>
             <a:r>
-              <a:rPr lang="it-IT" smtClean="0"/>
+              <a:rPr lang="it-IT"/>
               <a:t>Quinto livello</a:t>
             </a:r>
-            <a:endParaRPr lang="it-IT"/>
           </a:p>
         </p:txBody>
       </p:sp>
@@ -2790,7 +2763,7 @@
           <a:p>
             <a:pPr lvl="0"/>
             <a:r>
-              <a:rPr lang="it-IT" smtClean="0"/>
+              <a:rPr lang="it-IT"/>
               <a:t>Fare clic per modificare stili del testo dello schema</a:t>
             </a:r>
           </a:p>
@@ -2813,7 +2786,7 @@
           <a:p>
             <a:fld id="{EEA66B03-0061-492A-9EC7-EE1D80E5446B}" type="datetimeFigureOut">
               <a:rPr lang="it-IT" smtClean="0"/>
-              <a:t>02/03/2018</a:t>
+              <a:t>03/03/2018</a:t>
             </a:fld>
             <a:endParaRPr lang="it-IT"/>
           </a:p>
@@ -2916,10 +2889,9 @@
           </a:lstStyle>
           <a:p>
             <a:r>
-              <a:rPr lang="it-IT" smtClean="0"/>
+              <a:rPr lang="it-IT"/>
               <a:t>Fare clic per modificare lo stile del titolo</a:t>
             </a:r>
-            <a:endParaRPr lang="it-IT"/>
           </a:p>
         </p:txBody>
       </p:sp>
@@ -3043,7 +3015,7 @@
           <a:p>
             <a:pPr lvl="0"/>
             <a:r>
-              <a:rPr lang="it-IT" smtClean="0"/>
+              <a:rPr lang="it-IT"/>
               <a:t>Fare clic per modificare stili del testo dello schema</a:t>
             </a:r>
           </a:p>
@@ -3066,7 +3038,7 @@
           <a:p>
             <a:fld id="{EEA66B03-0061-492A-9EC7-EE1D80E5446B}" type="datetimeFigureOut">
               <a:rPr lang="it-IT" smtClean="0"/>
-              <a:t>02/03/2018</a:t>
+              <a:t>03/03/2018</a:t>
             </a:fld>
             <a:endParaRPr lang="it-IT"/>
           </a:p>
@@ -3160,10 +3132,9 @@
           <a:lstStyle/>
           <a:p>
             <a:r>
-              <a:rPr lang="it-IT" smtClean="0"/>
+              <a:rPr lang="it-IT"/>
               <a:t>Fare clic per modificare lo stile del titolo</a:t>
             </a:r>
-            <a:endParaRPr lang="it-IT"/>
           </a:p>
         </p:txBody>
       </p:sp>
@@ -3184,38 +3155,37 @@
           <a:p>
             <a:pPr lvl="0"/>
             <a:r>
-              <a:rPr lang="it-IT" smtClean="0"/>
+              <a:rPr lang="it-IT"/>
               <a:t>Fare clic per modificare stili del testo dello schema</a:t>
             </a:r>
           </a:p>
           <a:p>
             <a:pPr lvl="1"/>
             <a:r>
-              <a:rPr lang="it-IT" smtClean="0"/>
+              <a:rPr lang="it-IT"/>
               <a:t>Secondo livello</a:t>
             </a:r>
           </a:p>
           <a:p>
             <a:pPr lvl="2"/>
             <a:r>
-              <a:rPr lang="it-IT" smtClean="0"/>
+              <a:rPr lang="it-IT"/>
               <a:t>Terzo livello</a:t>
             </a:r>
           </a:p>
           <a:p>
             <a:pPr lvl="3"/>
             <a:r>
-              <a:rPr lang="it-IT" smtClean="0"/>
+              <a:rPr lang="it-IT"/>
               <a:t>Quarto livello</a:t>
             </a:r>
           </a:p>
           <a:p>
             <a:pPr lvl="4"/>
             <a:r>
-              <a:rPr lang="it-IT" smtClean="0"/>
+              <a:rPr lang="it-IT"/>
               <a:t>Quinto livello</a:t>
             </a:r>
-            <a:endParaRPr lang="it-IT"/>
           </a:p>
         </p:txBody>
       </p:sp>
@@ -3236,7 +3206,7 @@
           <a:p>
             <a:fld id="{EEA66B03-0061-492A-9EC7-EE1D80E5446B}" type="datetimeFigureOut">
               <a:rPr lang="it-IT" smtClean="0"/>
-              <a:t>02/03/2018</a:t>
+              <a:t>03/03/2018</a:t>
             </a:fld>
             <a:endParaRPr lang="it-IT"/>
           </a:p>
@@ -3335,10 +3305,9 @@
           <a:lstStyle/>
           <a:p>
             <a:r>
-              <a:rPr lang="it-IT" smtClean="0"/>
+              <a:rPr lang="it-IT"/>
               <a:t>Fare clic per modificare lo stile del titolo</a:t>
             </a:r>
-            <a:endParaRPr lang="it-IT"/>
           </a:p>
         </p:txBody>
       </p:sp>
@@ -3364,38 +3333,37 @@
           <a:p>
             <a:pPr lvl="0"/>
             <a:r>
-              <a:rPr lang="it-IT" smtClean="0"/>
+              <a:rPr lang="it-IT"/>
               <a:t>Fare clic per modificare stili del testo dello schema</a:t>
             </a:r>
           </a:p>
           <a:p>
             <a:pPr lvl="1"/>
             <a:r>
-              <a:rPr lang="it-IT" smtClean="0"/>
+              <a:rPr lang="it-IT"/>
               <a:t>Secondo livello</a:t>
             </a:r>
           </a:p>
           <a:p>
             <a:pPr lvl="2"/>
             <a:r>
-              <a:rPr lang="it-IT" smtClean="0"/>
+              <a:rPr lang="it-IT"/>
               <a:t>Terzo livello</a:t>
             </a:r>
           </a:p>
           <a:p>
             <a:pPr lvl="3"/>
             <a:r>
-              <a:rPr lang="it-IT" smtClean="0"/>
+              <a:rPr lang="it-IT"/>
               <a:t>Quarto livello</a:t>
             </a:r>
           </a:p>
           <a:p>
             <a:pPr lvl="4"/>
             <a:r>
-              <a:rPr lang="it-IT" smtClean="0"/>
+              <a:rPr lang="it-IT"/>
               <a:t>Quinto livello</a:t>
             </a:r>
-            <a:endParaRPr lang="it-IT"/>
           </a:p>
         </p:txBody>
       </p:sp>
@@ -3416,7 +3384,7 @@
           <a:p>
             <a:fld id="{EEA66B03-0061-492A-9EC7-EE1D80E5446B}" type="datetimeFigureOut">
               <a:rPr lang="it-IT" smtClean="0"/>
-              <a:t>02/03/2018</a:t>
+              <a:t>03/03/2018</a:t>
             </a:fld>
             <a:endParaRPr lang="it-IT"/>
           </a:p>
@@ -3625,7 +3593,7 @@
           </a:lstStyle>
           <a:p>
             <a:r>
-              <a:rPr lang="it-IT" b="1" dirty="0" smtClean="0">
+              <a:rPr lang="it-IT" b="1">
                 <a:solidFill>
                   <a:srgbClr val="FF6633"/>
                 </a:solidFill>
@@ -3633,12 +3601,6 @@
               </a:rPr>
               <a:t>PAOL</a:t>
             </a:r>
-            <a:endParaRPr lang="it-IT" b="1" dirty="0">
-              <a:solidFill>
-                <a:srgbClr val="FF6633"/>
-              </a:solidFill>
-              <a:latin typeface="Cabin"/>
-            </a:endParaRPr>
           </a:p>
         </p:txBody>
       </p:sp>
@@ -3712,7 +3674,7 @@
           </a:lstStyle>
           <a:p>
             <a:pPr lvl="0"/>
-            <a:endParaRPr lang="it-IT" dirty="0"/>
+            <a:endParaRPr lang="it-IT"/>
           </a:p>
         </p:txBody>
       </p:sp>
@@ -3748,10 +3710,9 @@
           </a:lstStyle>
           <a:p>
             <a:r>
-              <a:rPr lang="it-IT" dirty="0" smtClean="0"/>
+              <a:rPr lang="it-IT"/>
               <a:t>Fare click per inserire il titolo</a:t>
             </a:r>
-            <a:endParaRPr lang="it-IT" dirty="0"/>
           </a:p>
         </p:txBody>
       </p:sp>
@@ -3793,17 +3754,16 @@
           <a:p>
             <a:pPr algn="r"/>
             <a:r>
-              <a:rPr lang="it-IT" sz="1600" dirty="0" smtClean="0"/>
+              <a:rPr lang="it-IT" sz="1600"/>
               <a:t>Alessandro Artoni</a:t>
             </a:r>
           </a:p>
           <a:p>
             <a:pPr algn="r"/>
             <a:r>
-              <a:rPr lang="it-IT" sz="1600" dirty="0" smtClean="0"/>
+              <a:rPr lang="it-IT" sz="1600"/>
               <a:t>Giacomo Randazzo</a:t>
             </a:r>
-            <a:endParaRPr lang="it-IT" sz="1600" dirty="0"/>
           </a:p>
         </p:txBody>
       </p:sp>
@@ -3817,13 +3777,6 @@
   <p:clrMapOvr>
     <a:masterClrMapping/>
   </p:clrMapOvr>
-  <p:timing>
-    <p:tnLst>
-      <p:par>
-        <p:cTn id="1" dur="indefinite" restart="never" nodeType="tmRoot"/>
-      </p:par>
-    </p:tnLst>
-  </p:timing>
 </p:sldLayout>
 </file>
 
@@ -3929,7 +3882,7 @@
           </a:lstStyle>
           <a:p>
             <a:r>
-              <a:rPr lang="it-IT" b="1" dirty="0" smtClean="0">
+              <a:rPr lang="it-IT" b="1">
                 <a:solidFill>
                   <a:srgbClr val="FF6633"/>
                 </a:solidFill>
@@ -3937,12 +3890,6 @@
               </a:rPr>
               <a:t>PAOL</a:t>
             </a:r>
-            <a:endParaRPr lang="it-IT" b="1" dirty="0">
-              <a:solidFill>
-                <a:srgbClr val="FF6633"/>
-              </a:solidFill>
-              <a:latin typeface="Cabin"/>
-            </a:endParaRPr>
           </a:p>
         </p:txBody>
       </p:sp>
@@ -4020,10 +3967,9 @@
           </a:lstStyle>
           <a:p>
             <a:r>
-              <a:rPr lang="it-IT" dirty="0" smtClean="0"/>
+              <a:rPr lang="it-IT"/>
               <a:t>Inserisci qui il tuo titolo</a:t>
             </a:r>
-            <a:endParaRPr lang="it-IT" dirty="0"/>
           </a:p>
         </p:txBody>
       </p:sp>
@@ -4050,18 +3996,13 @@
           <a:lstStyle/>
           <a:p>
             <a:r>
-              <a:rPr lang="it-IT" sz="2400" dirty="0" smtClean="0">
+              <a:rPr lang="it-IT" sz="2400">
                 <a:solidFill>
                   <a:srgbClr val="706F6F"/>
                 </a:solidFill>
               </a:rPr>
               <a:t>Collegio Universitario</a:t>
             </a:r>
-            <a:endParaRPr lang="it-IT" sz="2400" dirty="0">
-              <a:solidFill>
-                <a:srgbClr val="706F6F"/>
-              </a:solidFill>
-            </a:endParaRPr>
           </a:p>
         </p:txBody>
       </p:sp>
@@ -4088,7 +4029,7 @@
           <a:lstStyle/>
           <a:p>
             <a:r>
-              <a:rPr lang="it-IT" sz="1800" dirty="0" smtClean="0">
+              <a:rPr lang="it-IT" sz="1800">
                 <a:solidFill>
                   <a:srgbClr val="ADADAD"/>
                 </a:solidFill>
@@ -4096,14 +4037,14 @@
               <a:t>Salesiani</a:t>
             </a:r>
             <a:r>
-              <a:rPr lang="it-IT" sz="1800" baseline="0" dirty="0" smtClean="0">
+              <a:rPr lang="it-IT" sz="1800" baseline="0">
                 <a:solidFill>
                   <a:srgbClr val="ADADAD"/>
                 </a:solidFill>
               </a:rPr>
               <a:t> Don Bosco</a:t>
             </a:r>
-            <a:endParaRPr lang="it-IT" sz="1800" dirty="0">
+            <a:endParaRPr lang="it-IT" sz="1800">
               <a:solidFill>
                 <a:srgbClr val="ADADAD"/>
               </a:solidFill>
@@ -4134,7 +4075,7 @@
           <a:p>
             <a:pPr algn="r"/>
             <a:r>
-              <a:rPr lang="it-IT" sz="1800" dirty="0" smtClean="0">
+              <a:rPr lang="it-IT" sz="1800">
                 <a:solidFill>
                   <a:srgbClr val="FF6633"/>
                 </a:solidFill>
@@ -4145,18 +4086,13 @@
           <a:p>
             <a:pPr algn="r"/>
             <a:r>
-              <a:rPr lang="it-IT" sz="1800" dirty="0" smtClean="0">
+              <a:rPr lang="it-IT" sz="1800">
                 <a:solidFill>
                   <a:srgbClr val="FF6633"/>
                 </a:solidFill>
               </a:rPr>
               <a:t>Giacomo Randazzo</a:t>
             </a:r>
-            <a:endParaRPr lang="it-IT" sz="1800" dirty="0">
-              <a:solidFill>
-                <a:srgbClr val="FF6633"/>
-              </a:solidFill>
-            </a:endParaRPr>
           </a:p>
         </p:txBody>
       </p:sp>
@@ -4170,13 +4106,6 @@
   <p:clrMapOvr>
     <a:masterClrMapping/>
   </p:clrMapOvr>
-  <p:timing>
-    <p:tnLst>
-      <p:par>
-        <p:cTn id="1" dur="indefinite" restart="never" nodeType="tmRoot"/>
-      </p:par>
-    </p:tnLst>
-  </p:timing>
 </p:sldLayout>
 </file>
 
@@ -4282,7 +4211,7 @@
           </a:lstStyle>
           <a:p>
             <a:r>
-              <a:rPr lang="it-IT" b="1" dirty="0" smtClean="0">
+              <a:rPr lang="it-IT" b="1">
                 <a:solidFill>
                   <a:srgbClr val="FF6633"/>
                 </a:solidFill>
@@ -4290,12 +4219,6 @@
               </a:rPr>
               <a:t>PAOL</a:t>
             </a:r>
-            <a:endParaRPr lang="it-IT" b="1" dirty="0">
-              <a:solidFill>
-                <a:srgbClr val="FF6633"/>
-              </a:solidFill>
-              <a:latin typeface="Cabin"/>
-            </a:endParaRPr>
           </a:p>
         </p:txBody>
       </p:sp>
@@ -4364,7 +4287,7 @@
           <a:lstStyle/>
           <a:p>
             <a:pPr lvl="0"/>
-            <a:endParaRPr lang="it-IT" dirty="0"/>
+            <a:endParaRPr lang="it-IT"/>
           </a:p>
         </p:txBody>
       </p:sp>
@@ -4400,10 +4323,9 @@
           </a:lstStyle>
           <a:p>
             <a:r>
-              <a:rPr lang="it-IT" dirty="0" smtClean="0"/>
+              <a:rPr lang="it-IT"/>
               <a:t>Inserisci il titolo</a:t>
             </a:r>
-            <a:endParaRPr lang="it-IT" dirty="0"/>
           </a:p>
         </p:txBody>
       </p:sp>
@@ -4417,13 +4339,6 @@
   <p:clrMapOvr>
     <a:masterClrMapping/>
   </p:clrMapOvr>
-  <p:timing>
-    <p:tnLst>
-      <p:par>
-        <p:cTn id="1" dur="indefinite" restart="never" nodeType="tmRoot"/>
-      </p:par>
-    </p:tnLst>
-  </p:timing>
 </p:sldLayout>
 </file>
 
@@ -4468,10 +4383,9 @@
           <a:lstStyle/>
           <a:p>
             <a:r>
-              <a:rPr lang="it-IT" smtClean="0"/>
+              <a:rPr lang="it-IT"/>
               <a:t>Fare clic per modificare lo stile del titolo</a:t>
             </a:r>
-            <a:endParaRPr lang="it-IT"/>
           </a:p>
         </p:txBody>
       </p:sp>
@@ -4526,10 +4440,9 @@
           <a:lstStyle/>
           <a:p>
             <a:r>
-              <a:rPr lang="it-IT" smtClean="0"/>
+              <a:rPr lang="it-IT"/>
               <a:t>Fare clic per modificare lo stile del titolo</a:t>
             </a:r>
-            <a:endParaRPr lang="it-IT"/>
           </a:p>
         </p:txBody>
       </p:sp>
@@ -4645,10 +4558,9 @@
           </a:lstStyle>
           <a:p>
             <a:r>
-              <a:rPr lang="it-IT" smtClean="0"/>
+              <a:rPr lang="it-IT"/>
               <a:t>Fare clic per modificare lo stile del sottotitolo dello schema</a:t>
             </a:r>
-            <a:endParaRPr lang="it-IT"/>
           </a:p>
         </p:txBody>
       </p:sp>
@@ -4669,7 +4581,7 @@
           <a:p>
             <a:fld id="{EEA66B03-0061-492A-9EC7-EE1D80E5446B}" type="datetimeFigureOut">
               <a:rPr lang="it-IT" smtClean="0"/>
-              <a:t>02/03/2018</a:t>
+              <a:t>03/03/2018</a:t>
             </a:fld>
             <a:endParaRPr lang="it-IT"/>
           </a:p>
@@ -4763,10 +4675,9 @@
           <a:lstStyle/>
           <a:p>
             <a:r>
-              <a:rPr lang="it-IT" smtClean="0"/>
+              <a:rPr lang="it-IT"/>
               <a:t>Fare clic per modificare lo stile del titolo</a:t>
             </a:r>
-            <a:endParaRPr lang="it-IT"/>
           </a:p>
         </p:txBody>
       </p:sp>
@@ -4787,38 +4698,37 @@
           <a:p>
             <a:pPr lvl="0"/>
             <a:r>
-              <a:rPr lang="it-IT" smtClean="0"/>
+              <a:rPr lang="it-IT"/>
               <a:t>Fare clic per modificare stili del testo dello schema</a:t>
             </a:r>
           </a:p>
           <a:p>
             <a:pPr lvl="1"/>
             <a:r>
-              <a:rPr lang="it-IT" smtClean="0"/>
+              <a:rPr lang="it-IT"/>
               <a:t>Secondo livello</a:t>
             </a:r>
           </a:p>
           <a:p>
             <a:pPr lvl="2"/>
             <a:r>
-              <a:rPr lang="it-IT" smtClean="0"/>
+              <a:rPr lang="it-IT"/>
               <a:t>Terzo livello</a:t>
             </a:r>
           </a:p>
           <a:p>
             <a:pPr lvl="3"/>
             <a:r>
-              <a:rPr lang="it-IT" smtClean="0"/>
+              <a:rPr lang="it-IT"/>
               <a:t>Quarto livello</a:t>
             </a:r>
           </a:p>
           <a:p>
             <a:pPr lvl="4"/>
             <a:r>
-              <a:rPr lang="it-IT" smtClean="0"/>
+              <a:rPr lang="it-IT"/>
               <a:t>Quinto livello</a:t>
             </a:r>
-            <a:endParaRPr lang="it-IT"/>
           </a:p>
         </p:txBody>
       </p:sp>
@@ -4839,7 +4749,7 @@
           <a:p>
             <a:fld id="{EEA66B03-0061-492A-9EC7-EE1D80E5446B}" type="datetimeFigureOut">
               <a:rPr lang="it-IT" smtClean="0"/>
-              <a:t>02/03/2018</a:t>
+              <a:t>03/03/2018</a:t>
             </a:fld>
             <a:endParaRPr lang="it-IT"/>
           </a:p>
@@ -4942,10 +4852,9 @@
           </a:lstStyle>
           <a:p>
             <a:r>
-              <a:rPr lang="it-IT" smtClean="0"/>
+              <a:rPr lang="it-IT"/>
               <a:t>Fare clic per modificare lo stile del titolo</a:t>
             </a:r>
-            <a:endParaRPr lang="it-IT"/>
           </a:p>
         </p:txBody>
       </p:sp>
@@ -5062,7 +4971,7 @@
           <a:p>
             <a:pPr lvl="0"/>
             <a:r>
-              <a:rPr lang="it-IT" smtClean="0"/>
+              <a:rPr lang="it-IT"/>
               <a:t>Fare clic per modificare stili del testo dello schema</a:t>
             </a:r>
           </a:p>
@@ -5085,7 +4994,7 @@
           <a:p>
             <a:fld id="{EEA66B03-0061-492A-9EC7-EE1D80E5446B}" type="datetimeFigureOut">
               <a:rPr lang="it-IT" smtClean="0"/>
-              <a:t>02/03/2018</a:t>
+              <a:t>03/03/2018</a:t>
             </a:fld>
             <a:endParaRPr lang="it-IT"/>
           </a:p>
@@ -5179,10 +5088,9 @@
           <a:lstStyle/>
           <a:p>
             <a:r>
-              <a:rPr lang="it-IT" smtClean="0"/>
+              <a:rPr lang="it-IT"/>
               <a:t>Fare clic per modificare lo stile del titolo</a:t>
             </a:r>
-            <a:endParaRPr lang="it-IT"/>
           </a:p>
         </p:txBody>
       </p:sp>
@@ -5236,38 +5144,37 @@
           <a:p>
             <a:pPr lvl="0"/>
             <a:r>
-              <a:rPr lang="it-IT" smtClean="0"/>
+              <a:rPr lang="it-IT"/>
               <a:t>Fare clic per modificare stili del testo dello schema</a:t>
             </a:r>
           </a:p>
           <a:p>
             <a:pPr lvl="1"/>
             <a:r>
-              <a:rPr lang="it-IT" smtClean="0"/>
+              <a:rPr lang="it-IT"/>
               <a:t>Secondo livello</a:t>
             </a:r>
           </a:p>
           <a:p>
             <a:pPr lvl="2"/>
             <a:r>
-              <a:rPr lang="it-IT" smtClean="0"/>
+              <a:rPr lang="it-IT"/>
               <a:t>Terzo livello</a:t>
             </a:r>
           </a:p>
           <a:p>
             <a:pPr lvl="3"/>
             <a:r>
-              <a:rPr lang="it-IT" smtClean="0"/>
+              <a:rPr lang="it-IT"/>
               <a:t>Quarto livello</a:t>
             </a:r>
           </a:p>
           <a:p>
             <a:pPr lvl="4"/>
             <a:r>
-              <a:rPr lang="it-IT" smtClean="0"/>
+              <a:rPr lang="it-IT"/>
               <a:t>Quinto livello</a:t>
             </a:r>
-            <a:endParaRPr lang="it-IT"/>
           </a:p>
         </p:txBody>
       </p:sp>
@@ -5321,38 +5228,37 @@
           <a:p>
             <a:pPr lvl="0"/>
             <a:r>
-              <a:rPr lang="it-IT" smtClean="0"/>
+              <a:rPr lang="it-IT"/>
               <a:t>Fare clic per modificare stili del testo dello schema</a:t>
             </a:r>
           </a:p>
           <a:p>
             <a:pPr lvl="1"/>
             <a:r>
-              <a:rPr lang="it-IT" smtClean="0"/>
+              <a:rPr lang="it-IT"/>
               <a:t>Secondo livello</a:t>
             </a:r>
           </a:p>
           <a:p>
             <a:pPr lvl="2"/>
             <a:r>
-              <a:rPr lang="it-IT" smtClean="0"/>
+              <a:rPr lang="it-IT"/>
               <a:t>Terzo livello</a:t>
             </a:r>
           </a:p>
           <a:p>
             <a:pPr lvl="3"/>
             <a:r>
-              <a:rPr lang="it-IT" smtClean="0"/>
+              <a:rPr lang="it-IT"/>
               <a:t>Quarto livello</a:t>
             </a:r>
           </a:p>
           <a:p>
             <a:pPr lvl="4"/>
             <a:r>
-              <a:rPr lang="it-IT" smtClean="0"/>
+              <a:rPr lang="it-IT"/>
               <a:t>Quinto livello</a:t>
             </a:r>
-            <a:endParaRPr lang="it-IT"/>
           </a:p>
         </p:txBody>
       </p:sp>
@@ -5373,7 +5279,7 @@
           <a:p>
             <a:fld id="{EEA66B03-0061-492A-9EC7-EE1D80E5446B}" type="datetimeFigureOut">
               <a:rPr lang="it-IT" smtClean="0"/>
-              <a:t>02/03/2018</a:t>
+              <a:t>03/03/2018</a:t>
             </a:fld>
             <a:endParaRPr lang="it-IT"/>
           </a:p>
@@ -5471,13 +5377,6 @@
     <p:sldLayoutId id="2147483661" r:id="rId4"/>
     <p:sldLayoutId id="2147483664" r:id="rId5"/>
   </p:sldLayoutIdLst>
-  <p:timing>
-    <p:tnLst>
-      <p:par>
-        <p:cTn id="1" dur="indefinite" restart="never" nodeType="tmRoot"/>
-      </p:par>
-    </p:tnLst>
-  </p:timing>
   <p:txStyles>
     <p:titleStyle>
       <a:lvl1pPr algn="ctr" defTabSz="914400" rtl="0" eaLnBrk="1" latinLnBrk="0" hangingPunct="1">
@@ -5779,10 +5678,9 @@
           <a:lstStyle/>
           <a:p>
             <a:r>
-              <a:rPr lang="it-IT" smtClean="0"/>
+              <a:rPr lang="it-IT"/>
               <a:t>Fare clic per modificare lo stile del titolo</a:t>
             </a:r>
-            <a:endParaRPr lang="it-IT"/>
           </a:p>
         </p:txBody>
       </p:sp>
@@ -5813,38 +5711,37 @@
           <a:p>
             <a:pPr lvl="0"/>
             <a:r>
-              <a:rPr lang="it-IT" smtClean="0"/>
+              <a:rPr lang="it-IT"/>
               <a:t>Fare clic per modificare stili del testo dello schema</a:t>
             </a:r>
           </a:p>
           <a:p>
             <a:pPr lvl="1"/>
             <a:r>
-              <a:rPr lang="it-IT" smtClean="0"/>
+              <a:rPr lang="it-IT"/>
               <a:t>Secondo livello</a:t>
             </a:r>
           </a:p>
           <a:p>
             <a:pPr lvl="2"/>
             <a:r>
-              <a:rPr lang="it-IT" smtClean="0"/>
+              <a:rPr lang="it-IT"/>
               <a:t>Terzo livello</a:t>
             </a:r>
           </a:p>
           <a:p>
             <a:pPr lvl="3"/>
             <a:r>
-              <a:rPr lang="it-IT" smtClean="0"/>
+              <a:rPr lang="it-IT"/>
               <a:t>Quarto livello</a:t>
             </a:r>
           </a:p>
           <a:p>
             <a:pPr lvl="4"/>
             <a:r>
-              <a:rPr lang="it-IT" smtClean="0"/>
+              <a:rPr lang="it-IT"/>
               <a:t>Quinto livello</a:t>
             </a:r>
-            <a:endParaRPr lang="it-IT"/>
           </a:p>
         </p:txBody>
       </p:sp>
@@ -5883,7 +5780,7 @@
           <a:p>
             <a:fld id="{EEA66B03-0061-492A-9EC7-EE1D80E5446B}" type="datetimeFigureOut">
               <a:rPr lang="it-IT" smtClean="0"/>
-              <a:t>02/03/2018</a:t>
+              <a:t>03/03/2018</a:t>
             </a:fld>
             <a:endParaRPr lang="it-IT"/>
           </a:p>
@@ -6279,24 +6176,23 @@
           <a:lstStyle/>
           <a:p>
             <a:r>
-              <a:rPr lang="it-IT" sz="5400" dirty="0" smtClean="0"/>
+              <a:rPr lang="it-IT" sz="5400"/>
               <a:t>BLOCKCHAIN</a:t>
             </a:r>
             <a:br>
-              <a:rPr lang="it-IT" sz="5400" dirty="0" smtClean="0"/>
+              <a:rPr lang="it-IT" sz="5400"/>
             </a:br>
             <a:r>
-              <a:rPr lang="it-IT" sz="5400" dirty="0" smtClean="0"/>
+              <a:rPr lang="it-IT" sz="5400"/>
               <a:t>&amp;</a:t>
             </a:r>
             <a:br>
-              <a:rPr lang="it-IT" sz="5400" dirty="0" smtClean="0"/>
+              <a:rPr lang="it-IT" sz="5400"/>
             </a:br>
             <a:r>
-              <a:rPr lang="it-IT" sz="5400" dirty="0" smtClean="0"/>
+              <a:rPr lang="it-IT" sz="5400"/>
               <a:t>CRIPTOVALUTE</a:t>
             </a:r>
-            <a:endParaRPr lang="it-IT" sz="5400" dirty="0"/>
           </a:p>
         </p:txBody>
       </p:sp>
@@ -6310,13 +6206,6 @@
   <p:clrMapOvr>
     <a:masterClrMapping/>
   </p:clrMapOvr>
-  <p:timing>
-    <p:tnLst>
-      <p:par>
-        <p:cTn id="1" dur="indefinite" restart="never" nodeType="tmRoot"/>
-      </p:par>
-    </p:tnLst>
-  </p:timing>
 </p:sld>
 </file>
 
@@ -6362,7 +6251,7 @@
           <a:p>
             <a:pPr algn="l"/>
             <a:r>
-              <a:rPr lang="it-IT" dirty="0" smtClean="0">
+              <a:rPr lang="it-IT">
                 <a:solidFill>
                   <a:srgbClr val="FF6633"/>
                 </a:solidFill>
@@ -6371,14 +6260,14 @@
               <a:t>BLOCKCHAIN</a:t>
             </a:r>
             <a:br>
-              <a:rPr lang="it-IT" dirty="0" smtClean="0">
+              <a:rPr lang="it-IT">
                 <a:solidFill>
                   <a:srgbClr val="FF6633"/>
                 </a:solidFill>
                 <a:latin typeface="Cabin"/>
               </a:rPr>
             </a:br>
-            <a:endParaRPr lang="it-IT" dirty="0">
+            <a:endParaRPr lang="it-IT">
               <a:solidFill>
                 <a:srgbClr val="FF6633"/>
               </a:solidFill>
@@ -6424,7 +6313,7 @@
           </a:lstStyle>
           <a:p>
             <a:pPr algn="l"/>
-            <a:endParaRPr lang="it-IT" sz="3600" b="0" dirty="0"/>
+            <a:endParaRPr lang="it-IT" sz="3600" b="0"/>
           </a:p>
         </p:txBody>
       </p:sp>
@@ -6451,23 +6340,15 @@
           <a:lstStyle/>
           <a:p>
             <a:r>
-              <a:rPr lang="it-IT" dirty="0">
+              <a:rPr lang="it-IT">
                 <a:solidFill>
                   <a:srgbClr val="FF0000"/>
                 </a:solidFill>
               </a:rPr>
-              <a:t>f</a:t>
-            </a:r>
-            <a:r>
-              <a:rPr lang="it-IT" dirty="0" smtClean="0">
-                <a:solidFill>
-                  <a:srgbClr val="FF0000"/>
-                </a:solidFill>
-              </a:rPr>
-              <a:t>or </a:t>
-            </a:r>
-            <a:r>
-              <a:rPr lang="it-IT" dirty="0" err="1" smtClean="0">
+              <a:t>for </a:t>
+            </a:r>
+            <a:r>
+              <a:rPr lang="it-IT" err="1">
                 <a:solidFill>
                   <a:srgbClr val="FF0000"/>
                 </a:solidFill>
@@ -6475,18 +6356,13 @@
               <a:t>Dummies</a:t>
             </a:r>
             <a:r>
-              <a:rPr lang="it-IT" dirty="0" smtClean="0">
+              <a:rPr lang="it-IT">
                 <a:solidFill>
                   <a:srgbClr val="FF0000"/>
                 </a:solidFill>
               </a:rPr>
               <a:t>…</a:t>
             </a:r>
-            <a:endParaRPr lang="it-IT" dirty="0">
-              <a:solidFill>
-                <a:srgbClr val="FF0000"/>
-              </a:solidFill>
-            </a:endParaRPr>
           </a:p>
         </p:txBody>
       </p:sp>
@@ -6500,13 +6376,6 @@
   <p:clrMapOvr>
     <a:masterClrMapping/>
   </p:clrMapOvr>
-  <p:timing>
-    <p:tnLst>
-      <p:par>
-        <p:cTn id="1" dur="indefinite" restart="never" nodeType="tmRoot"/>
-      </p:par>
-    </p:tnLst>
-  </p:timing>
 </p:sld>
 </file>
 
@@ -6547,7 +6416,7 @@
               <a:buChar char="•"/>
             </a:pPr>
             <a:r>
-              <a:rPr lang="it-IT" dirty="0" smtClean="0"/>
+              <a:rPr lang="it-IT"/>
               <a:t>Catena di blocchi (1991, usata per TS di dati)</a:t>
             </a:r>
           </a:p>
@@ -6557,7 +6426,7 @@
               <a:buChar char="•"/>
             </a:pPr>
             <a:r>
-              <a:rPr lang="it-IT" dirty="0" smtClean="0"/>
+              <a:rPr lang="it-IT"/>
               <a:t>Registro distribuito aperto a tutti con alcune proprietà particolari</a:t>
             </a:r>
           </a:p>
@@ -6567,20 +6436,20 @@
               <a:buChar char="•"/>
             </a:pPr>
             <a:r>
-              <a:rPr lang="it-IT" dirty="0"/>
+              <a:rPr lang="it-IT"/>
               <a:t>Quando un dato viene messo nella </a:t>
             </a:r>
             <a:r>
-              <a:rPr lang="it-IT" dirty="0" err="1"/>
+              <a:rPr lang="it-IT" err="1"/>
               <a:t>blockchain</a:t>
             </a:r>
             <a:r>
-              <a:rPr lang="it-IT" dirty="0"/>
+              <a:rPr lang="it-IT"/>
               <a:t>, diventa molto difficile modificarlo (a volte impossibile)</a:t>
             </a:r>
           </a:p>
           <a:p>
-            <a:endParaRPr lang="it-IT" u="sng" dirty="0"/>
+            <a:endParaRPr lang="it-IT" u="sng"/>
           </a:p>
         </p:txBody>
       </p:sp>
@@ -6600,14 +6469,13 @@
           <a:lstStyle/>
           <a:p>
             <a:r>
-              <a:rPr lang="it-IT" dirty="0" err="1" smtClean="0"/>
+              <a:rPr lang="it-IT" err="1"/>
               <a:t>Blockchain</a:t>
             </a:r>
             <a:r>
-              <a:rPr lang="it-IT" dirty="0" smtClean="0"/>
+              <a:rPr lang="it-IT"/>
               <a:t> - Struttura</a:t>
             </a:r>
-            <a:endParaRPr lang="it-IT" dirty="0"/>
           </a:p>
         </p:txBody>
       </p:sp>
@@ -6621,13 +6489,6 @@
   <p:clrMapOvr>
     <a:masterClrMapping/>
   </p:clrMapOvr>
-  <p:timing>
-    <p:tnLst>
-      <p:par>
-        <p:cTn id="1" dur="indefinite" restart="never" nodeType="tmRoot"/>
-      </p:par>
-    </p:tnLst>
-  </p:timing>
 </p:sld>
 </file>
 
@@ -6664,14 +6525,13 @@
           <a:lstStyle/>
           <a:p>
             <a:r>
-              <a:rPr lang="it-IT" dirty="0" err="1" smtClean="0"/>
+              <a:rPr lang="it-IT" err="1"/>
               <a:t>Blockchain</a:t>
             </a:r>
             <a:r>
-              <a:rPr lang="it-IT" dirty="0" smtClean="0"/>
+              <a:rPr lang="it-IT"/>
               <a:t> - Struttura</a:t>
             </a:r>
-            <a:endParaRPr lang="it-IT" dirty="0"/>
           </a:p>
         </p:txBody>
       </p:sp>
@@ -7038,11 +6898,11 @@
           <a:lstStyle/>
           <a:p>
             <a:r>
-              <a:rPr lang="it-IT" dirty="0" err="1"/>
+              <a:rPr lang="it-IT" err="1"/>
               <a:t>Blockchain</a:t>
             </a:r>
             <a:r>
-              <a:rPr lang="it-IT" dirty="0"/>
+              <a:rPr lang="it-IT"/>
               <a:t> - Struttura</a:t>
             </a:r>
           </a:p>
@@ -7112,10 +6972,9 @@
           <a:lstStyle/>
           <a:p>
             <a:r>
-              <a:rPr lang="it-IT" dirty="0" smtClean="0"/>
+              <a:rPr lang="it-IT"/>
               <a:t>Valore</a:t>
             </a:r>
-            <a:endParaRPr lang="it-IT" dirty="0"/>
           </a:p>
         </p:txBody>
       </p:sp>
@@ -7142,14 +7001,13 @@
           <a:lstStyle/>
           <a:p>
             <a:r>
-              <a:rPr lang="it-IT" dirty="0" err="1" smtClean="0"/>
+              <a:rPr lang="it-IT" err="1"/>
               <a:t>Hash</a:t>
             </a:r>
             <a:r>
-              <a:rPr lang="it-IT" dirty="0" smtClean="0"/>
+              <a:rPr lang="it-IT"/>
               <a:t> del cubo</a:t>
             </a:r>
-            <a:endParaRPr lang="it-IT" dirty="0"/>
           </a:p>
         </p:txBody>
       </p:sp>
@@ -7176,14 +7034,13 @@
           <a:lstStyle/>
           <a:p>
             <a:r>
-              <a:rPr lang="it-IT" dirty="0" err="1" smtClean="0"/>
+              <a:rPr lang="it-IT" err="1"/>
               <a:t>Hash</a:t>
             </a:r>
             <a:r>
-              <a:rPr lang="it-IT" dirty="0" smtClean="0"/>
+              <a:rPr lang="it-IT"/>
               <a:t> precedente</a:t>
             </a:r>
-            <a:endParaRPr lang="it-IT" dirty="0"/>
           </a:p>
         </p:txBody>
       </p:sp>
@@ -7969,11 +7826,11 @@
           <a:lstStyle/>
           <a:p>
             <a:r>
-              <a:rPr lang="it-IT" dirty="0" err="1"/>
+              <a:rPr lang="it-IT" err="1"/>
               <a:t>Blockchain</a:t>
             </a:r>
             <a:r>
-              <a:rPr lang="it-IT" dirty="0"/>
+              <a:rPr lang="it-IT"/>
               <a:t> - Struttura</a:t>
             </a:r>
           </a:p>
@@ -8043,10 +7900,9 @@
           <a:lstStyle/>
           <a:p>
             <a:r>
-              <a:rPr lang="it-IT" dirty="0" smtClean="0"/>
+              <a:rPr lang="it-IT"/>
               <a:t>Valore</a:t>
             </a:r>
-            <a:endParaRPr lang="it-IT" dirty="0"/>
           </a:p>
         </p:txBody>
       </p:sp>
@@ -8073,14 +7929,13 @@
           <a:lstStyle/>
           <a:p>
             <a:r>
-              <a:rPr lang="it-IT" dirty="0" err="1" smtClean="0"/>
+              <a:rPr lang="it-IT" err="1"/>
               <a:t>Hash</a:t>
             </a:r>
             <a:r>
-              <a:rPr lang="it-IT" dirty="0" smtClean="0"/>
+              <a:rPr lang="it-IT"/>
               <a:t> del cubo</a:t>
             </a:r>
-            <a:endParaRPr lang="it-IT" dirty="0"/>
           </a:p>
         </p:txBody>
       </p:sp>
@@ -8107,14 +7962,13 @@
           <a:lstStyle/>
           <a:p>
             <a:r>
-              <a:rPr lang="it-IT" dirty="0" err="1" smtClean="0"/>
+              <a:rPr lang="it-IT" err="1"/>
               <a:t>Hash</a:t>
             </a:r>
             <a:r>
-              <a:rPr lang="it-IT" dirty="0" smtClean="0"/>
+              <a:rPr lang="it-IT"/>
               <a:t> precedente</a:t>
             </a:r>
-            <a:endParaRPr lang="it-IT" dirty="0"/>
           </a:p>
         </p:txBody>
       </p:sp>
@@ -8940,14 +8794,13 @@
           <a:lstStyle/>
           <a:p>
             <a:r>
-              <a:rPr lang="it-IT" dirty="0" err="1" smtClean="0"/>
+              <a:rPr lang="it-IT" err="1"/>
               <a:t>Blockchain</a:t>
             </a:r>
             <a:r>
-              <a:rPr lang="it-IT" dirty="0" smtClean="0"/>
+              <a:rPr lang="it-IT"/>
               <a:t> - Struttura</a:t>
             </a:r>
-            <a:endParaRPr lang="it-IT" dirty="0"/>
           </a:p>
         </p:txBody>
       </p:sp>
@@ -9015,14 +8868,13 @@
           <a:lstStyle/>
           <a:p>
             <a:r>
-              <a:rPr lang="it-IT" dirty="0" err="1" smtClean="0"/>
+              <a:rPr lang="it-IT" err="1"/>
               <a:t>Hash</a:t>
             </a:r>
             <a:r>
-              <a:rPr lang="it-IT" dirty="0" smtClean="0"/>
+              <a:rPr lang="it-IT"/>
               <a:t> del cubo</a:t>
             </a:r>
-            <a:endParaRPr lang="it-IT" dirty="0"/>
           </a:p>
         </p:txBody>
       </p:sp>
@@ -9271,14 +9123,13 @@
           <a:lstStyle/>
           <a:p>
             <a:r>
-              <a:rPr lang="it-IT" dirty="0" err="1" smtClean="0"/>
+              <a:rPr lang="it-IT" err="1"/>
               <a:t>Blockchain</a:t>
             </a:r>
             <a:r>
-              <a:rPr lang="it-IT" dirty="0" smtClean="0"/>
+              <a:rPr lang="it-IT"/>
               <a:t> - Struttura</a:t>
             </a:r>
-            <a:endParaRPr lang="it-IT" dirty="0"/>
           </a:p>
         </p:txBody>
       </p:sp>
@@ -9346,14 +9197,13 @@
           <a:lstStyle/>
           <a:p>
             <a:r>
-              <a:rPr lang="it-IT" dirty="0" err="1" smtClean="0"/>
+              <a:rPr lang="it-IT" err="1"/>
               <a:t>Hash</a:t>
             </a:r>
             <a:r>
-              <a:rPr lang="it-IT" dirty="0" smtClean="0"/>
+              <a:rPr lang="it-IT"/>
               <a:t> del cubo</a:t>
             </a:r>
-            <a:endParaRPr lang="it-IT" dirty="0"/>
           </a:p>
         </p:txBody>
       </p:sp>
@@ -9711,14 +9561,13 @@
           <a:lstStyle/>
           <a:p>
             <a:r>
-              <a:rPr lang="it-IT" dirty="0" err="1" smtClean="0"/>
+              <a:rPr lang="it-IT" err="1"/>
               <a:t>Blockchain</a:t>
             </a:r>
             <a:r>
-              <a:rPr lang="it-IT" dirty="0" smtClean="0"/>
+              <a:rPr lang="it-IT"/>
               <a:t> - Struttura</a:t>
             </a:r>
-            <a:endParaRPr lang="it-IT" dirty="0"/>
           </a:p>
         </p:txBody>
       </p:sp>
@@ -9786,14 +9635,13 @@
           <a:lstStyle/>
           <a:p>
             <a:r>
-              <a:rPr lang="it-IT" dirty="0" err="1" smtClean="0"/>
+              <a:rPr lang="it-IT" err="1"/>
               <a:t>Hash</a:t>
             </a:r>
             <a:r>
-              <a:rPr lang="it-IT" dirty="0" smtClean="0"/>
+              <a:rPr lang="it-IT"/>
               <a:t> precedente</a:t>
             </a:r>
-            <a:endParaRPr lang="it-IT" dirty="0"/>
           </a:p>
         </p:txBody>
       </p:sp>
@@ -10391,14 +10239,13 @@
           <a:lstStyle/>
           <a:p>
             <a:r>
-              <a:rPr lang="it-IT" dirty="0" err="1" smtClean="0"/>
+              <a:rPr lang="it-IT" err="1"/>
               <a:t>Blockchain</a:t>
             </a:r>
             <a:r>
-              <a:rPr lang="it-IT" dirty="0" smtClean="0"/>
+              <a:rPr lang="it-IT"/>
               <a:t> - Esempio</a:t>
             </a:r>
-            <a:endParaRPr lang="it-IT" dirty="0"/>
           </a:p>
         </p:txBody>
       </p:sp>
@@ -10548,18 +10395,13 @@
           <a:lstStyle/>
           <a:p>
             <a:r>
-              <a:rPr lang="it-IT" sz="2400" dirty="0" smtClean="0">
+              <a:rPr lang="it-IT" sz="2400">
                 <a:solidFill>
                   <a:schemeClr val="bg1"/>
                 </a:solidFill>
               </a:rPr>
               <a:t>1</a:t>
             </a:r>
-            <a:endParaRPr lang="it-IT" sz="2400" dirty="0">
-              <a:solidFill>
-                <a:schemeClr val="bg1"/>
-              </a:solidFill>
-            </a:endParaRPr>
           </a:p>
         </p:txBody>
       </p:sp>
@@ -10586,18 +10428,13 @@
           <a:lstStyle/>
           <a:p>
             <a:r>
-              <a:rPr lang="it-IT" sz="2400" dirty="0" smtClean="0">
+              <a:rPr lang="it-IT" sz="2400">
                 <a:solidFill>
                   <a:schemeClr val="bg1"/>
                 </a:solidFill>
               </a:rPr>
               <a:t>2</a:t>
             </a:r>
-            <a:endParaRPr lang="it-IT" sz="2400" dirty="0">
-              <a:solidFill>
-                <a:schemeClr val="bg1"/>
-              </a:solidFill>
-            </a:endParaRPr>
           </a:p>
         </p:txBody>
       </p:sp>
@@ -10624,7 +10461,7 @@
           <a:lstStyle/>
           <a:p>
             <a:r>
-              <a:rPr lang="it-IT" sz="2400" dirty="0">
+              <a:rPr lang="it-IT" sz="2400">
                 <a:solidFill>
                   <a:schemeClr val="bg1"/>
                 </a:solidFill>
@@ -10733,10 +10570,9 @@
           <a:lstStyle/>
           <a:p>
             <a:r>
-              <a:rPr lang="it-IT" dirty="0" smtClean="0"/>
+              <a:rPr lang="it-IT"/>
               <a:t>Genesi</a:t>
             </a:r>
-            <a:endParaRPr lang="it-IT" dirty="0"/>
           </a:p>
         </p:txBody>
       </p:sp>
@@ -10875,9 +10711,27 @@
                 <a:tableStyleId>{5C22544A-7EE6-4342-B048-85BDC9FD1C3A}</a:tableStyleId>
               </a:tblPr>
               <a:tblGrid>
-                <a:gridCol w="2856317"/>
-                <a:gridCol w="2856317"/>
-                <a:gridCol w="2856317"/>
+                <a:gridCol w="2856317">
+                  <a:extLst>
+                    <a:ext uri="{9D8B030D-6E8A-4147-A177-3AD203B41FA5}">
+                      <a16:colId xmlns:a16="http://schemas.microsoft.com/office/drawing/2014/main" val="20000"/>
+                    </a:ext>
+                  </a:extLst>
+                </a:gridCol>
+                <a:gridCol w="2856317">
+                  <a:extLst>
+                    <a:ext uri="{9D8B030D-6E8A-4147-A177-3AD203B41FA5}">
+                      <a16:colId xmlns:a16="http://schemas.microsoft.com/office/drawing/2014/main" val="20001"/>
+                    </a:ext>
+                  </a:extLst>
+                </a:gridCol>
+                <a:gridCol w="2856317">
+                  <a:extLst>
+                    <a:ext uri="{9D8B030D-6E8A-4147-A177-3AD203B41FA5}">
+                      <a16:colId xmlns:a16="http://schemas.microsoft.com/office/drawing/2014/main" val="20002"/>
+                    </a:ext>
+                  </a:extLst>
+                </a:gridCol>
               </a:tblGrid>
               <a:tr h="370840">
                 <a:tc>
@@ -10886,7 +10740,7 @@
                     <a:lstStyle/>
                     <a:p>
                       <a:r>
-                        <a:rPr lang="it-IT" sz="2000" b="0" dirty="0" err="1" smtClean="0">
+                        <a:rPr lang="it-IT" sz="2000" b="0" err="1">
                           <a:solidFill>
                             <a:schemeClr val="tx1"/>
                           </a:solidFill>
@@ -10894,18 +10748,13 @@
                         <a:t>Hash</a:t>
                       </a:r>
                       <a:r>
-                        <a:rPr lang="it-IT" sz="2000" b="0" dirty="0" smtClean="0">
+                        <a:rPr lang="it-IT" sz="2000" b="0">
                           <a:solidFill>
                             <a:schemeClr val="tx1"/>
                           </a:solidFill>
                         </a:rPr>
                         <a:t>:                               A1</a:t>
                       </a:r>
-                      <a:endParaRPr lang="it-IT" sz="2000" b="0" dirty="0">
-                        <a:solidFill>
-                          <a:schemeClr val="tx1"/>
-                        </a:solidFill>
-                      </a:endParaRPr>
                     </a:p>
                   </a:txBody>
                   <a:tcPr>
@@ -10934,7 +10783,7 @@
                     <a:lstStyle/>
                     <a:p>
                       <a:r>
-                        <a:rPr lang="it-IT" sz="2000" b="0" dirty="0" err="1" smtClean="0">
+                        <a:rPr lang="it-IT" sz="2000" b="0" err="1">
                           <a:solidFill>
                             <a:schemeClr val="tx1"/>
                           </a:solidFill>
@@ -10942,18 +10791,13 @@
                         <a:t>Hash</a:t>
                       </a:r>
                       <a:r>
-                        <a:rPr lang="it-IT" sz="2000" b="0" dirty="0" smtClean="0">
+                        <a:rPr lang="it-IT" sz="2000" b="0">
                           <a:solidFill>
                             <a:schemeClr val="tx1"/>
                           </a:solidFill>
                         </a:rPr>
                         <a:t>:                               A2</a:t>
                       </a:r>
-                      <a:endParaRPr lang="it-IT" sz="2000" b="0" dirty="0">
-                        <a:solidFill>
-                          <a:schemeClr val="tx1"/>
-                        </a:solidFill>
-                      </a:endParaRPr>
                     </a:p>
                   </a:txBody>
                   <a:tcPr>
@@ -10991,7 +10835,7 @@
                     <a:lstStyle/>
                     <a:p>
                       <a:r>
-                        <a:rPr lang="it-IT" sz="2000" b="0" dirty="0" err="1" smtClean="0">
+                        <a:rPr lang="it-IT" sz="2000" b="0" err="1">
                           <a:solidFill>
                             <a:schemeClr val="tx1"/>
                           </a:solidFill>
@@ -10999,18 +10843,13 @@
                         <a:t>Hash</a:t>
                       </a:r>
                       <a:r>
-                        <a:rPr lang="it-IT" sz="2000" b="0" dirty="0" smtClean="0">
+                        <a:rPr lang="it-IT" sz="2000" b="0">
                           <a:solidFill>
                             <a:schemeClr val="tx1"/>
                           </a:solidFill>
                         </a:rPr>
                         <a:t>:                               A3</a:t>
                       </a:r>
-                      <a:endParaRPr lang="it-IT" sz="2000" b="0" dirty="0">
-                        <a:solidFill>
-                          <a:schemeClr val="tx1"/>
-                        </a:solidFill>
-                      </a:endParaRPr>
                     </a:p>
                   </a:txBody>
                   <a:tcPr>
@@ -11033,6 +10872,11 @@
                     <a:noFill/>
                   </a:tcPr>
                 </a:tc>
+                <a:extLst>
+                  <a:ext uri="{0D108BD9-81ED-4DB2-BD59-A6C34878D82A}">
+                    <a16:rowId xmlns:a16="http://schemas.microsoft.com/office/drawing/2014/main" val="10000"/>
+                  </a:ext>
+                </a:extLst>
               </a:tr>
               <a:tr h="370840">
                 <a:tc>
@@ -11041,7 +10885,7 @@
                     <a:lstStyle/>
                     <a:p>
                       <a:r>
-                        <a:rPr lang="it-IT" sz="2000" b="0" dirty="0" err="1" smtClean="0">
+                        <a:rPr lang="it-IT" sz="2000" b="0" err="1">
                           <a:solidFill>
                             <a:schemeClr val="tx1"/>
                           </a:solidFill>
@@ -11049,26 +10893,13 @@
                         <a:t>Hash</a:t>
                       </a:r>
                       <a:r>
-                        <a:rPr lang="it-IT" sz="2000" b="0" dirty="0" smtClean="0">
+                        <a:rPr lang="it-IT" sz="2000" b="0">
                           <a:solidFill>
                             <a:schemeClr val="tx1"/>
                           </a:solidFill>
                         </a:rPr>
-                        <a:t> precedente:          </a:t>
+                        <a:t> precedente:          A0 </a:t>
                       </a:r>
-                      <a:r>
-                        <a:rPr lang="it-IT" sz="2000" b="0" dirty="0" smtClean="0">
-                          <a:solidFill>
-                            <a:schemeClr val="tx1"/>
-                          </a:solidFill>
-                        </a:rPr>
-                        <a:t>A0 </a:t>
-                      </a:r>
-                      <a:endParaRPr lang="it-IT" sz="2000" b="0" dirty="0">
-                        <a:solidFill>
-                          <a:schemeClr val="tx1"/>
-                        </a:solidFill>
-                      </a:endParaRPr>
                     </a:p>
                   </a:txBody>
                   <a:tcPr>
@@ -11097,7 +10928,7 @@
                     <a:lstStyle/>
                     <a:p>
                       <a:r>
-                        <a:rPr lang="it-IT" sz="2000" b="0" dirty="0" err="1" smtClean="0">
+                        <a:rPr lang="it-IT" sz="2000" b="0" err="1">
                           <a:solidFill>
                             <a:schemeClr val="tx1"/>
                           </a:solidFill>
@@ -11105,26 +10936,13 @@
                         <a:t>Hash</a:t>
                       </a:r>
                       <a:r>
-                        <a:rPr lang="it-IT" sz="2000" b="0" dirty="0" smtClean="0">
+                        <a:rPr lang="it-IT" sz="2000" b="0">
                           <a:solidFill>
                             <a:schemeClr val="tx1"/>
                           </a:solidFill>
                         </a:rPr>
-                        <a:t> precedente:          </a:t>
+                        <a:t> precedente:          A1</a:t>
                       </a:r>
-                      <a:r>
-                        <a:rPr lang="it-IT" sz="2000" b="0" dirty="0" smtClean="0">
-                          <a:solidFill>
-                            <a:schemeClr val="tx1"/>
-                          </a:solidFill>
-                        </a:rPr>
-                        <a:t>A1</a:t>
-                      </a:r>
-                      <a:endParaRPr lang="it-IT" sz="2000" b="0" dirty="0">
-                        <a:solidFill>
-                          <a:schemeClr val="tx1"/>
-                        </a:solidFill>
-                      </a:endParaRPr>
                     </a:p>
                   </a:txBody>
                   <a:tcPr>
@@ -11162,7 +10980,7 @@
                     <a:lstStyle/>
                     <a:p>
                       <a:r>
-                        <a:rPr lang="it-IT" sz="2000" b="0" dirty="0" err="1" smtClean="0">
+                        <a:rPr lang="it-IT" sz="2000" b="0" err="1">
                           <a:solidFill>
                             <a:schemeClr val="tx1"/>
                           </a:solidFill>
@@ -11170,22 +10988,14 @@
                         <a:t>Hash</a:t>
                       </a:r>
                       <a:r>
-                        <a:rPr lang="it-IT" sz="2000" b="0" baseline="0" dirty="0" smtClean="0">
+                        <a:rPr lang="it-IT" sz="2000" b="0" baseline="0">
                           <a:solidFill>
                             <a:schemeClr val="tx1"/>
                           </a:solidFill>
                         </a:rPr>
-                        <a:t> precedente:          </a:t>
+                        <a:t> precedente:          A2</a:t>
                       </a:r>
-                      <a:r>
-                        <a:rPr lang="it-IT" sz="2000" b="0" baseline="0" dirty="0" smtClean="0">
-                          <a:solidFill>
-                            <a:schemeClr val="tx1"/>
-                          </a:solidFill>
-                        </a:rPr>
-                        <a:t>A2</a:t>
-                      </a:r>
-                      <a:endParaRPr lang="it-IT" sz="2000" b="0" dirty="0">
+                      <a:endParaRPr lang="it-IT" sz="2000" b="0">
                         <a:solidFill>
                           <a:schemeClr val="tx1"/>
                         </a:solidFill>
@@ -11212,6 +11022,11 @@
                     <a:noFill/>
                   </a:tcPr>
                 </a:tc>
+                <a:extLst>
+                  <a:ext uri="{0D108BD9-81ED-4DB2-BD59-A6C34878D82A}">
+                    <a16:rowId xmlns:a16="http://schemas.microsoft.com/office/drawing/2014/main" val="10001"/>
+                  </a:ext>
+                </a:extLst>
               </a:tr>
             </a:tbl>
           </a:graphicData>
@@ -11543,14 +11358,13 @@
           <a:lstStyle/>
           <a:p>
             <a:r>
-              <a:rPr lang="it-IT" dirty="0" err="1" smtClean="0"/>
+              <a:rPr lang="it-IT" err="1"/>
               <a:t>Blockchain</a:t>
             </a:r>
             <a:r>
-              <a:rPr lang="it-IT" dirty="0" smtClean="0"/>
+              <a:rPr lang="it-IT"/>
               <a:t> - Esempio</a:t>
             </a:r>
-            <a:endParaRPr lang="it-IT" dirty="0"/>
           </a:p>
         </p:txBody>
       </p:sp>
@@ -11700,18 +11514,13 @@
           <a:lstStyle/>
           <a:p>
             <a:r>
-              <a:rPr lang="it-IT" sz="2400" dirty="0" smtClean="0">
+              <a:rPr lang="it-IT" sz="2400">
                 <a:solidFill>
                   <a:schemeClr val="bg1"/>
                 </a:solidFill>
               </a:rPr>
               <a:t>1</a:t>
             </a:r>
-            <a:endParaRPr lang="it-IT" sz="2400" dirty="0">
-              <a:solidFill>
-                <a:schemeClr val="bg1"/>
-              </a:solidFill>
-            </a:endParaRPr>
           </a:p>
         </p:txBody>
       </p:sp>
@@ -11738,18 +11547,13 @@
           <a:lstStyle/>
           <a:p>
             <a:r>
-              <a:rPr lang="it-IT" sz="2400" dirty="0" smtClean="0">
+              <a:rPr lang="it-IT" sz="2400">
                 <a:solidFill>
                   <a:schemeClr val="bg1"/>
                 </a:solidFill>
               </a:rPr>
               <a:t>2</a:t>
             </a:r>
-            <a:endParaRPr lang="it-IT" sz="2400" dirty="0">
-              <a:solidFill>
-                <a:schemeClr val="bg1"/>
-              </a:solidFill>
-            </a:endParaRPr>
           </a:p>
         </p:txBody>
       </p:sp>
@@ -11776,7 +11580,7 @@
           <a:lstStyle/>
           <a:p>
             <a:r>
-              <a:rPr lang="it-IT" sz="2400" dirty="0">
+              <a:rPr lang="it-IT" sz="2400">
                 <a:solidFill>
                   <a:schemeClr val="bg1"/>
                 </a:solidFill>
@@ -11852,9 +11656,27 @@
                 <a:tableStyleId>{5C22544A-7EE6-4342-B048-85BDC9FD1C3A}</a:tableStyleId>
               </a:tblPr>
               <a:tblGrid>
-                <a:gridCol w="2856317"/>
-                <a:gridCol w="2856317"/>
-                <a:gridCol w="2856317"/>
+                <a:gridCol w="2856317">
+                  <a:extLst>
+                    <a:ext uri="{9D8B030D-6E8A-4147-A177-3AD203B41FA5}">
+                      <a16:colId xmlns:a16="http://schemas.microsoft.com/office/drawing/2014/main" val="20000"/>
+                    </a:ext>
+                  </a:extLst>
+                </a:gridCol>
+                <a:gridCol w="2856317">
+                  <a:extLst>
+                    <a:ext uri="{9D8B030D-6E8A-4147-A177-3AD203B41FA5}">
+                      <a16:colId xmlns:a16="http://schemas.microsoft.com/office/drawing/2014/main" val="20001"/>
+                    </a:ext>
+                  </a:extLst>
+                </a:gridCol>
+                <a:gridCol w="2856317">
+                  <a:extLst>
+                    <a:ext uri="{9D8B030D-6E8A-4147-A177-3AD203B41FA5}">
+                      <a16:colId xmlns:a16="http://schemas.microsoft.com/office/drawing/2014/main" val="20002"/>
+                    </a:ext>
+                  </a:extLst>
+                </a:gridCol>
               </a:tblGrid>
               <a:tr h="370840">
                 <a:tc>
@@ -11863,7 +11685,7 @@
                     <a:lstStyle/>
                     <a:p>
                       <a:r>
-                        <a:rPr lang="it-IT" sz="2000" b="0" dirty="0" err="1" smtClean="0">
+                        <a:rPr lang="it-IT" sz="2000" b="0" err="1">
                           <a:solidFill>
                             <a:schemeClr val="tx1"/>
                           </a:solidFill>
@@ -11871,18 +11693,13 @@
                         <a:t>Hash</a:t>
                       </a:r>
                       <a:r>
-                        <a:rPr lang="it-IT" sz="2000" b="0" dirty="0" smtClean="0">
+                        <a:rPr lang="it-IT" sz="2000" b="0">
                           <a:solidFill>
                             <a:schemeClr val="tx1"/>
                           </a:solidFill>
                         </a:rPr>
                         <a:t>:                               A1</a:t>
                       </a:r>
-                      <a:endParaRPr lang="it-IT" sz="2000" b="0" dirty="0">
-                        <a:solidFill>
-                          <a:schemeClr val="tx1"/>
-                        </a:solidFill>
-                      </a:endParaRPr>
                     </a:p>
                   </a:txBody>
                   <a:tcPr>
@@ -11911,7 +11728,7 @@
                     <a:lstStyle/>
                     <a:p>
                       <a:r>
-                        <a:rPr lang="it-IT" sz="2000" b="0" dirty="0" err="1" smtClean="0">
+                        <a:rPr lang="it-IT" sz="2000" b="0" err="1">
                           <a:solidFill>
                             <a:schemeClr val="tx1"/>
                           </a:solidFill>
@@ -11919,18 +11736,13 @@
                         <a:t>Hash</a:t>
                       </a:r>
                       <a:r>
-                        <a:rPr lang="it-IT" sz="2000" b="0" dirty="0" smtClean="0">
+                        <a:rPr lang="it-IT" sz="2000" b="0">
                           <a:solidFill>
                             <a:schemeClr val="tx1"/>
                           </a:solidFill>
                         </a:rPr>
                         <a:t>:                               A2</a:t>
                       </a:r>
-                      <a:endParaRPr lang="it-IT" sz="2000" b="0" dirty="0">
-                        <a:solidFill>
-                          <a:schemeClr val="tx1"/>
-                        </a:solidFill>
-                      </a:endParaRPr>
                     </a:p>
                   </a:txBody>
                   <a:tcPr>
@@ -11968,7 +11780,7 @@
                     <a:lstStyle/>
                     <a:p>
                       <a:r>
-                        <a:rPr lang="it-IT" sz="2000" b="0" dirty="0" err="1" smtClean="0">
+                        <a:rPr lang="it-IT" sz="2000" b="0" err="1">
                           <a:solidFill>
                             <a:schemeClr val="tx1"/>
                           </a:solidFill>
@@ -11976,18 +11788,13 @@
                         <a:t>Hash</a:t>
                       </a:r>
                       <a:r>
-                        <a:rPr lang="it-IT" sz="2000" b="0" dirty="0" smtClean="0">
+                        <a:rPr lang="it-IT" sz="2000" b="0">
                           <a:solidFill>
                             <a:schemeClr val="tx1"/>
                           </a:solidFill>
                         </a:rPr>
                         <a:t>:                               A3</a:t>
                       </a:r>
-                      <a:endParaRPr lang="it-IT" sz="2000" b="0" dirty="0">
-                        <a:solidFill>
-                          <a:schemeClr val="tx1"/>
-                        </a:solidFill>
-                      </a:endParaRPr>
                     </a:p>
                   </a:txBody>
                   <a:tcPr>
@@ -12010,6 +11817,11 @@
                     <a:noFill/>
                   </a:tcPr>
                 </a:tc>
+                <a:extLst>
+                  <a:ext uri="{0D108BD9-81ED-4DB2-BD59-A6C34878D82A}">
+                    <a16:rowId xmlns:a16="http://schemas.microsoft.com/office/drawing/2014/main" val="10000"/>
+                  </a:ext>
+                </a:extLst>
               </a:tr>
               <a:tr h="370840">
                 <a:tc>
@@ -12018,7 +11830,7 @@
                     <a:lstStyle/>
                     <a:p>
                       <a:r>
-                        <a:rPr lang="it-IT" sz="2000" b="0" dirty="0" err="1" smtClean="0">
+                        <a:rPr lang="it-IT" sz="2000" b="0" err="1">
                           <a:solidFill>
                             <a:schemeClr val="tx1"/>
                           </a:solidFill>
@@ -12026,26 +11838,13 @@
                         <a:t>Hash</a:t>
                       </a:r>
                       <a:r>
-                        <a:rPr lang="it-IT" sz="2000" b="0" dirty="0" smtClean="0">
+                        <a:rPr lang="it-IT" sz="2000" b="0">
                           <a:solidFill>
                             <a:schemeClr val="tx1"/>
                           </a:solidFill>
                         </a:rPr>
-                        <a:t> precedente:          </a:t>
+                        <a:t> precedente:          A0 </a:t>
                       </a:r>
-                      <a:r>
-                        <a:rPr lang="it-IT" sz="2000" b="0" dirty="0" smtClean="0">
-                          <a:solidFill>
-                            <a:schemeClr val="tx1"/>
-                          </a:solidFill>
-                        </a:rPr>
-                        <a:t>A0 </a:t>
-                      </a:r>
-                      <a:endParaRPr lang="it-IT" sz="2000" b="0" dirty="0">
-                        <a:solidFill>
-                          <a:schemeClr val="tx1"/>
-                        </a:solidFill>
-                      </a:endParaRPr>
                     </a:p>
                   </a:txBody>
                   <a:tcPr>
@@ -12074,7 +11873,7 @@
                     <a:lstStyle/>
                     <a:p>
                       <a:r>
-                        <a:rPr lang="it-IT" sz="2000" b="0" dirty="0" err="1" smtClean="0">
+                        <a:rPr lang="it-IT" sz="2000" b="0" err="1">
                           <a:solidFill>
                             <a:schemeClr val="tx1"/>
                           </a:solidFill>
@@ -12082,26 +11881,13 @@
                         <a:t>Hash</a:t>
                       </a:r>
                       <a:r>
-                        <a:rPr lang="it-IT" sz="2000" b="0" dirty="0" smtClean="0">
+                        <a:rPr lang="it-IT" sz="2000" b="0">
                           <a:solidFill>
                             <a:schemeClr val="tx1"/>
                           </a:solidFill>
                         </a:rPr>
-                        <a:t> precedente:          </a:t>
+                        <a:t> precedente:          A1</a:t>
                       </a:r>
-                      <a:r>
-                        <a:rPr lang="it-IT" sz="2000" b="0" dirty="0" smtClean="0">
-                          <a:solidFill>
-                            <a:schemeClr val="tx1"/>
-                          </a:solidFill>
-                        </a:rPr>
-                        <a:t>A1</a:t>
-                      </a:r>
-                      <a:endParaRPr lang="it-IT" sz="2000" b="0" dirty="0">
-                        <a:solidFill>
-                          <a:schemeClr val="tx1"/>
-                        </a:solidFill>
-                      </a:endParaRPr>
                     </a:p>
                   </a:txBody>
                   <a:tcPr>
@@ -12139,7 +11925,7 @@
                     <a:lstStyle/>
                     <a:p>
                       <a:r>
-                        <a:rPr lang="it-IT" sz="2000" b="0" dirty="0" err="1" smtClean="0">
+                        <a:rPr lang="it-IT" sz="2000" b="0" err="1">
                           <a:solidFill>
                             <a:schemeClr val="tx1"/>
                           </a:solidFill>
@@ -12147,22 +11933,14 @@
                         <a:t>Hash</a:t>
                       </a:r>
                       <a:r>
-                        <a:rPr lang="it-IT" sz="2000" b="0" baseline="0" dirty="0" smtClean="0">
+                        <a:rPr lang="it-IT" sz="2000" b="0" baseline="0">
                           <a:solidFill>
                             <a:schemeClr val="tx1"/>
                           </a:solidFill>
                         </a:rPr>
-                        <a:t> precedente:          </a:t>
+                        <a:t> precedente:          A2</a:t>
                       </a:r>
-                      <a:r>
-                        <a:rPr lang="it-IT" sz="2000" b="0" baseline="0" dirty="0" smtClean="0">
-                          <a:solidFill>
-                            <a:schemeClr val="tx1"/>
-                          </a:solidFill>
-                        </a:rPr>
-                        <a:t>A2</a:t>
-                      </a:r>
-                      <a:endParaRPr lang="it-IT" sz="2000" b="0" dirty="0">
+                      <a:endParaRPr lang="it-IT" sz="2000" b="0">
                         <a:solidFill>
                           <a:schemeClr val="tx1"/>
                         </a:solidFill>
@@ -12189,6 +11967,11 @@
                     <a:noFill/>
                   </a:tcPr>
                 </a:tc>
+                <a:extLst>
+                  <a:ext uri="{0D108BD9-81ED-4DB2-BD59-A6C34878D82A}">
+                    <a16:rowId xmlns:a16="http://schemas.microsoft.com/office/drawing/2014/main" val="10001"/>
+                  </a:ext>
+                </a:extLst>
               </a:tr>
             </a:tbl>
           </a:graphicData>
@@ -12513,10 +12296,10 @@
           <a:p>
             <a:pPr algn="l"/>
             <a:r>
-              <a:rPr lang="it-IT" dirty="0" smtClean="0"/>
+              <a:rPr lang="it-IT"/>
               <a:t>DISCLAIMER</a:t>
             </a:r>
-            <a:endParaRPr lang="it-IT" dirty="0">
+            <a:endParaRPr lang="it-IT">
               <a:solidFill>
                 <a:srgbClr val="FF6633"/>
               </a:solidFill>
@@ -12563,10 +12346,9 @@
           <a:p>
             <a:pPr algn="l"/>
             <a:r>
-              <a:rPr lang="it-IT" sz="3600" b="0" dirty="0" smtClean="0"/>
+              <a:rPr lang="it-IT" sz="3600" b="0"/>
               <a:t>Di che cosa NON parleremo..</a:t>
             </a:r>
-            <a:endParaRPr lang="it-IT" sz="3600" b="0" dirty="0"/>
           </a:p>
         </p:txBody>
       </p:sp>
@@ -12580,13 +12362,6 @@
   <p:clrMapOvr>
     <a:masterClrMapping/>
   </p:clrMapOvr>
-  <p:timing>
-    <p:tnLst>
-      <p:par>
-        <p:cTn id="1" dur="indefinite" restart="never" nodeType="tmRoot"/>
-      </p:par>
-    </p:tnLst>
-  </p:timing>
 </p:sld>
 </file>
 
@@ -12623,14 +12398,13 @@
           <a:lstStyle/>
           <a:p>
             <a:r>
-              <a:rPr lang="it-IT" dirty="0" err="1" smtClean="0"/>
+              <a:rPr lang="it-IT" err="1"/>
               <a:t>Blockchain</a:t>
             </a:r>
             <a:r>
-              <a:rPr lang="it-IT" dirty="0" smtClean="0"/>
+              <a:rPr lang="it-IT"/>
               <a:t> - Esempio</a:t>
             </a:r>
-            <a:endParaRPr lang="it-IT" dirty="0"/>
           </a:p>
         </p:txBody>
       </p:sp>
@@ -12780,18 +12554,13 @@
           <a:lstStyle/>
           <a:p>
             <a:r>
-              <a:rPr lang="it-IT" sz="2400" dirty="0" smtClean="0">
+              <a:rPr lang="it-IT" sz="2400">
                 <a:solidFill>
                   <a:schemeClr val="bg1"/>
                 </a:solidFill>
               </a:rPr>
               <a:t>1</a:t>
             </a:r>
-            <a:endParaRPr lang="it-IT" sz="2400" dirty="0">
-              <a:solidFill>
-                <a:schemeClr val="bg1"/>
-              </a:solidFill>
-            </a:endParaRPr>
           </a:p>
         </p:txBody>
       </p:sp>
@@ -12818,18 +12587,13 @@
           <a:lstStyle/>
           <a:p>
             <a:r>
-              <a:rPr lang="it-IT" sz="2400" dirty="0" smtClean="0">
+              <a:rPr lang="it-IT" sz="2400">
                 <a:solidFill>
                   <a:schemeClr val="bg1"/>
                 </a:solidFill>
               </a:rPr>
               <a:t>2</a:t>
             </a:r>
-            <a:endParaRPr lang="it-IT" sz="2400" dirty="0">
-              <a:solidFill>
-                <a:schemeClr val="bg1"/>
-              </a:solidFill>
-            </a:endParaRPr>
           </a:p>
         </p:txBody>
       </p:sp>
@@ -12856,7 +12620,7 @@
           <a:lstStyle/>
           <a:p>
             <a:r>
-              <a:rPr lang="it-IT" sz="2400" dirty="0">
+              <a:rPr lang="it-IT" sz="2400">
                 <a:solidFill>
                   <a:schemeClr val="bg1"/>
                 </a:solidFill>
@@ -12932,9 +12696,27 @@
                 <a:tableStyleId>{5C22544A-7EE6-4342-B048-85BDC9FD1C3A}</a:tableStyleId>
               </a:tblPr>
               <a:tblGrid>
-                <a:gridCol w="2856317"/>
-                <a:gridCol w="2856317"/>
-                <a:gridCol w="2856317"/>
+                <a:gridCol w="2856317">
+                  <a:extLst>
+                    <a:ext uri="{9D8B030D-6E8A-4147-A177-3AD203B41FA5}">
+                      <a16:colId xmlns:a16="http://schemas.microsoft.com/office/drawing/2014/main" val="20000"/>
+                    </a:ext>
+                  </a:extLst>
+                </a:gridCol>
+                <a:gridCol w="2856317">
+                  <a:extLst>
+                    <a:ext uri="{9D8B030D-6E8A-4147-A177-3AD203B41FA5}">
+                      <a16:colId xmlns:a16="http://schemas.microsoft.com/office/drawing/2014/main" val="20001"/>
+                    </a:ext>
+                  </a:extLst>
+                </a:gridCol>
+                <a:gridCol w="2856317">
+                  <a:extLst>
+                    <a:ext uri="{9D8B030D-6E8A-4147-A177-3AD203B41FA5}">
+                      <a16:colId xmlns:a16="http://schemas.microsoft.com/office/drawing/2014/main" val="20002"/>
+                    </a:ext>
+                  </a:extLst>
+                </a:gridCol>
               </a:tblGrid>
               <a:tr h="370840">
                 <a:tc>
@@ -12943,7 +12725,7 @@
                     <a:lstStyle/>
                     <a:p>
                       <a:r>
-                        <a:rPr lang="it-IT" sz="2000" b="0" dirty="0" err="1" smtClean="0">
+                        <a:rPr lang="it-IT" sz="2000" b="0" err="1">
                           <a:solidFill>
                             <a:schemeClr val="tx1"/>
                           </a:solidFill>
@@ -12951,18 +12733,13 @@
                         <a:t>Hash</a:t>
                       </a:r>
                       <a:r>
-                        <a:rPr lang="it-IT" sz="2000" b="0" dirty="0" smtClean="0">
+                        <a:rPr lang="it-IT" sz="2000" b="0">
                           <a:solidFill>
                             <a:schemeClr val="tx1"/>
                           </a:solidFill>
                         </a:rPr>
                         <a:t>:                               A1</a:t>
                       </a:r>
-                      <a:endParaRPr lang="it-IT" sz="2000" b="0" dirty="0">
-                        <a:solidFill>
-                          <a:schemeClr val="tx1"/>
-                        </a:solidFill>
-                      </a:endParaRPr>
                     </a:p>
                   </a:txBody>
                   <a:tcPr>
@@ -12991,7 +12768,7 @@
                     <a:lstStyle/>
                     <a:p>
                       <a:r>
-                        <a:rPr lang="it-IT" sz="2000" b="0" dirty="0" err="1" smtClean="0">
+                        <a:rPr lang="it-IT" sz="2000" b="0" err="1">
                           <a:solidFill>
                             <a:schemeClr val="tx1"/>
                           </a:solidFill>
@@ -12999,26 +12776,13 @@
                         <a:t>Hash</a:t>
                       </a:r>
                       <a:r>
-                        <a:rPr lang="it-IT" sz="2000" b="0" dirty="0" smtClean="0">
+                        <a:rPr lang="it-IT" sz="2000" b="0">
                           <a:solidFill>
                             <a:schemeClr val="tx1"/>
                           </a:solidFill>
                         </a:rPr>
-                        <a:t>:                               </a:t>
+                        <a:t>:                               B5</a:t>
                       </a:r>
-                      <a:r>
-                        <a:rPr lang="it-IT" sz="2000" b="0" dirty="0" smtClean="0">
-                          <a:solidFill>
-                            <a:schemeClr val="tx1"/>
-                          </a:solidFill>
-                        </a:rPr>
-                        <a:t>B5</a:t>
-                      </a:r>
-                      <a:endParaRPr lang="it-IT" sz="2000" b="0" dirty="0">
-                        <a:solidFill>
-                          <a:schemeClr val="tx1"/>
-                        </a:solidFill>
-                      </a:endParaRPr>
                     </a:p>
                   </a:txBody>
                   <a:tcPr>
@@ -13056,7 +12820,7 @@
                     <a:lstStyle/>
                     <a:p>
                       <a:r>
-                        <a:rPr lang="it-IT" sz="2000" b="0" dirty="0" err="1" smtClean="0">
+                        <a:rPr lang="it-IT" sz="2000" b="0" err="1">
                           <a:solidFill>
                             <a:schemeClr val="tx1"/>
                           </a:solidFill>
@@ -13064,18 +12828,13 @@
                         <a:t>Hash</a:t>
                       </a:r>
                       <a:r>
-                        <a:rPr lang="it-IT" sz="2000" b="0" dirty="0" smtClean="0">
+                        <a:rPr lang="it-IT" sz="2000" b="0">
                           <a:solidFill>
                             <a:schemeClr val="tx1"/>
                           </a:solidFill>
                         </a:rPr>
                         <a:t>:                               A3</a:t>
                       </a:r>
-                      <a:endParaRPr lang="it-IT" sz="2000" b="0" dirty="0">
-                        <a:solidFill>
-                          <a:schemeClr val="tx1"/>
-                        </a:solidFill>
-                      </a:endParaRPr>
                     </a:p>
                   </a:txBody>
                   <a:tcPr>
@@ -13098,6 +12857,11 @@
                     <a:noFill/>
                   </a:tcPr>
                 </a:tc>
+                <a:extLst>
+                  <a:ext uri="{0D108BD9-81ED-4DB2-BD59-A6C34878D82A}">
+                    <a16:rowId xmlns:a16="http://schemas.microsoft.com/office/drawing/2014/main" val="10000"/>
+                  </a:ext>
+                </a:extLst>
               </a:tr>
               <a:tr h="370840">
                 <a:tc>
@@ -13106,7 +12870,7 @@
                     <a:lstStyle/>
                     <a:p>
                       <a:r>
-                        <a:rPr lang="it-IT" sz="2000" b="0" dirty="0" err="1" smtClean="0">
+                        <a:rPr lang="it-IT" sz="2000" b="0" err="1">
                           <a:solidFill>
                             <a:schemeClr val="tx1"/>
                           </a:solidFill>
@@ -13114,26 +12878,13 @@
                         <a:t>Hash</a:t>
                       </a:r>
                       <a:r>
-                        <a:rPr lang="it-IT" sz="2000" b="0" dirty="0" smtClean="0">
+                        <a:rPr lang="it-IT" sz="2000" b="0">
                           <a:solidFill>
                             <a:schemeClr val="tx1"/>
                           </a:solidFill>
                         </a:rPr>
-                        <a:t> precedente:          </a:t>
+                        <a:t> precedente:          A0 </a:t>
                       </a:r>
-                      <a:r>
-                        <a:rPr lang="it-IT" sz="2000" b="0" dirty="0" smtClean="0">
-                          <a:solidFill>
-                            <a:schemeClr val="tx1"/>
-                          </a:solidFill>
-                        </a:rPr>
-                        <a:t>A0 </a:t>
-                      </a:r>
-                      <a:endParaRPr lang="it-IT" sz="2000" b="0" dirty="0">
-                        <a:solidFill>
-                          <a:schemeClr val="tx1"/>
-                        </a:solidFill>
-                      </a:endParaRPr>
                     </a:p>
                   </a:txBody>
                   <a:tcPr>
@@ -13162,7 +12913,7 @@
                     <a:lstStyle/>
                     <a:p>
                       <a:r>
-                        <a:rPr lang="it-IT" sz="2000" b="0" dirty="0" err="1" smtClean="0">
+                        <a:rPr lang="it-IT" sz="2000" b="0" err="1">
                           <a:solidFill>
                             <a:schemeClr val="tx1"/>
                           </a:solidFill>
@@ -13170,26 +12921,13 @@
                         <a:t>Hash</a:t>
                       </a:r>
                       <a:r>
-                        <a:rPr lang="it-IT" sz="2000" b="0" dirty="0" smtClean="0">
+                        <a:rPr lang="it-IT" sz="2000" b="0">
                           <a:solidFill>
                             <a:schemeClr val="tx1"/>
                           </a:solidFill>
                         </a:rPr>
-                        <a:t> precedente:          </a:t>
+                        <a:t> precedente:          A1</a:t>
                       </a:r>
-                      <a:r>
-                        <a:rPr lang="it-IT" sz="2000" b="0" dirty="0" smtClean="0">
-                          <a:solidFill>
-                            <a:schemeClr val="tx1"/>
-                          </a:solidFill>
-                        </a:rPr>
-                        <a:t>A1</a:t>
-                      </a:r>
-                      <a:endParaRPr lang="it-IT" sz="2000" b="0" dirty="0">
-                        <a:solidFill>
-                          <a:schemeClr val="tx1"/>
-                        </a:solidFill>
-                      </a:endParaRPr>
                     </a:p>
                   </a:txBody>
                   <a:tcPr>
@@ -13227,7 +12965,7 @@
                     <a:lstStyle/>
                     <a:p>
                       <a:r>
-                        <a:rPr lang="it-IT" sz="2000" b="0" dirty="0" err="1" smtClean="0">
+                        <a:rPr lang="it-IT" sz="2000" b="0" err="1">
                           <a:solidFill>
                             <a:schemeClr val="tx1"/>
                           </a:solidFill>
@@ -13235,22 +12973,14 @@
                         <a:t>Hash</a:t>
                       </a:r>
                       <a:r>
-                        <a:rPr lang="it-IT" sz="2000" b="0" baseline="0" dirty="0" smtClean="0">
+                        <a:rPr lang="it-IT" sz="2000" b="0" baseline="0">
                           <a:solidFill>
                             <a:schemeClr val="tx1"/>
                           </a:solidFill>
                         </a:rPr>
-                        <a:t> precedente:          </a:t>
+                        <a:t> precedente:          A2</a:t>
                       </a:r>
-                      <a:r>
-                        <a:rPr lang="it-IT" sz="2000" b="0" baseline="0" dirty="0" smtClean="0">
-                          <a:solidFill>
-                            <a:schemeClr val="tx1"/>
-                          </a:solidFill>
-                        </a:rPr>
-                        <a:t>A2</a:t>
-                      </a:r>
-                      <a:endParaRPr lang="it-IT" sz="2000" b="0" dirty="0">
+                      <a:endParaRPr lang="it-IT" sz="2000" b="0">
                         <a:solidFill>
                           <a:schemeClr val="tx1"/>
                         </a:solidFill>
@@ -13277,6 +13007,11 @@
                     <a:noFill/>
                   </a:tcPr>
                 </a:tc>
+                <a:extLst>
+                  <a:ext uri="{0D108BD9-81ED-4DB2-BD59-A6C34878D82A}">
+                    <a16:rowId xmlns:a16="http://schemas.microsoft.com/office/drawing/2014/main" val="10001"/>
+                  </a:ext>
+                </a:extLst>
               </a:tr>
             </a:tbl>
           </a:graphicData>
@@ -13423,10 +13158,9 @@
           <a:lstStyle/>
           <a:p>
             <a:r>
-              <a:rPr lang="it-IT" dirty="0" smtClean="0"/>
+              <a:rPr lang="it-IT"/>
               <a:t>?</a:t>
             </a:r>
-            <a:endParaRPr lang="it-IT" dirty="0"/>
           </a:p>
         </p:txBody>
       </p:sp>
@@ -13597,14 +13331,13 @@
           <a:lstStyle/>
           <a:p>
             <a:r>
-              <a:rPr lang="it-IT" dirty="0" err="1" smtClean="0"/>
+              <a:rPr lang="it-IT" err="1"/>
               <a:t>Blockchain</a:t>
             </a:r>
             <a:r>
-              <a:rPr lang="it-IT" dirty="0" smtClean="0"/>
+              <a:rPr lang="it-IT"/>
               <a:t> - Esempio</a:t>
             </a:r>
-            <a:endParaRPr lang="it-IT" dirty="0"/>
           </a:p>
         </p:txBody>
       </p:sp>
@@ -13756,9 +13489,27 @@
                 <a:tableStyleId>{5C22544A-7EE6-4342-B048-85BDC9FD1C3A}</a:tableStyleId>
               </a:tblPr>
               <a:tblGrid>
-                <a:gridCol w="2856317"/>
-                <a:gridCol w="2856317"/>
-                <a:gridCol w="2856317"/>
+                <a:gridCol w="2856317">
+                  <a:extLst>
+                    <a:ext uri="{9D8B030D-6E8A-4147-A177-3AD203B41FA5}">
+                      <a16:colId xmlns:a16="http://schemas.microsoft.com/office/drawing/2014/main" val="20000"/>
+                    </a:ext>
+                  </a:extLst>
+                </a:gridCol>
+                <a:gridCol w="2856317">
+                  <a:extLst>
+                    <a:ext uri="{9D8B030D-6E8A-4147-A177-3AD203B41FA5}">
+                      <a16:colId xmlns:a16="http://schemas.microsoft.com/office/drawing/2014/main" val="20001"/>
+                    </a:ext>
+                  </a:extLst>
+                </a:gridCol>
+                <a:gridCol w="2856317">
+                  <a:extLst>
+                    <a:ext uri="{9D8B030D-6E8A-4147-A177-3AD203B41FA5}">
+                      <a16:colId xmlns:a16="http://schemas.microsoft.com/office/drawing/2014/main" val="20002"/>
+                    </a:ext>
+                  </a:extLst>
+                </a:gridCol>
               </a:tblGrid>
               <a:tr h="370840">
                 <a:tc>
@@ -13767,7 +13518,7 @@
                     <a:lstStyle/>
                     <a:p>
                       <a:r>
-                        <a:rPr lang="it-IT" sz="2000" b="0" dirty="0" err="1" smtClean="0">
+                        <a:rPr lang="it-IT" sz="2000" b="0" err="1">
                           <a:solidFill>
                             <a:schemeClr val="tx1"/>
                           </a:solidFill>
@@ -13775,18 +13526,13 @@
                         <a:t>Hash</a:t>
                       </a:r>
                       <a:r>
-                        <a:rPr lang="it-IT" sz="2000" b="0" dirty="0" smtClean="0">
+                        <a:rPr lang="it-IT" sz="2000" b="0">
                           <a:solidFill>
                             <a:schemeClr val="tx1"/>
                           </a:solidFill>
                         </a:rPr>
                         <a:t>:                               A1</a:t>
                       </a:r>
-                      <a:endParaRPr lang="it-IT" sz="2000" b="0" dirty="0">
-                        <a:solidFill>
-                          <a:schemeClr val="tx1"/>
-                        </a:solidFill>
-                      </a:endParaRPr>
                     </a:p>
                   </a:txBody>
                   <a:tcPr>
@@ -13815,7 +13561,7 @@
                     <a:lstStyle/>
                     <a:p>
                       <a:r>
-                        <a:rPr lang="it-IT" sz="2000" b="0" dirty="0" err="1" smtClean="0">
+                        <a:rPr lang="it-IT" sz="2000" b="0" err="1">
                           <a:solidFill>
                             <a:schemeClr val="tx1"/>
                           </a:solidFill>
@@ -13823,18 +13569,13 @@
                         <a:t>Hash</a:t>
                       </a:r>
                       <a:r>
-                        <a:rPr lang="it-IT" sz="2000" b="0" dirty="0" smtClean="0">
+                        <a:rPr lang="it-IT" sz="2000" b="0">
                           <a:solidFill>
                             <a:schemeClr val="tx1"/>
                           </a:solidFill>
                         </a:rPr>
                         <a:t>:                               A2</a:t>
                       </a:r>
-                      <a:endParaRPr lang="it-IT" sz="2000" b="0" dirty="0">
-                        <a:solidFill>
-                          <a:schemeClr val="tx1"/>
-                        </a:solidFill>
-                      </a:endParaRPr>
                     </a:p>
                   </a:txBody>
                   <a:tcPr>
@@ -13872,7 +13613,7 @@
                     <a:lstStyle/>
                     <a:p>
                       <a:r>
-                        <a:rPr lang="it-IT" sz="2000" b="0" dirty="0" err="1" smtClean="0">
+                        <a:rPr lang="it-IT" sz="2000" b="0" err="1">
                           <a:solidFill>
                             <a:schemeClr val="tx1"/>
                           </a:solidFill>
@@ -13880,18 +13621,13 @@
                         <a:t>Hash</a:t>
                       </a:r>
                       <a:r>
-                        <a:rPr lang="it-IT" sz="2000" b="0" dirty="0" smtClean="0">
+                        <a:rPr lang="it-IT" sz="2000" b="0">
                           <a:solidFill>
                             <a:schemeClr val="tx1"/>
                           </a:solidFill>
                         </a:rPr>
                         <a:t>:                               A3</a:t>
                       </a:r>
-                      <a:endParaRPr lang="it-IT" sz="2000" b="0" dirty="0">
-                        <a:solidFill>
-                          <a:schemeClr val="tx1"/>
-                        </a:solidFill>
-                      </a:endParaRPr>
                     </a:p>
                   </a:txBody>
                   <a:tcPr>
@@ -13914,6 +13650,11 @@
                     <a:noFill/>
                   </a:tcPr>
                 </a:tc>
+                <a:extLst>
+                  <a:ext uri="{0D108BD9-81ED-4DB2-BD59-A6C34878D82A}">
+                    <a16:rowId xmlns:a16="http://schemas.microsoft.com/office/drawing/2014/main" val="10000"/>
+                  </a:ext>
+                </a:extLst>
               </a:tr>
               <a:tr h="370840">
                 <a:tc>
@@ -13922,7 +13663,7 @@
                     <a:lstStyle/>
                     <a:p>
                       <a:r>
-                        <a:rPr lang="it-IT" sz="2000" b="0" dirty="0" err="1" smtClean="0">
+                        <a:rPr lang="it-IT" sz="2000" b="0" err="1">
                           <a:solidFill>
                             <a:schemeClr val="tx1"/>
                           </a:solidFill>
@@ -13930,26 +13671,13 @@
                         <a:t>Hash</a:t>
                       </a:r>
                       <a:r>
-                        <a:rPr lang="it-IT" sz="2000" b="0" dirty="0" smtClean="0">
+                        <a:rPr lang="it-IT" sz="2000" b="0">
                           <a:solidFill>
                             <a:schemeClr val="tx1"/>
                           </a:solidFill>
                         </a:rPr>
-                        <a:t> precedente:          </a:t>
+                        <a:t> precedente:          A0 </a:t>
                       </a:r>
-                      <a:r>
-                        <a:rPr lang="it-IT" sz="2000" b="0" dirty="0" smtClean="0">
-                          <a:solidFill>
-                            <a:schemeClr val="tx1"/>
-                          </a:solidFill>
-                        </a:rPr>
-                        <a:t>A0 </a:t>
-                      </a:r>
-                      <a:endParaRPr lang="it-IT" sz="2000" b="0" dirty="0">
-                        <a:solidFill>
-                          <a:schemeClr val="tx1"/>
-                        </a:solidFill>
-                      </a:endParaRPr>
                     </a:p>
                   </a:txBody>
                   <a:tcPr>
@@ -13978,7 +13706,7 @@
                     <a:lstStyle/>
                     <a:p>
                       <a:r>
-                        <a:rPr lang="it-IT" sz="2000" b="0" dirty="0" err="1" smtClean="0">
+                        <a:rPr lang="it-IT" sz="2000" b="0" err="1">
                           <a:solidFill>
                             <a:schemeClr val="tx1"/>
                           </a:solidFill>
@@ -13986,26 +13714,13 @@
                         <a:t>Hash</a:t>
                       </a:r>
                       <a:r>
-                        <a:rPr lang="it-IT" sz="2000" b="0" dirty="0" smtClean="0">
+                        <a:rPr lang="it-IT" sz="2000" b="0">
                           <a:solidFill>
                             <a:schemeClr val="tx1"/>
                           </a:solidFill>
                         </a:rPr>
-                        <a:t> precedente:          </a:t>
+                        <a:t> precedente:          A1</a:t>
                       </a:r>
-                      <a:r>
-                        <a:rPr lang="it-IT" sz="2000" b="0" dirty="0" smtClean="0">
-                          <a:solidFill>
-                            <a:schemeClr val="tx1"/>
-                          </a:solidFill>
-                        </a:rPr>
-                        <a:t>A1</a:t>
-                      </a:r>
-                      <a:endParaRPr lang="it-IT" sz="2000" b="0" dirty="0">
-                        <a:solidFill>
-                          <a:schemeClr val="tx1"/>
-                        </a:solidFill>
-                      </a:endParaRPr>
                     </a:p>
                   </a:txBody>
                   <a:tcPr>
@@ -14043,7 +13758,7 @@
                     <a:lstStyle/>
                     <a:p>
                       <a:r>
-                        <a:rPr lang="it-IT" sz="2000" b="0" dirty="0" err="1" smtClean="0">
+                        <a:rPr lang="it-IT" sz="2000" b="0" err="1">
                           <a:solidFill>
                             <a:schemeClr val="tx1"/>
                           </a:solidFill>
@@ -14051,22 +13766,14 @@
                         <a:t>Hash</a:t>
                       </a:r>
                       <a:r>
-                        <a:rPr lang="it-IT" sz="2000" b="0" baseline="0" dirty="0" smtClean="0">
+                        <a:rPr lang="it-IT" sz="2000" b="0" baseline="0">
                           <a:solidFill>
                             <a:schemeClr val="tx1"/>
                           </a:solidFill>
                         </a:rPr>
-                        <a:t> precedente:          </a:t>
+                        <a:t> precedente:          A2</a:t>
                       </a:r>
-                      <a:r>
-                        <a:rPr lang="it-IT" sz="2000" b="0" baseline="0" dirty="0" smtClean="0">
-                          <a:solidFill>
-                            <a:schemeClr val="tx1"/>
-                          </a:solidFill>
-                        </a:rPr>
-                        <a:t>A2</a:t>
-                      </a:r>
-                      <a:endParaRPr lang="it-IT" sz="2000" b="0" dirty="0">
+                      <a:endParaRPr lang="it-IT" sz="2000" b="0">
                         <a:solidFill>
                           <a:schemeClr val="tx1"/>
                         </a:solidFill>
@@ -14093,6 +13800,11 @@
                     <a:noFill/>
                   </a:tcPr>
                 </a:tc>
+                <a:extLst>
+                  <a:ext uri="{0D108BD9-81ED-4DB2-BD59-A6C34878D82A}">
+                    <a16:rowId xmlns:a16="http://schemas.microsoft.com/office/drawing/2014/main" val="10001"/>
+                  </a:ext>
+                </a:extLst>
               </a:tr>
             </a:tbl>
           </a:graphicData>
@@ -14121,18 +13833,13 @@
           <a:lstStyle/>
           <a:p>
             <a:r>
-              <a:rPr lang="it-IT" sz="2400" dirty="0" smtClean="0">
+              <a:rPr lang="it-IT" sz="2400">
                 <a:solidFill>
                   <a:schemeClr val="bg1"/>
                 </a:solidFill>
               </a:rPr>
               <a:t>1</a:t>
             </a:r>
-            <a:endParaRPr lang="it-IT" sz="2400" dirty="0">
-              <a:solidFill>
-                <a:schemeClr val="bg1"/>
-              </a:solidFill>
-            </a:endParaRPr>
           </a:p>
         </p:txBody>
       </p:sp>
@@ -14159,18 +13866,13 @@
           <a:lstStyle/>
           <a:p>
             <a:r>
-              <a:rPr lang="it-IT" sz="2400" dirty="0" smtClean="0">
+              <a:rPr lang="it-IT" sz="2400">
                 <a:solidFill>
                   <a:schemeClr val="bg1"/>
                 </a:solidFill>
               </a:rPr>
               <a:t>2</a:t>
             </a:r>
-            <a:endParaRPr lang="it-IT" sz="2400" dirty="0">
-              <a:solidFill>
-                <a:schemeClr val="bg1"/>
-              </a:solidFill>
-            </a:endParaRPr>
           </a:p>
         </p:txBody>
       </p:sp>
@@ -14197,7 +13899,7 @@
           <a:lstStyle/>
           <a:p>
             <a:r>
-              <a:rPr lang="it-IT" sz="2400" dirty="0">
+              <a:rPr lang="it-IT" sz="2400">
                 <a:solidFill>
                   <a:schemeClr val="bg1"/>
                 </a:solidFill>
@@ -14217,13 +13919,6 @@
   <p:clrMapOvr>
     <a:masterClrMapping/>
   </p:clrMapOvr>
-  <p:timing>
-    <p:tnLst>
-      <p:par>
-        <p:cTn id="1" dur="indefinite" restart="never" nodeType="tmRoot"/>
-      </p:par>
-    </p:tnLst>
-  </p:timing>
 </p:sld>
 </file>
 
@@ -14260,22 +13955,21 @@
           <a:lstStyle/>
           <a:p>
             <a:r>
-              <a:rPr lang="it-IT" dirty="0" err="1" smtClean="0"/>
+              <a:rPr lang="it-IT" err="1"/>
               <a:t>Blockchain</a:t>
             </a:r>
             <a:r>
-              <a:rPr lang="it-IT" dirty="0" smtClean="0"/>
+              <a:rPr lang="it-IT"/>
               <a:t> – </a:t>
             </a:r>
             <a:r>
-              <a:rPr lang="it-IT" dirty="0" err="1" smtClean="0"/>
+              <a:rPr lang="it-IT" err="1"/>
               <a:t>Proof</a:t>
             </a:r>
             <a:r>
-              <a:rPr lang="it-IT" dirty="0" smtClean="0"/>
+              <a:rPr lang="it-IT"/>
               <a:t> Of Work</a:t>
             </a:r>
-            <a:endParaRPr lang="it-IT" dirty="0"/>
           </a:p>
         </p:txBody>
       </p:sp>
@@ -14425,18 +14119,13 @@
           <a:lstStyle/>
           <a:p>
             <a:r>
-              <a:rPr lang="it-IT" sz="2400" dirty="0" smtClean="0">
+              <a:rPr lang="it-IT" sz="2400">
                 <a:solidFill>
                   <a:schemeClr val="bg1"/>
                 </a:solidFill>
               </a:rPr>
               <a:t>1</a:t>
             </a:r>
-            <a:endParaRPr lang="it-IT" sz="2400" dirty="0">
-              <a:solidFill>
-                <a:schemeClr val="bg1"/>
-              </a:solidFill>
-            </a:endParaRPr>
           </a:p>
         </p:txBody>
       </p:sp>
@@ -14463,18 +14152,13 @@
           <a:lstStyle/>
           <a:p>
             <a:r>
-              <a:rPr lang="it-IT" sz="2400" dirty="0" smtClean="0">
+              <a:rPr lang="it-IT" sz="2400">
                 <a:solidFill>
                   <a:schemeClr val="bg1"/>
                 </a:solidFill>
               </a:rPr>
               <a:t>2</a:t>
             </a:r>
-            <a:endParaRPr lang="it-IT" sz="2400" dirty="0">
-              <a:solidFill>
-                <a:schemeClr val="bg1"/>
-              </a:solidFill>
-            </a:endParaRPr>
           </a:p>
         </p:txBody>
       </p:sp>
@@ -14501,7 +14185,7 @@
           <a:lstStyle/>
           <a:p>
             <a:r>
-              <a:rPr lang="it-IT" sz="2400" dirty="0">
+              <a:rPr lang="it-IT" sz="2400">
                 <a:solidFill>
                   <a:schemeClr val="bg1"/>
                 </a:solidFill>
@@ -14575,32 +14259,31 @@
           <a:lstStyle/>
           <a:p>
             <a:r>
-              <a:rPr lang="it-IT" dirty="0" smtClean="0"/>
+              <a:rPr lang="it-IT"/>
               <a:t>Se inoltre un blocco venisse corrotto, bisognerebbe </a:t>
             </a:r>
             <a:r>
-              <a:rPr lang="it-IT" dirty="0" err="1" smtClean="0"/>
+              <a:rPr lang="it-IT" err="1"/>
               <a:t>ricalcore</a:t>
             </a:r>
             <a:r>
-              <a:rPr lang="it-IT" dirty="0" smtClean="0"/>
+              <a:rPr lang="it-IT"/>
               <a:t> l’</a:t>
             </a:r>
             <a:r>
-              <a:rPr lang="it-IT" dirty="0" err="1" smtClean="0"/>
+              <a:rPr lang="it-IT" err="1"/>
               <a:t>hash</a:t>
             </a:r>
             <a:r>
-              <a:rPr lang="it-IT" dirty="0" smtClean="0"/>
+              <a:rPr lang="it-IT"/>
               <a:t> di tutti i blocchi.</a:t>
             </a:r>
           </a:p>
           <a:p>
             <a:r>
-              <a:rPr lang="it-IT" dirty="0" smtClean="0"/>
+              <a:rPr lang="it-IT"/>
               <a:t>A causa però del meccanismo di lentezza introdotto, è impossibile</a:t>
             </a:r>
-            <a:endParaRPr lang="it-IT" dirty="0"/>
           </a:p>
         </p:txBody>
       </p:sp>
@@ -14775,50 +14458,49 @@
           <a:lstStyle/>
           <a:p>
             <a:r>
-              <a:rPr lang="it-IT" dirty="0" smtClean="0"/>
+              <a:rPr lang="it-IT"/>
               <a:t>Esiste anche un ulteriore meccanismo di sicurezza.</a:t>
             </a:r>
           </a:p>
           <a:p>
             <a:r>
-              <a:rPr lang="it-IT" dirty="0" smtClean="0"/>
+              <a:rPr lang="it-IT"/>
               <a:t>Le </a:t>
             </a:r>
             <a:r>
-              <a:rPr lang="it-IT" dirty="0" err="1" smtClean="0"/>
+              <a:rPr lang="it-IT" err="1"/>
               <a:t>blockchain</a:t>
             </a:r>
             <a:r>
-              <a:rPr lang="it-IT" dirty="0" smtClean="0"/>
+              <a:rPr lang="it-IT"/>
               <a:t> sono distribuite tramite una rete P2P.</a:t>
             </a:r>
           </a:p>
           <a:p>
             <a:r>
-              <a:rPr lang="it-IT" dirty="0" smtClean="0"/>
+              <a:rPr lang="it-IT"/>
               <a:t>Quando qualcuno entra nella rete, riceve un’intera copia della </a:t>
             </a:r>
             <a:r>
-              <a:rPr lang="it-IT" dirty="0" err="1" smtClean="0"/>
+              <a:rPr lang="it-IT" err="1"/>
               <a:t>blockchain</a:t>
             </a:r>
             <a:r>
-              <a:rPr lang="it-IT" dirty="0" smtClean="0"/>
+              <a:rPr lang="it-IT"/>
               <a:t>.</a:t>
             </a:r>
           </a:p>
           <a:p>
             <a:r>
-              <a:rPr lang="it-IT" dirty="0" smtClean="0"/>
+              <a:rPr lang="it-IT"/>
               <a:t>Quando qualcuno crea un nuovo blocco, questo viene inviato a tutti nella rete.</a:t>
             </a:r>
           </a:p>
           <a:p>
             <a:r>
-              <a:rPr lang="it-IT" dirty="0" smtClean="0"/>
+              <a:rPr lang="it-IT"/>
               <a:t>Tutti verificano che il blocco sia valido, e nel caso lo aggiungono alla catena</a:t>
             </a:r>
-            <a:endParaRPr lang="it-IT" dirty="0"/>
           </a:p>
         </p:txBody>
       </p:sp>
@@ -14838,14 +14520,13 @@
           <a:lstStyle/>
           <a:p>
             <a:r>
-              <a:rPr lang="it-IT" dirty="0" err="1" smtClean="0"/>
+              <a:rPr lang="it-IT" err="1"/>
               <a:t>Blockchain</a:t>
             </a:r>
             <a:r>
-              <a:rPr lang="it-IT" dirty="0" smtClean="0"/>
+              <a:rPr lang="it-IT"/>
               <a:t> – P2P</a:t>
             </a:r>
-            <a:endParaRPr lang="it-IT" dirty="0"/>
           </a:p>
         </p:txBody>
       </p:sp>
@@ -14859,13 +14540,6 @@
   <p:clrMapOvr>
     <a:masterClrMapping/>
   </p:clrMapOvr>
-  <p:timing>
-    <p:tnLst>
-      <p:par>
-        <p:cTn id="1" dur="indefinite" restart="never" nodeType="tmRoot"/>
-      </p:par>
-    </p:tnLst>
-  </p:timing>
 </p:sld>
 </file>
 
@@ -14902,32 +14576,31 @@
           <a:lstStyle/>
           <a:p>
             <a:r>
-              <a:rPr lang="it-IT" dirty="0" smtClean="0"/>
+              <a:rPr lang="it-IT"/>
               <a:t>Tutti i blocchi in questo caso creano il CONSENSO.</a:t>
             </a:r>
           </a:p>
           <a:p>
             <a:r>
-              <a:rPr lang="it-IT" dirty="0" smtClean="0"/>
+              <a:rPr lang="it-IT"/>
               <a:t>In questa maniera, per «</a:t>
             </a:r>
             <a:r>
-              <a:rPr lang="it-IT" dirty="0" err="1" smtClean="0"/>
+              <a:rPr lang="it-IT" err="1"/>
               <a:t>hackerare</a:t>
             </a:r>
             <a:r>
-              <a:rPr lang="it-IT" dirty="0" smtClean="0"/>
+              <a:rPr lang="it-IT"/>
               <a:t>» la </a:t>
             </a:r>
             <a:r>
-              <a:rPr lang="it-IT" dirty="0" err="1" smtClean="0"/>
+              <a:rPr lang="it-IT" err="1"/>
               <a:t>blockchain</a:t>
             </a:r>
             <a:r>
-              <a:rPr lang="it-IT" dirty="0" smtClean="0"/>
+              <a:rPr lang="it-IT"/>
               <a:t> bisognerebbe ottenere il controllo di almeno il 50% della rete. </a:t>
             </a:r>
-            <a:endParaRPr lang="it-IT" dirty="0"/>
           </a:p>
         </p:txBody>
       </p:sp>
@@ -14947,14 +14620,13 @@
           <a:lstStyle/>
           <a:p>
             <a:r>
-              <a:rPr lang="it-IT" dirty="0" err="1" smtClean="0"/>
+              <a:rPr lang="it-IT" err="1"/>
               <a:t>Blockchain</a:t>
             </a:r>
             <a:r>
-              <a:rPr lang="it-IT" dirty="0" smtClean="0"/>
+              <a:rPr lang="it-IT"/>
               <a:t> – P2P</a:t>
             </a:r>
-            <a:endParaRPr lang="it-IT" dirty="0"/>
           </a:p>
         </p:txBody>
       </p:sp>
@@ -14968,13 +14640,6 @@
   <p:clrMapOvr>
     <a:masterClrMapping/>
   </p:clrMapOvr>
-  <p:timing>
-    <p:tnLst>
-      <p:par>
-        <p:cTn id="1" dur="indefinite" restart="never" nodeType="tmRoot"/>
-      </p:par>
-    </p:tnLst>
-  </p:timing>
 </p:sld>
 </file>
 
@@ -15011,14 +14676,13 @@
           <a:lstStyle/>
           <a:p>
             <a:r>
-              <a:rPr lang="it-IT" dirty="0" err="1" smtClean="0"/>
+              <a:rPr lang="it-IT" err="1"/>
               <a:t>Blockchain</a:t>
             </a:r>
             <a:r>
-              <a:rPr lang="it-IT" dirty="0" smtClean="0"/>
+              <a:rPr lang="it-IT"/>
               <a:t> – P2P</a:t>
             </a:r>
-            <a:endParaRPr lang="it-IT" dirty="0"/>
           </a:p>
         </p:txBody>
       </p:sp>
@@ -16657,14 +16321,13 @@
           <a:lstStyle/>
           <a:p>
             <a:r>
-              <a:rPr lang="it-IT" dirty="0" err="1" smtClean="0"/>
+              <a:rPr lang="it-IT" err="1"/>
               <a:t>Blockchain</a:t>
             </a:r>
             <a:r>
-              <a:rPr lang="it-IT" dirty="0" smtClean="0"/>
+              <a:rPr lang="it-IT"/>
               <a:t> – P2P</a:t>
             </a:r>
-            <a:endParaRPr lang="it-IT" dirty="0"/>
           </a:p>
         </p:txBody>
       </p:sp>
@@ -17388,18 +17051,17 @@
           <a:lstStyle/>
           <a:p>
             <a:r>
-              <a:rPr lang="it-IT" dirty="0" smtClean="0"/>
+              <a:rPr lang="it-IT"/>
               <a:t>New </a:t>
             </a:r>
             <a:r>
-              <a:rPr lang="it-IT" dirty="0" err="1" smtClean="0"/>
+              <a:rPr lang="it-IT" err="1"/>
               <a:t>Block</a:t>
             </a:r>
             <a:r>
-              <a:rPr lang="it-IT" dirty="0" smtClean="0"/>
+              <a:rPr lang="it-IT"/>
               <a:t>!</a:t>
             </a:r>
-            <a:endParaRPr lang="it-IT" dirty="0"/>
           </a:p>
         </p:txBody>
       </p:sp>
@@ -17880,14 +17542,13 @@
           <a:lstStyle/>
           <a:p>
             <a:r>
-              <a:rPr lang="it-IT" dirty="0" err="1" smtClean="0"/>
+              <a:rPr lang="it-IT" err="1"/>
               <a:t>Blockchain</a:t>
             </a:r>
             <a:r>
-              <a:rPr lang="it-IT" dirty="0" smtClean="0"/>
+              <a:rPr lang="it-IT"/>
               <a:t> – P2P</a:t>
             </a:r>
-            <a:endParaRPr lang="it-IT" dirty="0"/>
           </a:p>
         </p:txBody>
       </p:sp>
@@ -19468,10 +19129,10 @@
           <a:lstStyle/>
           <a:p>
             <a:r>
-              <a:rPr lang="it-IT" sz="2400" dirty="0" err="1" smtClean="0"/>
+              <a:rPr lang="it-IT" sz="2400" err="1"/>
               <a:t>Consensus</a:t>
             </a:r>
-            <a:endParaRPr lang="it-IT" sz="2400" dirty="0"/>
+            <a:endParaRPr lang="it-IT" sz="2400"/>
           </a:p>
         </p:txBody>
       </p:sp>
@@ -19861,6 +19522,311 @@
 </p:sld>
 </file>
 
+<file path=ppt/slides/slide28.xml><?xml version="1.0" encoding="utf-8"?>
+<p:sld xmlns:a="http://schemas.openxmlformats.org/drawingml/2006/main" xmlns:r="http://schemas.openxmlformats.org/officeDocument/2006/relationships" xmlns:p="http://schemas.openxmlformats.org/presentationml/2006/main">
+  <p:cSld>
+    <p:bg>
+      <p:bgPr>
+        <a:solidFill>
+          <a:schemeClr val="bg1"/>
+        </a:solidFill>
+        <a:effectLst/>
+      </p:bgPr>
+    </p:bg>
+    <p:spTree>
+      <p:nvGrpSpPr>
+        <p:cNvPr id="1" name=""/>
+        <p:cNvGrpSpPr/>
+        <p:nvPr/>
+      </p:nvGrpSpPr>
+      <p:grpSpPr>
+        <a:xfrm>
+          <a:off x="0" y="0"/>
+          <a:ext cx="0" cy="0"/>
+          <a:chOff x="0" y="0"/>
+          <a:chExt cx="0" cy="0"/>
+        </a:xfrm>
+      </p:grpSpPr>
+      <p:sp>
+        <p:nvSpPr>
+          <p:cNvPr id="2" name="Titolo 1"/>
+          <p:cNvSpPr>
+            <a:spLocks noGrp="1"/>
+          </p:cNvSpPr>
+          <p:nvPr>
+            <p:ph type="ctrTitle"/>
+          </p:nvPr>
+        </p:nvSpPr>
+        <p:spPr>
+          <a:xfrm>
+            <a:off x="1012825" y="1988840"/>
+            <a:ext cx="8131175" cy="936104"/>
+          </a:xfrm>
+          <a:prstGeom prst="rect">
+            <a:avLst/>
+          </a:prstGeom>
+        </p:spPr>
+        <p:txBody>
+          <a:bodyPr anchor="t"/>
+          <a:lstStyle/>
+          <a:p>
+            <a:pPr algn="l"/>
+            <a:r>
+              <a:rPr lang="it-IT"/>
+              <a:t>PERCHÉ?</a:t>
+            </a:r>
+            <a:endParaRPr lang="it-IT">
+              <a:solidFill>
+                <a:srgbClr val="FF6633"/>
+              </a:solidFill>
+              <a:latin typeface="Cabin"/>
+            </a:endParaRPr>
+          </a:p>
+        </p:txBody>
+      </p:sp>
+      <p:sp>
+        <p:nvSpPr>
+          <p:cNvPr id="3" name="Titolo 1"/>
+          <p:cNvSpPr txBox="1">
+            <a:spLocks/>
+          </p:cNvSpPr>
+          <p:nvPr/>
+        </p:nvSpPr>
+        <p:spPr>
+          <a:xfrm>
+            <a:off x="1034585" y="3077344"/>
+            <a:ext cx="8131175" cy="936104"/>
+          </a:xfrm>
+          <a:prstGeom prst="rect">
+            <a:avLst/>
+          </a:prstGeom>
+        </p:spPr>
+        <p:txBody>
+          <a:bodyPr anchor="t"/>
+          <a:lstStyle>
+            <a:lvl1pPr algn="r" defTabSz="914400" rtl="0" eaLnBrk="1" latinLnBrk="0" hangingPunct="1">
+              <a:spcBef>
+                <a:spcPct val="0"/>
+              </a:spcBef>
+              <a:buNone/>
+              <a:defRPr sz="6000" b="1" kern="1200" baseline="0">
+                <a:solidFill>
+                  <a:srgbClr val="FF6633"/>
+                </a:solidFill>
+                <a:latin typeface="Cabin"/>
+                <a:ea typeface="+mj-ea"/>
+                <a:cs typeface="+mj-cs"/>
+              </a:defRPr>
+            </a:lvl1pPr>
+          </a:lstStyle>
+          <a:p>
+            <a:pPr algn="l"/>
+            <a:r>
+              <a:rPr lang="it-IT" sz="3600" b="0"/>
+              <a:t>A quali bisogni risponde la </a:t>
+            </a:r>
+            <a:r>
+              <a:rPr lang="it-IT" sz="3600" b="0" err="1"/>
+              <a:t>blockchain</a:t>
+            </a:r>
+            <a:r>
+              <a:rPr lang="it-IT" sz="3600" b="0"/>
+              <a:t>?</a:t>
+            </a:r>
+          </a:p>
+        </p:txBody>
+      </p:sp>
+    </p:spTree>
+    <p:extLst>
+      <p:ext uri="{BB962C8B-B14F-4D97-AF65-F5344CB8AC3E}">
+        <p14:creationId xmlns:p14="http://schemas.microsoft.com/office/powerpoint/2010/main" val="3663766710"/>
+      </p:ext>
+    </p:extLst>
+  </p:cSld>
+  <p:clrMapOvr>
+    <a:masterClrMapping/>
+  </p:clrMapOvr>
+</p:sld>
+</file>
+
+<file path=ppt/slides/slide29.xml><?xml version="1.0" encoding="utf-8"?>
+<p:sld xmlns:a="http://schemas.openxmlformats.org/drawingml/2006/main" xmlns:r="http://schemas.openxmlformats.org/officeDocument/2006/relationships" xmlns:p="http://schemas.openxmlformats.org/presentationml/2006/main">
+  <p:cSld>
+    <p:spTree>
+      <p:nvGrpSpPr>
+        <p:cNvPr id="1" name=""/>
+        <p:cNvGrpSpPr/>
+        <p:nvPr/>
+      </p:nvGrpSpPr>
+      <p:grpSpPr>
+        <a:xfrm>
+          <a:off x="0" y="0"/>
+          <a:ext cx="0" cy="0"/>
+          <a:chOff x="0" y="0"/>
+          <a:chExt cx="0" cy="0"/>
+        </a:xfrm>
+      </p:grpSpPr>
+      <p:sp>
+        <p:nvSpPr>
+          <p:cNvPr id="2" name="Titolo verticale 1"/>
+          <p:cNvSpPr>
+            <a:spLocks noGrp="1"/>
+          </p:cNvSpPr>
+          <p:nvPr>
+            <p:ph type="title" orient="vert"/>
+          </p:nvPr>
+        </p:nvSpPr>
+        <p:spPr/>
+        <p:txBody>
+          <a:bodyPr vert="eaVert" anchor="t"/>
+          <a:lstStyle/>
+          <a:p>
+            <a:r>
+              <a:rPr lang="it-IT">
+                <a:cs typeface="Calibri"/>
+              </a:rPr>
+              <a:t>Transfer of trust in a </a:t>
+            </a:r>
+            <a:r>
+              <a:rPr lang="it-IT" err="1">
+                <a:cs typeface="Calibri"/>
+              </a:rPr>
+              <a:t>trustless</a:t>
+            </a:r>
+            <a:r>
+              <a:rPr lang="it-IT">
+                <a:cs typeface="Calibri"/>
+              </a:rPr>
+              <a:t> world</a:t>
+            </a:r>
+          </a:p>
+        </p:txBody>
+      </p:sp>
+      <p:pic>
+        <p:nvPicPr>
+          <p:cNvPr id="6" name="Immagine 6">
+            <a:extLst>
+              <a:ext uri="{FF2B5EF4-FFF2-40B4-BE49-F238E27FC236}">
+                <a16:creationId xmlns:a16="http://schemas.microsoft.com/office/drawing/2014/main" id="{0EC8AFDE-61F1-45EE-A813-7B987B993785}"/>
+              </a:ext>
+            </a:extLst>
+          </p:cNvPr>
+          <p:cNvPicPr>
+            <a:picLocks noChangeAspect="1"/>
+          </p:cNvPicPr>
+          <p:nvPr/>
+        </p:nvPicPr>
+        <p:blipFill>
+          <a:blip r:embed="rId2"/>
+          <a:stretch>
+            <a:fillRect/>
+          </a:stretch>
+        </p:blipFill>
+        <p:spPr>
+          <a:xfrm>
+            <a:off x="847725" y="1228725"/>
+            <a:ext cx="8280237" cy="6241097"/>
+          </a:xfrm>
+          <a:prstGeom prst="rect">
+            <a:avLst/>
+          </a:prstGeom>
+        </p:spPr>
+      </p:pic>
+      <p:sp>
+        <p:nvSpPr>
+          <p:cNvPr id="8" name="Ovale 7">
+            <a:extLst>
+              <a:ext uri="{FF2B5EF4-FFF2-40B4-BE49-F238E27FC236}">
+                <a16:creationId xmlns:a16="http://schemas.microsoft.com/office/drawing/2014/main" id="{DD75E03B-AD47-4631-BAC8-4207D17B0941}"/>
+              </a:ext>
+            </a:extLst>
+          </p:cNvPr>
+          <p:cNvSpPr/>
+          <p:nvPr/>
+        </p:nvSpPr>
+        <p:spPr>
+          <a:xfrm>
+            <a:off x="4476750" y="1390650"/>
+            <a:ext cx="4461837" cy="4206875"/>
+          </a:xfrm>
+          <a:prstGeom prst="ellipse">
+            <a:avLst/>
+          </a:prstGeom>
+          <a:noFill/>
+          <a:ln w="57150">
+            <a:solidFill>
+              <a:srgbClr val="FF0000"/>
+            </a:solidFill>
+          </a:ln>
+        </p:spPr>
+        <p:style>
+          <a:lnRef idx="2">
+            <a:schemeClr val="accent1">
+              <a:shade val="50000"/>
+            </a:schemeClr>
+          </a:lnRef>
+          <a:fillRef idx="1">
+            <a:schemeClr val="accent1"/>
+          </a:fillRef>
+          <a:effectRef idx="0">
+            <a:schemeClr val="accent1"/>
+          </a:effectRef>
+          <a:fontRef idx="minor">
+            <a:schemeClr val="lt1"/>
+          </a:fontRef>
+        </p:style>
+        <p:txBody>
+          <a:bodyPr rtlCol="0" anchor="ctr"/>
+          <a:lstStyle/>
+          <a:p>
+            <a:pPr algn="ctr"/>
+            <a:endParaRPr lang="it-IT"/>
+          </a:p>
+        </p:txBody>
+      </p:sp>
+      <p:pic>
+        <p:nvPicPr>
+          <p:cNvPr id="4" name="Immagine 4">
+            <a:extLst>
+              <a:ext uri="{FF2B5EF4-FFF2-40B4-BE49-F238E27FC236}">
+                <a16:creationId xmlns:a16="http://schemas.microsoft.com/office/drawing/2014/main" id="{51D64BCB-B846-48D9-981E-811C1D3EAF4A}"/>
+              </a:ext>
+            </a:extLst>
+          </p:cNvPr>
+          <p:cNvPicPr>
+            <a:picLocks noChangeAspect="1"/>
+          </p:cNvPicPr>
+          <p:nvPr/>
+        </p:nvPicPr>
+        <p:blipFill>
+          <a:blip r:embed="rId3"/>
+          <a:stretch>
+            <a:fillRect/>
+          </a:stretch>
+        </p:blipFill>
+        <p:spPr>
+          <a:xfrm>
+            <a:off x="4276725" y="1085850"/>
+            <a:ext cx="1261951" cy="1271956"/>
+          </a:xfrm>
+          <a:prstGeom prst="rect">
+            <a:avLst/>
+          </a:prstGeom>
+        </p:spPr>
+      </p:pic>
+    </p:spTree>
+    <p:extLst>
+      <p:ext uri="{BB962C8B-B14F-4D97-AF65-F5344CB8AC3E}">
+        <p14:creationId xmlns:p14="http://schemas.microsoft.com/office/powerpoint/2010/main" val="2141546148"/>
+      </p:ext>
+    </p:extLst>
+  </p:cSld>
+  <p:clrMapOvr>
+    <a:masterClrMapping/>
+  </p:clrMapOvr>
+</p:sld>
+</file>
+
 <file path=ppt/slides/slide3.xml><?xml version="1.0" encoding="utf-8"?>
 <p:sld xmlns:a="http://schemas.openxmlformats.org/drawingml/2006/main" xmlns:r="http://schemas.openxmlformats.org/officeDocument/2006/relationships" xmlns:p="http://schemas.openxmlformats.org/presentationml/2006/main">
   <p:cSld>
@@ -19894,10 +19860,9 @@
           <a:lstStyle/>
           <a:p>
             <a:r>
-              <a:rPr lang="it-IT" dirty="0" smtClean="0"/>
+              <a:rPr lang="it-IT"/>
               <a:t>DISCLAIMER</a:t>
             </a:r>
-            <a:endParaRPr lang="it-IT" dirty="0"/>
           </a:p>
         </p:txBody>
       </p:sp>
@@ -20205,6 +20170,2215 @@
 </p:sld>
 </file>
 
+<file path=ppt/slides/slide30.xml><?xml version="1.0" encoding="utf-8"?>
+<p:sld xmlns:a="http://schemas.openxmlformats.org/drawingml/2006/main" xmlns:r="http://schemas.openxmlformats.org/officeDocument/2006/relationships" xmlns:p="http://schemas.openxmlformats.org/presentationml/2006/main">
+  <p:cSld>
+    <p:spTree>
+      <p:nvGrpSpPr>
+        <p:cNvPr id="1" name=""/>
+        <p:cNvGrpSpPr/>
+        <p:nvPr/>
+      </p:nvGrpSpPr>
+      <p:grpSpPr>
+        <a:xfrm>
+          <a:off x="0" y="0"/>
+          <a:ext cx="0" cy="0"/>
+          <a:chOff x="0" y="0"/>
+          <a:chExt cx="0" cy="0"/>
+        </a:xfrm>
+      </p:grpSpPr>
+      <p:sp>
+        <p:nvSpPr>
+          <p:cNvPr id="2" name="Titolo verticale 1"/>
+          <p:cNvSpPr>
+            <a:spLocks noGrp="1"/>
+          </p:cNvSpPr>
+          <p:nvPr>
+            <p:ph type="title" orient="vert"/>
+          </p:nvPr>
+        </p:nvSpPr>
+        <p:spPr/>
+        <p:txBody>
+          <a:bodyPr vert="eaVert" anchor="t"/>
+          <a:lstStyle/>
+          <a:p>
+            <a:r>
+              <a:rPr lang="it-IT">
+                <a:cs typeface="Calibri"/>
+              </a:rPr>
+              <a:t>Transfer of trust in a </a:t>
+            </a:r>
+            <a:r>
+              <a:rPr lang="it-IT" err="1">
+                <a:cs typeface="Calibri"/>
+              </a:rPr>
+              <a:t>trustless</a:t>
+            </a:r>
+            <a:r>
+              <a:rPr lang="it-IT">
+                <a:cs typeface="Calibri"/>
+              </a:rPr>
+              <a:t> world</a:t>
+            </a:r>
+          </a:p>
+        </p:txBody>
+      </p:sp>
+      <p:pic>
+        <p:nvPicPr>
+          <p:cNvPr id="3" name="Immagine 4">
+            <a:extLst>
+              <a:ext uri="{FF2B5EF4-FFF2-40B4-BE49-F238E27FC236}">
+                <a16:creationId xmlns:a16="http://schemas.microsoft.com/office/drawing/2014/main" id="{CE06430E-17C6-485D-8FF8-9E789256210B}"/>
+              </a:ext>
+            </a:extLst>
+          </p:cNvPr>
+          <p:cNvPicPr>
+            <a:picLocks noChangeAspect="1"/>
+          </p:cNvPicPr>
+          <p:nvPr/>
+        </p:nvPicPr>
+        <p:blipFill>
+          <a:blip r:embed="rId2"/>
+          <a:stretch>
+            <a:fillRect/>
+          </a:stretch>
+        </p:blipFill>
+        <p:spPr>
+          <a:xfrm>
+            <a:off x="2166131" y="1027094"/>
+            <a:ext cx="4779182" cy="4770456"/>
+          </a:xfrm>
+          <a:prstGeom prst="rect">
+            <a:avLst/>
+          </a:prstGeom>
+        </p:spPr>
+      </p:pic>
+      <p:pic>
+        <p:nvPicPr>
+          <p:cNvPr id="7" name="Immagine 8">
+            <a:extLst>
+              <a:ext uri="{FF2B5EF4-FFF2-40B4-BE49-F238E27FC236}">
+                <a16:creationId xmlns:a16="http://schemas.microsoft.com/office/drawing/2014/main" id="{5501D58B-DC3E-424C-90B2-099BFFCE0A2F}"/>
+              </a:ext>
+            </a:extLst>
+          </p:cNvPr>
+          <p:cNvPicPr>
+            <a:picLocks noChangeAspect="1"/>
+          </p:cNvPicPr>
+          <p:nvPr/>
+        </p:nvPicPr>
+        <p:blipFill>
+          <a:blip r:embed="rId3"/>
+          <a:stretch>
+            <a:fillRect/>
+          </a:stretch>
+        </p:blipFill>
+        <p:spPr>
+          <a:xfrm>
+            <a:off x="6667677" y="1016000"/>
+            <a:ext cx="2566811" cy="1372041"/>
+          </a:xfrm>
+          <a:prstGeom prst="rect">
+            <a:avLst/>
+          </a:prstGeom>
+        </p:spPr>
+      </p:pic>
+      <p:pic>
+        <p:nvPicPr>
+          <p:cNvPr id="10" name="Immagine 10" descr="Immagine che contiene edificio&#10;&#10;Descrizione generata con affidabilità molto elevata">
+            <a:extLst>
+              <a:ext uri="{FF2B5EF4-FFF2-40B4-BE49-F238E27FC236}">
+                <a16:creationId xmlns:a16="http://schemas.microsoft.com/office/drawing/2014/main" id="{98E7AD59-AC88-49D9-A3B1-45FF0DF5E583}"/>
+              </a:ext>
+            </a:extLst>
+          </p:cNvPr>
+          <p:cNvPicPr>
+            <a:picLocks noChangeAspect="1"/>
+          </p:cNvPicPr>
+          <p:nvPr/>
+        </p:nvPicPr>
+        <p:blipFill>
+          <a:blip r:embed="rId4"/>
+          <a:stretch>
+            <a:fillRect/>
+          </a:stretch>
+        </p:blipFill>
+        <p:spPr>
+          <a:xfrm>
+            <a:off x="6572250" y="3105150"/>
+            <a:ext cx="2552259" cy="2348179"/>
+          </a:xfrm>
+          <a:prstGeom prst="rect">
+            <a:avLst/>
+          </a:prstGeom>
+        </p:spPr>
+      </p:pic>
+      <p:pic>
+        <p:nvPicPr>
+          <p:cNvPr id="12" name="Immagine 12">
+            <a:extLst>
+              <a:ext uri="{FF2B5EF4-FFF2-40B4-BE49-F238E27FC236}">
+                <a16:creationId xmlns:a16="http://schemas.microsoft.com/office/drawing/2014/main" id="{88B0562D-626E-4EEA-8B80-228D04F9F930}"/>
+              </a:ext>
+            </a:extLst>
+          </p:cNvPr>
+          <p:cNvPicPr>
+            <a:picLocks noChangeAspect="1"/>
+          </p:cNvPicPr>
+          <p:nvPr/>
+        </p:nvPicPr>
+        <p:blipFill>
+          <a:blip r:embed="rId3"/>
+          <a:stretch>
+            <a:fillRect/>
+          </a:stretch>
+        </p:blipFill>
+        <p:spPr>
+          <a:xfrm>
+            <a:off x="7315200" y="5276850"/>
+            <a:ext cx="1072458" cy="573467"/>
+          </a:xfrm>
+          <a:prstGeom prst="rect">
+            <a:avLst/>
+          </a:prstGeom>
+        </p:spPr>
+      </p:pic>
+      <p:pic>
+        <p:nvPicPr>
+          <p:cNvPr id="14" name="Immagine 14">
+            <a:extLst>
+              <a:ext uri="{FF2B5EF4-FFF2-40B4-BE49-F238E27FC236}">
+                <a16:creationId xmlns:a16="http://schemas.microsoft.com/office/drawing/2014/main" id="{A71282B5-BF37-4D88-9B1B-AF5C15FF9A14}"/>
+              </a:ext>
+            </a:extLst>
+          </p:cNvPr>
+          <p:cNvPicPr>
+            <a:picLocks noChangeAspect="1"/>
+          </p:cNvPicPr>
+          <p:nvPr/>
+        </p:nvPicPr>
+        <p:blipFill>
+          <a:blip r:embed="rId5"/>
+          <a:stretch>
+            <a:fillRect/>
+          </a:stretch>
+        </p:blipFill>
+        <p:spPr>
+          <a:xfrm>
+            <a:off x="6619875" y="5048250"/>
+            <a:ext cx="801957" cy="812120"/>
+          </a:xfrm>
+          <a:prstGeom prst="rect">
+            <a:avLst/>
+          </a:prstGeom>
+        </p:spPr>
+      </p:pic>
+      <p:pic>
+        <p:nvPicPr>
+          <p:cNvPr id="16" name="Immagine 16">
+            <a:extLst>
+              <a:ext uri="{FF2B5EF4-FFF2-40B4-BE49-F238E27FC236}">
+                <a16:creationId xmlns:a16="http://schemas.microsoft.com/office/drawing/2014/main" id="{5664CBED-600F-4DD5-92D5-3DFD7888D1A8}"/>
+              </a:ext>
+            </a:extLst>
+          </p:cNvPr>
+          <p:cNvPicPr>
+            <a:picLocks noChangeAspect="1"/>
+          </p:cNvPicPr>
+          <p:nvPr/>
+        </p:nvPicPr>
+        <p:blipFill>
+          <a:blip r:embed="rId3"/>
+          <a:stretch>
+            <a:fillRect/>
+          </a:stretch>
+        </p:blipFill>
+        <p:spPr>
+          <a:xfrm>
+            <a:off x="352425" y="4302248"/>
+            <a:ext cx="1879126" cy="1005407"/>
+          </a:xfrm>
+          <a:prstGeom prst="rect">
+            <a:avLst/>
+          </a:prstGeom>
+        </p:spPr>
+      </p:pic>
+      <p:pic>
+        <p:nvPicPr>
+          <p:cNvPr id="18" name="Immagine 18" descr="Immagine che contiene persona, arighe, interni&#10;&#10;Descrizione generata con affidabilità elevata">
+            <a:extLst>
+              <a:ext uri="{FF2B5EF4-FFF2-40B4-BE49-F238E27FC236}">
+                <a16:creationId xmlns:a16="http://schemas.microsoft.com/office/drawing/2014/main" id="{5C118A92-4505-4010-A2AB-5520E65296AF}"/>
+              </a:ext>
+            </a:extLst>
+          </p:cNvPr>
+          <p:cNvPicPr>
+            <a:picLocks noChangeAspect="1"/>
+          </p:cNvPicPr>
+          <p:nvPr/>
+        </p:nvPicPr>
+        <p:blipFill>
+          <a:blip r:embed="rId6"/>
+          <a:stretch>
+            <a:fillRect/>
+          </a:stretch>
+        </p:blipFill>
+        <p:spPr>
+          <a:xfrm>
+            <a:off x="584495" y="1250079"/>
+            <a:ext cx="1581637" cy="1581637"/>
+          </a:xfrm>
+          <a:prstGeom prst="rect">
+            <a:avLst/>
+          </a:prstGeom>
+        </p:spPr>
+      </p:pic>
+      <p:cxnSp>
+        <p:nvCxnSpPr>
+          <p:cNvPr id="20" name="Connettore curvo 19">
+            <a:extLst>
+              <a:ext uri="{FF2B5EF4-FFF2-40B4-BE49-F238E27FC236}">
+                <a16:creationId xmlns:a16="http://schemas.microsoft.com/office/drawing/2014/main" id="{892F748A-454B-4C5E-A0F1-044B06D60370}"/>
+              </a:ext>
+            </a:extLst>
+          </p:cNvPr>
+          <p:cNvCxnSpPr/>
+          <p:nvPr/>
+        </p:nvCxnSpPr>
+        <p:spPr>
+          <a:xfrm flipV="1">
+            <a:off x="4476750" y="1518697"/>
+            <a:ext cx="2044140" cy="1376903"/>
+          </a:xfrm>
+          <a:prstGeom prst="curvedConnector3">
+            <a:avLst/>
+          </a:prstGeom>
+          <a:ln w="57150">
+            <a:solidFill>
+              <a:schemeClr val="tx1"/>
+            </a:solidFill>
+            <a:tailEnd type="triangle"/>
+          </a:ln>
+        </p:spPr>
+        <p:style>
+          <a:lnRef idx="1">
+            <a:schemeClr val="accent1"/>
+          </a:lnRef>
+          <a:fillRef idx="0">
+            <a:schemeClr val="accent1"/>
+          </a:fillRef>
+          <a:effectRef idx="0">
+            <a:schemeClr val="accent1"/>
+          </a:effectRef>
+          <a:fontRef idx="minor">
+            <a:schemeClr val="tx1"/>
+          </a:fontRef>
+        </p:style>
+      </p:cxnSp>
+      <p:cxnSp>
+        <p:nvCxnSpPr>
+          <p:cNvPr id="21" name="Connettore 2 20">
+            <a:extLst>
+              <a:ext uri="{FF2B5EF4-FFF2-40B4-BE49-F238E27FC236}">
+                <a16:creationId xmlns:a16="http://schemas.microsoft.com/office/drawing/2014/main" id="{7E4C5B4F-13B4-428F-B1B5-7625E8C53203}"/>
+              </a:ext>
+            </a:extLst>
+          </p:cNvPr>
+          <p:cNvCxnSpPr/>
+          <p:nvPr/>
+        </p:nvCxnSpPr>
+        <p:spPr>
+          <a:xfrm>
+            <a:off x="8413096" y="2328705"/>
+            <a:ext cx="23337" cy="1025783"/>
+          </a:xfrm>
+          <a:prstGeom prst="straightConnector1">
+            <a:avLst/>
+          </a:prstGeom>
+          <a:ln w="57150">
+            <a:solidFill>
+              <a:schemeClr val="tx1"/>
+            </a:solidFill>
+            <a:tailEnd type="triangle"/>
+          </a:ln>
+        </p:spPr>
+        <p:style>
+          <a:lnRef idx="1">
+            <a:schemeClr val="accent1"/>
+          </a:lnRef>
+          <a:fillRef idx="0">
+            <a:schemeClr val="accent1"/>
+          </a:fillRef>
+          <a:effectRef idx="0">
+            <a:schemeClr val="accent1"/>
+          </a:effectRef>
+          <a:fontRef idx="minor">
+            <a:schemeClr val="tx1"/>
+          </a:fontRef>
+        </p:style>
+      </p:cxnSp>
+      <p:cxnSp>
+        <p:nvCxnSpPr>
+          <p:cNvPr id="22" name="Connettore 2 21">
+            <a:extLst>
+              <a:ext uri="{FF2B5EF4-FFF2-40B4-BE49-F238E27FC236}">
+                <a16:creationId xmlns:a16="http://schemas.microsoft.com/office/drawing/2014/main" id="{F883EEB9-D82E-4AE7-B8E7-8805D29F93AE}"/>
+              </a:ext>
+            </a:extLst>
+          </p:cNvPr>
+          <p:cNvCxnSpPr/>
+          <p:nvPr/>
+        </p:nvCxnSpPr>
+        <p:spPr>
+          <a:xfrm flipH="1" flipV="1">
+            <a:off x="2135916" y="5169003"/>
+            <a:ext cx="4256944" cy="247164"/>
+          </a:xfrm>
+          <a:prstGeom prst="straightConnector1">
+            <a:avLst/>
+          </a:prstGeom>
+          <a:ln w="57150">
+            <a:solidFill>
+              <a:schemeClr val="tx1"/>
+            </a:solidFill>
+            <a:tailEnd type="triangle"/>
+          </a:ln>
+        </p:spPr>
+        <p:style>
+          <a:lnRef idx="1">
+            <a:schemeClr val="accent1"/>
+          </a:lnRef>
+          <a:fillRef idx="0">
+            <a:schemeClr val="accent1"/>
+          </a:fillRef>
+          <a:effectRef idx="0">
+            <a:schemeClr val="accent1"/>
+          </a:effectRef>
+          <a:fontRef idx="minor">
+            <a:schemeClr val="tx1"/>
+          </a:fontRef>
+        </p:style>
+      </p:cxnSp>
+      <p:cxnSp>
+        <p:nvCxnSpPr>
+          <p:cNvPr id="23" name="Connettore 2 22">
+            <a:extLst>
+              <a:ext uri="{FF2B5EF4-FFF2-40B4-BE49-F238E27FC236}">
+                <a16:creationId xmlns:a16="http://schemas.microsoft.com/office/drawing/2014/main" id="{928C2C3E-71AE-4FE0-8294-A5624F551DC1}"/>
+              </a:ext>
+            </a:extLst>
+          </p:cNvPr>
+          <p:cNvCxnSpPr/>
+          <p:nvPr/>
+        </p:nvCxnSpPr>
+        <p:spPr>
+          <a:xfrm flipV="1">
+            <a:off x="895350" y="2994613"/>
+            <a:ext cx="262015" cy="1376903"/>
+          </a:xfrm>
+          <a:prstGeom prst="straightConnector1">
+            <a:avLst/>
+          </a:prstGeom>
+          <a:ln w="57150">
+            <a:solidFill>
+              <a:schemeClr val="tx1"/>
+            </a:solidFill>
+            <a:tailEnd type="triangle"/>
+          </a:ln>
+        </p:spPr>
+        <p:style>
+          <a:lnRef idx="1">
+            <a:schemeClr val="accent1"/>
+          </a:lnRef>
+          <a:fillRef idx="0">
+            <a:schemeClr val="accent1"/>
+          </a:fillRef>
+          <a:effectRef idx="0">
+            <a:schemeClr val="accent1"/>
+          </a:effectRef>
+          <a:fontRef idx="minor">
+            <a:schemeClr val="tx1"/>
+          </a:fontRef>
+        </p:style>
+      </p:cxnSp>
+      <p:cxnSp>
+        <p:nvCxnSpPr>
+          <p:cNvPr id="24" name="Connettore 2 23">
+            <a:extLst>
+              <a:ext uri="{FF2B5EF4-FFF2-40B4-BE49-F238E27FC236}">
+                <a16:creationId xmlns:a16="http://schemas.microsoft.com/office/drawing/2014/main" id="{8D4438B9-3CC4-4E12-A6E8-A75155D7ACB8}"/>
+              </a:ext>
+            </a:extLst>
+          </p:cNvPr>
+          <p:cNvCxnSpPr/>
+          <p:nvPr/>
+        </p:nvCxnSpPr>
+        <p:spPr>
+          <a:xfrm>
+            <a:off x="2271129" y="1883173"/>
+            <a:ext cx="1948669" cy="930312"/>
+          </a:xfrm>
+          <a:prstGeom prst="straightConnector1">
+            <a:avLst/>
+          </a:prstGeom>
+          <a:ln w="57150">
+            <a:solidFill>
+              <a:schemeClr val="tx1"/>
+            </a:solidFill>
+            <a:tailEnd type="triangle"/>
+          </a:ln>
+        </p:spPr>
+        <p:style>
+          <a:lnRef idx="1">
+            <a:schemeClr val="accent1"/>
+          </a:lnRef>
+          <a:fillRef idx="0">
+            <a:schemeClr val="accent1"/>
+          </a:fillRef>
+          <a:effectRef idx="0">
+            <a:schemeClr val="accent1"/>
+          </a:effectRef>
+          <a:fontRef idx="minor">
+            <a:schemeClr val="tx1"/>
+          </a:fontRef>
+        </p:style>
+      </p:cxnSp>
+    </p:spTree>
+    <p:extLst>
+      <p:ext uri="{BB962C8B-B14F-4D97-AF65-F5344CB8AC3E}">
+        <p14:creationId xmlns:p14="http://schemas.microsoft.com/office/powerpoint/2010/main" val="4081668157"/>
+      </p:ext>
+    </p:extLst>
+  </p:cSld>
+  <p:clrMapOvr>
+    <a:masterClrMapping/>
+  </p:clrMapOvr>
+</p:sld>
+</file>
+
+<file path=ppt/slides/slide31.xml><?xml version="1.0" encoding="utf-8"?>
+<p:sld xmlns:a="http://schemas.openxmlformats.org/drawingml/2006/main" xmlns:r="http://schemas.openxmlformats.org/officeDocument/2006/relationships" xmlns:p="http://schemas.openxmlformats.org/presentationml/2006/main">
+  <p:cSld>
+    <p:spTree>
+      <p:nvGrpSpPr>
+        <p:cNvPr id="1" name=""/>
+        <p:cNvGrpSpPr/>
+        <p:nvPr/>
+      </p:nvGrpSpPr>
+      <p:grpSpPr>
+        <a:xfrm>
+          <a:off x="0" y="0"/>
+          <a:ext cx="0" cy="0"/>
+          <a:chOff x="0" y="0"/>
+          <a:chExt cx="0" cy="0"/>
+        </a:xfrm>
+      </p:grpSpPr>
+      <p:pic>
+        <p:nvPicPr>
+          <p:cNvPr id="3" name="Immagine 4">
+            <a:extLst>
+              <a:ext uri="{FF2B5EF4-FFF2-40B4-BE49-F238E27FC236}">
+                <a16:creationId xmlns:a16="http://schemas.microsoft.com/office/drawing/2014/main" id="{CE06430E-17C6-485D-8FF8-9E789256210B}"/>
+              </a:ext>
+            </a:extLst>
+          </p:cNvPr>
+          <p:cNvPicPr>
+            <a:picLocks noChangeAspect="1"/>
+          </p:cNvPicPr>
+          <p:nvPr/>
+        </p:nvPicPr>
+        <p:blipFill>
+          <a:blip r:embed="rId2"/>
+          <a:stretch>
+            <a:fillRect/>
+          </a:stretch>
+        </p:blipFill>
+        <p:spPr>
+          <a:xfrm>
+            <a:off x="2166131" y="1027094"/>
+            <a:ext cx="4779182" cy="4770456"/>
+          </a:xfrm>
+          <a:prstGeom prst="rect">
+            <a:avLst/>
+          </a:prstGeom>
+        </p:spPr>
+      </p:pic>
+      <p:sp>
+        <p:nvSpPr>
+          <p:cNvPr id="2" name="Titolo verticale 1"/>
+          <p:cNvSpPr>
+            <a:spLocks noGrp="1"/>
+          </p:cNvSpPr>
+          <p:nvPr>
+            <p:ph type="title" orient="vert"/>
+          </p:nvPr>
+        </p:nvSpPr>
+        <p:spPr/>
+        <p:txBody>
+          <a:bodyPr vert="eaVert" anchor="t"/>
+          <a:lstStyle/>
+          <a:p>
+            <a:r>
+              <a:rPr lang="it-IT">
+                <a:cs typeface="Calibri"/>
+              </a:rPr>
+              <a:t>Transfer of trust in a </a:t>
+            </a:r>
+            <a:r>
+              <a:rPr lang="it-IT" err="1">
+                <a:cs typeface="Calibri"/>
+              </a:rPr>
+              <a:t>trustless</a:t>
+            </a:r>
+            <a:r>
+              <a:rPr lang="it-IT">
+                <a:cs typeface="Calibri"/>
+              </a:rPr>
+              <a:t> world</a:t>
+            </a:r>
+          </a:p>
+        </p:txBody>
+      </p:sp>
+      <p:pic>
+        <p:nvPicPr>
+          <p:cNvPr id="18" name="Immagine 18" descr="Immagine che contiene persona, arighe, interni&#10;&#10;Descrizione generata con affidabilità elevata">
+            <a:extLst>
+              <a:ext uri="{FF2B5EF4-FFF2-40B4-BE49-F238E27FC236}">
+                <a16:creationId xmlns:a16="http://schemas.microsoft.com/office/drawing/2014/main" id="{5C118A92-4505-4010-A2AB-5520E65296AF}"/>
+              </a:ext>
+            </a:extLst>
+          </p:cNvPr>
+          <p:cNvPicPr>
+            <a:picLocks noChangeAspect="1"/>
+          </p:cNvPicPr>
+          <p:nvPr/>
+        </p:nvPicPr>
+        <p:blipFill>
+          <a:blip r:embed="rId3"/>
+          <a:stretch>
+            <a:fillRect/>
+          </a:stretch>
+        </p:blipFill>
+        <p:spPr>
+          <a:xfrm>
+            <a:off x="584495" y="1250079"/>
+            <a:ext cx="1581637" cy="1581637"/>
+          </a:xfrm>
+          <a:prstGeom prst="rect">
+            <a:avLst/>
+          </a:prstGeom>
+        </p:spPr>
+      </p:pic>
+      <p:cxnSp>
+        <p:nvCxnSpPr>
+          <p:cNvPr id="22" name="Connettore 2 21">
+            <a:extLst>
+              <a:ext uri="{FF2B5EF4-FFF2-40B4-BE49-F238E27FC236}">
+                <a16:creationId xmlns:a16="http://schemas.microsoft.com/office/drawing/2014/main" id="{F883EEB9-D82E-4AE7-B8E7-8805D29F93AE}"/>
+              </a:ext>
+            </a:extLst>
+          </p:cNvPr>
+          <p:cNvCxnSpPr/>
+          <p:nvPr/>
+        </p:nvCxnSpPr>
+        <p:spPr>
+          <a:xfrm flipH="1">
+            <a:off x="2708741" y="3029393"/>
+            <a:ext cx="1615581" cy="1407666"/>
+          </a:xfrm>
+          <a:prstGeom prst="straightConnector1">
+            <a:avLst/>
+          </a:prstGeom>
+          <a:ln w="57150">
+            <a:solidFill>
+              <a:schemeClr val="tx1"/>
+            </a:solidFill>
+            <a:tailEnd type="triangle"/>
+          </a:ln>
+        </p:spPr>
+        <p:style>
+          <a:lnRef idx="1">
+            <a:schemeClr val="accent1"/>
+          </a:lnRef>
+          <a:fillRef idx="0">
+            <a:schemeClr val="accent1"/>
+          </a:fillRef>
+          <a:effectRef idx="0">
+            <a:schemeClr val="accent1"/>
+          </a:effectRef>
+          <a:fontRef idx="minor">
+            <a:schemeClr val="tx1"/>
+          </a:fontRef>
+        </p:style>
+      </p:cxnSp>
+      <p:cxnSp>
+        <p:nvCxnSpPr>
+          <p:cNvPr id="23" name="Connettore 2 22">
+            <a:extLst>
+              <a:ext uri="{FF2B5EF4-FFF2-40B4-BE49-F238E27FC236}">
+                <a16:creationId xmlns:a16="http://schemas.microsoft.com/office/drawing/2014/main" id="{928C2C3E-71AE-4FE0-8294-A5624F551DC1}"/>
+              </a:ext>
+            </a:extLst>
+          </p:cNvPr>
+          <p:cNvCxnSpPr/>
+          <p:nvPr/>
+        </p:nvCxnSpPr>
+        <p:spPr>
+          <a:xfrm flipH="1" flipV="1">
+            <a:off x="1157365" y="2994613"/>
+            <a:ext cx="135780" cy="1138226"/>
+          </a:xfrm>
+          <a:prstGeom prst="straightConnector1">
+            <a:avLst/>
+          </a:prstGeom>
+          <a:ln w="57150">
+            <a:solidFill>
+              <a:schemeClr val="tx1"/>
+            </a:solidFill>
+            <a:tailEnd type="triangle"/>
+          </a:ln>
+        </p:spPr>
+        <p:style>
+          <a:lnRef idx="1">
+            <a:schemeClr val="accent1"/>
+          </a:lnRef>
+          <a:fillRef idx="0">
+            <a:schemeClr val="accent1"/>
+          </a:fillRef>
+          <a:effectRef idx="0">
+            <a:schemeClr val="accent1"/>
+          </a:effectRef>
+          <a:fontRef idx="minor">
+            <a:schemeClr val="tx1"/>
+          </a:fontRef>
+        </p:style>
+      </p:cxnSp>
+      <p:cxnSp>
+        <p:nvCxnSpPr>
+          <p:cNvPr id="24" name="Connettore 2 23">
+            <a:extLst>
+              <a:ext uri="{FF2B5EF4-FFF2-40B4-BE49-F238E27FC236}">
+                <a16:creationId xmlns:a16="http://schemas.microsoft.com/office/drawing/2014/main" id="{8D4438B9-3CC4-4E12-A6E8-A75155D7ACB8}"/>
+              </a:ext>
+            </a:extLst>
+          </p:cNvPr>
+          <p:cNvCxnSpPr/>
+          <p:nvPr/>
+        </p:nvCxnSpPr>
+        <p:spPr>
+          <a:xfrm>
+            <a:off x="2271129" y="1883173"/>
+            <a:ext cx="1948669" cy="930312"/>
+          </a:xfrm>
+          <a:prstGeom prst="straightConnector1">
+            <a:avLst/>
+          </a:prstGeom>
+          <a:ln w="57150">
+            <a:solidFill>
+              <a:schemeClr val="tx1"/>
+            </a:solidFill>
+            <a:tailEnd type="triangle"/>
+          </a:ln>
+        </p:spPr>
+        <p:style>
+          <a:lnRef idx="1">
+            <a:schemeClr val="accent1"/>
+          </a:lnRef>
+          <a:fillRef idx="0">
+            <a:schemeClr val="accent1"/>
+          </a:fillRef>
+          <a:effectRef idx="0">
+            <a:schemeClr val="accent1"/>
+          </a:effectRef>
+          <a:fontRef idx="minor">
+            <a:schemeClr val="tx1"/>
+          </a:fontRef>
+        </p:style>
+      </p:cxnSp>
+      <p:pic>
+        <p:nvPicPr>
+          <p:cNvPr id="4" name="Immagine 4">
+            <a:extLst>
+              <a:ext uri="{FF2B5EF4-FFF2-40B4-BE49-F238E27FC236}">
+                <a16:creationId xmlns:a16="http://schemas.microsoft.com/office/drawing/2014/main" id="{591DA4DC-C561-43A5-8CDA-5A5EA57DD621}"/>
+              </a:ext>
+            </a:extLst>
+          </p:cNvPr>
+          <p:cNvPicPr>
+            <a:picLocks noChangeAspect="1"/>
+          </p:cNvPicPr>
+          <p:nvPr/>
+        </p:nvPicPr>
+        <p:blipFill>
+          <a:blip r:embed="rId4"/>
+          <a:stretch>
+            <a:fillRect/>
+          </a:stretch>
+        </p:blipFill>
+        <p:spPr>
+          <a:xfrm>
+            <a:off x="846989" y="4165600"/>
+            <a:ext cx="1856524" cy="1685494"/>
+          </a:xfrm>
+          <a:prstGeom prst="rect">
+            <a:avLst/>
+          </a:prstGeom>
+        </p:spPr>
+      </p:pic>
+      <p:sp>
+        <p:nvSpPr>
+          <p:cNvPr id="5" name="Segno di moltiplicazione 4">
+            <a:extLst>
+              <a:ext uri="{FF2B5EF4-FFF2-40B4-BE49-F238E27FC236}">
+                <a16:creationId xmlns:a16="http://schemas.microsoft.com/office/drawing/2014/main" id="{770C9C8A-3937-4232-A6CB-168E931295C5}"/>
+              </a:ext>
+            </a:extLst>
+          </p:cNvPr>
+          <p:cNvSpPr/>
+          <p:nvPr/>
+        </p:nvSpPr>
+        <p:spPr>
+          <a:xfrm>
+            <a:off x="2716046" y="1818313"/>
+            <a:ext cx="914400" cy="914400"/>
+          </a:xfrm>
+          <a:prstGeom prst="mathMultiply">
+            <a:avLst/>
+          </a:prstGeom>
+          <a:solidFill>
+            <a:srgbClr val="FF0000"/>
+          </a:solidFill>
+          <a:ln>
+            <a:solidFill>
+              <a:srgbClr val="FF0000"/>
+            </a:solidFill>
+          </a:ln>
+        </p:spPr>
+        <p:style>
+          <a:lnRef idx="2">
+            <a:schemeClr val="accent1">
+              <a:shade val="50000"/>
+            </a:schemeClr>
+          </a:lnRef>
+          <a:fillRef idx="1">
+            <a:schemeClr val="accent1"/>
+          </a:fillRef>
+          <a:effectRef idx="0">
+            <a:schemeClr val="accent1"/>
+          </a:effectRef>
+          <a:fontRef idx="minor">
+            <a:schemeClr val="lt1"/>
+          </a:fontRef>
+        </p:style>
+        <p:txBody>
+          <a:bodyPr rtlCol="0" anchor="ctr"/>
+          <a:lstStyle/>
+          <a:p>
+            <a:pPr algn="ctr"/>
+            <a:endParaRPr lang="it-IT"/>
+          </a:p>
+        </p:txBody>
+      </p:sp>
+    </p:spTree>
+    <p:extLst>
+      <p:ext uri="{BB962C8B-B14F-4D97-AF65-F5344CB8AC3E}">
+        <p14:creationId xmlns:p14="http://schemas.microsoft.com/office/powerpoint/2010/main" val="481560211"/>
+      </p:ext>
+    </p:extLst>
+  </p:cSld>
+  <p:clrMapOvr>
+    <a:masterClrMapping/>
+  </p:clrMapOvr>
+</p:sld>
+</file>
+
+<file path=ppt/slides/slide32.xml><?xml version="1.0" encoding="utf-8"?>
+<p:sld xmlns:a="http://schemas.openxmlformats.org/drawingml/2006/main" xmlns:r="http://schemas.openxmlformats.org/officeDocument/2006/relationships" xmlns:p="http://schemas.openxmlformats.org/presentationml/2006/main">
+  <p:cSld>
+    <p:spTree>
+      <p:nvGrpSpPr>
+        <p:cNvPr id="1" name=""/>
+        <p:cNvGrpSpPr/>
+        <p:nvPr/>
+      </p:nvGrpSpPr>
+      <p:grpSpPr>
+        <a:xfrm>
+          <a:off x="0" y="0"/>
+          <a:ext cx="0" cy="0"/>
+          <a:chOff x="0" y="0"/>
+          <a:chExt cx="0" cy="0"/>
+        </a:xfrm>
+      </p:grpSpPr>
+      <p:sp>
+        <p:nvSpPr>
+          <p:cNvPr id="2" name="Titolo verticale 1"/>
+          <p:cNvSpPr>
+            <a:spLocks noGrp="1"/>
+          </p:cNvSpPr>
+          <p:nvPr>
+            <p:ph type="title" orient="vert"/>
+          </p:nvPr>
+        </p:nvSpPr>
+        <p:spPr/>
+        <p:txBody>
+          <a:bodyPr vert="eaVert" anchor="t"/>
+          <a:lstStyle/>
+          <a:p>
+            <a:r>
+              <a:rPr lang="it-IT">
+                <a:cs typeface="Calibri"/>
+              </a:rPr>
+              <a:t>Transfer of trust in a </a:t>
+            </a:r>
+            <a:r>
+              <a:rPr lang="it-IT" err="1">
+                <a:cs typeface="Calibri"/>
+              </a:rPr>
+              <a:t>trustless</a:t>
+            </a:r>
+            <a:r>
+              <a:rPr lang="it-IT">
+                <a:cs typeface="Calibri"/>
+              </a:rPr>
+              <a:t> world</a:t>
+            </a:r>
+          </a:p>
+        </p:txBody>
+      </p:sp>
+      <p:pic>
+        <p:nvPicPr>
+          <p:cNvPr id="3" name="Immagine 4">
+            <a:extLst>
+              <a:ext uri="{FF2B5EF4-FFF2-40B4-BE49-F238E27FC236}">
+                <a16:creationId xmlns:a16="http://schemas.microsoft.com/office/drawing/2014/main" id="{CE06430E-17C6-485D-8FF8-9E789256210B}"/>
+              </a:ext>
+            </a:extLst>
+          </p:cNvPr>
+          <p:cNvPicPr>
+            <a:picLocks noChangeAspect="1"/>
+          </p:cNvPicPr>
+          <p:nvPr/>
+        </p:nvPicPr>
+        <p:blipFill>
+          <a:blip r:embed="rId2"/>
+          <a:stretch>
+            <a:fillRect/>
+          </a:stretch>
+        </p:blipFill>
+        <p:spPr>
+          <a:xfrm>
+            <a:off x="2166131" y="1027094"/>
+            <a:ext cx="4779182" cy="4770456"/>
+          </a:xfrm>
+          <a:prstGeom prst="rect">
+            <a:avLst/>
+          </a:prstGeom>
+        </p:spPr>
+      </p:pic>
+      <p:pic>
+        <p:nvPicPr>
+          <p:cNvPr id="10" name="Immagine 10" descr="Immagine che contiene edificio&#10;&#10;Descrizione generata con affidabilità molto elevata">
+            <a:extLst>
+              <a:ext uri="{FF2B5EF4-FFF2-40B4-BE49-F238E27FC236}">
+                <a16:creationId xmlns:a16="http://schemas.microsoft.com/office/drawing/2014/main" id="{98E7AD59-AC88-49D9-A3B1-45FF0DF5E583}"/>
+              </a:ext>
+            </a:extLst>
+          </p:cNvPr>
+          <p:cNvPicPr>
+            <a:picLocks noChangeAspect="1"/>
+          </p:cNvPicPr>
+          <p:nvPr/>
+        </p:nvPicPr>
+        <p:blipFill>
+          <a:blip r:embed="rId3"/>
+          <a:stretch>
+            <a:fillRect/>
+          </a:stretch>
+        </p:blipFill>
+        <p:spPr>
+          <a:xfrm>
+            <a:off x="6572250" y="3105150"/>
+            <a:ext cx="2552259" cy="2348179"/>
+          </a:xfrm>
+          <a:prstGeom prst="rect">
+            <a:avLst/>
+          </a:prstGeom>
+        </p:spPr>
+      </p:pic>
+      <p:pic>
+        <p:nvPicPr>
+          <p:cNvPr id="14" name="Immagine 14">
+            <a:extLst>
+              <a:ext uri="{FF2B5EF4-FFF2-40B4-BE49-F238E27FC236}">
+                <a16:creationId xmlns:a16="http://schemas.microsoft.com/office/drawing/2014/main" id="{A71282B5-BF37-4D88-9B1B-AF5C15FF9A14}"/>
+              </a:ext>
+            </a:extLst>
+          </p:cNvPr>
+          <p:cNvPicPr>
+            <a:picLocks noChangeAspect="1"/>
+          </p:cNvPicPr>
+          <p:nvPr/>
+        </p:nvPicPr>
+        <p:blipFill>
+          <a:blip r:embed="rId4"/>
+          <a:stretch>
+            <a:fillRect/>
+          </a:stretch>
+        </p:blipFill>
+        <p:spPr>
+          <a:xfrm>
+            <a:off x="3724275" y="3904615"/>
+            <a:ext cx="626658" cy="637770"/>
+          </a:xfrm>
+          <a:prstGeom prst="rect">
+            <a:avLst/>
+          </a:prstGeom>
+        </p:spPr>
+      </p:pic>
+      <p:pic>
+        <p:nvPicPr>
+          <p:cNvPr id="18" name="Immagine 18" descr="Immagine che contiene persona, arighe, interni&#10;&#10;Descrizione generata con affidabilità elevata">
+            <a:extLst>
+              <a:ext uri="{FF2B5EF4-FFF2-40B4-BE49-F238E27FC236}">
+                <a16:creationId xmlns:a16="http://schemas.microsoft.com/office/drawing/2014/main" id="{5C118A92-4505-4010-A2AB-5520E65296AF}"/>
+              </a:ext>
+            </a:extLst>
+          </p:cNvPr>
+          <p:cNvPicPr>
+            <a:picLocks noChangeAspect="1"/>
+          </p:cNvPicPr>
+          <p:nvPr/>
+        </p:nvPicPr>
+        <p:blipFill>
+          <a:blip r:embed="rId5"/>
+          <a:stretch>
+            <a:fillRect/>
+          </a:stretch>
+        </p:blipFill>
+        <p:spPr>
+          <a:xfrm>
+            <a:off x="419100" y="2574119"/>
+            <a:ext cx="1581637" cy="1581637"/>
+          </a:xfrm>
+          <a:prstGeom prst="rect">
+            <a:avLst/>
+          </a:prstGeom>
+        </p:spPr>
+      </p:pic>
+      <p:sp>
+        <p:nvSpPr>
+          <p:cNvPr id="4" name="Segno di moltiplicazione 3">
+            <a:extLst>
+              <a:ext uri="{FF2B5EF4-FFF2-40B4-BE49-F238E27FC236}">
+                <a16:creationId xmlns:a16="http://schemas.microsoft.com/office/drawing/2014/main" id="{A02AB8DD-A741-45ED-AC2E-B60F54FB178D}"/>
+              </a:ext>
+            </a:extLst>
+          </p:cNvPr>
+          <p:cNvSpPr/>
+          <p:nvPr/>
+        </p:nvSpPr>
+        <p:spPr>
+          <a:xfrm>
+            <a:off x="6682596" y="3184809"/>
+            <a:ext cx="2346464" cy="2298729"/>
+          </a:xfrm>
+          <a:prstGeom prst="mathMultiply">
+            <a:avLst/>
+          </a:prstGeom>
+          <a:solidFill>
+            <a:srgbClr val="FF0000"/>
+          </a:solidFill>
+          <a:ln>
+            <a:solidFill>
+              <a:srgbClr val="FF0000"/>
+            </a:solidFill>
+          </a:ln>
+        </p:spPr>
+        <p:style>
+          <a:lnRef idx="2">
+            <a:schemeClr val="accent1">
+              <a:shade val="50000"/>
+            </a:schemeClr>
+          </a:lnRef>
+          <a:fillRef idx="1">
+            <a:schemeClr val="accent1"/>
+          </a:fillRef>
+          <a:effectRef idx="0">
+            <a:schemeClr val="accent1"/>
+          </a:effectRef>
+          <a:fontRef idx="minor">
+            <a:schemeClr val="lt1"/>
+          </a:fontRef>
+        </p:style>
+        <p:txBody>
+          <a:bodyPr rtlCol="0" anchor="ctr"/>
+          <a:lstStyle/>
+          <a:p>
+            <a:pPr algn="ctr"/>
+            <a:endParaRPr lang="it-IT"/>
+          </a:p>
+        </p:txBody>
+      </p:sp>
+      <p:pic>
+        <p:nvPicPr>
+          <p:cNvPr id="5" name="Immagine 5">
+            <a:extLst>
+              <a:ext uri="{FF2B5EF4-FFF2-40B4-BE49-F238E27FC236}">
+                <a16:creationId xmlns:a16="http://schemas.microsoft.com/office/drawing/2014/main" id="{CEF0A75C-81D1-4CEE-9D6A-36126F6A433A}"/>
+              </a:ext>
+            </a:extLst>
+          </p:cNvPr>
+          <p:cNvPicPr>
+            <a:picLocks noChangeAspect="1"/>
+          </p:cNvPicPr>
+          <p:nvPr/>
+        </p:nvPicPr>
+        <p:blipFill>
+          <a:blip r:embed="rId6"/>
+          <a:stretch>
+            <a:fillRect/>
+          </a:stretch>
+        </p:blipFill>
+        <p:spPr>
+          <a:xfrm>
+            <a:off x="2340633" y="1229625"/>
+            <a:ext cx="4339510" cy="4321205"/>
+          </a:xfrm>
+          <a:prstGeom prst="rect">
+            <a:avLst/>
+          </a:prstGeom>
+        </p:spPr>
+      </p:pic>
+      <p:pic>
+        <p:nvPicPr>
+          <p:cNvPr id="7" name="Immagine 8">
+            <a:extLst>
+              <a:ext uri="{FF2B5EF4-FFF2-40B4-BE49-F238E27FC236}">
+                <a16:creationId xmlns:a16="http://schemas.microsoft.com/office/drawing/2014/main" id="{5501D58B-DC3E-424C-90B2-099BFFCE0A2F}"/>
+              </a:ext>
+            </a:extLst>
+          </p:cNvPr>
+          <p:cNvPicPr>
+            <a:picLocks noChangeAspect="1"/>
+          </p:cNvPicPr>
+          <p:nvPr/>
+        </p:nvPicPr>
+        <p:blipFill>
+          <a:blip r:embed="rId7"/>
+          <a:stretch>
+            <a:fillRect/>
+          </a:stretch>
+        </p:blipFill>
+        <p:spPr>
+          <a:xfrm>
+            <a:off x="5248275" y="3295650"/>
+            <a:ext cx="1007629" cy="535296"/>
+          </a:xfrm>
+          <a:prstGeom prst="rect">
+            <a:avLst/>
+          </a:prstGeom>
+        </p:spPr>
+      </p:pic>
+      <p:pic>
+        <p:nvPicPr>
+          <p:cNvPr id="12" name="Immagine 12">
+            <a:extLst>
+              <a:ext uri="{FF2B5EF4-FFF2-40B4-BE49-F238E27FC236}">
+                <a16:creationId xmlns:a16="http://schemas.microsoft.com/office/drawing/2014/main" id="{88B0562D-626E-4EEA-8B80-228D04F9F930}"/>
+              </a:ext>
+            </a:extLst>
+          </p:cNvPr>
+          <p:cNvPicPr>
+            <a:picLocks noChangeAspect="1"/>
+          </p:cNvPicPr>
+          <p:nvPr/>
+        </p:nvPicPr>
+        <p:blipFill>
+          <a:blip r:embed="rId7"/>
+          <a:stretch>
+            <a:fillRect/>
+          </a:stretch>
+        </p:blipFill>
+        <p:spPr>
+          <a:xfrm>
+            <a:off x="4114800" y="4487535"/>
+            <a:ext cx="1072458" cy="573467"/>
+          </a:xfrm>
+          <a:prstGeom prst="rect">
+            <a:avLst/>
+          </a:prstGeom>
+        </p:spPr>
+      </p:pic>
+      <p:pic>
+        <p:nvPicPr>
+          <p:cNvPr id="16" name="Immagine 16">
+            <a:extLst>
+              <a:ext uri="{FF2B5EF4-FFF2-40B4-BE49-F238E27FC236}">
+                <a16:creationId xmlns:a16="http://schemas.microsoft.com/office/drawing/2014/main" id="{5664CBED-600F-4DD5-92D5-3DFD7888D1A8}"/>
+              </a:ext>
+            </a:extLst>
+          </p:cNvPr>
+          <p:cNvPicPr>
+            <a:picLocks noChangeAspect="1"/>
+          </p:cNvPicPr>
+          <p:nvPr/>
+        </p:nvPicPr>
+        <p:blipFill>
+          <a:blip r:embed="rId7"/>
+          <a:stretch>
+            <a:fillRect/>
+          </a:stretch>
+        </p:blipFill>
+        <p:spPr>
+          <a:xfrm>
+            <a:off x="3597215" y="2285249"/>
+            <a:ext cx="1036273" cy="554256"/>
+          </a:xfrm>
+          <a:prstGeom prst="rect">
+            <a:avLst/>
+          </a:prstGeom>
+        </p:spPr>
+      </p:pic>
+      <p:pic>
+        <p:nvPicPr>
+          <p:cNvPr id="8" name="Immagine 8">
+            <a:extLst>
+              <a:ext uri="{FF2B5EF4-FFF2-40B4-BE49-F238E27FC236}">
+                <a16:creationId xmlns:a16="http://schemas.microsoft.com/office/drawing/2014/main" id="{1418F03E-9459-4CA3-B98B-0A612BDB43AC}"/>
+              </a:ext>
+            </a:extLst>
+          </p:cNvPr>
+          <p:cNvPicPr>
+            <a:picLocks noChangeAspect="1"/>
+          </p:cNvPicPr>
+          <p:nvPr/>
+        </p:nvPicPr>
+        <p:blipFill>
+          <a:blip r:embed="rId8"/>
+          <a:stretch>
+            <a:fillRect/>
+          </a:stretch>
+        </p:blipFill>
+        <p:spPr>
+          <a:xfrm>
+            <a:off x="1786890" y="4895850"/>
+            <a:ext cx="933826" cy="933826"/>
+          </a:xfrm>
+          <a:prstGeom prst="rect">
+            <a:avLst/>
+          </a:prstGeom>
+        </p:spPr>
+      </p:pic>
+      <p:cxnSp>
+        <p:nvCxnSpPr>
+          <p:cNvPr id="11" name="Connettore 2 10">
+            <a:extLst>
+              <a:ext uri="{FF2B5EF4-FFF2-40B4-BE49-F238E27FC236}">
+                <a16:creationId xmlns:a16="http://schemas.microsoft.com/office/drawing/2014/main" id="{99855D52-F516-422F-9DC7-D1D29FD27145}"/>
+              </a:ext>
+            </a:extLst>
+          </p:cNvPr>
+          <p:cNvCxnSpPr/>
+          <p:nvPr/>
+        </p:nvCxnSpPr>
+        <p:spPr>
+          <a:xfrm flipH="1">
+            <a:off x="2841268" y="5274110"/>
+            <a:ext cx="2777145" cy="373398"/>
+          </a:xfrm>
+          <a:prstGeom prst="straightConnector1">
+            <a:avLst/>
+          </a:prstGeom>
+          <a:ln w="28575">
+            <a:solidFill>
+              <a:schemeClr val="tx1"/>
+            </a:solidFill>
+            <a:tailEnd type="triangle"/>
+          </a:ln>
+        </p:spPr>
+        <p:style>
+          <a:lnRef idx="1">
+            <a:schemeClr val="accent1"/>
+          </a:lnRef>
+          <a:fillRef idx="0">
+            <a:schemeClr val="accent1"/>
+          </a:fillRef>
+          <a:effectRef idx="0">
+            <a:schemeClr val="accent1"/>
+          </a:effectRef>
+          <a:fontRef idx="minor">
+            <a:schemeClr val="tx1"/>
+          </a:fontRef>
+        </p:style>
+      </p:cxnSp>
+      <p:cxnSp>
+        <p:nvCxnSpPr>
+          <p:cNvPr id="13" name="Connettore 2 12">
+            <a:extLst>
+              <a:ext uri="{FF2B5EF4-FFF2-40B4-BE49-F238E27FC236}">
+                <a16:creationId xmlns:a16="http://schemas.microsoft.com/office/drawing/2014/main" id="{ECFCBFEC-27F3-4FD0-B270-8903F6D13858}"/>
+              </a:ext>
+            </a:extLst>
+          </p:cNvPr>
+          <p:cNvCxnSpPr/>
+          <p:nvPr/>
+        </p:nvCxnSpPr>
+        <p:spPr>
+          <a:xfrm flipH="1">
+            <a:off x="2241214" y="3726530"/>
+            <a:ext cx="438105" cy="1312195"/>
+          </a:xfrm>
+          <a:prstGeom prst="straightConnector1">
+            <a:avLst/>
+          </a:prstGeom>
+          <a:ln w="28575">
+            <a:solidFill>
+              <a:schemeClr val="tx1"/>
+            </a:solidFill>
+            <a:tailEnd type="triangle"/>
+          </a:ln>
+        </p:spPr>
+        <p:style>
+          <a:lnRef idx="1">
+            <a:schemeClr val="accent1"/>
+          </a:lnRef>
+          <a:fillRef idx="0">
+            <a:schemeClr val="accent1"/>
+          </a:fillRef>
+          <a:effectRef idx="0">
+            <a:schemeClr val="accent1"/>
+          </a:effectRef>
+          <a:fontRef idx="minor">
+            <a:schemeClr val="tx1"/>
+          </a:fontRef>
+        </p:style>
+      </p:cxnSp>
+      <p:cxnSp>
+        <p:nvCxnSpPr>
+          <p:cNvPr id="15" name="Connettore 2 14">
+            <a:extLst>
+              <a:ext uri="{FF2B5EF4-FFF2-40B4-BE49-F238E27FC236}">
+                <a16:creationId xmlns:a16="http://schemas.microsoft.com/office/drawing/2014/main" id="{BEA8B76C-9E87-454F-AD9C-3D2D3390D82F}"/>
+              </a:ext>
+            </a:extLst>
+          </p:cNvPr>
+          <p:cNvCxnSpPr/>
+          <p:nvPr/>
+        </p:nvCxnSpPr>
+        <p:spPr>
+          <a:xfrm flipH="1">
+            <a:off x="2495550" y="4468329"/>
+            <a:ext cx="342634" cy="437046"/>
+          </a:xfrm>
+          <a:prstGeom prst="straightConnector1">
+            <a:avLst/>
+          </a:prstGeom>
+          <a:ln w="28575">
+            <a:solidFill>
+              <a:schemeClr val="tx1"/>
+            </a:solidFill>
+            <a:tailEnd type="triangle"/>
+          </a:ln>
+        </p:spPr>
+        <p:style>
+          <a:lnRef idx="1">
+            <a:schemeClr val="accent1"/>
+          </a:lnRef>
+          <a:fillRef idx="0">
+            <a:schemeClr val="accent1"/>
+          </a:fillRef>
+          <a:effectRef idx="0">
+            <a:schemeClr val="accent1"/>
+          </a:effectRef>
+          <a:fontRef idx="minor">
+            <a:schemeClr val="tx1"/>
+          </a:fontRef>
+        </p:style>
+      </p:cxnSp>
+      <p:cxnSp>
+        <p:nvCxnSpPr>
+          <p:cNvPr id="17" name="Connettore 2 16">
+            <a:extLst>
+              <a:ext uri="{FF2B5EF4-FFF2-40B4-BE49-F238E27FC236}">
+                <a16:creationId xmlns:a16="http://schemas.microsoft.com/office/drawing/2014/main" id="{42900A6A-4AE4-44E0-AE9B-5C06917AFEEC}"/>
+              </a:ext>
+            </a:extLst>
+          </p:cNvPr>
+          <p:cNvCxnSpPr/>
+          <p:nvPr/>
+        </p:nvCxnSpPr>
+        <p:spPr>
+          <a:xfrm flipH="1">
+            <a:off x="2752520" y="4890266"/>
+            <a:ext cx="517664" cy="230192"/>
+          </a:xfrm>
+          <a:prstGeom prst="straightConnector1">
+            <a:avLst/>
+          </a:prstGeom>
+          <a:ln w="28575">
+            <a:solidFill>
+              <a:schemeClr val="tx1"/>
+            </a:solidFill>
+            <a:tailEnd type="triangle"/>
+          </a:ln>
+        </p:spPr>
+        <p:style>
+          <a:lnRef idx="1">
+            <a:schemeClr val="accent1"/>
+          </a:lnRef>
+          <a:fillRef idx="0">
+            <a:schemeClr val="accent1"/>
+          </a:fillRef>
+          <a:effectRef idx="0">
+            <a:schemeClr val="accent1"/>
+          </a:effectRef>
+          <a:fontRef idx="minor">
+            <a:schemeClr val="tx1"/>
+          </a:fontRef>
+        </p:style>
+      </p:cxnSp>
+      <p:cxnSp>
+        <p:nvCxnSpPr>
+          <p:cNvPr id="19" name="Connettore 2 18">
+            <a:extLst>
+              <a:ext uri="{FF2B5EF4-FFF2-40B4-BE49-F238E27FC236}">
+                <a16:creationId xmlns:a16="http://schemas.microsoft.com/office/drawing/2014/main" id="{3D18AFFF-14DA-47BE-931B-99000CB47561}"/>
+              </a:ext>
+            </a:extLst>
+          </p:cNvPr>
+          <p:cNvCxnSpPr/>
+          <p:nvPr/>
+        </p:nvCxnSpPr>
+        <p:spPr>
+          <a:xfrm flipH="1">
+            <a:off x="2752121" y="5263188"/>
+            <a:ext cx="1281432" cy="86985"/>
+          </a:xfrm>
+          <a:prstGeom prst="straightConnector1">
+            <a:avLst/>
+          </a:prstGeom>
+          <a:ln w="28575">
+            <a:solidFill>
+              <a:schemeClr val="tx1"/>
+            </a:solidFill>
+            <a:tailEnd type="triangle"/>
+          </a:ln>
+        </p:spPr>
+        <p:style>
+          <a:lnRef idx="1">
+            <a:schemeClr val="accent1"/>
+          </a:lnRef>
+          <a:fillRef idx="0">
+            <a:schemeClr val="accent1"/>
+          </a:fillRef>
+          <a:effectRef idx="0">
+            <a:schemeClr val="accent1"/>
+          </a:effectRef>
+          <a:fontRef idx="minor">
+            <a:schemeClr val="tx1"/>
+          </a:fontRef>
+        </p:style>
+      </p:cxnSp>
+      <p:cxnSp>
+        <p:nvCxnSpPr>
+          <p:cNvPr id="25" name="Connettore curvo 24">
+            <a:extLst>
+              <a:ext uri="{FF2B5EF4-FFF2-40B4-BE49-F238E27FC236}">
+                <a16:creationId xmlns:a16="http://schemas.microsoft.com/office/drawing/2014/main" id="{1CB8DE7F-985D-446C-9857-1E89253AEE7E}"/>
+              </a:ext>
+            </a:extLst>
+          </p:cNvPr>
+          <p:cNvCxnSpPr/>
+          <p:nvPr/>
+        </p:nvCxnSpPr>
+        <p:spPr>
+          <a:xfrm flipH="1" flipV="1">
+            <a:off x="1133299" y="4319228"/>
+            <a:ext cx="533576" cy="883637"/>
+          </a:xfrm>
+          <a:prstGeom prst="curvedConnector3">
+            <a:avLst/>
+          </a:prstGeom>
+          <a:ln>
+            <a:solidFill>
+              <a:schemeClr val="tx1"/>
+            </a:solidFill>
+            <a:tailEnd type="triangle"/>
+          </a:ln>
+        </p:spPr>
+        <p:style>
+          <a:lnRef idx="1">
+            <a:schemeClr val="accent1"/>
+          </a:lnRef>
+          <a:fillRef idx="0">
+            <a:schemeClr val="accent1"/>
+          </a:fillRef>
+          <a:effectRef idx="0">
+            <a:schemeClr val="accent1"/>
+          </a:effectRef>
+          <a:fontRef idx="minor">
+            <a:schemeClr val="tx1"/>
+          </a:fontRef>
+        </p:style>
+      </p:cxnSp>
+      <p:cxnSp>
+        <p:nvCxnSpPr>
+          <p:cNvPr id="26" name="Connettore curvo 25">
+            <a:extLst>
+              <a:ext uri="{FF2B5EF4-FFF2-40B4-BE49-F238E27FC236}">
+                <a16:creationId xmlns:a16="http://schemas.microsoft.com/office/drawing/2014/main" id="{FB4ED4D4-6C57-4082-9ECA-65B0C6C5F8BC}"/>
+              </a:ext>
+            </a:extLst>
+          </p:cNvPr>
+          <p:cNvCxnSpPr/>
+          <p:nvPr/>
+        </p:nvCxnSpPr>
+        <p:spPr>
+          <a:xfrm>
+            <a:off x="1399280" y="2362200"/>
+            <a:ext cx="2935202" cy="500693"/>
+          </a:xfrm>
+          <a:prstGeom prst="curvedConnector3">
+            <a:avLst/>
+          </a:prstGeom>
+          <a:ln>
+            <a:solidFill>
+              <a:schemeClr val="tx1"/>
+            </a:solidFill>
+            <a:tailEnd type="triangle"/>
+          </a:ln>
+        </p:spPr>
+        <p:style>
+          <a:lnRef idx="1">
+            <a:schemeClr val="accent1"/>
+          </a:lnRef>
+          <a:fillRef idx="0">
+            <a:schemeClr val="accent1"/>
+          </a:fillRef>
+          <a:effectRef idx="0">
+            <a:schemeClr val="accent1"/>
+          </a:effectRef>
+          <a:fontRef idx="minor">
+            <a:schemeClr val="tx1"/>
+          </a:fontRef>
+        </p:style>
+      </p:cxnSp>
+    </p:spTree>
+    <p:extLst>
+      <p:ext uri="{BB962C8B-B14F-4D97-AF65-F5344CB8AC3E}">
+        <p14:creationId xmlns:p14="http://schemas.microsoft.com/office/powerpoint/2010/main" val="3490867212"/>
+      </p:ext>
+    </p:extLst>
+  </p:cSld>
+  <p:clrMapOvr>
+    <a:masterClrMapping/>
+  </p:clrMapOvr>
+</p:sld>
+</file>
+
+<file path=ppt/slides/slide33.xml><?xml version="1.0" encoding="utf-8"?>
+<p:sld xmlns:a="http://schemas.openxmlformats.org/drawingml/2006/main" xmlns:r="http://schemas.openxmlformats.org/officeDocument/2006/relationships" xmlns:p="http://schemas.openxmlformats.org/presentationml/2006/main">
+  <p:cSld>
+    <p:spTree>
+      <p:nvGrpSpPr>
+        <p:cNvPr id="1" name=""/>
+        <p:cNvGrpSpPr/>
+        <p:nvPr/>
+      </p:nvGrpSpPr>
+      <p:grpSpPr>
+        <a:xfrm>
+          <a:off x="0" y="0"/>
+          <a:ext cx="0" cy="0"/>
+          <a:chOff x="0" y="0"/>
+          <a:chExt cx="0" cy="0"/>
+        </a:xfrm>
+      </p:grpSpPr>
+      <p:sp>
+        <p:nvSpPr>
+          <p:cNvPr id="2" name="Titolo verticale 1"/>
+          <p:cNvSpPr>
+            <a:spLocks noGrp="1"/>
+          </p:cNvSpPr>
+          <p:nvPr>
+            <p:ph type="title" orient="vert"/>
+          </p:nvPr>
+        </p:nvSpPr>
+        <p:spPr/>
+        <p:txBody>
+          <a:bodyPr vert="eaVert" anchor="t"/>
+          <a:lstStyle/>
+          <a:p>
+            <a:r>
+              <a:rPr lang="it-IT">
+                <a:cs typeface="Calibri"/>
+              </a:rPr>
+              <a:t>Transfer of trust in a </a:t>
+            </a:r>
+            <a:r>
+              <a:rPr lang="it-IT" err="1">
+                <a:cs typeface="Calibri"/>
+              </a:rPr>
+              <a:t>trustless</a:t>
+            </a:r>
+            <a:r>
+              <a:rPr lang="it-IT">
+                <a:cs typeface="Calibri"/>
+              </a:rPr>
+              <a:t> world</a:t>
+            </a:r>
+          </a:p>
+        </p:txBody>
+      </p:sp>
+      <p:sp>
+        <p:nvSpPr>
+          <p:cNvPr id="6" name="CasellaDiTesto 5">
+            <a:extLst>
+              <a:ext uri="{FF2B5EF4-FFF2-40B4-BE49-F238E27FC236}">
+                <a16:creationId xmlns:a16="http://schemas.microsoft.com/office/drawing/2014/main" id="{E95CB295-1755-48BA-8B24-7150DB13F051}"/>
+              </a:ext>
+            </a:extLst>
+          </p:cNvPr>
+          <p:cNvSpPr txBox="1"/>
+          <p:nvPr/>
+        </p:nvSpPr>
+        <p:spPr>
+          <a:xfrm>
+            <a:off x="347568" y="1152525"/>
+            <a:ext cx="8423481" cy="3416320"/>
+          </a:xfrm>
+          <a:prstGeom prst="rect">
+            <a:avLst/>
+          </a:prstGeom>
+        </p:spPr>
+        <p:txBody>
+          <a:bodyPr rot="0" spcFirstLastPara="0" vertOverflow="overflow" horzOverflow="overflow" vert="horz" wrap="square" lIns="91440" tIns="45720" rIns="91440" bIns="45720" numCol="1" spcCol="0" rtlCol="0" fromWordArt="0" anchor="t" anchorCtr="0" forceAA="0" compatLnSpc="1">
+            <a:prstTxWarp prst="textNoShape">
+              <a:avLst/>
+            </a:prstTxWarp>
+            <a:spAutoFit/>
+          </a:bodyPr>
+          <a:lstStyle/>
+          <a:p>
+            <a:r>
+              <a:rPr lang="it-IT" sz="7200"/>
+              <a:t>Sistema:</a:t>
+            </a:r>
+          </a:p>
+          <a:p>
+            <a:pPr marL="285750" indent="-285750">
+              <a:buFont typeface="Arial"/>
+              <a:buChar char="•"/>
+            </a:pPr>
+            <a:r>
+              <a:rPr lang="it-IT" sz="7200"/>
+              <a:t> DECENTRALIZZATO</a:t>
+            </a:r>
+          </a:p>
+          <a:p>
+            <a:pPr marL="285750" indent="-285750">
+              <a:buFont typeface="Arial"/>
+              <a:buChar char="•"/>
+            </a:pPr>
+            <a:r>
+              <a:rPr lang="it-IT" sz="7200"/>
+              <a:t> con MEMORIA</a:t>
+            </a:r>
+          </a:p>
+        </p:txBody>
+      </p:sp>
+    </p:spTree>
+    <p:extLst>
+      <p:ext uri="{BB962C8B-B14F-4D97-AF65-F5344CB8AC3E}">
+        <p14:creationId xmlns:p14="http://schemas.microsoft.com/office/powerpoint/2010/main" val="4081704389"/>
+      </p:ext>
+    </p:extLst>
+  </p:cSld>
+  <p:clrMapOvr>
+    <a:masterClrMapping/>
+  </p:clrMapOvr>
+</p:sld>
+</file>
+
+<file path=ppt/slides/slide34.xml><?xml version="1.0" encoding="utf-8"?>
+<p:sld xmlns:a="http://schemas.openxmlformats.org/drawingml/2006/main" xmlns:r="http://schemas.openxmlformats.org/officeDocument/2006/relationships" xmlns:p="http://schemas.openxmlformats.org/presentationml/2006/main">
+  <p:cSld>
+    <p:spTree>
+      <p:nvGrpSpPr>
+        <p:cNvPr id="1" name=""/>
+        <p:cNvGrpSpPr/>
+        <p:nvPr/>
+      </p:nvGrpSpPr>
+      <p:grpSpPr>
+        <a:xfrm>
+          <a:off x="0" y="0"/>
+          <a:ext cx="0" cy="0"/>
+          <a:chOff x="0" y="0"/>
+          <a:chExt cx="0" cy="0"/>
+        </a:xfrm>
+      </p:grpSpPr>
+      <p:sp>
+        <p:nvSpPr>
+          <p:cNvPr id="2" name="Titolo verticale 1"/>
+          <p:cNvSpPr>
+            <a:spLocks noGrp="1"/>
+          </p:cNvSpPr>
+          <p:nvPr>
+            <p:ph type="title" orient="vert"/>
+          </p:nvPr>
+        </p:nvSpPr>
+        <p:spPr/>
+        <p:txBody>
+          <a:bodyPr vert="eaVert" anchor="t"/>
+          <a:lstStyle/>
+          <a:p>
+            <a:r>
+              <a:rPr lang="it-IT">
+                <a:cs typeface="Calibri"/>
+              </a:rPr>
+              <a:t>Transfer of trust in a </a:t>
+            </a:r>
+            <a:r>
+              <a:rPr lang="it-IT" err="1">
+                <a:cs typeface="Calibri"/>
+              </a:rPr>
+              <a:t>trustless</a:t>
+            </a:r>
+            <a:r>
+              <a:rPr lang="it-IT">
+                <a:cs typeface="Calibri"/>
+              </a:rPr>
+              <a:t> world</a:t>
+            </a:r>
+          </a:p>
+        </p:txBody>
+      </p:sp>
+      <p:sp>
+        <p:nvSpPr>
+          <p:cNvPr id="6" name="CasellaDiTesto 5">
+            <a:extLst>
+              <a:ext uri="{FF2B5EF4-FFF2-40B4-BE49-F238E27FC236}">
+                <a16:creationId xmlns:a16="http://schemas.microsoft.com/office/drawing/2014/main" id="{E95CB295-1755-48BA-8B24-7150DB13F051}"/>
+              </a:ext>
+            </a:extLst>
+          </p:cNvPr>
+          <p:cNvSpPr txBox="1"/>
+          <p:nvPr/>
+        </p:nvSpPr>
+        <p:spPr>
+          <a:xfrm>
+            <a:off x="347568" y="1152525"/>
+            <a:ext cx="8423481" cy="1200329"/>
+          </a:xfrm>
+          <a:prstGeom prst="rect">
+            <a:avLst/>
+          </a:prstGeom>
+        </p:spPr>
+        <p:txBody>
+          <a:bodyPr rot="0" spcFirstLastPara="0" vertOverflow="overflow" horzOverflow="overflow" vert="horz" wrap="square" lIns="91440" tIns="45720" rIns="91440" bIns="45720" numCol="1" spcCol="0" rtlCol="0" fromWordArt="0" anchor="t" anchorCtr="0" forceAA="0" compatLnSpc="1">
+            <a:prstTxWarp prst="textNoShape">
+              <a:avLst/>
+            </a:prstTxWarp>
+            <a:spAutoFit/>
+          </a:bodyPr>
+          <a:lstStyle/>
+          <a:p>
+            <a:r>
+              <a:rPr lang="it-IT" sz="7200" err="1"/>
+              <a:t>Micropagamenti</a:t>
+            </a:r>
+          </a:p>
+        </p:txBody>
+      </p:sp>
+      <p:pic>
+        <p:nvPicPr>
+          <p:cNvPr id="3" name="Immagine 3">
+            <a:extLst>
+              <a:ext uri="{FF2B5EF4-FFF2-40B4-BE49-F238E27FC236}">
+                <a16:creationId xmlns:a16="http://schemas.microsoft.com/office/drawing/2014/main" id="{4BD7876B-2867-4240-85E9-7B3AAFFB74E1}"/>
+              </a:ext>
+            </a:extLst>
+          </p:cNvPr>
+          <p:cNvPicPr>
+            <a:picLocks noChangeAspect="1"/>
+          </p:cNvPicPr>
+          <p:nvPr/>
+        </p:nvPicPr>
+        <p:blipFill>
+          <a:blip r:embed="rId2"/>
+          <a:stretch>
+            <a:fillRect/>
+          </a:stretch>
+        </p:blipFill>
+        <p:spPr>
+          <a:xfrm>
+            <a:off x="3771900" y="2638425"/>
+            <a:ext cx="4764002" cy="2744963"/>
+          </a:xfrm>
+          <a:prstGeom prst="rect">
+            <a:avLst/>
+          </a:prstGeom>
+        </p:spPr>
+      </p:pic>
+      <p:pic>
+        <p:nvPicPr>
+          <p:cNvPr id="5" name="Immagine 6" descr="Immagine che contiene grafica vettoriale&#10;&#10;Descrizione generata con affidabilità elevata">
+            <a:extLst>
+              <a:ext uri="{FF2B5EF4-FFF2-40B4-BE49-F238E27FC236}">
+                <a16:creationId xmlns:a16="http://schemas.microsoft.com/office/drawing/2014/main" id="{1F682408-7529-4AE8-B679-81420532A27A}"/>
+              </a:ext>
+            </a:extLst>
+          </p:cNvPr>
+          <p:cNvPicPr>
+            <a:picLocks noChangeAspect="1"/>
+          </p:cNvPicPr>
+          <p:nvPr/>
+        </p:nvPicPr>
+        <p:blipFill>
+          <a:blip r:embed="rId3"/>
+          <a:stretch>
+            <a:fillRect/>
+          </a:stretch>
+        </p:blipFill>
+        <p:spPr>
+          <a:xfrm>
+            <a:off x="466725" y="2638425"/>
+            <a:ext cx="2743200" cy="1285875"/>
+          </a:xfrm>
+          <a:prstGeom prst="rect">
+            <a:avLst/>
+          </a:prstGeom>
+        </p:spPr>
+      </p:pic>
+      <p:pic>
+        <p:nvPicPr>
+          <p:cNvPr id="8" name="Immagine 8" descr="Immagine che contiene clipart&#10;&#10;Descrizione generata con affidabilità molto elevata">
+            <a:extLst>
+              <a:ext uri="{FF2B5EF4-FFF2-40B4-BE49-F238E27FC236}">
+                <a16:creationId xmlns:a16="http://schemas.microsoft.com/office/drawing/2014/main" id="{96BFEECF-ADA2-464C-8772-1C76FBB7826A}"/>
+              </a:ext>
+            </a:extLst>
+          </p:cNvPr>
+          <p:cNvPicPr>
+            <a:picLocks noChangeAspect="1"/>
+          </p:cNvPicPr>
+          <p:nvPr/>
+        </p:nvPicPr>
+        <p:blipFill>
+          <a:blip r:embed="rId4"/>
+          <a:stretch>
+            <a:fillRect/>
+          </a:stretch>
+        </p:blipFill>
+        <p:spPr>
+          <a:xfrm>
+            <a:off x="542925" y="4751897"/>
+            <a:ext cx="2743200" cy="619125"/>
+          </a:xfrm>
+          <a:prstGeom prst="rect">
+            <a:avLst/>
+          </a:prstGeom>
+        </p:spPr>
+      </p:pic>
+      <p:sp>
+        <p:nvSpPr>
+          <p:cNvPr id="11" name="CasellaDiTesto 10">
+            <a:extLst>
+              <a:ext uri="{FF2B5EF4-FFF2-40B4-BE49-F238E27FC236}">
+                <a16:creationId xmlns:a16="http://schemas.microsoft.com/office/drawing/2014/main" id="{0C508EED-470A-48F7-8FAF-DC1C8C75032F}"/>
+              </a:ext>
+            </a:extLst>
+          </p:cNvPr>
+          <p:cNvSpPr txBox="1"/>
+          <p:nvPr/>
+        </p:nvSpPr>
+        <p:spPr>
+          <a:xfrm>
+            <a:off x="465666" y="4116664"/>
+            <a:ext cx="2743200" cy="369332"/>
+          </a:xfrm>
+          <a:prstGeom prst="rect">
+            <a:avLst/>
+          </a:prstGeom>
+        </p:spPr>
+        <p:txBody>
+          <a:bodyPr rot="0" spcFirstLastPara="0" vertOverflow="overflow" horzOverflow="overflow" vert="horz" wrap="square" lIns="91440" tIns="45720" rIns="91440" bIns="45720" numCol="1" spcCol="0" rtlCol="0" fromWordArt="0" anchor="t" anchorCtr="0" forceAA="0" compatLnSpc="1">
+            <a:prstTxWarp prst="textNoShape">
+              <a:avLst/>
+            </a:prstTxWarp>
+            <a:spAutoFit/>
+          </a:bodyPr>
+          <a:lstStyle/>
+          <a:p>
+            <a:pPr algn="ctr"/>
+            <a:r>
+              <a:rPr lang="it-IT"/>
+              <a:t>VS</a:t>
+            </a:r>
+          </a:p>
+        </p:txBody>
+      </p:sp>
+      <p:pic>
+        <p:nvPicPr>
+          <p:cNvPr id="12" name="Immagine 12" descr="Immagine che contiene clipart&#10;&#10;Descrizione generata con affidabilità molto elevata">
+            <a:extLst>
+              <a:ext uri="{FF2B5EF4-FFF2-40B4-BE49-F238E27FC236}">
+                <a16:creationId xmlns:a16="http://schemas.microsoft.com/office/drawing/2014/main" id="{42F44A6A-1FEF-44EA-B8AC-9DCA76CE3B06}"/>
+              </a:ext>
+            </a:extLst>
+          </p:cNvPr>
+          <p:cNvPicPr>
+            <a:picLocks noChangeAspect="1"/>
+          </p:cNvPicPr>
+          <p:nvPr/>
+        </p:nvPicPr>
+        <p:blipFill>
+          <a:blip r:embed="rId5"/>
+          <a:stretch>
+            <a:fillRect/>
+          </a:stretch>
+        </p:blipFill>
+        <p:spPr>
+          <a:xfrm>
+            <a:off x="7288711" y="1653398"/>
+            <a:ext cx="1664789" cy="545290"/>
+          </a:xfrm>
+          <a:prstGeom prst="rect">
+            <a:avLst/>
+          </a:prstGeom>
+        </p:spPr>
+      </p:pic>
+      <p:pic>
+        <p:nvPicPr>
+          <p:cNvPr id="14" name="Immagine 14">
+            <a:extLst>
+              <a:ext uri="{FF2B5EF4-FFF2-40B4-BE49-F238E27FC236}">
+                <a16:creationId xmlns:a16="http://schemas.microsoft.com/office/drawing/2014/main" id="{9C9F5491-F36E-42BE-8532-05DD6E146588}"/>
+              </a:ext>
+            </a:extLst>
+          </p:cNvPr>
+          <p:cNvPicPr>
+            <a:picLocks noChangeAspect="1"/>
+          </p:cNvPicPr>
+          <p:nvPr/>
+        </p:nvPicPr>
+        <p:blipFill>
+          <a:blip r:embed="rId6"/>
+          <a:stretch>
+            <a:fillRect/>
+          </a:stretch>
+        </p:blipFill>
+        <p:spPr>
+          <a:xfrm rot="420000">
+            <a:off x="8559561" y="2247900"/>
+            <a:ext cx="534520" cy="536108"/>
+          </a:xfrm>
+          <a:prstGeom prst="rect">
+            <a:avLst/>
+          </a:prstGeom>
+        </p:spPr>
+      </p:pic>
+    </p:spTree>
+    <p:extLst>
+      <p:ext uri="{BB962C8B-B14F-4D97-AF65-F5344CB8AC3E}">
+        <p14:creationId xmlns:p14="http://schemas.microsoft.com/office/powerpoint/2010/main" val="2202265754"/>
+      </p:ext>
+    </p:extLst>
+  </p:cSld>
+  <p:clrMapOvr>
+    <a:masterClrMapping/>
+  </p:clrMapOvr>
+</p:sld>
+</file>
+
+<file path=ppt/slides/slide35.xml><?xml version="1.0" encoding="utf-8"?>
+<p:sld xmlns:a="http://schemas.openxmlformats.org/drawingml/2006/main" xmlns:r="http://schemas.openxmlformats.org/officeDocument/2006/relationships" xmlns:p="http://schemas.openxmlformats.org/presentationml/2006/main">
+  <p:cSld>
+    <p:spTree>
+      <p:nvGrpSpPr>
+        <p:cNvPr id="1" name=""/>
+        <p:cNvGrpSpPr/>
+        <p:nvPr/>
+      </p:nvGrpSpPr>
+      <p:grpSpPr>
+        <a:xfrm>
+          <a:off x="0" y="0"/>
+          <a:ext cx="0" cy="0"/>
+          <a:chOff x="0" y="0"/>
+          <a:chExt cx="0" cy="0"/>
+        </a:xfrm>
+      </p:grpSpPr>
+      <p:sp>
+        <p:nvSpPr>
+          <p:cNvPr id="2" name="Titolo verticale 1"/>
+          <p:cNvSpPr>
+            <a:spLocks noGrp="1"/>
+          </p:cNvSpPr>
+          <p:nvPr>
+            <p:ph type="title" orient="vert"/>
+          </p:nvPr>
+        </p:nvSpPr>
+        <p:spPr/>
+        <p:txBody>
+          <a:bodyPr vert="eaVert" anchor="t"/>
+          <a:lstStyle/>
+          <a:p>
+            <a:r>
+              <a:rPr lang="it-IT">
+                <a:cs typeface="Calibri"/>
+              </a:rPr>
+              <a:t>Transfer of trust in a </a:t>
+            </a:r>
+            <a:r>
+              <a:rPr lang="it-IT" err="1">
+                <a:cs typeface="Calibri"/>
+              </a:rPr>
+              <a:t>trustless</a:t>
+            </a:r>
+            <a:r>
+              <a:rPr lang="it-IT">
+                <a:cs typeface="Calibri"/>
+              </a:rPr>
+              <a:t> world</a:t>
+            </a:r>
+          </a:p>
+        </p:txBody>
+      </p:sp>
+      <p:pic>
+        <p:nvPicPr>
+          <p:cNvPr id="3" name="Immagine 3" descr="&#10;">
+            <a:extLst>
+              <a:ext uri="{FF2B5EF4-FFF2-40B4-BE49-F238E27FC236}">
+                <a16:creationId xmlns:a16="http://schemas.microsoft.com/office/drawing/2014/main" id="{A4C2D1CB-4AC8-464E-9D12-C3CB64B65E60}"/>
+              </a:ext>
+            </a:extLst>
+          </p:cNvPr>
+          <p:cNvPicPr>
+            <a:picLocks noChangeAspect="1"/>
+          </p:cNvPicPr>
+          <p:nvPr/>
+        </p:nvPicPr>
+        <p:blipFill>
+          <a:blip r:embed="rId2"/>
+          <a:stretch>
+            <a:fillRect/>
+          </a:stretch>
+        </p:blipFill>
+        <p:spPr>
+          <a:xfrm>
+            <a:off x="371475" y="1276350"/>
+            <a:ext cx="4319060" cy="2443637"/>
+          </a:xfrm>
+          <a:prstGeom prst="rect">
+            <a:avLst/>
+          </a:prstGeom>
+        </p:spPr>
+      </p:pic>
+      <p:pic>
+        <p:nvPicPr>
+          <p:cNvPr id="5" name="Immagine 5">
+            <a:extLst>
+              <a:ext uri="{FF2B5EF4-FFF2-40B4-BE49-F238E27FC236}">
+                <a16:creationId xmlns:a16="http://schemas.microsoft.com/office/drawing/2014/main" id="{116953F0-DAD0-463A-8B74-500A957D3EC1}"/>
+              </a:ext>
+            </a:extLst>
+          </p:cNvPr>
+          <p:cNvPicPr>
+            <a:picLocks noChangeAspect="1"/>
+          </p:cNvPicPr>
+          <p:nvPr/>
+        </p:nvPicPr>
+        <p:blipFill>
+          <a:blip r:embed="rId3"/>
+          <a:stretch>
+            <a:fillRect/>
+          </a:stretch>
+        </p:blipFill>
+        <p:spPr>
+          <a:xfrm>
+            <a:off x="4905375" y="1276350"/>
+            <a:ext cx="3884393" cy="1795797"/>
+          </a:xfrm>
+          <a:prstGeom prst="rect">
+            <a:avLst/>
+          </a:prstGeom>
+        </p:spPr>
+      </p:pic>
+      <p:pic>
+        <p:nvPicPr>
+          <p:cNvPr id="4" name="Immagine 5">
+            <a:extLst>
+              <a:ext uri="{FF2B5EF4-FFF2-40B4-BE49-F238E27FC236}">
+                <a16:creationId xmlns:a16="http://schemas.microsoft.com/office/drawing/2014/main" id="{BE69794B-F7EC-4B85-B0B9-D84BDCEF5F8C}"/>
+              </a:ext>
+            </a:extLst>
+          </p:cNvPr>
+          <p:cNvPicPr>
+            <a:picLocks noChangeAspect="1"/>
+          </p:cNvPicPr>
+          <p:nvPr/>
+        </p:nvPicPr>
+        <p:blipFill>
+          <a:blip r:embed="rId4"/>
+          <a:stretch>
+            <a:fillRect/>
+          </a:stretch>
+        </p:blipFill>
+        <p:spPr>
+          <a:xfrm>
+            <a:off x="4894787" y="3314700"/>
+            <a:ext cx="3888851" cy="2188232"/>
+          </a:xfrm>
+          <a:prstGeom prst="rect">
+            <a:avLst/>
+          </a:prstGeom>
+        </p:spPr>
+      </p:pic>
+      <p:sp>
+        <p:nvSpPr>
+          <p:cNvPr id="9" name="CasellaDiTesto 8">
+            <a:extLst>
+              <a:ext uri="{FF2B5EF4-FFF2-40B4-BE49-F238E27FC236}">
+                <a16:creationId xmlns:a16="http://schemas.microsoft.com/office/drawing/2014/main" id="{FE50714E-BA1D-4424-97CA-A43CF939D725}"/>
+              </a:ext>
+            </a:extLst>
+          </p:cNvPr>
+          <p:cNvSpPr txBox="1"/>
+          <p:nvPr/>
+        </p:nvSpPr>
+        <p:spPr>
+          <a:xfrm>
+            <a:off x="225360" y="4306738"/>
+            <a:ext cx="2743200" cy="1200329"/>
+          </a:xfrm>
+          <a:prstGeom prst="rect">
+            <a:avLst/>
+          </a:prstGeom>
+        </p:spPr>
+        <p:txBody>
+          <a:bodyPr rot="0" spcFirstLastPara="0" vertOverflow="overflow" horzOverflow="overflow" vert="horz" wrap="square" lIns="91440" tIns="45720" rIns="91440" bIns="45720" numCol="1" spcCol="0" rtlCol="0" fromWordArt="0" anchor="t" anchorCtr="0" forceAA="0" compatLnSpc="1">
+            <a:prstTxWarp prst="textNoShape">
+              <a:avLst/>
+            </a:prstTxWarp>
+            <a:spAutoFit/>
+          </a:bodyPr>
+          <a:lstStyle/>
+          <a:p>
+            <a:r>
+              <a:rPr lang="it-IT" sz="7200" dirty="0"/>
+              <a:t>Data</a:t>
+            </a:r>
+          </a:p>
+        </p:txBody>
+      </p:sp>
+    </p:spTree>
+    <p:extLst>
+      <p:ext uri="{BB962C8B-B14F-4D97-AF65-F5344CB8AC3E}">
+        <p14:creationId xmlns:p14="http://schemas.microsoft.com/office/powerpoint/2010/main" val="4294729061"/>
+      </p:ext>
+    </p:extLst>
+  </p:cSld>
+  <p:clrMapOvr>
+    <a:masterClrMapping/>
+  </p:clrMapOvr>
+</p:sld>
+</file>
+
+<file path=ppt/slides/slide36.xml><?xml version="1.0" encoding="utf-8"?>
+<p:sld xmlns:a="http://schemas.openxmlformats.org/drawingml/2006/main" xmlns:r="http://schemas.openxmlformats.org/officeDocument/2006/relationships" xmlns:p="http://schemas.openxmlformats.org/presentationml/2006/main">
+  <p:cSld>
+    <p:spTree>
+      <p:nvGrpSpPr>
+        <p:cNvPr id="1" name=""/>
+        <p:cNvGrpSpPr/>
+        <p:nvPr/>
+      </p:nvGrpSpPr>
+      <p:grpSpPr>
+        <a:xfrm>
+          <a:off x="0" y="0"/>
+          <a:ext cx="0" cy="0"/>
+          <a:chOff x="0" y="0"/>
+          <a:chExt cx="0" cy="0"/>
+        </a:xfrm>
+      </p:grpSpPr>
+      <p:sp>
+        <p:nvSpPr>
+          <p:cNvPr id="2" name="Titolo verticale 1"/>
+          <p:cNvSpPr>
+            <a:spLocks noGrp="1"/>
+          </p:cNvSpPr>
+          <p:nvPr>
+            <p:ph type="title" orient="vert"/>
+          </p:nvPr>
+        </p:nvSpPr>
+        <p:spPr/>
+        <p:txBody>
+          <a:bodyPr vert="eaVert" anchor="t"/>
+          <a:lstStyle/>
+          <a:p>
+            <a:r>
+              <a:rPr lang="it-IT">
+                <a:cs typeface="Calibri"/>
+              </a:rPr>
+              <a:t>Transfer of trust in a </a:t>
+            </a:r>
+            <a:r>
+              <a:rPr lang="it-IT" err="1">
+                <a:cs typeface="Calibri"/>
+              </a:rPr>
+              <a:t>trustless</a:t>
+            </a:r>
+            <a:r>
+              <a:rPr lang="it-IT">
+                <a:cs typeface="Calibri"/>
+              </a:rPr>
+              <a:t> world</a:t>
+            </a:r>
+          </a:p>
+        </p:txBody>
+      </p:sp>
+      <p:pic>
+        <p:nvPicPr>
+          <p:cNvPr id="6" name="Immagine 6">
+            <a:extLst>
+              <a:ext uri="{FF2B5EF4-FFF2-40B4-BE49-F238E27FC236}">
+                <a16:creationId xmlns:a16="http://schemas.microsoft.com/office/drawing/2014/main" id="{3599EF43-27D2-4F47-A4D5-9653B7F97500}"/>
+              </a:ext>
+            </a:extLst>
+          </p:cNvPr>
+          <p:cNvPicPr>
+            <a:picLocks noChangeAspect="1"/>
+          </p:cNvPicPr>
+          <p:nvPr/>
+        </p:nvPicPr>
+        <p:blipFill>
+          <a:blip r:embed="rId2"/>
+          <a:stretch>
+            <a:fillRect/>
+          </a:stretch>
+        </p:blipFill>
+        <p:spPr>
+          <a:xfrm>
+            <a:off x="31266" y="1685925"/>
+            <a:ext cx="9068278" cy="3507999"/>
+          </a:xfrm>
+          <a:prstGeom prst="rect">
+            <a:avLst/>
+          </a:prstGeom>
+        </p:spPr>
+      </p:pic>
+    </p:spTree>
+    <p:extLst>
+      <p:ext uri="{BB962C8B-B14F-4D97-AF65-F5344CB8AC3E}">
+        <p14:creationId xmlns:p14="http://schemas.microsoft.com/office/powerpoint/2010/main" val="1872351462"/>
+      </p:ext>
+    </p:extLst>
+  </p:cSld>
+  <p:clrMapOvr>
+    <a:masterClrMapping/>
+  </p:clrMapOvr>
+</p:sld>
+</file>
+
 <file path=ppt/slides/slide4.xml><?xml version="1.0" encoding="utf-8"?>
 <p:sld xmlns:a="http://schemas.openxmlformats.org/drawingml/2006/main" xmlns:r="http://schemas.openxmlformats.org/officeDocument/2006/relationships" xmlns:p="http://schemas.openxmlformats.org/presentationml/2006/main">
   <p:cSld>
@@ -20238,10 +22412,9 @@
           <a:lstStyle/>
           <a:p>
             <a:r>
-              <a:rPr lang="it-IT" dirty="0" smtClean="0"/>
+              <a:rPr lang="it-IT"/>
               <a:t>DISCLAIMER</a:t>
             </a:r>
-            <a:endParaRPr lang="it-IT" dirty="0"/>
           </a:p>
         </p:txBody>
       </p:sp>
@@ -20335,13 +22508,6 @@
   <p:clrMapOvr>
     <a:masterClrMapping/>
   </p:clrMapOvr>
-  <p:timing>
-    <p:tnLst>
-      <p:par>
-        <p:cTn id="1" dur="indefinite" restart="never" nodeType="tmRoot"/>
-      </p:par>
-    </p:tnLst>
-  </p:timing>
 </p:sld>
 </file>
 
@@ -20378,10 +22544,9 @@
           <a:lstStyle/>
           <a:p>
             <a:r>
-              <a:rPr lang="it-IT" dirty="0" smtClean="0"/>
+              <a:rPr lang="it-IT"/>
               <a:t>DISCLAIMER</a:t>
             </a:r>
-            <a:endParaRPr lang="it-IT" dirty="0"/>
           </a:p>
         </p:txBody>
       </p:sp>
@@ -20475,13 +22640,6 @@
   <p:clrMapOvr>
     <a:masterClrMapping/>
   </p:clrMapOvr>
-  <p:timing>
-    <p:tnLst>
-      <p:par>
-        <p:cTn id="1" dur="indefinite" restart="never" nodeType="tmRoot"/>
-      </p:par>
-    </p:tnLst>
-  </p:timing>
 </p:sld>
 </file>
 
@@ -20527,10 +22685,10 @@
           <a:p>
             <a:pPr algn="l"/>
             <a:r>
-              <a:rPr lang="it-IT" dirty="0" smtClean="0"/>
+              <a:rPr lang="it-IT"/>
               <a:t>STORIA DEL P2P</a:t>
             </a:r>
-            <a:endParaRPr lang="it-IT" dirty="0">
+            <a:endParaRPr lang="it-IT">
               <a:solidFill>
                 <a:srgbClr val="FF6633"/>
               </a:solidFill>
@@ -20576,7 +22734,7 @@
           </a:lstStyle>
           <a:p>
             <a:pPr algn="l"/>
-            <a:endParaRPr lang="it-IT" sz="3600" b="0" dirty="0"/>
+            <a:endParaRPr lang="it-IT" sz="3600" b="0"/>
           </a:p>
         </p:txBody>
       </p:sp>
@@ -20590,13 +22748,6 @@
   <p:clrMapOvr>
     <a:masterClrMapping/>
   </p:clrMapOvr>
-  <p:timing>
-    <p:tnLst>
-      <p:par>
-        <p:cTn id="1" dur="indefinite" restart="never" nodeType="tmRoot"/>
-      </p:par>
-    </p:tnLst>
-  </p:timing>
 </p:sld>
 </file>
 
@@ -20633,10 +22784,9 @@
           <a:lstStyle/>
           <a:p>
             <a:r>
-              <a:rPr lang="it-IT" dirty="0" smtClean="0"/>
+              <a:rPr lang="it-IT"/>
               <a:t>Storia del Peer To Peer – Cos’è?</a:t>
             </a:r>
-            <a:endParaRPr lang="it-IT" dirty="0"/>
           </a:p>
         </p:txBody>
       </p:sp>
@@ -20656,10 +22806,9 @@
           <a:lstStyle/>
           <a:p>
             <a:r>
-              <a:rPr lang="it-IT" dirty="0" smtClean="0"/>
+              <a:rPr lang="it-IT"/>
               <a:t>Paradigma che promuove la condivisione di risorse all’interno di una rete direttamente tra i membri di questa rete</a:t>
             </a:r>
-            <a:endParaRPr lang="it-IT" dirty="0"/>
           </a:p>
         </p:txBody>
       </p:sp>
@@ -20673,13 +22822,6 @@
   <p:clrMapOvr>
     <a:masterClrMapping/>
   </p:clrMapOvr>
-  <p:timing>
-    <p:tnLst>
-      <p:par>
-        <p:cTn id="1" dur="indefinite" restart="never" nodeType="tmRoot"/>
-      </p:par>
-    </p:tnLst>
-  </p:timing>
 </p:sld>
 </file>
 
@@ -20725,7 +22867,7 @@
               <a:buChar char="•"/>
             </a:pPr>
             <a:r>
-              <a:rPr lang="it-IT" dirty="0" smtClean="0"/>
+              <a:rPr lang="it-IT"/>
               <a:t>Aumento banda internet ( fibra ottica)</a:t>
             </a:r>
           </a:p>
@@ -20735,10 +22877,9 @@
               <a:buChar char="•"/>
             </a:pPr>
             <a:r>
-              <a:rPr lang="it-IT" dirty="0" smtClean="0"/>
+              <a:rPr lang="it-IT"/>
               <a:t>Aumento potenza di calcolo dei computer stessi</a:t>
             </a:r>
-            <a:endParaRPr lang="it-IT" dirty="0"/>
           </a:p>
         </p:txBody>
       </p:sp>
@@ -20758,14 +22899,9 @@
           <a:lstStyle/>
           <a:p>
             <a:r>
-              <a:rPr lang="it-IT" dirty="0"/>
-              <a:t>Storia del Peer To Peer – </a:t>
-            </a:r>
-            <a:r>
-              <a:rPr lang="it-IT" dirty="0" smtClean="0"/>
-              <a:t>Perché ora?</a:t>
-            </a:r>
-            <a:endParaRPr lang="it-IT" dirty="0"/>
+              <a:rPr lang="it-IT"/>
+              <a:t>Storia del Peer To Peer – Perché ora?</a:t>
+            </a:r>
           </a:p>
         </p:txBody>
       </p:sp>
@@ -20779,13 +22915,6 @@
   <p:clrMapOvr>
     <a:masterClrMapping/>
   </p:clrMapOvr>
-  <p:timing>
-    <p:tnLst>
-      <p:par>
-        <p:cTn id="1" dur="indefinite" restart="never" nodeType="tmRoot"/>
-      </p:par>
-    </p:tnLst>
-  </p:timing>
 </p:sld>
 </file>
 
@@ -20826,7 +22955,7 @@
               <a:buChar char="•"/>
             </a:pPr>
             <a:r>
-              <a:rPr lang="it-IT" dirty="0" smtClean="0"/>
+              <a:rPr lang="it-IT"/>
               <a:t>Napster (1999 -  2001)</a:t>
             </a:r>
           </a:p>
@@ -20836,19 +22965,19 @@
               <a:buChar char="•"/>
             </a:pPr>
             <a:r>
-              <a:rPr lang="it-IT" dirty="0" err="1" smtClean="0"/>
+              <a:rPr lang="it-IT" err="1"/>
               <a:t>Gnutella</a:t>
             </a:r>
             <a:r>
-              <a:rPr lang="it-IT" dirty="0" smtClean="0"/>
+              <a:rPr lang="it-IT"/>
               <a:t> (1999 – </a:t>
             </a:r>
             <a:r>
-              <a:rPr lang="it-IT" dirty="0" err="1" smtClean="0"/>
+              <a:rPr lang="it-IT" err="1"/>
               <a:t>today</a:t>
             </a:r>
             <a:r>
-              <a:rPr lang="it-IT" dirty="0" smtClean="0"/>
+              <a:rPr lang="it-IT"/>
               <a:t>)</a:t>
             </a:r>
           </a:p>
@@ -20858,11 +22987,11 @@
               <a:buChar char="•"/>
             </a:pPr>
             <a:r>
-              <a:rPr lang="it-IT" dirty="0" err="1" smtClean="0"/>
+              <a:rPr lang="it-IT" err="1"/>
               <a:t>Kazaa</a:t>
             </a:r>
             <a:r>
-              <a:rPr lang="it-IT" dirty="0" smtClean="0"/>
+              <a:rPr lang="it-IT"/>
               <a:t> (2001 – 2012)</a:t>
             </a:r>
           </a:p>
@@ -20872,23 +23001,23 @@
               <a:buChar char="•"/>
             </a:pPr>
             <a:r>
-              <a:rPr lang="it-IT" dirty="0" smtClean="0"/>
+              <a:rPr lang="it-IT"/>
               <a:t>Bit </a:t>
             </a:r>
             <a:r>
-              <a:rPr lang="it-IT" dirty="0" err="1" smtClean="0"/>
+              <a:rPr lang="it-IT" err="1"/>
               <a:t>torrent</a:t>
             </a:r>
             <a:r>
-              <a:rPr lang="it-IT" dirty="0" smtClean="0"/>
+              <a:rPr lang="it-IT"/>
               <a:t> (2001 – </a:t>
             </a:r>
             <a:r>
-              <a:rPr lang="it-IT" dirty="0" err="1" smtClean="0"/>
+              <a:rPr lang="it-IT" err="1"/>
               <a:t>today</a:t>
             </a:r>
             <a:r>
-              <a:rPr lang="it-IT" dirty="0" smtClean="0"/>
+              <a:rPr lang="it-IT"/>
               <a:t>)</a:t>
             </a:r>
           </a:p>
@@ -20898,7 +23027,7 @@
               <a:buChar char="•"/>
             </a:pPr>
             <a:r>
-              <a:rPr lang="it-IT" dirty="0" smtClean="0"/>
+              <a:rPr lang="it-IT"/>
               <a:t>….</a:t>
             </a:r>
           </a:p>
@@ -20908,19 +23037,19 @@
               <a:buChar char="•"/>
             </a:pPr>
             <a:r>
-              <a:rPr lang="it-IT" dirty="0" err="1" smtClean="0"/>
+              <a:rPr lang="it-IT" err="1"/>
               <a:t>Bitcoin</a:t>
             </a:r>
             <a:r>
-              <a:rPr lang="it-IT" dirty="0" smtClean="0"/>
+              <a:rPr lang="it-IT"/>
               <a:t> (2009 – </a:t>
             </a:r>
             <a:r>
-              <a:rPr lang="it-IT" dirty="0" err="1" smtClean="0"/>
+              <a:rPr lang="it-IT" err="1"/>
               <a:t>today</a:t>
             </a:r>
             <a:r>
-              <a:rPr lang="it-IT" dirty="0" smtClean="0"/>
+              <a:rPr lang="it-IT"/>
               <a:t>)</a:t>
             </a:r>
           </a:p>
@@ -20929,7 +23058,7 @@
               <a:buFont typeface="Arial" pitchFamily="34" charset="0"/>
               <a:buChar char="•"/>
             </a:pPr>
-            <a:endParaRPr lang="it-IT" dirty="0"/>
+            <a:endParaRPr lang="it-IT"/>
           </a:p>
         </p:txBody>
       </p:sp>
@@ -20949,14 +23078,9 @@
           <a:lstStyle/>
           <a:p>
             <a:r>
-              <a:rPr lang="it-IT" dirty="0"/>
-              <a:t>Storia del Peer To Peer </a:t>
-            </a:r>
-            <a:r>
-              <a:rPr lang="it-IT" dirty="0" smtClean="0"/>
-              <a:t>– Esempi</a:t>
-            </a:r>
-            <a:endParaRPr lang="it-IT" dirty="0"/>
+              <a:rPr lang="it-IT"/>
+              <a:t>Storia del Peer To Peer – Esempi</a:t>
+            </a:r>
           </a:p>
         </p:txBody>
       </p:sp>
@@ -20970,13 +23094,6 @@
   <p:clrMapOvr>
     <a:masterClrMapping/>
   </p:clrMapOvr>
-  <p:timing>
-    <p:tnLst>
-      <p:par>
-        <p:cTn id="1" dur="indefinite" restart="never" nodeType="tmRoot"/>
-      </p:par>
-    </p:tnLst>
-  </p:timing>
 </p:sld>
 </file>
 

--- a/Presentazione.pptx
+++ b/Presentazione.pptx
@@ -18,33 +18,33 @@
     <p:sldId id="260" r:id="rId9"/>
     <p:sldId id="264" r:id="rId10"/>
     <p:sldId id="265" r:id="rId11"/>
-    <p:sldId id="266" r:id="rId12"/>
-    <p:sldId id="267" r:id="rId13"/>
-    <p:sldId id="269" r:id="rId14"/>
-    <p:sldId id="271" r:id="rId15"/>
-    <p:sldId id="270" r:id="rId16"/>
-    <p:sldId id="268" r:id="rId17"/>
-    <p:sldId id="273" r:id="rId18"/>
-    <p:sldId id="274" r:id="rId19"/>
-    <p:sldId id="272" r:id="rId20"/>
-    <p:sldId id="275" r:id="rId21"/>
-    <p:sldId id="282" r:id="rId22"/>
-    <p:sldId id="276" r:id="rId23"/>
-    <p:sldId id="277" r:id="rId24"/>
-    <p:sldId id="279" r:id="rId25"/>
-    <p:sldId id="281" r:id="rId26"/>
-    <p:sldId id="283" r:id="rId27"/>
-    <p:sldId id="284" r:id="rId28"/>
-    <p:sldId id="285" r:id="rId29"/>
-    <p:sldId id="286" r:id="rId30"/>
-    <p:sldId id="287" r:id="rId31"/>
-    <p:sldId id="288" r:id="rId32"/>
-    <p:sldId id="289" r:id="rId33"/>
-    <p:sldId id="290" r:id="rId34"/>
-    <p:sldId id="291" r:id="rId35"/>
-    <p:sldId id="292" r:id="rId36"/>
-    <p:sldId id="293" r:id="rId37"/>
-    <p:sldId id="294" r:id="rId38"/>
+    <p:sldId id="286" r:id="rId12"/>
+    <p:sldId id="287" r:id="rId13"/>
+    <p:sldId id="288" r:id="rId14"/>
+    <p:sldId id="289" r:id="rId15"/>
+    <p:sldId id="290" r:id="rId16"/>
+    <p:sldId id="291" r:id="rId17"/>
+    <p:sldId id="292" r:id="rId18"/>
+    <p:sldId id="293" r:id="rId19"/>
+    <p:sldId id="294" r:id="rId20"/>
+    <p:sldId id="266" r:id="rId21"/>
+    <p:sldId id="267" r:id="rId22"/>
+    <p:sldId id="269" r:id="rId23"/>
+    <p:sldId id="271" r:id="rId24"/>
+    <p:sldId id="270" r:id="rId25"/>
+    <p:sldId id="268" r:id="rId26"/>
+    <p:sldId id="273" r:id="rId27"/>
+    <p:sldId id="274" r:id="rId28"/>
+    <p:sldId id="272" r:id="rId29"/>
+    <p:sldId id="275" r:id="rId30"/>
+    <p:sldId id="282" r:id="rId31"/>
+    <p:sldId id="276" r:id="rId32"/>
+    <p:sldId id="277" r:id="rId33"/>
+    <p:sldId id="279" r:id="rId34"/>
+    <p:sldId id="281" r:id="rId35"/>
+    <p:sldId id="283" r:id="rId36"/>
+    <p:sldId id="284" r:id="rId37"/>
+    <p:sldId id="285" r:id="rId38"/>
   </p:sldIdLst>
   <p:sldSz cx="9144000" cy="6858000" type="screen4x3"/>
   <p:notesSz cx="6858000" cy="9144000"/>
@@ -145,7 +145,7 @@
   </p:defaultTextStyle>
   <p:extLst>
     <p:ext uri="{EFAFB233-063F-42B5-8137-9DF3F51BA10A}">
-      <p15:sldGuideLst xmlns:p15="http://schemas.microsoft.com/office/powerpoint/2012/main">
+      <p15:sldGuideLst xmlns:p15="http://schemas.microsoft.com/office/powerpoint/2012/main" xmlns="">
         <p15:guide id="1" orient="horz" pos="2160">
           <p15:clr>
             <a:srgbClr val="A4A3A4"/>
@@ -244,7 +244,7 @@
           <a:p>
             <a:fld id="{F27EA845-85CE-45E8-B19E-7CDFF949B86A}" type="datetimeFigureOut">
               <a:rPr lang="it-IT" smtClean="0"/>
-              <a:t>03/03/2018</a:t>
+              <a:t>05/03/2018</a:t>
             </a:fld>
             <a:endParaRPr lang="it-IT"/>
           </a:p>
@@ -610,7 +610,7 @@
           <a:p>
             <a:fld id="{C082161E-3966-4D80-B450-0915D95E276E}" type="slidenum">
               <a:rPr lang="it-IT" smtClean="0"/>
-              <a:t>13</a:t>
+              <a:t>22</a:t>
             </a:fld>
             <a:endParaRPr lang="it-IT"/>
           </a:p>
@@ -720,7 +720,7 @@
           <a:p>
             <a:fld id="{C082161E-3966-4D80-B450-0915D95E276E}" type="slidenum">
               <a:rPr lang="it-IT" smtClean="0"/>
-              <a:t>22</a:t>
+              <a:t>31</a:t>
             </a:fld>
             <a:endParaRPr lang="it-IT"/>
           </a:p>
@@ -838,7 +838,7 @@
           <a:p>
             <a:fld id="{C082161E-3966-4D80-B450-0915D95E276E}" type="slidenum">
               <a:rPr lang="it-IT" smtClean="0"/>
-              <a:t>14</a:t>
+              <a:t>23</a:t>
             </a:fld>
             <a:endParaRPr lang="it-IT"/>
           </a:p>
@@ -934,7 +934,7 @@
           <a:p>
             <a:fld id="{C082161E-3966-4D80-B450-0915D95E276E}" type="slidenum">
               <a:rPr lang="it-IT" smtClean="0"/>
-              <a:t>15</a:t>
+              <a:t>24</a:t>
             </a:fld>
             <a:endParaRPr lang="it-IT"/>
           </a:p>
@@ -1030,7 +1030,7 @@
           <a:p>
             <a:fld id="{C082161E-3966-4D80-B450-0915D95E276E}" type="slidenum">
               <a:rPr lang="it-IT" smtClean="0"/>
-              <a:t>16</a:t>
+              <a:t>25</a:t>
             </a:fld>
             <a:endParaRPr lang="it-IT"/>
           </a:p>
@@ -1126,7 +1126,7 @@
           <a:p>
             <a:fld id="{C082161E-3966-4D80-B450-0915D95E276E}" type="slidenum">
               <a:rPr lang="it-IT" smtClean="0"/>
-              <a:t>17</a:t>
+              <a:t>26</a:t>
             </a:fld>
             <a:endParaRPr lang="it-IT"/>
           </a:p>
@@ -1213,7 +1213,7 @@
           <a:p>
             <a:fld id="{C082161E-3966-4D80-B450-0915D95E276E}" type="slidenum">
               <a:rPr lang="it-IT" smtClean="0"/>
-              <a:t>18</a:t>
+              <a:t>27</a:t>
             </a:fld>
             <a:endParaRPr lang="it-IT"/>
           </a:p>
@@ -1313,7 +1313,7 @@
           <a:p>
             <a:fld id="{C082161E-3966-4D80-B450-0915D95E276E}" type="slidenum">
               <a:rPr lang="it-IT" smtClean="0"/>
-              <a:t>19</a:t>
+              <a:t>28</a:t>
             </a:fld>
             <a:endParaRPr lang="it-IT"/>
           </a:p>
@@ -1413,7 +1413,7 @@
           <a:p>
             <a:fld id="{C082161E-3966-4D80-B450-0915D95E276E}" type="slidenum">
               <a:rPr lang="it-IT" smtClean="0"/>
-              <a:t>20</a:t>
+              <a:t>29</a:t>
             </a:fld>
             <a:endParaRPr lang="it-IT"/>
           </a:p>
@@ -1517,7 +1517,7 @@
           <a:p>
             <a:fld id="{C082161E-3966-4D80-B450-0915D95E276E}" type="slidenum">
               <a:rPr lang="it-IT" smtClean="0"/>
-              <a:t>21</a:t>
+              <a:t>30</a:t>
             </a:fld>
             <a:endParaRPr lang="it-IT"/>
           </a:p>
@@ -2299,7 +2299,7 @@
           <a:p>
             <a:fld id="{EEA66B03-0061-492A-9EC7-EE1D80E5446B}" type="datetimeFigureOut">
               <a:rPr lang="it-IT" smtClean="0"/>
-              <a:t>03/03/2018</a:t>
+              <a:t>05/03/2018</a:t>
             </a:fld>
             <a:endParaRPr lang="it-IT"/>
           </a:p>
@@ -2416,7 +2416,7 @@
           <a:p>
             <a:fld id="{EEA66B03-0061-492A-9EC7-EE1D80E5446B}" type="datetimeFigureOut">
               <a:rPr lang="it-IT" smtClean="0"/>
-              <a:t>03/03/2018</a:t>
+              <a:t>05/03/2018</a:t>
             </a:fld>
             <a:endParaRPr lang="it-IT"/>
           </a:p>
@@ -2511,7 +2511,7 @@
           <a:p>
             <a:fld id="{EEA66B03-0061-492A-9EC7-EE1D80E5446B}" type="datetimeFigureOut">
               <a:rPr lang="it-IT" smtClean="0"/>
-              <a:t>03/03/2018</a:t>
+              <a:t>05/03/2018</a:t>
             </a:fld>
             <a:endParaRPr lang="it-IT"/>
           </a:p>
@@ -2786,7 +2786,7 @@
           <a:p>
             <a:fld id="{EEA66B03-0061-492A-9EC7-EE1D80E5446B}" type="datetimeFigureOut">
               <a:rPr lang="it-IT" smtClean="0"/>
-              <a:t>03/03/2018</a:t>
+              <a:t>05/03/2018</a:t>
             </a:fld>
             <a:endParaRPr lang="it-IT"/>
           </a:p>
@@ -3038,7 +3038,7 @@
           <a:p>
             <a:fld id="{EEA66B03-0061-492A-9EC7-EE1D80E5446B}" type="datetimeFigureOut">
               <a:rPr lang="it-IT" smtClean="0"/>
-              <a:t>03/03/2018</a:t>
+              <a:t>05/03/2018</a:t>
             </a:fld>
             <a:endParaRPr lang="it-IT"/>
           </a:p>
@@ -3206,7 +3206,7 @@
           <a:p>
             <a:fld id="{EEA66B03-0061-492A-9EC7-EE1D80E5446B}" type="datetimeFigureOut">
               <a:rPr lang="it-IT" smtClean="0"/>
-              <a:t>03/03/2018</a:t>
+              <a:t>05/03/2018</a:t>
             </a:fld>
             <a:endParaRPr lang="it-IT"/>
           </a:p>
@@ -3384,7 +3384,7 @@
           <a:p>
             <a:fld id="{EEA66B03-0061-492A-9EC7-EE1D80E5446B}" type="datetimeFigureOut">
               <a:rPr lang="it-IT" smtClean="0"/>
-              <a:t>03/03/2018</a:t>
+              <a:t>05/03/2018</a:t>
             </a:fld>
             <a:endParaRPr lang="it-IT"/>
           </a:p>
@@ -4581,7 +4581,7 @@
           <a:p>
             <a:fld id="{EEA66B03-0061-492A-9EC7-EE1D80E5446B}" type="datetimeFigureOut">
               <a:rPr lang="it-IT" smtClean="0"/>
-              <a:t>03/03/2018</a:t>
+              <a:t>05/03/2018</a:t>
             </a:fld>
             <a:endParaRPr lang="it-IT"/>
           </a:p>
@@ -4749,7 +4749,7 @@
           <a:p>
             <a:fld id="{EEA66B03-0061-492A-9EC7-EE1D80E5446B}" type="datetimeFigureOut">
               <a:rPr lang="it-IT" smtClean="0"/>
-              <a:t>03/03/2018</a:t>
+              <a:t>05/03/2018</a:t>
             </a:fld>
             <a:endParaRPr lang="it-IT"/>
           </a:p>
@@ -4994,7 +4994,7 @@
           <a:p>
             <a:fld id="{EEA66B03-0061-492A-9EC7-EE1D80E5446B}" type="datetimeFigureOut">
               <a:rPr lang="it-IT" smtClean="0"/>
-              <a:t>03/03/2018</a:t>
+              <a:t>05/03/2018</a:t>
             </a:fld>
             <a:endParaRPr lang="it-IT"/>
           </a:p>
@@ -5279,7 +5279,7 @@
           <a:p>
             <a:fld id="{EEA66B03-0061-492A-9EC7-EE1D80E5446B}" type="datetimeFigureOut">
               <a:rPr lang="it-IT" smtClean="0"/>
-              <a:t>03/03/2018</a:t>
+              <a:t>05/03/2018</a:t>
             </a:fld>
             <a:endParaRPr lang="it-IT"/>
           </a:p>
@@ -5780,7 +5780,7 @@
           <a:p>
             <a:fld id="{EEA66B03-0061-492A-9EC7-EE1D80E5446B}" type="datetimeFigureOut">
               <a:rPr lang="it-IT" smtClean="0"/>
-              <a:t>03/03/2018</a:t>
+              <a:t>05/03/2018</a:t>
             </a:fld>
             <a:endParaRPr lang="it-IT"/>
           </a:p>
@@ -6206,6 +6206,13 @@
   <p:clrMapOvr>
     <a:masterClrMapping/>
   </p:clrMapOvr>
+  <p:timing>
+    <p:tnLst>
+      <p:par>
+        <p:cTn id="1" dur="indefinite" restart="never" nodeType="tmRoot"/>
+      </p:par>
+    </p:tnLst>
+  </p:timing>
 </p:sld>
 </file>
 
@@ -6238,6 +6245,3363 @@
         </p:nvSpPr>
         <p:spPr>
           <a:xfrm>
+            <a:off x="1012825" y="1988840"/>
+            <a:ext cx="8131175" cy="936104"/>
+          </a:xfrm>
+          <a:prstGeom prst="rect">
+            <a:avLst/>
+          </a:prstGeom>
+        </p:spPr>
+        <p:txBody>
+          <a:bodyPr anchor="t"/>
+          <a:lstStyle/>
+          <a:p>
+            <a:pPr algn="l"/>
+            <a:r>
+              <a:rPr lang="it-IT"/>
+              <a:t>PERCHÉ?</a:t>
+            </a:r>
+            <a:endParaRPr lang="it-IT">
+              <a:solidFill>
+                <a:srgbClr val="FF6633"/>
+              </a:solidFill>
+              <a:latin typeface="Cabin"/>
+            </a:endParaRPr>
+          </a:p>
+        </p:txBody>
+      </p:sp>
+      <p:sp>
+        <p:nvSpPr>
+          <p:cNvPr id="3" name="Titolo 1"/>
+          <p:cNvSpPr txBox="1">
+            <a:spLocks/>
+          </p:cNvSpPr>
+          <p:nvPr/>
+        </p:nvSpPr>
+        <p:spPr>
+          <a:xfrm>
+            <a:off x="1034585" y="3077344"/>
+            <a:ext cx="8131175" cy="936104"/>
+          </a:xfrm>
+          <a:prstGeom prst="rect">
+            <a:avLst/>
+          </a:prstGeom>
+        </p:spPr>
+        <p:txBody>
+          <a:bodyPr anchor="t"/>
+          <a:lstStyle>
+            <a:lvl1pPr algn="r" defTabSz="914400" rtl="0" eaLnBrk="1" latinLnBrk="0" hangingPunct="1">
+              <a:spcBef>
+                <a:spcPct val="0"/>
+              </a:spcBef>
+              <a:buNone/>
+              <a:defRPr sz="6000" b="1" kern="1200" baseline="0">
+                <a:solidFill>
+                  <a:srgbClr val="FF6633"/>
+                </a:solidFill>
+                <a:latin typeface="Cabin"/>
+                <a:ea typeface="+mj-ea"/>
+                <a:cs typeface="+mj-cs"/>
+              </a:defRPr>
+            </a:lvl1pPr>
+          </a:lstStyle>
+          <a:p>
+            <a:pPr algn="l"/>
+            <a:r>
+              <a:rPr lang="it-IT" sz="3600" b="0"/>
+              <a:t>A quali bisogni risponde la </a:t>
+            </a:r>
+            <a:r>
+              <a:rPr lang="it-IT" sz="3600" b="0" err="1"/>
+              <a:t>blockchain</a:t>
+            </a:r>
+            <a:r>
+              <a:rPr lang="it-IT" sz="3600" b="0"/>
+              <a:t>?</a:t>
+            </a:r>
+          </a:p>
+        </p:txBody>
+      </p:sp>
+    </p:spTree>
+    <p:extLst>
+      <p:ext uri="{BB962C8B-B14F-4D97-AF65-F5344CB8AC3E}">
+        <p14:creationId xmlns:p14="http://schemas.microsoft.com/office/powerpoint/2010/main" val="4181141623"/>
+      </p:ext>
+    </p:extLst>
+  </p:cSld>
+  <p:clrMapOvr>
+    <a:masterClrMapping/>
+  </p:clrMapOvr>
+  <p:timing>
+    <p:tnLst>
+      <p:par>
+        <p:cTn id="1" dur="indefinite" restart="never" nodeType="tmRoot"/>
+      </p:par>
+    </p:tnLst>
+  </p:timing>
+</p:sld>
+</file>
+
+<file path=ppt/slides/slide11.xml><?xml version="1.0" encoding="utf-8"?>
+<p:sld xmlns:a="http://schemas.openxmlformats.org/drawingml/2006/main" xmlns:r="http://schemas.openxmlformats.org/officeDocument/2006/relationships" xmlns:p="http://schemas.openxmlformats.org/presentationml/2006/main">
+  <p:cSld>
+    <p:spTree>
+      <p:nvGrpSpPr>
+        <p:cNvPr id="1" name=""/>
+        <p:cNvGrpSpPr/>
+        <p:nvPr/>
+      </p:nvGrpSpPr>
+      <p:grpSpPr>
+        <a:xfrm>
+          <a:off x="0" y="0"/>
+          <a:ext cx="0" cy="0"/>
+          <a:chOff x="0" y="0"/>
+          <a:chExt cx="0" cy="0"/>
+        </a:xfrm>
+      </p:grpSpPr>
+      <p:sp>
+        <p:nvSpPr>
+          <p:cNvPr id="2" name="Titolo verticale 1"/>
+          <p:cNvSpPr>
+            <a:spLocks noGrp="1"/>
+          </p:cNvSpPr>
+          <p:nvPr>
+            <p:ph type="title" orient="vert"/>
+          </p:nvPr>
+        </p:nvSpPr>
+        <p:spPr/>
+        <p:txBody>
+          <a:bodyPr vert="eaVert" anchor="t"/>
+          <a:lstStyle/>
+          <a:p>
+            <a:r>
+              <a:rPr lang="it-IT">
+                <a:cs typeface="Calibri"/>
+              </a:rPr>
+              <a:t>Transfer of trust in a </a:t>
+            </a:r>
+            <a:r>
+              <a:rPr lang="it-IT" err="1">
+                <a:cs typeface="Calibri"/>
+              </a:rPr>
+              <a:t>trustless</a:t>
+            </a:r>
+            <a:r>
+              <a:rPr lang="it-IT">
+                <a:cs typeface="Calibri"/>
+              </a:rPr>
+              <a:t> world</a:t>
+            </a:r>
+          </a:p>
+        </p:txBody>
+      </p:sp>
+      <p:pic>
+        <p:nvPicPr>
+          <p:cNvPr id="6" name="Immagine 6">
+            <a:extLst>
+              <a:ext uri="{FF2B5EF4-FFF2-40B4-BE49-F238E27FC236}">
+                <a16:creationId xmlns:a16="http://schemas.microsoft.com/office/drawing/2014/main" xmlns="" id="{0EC8AFDE-61F1-45EE-A813-7B987B993785}"/>
+              </a:ext>
+            </a:extLst>
+          </p:cNvPr>
+          <p:cNvPicPr>
+            <a:picLocks noChangeAspect="1"/>
+          </p:cNvPicPr>
+          <p:nvPr/>
+        </p:nvPicPr>
+        <p:blipFill>
+          <a:blip r:embed="rId2"/>
+          <a:stretch>
+            <a:fillRect/>
+          </a:stretch>
+        </p:blipFill>
+        <p:spPr>
+          <a:xfrm>
+            <a:off x="847725" y="1228725"/>
+            <a:ext cx="8280237" cy="6241097"/>
+          </a:xfrm>
+          <a:prstGeom prst="rect">
+            <a:avLst/>
+          </a:prstGeom>
+        </p:spPr>
+      </p:pic>
+      <p:sp>
+        <p:nvSpPr>
+          <p:cNvPr id="8" name="Ovale 7">
+            <a:extLst>
+              <a:ext uri="{FF2B5EF4-FFF2-40B4-BE49-F238E27FC236}">
+                <a16:creationId xmlns:a16="http://schemas.microsoft.com/office/drawing/2014/main" xmlns="" id="{DD75E03B-AD47-4631-BAC8-4207D17B0941}"/>
+              </a:ext>
+            </a:extLst>
+          </p:cNvPr>
+          <p:cNvSpPr/>
+          <p:nvPr/>
+        </p:nvSpPr>
+        <p:spPr>
+          <a:xfrm>
+            <a:off x="4476750" y="1390650"/>
+            <a:ext cx="4461837" cy="4206875"/>
+          </a:xfrm>
+          <a:prstGeom prst="ellipse">
+            <a:avLst/>
+          </a:prstGeom>
+          <a:noFill/>
+          <a:ln w="57150">
+            <a:solidFill>
+              <a:srgbClr val="FF0000"/>
+            </a:solidFill>
+          </a:ln>
+        </p:spPr>
+        <p:style>
+          <a:lnRef idx="2">
+            <a:schemeClr val="accent1">
+              <a:shade val="50000"/>
+            </a:schemeClr>
+          </a:lnRef>
+          <a:fillRef idx="1">
+            <a:schemeClr val="accent1"/>
+          </a:fillRef>
+          <a:effectRef idx="0">
+            <a:schemeClr val="accent1"/>
+          </a:effectRef>
+          <a:fontRef idx="minor">
+            <a:schemeClr val="lt1"/>
+          </a:fontRef>
+        </p:style>
+        <p:txBody>
+          <a:bodyPr rtlCol="0" anchor="ctr"/>
+          <a:lstStyle/>
+          <a:p>
+            <a:pPr algn="ctr"/>
+            <a:endParaRPr lang="it-IT"/>
+          </a:p>
+        </p:txBody>
+      </p:sp>
+      <p:pic>
+        <p:nvPicPr>
+          <p:cNvPr id="4" name="Immagine 4">
+            <a:extLst>
+              <a:ext uri="{FF2B5EF4-FFF2-40B4-BE49-F238E27FC236}">
+                <a16:creationId xmlns:a16="http://schemas.microsoft.com/office/drawing/2014/main" xmlns="" id="{51D64BCB-B846-48D9-981E-811C1D3EAF4A}"/>
+              </a:ext>
+            </a:extLst>
+          </p:cNvPr>
+          <p:cNvPicPr>
+            <a:picLocks noChangeAspect="1"/>
+          </p:cNvPicPr>
+          <p:nvPr/>
+        </p:nvPicPr>
+        <p:blipFill>
+          <a:blip r:embed="rId3"/>
+          <a:stretch>
+            <a:fillRect/>
+          </a:stretch>
+        </p:blipFill>
+        <p:spPr>
+          <a:xfrm>
+            <a:off x="4276725" y="1085850"/>
+            <a:ext cx="1261951" cy="1271956"/>
+          </a:xfrm>
+          <a:prstGeom prst="rect">
+            <a:avLst/>
+          </a:prstGeom>
+        </p:spPr>
+      </p:pic>
+    </p:spTree>
+    <p:extLst>
+      <p:ext uri="{BB962C8B-B14F-4D97-AF65-F5344CB8AC3E}">
+        <p14:creationId xmlns:p14="http://schemas.microsoft.com/office/powerpoint/2010/main" val="3629212006"/>
+      </p:ext>
+    </p:extLst>
+  </p:cSld>
+  <p:clrMapOvr>
+    <a:masterClrMapping/>
+  </p:clrMapOvr>
+  <p:timing>
+    <p:tnLst>
+      <p:par>
+        <p:cTn id="1" dur="indefinite" restart="never" nodeType="tmRoot"/>
+      </p:par>
+    </p:tnLst>
+  </p:timing>
+</p:sld>
+</file>
+
+<file path=ppt/slides/slide12.xml><?xml version="1.0" encoding="utf-8"?>
+<p:sld xmlns:a="http://schemas.openxmlformats.org/drawingml/2006/main" xmlns:r="http://schemas.openxmlformats.org/officeDocument/2006/relationships" xmlns:p="http://schemas.openxmlformats.org/presentationml/2006/main">
+  <p:cSld>
+    <p:spTree>
+      <p:nvGrpSpPr>
+        <p:cNvPr id="1" name=""/>
+        <p:cNvGrpSpPr/>
+        <p:nvPr/>
+      </p:nvGrpSpPr>
+      <p:grpSpPr>
+        <a:xfrm>
+          <a:off x="0" y="0"/>
+          <a:ext cx="0" cy="0"/>
+          <a:chOff x="0" y="0"/>
+          <a:chExt cx="0" cy="0"/>
+        </a:xfrm>
+      </p:grpSpPr>
+      <p:sp>
+        <p:nvSpPr>
+          <p:cNvPr id="2" name="Titolo verticale 1"/>
+          <p:cNvSpPr>
+            <a:spLocks noGrp="1"/>
+          </p:cNvSpPr>
+          <p:nvPr>
+            <p:ph type="title" orient="vert"/>
+          </p:nvPr>
+        </p:nvSpPr>
+        <p:spPr/>
+        <p:txBody>
+          <a:bodyPr vert="eaVert" anchor="t"/>
+          <a:lstStyle/>
+          <a:p>
+            <a:r>
+              <a:rPr lang="it-IT">
+                <a:cs typeface="Calibri"/>
+              </a:rPr>
+              <a:t>Transfer of trust in a </a:t>
+            </a:r>
+            <a:r>
+              <a:rPr lang="it-IT" err="1">
+                <a:cs typeface="Calibri"/>
+              </a:rPr>
+              <a:t>trustless</a:t>
+            </a:r>
+            <a:r>
+              <a:rPr lang="it-IT">
+                <a:cs typeface="Calibri"/>
+              </a:rPr>
+              <a:t> world</a:t>
+            </a:r>
+          </a:p>
+        </p:txBody>
+      </p:sp>
+      <p:pic>
+        <p:nvPicPr>
+          <p:cNvPr id="3" name="Immagine 4">
+            <a:extLst>
+              <a:ext uri="{FF2B5EF4-FFF2-40B4-BE49-F238E27FC236}">
+                <a16:creationId xmlns:a16="http://schemas.microsoft.com/office/drawing/2014/main" xmlns="" id="{CE06430E-17C6-485D-8FF8-9E789256210B}"/>
+              </a:ext>
+            </a:extLst>
+          </p:cNvPr>
+          <p:cNvPicPr>
+            <a:picLocks noChangeAspect="1"/>
+          </p:cNvPicPr>
+          <p:nvPr/>
+        </p:nvPicPr>
+        <p:blipFill>
+          <a:blip r:embed="rId2"/>
+          <a:stretch>
+            <a:fillRect/>
+          </a:stretch>
+        </p:blipFill>
+        <p:spPr>
+          <a:xfrm>
+            <a:off x="2166131" y="1027094"/>
+            <a:ext cx="4779182" cy="4770456"/>
+          </a:xfrm>
+          <a:prstGeom prst="rect">
+            <a:avLst/>
+          </a:prstGeom>
+        </p:spPr>
+      </p:pic>
+      <p:pic>
+        <p:nvPicPr>
+          <p:cNvPr id="7" name="Immagine 8">
+            <a:extLst>
+              <a:ext uri="{FF2B5EF4-FFF2-40B4-BE49-F238E27FC236}">
+                <a16:creationId xmlns:a16="http://schemas.microsoft.com/office/drawing/2014/main" xmlns="" id="{5501D58B-DC3E-424C-90B2-099BFFCE0A2F}"/>
+              </a:ext>
+            </a:extLst>
+          </p:cNvPr>
+          <p:cNvPicPr>
+            <a:picLocks noChangeAspect="1"/>
+          </p:cNvPicPr>
+          <p:nvPr/>
+        </p:nvPicPr>
+        <p:blipFill>
+          <a:blip r:embed="rId3"/>
+          <a:stretch>
+            <a:fillRect/>
+          </a:stretch>
+        </p:blipFill>
+        <p:spPr>
+          <a:xfrm>
+            <a:off x="6667677" y="1016000"/>
+            <a:ext cx="2566811" cy="1372041"/>
+          </a:xfrm>
+          <a:prstGeom prst="rect">
+            <a:avLst/>
+          </a:prstGeom>
+        </p:spPr>
+      </p:pic>
+      <p:pic>
+        <p:nvPicPr>
+          <p:cNvPr id="10" name="Immagine 10" descr="Immagine che contiene edificio&#10;&#10;Descrizione generata con affidabilità molto elevata">
+            <a:extLst>
+              <a:ext uri="{FF2B5EF4-FFF2-40B4-BE49-F238E27FC236}">
+                <a16:creationId xmlns:a16="http://schemas.microsoft.com/office/drawing/2014/main" xmlns="" id="{98E7AD59-AC88-49D9-A3B1-45FF0DF5E583}"/>
+              </a:ext>
+            </a:extLst>
+          </p:cNvPr>
+          <p:cNvPicPr>
+            <a:picLocks noChangeAspect="1"/>
+          </p:cNvPicPr>
+          <p:nvPr/>
+        </p:nvPicPr>
+        <p:blipFill>
+          <a:blip r:embed="rId4"/>
+          <a:stretch>
+            <a:fillRect/>
+          </a:stretch>
+        </p:blipFill>
+        <p:spPr>
+          <a:xfrm>
+            <a:off x="6572250" y="3105150"/>
+            <a:ext cx="2552259" cy="2348179"/>
+          </a:xfrm>
+          <a:prstGeom prst="rect">
+            <a:avLst/>
+          </a:prstGeom>
+        </p:spPr>
+      </p:pic>
+      <p:pic>
+        <p:nvPicPr>
+          <p:cNvPr id="12" name="Immagine 12">
+            <a:extLst>
+              <a:ext uri="{FF2B5EF4-FFF2-40B4-BE49-F238E27FC236}">
+                <a16:creationId xmlns:a16="http://schemas.microsoft.com/office/drawing/2014/main" xmlns="" id="{88B0562D-626E-4EEA-8B80-228D04F9F930}"/>
+              </a:ext>
+            </a:extLst>
+          </p:cNvPr>
+          <p:cNvPicPr>
+            <a:picLocks noChangeAspect="1"/>
+          </p:cNvPicPr>
+          <p:nvPr/>
+        </p:nvPicPr>
+        <p:blipFill>
+          <a:blip r:embed="rId3"/>
+          <a:stretch>
+            <a:fillRect/>
+          </a:stretch>
+        </p:blipFill>
+        <p:spPr>
+          <a:xfrm>
+            <a:off x="7315200" y="5276850"/>
+            <a:ext cx="1072458" cy="573467"/>
+          </a:xfrm>
+          <a:prstGeom prst="rect">
+            <a:avLst/>
+          </a:prstGeom>
+        </p:spPr>
+      </p:pic>
+      <p:pic>
+        <p:nvPicPr>
+          <p:cNvPr id="14" name="Immagine 14">
+            <a:extLst>
+              <a:ext uri="{FF2B5EF4-FFF2-40B4-BE49-F238E27FC236}">
+                <a16:creationId xmlns:a16="http://schemas.microsoft.com/office/drawing/2014/main" xmlns="" id="{A71282B5-BF37-4D88-9B1B-AF5C15FF9A14}"/>
+              </a:ext>
+            </a:extLst>
+          </p:cNvPr>
+          <p:cNvPicPr>
+            <a:picLocks noChangeAspect="1"/>
+          </p:cNvPicPr>
+          <p:nvPr/>
+        </p:nvPicPr>
+        <p:blipFill>
+          <a:blip r:embed="rId5"/>
+          <a:stretch>
+            <a:fillRect/>
+          </a:stretch>
+        </p:blipFill>
+        <p:spPr>
+          <a:xfrm>
+            <a:off x="6619875" y="5048250"/>
+            <a:ext cx="801957" cy="812120"/>
+          </a:xfrm>
+          <a:prstGeom prst="rect">
+            <a:avLst/>
+          </a:prstGeom>
+        </p:spPr>
+      </p:pic>
+      <p:pic>
+        <p:nvPicPr>
+          <p:cNvPr id="16" name="Immagine 16">
+            <a:extLst>
+              <a:ext uri="{FF2B5EF4-FFF2-40B4-BE49-F238E27FC236}">
+                <a16:creationId xmlns:a16="http://schemas.microsoft.com/office/drawing/2014/main" xmlns="" id="{5664CBED-600F-4DD5-92D5-3DFD7888D1A8}"/>
+              </a:ext>
+            </a:extLst>
+          </p:cNvPr>
+          <p:cNvPicPr>
+            <a:picLocks noChangeAspect="1"/>
+          </p:cNvPicPr>
+          <p:nvPr/>
+        </p:nvPicPr>
+        <p:blipFill>
+          <a:blip r:embed="rId3"/>
+          <a:stretch>
+            <a:fillRect/>
+          </a:stretch>
+        </p:blipFill>
+        <p:spPr>
+          <a:xfrm>
+            <a:off x="352425" y="4302248"/>
+            <a:ext cx="1879126" cy="1005407"/>
+          </a:xfrm>
+          <a:prstGeom prst="rect">
+            <a:avLst/>
+          </a:prstGeom>
+        </p:spPr>
+      </p:pic>
+      <p:pic>
+        <p:nvPicPr>
+          <p:cNvPr id="18" name="Immagine 18" descr="Immagine che contiene persona, arighe, interni&#10;&#10;Descrizione generata con affidabilità elevata">
+            <a:extLst>
+              <a:ext uri="{FF2B5EF4-FFF2-40B4-BE49-F238E27FC236}">
+                <a16:creationId xmlns:a16="http://schemas.microsoft.com/office/drawing/2014/main" xmlns="" id="{5C118A92-4505-4010-A2AB-5520E65296AF}"/>
+              </a:ext>
+            </a:extLst>
+          </p:cNvPr>
+          <p:cNvPicPr>
+            <a:picLocks noChangeAspect="1"/>
+          </p:cNvPicPr>
+          <p:nvPr/>
+        </p:nvPicPr>
+        <p:blipFill>
+          <a:blip r:embed="rId6"/>
+          <a:stretch>
+            <a:fillRect/>
+          </a:stretch>
+        </p:blipFill>
+        <p:spPr>
+          <a:xfrm>
+            <a:off x="584495" y="1250079"/>
+            <a:ext cx="1581637" cy="1581637"/>
+          </a:xfrm>
+          <a:prstGeom prst="rect">
+            <a:avLst/>
+          </a:prstGeom>
+        </p:spPr>
+      </p:pic>
+      <p:cxnSp>
+        <p:nvCxnSpPr>
+          <p:cNvPr id="20" name="Connettore curvo 19">
+            <a:extLst>
+              <a:ext uri="{FF2B5EF4-FFF2-40B4-BE49-F238E27FC236}">
+                <a16:creationId xmlns:a16="http://schemas.microsoft.com/office/drawing/2014/main" xmlns="" id="{892F748A-454B-4C5E-A0F1-044B06D60370}"/>
+              </a:ext>
+            </a:extLst>
+          </p:cNvPr>
+          <p:cNvCxnSpPr/>
+          <p:nvPr/>
+        </p:nvCxnSpPr>
+        <p:spPr>
+          <a:xfrm flipV="1">
+            <a:off x="4476750" y="1518697"/>
+            <a:ext cx="2044140" cy="1376903"/>
+          </a:xfrm>
+          <a:prstGeom prst="curvedConnector3">
+            <a:avLst/>
+          </a:prstGeom>
+          <a:ln w="57150">
+            <a:solidFill>
+              <a:schemeClr val="tx1"/>
+            </a:solidFill>
+            <a:tailEnd type="triangle"/>
+          </a:ln>
+        </p:spPr>
+        <p:style>
+          <a:lnRef idx="1">
+            <a:schemeClr val="accent1"/>
+          </a:lnRef>
+          <a:fillRef idx="0">
+            <a:schemeClr val="accent1"/>
+          </a:fillRef>
+          <a:effectRef idx="0">
+            <a:schemeClr val="accent1"/>
+          </a:effectRef>
+          <a:fontRef idx="minor">
+            <a:schemeClr val="tx1"/>
+          </a:fontRef>
+        </p:style>
+      </p:cxnSp>
+      <p:cxnSp>
+        <p:nvCxnSpPr>
+          <p:cNvPr id="21" name="Connettore 2 20">
+            <a:extLst>
+              <a:ext uri="{FF2B5EF4-FFF2-40B4-BE49-F238E27FC236}">
+                <a16:creationId xmlns:a16="http://schemas.microsoft.com/office/drawing/2014/main" xmlns="" id="{7E4C5B4F-13B4-428F-B1B5-7625E8C53203}"/>
+              </a:ext>
+            </a:extLst>
+          </p:cNvPr>
+          <p:cNvCxnSpPr/>
+          <p:nvPr/>
+        </p:nvCxnSpPr>
+        <p:spPr>
+          <a:xfrm>
+            <a:off x="8413096" y="2328705"/>
+            <a:ext cx="23337" cy="1025783"/>
+          </a:xfrm>
+          <a:prstGeom prst="straightConnector1">
+            <a:avLst/>
+          </a:prstGeom>
+          <a:ln w="57150">
+            <a:solidFill>
+              <a:schemeClr val="tx1"/>
+            </a:solidFill>
+            <a:tailEnd type="triangle"/>
+          </a:ln>
+        </p:spPr>
+        <p:style>
+          <a:lnRef idx="1">
+            <a:schemeClr val="accent1"/>
+          </a:lnRef>
+          <a:fillRef idx="0">
+            <a:schemeClr val="accent1"/>
+          </a:fillRef>
+          <a:effectRef idx="0">
+            <a:schemeClr val="accent1"/>
+          </a:effectRef>
+          <a:fontRef idx="minor">
+            <a:schemeClr val="tx1"/>
+          </a:fontRef>
+        </p:style>
+      </p:cxnSp>
+      <p:cxnSp>
+        <p:nvCxnSpPr>
+          <p:cNvPr id="22" name="Connettore 2 21">
+            <a:extLst>
+              <a:ext uri="{FF2B5EF4-FFF2-40B4-BE49-F238E27FC236}">
+                <a16:creationId xmlns:a16="http://schemas.microsoft.com/office/drawing/2014/main" xmlns="" id="{F883EEB9-D82E-4AE7-B8E7-8805D29F93AE}"/>
+              </a:ext>
+            </a:extLst>
+          </p:cNvPr>
+          <p:cNvCxnSpPr/>
+          <p:nvPr/>
+        </p:nvCxnSpPr>
+        <p:spPr>
+          <a:xfrm flipH="1" flipV="1">
+            <a:off x="2135916" y="5169003"/>
+            <a:ext cx="4256944" cy="247164"/>
+          </a:xfrm>
+          <a:prstGeom prst="straightConnector1">
+            <a:avLst/>
+          </a:prstGeom>
+          <a:ln w="57150">
+            <a:solidFill>
+              <a:schemeClr val="tx1"/>
+            </a:solidFill>
+            <a:tailEnd type="triangle"/>
+          </a:ln>
+        </p:spPr>
+        <p:style>
+          <a:lnRef idx="1">
+            <a:schemeClr val="accent1"/>
+          </a:lnRef>
+          <a:fillRef idx="0">
+            <a:schemeClr val="accent1"/>
+          </a:fillRef>
+          <a:effectRef idx="0">
+            <a:schemeClr val="accent1"/>
+          </a:effectRef>
+          <a:fontRef idx="minor">
+            <a:schemeClr val="tx1"/>
+          </a:fontRef>
+        </p:style>
+      </p:cxnSp>
+      <p:cxnSp>
+        <p:nvCxnSpPr>
+          <p:cNvPr id="23" name="Connettore 2 22">
+            <a:extLst>
+              <a:ext uri="{FF2B5EF4-FFF2-40B4-BE49-F238E27FC236}">
+                <a16:creationId xmlns:a16="http://schemas.microsoft.com/office/drawing/2014/main" xmlns="" id="{928C2C3E-71AE-4FE0-8294-A5624F551DC1}"/>
+              </a:ext>
+            </a:extLst>
+          </p:cNvPr>
+          <p:cNvCxnSpPr/>
+          <p:nvPr/>
+        </p:nvCxnSpPr>
+        <p:spPr>
+          <a:xfrm flipV="1">
+            <a:off x="895350" y="2994613"/>
+            <a:ext cx="262015" cy="1376903"/>
+          </a:xfrm>
+          <a:prstGeom prst="straightConnector1">
+            <a:avLst/>
+          </a:prstGeom>
+          <a:ln w="57150">
+            <a:solidFill>
+              <a:schemeClr val="tx1"/>
+            </a:solidFill>
+            <a:tailEnd type="triangle"/>
+          </a:ln>
+        </p:spPr>
+        <p:style>
+          <a:lnRef idx="1">
+            <a:schemeClr val="accent1"/>
+          </a:lnRef>
+          <a:fillRef idx="0">
+            <a:schemeClr val="accent1"/>
+          </a:fillRef>
+          <a:effectRef idx="0">
+            <a:schemeClr val="accent1"/>
+          </a:effectRef>
+          <a:fontRef idx="minor">
+            <a:schemeClr val="tx1"/>
+          </a:fontRef>
+        </p:style>
+      </p:cxnSp>
+      <p:cxnSp>
+        <p:nvCxnSpPr>
+          <p:cNvPr id="24" name="Connettore 2 23">
+            <a:extLst>
+              <a:ext uri="{FF2B5EF4-FFF2-40B4-BE49-F238E27FC236}">
+                <a16:creationId xmlns:a16="http://schemas.microsoft.com/office/drawing/2014/main" xmlns="" id="{8D4438B9-3CC4-4E12-A6E8-A75155D7ACB8}"/>
+              </a:ext>
+            </a:extLst>
+          </p:cNvPr>
+          <p:cNvCxnSpPr/>
+          <p:nvPr/>
+        </p:nvCxnSpPr>
+        <p:spPr>
+          <a:xfrm>
+            <a:off x="2271129" y="1883173"/>
+            <a:ext cx="1948669" cy="930312"/>
+          </a:xfrm>
+          <a:prstGeom prst="straightConnector1">
+            <a:avLst/>
+          </a:prstGeom>
+          <a:ln w="57150">
+            <a:solidFill>
+              <a:schemeClr val="tx1"/>
+            </a:solidFill>
+            <a:tailEnd type="triangle"/>
+          </a:ln>
+        </p:spPr>
+        <p:style>
+          <a:lnRef idx="1">
+            <a:schemeClr val="accent1"/>
+          </a:lnRef>
+          <a:fillRef idx="0">
+            <a:schemeClr val="accent1"/>
+          </a:fillRef>
+          <a:effectRef idx="0">
+            <a:schemeClr val="accent1"/>
+          </a:effectRef>
+          <a:fontRef idx="minor">
+            <a:schemeClr val="tx1"/>
+          </a:fontRef>
+        </p:style>
+      </p:cxnSp>
+    </p:spTree>
+    <p:extLst>
+      <p:ext uri="{BB962C8B-B14F-4D97-AF65-F5344CB8AC3E}">
+        <p14:creationId xmlns:p14="http://schemas.microsoft.com/office/powerpoint/2010/main" val="1656802243"/>
+      </p:ext>
+    </p:extLst>
+  </p:cSld>
+  <p:clrMapOvr>
+    <a:masterClrMapping/>
+  </p:clrMapOvr>
+  <p:timing>
+    <p:tnLst>
+      <p:par>
+        <p:cTn id="1" dur="indefinite" restart="never" nodeType="tmRoot">
+          <p:childTnLst>
+            <p:seq concurrent="1" nextAc="seek">
+              <p:cTn id="2" dur="indefinite" nodeType="mainSeq">
+                <p:childTnLst>
+                  <p:par>
+                    <p:cTn id="3" fill="hold">
+                      <p:stCondLst>
+                        <p:cond delay="indefinite"/>
+                      </p:stCondLst>
+                      <p:childTnLst>
+                        <p:par>
+                          <p:cTn id="4" fill="hold">
+                            <p:stCondLst>
+                              <p:cond delay="0"/>
+                            </p:stCondLst>
+                            <p:childTnLst>
+                              <p:par>
+                                <p:cTn id="5" presetID="10" presetClass="entr" presetSubtype="0" fill="hold" nodeType="clickEffect">
+                                  <p:stCondLst>
+                                    <p:cond delay="0"/>
+                                  </p:stCondLst>
+                                  <p:childTnLst>
+                                    <p:set>
+                                      <p:cBhvr>
+                                        <p:cTn id="6" dur="1" fill="hold">
+                                          <p:stCondLst>
+                                            <p:cond delay="0"/>
+                                          </p:stCondLst>
+                                        </p:cTn>
+                                        <p:tgtEl>
+                                          <p:spTgt spid="20"/>
+                                        </p:tgtEl>
+                                        <p:attrNameLst>
+                                          <p:attrName>style.visibility</p:attrName>
+                                        </p:attrNameLst>
+                                      </p:cBhvr>
+                                      <p:to>
+                                        <p:strVal val="visible"/>
+                                      </p:to>
+                                    </p:set>
+                                    <p:animEffect transition="in" filter="fade">
+                                      <p:cBhvr>
+                                        <p:cTn id="7" dur="500"/>
+                                        <p:tgtEl>
+                                          <p:spTgt spid="20"/>
+                                        </p:tgtEl>
+                                      </p:cBhvr>
+                                    </p:animEffect>
+                                  </p:childTnLst>
+                                </p:cTn>
+                              </p:par>
+                              <p:par>
+                                <p:cTn id="8" presetID="10" presetClass="entr" presetSubtype="0" fill="hold" nodeType="withEffect">
+                                  <p:stCondLst>
+                                    <p:cond delay="0"/>
+                                  </p:stCondLst>
+                                  <p:childTnLst>
+                                    <p:set>
+                                      <p:cBhvr>
+                                        <p:cTn id="9" dur="1" fill="hold">
+                                          <p:stCondLst>
+                                            <p:cond delay="0"/>
+                                          </p:stCondLst>
+                                        </p:cTn>
+                                        <p:tgtEl>
+                                          <p:spTgt spid="7"/>
+                                        </p:tgtEl>
+                                        <p:attrNameLst>
+                                          <p:attrName>style.visibility</p:attrName>
+                                        </p:attrNameLst>
+                                      </p:cBhvr>
+                                      <p:to>
+                                        <p:strVal val="visible"/>
+                                      </p:to>
+                                    </p:set>
+                                    <p:animEffect transition="in" filter="fade">
+                                      <p:cBhvr>
+                                        <p:cTn id="10" dur="500"/>
+                                        <p:tgtEl>
+                                          <p:spTgt spid="7"/>
+                                        </p:tgtEl>
+                                      </p:cBhvr>
+                                    </p:animEffect>
+                                  </p:childTnLst>
+                                </p:cTn>
+                              </p:par>
+                            </p:childTnLst>
+                          </p:cTn>
+                        </p:par>
+                      </p:childTnLst>
+                    </p:cTn>
+                  </p:par>
+                  <p:par>
+                    <p:cTn id="11" fill="hold">
+                      <p:stCondLst>
+                        <p:cond delay="indefinite"/>
+                      </p:stCondLst>
+                      <p:childTnLst>
+                        <p:par>
+                          <p:cTn id="12" fill="hold">
+                            <p:stCondLst>
+                              <p:cond delay="0"/>
+                            </p:stCondLst>
+                            <p:childTnLst>
+                              <p:par>
+                                <p:cTn id="13" presetID="10" presetClass="entr" presetSubtype="0" fill="hold" nodeType="clickEffect">
+                                  <p:stCondLst>
+                                    <p:cond delay="0"/>
+                                  </p:stCondLst>
+                                  <p:childTnLst>
+                                    <p:set>
+                                      <p:cBhvr>
+                                        <p:cTn id="14" dur="1" fill="hold">
+                                          <p:stCondLst>
+                                            <p:cond delay="0"/>
+                                          </p:stCondLst>
+                                        </p:cTn>
+                                        <p:tgtEl>
+                                          <p:spTgt spid="21"/>
+                                        </p:tgtEl>
+                                        <p:attrNameLst>
+                                          <p:attrName>style.visibility</p:attrName>
+                                        </p:attrNameLst>
+                                      </p:cBhvr>
+                                      <p:to>
+                                        <p:strVal val="visible"/>
+                                      </p:to>
+                                    </p:set>
+                                    <p:animEffect transition="in" filter="fade">
+                                      <p:cBhvr>
+                                        <p:cTn id="15" dur="500"/>
+                                        <p:tgtEl>
+                                          <p:spTgt spid="21"/>
+                                        </p:tgtEl>
+                                      </p:cBhvr>
+                                    </p:animEffect>
+                                  </p:childTnLst>
+                                </p:cTn>
+                              </p:par>
+                              <p:par>
+                                <p:cTn id="16" presetID="10" presetClass="entr" presetSubtype="0" fill="hold" nodeType="withEffect">
+                                  <p:stCondLst>
+                                    <p:cond delay="0"/>
+                                  </p:stCondLst>
+                                  <p:childTnLst>
+                                    <p:set>
+                                      <p:cBhvr>
+                                        <p:cTn id="17" dur="1" fill="hold">
+                                          <p:stCondLst>
+                                            <p:cond delay="0"/>
+                                          </p:stCondLst>
+                                        </p:cTn>
+                                        <p:tgtEl>
+                                          <p:spTgt spid="10"/>
+                                        </p:tgtEl>
+                                        <p:attrNameLst>
+                                          <p:attrName>style.visibility</p:attrName>
+                                        </p:attrNameLst>
+                                      </p:cBhvr>
+                                      <p:to>
+                                        <p:strVal val="visible"/>
+                                      </p:to>
+                                    </p:set>
+                                    <p:animEffect transition="in" filter="fade">
+                                      <p:cBhvr>
+                                        <p:cTn id="18" dur="500"/>
+                                        <p:tgtEl>
+                                          <p:spTgt spid="10"/>
+                                        </p:tgtEl>
+                                      </p:cBhvr>
+                                    </p:animEffect>
+                                  </p:childTnLst>
+                                </p:cTn>
+                              </p:par>
+                              <p:par>
+                                <p:cTn id="19" presetID="10" presetClass="entr" presetSubtype="0" fill="hold" nodeType="withEffect">
+                                  <p:stCondLst>
+                                    <p:cond delay="0"/>
+                                  </p:stCondLst>
+                                  <p:childTnLst>
+                                    <p:set>
+                                      <p:cBhvr>
+                                        <p:cTn id="20" dur="1" fill="hold">
+                                          <p:stCondLst>
+                                            <p:cond delay="0"/>
+                                          </p:stCondLst>
+                                        </p:cTn>
+                                        <p:tgtEl>
+                                          <p:spTgt spid="14"/>
+                                        </p:tgtEl>
+                                        <p:attrNameLst>
+                                          <p:attrName>style.visibility</p:attrName>
+                                        </p:attrNameLst>
+                                      </p:cBhvr>
+                                      <p:to>
+                                        <p:strVal val="visible"/>
+                                      </p:to>
+                                    </p:set>
+                                    <p:animEffect transition="in" filter="fade">
+                                      <p:cBhvr>
+                                        <p:cTn id="21" dur="500"/>
+                                        <p:tgtEl>
+                                          <p:spTgt spid="14"/>
+                                        </p:tgtEl>
+                                      </p:cBhvr>
+                                    </p:animEffect>
+                                  </p:childTnLst>
+                                </p:cTn>
+                              </p:par>
+                              <p:par>
+                                <p:cTn id="22" presetID="10" presetClass="entr" presetSubtype="0" fill="hold" nodeType="withEffect">
+                                  <p:stCondLst>
+                                    <p:cond delay="0"/>
+                                  </p:stCondLst>
+                                  <p:childTnLst>
+                                    <p:set>
+                                      <p:cBhvr>
+                                        <p:cTn id="23" dur="1" fill="hold">
+                                          <p:stCondLst>
+                                            <p:cond delay="0"/>
+                                          </p:stCondLst>
+                                        </p:cTn>
+                                        <p:tgtEl>
+                                          <p:spTgt spid="12"/>
+                                        </p:tgtEl>
+                                        <p:attrNameLst>
+                                          <p:attrName>style.visibility</p:attrName>
+                                        </p:attrNameLst>
+                                      </p:cBhvr>
+                                      <p:to>
+                                        <p:strVal val="visible"/>
+                                      </p:to>
+                                    </p:set>
+                                    <p:animEffect transition="in" filter="fade">
+                                      <p:cBhvr>
+                                        <p:cTn id="24" dur="500"/>
+                                        <p:tgtEl>
+                                          <p:spTgt spid="12"/>
+                                        </p:tgtEl>
+                                      </p:cBhvr>
+                                    </p:animEffect>
+                                  </p:childTnLst>
+                                </p:cTn>
+                              </p:par>
+                            </p:childTnLst>
+                          </p:cTn>
+                        </p:par>
+                      </p:childTnLst>
+                    </p:cTn>
+                  </p:par>
+                  <p:par>
+                    <p:cTn id="25" fill="hold">
+                      <p:stCondLst>
+                        <p:cond delay="indefinite"/>
+                      </p:stCondLst>
+                      <p:childTnLst>
+                        <p:par>
+                          <p:cTn id="26" fill="hold">
+                            <p:stCondLst>
+                              <p:cond delay="0"/>
+                            </p:stCondLst>
+                            <p:childTnLst>
+                              <p:par>
+                                <p:cTn id="27" presetID="10" presetClass="entr" presetSubtype="0" fill="hold" nodeType="clickEffect">
+                                  <p:stCondLst>
+                                    <p:cond delay="0"/>
+                                  </p:stCondLst>
+                                  <p:childTnLst>
+                                    <p:set>
+                                      <p:cBhvr>
+                                        <p:cTn id="28" dur="1" fill="hold">
+                                          <p:stCondLst>
+                                            <p:cond delay="0"/>
+                                          </p:stCondLst>
+                                        </p:cTn>
+                                        <p:tgtEl>
+                                          <p:spTgt spid="22"/>
+                                        </p:tgtEl>
+                                        <p:attrNameLst>
+                                          <p:attrName>style.visibility</p:attrName>
+                                        </p:attrNameLst>
+                                      </p:cBhvr>
+                                      <p:to>
+                                        <p:strVal val="visible"/>
+                                      </p:to>
+                                    </p:set>
+                                    <p:animEffect transition="in" filter="fade">
+                                      <p:cBhvr>
+                                        <p:cTn id="29" dur="500"/>
+                                        <p:tgtEl>
+                                          <p:spTgt spid="22"/>
+                                        </p:tgtEl>
+                                      </p:cBhvr>
+                                    </p:animEffect>
+                                  </p:childTnLst>
+                                </p:cTn>
+                              </p:par>
+                              <p:par>
+                                <p:cTn id="30" presetID="10" presetClass="entr" presetSubtype="0" fill="hold" nodeType="withEffect">
+                                  <p:stCondLst>
+                                    <p:cond delay="0"/>
+                                  </p:stCondLst>
+                                  <p:childTnLst>
+                                    <p:set>
+                                      <p:cBhvr>
+                                        <p:cTn id="31" dur="1" fill="hold">
+                                          <p:stCondLst>
+                                            <p:cond delay="0"/>
+                                          </p:stCondLst>
+                                        </p:cTn>
+                                        <p:tgtEl>
+                                          <p:spTgt spid="16"/>
+                                        </p:tgtEl>
+                                        <p:attrNameLst>
+                                          <p:attrName>style.visibility</p:attrName>
+                                        </p:attrNameLst>
+                                      </p:cBhvr>
+                                      <p:to>
+                                        <p:strVal val="visible"/>
+                                      </p:to>
+                                    </p:set>
+                                    <p:animEffect transition="in" filter="fade">
+                                      <p:cBhvr>
+                                        <p:cTn id="32" dur="500"/>
+                                        <p:tgtEl>
+                                          <p:spTgt spid="16"/>
+                                        </p:tgtEl>
+                                      </p:cBhvr>
+                                    </p:animEffect>
+                                  </p:childTnLst>
+                                </p:cTn>
+                              </p:par>
+                            </p:childTnLst>
+                          </p:cTn>
+                        </p:par>
+                      </p:childTnLst>
+                    </p:cTn>
+                  </p:par>
+                  <p:par>
+                    <p:cTn id="33" fill="hold">
+                      <p:stCondLst>
+                        <p:cond delay="indefinite"/>
+                      </p:stCondLst>
+                      <p:childTnLst>
+                        <p:par>
+                          <p:cTn id="34" fill="hold">
+                            <p:stCondLst>
+                              <p:cond delay="0"/>
+                            </p:stCondLst>
+                            <p:childTnLst>
+                              <p:par>
+                                <p:cTn id="35" presetID="10" presetClass="entr" presetSubtype="0" fill="hold" nodeType="clickEffect">
+                                  <p:stCondLst>
+                                    <p:cond delay="0"/>
+                                  </p:stCondLst>
+                                  <p:childTnLst>
+                                    <p:set>
+                                      <p:cBhvr>
+                                        <p:cTn id="36" dur="1" fill="hold">
+                                          <p:stCondLst>
+                                            <p:cond delay="0"/>
+                                          </p:stCondLst>
+                                        </p:cTn>
+                                        <p:tgtEl>
+                                          <p:spTgt spid="23"/>
+                                        </p:tgtEl>
+                                        <p:attrNameLst>
+                                          <p:attrName>style.visibility</p:attrName>
+                                        </p:attrNameLst>
+                                      </p:cBhvr>
+                                      <p:to>
+                                        <p:strVal val="visible"/>
+                                      </p:to>
+                                    </p:set>
+                                    <p:animEffect transition="in" filter="fade">
+                                      <p:cBhvr>
+                                        <p:cTn id="37" dur="500"/>
+                                        <p:tgtEl>
+                                          <p:spTgt spid="23"/>
+                                        </p:tgtEl>
+                                      </p:cBhvr>
+                                    </p:animEffect>
+                                  </p:childTnLst>
+                                </p:cTn>
+                              </p:par>
+                              <p:par>
+                                <p:cTn id="38" presetID="10" presetClass="entr" presetSubtype="0" fill="hold" nodeType="withEffect">
+                                  <p:stCondLst>
+                                    <p:cond delay="0"/>
+                                  </p:stCondLst>
+                                  <p:childTnLst>
+                                    <p:set>
+                                      <p:cBhvr>
+                                        <p:cTn id="39" dur="1" fill="hold">
+                                          <p:stCondLst>
+                                            <p:cond delay="0"/>
+                                          </p:stCondLst>
+                                        </p:cTn>
+                                        <p:tgtEl>
+                                          <p:spTgt spid="18"/>
+                                        </p:tgtEl>
+                                        <p:attrNameLst>
+                                          <p:attrName>style.visibility</p:attrName>
+                                        </p:attrNameLst>
+                                      </p:cBhvr>
+                                      <p:to>
+                                        <p:strVal val="visible"/>
+                                      </p:to>
+                                    </p:set>
+                                    <p:animEffect transition="in" filter="fade">
+                                      <p:cBhvr>
+                                        <p:cTn id="40" dur="500"/>
+                                        <p:tgtEl>
+                                          <p:spTgt spid="18"/>
+                                        </p:tgtEl>
+                                      </p:cBhvr>
+                                    </p:animEffect>
+                                  </p:childTnLst>
+                                </p:cTn>
+                              </p:par>
+                            </p:childTnLst>
+                          </p:cTn>
+                        </p:par>
+                      </p:childTnLst>
+                    </p:cTn>
+                  </p:par>
+                  <p:par>
+                    <p:cTn id="41" fill="hold">
+                      <p:stCondLst>
+                        <p:cond delay="indefinite"/>
+                      </p:stCondLst>
+                      <p:childTnLst>
+                        <p:par>
+                          <p:cTn id="42" fill="hold">
+                            <p:stCondLst>
+                              <p:cond delay="0"/>
+                            </p:stCondLst>
+                            <p:childTnLst>
+                              <p:par>
+                                <p:cTn id="43" presetID="10" presetClass="entr" presetSubtype="0" fill="hold" nodeType="clickEffect">
+                                  <p:stCondLst>
+                                    <p:cond delay="0"/>
+                                  </p:stCondLst>
+                                  <p:childTnLst>
+                                    <p:set>
+                                      <p:cBhvr>
+                                        <p:cTn id="44" dur="1" fill="hold">
+                                          <p:stCondLst>
+                                            <p:cond delay="0"/>
+                                          </p:stCondLst>
+                                        </p:cTn>
+                                        <p:tgtEl>
+                                          <p:spTgt spid="24"/>
+                                        </p:tgtEl>
+                                        <p:attrNameLst>
+                                          <p:attrName>style.visibility</p:attrName>
+                                        </p:attrNameLst>
+                                      </p:cBhvr>
+                                      <p:to>
+                                        <p:strVal val="visible"/>
+                                      </p:to>
+                                    </p:set>
+                                    <p:animEffect transition="in" filter="fade">
+                                      <p:cBhvr>
+                                        <p:cTn id="45" dur="500"/>
+                                        <p:tgtEl>
+                                          <p:spTgt spid="24"/>
+                                        </p:tgtEl>
+                                      </p:cBhvr>
+                                    </p:animEffect>
+                                  </p:childTnLst>
+                                </p:cTn>
+                              </p:par>
+                            </p:childTnLst>
+                          </p:cTn>
+                        </p:par>
+                      </p:childTnLst>
+                    </p:cTn>
+                  </p:par>
+                </p:childTnLst>
+              </p:cTn>
+              <p:prevCondLst>
+                <p:cond evt="onPrev" delay="0">
+                  <p:tgtEl>
+                    <p:sldTgt/>
+                  </p:tgtEl>
+                </p:cond>
+              </p:prevCondLst>
+              <p:nextCondLst>
+                <p:cond evt="onNext" delay="0">
+                  <p:tgtEl>
+                    <p:sldTgt/>
+                  </p:tgtEl>
+                </p:cond>
+              </p:nextCondLst>
+            </p:seq>
+          </p:childTnLst>
+        </p:cTn>
+      </p:par>
+    </p:tnLst>
+  </p:timing>
+</p:sld>
+</file>
+
+<file path=ppt/slides/slide13.xml><?xml version="1.0" encoding="utf-8"?>
+<p:sld xmlns:a="http://schemas.openxmlformats.org/drawingml/2006/main" xmlns:r="http://schemas.openxmlformats.org/officeDocument/2006/relationships" xmlns:p="http://schemas.openxmlformats.org/presentationml/2006/main">
+  <p:cSld>
+    <p:spTree>
+      <p:nvGrpSpPr>
+        <p:cNvPr id="1" name=""/>
+        <p:cNvGrpSpPr/>
+        <p:nvPr/>
+      </p:nvGrpSpPr>
+      <p:grpSpPr>
+        <a:xfrm>
+          <a:off x="0" y="0"/>
+          <a:ext cx="0" cy="0"/>
+          <a:chOff x="0" y="0"/>
+          <a:chExt cx="0" cy="0"/>
+        </a:xfrm>
+      </p:grpSpPr>
+      <p:pic>
+        <p:nvPicPr>
+          <p:cNvPr id="3" name="Immagine 4">
+            <a:extLst>
+              <a:ext uri="{FF2B5EF4-FFF2-40B4-BE49-F238E27FC236}">
+                <a16:creationId xmlns:a16="http://schemas.microsoft.com/office/drawing/2014/main" xmlns="" id="{CE06430E-17C6-485D-8FF8-9E789256210B}"/>
+              </a:ext>
+            </a:extLst>
+          </p:cNvPr>
+          <p:cNvPicPr>
+            <a:picLocks noChangeAspect="1"/>
+          </p:cNvPicPr>
+          <p:nvPr/>
+        </p:nvPicPr>
+        <p:blipFill>
+          <a:blip r:embed="rId2"/>
+          <a:stretch>
+            <a:fillRect/>
+          </a:stretch>
+        </p:blipFill>
+        <p:spPr>
+          <a:xfrm>
+            <a:off x="2166131" y="1027094"/>
+            <a:ext cx="4779182" cy="4770456"/>
+          </a:xfrm>
+          <a:prstGeom prst="rect">
+            <a:avLst/>
+          </a:prstGeom>
+        </p:spPr>
+      </p:pic>
+      <p:sp>
+        <p:nvSpPr>
+          <p:cNvPr id="2" name="Titolo verticale 1"/>
+          <p:cNvSpPr>
+            <a:spLocks noGrp="1"/>
+          </p:cNvSpPr>
+          <p:nvPr>
+            <p:ph type="title" orient="vert"/>
+          </p:nvPr>
+        </p:nvSpPr>
+        <p:spPr/>
+        <p:txBody>
+          <a:bodyPr vert="eaVert" anchor="t"/>
+          <a:lstStyle/>
+          <a:p>
+            <a:r>
+              <a:rPr lang="it-IT">
+                <a:cs typeface="Calibri"/>
+              </a:rPr>
+              <a:t>Transfer of trust in a </a:t>
+            </a:r>
+            <a:r>
+              <a:rPr lang="it-IT" err="1">
+                <a:cs typeface="Calibri"/>
+              </a:rPr>
+              <a:t>trustless</a:t>
+            </a:r>
+            <a:r>
+              <a:rPr lang="it-IT">
+                <a:cs typeface="Calibri"/>
+              </a:rPr>
+              <a:t> world</a:t>
+            </a:r>
+          </a:p>
+        </p:txBody>
+      </p:sp>
+      <p:pic>
+        <p:nvPicPr>
+          <p:cNvPr id="18" name="Immagine 18" descr="Immagine che contiene persona, arighe, interni&#10;&#10;Descrizione generata con affidabilità elevata">
+            <a:extLst>
+              <a:ext uri="{FF2B5EF4-FFF2-40B4-BE49-F238E27FC236}">
+                <a16:creationId xmlns:a16="http://schemas.microsoft.com/office/drawing/2014/main" xmlns="" id="{5C118A92-4505-4010-A2AB-5520E65296AF}"/>
+              </a:ext>
+            </a:extLst>
+          </p:cNvPr>
+          <p:cNvPicPr>
+            <a:picLocks noChangeAspect="1"/>
+          </p:cNvPicPr>
+          <p:nvPr/>
+        </p:nvPicPr>
+        <p:blipFill>
+          <a:blip r:embed="rId3"/>
+          <a:stretch>
+            <a:fillRect/>
+          </a:stretch>
+        </p:blipFill>
+        <p:spPr>
+          <a:xfrm>
+            <a:off x="584495" y="1250079"/>
+            <a:ext cx="1581637" cy="1581637"/>
+          </a:xfrm>
+          <a:prstGeom prst="rect">
+            <a:avLst/>
+          </a:prstGeom>
+        </p:spPr>
+      </p:pic>
+      <p:cxnSp>
+        <p:nvCxnSpPr>
+          <p:cNvPr id="22" name="Connettore 2 21">
+            <a:extLst>
+              <a:ext uri="{FF2B5EF4-FFF2-40B4-BE49-F238E27FC236}">
+                <a16:creationId xmlns:a16="http://schemas.microsoft.com/office/drawing/2014/main" xmlns="" id="{F883EEB9-D82E-4AE7-B8E7-8805D29F93AE}"/>
+              </a:ext>
+            </a:extLst>
+          </p:cNvPr>
+          <p:cNvCxnSpPr/>
+          <p:nvPr/>
+        </p:nvCxnSpPr>
+        <p:spPr>
+          <a:xfrm flipH="1">
+            <a:off x="2708741" y="3029393"/>
+            <a:ext cx="1615581" cy="1407666"/>
+          </a:xfrm>
+          <a:prstGeom prst="straightConnector1">
+            <a:avLst/>
+          </a:prstGeom>
+          <a:ln w="57150">
+            <a:solidFill>
+              <a:schemeClr val="tx1"/>
+            </a:solidFill>
+            <a:tailEnd type="triangle"/>
+          </a:ln>
+        </p:spPr>
+        <p:style>
+          <a:lnRef idx="1">
+            <a:schemeClr val="accent1"/>
+          </a:lnRef>
+          <a:fillRef idx="0">
+            <a:schemeClr val="accent1"/>
+          </a:fillRef>
+          <a:effectRef idx="0">
+            <a:schemeClr val="accent1"/>
+          </a:effectRef>
+          <a:fontRef idx="minor">
+            <a:schemeClr val="tx1"/>
+          </a:fontRef>
+        </p:style>
+      </p:cxnSp>
+      <p:cxnSp>
+        <p:nvCxnSpPr>
+          <p:cNvPr id="23" name="Connettore 2 22">
+            <a:extLst>
+              <a:ext uri="{FF2B5EF4-FFF2-40B4-BE49-F238E27FC236}">
+                <a16:creationId xmlns:a16="http://schemas.microsoft.com/office/drawing/2014/main" xmlns="" id="{928C2C3E-71AE-4FE0-8294-A5624F551DC1}"/>
+              </a:ext>
+            </a:extLst>
+          </p:cNvPr>
+          <p:cNvCxnSpPr/>
+          <p:nvPr/>
+        </p:nvCxnSpPr>
+        <p:spPr>
+          <a:xfrm flipH="1" flipV="1">
+            <a:off x="1157365" y="2994613"/>
+            <a:ext cx="135780" cy="1138226"/>
+          </a:xfrm>
+          <a:prstGeom prst="straightConnector1">
+            <a:avLst/>
+          </a:prstGeom>
+          <a:ln w="57150">
+            <a:solidFill>
+              <a:schemeClr val="tx1"/>
+            </a:solidFill>
+            <a:tailEnd type="triangle"/>
+          </a:ln>
+        </p:spPr>
+        <p:style>
+          <a:lnRef idx="1">
+            <a:schemeClr val="accent1"/>
+          </a:lnRef>
+          <a:fillRef idx="0">
+            <a:schemeClr val="accent1"/>
+          </a:fillRef>
+          <a:effectRef idx="0">
+            <a:schemeClr val="accent1"/>
+          </a:effectRef>
+          <a:fontRef idx="minor">
+            <a:schemeClr val="tx1"/>
+          </a:fontRef>
+        </p:style>
+      </p:cxnSp>
+      <p:cxnSp>
+        <p:nvCxnSpPr>
+          <p:cNvPr id="24" name="Connettore 2 23">
+            <a:extLst>
+              <a:ext uri="{FF2B5EF4-FFF2-40B4-BE49-F238E27FC236}">
+                <a16:creationId xmlns:a16="http://schemas.microsoft.com/office/drawing/2014/main" xmlns="" id="{8D4438B9-3CC4-4E12-A6E8-A75155D7ACB8}"/>
+              </a:ext>
+            </a:extLst>
+          </p:cNvPr>
+          <p:cNvCxnSpPr/>
+          <p:nvPr/>
+        </p:nvCxnSpPr>
+        <p:spPr>
+          <a:xfrm>
+            <a:off x="2271129" y="1883173"/>
+            <a:ext cx="1948669" cy="930312"/>
+          </a:xfrm>
+          <a:prstGeom prst="straightConnector1">
+            <a:avLst/>
+          </a:prstGeom>
+          <a:ln w="57150">
+            <a:solidFill>
+              <a:schemeClr val="tx1"/>
+            </a:solidFill>
+            <a:tailEnd type="triangle"/>
+          </a:ln>
+        </p:spPr>
+        <p:style>
+          <a:lnRef idx="1">
+            <a:schemeClr val="accent1"/>
+          </a:lnRef>
+          <a:fillRef idx="0">
+            <a:schemeClr val="accent1"/>
+          </a:fillRef>
+          <a:effectRef idx="0">
+            <a:schemeClr val="accent1"/>
+          </a:effectRef>
+          <a:fontRef idx="minor">
+            <a:schemeClr val="tx1"/>
+          </a:fontRef>
+        </p:style>
+      </p:cxnSp>
+      <p:pic>
+        <p:nvPicPr>
+          <p:cNvPr id="4" name="Immagine 4">
+            <a:extLst>
+              <a:ext uri="{FF2B5EF4-FFF2-40B4-BE49-F238E27FC236}">
+                <a16:creationId xmlns:a16="http://schemas.microsoft.com/office/drawing/2014/main" xmlns="" id="{591DA4DC-C561-43A5-8CDA-5A5EA57DD621}"/>
+              </a:ext>
+            </a:extLst>
+          </p:cNvPr>
+          <p:cNvPicPr>
+            <a:picLocks noChangeAspect="1"/>
+          </p:cNvPicPr>
+          <p:nvPr/>
+        </p:nvPicPr>
+        <p:blipFill>
+          <a:blip r:embed="rId4"/>
+          <a:stretch>
+            <a:fillRect/>
+          </a:stretch>
+        </p:blipFill>
+        <p:spPr>
+          <a:xfrm>
+            <a:off x="846989" y="4165600"/>
+            <a:ext cx="1856524" cy="1685494"/>
+          </a:xfrm>
+          <a:prstGeom prst="rect">
+            <a:avLst/>
+          </a:prstGeom>
+        </p:spPr>
+      </p:pic>
+      <p:sp>
+        <p:nvSpPr>
+          <p:cNvPr id="5" name="Segno di moltiplicazione 4">
+            <a:extLst>
+              <a:ext uri="{FF2B5EF4-FFF2-40B4-BE49-F238E27FC236}">
+                <a16:creationId xmlns:a16="http://schemas.microsoft.com/office/drawing/2014/main" xmlns="" id="{770C9C8A-3937-4232-A6CB-168E931295C5}"/>
+              </a:ext>
+            </a:extLst>
+          </p:cNvPr>
+          <p:cNvSpPr/>
+          <p:nvPr/>
+        </p:nvSpPr>
+        <p:spPr>
+          <a:xfrm>
+            <a:off x="2716046" y="1818313"/>
+            <a:ext cx="914400" cy="914400"/>
+          </a:xfrm>
+          <a:prstGeom prst="mathMultiply">
+            <a:avLst/>
+          </a:prstGeom>
+          <a:solidFill>
+            <a:srgbClr val="FF0000"/>
+          </a:solidFill>
+          <a:ln>
+            <a:solidFill>
+              <a:srgbClr val="FF0000"/>
+            </a:solidFill>
+          </a:ln>
+        </p:spPr>
+        <p:style>
+          <a:lnRef idx="2">
+            <a:schemeClr val="accent1">
+              <a:shade val="50000"/>
+            </a:schemeClr>
+          </a:lnRef>
+          <a:fillRef idx="1">
+            <a:schemeClr val="accent1"/>
+          </a:fillRef>
+          <a:effectRef idx="0">
+            <a:schemeClr val="accent1"/>
+          </a:effectRef>
+          <a:fontRef idx="minor">
+            <a:schemeClr val="lt1"/>
+          </a:fontRef>
+        </p:style>
+        <p:txBody>
+          <a:bodyPr rtlCol="0" anchor="ctr"/>
+          <a:lstStyle/>
+          <a:p>
+            <a:pPr algn="ctr"/>
+            <a:endParaRPr lang="it-IT"/>
+          </a:p>
+        </p:txBody>
+      </p:sp>
+    </p:spTree>
+    <p:extLst>
+      <p:ext uri="{BB962C8B-B14F-4D97-AF65-F5344CB8AC3E}">
+        <p14:creationId xmlns:p14="http://schemas.microsoft.com/office/powerpoint/2010/main" val="3595865037"/>
+      </p:ext>
+    </p:extLst>
+  </p:cSld>
+  <p:clrMapOvr>
+    <a:masterClrMapping/>
+  </p:clrMapOvr>
+  <p:timing>
+    <p:tnLst>
+      <p:par>
+        <p:cTn id="1" dur="indefinite" restart="never" nodeType="tmRoot">
+          <p:childTnLst>
+            <p:seq concurrent="1" nextAc="seek">
+              <p:cTn id="2" dur="indefinite" nodeType="mainSeq">
+                <p:childTnLst>
+                  <p:par>
+                    <p:cTn id="3" fill="hold">
+                      <p:stCondLst>
+                        <p:cond delay="indefinite"/>
+                      </p:stCondLst>
+                      <p:childTnLst>
+                        <p:par>
+                          <p:cTn id="4" fill="hold">
+                            <p:stCondLst>
+                              <p:cond delay="0"/>
+                            </p:stCondLst>
+                            <p:childTnLst>
+                              <p:par>
+                                <p:cTn id="5" presetID="10" presetClass="entr" presetSubtype="0" fill="hold" nodeType="clickEffect">
+                                  <p:stCondLst>
+                                    <p:cond delay="0"/>
+                                  </p:stCondLst>
+                                  <p:childTnLst>
+                                    <p:set>
+                                      <p:cBhvr>
+                                        <p:cTn id="6" dur="1" fill="hold">
+                                          <p:stCondLst>
+                                            <p:cond delay="0"/>
+                                          </p:stCondLst>
+                                        </p:cTn>
+                                        <p:tgtEl>
+                                          <p:spTgt spid="22"/>
+                                        </p:tgtEl>
+                                        <p:attrNameLst>
+                                          <p:attrName>style.visibility</p:attrName>
+                                        </p:attrNameLst>
+                                      </p:cBhvr>
+                                      <p:to>
+                                        <p:strVal val="visible"/>
+                                      </p:to>
+                                    </p:set>
+                                    <p:animEffect transition="in" filter="fade">
+                                      <p:cBhvr>
+                                        <p:cTn id="7" dur="500"/>
+                                        <p:tgtEl>
+                                          <p:spTgt spid="22"/>
+                                        </p:tgtEl>
+                                      </p:cBhvr>
+                                    </p:animEffect>
+                                  </p:childTnLst>
+                                </p:cTn>
+                              </p:par>
+                              <p:par>
+                                <p:cTn id="8" presetID="10" presetClass="entr" presetSubtype="0" fill="hold" nodeType="withEffect">
+                                  <p:stCondLst>
+                                    <p:cond delay="0"/>
+                                  </p:stCondLst>
+                                  <p:childTnLst>
+                                    <p:set>
+                                      <p:cBhvr>
+                                        <p:cTn id="9" dur="1" fill="hold">
+                                          <p:stCondLst>
+                                            <p:cond delay="0"/>
+                                          </p:stCondLst>
+                                        </p:cTn>
+                                        <p:tgtEl>
+                                          <p:spTgt spid="4"/>
+                                        </p:tgtEl>
+                                        <p:attrNameLst>
+                                          <p:attrName>style.visibility</p:attrName>
+                                        </p:attrNameLst>
+                                      </p:cBhvr>
+                                      <p:to>
+                                        <p:strVal val="visible"/>
+                                      </p:to>
+                                    </p:set>
+                                    <p:animEffect transition="in" filter="fade">
+                                      <p:cBhvr>
+                                        <p:cTn id="10" dur="500"/>
+                                        <p:tgtEl>
+                                          <p:spTgt spid="4"/>
+                                        </p:tgtEl>
+                                      </p:cBhvr>
+                                    </p:animEffect>
+                                  </p:childTnLst>
+                                </p:cTn>
+                              </p:par>
+                            </p:childTnLst>
+                          </p:cTn>
+                        </p:par>
+                      </p:childTnLst>
+                    </p:cTn>
+                  </p:par>
+                  <p:par>
+                    <p:cTn id="11" fill="hold">
+                      <p:stCondLst>
+                        <p:cond delay="indefinite"/>
+                      </p:stCondLst>
+                      <p:childTnLst>
+                        <p:par>
+                          <p:cTn id="12" fill="hold">
+                            <p:stCondLst>
+                              <p:cond delay="0"/>
+                            </p:stCondLst>
+                            <p:childTnLst>
+                              <p:par>
+                                <p:cTn id="13" presetID="10" presetClass="entr" presetSubtype="0" fill="hold" nodeType="clickEffect">
+                                  <p:stCondLst>
+                                    <p:cond delay="0"/>
+                                  </p:stCondLst>
+                                  <p:childTnLst>
+                                    <p:set>
+                                      <p:cBhvr>
+                                        <p:cTn id="14" dur="1" fill="hold">
+                                          <p:stCondLst>
+                                            <p:cond delay="0"/>
+                                          </p:stCondLst>
+                                        </p:cTn>
+                                        <p:tgtEl>
+                                          <p:spTgt spid="23"/>
+                                        </p:tgtEl>
+                                        <p:attrNameLst>
+                                          <p:attrName>style.visibility</p:attrName>
+                                        </p:attrNameLst>
+                                      </p:cBhvr>
+                                      <p:to>
+                                        <p:strVal val="visible"/>
+                                      </p:to>
+                                    </p:set>
+                                    <p:animEffect transition="in" filter="fade">
+                                      <p:cBhvr>
+                                        <p:cTn id="15" dur="500"/>
+                                        <p:tgtEl>
+                                          <p:spTgt spid="23"/>
+                                        </p:tgtEl>
+                                      </p:cBhvr>
+                                    </p:animEffect>
+                                  </p:childTnLst>
+                                </p:cTn>
+                              </p:par>
+                              <p:par>
+                                <p:cTn id="16" presetID="10" presetClass="entr" presetSubtype="0" fill="hold" nodeType="withEffect">
+                                  <p:stCondLst>
+                                    <p:cond delay="0"/>
+                                  </p:stCondLst>
+                                  <p:childTnLst>
+                                    <p:set>
+                                      <p:cBhvr>
+                                        <p:cTn id="17" dur="1" fill="hold">
+                                          <p:stCondLst>
+                                            <p:cond delay="0"/>
+                                          </p:stCondLst>
+                                        </p:cTn>
+                                        <p:tgtEl>
+                                          <p:spTgt spid="18"/>
+                                        </p:tgtEl>
+                                        <p:attrNameLst>
+                                          <p:attrName>style.visibility</p:attrName>
+                                        </p:attrNameLst>
+                                      </p:cBhvr>
+                                      <p:to>
+                                        <p:strVal val="visible"/>
+                                      </p:to>
+                                    </p:set>
+                                    <p:animEffect transition="in" filter="fade">
+                                      <p:cBhvr>
+                                        <p:cTn id="18" dur="500"/>
+                                        <p:tgtEl>
+                                          <p:spTgt spid="18"/>
+                                        </p:tgtEl>
+                                      </p:cBhvr>
+                                    </p:animEffect>
+                                  </p:childTnLst>
+                                </p:cTn>
+                              </p:par>
+                              <p:par>
+                                <p:cTn id="19" presetID="10" presetClass="entr" presetSubtype="0" fill="hold" nodeType="withEffect">
+                                  <p:stCondLst>
+                                    <p:cond delay="0"/>
+                                  </p:stCondLst>
+                                  <p:childTnLst>
+                                    <p:set>
+                                      <p:cBhvr>
+                                        <p:cTn id="20" dur="1" fill="hold">
+                                          <p:stCondLst>
+                                            <p:cond delay="0"/>
+                                          </p:stCondLst>
+                                        </p:cTn>
+                                        <p:tgtEl>
+                                          <p:spTgt spid="24"/>
+                                        </p:tgtEl>
+                                        <p:attrNameLst>
+                                          <p:attrName>style.visibility</p:attrName>
+                                        </p:attrNameLst>
+                                      </p:cBhvr>
+                                      <p:to>
+                                        <p:strVal val="visible"/>
+                                      </p:to>
+                                    </p:set>
+                                    <p:animEffect transition="in" filter="fade">
+                                      <p:cBhvr>
+                                        <p:cTn id="21" dur="500"/>
+                                        <p:tgtEl>
+                                          <p:spTgt spid="24"/>
+                                        </p:tgtEl>
+                                      </p:cBhvr>
+                                    </p:animEffect>
+                                  </p:childTnLst>
+                                </p:cTn>
+                              </p:par>
+                            </p:childTnLst>
+                          </p:cTn>
+                        </p:par>
+                      </p:childTnLst>
+                    </p:cTn>
+                  </p:par>
+                  <p:par>
+                    <p:cTn id="22" fill="hold">
+                      <p:stCondLst>
+                        <p:cond delay="indefinite"/>
+                      </p:stCondLst>
+                      <p:childTnLst>
+                        <p:par>
+                          <p:cTn id="23" fill="hold">
+                            <p:stCondLst>
+                              <p:cond delay="0"/>
+                            </p:stCondLst>
+                            <p:childTnLst>
+                              <p:par>
+                                <p:cTn id="24" presetID="10" presetClass="entr" presetSubtype="0" fill="hold" grpId="0" nodeType="clickEffect">
+                                  <p:stCondLst>
+                                    <p:cond delay="0"/>
+                                  </p:stCondLst>
+                                  <p:childTnLst>
+                                    <p:set>
+                                      <p:cBhvr>
+                                        <p:cTn id="25" dur="1" fill="hold">
+                                          <p:stCondLst>
+                                            <p:cond delay="0"/>
+                                          </p:stCondLst>
+                                        </p:cTn>
+                                        <p:tgtEl>
+                                          <p:spTgt spid="5"/>
+                                        </p:tgtEl>
+                                        <p:attrNameLst>
+                                          <p:attrName>style.visibility</p:attrName>
+                                        </p:attrNameLst>
+                                      </p:cBhvr>
+                                      <p:to>
+                                        <p:strVal val="visible"/>
+                                      </p:to>
+                                    </p:set>
+                                    <p:animEffect transition="in" filter="fade">
+                                      <p:cBhvr>
+                                        <p:cTn id="26" dur="500"/>
+                                        <p:tgtEl>
+                                          <p:spTgt spid="5"/>
+                                        </p:tgtEl>
+                                      </p:cBhvr>
+                                    </p:animEffect>
+                                  </p:childTnLst>
+                                </p:cTn>
+                              </p:par>
+                            </p:childTnLst>
+                          </p:cTn>
+                        </p:par>
+                      </p:childTnLst>
+                    </p:cTn>
+                  </p:par>
+                </p:childTnLst>
+              </p:cTn>
+              <p:prevCondLst>
+                <p:cond evt="onPrev" delay="0">
+                  <p:tgtEl>
+                    <p:sldTgt/>
+                  </p:tgtEl>
+                </p:cond>
+              </p:prevCondLst>
+              <p:nextCondLst>
+                <p:cond evt="onNext" delay="0">
+                  <p:tgtEl>
+                    <p:sldTgt/>
+                  </p:tgtEl>
+                </p:cond>
+              </p:nextCondLst>
+            </p:seq>
+          </p:childTnLst>
+        </p:cTn>
+      </p:par>
+    </p:tnLst>
+    <p:bldLst>
+      <p:bldP spid="5" grpId="0" animBg="1"/>
+    </p:bldLst>
+  </p:timing>
+</p:sld>
+</file>
+
+<file path=ppt/slides/slide14.xml><?xml version="1.0" encoding="utf-8"?>
+<p:sld xmlns:a="http://schemas.openxmlformats.org/drawingml/2006/main" xmlns:r="http://schemas.openxmlformats.org/officeDocument/2006/relationships" xmlns:p="http://schemas.openxmlformats.org/presentationml/2006/main">
+  <p:cSld>
+    <p:spTree>
+      <p:nvGrpSpPr>
+        <p:cNvPr id="1" name=""/>
+        <p:cNvGrpSpPr/>
+        <p:nvPr/>
+      </p:nvGrpSpPr>
+      <p:grpSpPr>
+        <a:xfrm>
+          <a:off x="0" y="0"/>
+          <a:ext cx="0" cy="0"/>
+          <a:chOff x="0" y="0"/>
+          <a:chExt cx="0" cy="0"/>
+        </a:xfrm>
+      </p:grpSpPr>
+      <p:sp>
+        <p:nvSpPr>
+          <p:cNvPr id="2" name="Titolo verticale 1"/>
+          <p:cNvSpPr>
+            <a:spLocks noGrp="1"/>
+          </p:cNvSpPr>
+          <p:nvPr>
+            <p:ph type="title" orient="vert"/>
+          </p:nvPr>
+        </p:nvSpPr>
+        <p:spPr/>
+        <p:txBody>
+          <a:bodyPr vert="eaVert" anchor="t"/>
+          <a:lstStyle/>
+          <a:p>
+            <a:r>
+              <a:rPr lang="it-IT">
+                <a:cs typeface="Calibri"/>
+              </a:rPr>
+              <a:t>Transfer of trust in a </a:t>
+            </a:r>
+            <a:r>
+              <a:rPr lang="it-IT" err="1">
+                <a:cs typeface="Calibri"/>
+              </a:rPr>
+              <a:t>trustless</a:t>
+            </a:r>
+            <a:r>
+              <a:rPr lang="it-IT">
+                <a:cs typeface="Calibri"/>
+              </a:rPr>
+              <a:t> world</a:t>
+            </a:r>
+          </a:p>
+        </p:txBody>
+      </p:sp>
+      <p:pic>
+        <p:nvPicPr>
+          <p:cNvPr id="3" name="Immagine 4">
+            <a:extLst>
+              <a:ext uri="{FF2B5EF4-FFF2-40B4-BE49-F238E27FC236}">
+                <a16:creationId xmlns:a16="http://schemas.microsoft.com/office/drawing/2014/main" xmlns="" id="{CE06430E-17C6-485D-8FF8-9E789256210B}"/>
+              </a:ext>
+            </a:extLst>
+          </p:cNvPr>
+          <p:cNvPicPr>
+            <a:picLocks noChangeAspect="1"/>
+          </p:cNvPicPr>
+          <p:nvPr/>
+        </p:nvPicPr>
+        <p:blipFill>
+          <a:blip r:embed="rId2"/>
+          <a:stretch>
+            <a:fillRect/>
+          </a:stretch>
+        </p:blipFill>
+        <p:spPr>
+          <a:xfrm>
+            <a:off x="2166131" y="1027094"/>
+            <a:ext cx="4779182" cy="4770456"/>
+          </a:xfrm>
+          <a:prstGeom prst="rect">
+            <a:avLst/>
+          </a:prstGeom>
+        </p:spPr>
+      </p:pic>
+      <p:pic>
+        <p:nvPicPr>
+          <p:cNvPr id="10" name="Immagine 10" descr="Immagine che contiene edificio&#10;&#10;Descrizione generata con affidabilità molto elevata">
+            <a:extLst>
+              <a:ext uri="{FF2B5EF4-FFF2-40B4-BE49-F238E27FC236}">
+                <a16:creationId xmlns:a16="http://schemas.microsoft.com/office/drawing/2014/main" xmlns="" id="{98E7AD59-AC88-49D9-A3B1-45FF0DF5E583}"/>
+              </a:ext>
+            </a:extLst>
+          </p:cNvPr>
+          <p:cNvPicPr>
+            <a:picLocks noChangeAspect="1"/>
+          </p:cNvPicPr>
+          <p:nvPr/>
+        </p:nvPicPr>
+        <p:blipFill>
+          <a:blip r:embed="rId3"/>
+          <a:stretch>
+            <a:fillRect/>
+          </a:stretch>
+        </p:blipFill>
+        <p:spPr>
+          <a:xfrm>
+            <a:off x="6572250" y="3105150"/>
+            <a:ext cx="2552259" cy="2348179"/>
+          </a:xfrm>
+          <a:prstGeom prst="rect">
+            <a:avLst/>
+          </a:prstGeom>
+        </p:spPr>
+      </p:pic>
+      <p:pic>
+        <p:nvPicPr>
+          <p:cNvPr id="14" name="Immagine 14">
+            <a:extLst>
+              <a:ext uri="{FF2B5EF4-FFF2-40B4-BE49-F238E27FC236}">
+                <a16:creationId xmlns:a16="http://schemas.microsoft.com/office/drawing/2014/main" xmlns="" id="{A71282B5-BF37-4D88-9B1B-AF5C15FF9A14}"/>
+              </a:ext>
+            </a:extLst>
+          </p:cNvPr>
+          <p:cNvPicPr>
+            <a:picLocks noChangeAspect="1"/>
+          </p:cNvPicPr>
+          <p:nvPr/>
+        </p:nvPicPr>
+        <p:blipFill>
+          <a:blip r:embed="rId4"/>
+          <a:stretch>
+            <a:fillRect/>
+          </a:stretch>
+        </p:blipFill>
+        <p:spPr>
+          <a:xfrm>
+            <a:off x="3724275" y="3904615"/>
+            <a:ext cx="626658" cy="637770"/>
+          </a:xfrm>
+          <a:prstGeom prst="rect">
+            <a:avLst/>
+          </a:prstGeom>
+        </p:spPr>
+      </p:pic>
+      <p:pic>
+        <p:nvPicPr>
+          <p:cNvPr id="18" name="Immagine 18" descr="Immagine che contiene persona, arighe, interni&#10;&#10;Descrizione generata con affidabilità elevata">
+            <a:extLst>
+              <a:ext uri="{FF2B5EF4-FFF2-40B4-BE49-F238E27FC236}">
+                <a16:creationId xmlns:a16="http://schemas.microsoft.com/office/drawing/2014/main" xmlns="" id="{5C118A92-4505-4010-A2AB-5520E65296AF}"/>
+              </a:ext>
+            </a:extLst>
+          </p:cNvPr>
+          <p:cNvPicPr>
+            <a:picLocks noChangeAspect="1"/>
+          </p:cNvPicPr>
+          <p:nvPr/>
+        </p:nvPicPr>
+        <p:blipFill>
+          <a:blip r:embed="rId5"/>
+          <a:stretch>
+            <a:fillRect/>
+          </a:stretch>
+        </p:blipFill>
+        <p:spPr>
+          <a:xfrm>
+            <a:off x="419100" y="2574119"/>
+            <a:ext cx="1581637" cy="1581637"/>
+          </a:xfrm>
+          <a:prstGeom prst="rect">
+            <a:avLst/>
+          </a:prstGeom>
+        </p:spPr>
+      </p:pic>
+      <p:sp>
+        <p:nvSpPr>
+          <p:cNvPr id="4" name="Segno di moltiplicazione 3">
+            <a:extLst>
+              <a:ext uri="{FF2B5EF4-FFF2-40B4-BE49-F238E27FC236}">
+                <a16:creationId xmlns:a16="http://schemas.microsoft.com/office/drawing/2014/main" xmlns="" id="{A02AB8DD-A741-45ED-AC2E-B60F54FB178D}"/>
+              </a:ext>
+            </a:extLst>
+          </p:cNvPr>
+          <p:cNvSpPr/>
+          <p:nvPr/>
+        </p:nvSpPr>
+        <p:spPr>
+          <a:xfrm>
+            <a:off x="6682596" y="3184809"/>
+            <a:ext cx="2346464" cy="2298729"/>
+          </a:xfrm>
+          <a:prstGeom prst="mathMultiply">
+            <a:avLst/>
+          </a:prstGeom>
+          <a:solidFill>
+            <a:srgbClr val="FF0000"/>
+          </a:solidFill>
+          <a:ln>
+            <a:solidFill>
+              <a:srgbClr val="FF0000"/>
+            </a:solidFill>
+          </a:ln>
+        </p:spPr>
+        <p:style>
+          <a:lnRef idx="2">
+            <a:schemeClr val="accent1">
+              <a:shade val="50000"/>
+            </a:schemeClr>
+          </a:lnRef>
+          <a:fillRef idx="1">
+            <a:schemeClr val="accent1"/>
+          </a:fillRef>
+          <a:effectRef idx="0">
+            <a:schemeClr val="accent1"/>
+          </a:effectRef>
+          <a:fontRef idx="minor">
+            <a:schemeClr val="lt1"/>
+          </a:fontRef>
+        </p:style>
+        <p:txBody>
+          <a:bodyPr rtlCol="0" anchor="ctr"/>
+          <a:lstStyle/>
+          <a:p>
+            <a:pPr algn="ctr"/>
+            <a:endParaRPr lang="it-IT"/>
+          </a:p>
+        </p:txBody>
+      </p:sp>
+      <p:pic>
+        <p:nvPicPr>
+          <p:cNvPr id="5" name="Immagine 5">
+            <a:extLst>
+              <a:ext uri="{FF2B5EF4-FFF2-40B4-BE49-F238E27FC236}">
+                <a16:creationId xmlns:a16="http://schemas.microsoft.com/office/drawing/2014/main" xmlns="" id="{CEF0A75C-81D1-4CEE-9D6A-36126F6A433A}"/>
+              </a:ext>
+            </a:extLst>
+          </p:cNvPr>
+          <p:cNvPicPr>
+            <a:picLocks noChangeAspect="1"/>
+          </p:cNvPicPr>
+          <p:nvPr/>
+        </p:nvPicPr>
+        <p:blipFill>
+          <a:blip r:embed="rId6"/>
+          <a:stretch>
+            <a:fillRect/>
+          </a:stretch>
+        </p:blipFill>
+        <p:spPr>
+          <a:xfrm>
+            <a:off x="2340633" y="1229625"/>
+            <a:ext cx="4339510" cy="4321205"/>
+          </a:xfrm>
+          <a:prstGeom prst="rect">
+            <a:avLst/>
+          </a:prstGeom>
+        </p:spPr>
+      </p:pic>
+      <p:pic>
+        <p:nvPicPr>
+          <p:cNvPr id="7" name="Immagine 8">
+            <a:extLst>
+              <a:ext uri="{FF2B5EF4-FFF2-40B4-BE49-F238E27FC236}">
+                <a16:creationId xmlns:a16="http://schemas.microsoft.com/office/drawing/2014/main" xmlns="" id="{5501D58B-DC3E-424C-90B2-099BFFCE0A2F}"/>
+              </a:ext>
+            </a:extLst>
+          </p:cNvPr>
+          <p:cNvPicPr>
+            <a:picLocks noChangeAspect="1"/>
+          </p:cNvPicPr>
+          <p:nvPr/>
+        </p:nvPicPr>
+        <p:blipFill>
+          <a:blip r:embed="rId7"/>
+          <a:stretch>
+            <a:fillRect/>
+          </a:stretch>
+        </p:blipFill>
+        <p:spPr>
+          <a:xfrm>
+            <a:off x="5248275" y="3295650"/>
+            <a:ext cx="1007629" cy="535296"/>
+          </a:xfrm>
+          <a:prstGeom prst="rect">
+            <a:avLst/>
+          </a:prstGeom>
+        </p:spPr>
+      </p:pic>
+      <p:pic>
+        <p:nvPicPr>
+          <p:cNvPr id="12" name="Immagine 12">
+            <a:extLst>
+              <a:ext uri="{FF2B5EF4-FFF2-40B4-BE49-F238E27FC236}">
+                <a16:creationId xmlns:a16="http://schemas.microsoft.com/office/drawing/2014/main" xmlns="" id="{88B0562D-626E-4EEA-8B80-228D04F9F930}"/>
+              </a:ext>
+            </a:extLst>
+          </p:cNvPr>
+          <p:cNvPicPr>
+            <a:picLocks noChangeAspect="1"/>
+          </p:cNvPicPr>
+          <p:nvPr/>
+        </p:nvPicPr>
+        <p:blipFill>
+          <a:blip r:embed="rId7"/>
+          <a:stretch>
+            <a:fillRect/>
+          </a:stretch>
+        </p:blipFill>
+        <p:spPr>
+          <a:xfrm>
+            <a:off x="4114800" y="4487535"/>
+            <a:ext cx="1072458" cy="573467"/>
+          </a:xfrm>
+          <a:prstGeom prst="rect">
+            <a:avLst/>
+          </a:prstGeom>
+        </p:spPr>
+      </p:pic>
+      <p:pic>
+        <p:nvPicPr>
+          <p:cNvPr id="16" name="Immagine 16">
+            <a:extLst>
+              <a:ext uri="{FF2B5EF4-FFF2-40B4-BE49-F238E27FC236}">
+                <a16:creationId xmlns:a16="http://schemas.microsoft.com/office/drawing/2014/main" xmlns="" id="{5664CBED-600F-4DD5-92D5-3DFD7888D1A8}"/>
+              </a:ext>
+            </a:extLst>
+          </p:cNvPr>
+          <p:cNvPicPr>
+            <a:picLocks noChangeAspect="1"/>
+          </p:cNvPicPr>
+          <p:nvPr/>
+        </p:nvPicPr>
+        <p:blipFill>
+          <a:blip r:embed="rId7"/>
+          <a:stretch>
+            <a:fillRect/>
+          </a:stretch>
+        </p:blipFill>
+        <p:spPr>
+          <a:xfrm>
+            <a:off x="3597215" y="2285249"/>
+            <a:ext cx="1036273" cy="554256"/>
+          </a:xfrm>
+          <a:prstGeom prst="rect">
+            <a:avLst/>
+          </a:prstGeom>
+        </p:spPr>
+      </p:pic>
+      <p:pic>
+        <p:nvPicPr>
+          <p:cNvPr id="8" name="Immagine 8">
+            <a:extLst>
+              <a:ext uri="{FF2B5EF4-FFF2-40B4-BE49-F238E27FC236}">
+                <a16:creationId xmlns:a16="http://schemas.microsoft.com/office/drawing/2014/main" xmlns="" id="{1418F03E-9459-4CA3-B98B-0A612BDB43AC}"/>
+              </a:ext>
+            </a:extLst>
+          </p:cNvPr>
+          <p:cNvPicPr>
+            <a:picLocks noChangeAspect="1"/>
+          </p:cNvPicPr>
+          <p:nvPr/>
+        </p:nvPicPr>
+        <p:blipFill>
+          <a:blip r:embed="rId8"/>
+          <a:stretch>
+            <a:fillRect/>
+          </a:stretch>
+        </p:blipFill>
+        <p:spPr>
+          <a:xfrm>
+            <a:off x="1786890" y="4895850"/>
+            <a:ext cx="933826" cy="933826"/>
+          </a:xfrm>
+          <a:prstGeom prst="rect">
+            <a:avLst/>
+          </a:prstGeom>
+        </p:spPr>
+      </p:pic>
+      <p:cxnSp>
+        <p:nvCxnSpPr>
+          <p:cNvPr id="11" name="Connettore 2 10">
+            <a:extLst>
+              <a:ext uri="{FF2B5EF4-FFF2-40B4-BE49-F238E27FC236}">
+                <a16:creationId xmlns:a16="http://schemas.microsoft.com/office/drawing/2014/main" xmlns="" id="{99855D52-F516-422F-9DC7-D1D29FD27145}"/>
+              </a:ext>
+            </a:extLst>
+          </p:cNvPr>
+          <p:cNvCxnSpPr/>
+          <p:nvPr/>
+        </p:nvCxnSpPr>
+        <p:spPr>
+          <a:xfrm flipH="1">
+            <a:off x="2841268" y="5274110"/>
+            <a:ext cx="2777145" cy="373398"/>
+          </a:xfrm>
+          <a:prstGeom prst="straightConnector1">
+            <a:avLst/>
+          </a:prstGeom>
+          <a:ln w="28575">
+            <a:solidFill>
+              <a:schemeClr val="tx1"/>
+            </a:solidFill>
+            <a:tailEnd type="triangle"/>
+          </a:ln>
+        </p:spPr>
+        <p:style>
+          <a:lnRef idx="1">
+            <a:schemeClr val="accent1"/>
+          </a:lnRef>
+          <a:fillRef idx="0">
+            <a:schemeClr val="accent1"/>
+          </a:fillRef>
+          <a:effectRef idx="0">
+            <a:schemeClr val="accent1"/>
+          </a:effectRef>
+          <a:fontRef idx="minor">
+            <a:schemeClr val="tx1"/>
+          </a:fontRef>
+        </p:style>
+      </p:cxnSp>
+      <p:cxnSp>
+        <p:nvCxnSpPr>
+          <p:cNvPr id="13" name="Connettore 2 12">
+            <a:extLst>
+              <a:ext uri="{FF2B5EF4-FFF2-40B4-BE49-F238E27FC236}">
+                <a16:creationId xmlns:a16="http://schemas.microsoft.com/office/drawing/2014/main" xmlns="" id="{ECFCBFEC-27F3-4FD0-B270-8903F6D13858}"/>
+              </a:ext>
+            </a:extLst>
+          </p:cNvPr>
+          <p:cNvCxnSpPr/>
+          <p:nvPr/>
+        </p:nvCxnSpPr>
+        <p:spPr>
+          <a:xfrm flipH="1">
+            <a:off x="2241214" y="3726530"/>
+            <a:ext cx="438105" cy="1312195"/>
+          </a:xfrm>
+          <a:prstGeom prst="straightConnector1">
+            <a:avLst/>
+          </a:prstGeom>
+          <a:ln w="28575">
+            <a:solidFill>
+              <a:schemeClr val="tx1"/>
+            </a:solidFill>
+            <a:tailEnd type="triangle"/>
+          </a:ln>
+        </p:spPr>
+        <p:style>
+          <a:lnRef idx="1">
+            <a:schemeClr val="accent1"/>
+          </a:lnRef>
+          <a:fillRef idx="0">
+            <a:schemeClr val="accent1"/>
+          </a:fillRef>
+          <a:effectRef idx="0">
+            <a:schemeClr val="accent1"/>
+          </a:effectRef>
+          <a:fontRef idx="minor">
+            <a:schemeClr val="tx1"/>
+          </a:fontRef>
+        </p:style>
+      </p:cxnSp>
+      <p:cxnSp>
+        <p:nvCxnSpPr>
+          <p:cNvPr id="15" name="Connettore 2 14">
+            <a:extLst>
+              <a:ext uri="{FF2B5EF4-FFF2-40B4-BE49-F238E27FC236}">
+                <a16:creationId xmlns:a16="http://schemas.microsoft.com/office/drawing/2014/main" xmlns="" id="{BEA8B76C-9E87-454F-AD9C-3D2D3390D82F}"/>
+              </a:ext>
+            </a:extLst>
+          </p:cNvPr>
+          <p:cNvCxnSpPr/>
+          <p:nvPr/>
+        </p:nvCxnSpPr>
+        <p:spPr>
+          <a:xfrm flipH="1">
+            <a:off x="2495550" y="4468329"/>
+            <a:ext cx="342634" cy="437046"/>
+          </a:xfrm>
+          <a:prstGeom prst="straightConnector1">
+            <a:avLst/>
+          </a:prstGeom>
+          <a:ln w="28575">
+            <a:solidFill>
+              <a:schemeClr val="tx1"/>
+            </a:solidFill>
+            <a:tailEnd type="triangle"/>
+          </a:ln>
+        </p:spPr>
+        <p:style>
+          <a:lnRef idx="1">
+            <a:schemeClr val="accent1"/>
+          </a:lnRef>
+          <a:fillRef idx="0">
+            <a:schemeClr val="accent1"/>
+          </a:fillRef>
+          <a:effectRef idx="0">
+            <a:schemeClr val="accent1"/>
+          </a:effectRef>
+          <a:fontRef idx="minor">
+            <a:schemeClr val="tx1"/>
+          </a:fontRef>
+        </p:style>
+      </p:cxnSp>
+      <p:cxnSp>
+        <p:nvCxnSpPr>
+          <p:cNvPr id="17" name="Connettore 2 16">
+            <a:extLst>
+              <a:ext uri="{FF2B5EF4-FFF2-40B4-BE49-F238E27FC236}">
+                <a16:creationId xmlns:a16="http://schemas.microsoft.com/office/drawing/2014/main" xmlns="" id="{42900A6A-4AE4-44E0-AE9B-5C06917AFEEC}"/>
+              </a:ext>
+            </a:extLst>
+          </p:cNvPr>
+          <p:cNvCxnSpPr/>
+          <p:nvPr/>
+        </p:nvCxnSpPr>
+        <p:spPr>
+          <a:xfrm flipH="1">
+            <a:off x="2752520" y="4890266"/>
+            <a:ext cx="517664" cy="230192"/>
+          </a:xfrm>
+          <a:prstGeom prst="straightConnector1">
+            <a:avLst/>
+          </a:prstGeom>
+          <a:ln w="28575">
+            <a:solidFill>
+              <a:schemeClr val="tx1"/>
+            </a:solidFill>
+            <a:tailEnd type="triangle"/>
+          </a:ln>
+        </p:spPr>
+        <p:style>
+          <a:lnRef idx="1">
+            <a:schemeClr val="accent1"/>
+          </a:lnRef>
+          <a:fillRef idx="0">
+            <a:schemeClr val="accent1"/>
+          </a:fillRef>
+          <a:effectRef idx="0">
+            <a:schemeClr val="accent1"/>
+          </a:effectRef>
+          <a:fontRef idx="minor">
+            <a:schemeClr val="tx1"/>
+          </a:fontRef>
+        </p:style>
+      </p:cxnSp>
+      <p:cxnSp>
+        <p:nvCxnSpPr>
+          <p:cNvPr id="19" name="Connettore 2 18">
+            <a:extLst>
+              <a:ext uri="{FF2B5EF4-FFF2-40B4-BE49-F238E27FC236}">
+                <a16:creationId xmlns:a16="http://schemas.microsoft.com/office/drawing/2014/main" xmlns="" id="{3D18AFFF-14DA-47BE-931B-99000CB47561}"/>
+              </a:ext>
+            </a:extLst>
+          </p:cNvPr>
+          <p:cNvCxnSpPr/>
+          <p:nvPr/>
+        </p:nvCxnSpPr>
+        <p:spPr>
+          <a:xfrm flipH="1">
+            <a:off x="2752121" y="5263188"/>
+            <a:ext cx="1281432" cy="86985"/>
+          </a:xfrm>
+          <a:prstGeom prst="straightConnector1">
+            <a:avLst/>
+          </a:prstGeom>
+          <a:ln w="28575">
+            <a:solidFill>
+              <a:schemeClr val="tx1"/>
+            </a:solidFill>
+            <a:tailEnd type="triangle"/>
+          </a:ln>
+        </p:spPr>
+        <p:style>
+          <a:lnRef idx="1">
+            <a:schemeClr val="accent1"/>
+          </a:lnRef>
+          <a:fillRef idx="0">
+            <a:schemeClr val="accent1"/>
+          </a:fillRef>
+          <a:effectRef idx="0">
+            <a:schemeClr val="accent1"/>
+          </a:effectRef>
+          <a:fontRef idx="minor">
+            <a:schemeClr val="tx1"/>
+          </a:fontRef>
+        </p:style>
+      </p:cxnSp>
+      <p:cxnSp>
+        <p:nvCxnSpPr>
+          <p:cNvPr id="25" name="Connettore curvo 24">
+            <a:extLst>
+              <a:ext uri="{FF2B5EF4-FFF2-40B4-BE49-F238E27FC236}">
+                <a16:creationId xmlns:a16="http://schemas.microsoft.com/office/drawing/2014/main" xmlns="" id="{1CB8DE7F-985D-446C-9857-1E89253AEE7E}"/>
+              </a:ext>
+            </a:extLst>
+          </p:cNvPr>
+          <p:cNvCxnSpPr/>
+          <p:nvPr/>
+        </p:nvCxnSpPr>
+        <p:spPr>
+          <a:xfrm flipH="1" flipV="1">
+            <a:off x="1133299" y="4319228"/>
+            <a:ext cx="533576" cy="883637"/>
+          </a:xfrm>
+          <a:prstGeom prst="curvedConnector3">
+            <a:avLst/>
+          </a:prstGeom>
+          <a:ln>
+            <a:solidFill>
+              <a:schemeClr val="tx1"/>
+            </a:solidFill>
+            <a:tailEnd type="triangle"/>
+          </a:ln>
+        </p:spPr>
+        <p:style>
+          <a:lnRef idx="1">
+            <a:schemeClr val="accent1"/>
+          </a:lnRef>
+          <a:fillRef idx="0">
+            <a:schemeClr val="accent1"/>
+          </a:fillRef>
+          <a:effectRef idx="0">
+            <a:schemeClr val="accent1"/>
+          </a:effectRef>
+          <a:fontRef idx="minor">
+            <a:schemeClr val="tx1"/>
+          </a:fontRef>
+        </p:style>
+      </p:cxnSp>
+      <p:cxnSp>
+        <p:nvCxnSpPr>
+          <p:cNvPr id="26" name="Connettore curvo 25">
+            <a:extLst>
+              <a:ext uri="{FF2B5EF4-FFF2-40B4-BE49-F238E27FC236}">
+                <a16:creationId xmlns:a16="http://schemas.microsoft.com/office/drawing/2014/main" xmlns="" id="{FB4ED4D4-6C57-4082-9ECA-65B0C6C5F8BC}"/>
+              </a:ext>
+            </a:extLst>
+          </p:cNvPr>
+          <p:cNvCxnSpPr/>
+          <p:nvPr/>
+        </p:nvCxnSpPr>
+        <p:spPr>
+          <a:xfrm>
+            <a:off x="1399280" y="2362200"/>
+            <a:ext cx="2935202" cy="500693"/>
+          </a:xfrm>
+          <a:prstGeom prst="curvedConnector3">
+            <a:avLst/>
+          </a:prstGeom>
+          <a:ln>
+            <a:solidFill>
+              <a:schemeClr val="tx1"/>
+            </a:solidFill>
+            <a:tailEnd type="triangle"/>
+          </a:ln>
+        </p:spPr>
+        <p:style>
+          <a:lnRef idx="1">
+            <a:schemeClr val="accent1"/>
+          </a:lnRef>
+          <a:fillRef idx="0">
+            <a:schemeClr val="accent1"/>
+          </a:fillRef>
+          <a:effectRef idx="0">
+            <a:schemeClr val="accent1"/>
+          </a:effectRef>
+          <a:fontRef idx="minor">
+            <a:schemeClr val="tx1"/>
+          </a:fontRef>
+        </p:style>
+      </p:cxnSp>
+    </p:spTree>
+    <p:extLst>
+      <p:ext uri="{BB962C8B-B14F-4D97-AF65-F5344CB8AC3E}">
+        <p14:creationId xmlns:p14="http://schemas.microsoft.com/office/powerpoint/2010/main" val="2531519341"/>
+      </p:ext>
+    </p:extLst>
+  </p:cSld>
+  <p:clrMapOvr>
+    <a:masterClrMapping/>
+  </p:clrMapOvr>
+  <p:timing>
+    <p:tnLst>
+      <p:par>
+        <p:cTn id="1" dur="indefinite" restart="never" nodeType="tmRoot"/>
+      </p:par>
+    </p:tnLst>
+  </p:timing>
+</p:sld>
+</file>
+
+<file path=ppt/slides/slide15.xml><?xml version="1.0" encoding="utf-8"?>
+<p:sld xmlns:a="http://schemas.openxmlformats.org/drawingml/2006/main" xmlns:r="http://schemas.openxmlformats.org/officeDocument/2006/relationships" xmlns:p="http://schemas.openxmlformats.org/presentationml/2006/main">
+  <p:cSld>
+    <p:spTree>
+      <p:nvGrpSpPr>
+        <p:cNvPr id="1" name=""/>
+        <p:cNvGrpSpPr/>
+        <p:nvPr/>
+      </p:nvGrpSpPr>
+      <p:grpSpPr>
+        <a:xfrm>
+          <a:off x="0" y="0"/>
+          <a:ext cx="0" cy="0"/>
+          <a:chOff x="0" y="0"/>
+          <a:chExt cx="0" cy="0"/>
+        </a:xfrm>
+      </p:grpSpPr>
+      <p:sp>
+        <p:nvSpPr>
+          <p:cNvPr id="2" name="Titolo verticale 1"/>
+          <p:cNvSpPr>
+            <a:spLocks noGrp="1"/>
+          </p:cNvSpPr>
+          <p:nvPr>
+            <p:ph type="title" orient="vert"/>
+          </p:nvPr>
+        </p:nvSpPr>
+        <p:spPr/>
+        <p:txBody>
+          <a:bodyPr vert="eaVert" anchor="t"/>
+          <a:lstStyle/>
+          <a:p>
+            <a:r>
+              <a:rPr lang="it-IT">
+                <a:cs typeface="Calibri"/>
+              </a:rPr>
+              <a:t>Transfer of trust in a </a:t>
+            </a:r>
+            <a:r>
+              <a:rPr lang="it-IT" err="1">
+                <a:cs typeface="Calibri"/>
+              </a:rPr>
+              <a:t>trustless</a:t>
+            </a:r>
+            <a:r>
+              <a:rPr lang="it-IT">
+                <a:cs typeface="Calibri"/>
+              </a:rPr>
+              <a:t> world</a:t>
+            </a:r>
+          </a:p>
+        </p:txBody>
+      </p:sp>
+      <p:sp>
+        <p:nvSpPr>
+          <p:cNvPr id="6" name="CasellaDiTesto 5">
+            <a:extLst>
+              <a:ext uri="{FF2B5EF4-FFF2-40B4-BE49-F238E27FC236}">
+                <a16:creationId xmlns:a16="http://schemas.microsoft.com/office/drawing/2014/main" xmlns="" id="{E95CB295-1755-48BA-8B24-7150DB13F051}"/>
+              </a:ext>
+            </a:extLst>
+          </p:cNvPr>
+          <p:cNvSpPr txBox="1"/>
+          <p:nvPr/>
+        </p:nvSpPr>
+        <p:spPr>
+          <a:xfrm>
+            <a:off x="347568" y="1152525"/>
+            <a:ext cx="8423481" cy="3416320"/>
+          </a:xfrm>
+          <a:prstGeom prst="rect">
+            <a:avLst/>
+          </a:prstGeom>
+        </p:spPr>
+        <p:txBody>
+          <a:bodyPr rot="0" spcFirstLastPara="0" vertOverflow="overflow" horzOverflow="overflow" vert="horz" wrap="square" lIns="91440" tIns="45720" rIns="91440" bIns="45720" numCol="1" spcCol="0" rtlCol="0" fromWordArt="0" anchor="t" anchorCtr="0" forceAA="0" compatLnSpc="1">
+            <a:prstTxWarp prst="textNoShape">
+              <a:avLst/>
+            </a:prstTxWarp>
+            <a:spAutoFit/>
+          </a:bodyPr>
+          <a:lstStyle/>
+          <a:p>
+            <a:r>
+              <a:rPr lang="it-IT" sz="7200"/>
+              <a:t>Sistema:</a:t>
+            </a:r>
+          </a:p>
+          <a:p>
+            <a:pPr marL="285750" indent="-285750">
+              <a:buFont typeface="Arial"/>
+              <a:buChar char="•"/>
+            </a:pPr>
+            <a:r>
+              <a:rPr lang="it-IT" sz="7200"/>
+              <a:t> DECENTRALIZZATO</a:t>
+            </a:r>
+          </a:p>
+          <a:p>
+            <a:pPr marL="285750" indent="-285750">
+              <a:buFont typeface="Arial"/>
+              <a:buChar char="•"/>
+            </a:pPr>
+            <a:r>
+              <a:rPr lang="it-IT" sz="7200"/>
+              <a:t> con MEMORIA</a:t>
+            </a:r>
+          </a:p>
+        </p:txBody>
+      </p:sp>
+    </p:spTree>
+    <p:extLst>
+      <p:ext uri="{BB962C8B-B14F-4D97-AF65-F5344CB8AC3E}">
+        <p14:creationId xmlns:p14="http://schemas.microsoft.com/office/powerpoint/2010/main" val="2972869928"/>
+      </p:ext>
+    </p:extLst>
+  </p:cSld>
+  <p:clrMapOvr>
+    <a:masterClrMapping/>
+  </p:clrMapOvr>
+  <p:timing>
+    <p:tnLst>
+      <p:par>
+        <p:cTn id="1" dur="indefinite" restart="never" nodeType="tmRoot"/>
+      </p:par>
+    </p:tnLst>
+  </p:timing>
+</p:sld>
+</file>
+
+<file path=ppt/slides/slide16.xml><?xml version="1.0" encoding="utf-8"?>
+<p:sld xmlns:a="http://schemas.openxmlformats.org/drawingml/2006/main" xmlns:r="http://schemas.openxmlformats.org/officeDocument/2006/relationships" xmlns:p="http://schemas.openxmlformats.org/presentationml/2006/main">
+  <p:cSld>
+    <p:spTree>
+      <p:nvGrpSpPr>
+        <p:cNvPr id="1" name=""/>
+        <p:cNvGrpSpPr/>
+        <p:nvPr/>
+      </p:nvGrpSpPr>
+      <p:grpSpPr>
+        <a:xfrm>
+          <a:off x="0" y="0"/>
+          <a:ext cx="0" cy="0"/>
+          <a:chOff x="0" y="0"/>
+          <a:chExt cx="0" cy="0"/>
+        </a:xfrm>
+      </p:grpSpPr>
+      <p:sp>
+        <p:nvSpPr>
+          <p:cNvPr id="2" name="Titolo verticale 1"/>
+          <p:cNvSpPr>
+            <a:spLocks noGrp="1"/>
+          </p:cNvSpPr>
+          <p:nvPr>
+            <p:ph type="title" orient="vert"/>
+          </p:nvPr>
+        </p:nvSpPr>
+        <p:spPr/>
+        <p:txBody>
+          <a:bodyPr vert="eaVert" anchor="t"/>
+          <a:lstStyle/>
+          <a:p>
+            <a:r>
+              <a:rPr lang="it-IT">
+                <a:cs typeface="Calibri"/>
+              </a:rPr>
+              <a:t>Transfer of trust in a </a:t>
+            </a:r>
+            <a:r>
+              <a:rPr lang="it-IT" err="1">
+                <a:cs typeface="Calibri"/>
+              </a:rPr>
+              <a:t>trustless</a:t>
+            </a:r>
+            <a:r>
+              <a:rPr lang="it-IT">
+                <a:cs typeface="Calibri"/>
+              </a:rPr>
+              <a:t> world</a:t>
+            </a:r>
+          </a:p>
+        </p:txBody>
+      </p:sp>
+      <p:sp>
+        <p:nvSpPr>
+          <p:cNvPr id="6" name="CasellaDiTesto 5">
+            <a:extLst>
+              <a:ext uri="{FF2B5EF4-FFF2-40B4-BE49-F238E27FC236}">
+                <a16:creationId xmlns:a16="http://schemas.microsoft.com/office/drawing/2014/main" xmlns="" id="{E95CB295-1755-48BA-8B24-7150DB13F051}"/>
+              </a:ext>
+            </a:extLst>
+          </p:cNvPr>
+          <p:cNvSpPr txBox="1"/>
+          <p:nvPr/>
+        </p:nvSpPr>
+        <p:spPr>
+          <a:xfrm>
+            <a:off x="347568" y="1152525"/>
+            <a:ext cx="8423481" cy="1200329"/>
+          </a:xfrm>
+          <a:prstGeom prst="rect">
+            <a:avLst/>
+          </a:prstGeom>
+        </p:spPr>
+        <p:txBody>
+          <a:bodyPr rot="0" spcFirstLastPara="0" vertOverflow="overflow" horzOverflow="overflow" vert="horz" wrap="square" lIns="91440" tIns="45720" rIns="91440" bIns="45720" numCol="1" spcCol="0" rtlCol="0" fromWordArt="0" anchor="t" anchorCtr="0" forceAA="0" compatLnSpc="1">
+            <a:prstTxWarp prst="textNoShape">
+              <a:avLst/>
+            </a:prstTxWarp>
+            <a:spAutoFit/>
+          </a:bodyPr>
+          <a:lstStyle/>
+          <a:p>
+            <a:r>
+              <a:rPr lang="it-IT" sz="7200" err="1"/>
+              <a:t>Micropagamenti</a:t>
+            </a:r>
+          </a:p>
+        </p:txBody>
+      </p:sp>
+      <p:pic>
+        <p:nvPicPr>
+          <p:cNvPr id="3" name="Immagine 3">
+            <a:extLst>
+              <a:ext uri="{FF2B5EF4-FFF2-40B4-BE49-F238E27FC236}">
+                <a16:creationId xmlns:a16="http://schemas.microsoft.com/office/drawing/2014/main" xmlns="" id="{4BD7876B-2867-4240-85E9-7B3AAFFB74E1}"/>
+              </a:ext>
+            </a:extLst>
+          </p:cNvPr>
+          <p:cNvPicPr>
+            <a:picLocks noChangeAspect="1"/>
+          </p:cNvPicPr>
+          <p:nvPr/>
+        </p:nvPicPr>
+        <p:blipFill>
+          <a:blip r:embed="rId2"/>
+          <a:stretch>
+            <a:fillRect/>
+          </a:stretch>
+        </p:blipFill>
+        <p:spPr>
+          <a:xfrm>
+            <a:off x="3771900" y="2638425"/>
+            <a:ext cx="4764002" cy="2744963"/>
+          </a:xfrm>
+          <a:prstGeom prst="rect">
+            <a:avLst/>
+          </a:prstGeom>
+        </p:spPr>
+      </p:pic>
+      <p:pic>
+        <p:nvPicPr>
+          <p:cNvPr id="5" name="Immagine 6" descr="Immagine che contiene grafica vettoriale&#10;&#10;Descrizione generata con affidabilità elevata">
+            <a:extLst>
+              <a:ext uri="{FF2B5EF4-FFF2-40B4-BE49-F238E27FC236}">
+                <a16:creationId xmlns:a16="http://schemas.microsoft.com/office/drawing/2014/main" xmlns="" id="{1F682408-7529-4AE8-B679-81420532A27A}"/>
+              </a:ext>
+            </a:extLst>
+          </p:cNvPr>
+          <p:cNvPicPr>
+            <a:picLocks noChangeAspect="1"/>
+          </p:cNvPicPr>
+          <p:nvPr/>
+        </p:nvPicPr>
+        <p:blipFill>
+          <a:blip r:embed="rId3"/>
+          <a:stretch>
+            <a:fillRect/>
+          </a:stretch>
+        </p:blipFill>
+        <p:spPr>
+          <a:xfrm>
+            <a:off x="466725" y="2638425"/>
+            <a:ext cx="2743200" cy="1285875"/>
+          </a:xfrm>
+          <a:prstGeom prst="rect">
+            <a:avLst/>
+          </a:prstGeom>
+        </p:spPr>
+      </p:pic>
+      <p:pic>
+        <p:nvPicPr>
+          <p:cNvPr id="8" name="Immagine 8" descr="Immagine che contiene clipart&#10;&#10;Descrizione generata con affidabilità molto elevata">
+            <a:extLst>
+              <a:ext uri="{FF2B5EF4-FFF2-40B4-BE49-F238E27FC236}">
+                <a16:creationId xmlns:a16="http://schemas.microsoft.com/office/drawing/2014/main" xmlns="" id="{96BFEECF-ADA2-464C-8772-1C76FBB7826A}"/>
+              </a:ext>
+            </a:extLst>
+          </p:cNvPr>
+          <p:cNvPicPr>
+            <a:picLocks noChangeAspect="1"/>
+          </p:cNvPicPr>
+          <p:nvPr/>
+        </p:nvPicPr>
+        <p:blipFill>
+          <a:blip r:embed="rId4"/>
+          <a:stretch>
+            <a:fillRect/>
+          </a:stretch>
+        </p:blipFill>
+        <p:spPr>
+          <a:xfrm>
+            <a:off x="542925" y="4751897"/>
+            <a:ext cx="2743200" cy="619125"/>
+          </a:xfrm>
+          <a:prstGeom prst="rect">
+            <a:avLst/>
+          </a:prstGeom>
+        </p:spPr>
+      </p:pic>
+      <p:sp>
+        <p:nvSpPr>
+          <p:cNvPr id="11" name="CasellaDiTesto 10">
+            <a:extLst>
+              <a:ext uri="{FF2B5EF4-FFF2-40B4-BE49-F238E27FC236}">
+                <a16:creationId xmlns:a16="http://schemas.microsoft.com/office/drawing/2014/main" xmlns="" id="{0C508EED-470A-48F7-8FAF-DC1C8C75032F}"/>
+              </a:ext>
+            </a:extLst>
+          </p:cNvPr>
+          <p:cNvSpPr txBox="1"/>
+          <p:nvPr/>
+        </p:nvSpPr>
+        <p:spPr>
+          <a:xfrm>
+            <a:off x="465666" y="4116664"/>
+            <a:ext cx="2743200" cy="369332"/>
+          </a:xfrm>
+          <a:prstGeom prst="rect">
+            <a:avLst/>
+          </a:prstGeom>
+        </p:spPr>
+        <p:txBody>
+          <a:bodyPr rot="0" spcFirstLastPara="0" vertOverflow="overflow" horzOverflow="overflow" vert="horz" wrap="square" lIns="91440" tIns="45720" rIns="91440" bIns="45720" numCol="1" spcCol="0" rtlCol="0" fromWordArt="0" anchor="t" anchorCtr="0" forceAA="0" compatLnSpc="1">
+            <a:prstTxWarp prst="textNoShape">
+              <a:avLst/>
+            </a:prstTxWarp>
+            <a:spAutoFit/>
+          </a:bodyPr>
+          <a:lstStyle/>
+          <a:p>
+            <a:pPr algn="ctr"/>
+            <a:r>
+              <a:rPr lang="it-IT"/>
+              <a:t>VS</a:t>
+            </a:r>
+          </a:p>
+        </p:txBody>
+      </p:sp>
+      <p:pic>
+        <p:nvPicPr>
+          <p:cNvPr id="12" name="Immagine 12" descr="Immagine che contiene clipart&#10;&#10;Descrizione generata con affidabilità molto elevata">
+            <a:extLst>
+              <a:ext uri="{FF2B5EF4-FFF2-40B4-BE49-F238E27FC236}">
+                <a16:creationId xmlns:a16="http://schemas.microsoft.com/office/drawing/2014/main" xmlns="" id="{42F44A6A-1FEF-44EA-B8AC-9DCA76CE3B06}"/>
+              </a:ext>
+            </a:extLst>
+          </p:cNvPr>
+          <p:cNvPicPr>
+            <a:picLocks noChangeAspect="1"/>
+          </p:cNvPicPr>
+          <p:nvPr/>
+        </p:nvPicPr>
+        <p:blipFill>
+          <a:blip r:embed="rId5"/>
+          <a:stretch>
+            <a:fillRect/>
+          </a:stretch>
+        </p:blipFill>
+        <p:spPr>
+          <a:xfrm>
+            <a:off x="7288711" y="1653398"/>
+            <a:ext cx="1664789" cy="545290"/>
+          </a:xfrm>
+          <a:prstGeom prst="rect">
+            <a:avLst/>
+          </a:prstGeom>
+        </p:spPr>
+      </p:pic>
+      <p:pic>
+        <p:nvPicPr>
+          <p:cNvPr id="14" name="Immagine 14">
+            <a:extLst>
+              <a:ext uri="{FF2B5EF4-FFF2-40B4-BE49-F238E27FC236}">
+                <a16:creationId xmlns:a16="http://schemas.microsoft.com/office/drawing/2014/main" xmlns="" id="{9C9F5491-F36E-42BE-8532-05DD6E146588}"/>
+              </a:ext>
+            </a:extLst>
+          </p:cNvPr>
+          <p:cNvPicPr>
+            <a:picLocks noChangeAspect="1"/>
+          </p:cNvPicPr>
+          <p:nvPr/>
+        </p:nvPicPr>
+        <p:blipFill>
+          <a:blip r:embed="rId6"/>
+          <a:stretch>
+            <a:fillRect/>
+          </a:stretch>
+        </p:blipFill>
+        <p:spPr>
+          <a:xfrm rot="420000">
+            <a:off x="8559561" y="2247900"/>
+            <a:ext cx="534520" cy="536108"/>
+          </a:xfrm>
+          <a:prstGeom prst="rect">
+            <a:avLst/>
+          </a:prstGeom>
+        </p:spPr>
+      </p:pic>
+    </p:spTree>
+    <p:extLst>
+      <p:ext uri="{BB962C8B-B14F-4D97-AF65-F5344CB8AC3E}">
+        <p14:creationId xmlns:p14="http://schemas.microsoft.com/office/powerpoint/2010/main" val="1545723756"/>
+      </p:ext>
+    </p:extLst>
+  </p:cSld>
+  <p:clrMapOvr>
+    <a:masterClrMapping/>
+  </p:clrMapOvr>
+  <p:timing>
+    <p:tnLst>
+      <p:par>
+        <p:cTn id="1" dur="indefinite" restart="never" nodeType="tmRoot"/>
+      </p:par>
+    </p:tnLst>
+  </p:timing>
+</p:sld>
+</file>
+
+<file path=ppt/slides/slide17.xml><?xml version="1.0" encoding="utf-8"?>
+<p:sld xmlns:a="http://schemas.openxmlformats.org/drawingml/2006/main" xmlns:r="http://schemas.openxmlformats.org/officeDocument/2006/relationships" xmlns:p="http://schemas.openxmlformats.org/presentationml/2006/main">
+  <p:cSld>
+    <p:spTree>
+      <p:nvGrpSpPr>
+        <p:cNvPr id="1" name=""/>
+        <p:cNvGrpSpPr/>
+        <p:nvPr/>
+      </p:nvGrpSpPr>
+      <p:grpSpPr>
+        <a:xfrm>
+          <a:off x="0" y="0"/>
+          <a:ext cx="0" cy="0"/>
+          <a:chOff x="0" y="0"/>
+          <a:chExt cx="0" cy="0"/>
+        </a:xfrm>
+      </p:grpSpPr>
+      <p:sp>
+        <p:nvSpPr>
+          <p:cNvPr id="2" name="Titolo verticale 1"/>
+          <p:cNvSpPr>
+            <a:spLocks noGrp="1"/>
+          </p:cNvSpPr>
+          <p:nvPr>
+            <p:ph type="title" orient="vert"/>
+          </p:nvPr>
+        </p:nvSpPr>
+        <p:spPr/>
+        <p:txBody>
+          <a:bodyPr vert="eaVert" anchor="t"/>
+          <a:lstStyle/>
+          <a:p>
+            <a:r>
+              <a:rPr lang="it-IT">
+                <a:cs typeface="Calibri"/>
+              </a:rPr>
+              <a:t>Transfer of trust in a </a:t>
+            </a:r>
+            <a:r>
+              <a:rPr lang="it-IT" err="1">
+                <a:cs typeface="Calibri"/>
+              </a:rPr>
+              <a:t>trustless</a:t>
+            </a:r>
+            <a:r>
+              <a:rPr lang="it-IT">
+                <a:cs typeface="Calibri"/>
+              </a:rPr>
+              <a:t> world</a:t>
+            </a:r>
+          </a:p>
+        </p:txBody>
+      </p:sp>
+      <p:pic>
+        <p:nvPicPr>
+          <p:cNvPr id="3" name="Immagine 3" descr="&#10;">
+            <a:extLst>
+              <a:ext uri="{FF2B5EF4-FFF2-40B4-BE49-F238E27FC236}">
+                <a16:creationId xmlns:a16="http://schemas.microsoft.com/office/drawing/2014/main" xmlns="" id="{A4C2D1CB-4AC8-464E-9D12-C3CB64B65E60}"/>
+              </a:ext>
+            </a:extLst>
+          </p:cNvPr>
+          <p:cNvPicPr>
+            <a:picLocks noChangeAspect="1"/>
+          </p:cNvPicPr>
+          <p:nvPr/>
+        </p:nvPicPr>
+        <p:blipFill>
+          <a:blip r:embed="rId2"/>
+          <a:stretch>
+            <a:fillRect/>
+          </a:stretch>
+        </p:blipFill>
+        <p:spPr>
+          <a:xfrm>
+            <a:off x="371475" y="1276350"/>
+            <a:ext cx="4319060" cy="2443637"/>
+          </a:xfrm>
+          <a:prstGeom prst="rect">
+            <a:avLst/>
+          </a:prstGeom>
+        </p:spPr>
+      </p:pic>
+      <p:pic>
+        <p:nvPicPr>
+          <p:cNvPr id="5" name="Immagine 5">
+            <a:extLst>
+              <a:ext uri="{FF2B5EF4-FFF2-40B4-BE49-F238E27FC236}">
+                <a16:creationId xmlns:a16="http://schemas.microsoft.com/office/drawing/2014/main" xmlns="" id="{116953F0-DAD0-463A-8B74-500A957D3EC1}"/>
+              </a:ext>
+            </a:extLst>
+          </p:cNvPr>
+          <p:cNvPicPr>
+            <a:picLocks noChangeAspect="1"/>
+          </p:cNvPicPr>
+          <p:nvPr/>
+        </p:nvPicPr>
+        <p:blipFill>
+          <a:blip r:embed="rId3"/>
+          <a:stretch>
+            <a:fillRect/>
+          </a:stretch>
+        </p:blipFill>
+        <p:spPr>
+          <a:xfrm>
+            <a:off x="4905375" y="1276350"/>
+            <a:ext cx="3884393" cy="1795797"/>
+          </a:xfrm>
+          <a:prstGeom prst="rect">
+            <a:avLst/>
+          </a:prstGeom>
+        </p:spPr>
+      </p:pic>
+      <p:pic>
+        <p:nvPicPr>
+          <p:cNvPr id="4" name="Immagine 5">
+            <a:extLst>
+              <a:ext uri="{FF2B5EF4-FFF2-40B4-BE49-F238E27FC236}">
+                <a16:creationId xmlns:a16="http://schemas.microsoft.com/office/drawing/2014/main" xmlns="" id="{BE69794B-F7EC-4B85-B0B9-D84BDCEF5F8C}"/>
+              </a:ext>
+            </a:extLst>
+          </p:cNvPr>
+          <p:cNvPicPr>
+            <a:picLocks noChangeAspect="1"/>
+          </p:cNvPicPr>
+          <p:nvPr/>
+        </p:nvPicPr>
+        <p:blipFill>
+          <a:blip r:embed="rId4"/>
+          <a:stretch>
+            <a:fillRect/>
+          </a:stretch>
+        </p:blipFill>
+        <p:spPr>
+          <a:xfrm>
+            <a:off x="4894787" y="3314700"/>
+            <a:ext cx="3888851" cy="2188232"/>
+          </a:xfrm>
+          <a:prstGeom prst="rect">
+            <a:avLst/>
+          </a:prstGeom>
+        </p:spPr>
+      </p:pic>
+      <p:sp>
+        <p:nvSpPr>
+          <p:cNvPr id="9" name="CasellaDiTesto 8">
+            <a:extLst>
+              <a:ext uri="{FF2B5EF4-FFF2-40B4-BE49-F238E27FC236}">
+                <a16:creationId xmlns:a16="http://schemas.microsoft.com/office/drawing/2014/main" xmlns="" id="{FE50714E-BA1D-4424-97CA-A43CF939D725}"/>
+              </a:ext>
+            </a:extLst>
+          </p:cNvPr>
+          <p:cNvSpPr txBox="1"/>
+          <p:nvPr/>
+        </p:nvSpPr>
+        <p:spPr>
+          <a:xfrm>
+            <a:off x="225360" y="4306738"/>
+            <a:ext cx="2743200" cy="1200329"/>
+          </a:xfrm>
+          <a:prstGeom prst="rect">
+            <a:avLst/>
+          </a:prstGeom>
+        </p:spPr>
+        <p:txBody>
+          <a:bodyPr rot="0" spcFirstLastPara="0" vertOverflow="overflow" horzOverflow="overflow" vert="horz" wrap="square" lIns="91440" tIns="45720" rIns="91440" bIns="45720" numCol="1" spcCol="0" rtlCol="0" fromWordArt="0" anchor="t" anchorCtr="0" forceAA="0" compatLnSpc="1">
+            <a:prstTxWarp prst="textNoShape">
+              <a:avLst/>
+            </a:prstTxWarp>
+            <a:spAutoFit/>
+          </a:bodyPr>
+          <a:lstStyle/>
+          <a:p>
+            <a:r>
+              <a:rPr lang="it-IT" sz="7200" dirty="0"/>
+              <a:t>Data</a:t>
+            </a:r>
+          </a:p>
+        </p:txBody>
+      </p:sp>
+    </p:spTree>
+    <p:extLst>
+      <p:ext uri="{BB962C8B-B14F-4D97-AF65-F5344CB8AC3E}">
+        <p14:creationId xmlns:p14="http://schemas.microsoft.com/office/powerpoint/2010/main" val="2820923408"/>
+      </p:ext>
+    </p:extLst>
+  </p:cSld>
+  <p:clrMapOvr>
+    <a:masterClrMapping/>
+  </p:clrMapOvr>
+  <p:timing>
+    <p:tnLst>
+      <p:par>
+        <p:cTn id="1" dur="indefinite" restart="never" nodeType="tmRoot"/>
+      </p:par>
+    </p:tnLst>
+  </p:timing>
+</p:sld>
+</file>
+
+<file path=ppt/slides/slide18.xml><?xml version="1.0" encoding="utf-8"?>
+<p:sld xmlns:a="http://schemas.openxmlformats.org/drawingml/2006/main" xmlns:r="http://schemas.openxmlformats.org/officeDocument/2006/relationships" xmlns:p="http://schemas.openxmlformats.org/presentationml/2006/main">
+  <p:cSld>
+    <p:spTree>
+      <p:nvGrpSpPr>
+        <p:cNvPr id="1" name=""/>
+        <p:cNvGrpSpPr/>
+        <p:nvPr/>
+      </p:nvGrpSpPr>
+      <p:grpSpPr>
+        <a:xfrm>
+          <a:off x="0" y="0"/>
+          <a:ext cx="0" cy="0"/>
+          <a:chOff x="0" y="0"/>
+          <a:chExt cx="0" cy="0"/>
+        </a:xfrm>
+      </p:grpSpPr>
+      <p:sp>
+        <p:nvSpPr>
+          <p:cNvPr id="2" name="Titolo verticale 1"/>
+          <p:cNvSpPr>
+            <a:spLocks noGrp="1"/>
+          </p:cNvSpPr>
+          <p:nvPr>
+            <p:ph type="title" orient="vert"/>
+          </p:nvPr>
+        </p:nvSpPr>
+        <p:spPr/>
+        <p:txBody>
+          <a:bodyPr vert="eaVert" anchor="t"/>
+          <a:lstStyle/>
+          <a:p>
+            <a:r>
+              <a:rPr lang="it-IT">
+                <a:cs typeface="Calibri"/>
+              </a:rPr>
+              <a:t>Transfer of trust in a </a:t>
+            </a:r>
+            <a:r>
+              <a:rPr lang="it-IT" err="1">
+                <a:cs typeface="Calibri"/>
+              </a:rPr>
+              <a:t>trustless</a:t>
+            </a:r>
+            <a:r>
+              <a:rPr lang="it-IT">
+                <a:cs typeface="Calibri"/>
+              </a:rPr>
+              <a:t> world</a:t>
+            </a:r>
+          </a:p>
+        </p:txBody>
+      </p:sp>
+      <p:pic>
+        <p:nvPicPr>
+          <p:cNvPr id="6" name="Immagine 6">
+            <a:extLst>
+              <a:ext uri="{FF2B5EF4-FFF2-40B4-BE49-F238E27FC236}">
+                <a16:creationId xmlns:a16="http://schemas.microsoft.com/office/drawing/2014/main" xmlns="" id="{3599EF43-27D2-4F47-A4D5-9653B7F97500}"/>
+              </a:ext>
+            </a:extLst>
+          </p:cNvPr>
+          <p:cNvPicPr>
+            <a:picLocks noChangeAspect="1"/>
+          </p:cNvPicPr>
+          <p:nvPr/>
+        </p:nvPicPr>
+        <p:blipFill>
+          <a:blip r:embed="rId2"/>
+          <a:stretch>
+            <a:fillRect/>
+          </a:stretch>
+        </p:blipFill>
+        <p:spPr>
+          <a:xfrm>
+            <a:off x="31266" y="1685925"/>
+            <a:ext cx="9068278" cy="3507999"/>
+          </a:xfrm>
+          <a:prstGeom prst="rect">
+            <a:avLst/>
+          </a:prstGeom>
+        </p:spPr>
+      </p:pic>
+    </p:spTree>
+    <p:extLst>
+      <p:ext uri="{BB962C8B-B14F-4D97-AF65-F5344CB8AC3E}">
+        <p14:creationId xmlns:p14="http://schemas.microsoft.com/office/powerpoint/2010/main" val="4186082874"/>
+      </p:ext>
+    </p:extLst>
+  </p:cSld>
+  <p:clrMapOvr>
+    <a:masterClrMapping/>
+  </p:clrMapOvr>
+  <p:timing>
+    <p:tnLst>
+      <p:par>
+        <p:cTn id="1" dur="indefinite" restart="never" nodeType="tmRoot"/>
+      </p:par>
+    </p:tnLst>
+  </p:timing>
+</p:sld>
+</file>
+
+<file path=ppt/slides/slide19.xml><?xml version="1.0" encoding="utf-8"?>
+<p:sld xmlns:a="http://schemas.openxmlformats.org/drawingml/2006/main" xmlns:r="http://schemas.openxmlformats.org/officeDocument/2006/relationships" xmlns:p="http://schemas.openxmlformats.org/presentationml/2006/main">
+  <p:cSld>
+    <p:spTree>
+      <p:nvGrpSpPr>
+        <p:cNvPr id="1" name=""/>
+        <p:cNvGrpSpPr/>
+        <p:nvPr/>
+      </p:nvGrpSpPr>
+      <p:grpSpPr>
+        <a:xfrm>
+          <a:off x="0" y="0"/>
+          <a:ext cx="0" cy="0"/>
+          <a:chOff x="0" y="0"/>
+          <a:chExt cx="0" cy="0"/>
+        </a:xfrm>
+      </p:grpSpPr>
+      <p:sp>
+        <p:nvSpPr>
+          <p:cNvPr id="2" name="Titolo 1"/>
+          <p:cNvSpPr>
+            <a:spLocks noGrp="1"/>
+          </p:cNvSpPr>
+          <p:nvPr>
+            <p:ph type="ctrTitle"/>
+          </p:nvPr>
+        </p:nvSpPr>
+        <p:spPr>
+          <a:xfrm>
             <a:off x="257249" y="1988840"/>
             <a:ext cx="8131175" cy="936104"/>
           </a:xfrm>
@@ -6376,10 +9740,143 @@
   <p:clrMapOvr>
     <a:masterClrMapping/>
   </p:clrMapOvr>
+  <p:timing>
+    <p:tnLst>
+      <p:par>
+        <p:cTn id="1" dur="indefinite" restart="never" nodeType="tmRoot"/>
+      </p:par>
+    </p:tnLst>
+  </p:timing>
 </p:sld>
 </file>
 
-<file path=ppt/slides/slide11.xml><?xml version="1.0" encoding="utf-8"?>
+<file path=ppt/slides/slide2.xml><?xml version="1.0" encoding="utf-8"?>
+<p:sld xmlns:a="http://schemas.openxmlformats.org/drawingml/2006/main" xmlns:r="http://schemas.openxmlformats.org/officeDocument/2006/relationships" xmlns:p="http://schemas.openxmlformats.org/presentationml/2006/main">
+  <p:cSld>
+    <p:bg>
+      <p:bgPr>
+        <a:solidFill>
+          <a:schemeClr val="bg1"/>
+        </a:solidFill>
+        <a:effectLst/>
+      </p:bgPr>
+    </p:bg>
+    <p:spTree>
+      <p:nvGrpSpPr>
+        <p:cNvPr id="1" name=""/>
+        <p:cNvGrpSpPr/>
+        <p:nvPr/>
+      </p:nvGrpSpPr>
+      <p:grpSpPr>
+        <a:xfrm>
+          <a:off x="0" y="0"/>
+          <a:ext cx="0" cy="0"/>
+          <a:chOff x="0" y="0"/>
+          <a:chExt cx="0" cy="0"/>
+        </a:xfrm>
+      </p:grpSpPr>
+      <p:sp>
+        <p:nvSpPr>
+          <p:cNvPr id="2" name="Titolo 1"/>
+          <p:cNvSpPr>
+            <a:spLocks noGrp="1"/>
+          </p:cNvSpPr>
+          <p:nvPr>
+            <p:ph type="ctrTitle"/>
+          </p:nvPr>
+        </p:nvSpPr>
+        <p:spPr>
+          <a:xfrm>
+            <a:off x="1012825" y="1988840"/>
+            <a:ext cx="8131175" cy="936104"/>
+          </a:xfrm>
+          <a:prstGeom prst="rect">
+            <a:avLst/>
+          </a:prstGeom>
+        </p:spPr>
+        <p:txBody>
+          <a:bodyPr/>
+          <a:lstStyle/>
+          <a:p>
+            <a:pPr algn="l"/>
+            <a:r>
+              <a:rPr lang="it-IT"/>
+              <a:t>DISCLAIMER</a:t>
+            </a:r>
+            <a:endParaRPr lang="it-IT">
+              <a:solidFill>
+                <a:srgbClr val="FF6633"/>
+              </a:solidFill>
+              <a:latin typeface="Cabin"/>
+            </a:endParaRPr>
+          </a:p>
+        </p:txBody>
+      </p:sp>
+      <p:sp>
+        <p:nvSpPr>
+          <p:cNvPr id="3" name="Titolo 1"/>
+          <p:cNvSpPr txBox="1">
+            <a:spLocks/>
+          </p:cNvSpPr>
+          <p:nvPr/>
+        </p:nvSpPr>
+        <p:spPr>
+          <a:xfrm>
+            <a:off x="1034585" y="3077344"/>
+            <a:ext cx="8131175" cy="936104"/>
+          </a:xfrm>
+          <a:prstGeom prst="rect">
+            <a:avLst/>
+          </a:prstGeom>
+        </p:spPr>
+        <p:txBody>
+          <a:bodyPr/>
+          <a:lstStyle>
+            <a:lvl1pPr algn="r" defTabSz="914400" rtl="0" eaLnBrk="1" latinLnBrk="0" hangingPunct="1">
+              <a:spcBef>
+                <a:spcPct val="0"/>
+              </a:spcBef>
+              <a:buNone/>
+              <a:defRPr sz="6000" b="1" kern="1200" baseline="0">
+                <a:solidFill>
+                  <a:srgbClr val="FF6633"/>
+                </a:solidFill>
+                <a:latin typeface="Cabin"/>
+                <a:ea typeface="+mj-ea"/>
+                <a:cs typeface="+mj-cs"/>
+              </a:defRPr>
+            </a:lvl1pPr>
+          </a:lstStyle>
+          <a:p>
+            <a:pPr algn="l"/>
+            <a:r>
+              <a:rPr lang="it-IT" sz="3600" b="0"/>
+              <a:t>Di che cosa NON parleremo..</a:t>
+            </a:r>
+          </a:p>
+        </p:txBody>
+      </p:sp>
+    </p:spTree>
+    <p:extLst>
+      <p:ext uri="{BB962C8B-B14F-4D97-AF65-F5344CB8AC3E}">
+        <p14:creationId xmlns:p14="http://schemas.microsoft.com/office/powerpoint/2010/main" val="1535604335"/>
+      </p:ext>
+    </p:extLst>
+  </p:cSld>
+  <p:clrMapOvr>
+    <a:masterClrMapping/>
+  </p:clrMapOvr>
+  <p:timing>
+    <p:tnLst>
+      <p:par>
+        <p:cTn id="1" dur="indefinite" restart="never" nodeType="tmRoot"/>
+      </p:par>
+    </p:tnLst>
+  </p:timing>
+</p:sld>
+</file>
+
+<file path=ppt/slides/slide20.xml><?xml version="1.0" encoding="utf-8"?>
 <p:sld xmlns:a="http://schemas.openxmlformats.org/drawingml/2006/main" xmlns:r="http://schemas.openxmlformats.org/officeDocument/2006/relationships" xmlns:p="http://schemas.openxmlformats.org/presentationml/2006/main">
   <p:cSld>
     <p:spTree>
@@ -6489,10 +9986,17 @@
   <p:clrMapOvr>
     <a:masterClrMapping/>
   </p:clrMapOvr>
+  <p:timing>
+    <p:tnLst>
+      <p:par>
+        <p:cTn id="1" dur="indefinite" restart="never" nodeType="tmRoot"/>
+      </p:par>
+    </p:tnLst>
+  </p:timing>
 </p:sld>
 </file>
 
-<file path=ppt/slides/slide12.xml><?xml version="1.0" encoding="utf-8"?>
+<file path=ppt/slides/slide21.xml><?xml version="1.0" encoding="utf-8"?>
 <p:sld xmlns:a="http://schemas.openxmlformats.org/drawingml/2006/main" xmlns:r="http://schemas.openxmlformats.org/officeDocument/2006/relationships" xmlns:p="http://schemas.openxmlformats.org/presentationml/2006/main">
   <p:cSld>
     <p:spTree>
@@ -6865,7 +10369,7 @@
 </p:sld>
 </file>
 
-<file path=ppt/slides/slide13.xml><?xml version="1.0" encoding="utf-8"?>
+<file path=ppt/slides/slide22.xml><?xml version="1.0" encoding="utf-8"?>
 <p:sld xmlns:a="http://schemas.openxmlformats.org/drawingml/2006/main" xmlns:r="http://schemas.openxmlformats.org/officeDocument/2006/relationships" xmlns:p="http://schemas.openxmlformats.org/presentationml/2006/main">
   <p:cSld>
     <p:spTree>
@@ -7793,7 +11297,7 @@
 </p:sld>
 </file>
 
-<file path=ppt/slides/slide14.xml><?xml version="1.0" encoding="utf-8"?>
+<file path=ppt/slides/slide23.xml><?xml version="1.0" encoding="utf-8"?>
 <p:sld xmlns:a="http://schemas.openxmlformats.org/drawingml/2006/main" xmlns:r="http://schemas.openxmlformats.org/officeDocument/2006/relationships" xmlns:p="http://schemas.openxmlformats.org/presentationml/2006/main">
   <p:cSld>
     <p:spTree>
@@ -8761,7 +12265,7 @@
 </p:sld>
 </file>
 
-<file path=ppt/slides/slide15.xml><?xml version="1.0" encoding="utf-8"?>
+<file path=ppt/slides/slide24.xml><?xml version="1.0" encoding="utf-8"?>
 <p:sld xmlns:a="http://schemas.openxmlformats.org/drawingml/2006/main" xmlns:r="http://schemas.openxmlformats.org/officeDocument/2006/relationships" xmlns:p="http://schemas.openxmlformats.org/presentationml/2006/main">
   <p:cSld>
     <p:spTree>
@@ -9090,7 +12594,7 @@
 </p:sld>
 </file>
 
-<file path=ppt/slides/slide16.xml><?xml version="1.0" encoding="utf-8"?>
+<file path=ppt/slides/slide25.xml><?xml version="1.0" encoding="utf-8"?>
 <p:sld xmlns:a="http://schemas.openxmlformats.org/drawingml/2006/main" xmlns:r="http://schemas.openxmlformats.org/officeDocument/2006/relationships" xmlns:p="http://schemas.openxmlformats.org/presentationml/2006/main">
   <p:cSld>
     <p:spTree>
@@ -9528,7 +13032,7 @@
 </p:sld>
 </file>
 
-<file path=ppt/slides/slide17.xml><?xml version="1.0" encoding="utf-8"?>
+<file path=ppt/slides/slide26.xml><?xml version="1.0" encoding="utf-8"?>
 <p:sld xmlns:a="http://schemas.openxmlformats.org/drawingml/2006/main" xmlns:r="http://schemas.openxmlformats.org/officeDocument/2006/relationships" xmlns:p="http://schemas.openxmlformats.org/presentationml/2006/main">
   <p:cSld>
     <p:spTree>
@@ -10206,7 +13710,7 @@
 </p:sld>
 </file>
 
-<file path=ppt/slides/slide18.xml><?xml version="1.0" encoding="utf-8"?>
+<file path=ppt/slides/slide27.xml><?xml version="1.0" encoding="utf-8"?>
 <p:sld xmlns:a="http://schemas.openxmlformats.org/drawingml/2006/main" xmlns:r="http://schemas.openxmlformats.org/officeDocument/2006/relationships" xmlns:p="http://schemas.openxmlformats.org/presentationml/2006/main">
   <p:cSld>
     <p:spTree>
@@ -10714,21 +14218,21 @@
                 <a:gridCol w="2856317">
                   <a:extLst>
                     <a:ext uri="{9D8B030D-6E8A-4147-A177-3AD203B41FA5}">
-                      <a16:colId xmlns:a16="http://schemas.microsoft.com/office/drawing/2014/main" val="20000"/>
+                      <a16:colId xmlns:a16="http://schemas.microsoft.com/office/drawing/2014/main" xmlns="" val="20000"/>
                     </a:ext>
                   </a:extLst>
                 </a:gridCol>
                 <a:gridCol w="2856317">
                   <a:extLst>
                     <a:ext uri="{9D8B030D-6E8A-4147-A177-3AD203B41FA5}">
-                      <a16:colId xmlns:a16="http://schemas.microsoft.com/office/drawing/2014/main" val="20001"/>
+                      <a16:colId xmlns:a16="http://schemas.microsoft.com/office/drawing/2014/main" xmlns="" val="20001"/>
                     </a:ext>
                   </a:extLst>
                 </a:gridCol>
                 <a:gridCol w="2856317">
                   <a:extLst>
                     <a:ext uri="{9D8B030D-6E8A-4147-A177-3AD203B41FA5}">
-                      <a16:colId xmlns:a16="http://schemas.microsoft.com/office/drawing/2014/main" val="20002"/>
+                      <a16:colId xmlns:a16="http://schemas.microsoft.com/office/drawing/2014/main" xmlns="" val="20002"/>
                     </a:ext>
                   </a:extLst>
                 </a:gridCol>
@@ -10874,7 +14378,7 @@
                 </a:tc>
                 <a:extLst>
                   <a:ext uri="{0D108BD9-81ED-4DB2-BD59-A6C34878D82A}">
-                    <a16:rowId xmlns:a16="http://schemas.microsoft.com/office/drawing/2014/main" val="10000"/>
+                    <a16:rowId xmlns:a16="http://schemas.microsoft.com/office/drawing/2014/main" xmlns="" val="10000"/>
                   </a:ext>
                 </a:extLst>
               </a:tr>
@@ -11024,7 +14528,7 @@
                 </a:tc>
                 <a:extLst>
                   <a:ext uri="{0D108BD9-81ED-4DB2-BD59-A6C34878D82A}">
-                    <a16:rowId xmlns:a16="http://schemas.microsoft.com/office/drawing/2014/main" val="10001"/>
+                    <a16:rowId xmlns:a16="http://schemas.microsoft.com/office/drawing/2014/main" xmlns="" val="10001"/>
                   </a:ext>
                 </a:extLst>
               </a:tr>
@@ -11325,7 +14829,7 @@
 </p:sld>
 </file>
 
-<file path=ppt/slides/slide19.xml><?xml version="1.0" encoding="utf-8"?>
+<file path=ppt/slides/slide28.xml><?xml version="1.0" encoding="utf-8"?>
 <p:sld xmlns:a="http://schemas.openxmlformats.org/drawingml/2006/main" xmlns:r="http://schemas.openxmlformats.org/officeDocument/2006/relationships" xmlns:p="http://schemas.openxmlformats.org/presentationml/2006/main">
   <p:cSld>
     <p:spTree>
@@ -11659,21 +15163,21 @@
                 <a:gridCol w="2856317">
                   <a:extLst>
                     <a:ext uri="{9D8B030D-6E8A-4147-A177-3AD203B41FA5}">
-                      <a16:colId xmlns:a16="http://schemas.microsoft.com/office/drawing/2014/main" val="20000"/>
+                      <a16:colId xmlns:a16="http://schemas.microsoft.com/office/drawing/2014/main" xmlns="" val="20000"/>
                     </a:ext>
                   </a:extLst>
                 </a:gridCol>
                 <a:gridCol w="2856317">
                   <a:extLst>
                     <a:ext uri="{9D8B030D-6E8A-4147-A177-3AD203B41FA5}">
-                      <a16:colId xmlns:a16="http://schemas.microsoft.com/office/drawing/2014/main" val="20001"/>
+                      <a16:colId xmlns:a16="http://schemas.microsoft.com/office/drawing/2014/main" xmlns="" val="20001"/>
                     </a:ext>
                   </a:extLst>
                 </a:gridCol>
                 <a:gridCol w="2856317">
                   <a:extLst>
                     <a:ext uri="{9D8B030D-6E8A-4147-A177-3AD203B41FA5}">
-                      <a16:colId xmlns:a16="http://schemas.microsoft.com/office/drawing/2014/main" val="20002"/>
+                      <a16:colId xmlns:a16="http://schemas.microsoft.com/office/drawing/2014/main" xmlns="" val="20002"/>
                     </a:ext>
                   </a:extLst>
                 </a:gridCol>
@@ -11819,7 +15323,7 @@
                 </a:tc>
                 <a:extLst>
                   <a:ext uri="{0D108BD9-81ED-4DB2-BD59-A6C34878D82A}">
-                    <a16:rowId xmlns:a16="http://schemas.microsoft.com/office/drawing/2014/main" val="10000"/>
+                    <a16:rowId xmlns:a16="http://schemas.microsoft.com/office/drawing/2014/main" xmlns="" val="10000"/>
                   </a:ext>
                 </a:extLst>
               </a:tr>
@@ -11969,7 +15473,7 @@
                 </a:tc>
                 <a:extLst>
                   <a:ext uri="{0D108BD9-81ED-4DB2-BD59-A6C34878D82A}">
-                    <a16:rowId xmlns:a16="http://schemas.microsoft.com/office/drawing/2014/main" val="10001"/>
+                    <a16:rowId xmlns:a16="http://schemas.microsoft.com/office/drawing/2014/main" xmlns="" val="10001"/>
                   </a:ext>
                 </a:extLst>
               </a:tr>
@@ -12246,126 +15750,7 @@
 </p:sld>
 </file>
 
-<file path=ppt/slides/slide2.xml><?xml version="1.0" encoding="utf-8"?>
-<p:sld xmlns:a="http://schemas.openxmlformats.org/drawingml/2006/main" xmlns:r="http://schemas.openxmlformats.org/officeDocument/2006/relationships" xmlns:p="http://schemas.openxmlformats.org/presentationml/2006/main">
-  <p:cSld>
-    <p:bg>
-      <p:bgPr>
-        <a:solidFill>
-          <a:schemeClr val="bg1"/>
-        </a:solidFill>
-        <a:effectLst/>
-      </p:bgPr>
-    </p:bg>
-    <p:spTree>
-      <p:nvGrpSpPr>
-        <p:cNvPr id="1" name=""/>
-        <p:cNvGrpSpPr/>
-        <p:nvPr/>
-      </p:nvGrpSpPr>
-      <p:grpSpPr>
-        <a:xfrm>
-          <a:off x="0" y="0"/>
-          <a:ext cx="0" cy="0"/>
-          <a:chOff x="0" y="0"/>
-          <a:chExt cx="0" cy="0"/>
-        </a:xfrm>
-      </p:grpSpPr>
-      <p:sp>
-        <p:nvSpPr>
-          <p:cNvPr id="2" name="Titolo 1"/>
-          <p:cNvSpPr>
-            <a:spLocks noGrp="1"/>
-          </p:cNvSpPr>
-          <p:nvPr>
-            <p:ph type="ctrTitle"/>
-          </p:nvPr>
-        </p:nvSpPr>
-        <p:spPr>
-          <a:xfrm>
-            <a:off x="1012825" y="1988840"/>
-            <a:ext cx="8131175" cy="936104"/>
-          </a:xfrm>
-          <a:prstGeom prst="rect">
-            <a:avLst/>
-          </a:prstGeom>
-        </p:spPr>
-        <p:txBody>
-          <a:bodyPr/>
-          <a:lstStyle/>
-          <a:p>
-            <a:pPr algn="l"/>
-            <a:r>
-              <a:rPr lang="it-IT"/>
-              <a:t>DISCLAIMER</a:t>
-            </a:r>
-            <a:endParaRPr lang="it-IT">
-              <a:solidFill>
-                <a:srgbClr val="FF6633"/>
-              </a:solidFill>
-              <a:latin typeface="Cabin"/>
-            </a:endParaRPr>
-          </a:p>
-        </p:txBody>
-      </p:sp>
-      <p:sp>
-        <p:nvSpPr>
-          <p:cNvPr id="3" name="Titolo 1"/>
-          <p:cNvSpPr txBox="1">
-            <a:spLocks/>
-          </p:cNvSpPr>
-          <p:nvPr/>
-        </p:nvSpPr>
-        <p:spPr>
-          <a:xfrm>
-            <a:off x="1034585" y="3077344"/>
-            <a:ext cx="8131175" cy="936104"/>
-          </a:xfrm>
-          <a:prstGeom prst="rect">
-            <a:avLst/>
-          </a:prstGeom>
-        </p:spPr>
-        <p:txBody>
-          <a:bodyPr/>
-          <a:lstStyle>
-            <a:lvl1pPr algn="r" defTabSz="914400" rtl="0" eaLnBrk="1" latinLnBrk="0" hangingPunct="1">
-              <a:spcBef>
-                <a:spcPct val="0"/>
-              </a:spcBef>
-              <a:buNone/>
-              <a:defRPr sz="6000" b="1" kern="1200" baseline="0">
-                <a:solidFill>
-                  <a:srgbClr val="FF6633"/>
-                </a:solidFill>
-                <a:latin typeface="Cabin"/>
-                <a:ea typeface="+mj-ea"/>
-                <a:cs typeface="+mj-cs"/>
-              </a:defRPr>
-            </a:lvl1pPr>
-          </a:lstStyle>
-          <a:p>
-            <a:pPr algn="l"/>
-            <a:r>
-              <a:rPr lang="it-IT" sz="3600" b="0"/>
-              <a:t>Di che cosa NON parleremo..</a:t>
-            </a:r>
-          </a:p>
-        </p:txBody>
-      </p:sp>
-    </p:spTree>
-    <p:extLst>
-      <p:ext uri="{BB962C8B-B14F-4D97-AF65-F5344CB8AC3E}">
-        <p14:creationId xmlns:p14="http://schemas.microsoft.com/office/powerpoint/2010/main" val="1535604335"/>
-      </p:ext>
-    </p:extLst>
-  </p:cSld>
-  <p:clrMapOvr>
-    <a:masterClrMapping/>
-  </p:clrMapOvr>
-</p:sld>
-</file>
-
-<file path=ppt/slides/slide20.xml><?xml version="1.0" encoding="utf-8"?>
+<file path=ppt/slides/slide29.xml><?xml version="1.0" encoding="utf-8"?>
 <p:sld xmlns:a="http://schemas.openxmlformats.org/drawingml/2006/main" xmlns:r="http://schemas.openxmlformats.org/officeDocument/2006/relationships" xmlns:p="http://schemas.openxmlformats.org/presentationml/2006/main">
   <p:cSld>
     <p:spTree>
@@ -12699,21 +16084,21 @@
                 <a:gridCol w="2856317">
                   <a:extLst>
                     <a:ext uri="{9D8B030D-6E8A-4147-A177-3AD203B41FA5}">
-                      <a16:colId xmlns:a16="http://schemas.microsoft.com/office/drawing/2014/main" val="20000"/>
+                      <a16:colId xmlns:a16="http://schemas.microsoft.com/office/drawing/2014/main" xmlns="" val="20000"/>
                     </a:ext>
                   </a:extLst>
                 </a:gridCol>
                 <a:gridCol w="2856317">
                   <a:extLst>
                     <a:ext uri="{9D8B030D-6E8A-4147-A177-3AD203B41FA5}">
-                      <a16:colId xmlns:a16="http://schemas.microsoft.com/office/drawing/2014/main" val="20001"/>
+                      <a16:colId xmlns:a16="http://schemas.microsoft.com/office/drawing/2014/main" xmlns="" val="20001"/>
                     </a:ext>
                   </a:extLst>
                 </a:gridCol>
                 <a:gridCol w="2856317">
                   <a:extLst>
                     <a:ext uri="{9D8B030D-6E8A-4147-A177-3AD203B41FA5}">
-                      <a16:colId xmlns:a16="http://schemas.microsoft.com/office/drawing/2014/main" val="20002"/>
+                      <a16:colId xmlns:a16="http://schemas.microsoft.com/office/drawing/2014/main" xmlns="" val="20002"/>
                     </a:ext>
                   </a:extLst>
                 </a:gridCol>
@@ -12859,7 +16244,7 @@
                 </a:tc>
                 <a:extLst>
                   <a:ext uri="{0D108BD9-81ED-4DB2-BD59-A6C34878D82A}">
-                    <a16:rowId xmlns:a16="http://schemas.microsoft.com/office/drawing/2014/main" val="10000"/>
+                    <a16:rowId xmlns:a16="http://schemas.microsoft.com/office/drawing/2014/main" xmlns="" val="10000"/>
                   </a:ext>
                 </a:extLst>
               </a:tr>
@@ -13009,7 +16394,7 @@
                 </a:tc>
                 <a:extLst>
                   <a:ext uri="{0D108BD9-81ED-4DB2-BD59-A6C34878D82A}">
-                    <a16:rowId xmlns:a16="http://schemas.microsoft.com/office/drawing/2014/main" val="10001"/>
+                    <a16:rowId xmlns:a16="http://schemas.microsoft.com/office/drawing/2014/main" xmlns="" val="10001"/>
                   </a:ext>
                 </a:extLst>
               </a:tr>
@@ -13298,7 +16683,350 @@
 </p:sld>
 </file>
 
-<file path=ppt/slides/slide21.xml><?xml version="1.0" encoding="utf-8"?>
+<file path=ppt/slides/slide3.xml><?xml version="1.0" encoding="utf-8"?>
+<p:sld xmlns:a="http://schemas.openxmlformats.org/drawingml/2006/main" xmlns:r="http://schemas.openxmlformats.org/officeDocument/2006/relationships" xmlns:p="http://schemas.openxmlformats.org/presentationml/2006/main">
+  <p:cSld>
+    <p:spTree>
+      <p:nvGrpSpPr>
+        <p:cNvPr id="1" name=""/>
+        <p:cNvGrpSpPr/>
+        <p:nvPr/>
+      </p:nvGrpSpPr>
+      <p:grpSpPr>
+        <a:xfrm>
+          <a:off x="0" y="0"/>
+          <a:ext cx="0" cy="0"/>
+          <a:chOff x="0" y="0"/>
+          <a:chExt cx="0" cy="0"/>
+        </a:xfrm>
+      </p:grpSpPr>
+      <p:sp>
+        <p:nvSpPr>
+          <p:cNvPr id="2" name="Titolo verticale 1"/>
+          <p:cNvSpPr>
+            <a:spLocks noGrp="1"/>
+          </p:cNvSpPr>
+          <p:nvPr>
+            <p:ph type="title" orient="vert"/>
+          </p:nvPr>
+        </p:nvSpPr>
+        <p:spPr/>
+        <p:txBody>
+          <a:bodyPr/>
+          <a:lstStyle/>
+          <a:p>
+            <a:r>
+              <a:rPr lang="it-IT"/>
+              <a:t>DISCLAIMER</a:t>
+            </a:r>
+          </a:p>
+        </p:txBody>
+      </p:sp>
+      <p:sp>
+        <p:nvSpPr>
+          <p:cNvPr id="4" name="AutoShape 2" descr="Risultati immagini per coinbase"/>
+          <p:cNvSpPr>
+            <a:spLocks noChangeAspect="1" noChangeArrowheads="1"/>
+          </p:cNvSpPr>
+          <p:nvPr/>
+        </p:nvSpPr>
+        <p:spPr bwMode="auto">
+          <a:xfrm>
+            <a:off x="155575" y="-144463"/>
+            <a:ext cx="304800" cy="304801"/>
+          </a:xfrm>
+          <a:prstGeom prst="rect">
+            <a:avLst/>
+          </a:prstGeom>
+          <a:noFill/>
+          <a:extLst>
+            <a:ext uri="{909E8E84-426E-40DD-AFC4-6F175D3DCCD1}">
+              <a14:hiddenFill xmlns:a14="http://schemas.microsoft.com/office/drawing/2010/main">
+                <a:solidFill>
+                  <a:srgbClr val="FFFFFF"/>
+                </a:solidFill>
+              </a14:hiddenFill>
+            </a:ext>
+          </a:extLst>
+        </p:spPr>
+        <p:txBody>
+          <a:bodyPr vert="horz" wrap="square" lIns="91440" tIns="45720" rIns="91440" bIns="45720" numCol="1" anchor="t" anchorCtr="0" compatLnSpc="1">
+            <a:prstTxWarp prst="textNoShape">
+              <a:avLst/>
+            </a:prstTxWarp>
+          </a:bodyPr>
+          <a:lstStyle/>
+          <a:p>
+            <a:endParaRPr lang="it-IT"/>
+          </a:p>
+        </p:txBody>
+      </p:sp>
+      <p:pic>
+        <p:nvPicPr>
+          <p:cNvPr id="1027" name="Picture 3"/>
+          <p:cNvPicPr>
+            <a:picLocks noChangeAspect="1" noChangeArrowheads="1"/>
+          </p:cNvPicPr>
+          <p:nvPr/>
+        </p:nvPicPr>
+        <p:blipFill>
+          <a:blip r:embed="rId2">
+            <a:extLst>
+              <a:ext uri="{28A0092B-C50C-407E-A947-70E740481C1C}">
+                <a14:useLocalDpi xmlns:a14="http://schemas.microsoft.com/office/drawing/2010/main" val="0"/>
+              </a:ext>
+            </a:extLst>
+          </a:blip>
+          <a:srcRect/>
+          <a:stretch>
+            <a:fillRect/>
+          </a:stretch>
+        </p:blipFill>
+        <p:spPr bwMode="auto">
+          <a:xfrm>
+            <a:off x="1984572" y="1700808"/>
+            <a:ext cx="5323732" cy="2808312"/>
+          </a:xfrm>
+          <a:prstGeom prst="rect">
+            <a:avLst/>
+          </a:prstGeom>
+          <a:noFill/>
+          <a:ln>
+            <a:noFill/>
+          </a:ln>
+          <a:effectLst/>
+          <a:extLst>
+            <a:ext uri="{909E8E84-426E-40DD-AFC4-6F175D3DCCD1}">
+              <a14:hiddenFill xmlns:a14="http://schemas.microsoft.com/office/drawing/2010/main">
+                <a:solidFill>
+                  <a:schemeClr val="accent1"/>
+                </a:solidFill>
+              </a14:hiddenFill>
+            </a:ext>
+            <a:ext uri="{91240B29-F687-4F45-9708-019B960494DF}">
+              <a14:hiddenLine xmlns:a14="http://schemas.microsoft.com/office/drawing/2010/main" w="9525">
+                <a:solidFill>
+                  <a:schemeClr val="tx1"/>
+                </a:solidFill>
+                <a:miter lim="800000"/>
+                <a:headEnd/>
+                <a:tailEnd/>
+              </a14:hiddenLine>
+            </a:ext>
+            <a:ext uri="{AF507438-7753-43E0-B8FC-AC1667EBCBE1}">
+              <a14:hiddenEffects xmlns:a14="http://schemas.microsoft.com/office/drawing/2010/main">
+                <a:effectLst>
+                  <a:outerShdw dist="35921" dir="2700000" algn="ctr" rotWithShape="0">
+                    <a:schemeClr val="bg2"/>
+                  </a:outerShdw>
+                </a:effectLst>
+              </a14:hiddenEffects>
+            </a:ext>
+          </a:extLst>
+        </p:spPr>
+      </p:pic>
+      <p:cxnSp>
+        <p:nvCxnSpPr>
+          <p:cNvPr id="7" name="Connettore 1 6"/>
+          <p:cNvCxnSpPr/>
+          <p:nvPr/>
+        </p:nvCxnSpPr>
+        <p:spPr>
+          <a:xfrm>
+            <a:off x="2800597" y="1772816"/>
+            <a:ext cx="3384376" cy="3312368"/>
+          </a:xfrm>
+          <a:prstGeom prst="line">
+            <a:avLst/>
+          </a:prstGeom>
+          <a:ln w="76200">
+            <a:solidFill>
+              <a:srgbClr val="FF0000"/>
+            </a:solidFill>
+          </a:ln>
+        </p:spPr>
+        <p:style>
+          <a:lnRef idx="1">
+            <a:schemeClr val="accent1"/>
+          </a:lnRef>
+          <a:fillRef idx="0">
+            <a:schemeClr val="accent1"/>
+          </a:fillRef>
+          <a:effectRef idx="0">
+            <a:schemeClr val="accent1"/>
+          </a:effectRef>
+          <a:fontRef idx="minor">
+            <a:schemeClr val="tx1"/>
+          </a:fontRef>
+        </p:style>
+      </p:cxnSp>
+      <p:cxnSp>
+        <p:nvCxnSpPr>
+          <p:cNvPr id="10" name="Connettore 1 9"/>
+          <p:cNvCxnSpPr/>
+          <p:nvPr/>
+        </p:nvCxnSpPr>
+        <p:spPr>
+          <a:xfrm flipV="1">
+            <a:off x="2944613" y="1772816"/>
+            <a:ext cx="3240360" cy="3168352"/>
+          </a:xfrm>
+          <a:prstGeom prst="line">
+            <a:avLst/>
+          </a:prstGeom>
+          <a:ln w="76200">
+            <a:solidFill>
+              <a:srgbClr val="FF0000"/>
+            </a:solidFill>
+          </a:ln>
+        </p:spPr>
+        <p:style>
+          <a:lnRef idx="1">
+            <a:schemeClr val="accent1"/>
+          </a:lnRef>
+          <a:fillRef idx="0">
+            <a:schemeClr val="accent1"/>
+          </a:fillRef>
+          <a:effectRef idx="0">
+            <a:schemeClr val="accent1"/>
+          </a:effectRef>
+          <a:fontRef idx="minor">
+            <a:schemeClr val="tx1"/>
+          </a:fontRef>
+        </p:style>
+      </p:cxnSp>
+    </p:spTree>
+    <p:extLst>
+      <p:ext uri="{BB962C8B-B14F-4D97-AF65-F5344CB8AC3E}">
+        <p14:creationId xmlns:p14="http://schemas.microsoft.com/office/powerpoint/2010/main" val="2176363407"/>
+      </p:ext>
+    </p:extLst>
+  </p:cSld>
+  <p:clrMapOvr>
+    <a:masterClrMapping/>
+  </p:clrMapOvr>
+  <p:timing>
+    <p:tnLst>
+      <p:par>
+        <p:cTn id="1" dur="indefinite" restart="never" nodeType="tmRoot">
+          <p:childTnLst>
+            <p:seq concurrent="1" nextAc="seek">
+              <p:cTn id="2" dur="indefinite" nodeType="mainSeq">
+                <p:childTnLst>
+                  <p:par>
+                    <p:cTn id="3" fill="hold">
+                      <p:stCondLst>
+                        <p:cond delay="indefinite"/>
+                      </p:stCondLst>
+                      <p:childTnLst>
+                        <p:par>
+                          <p:cTn id="4" fill="hold">
+                            <p:stCondLst>
+                              <p:cond delay="0"/>
+                            </p:stCondLst>
+                            <p:childTnLst>
+                              <p:par>
+                                <p:cTn id="5" presetID="22" presetClass="entr" presetSubtype="4" fill="hold" nodeType="clickEffect">
+                                  <p:stCondLst>
+                                    <p:cond delay="0"/>
+                                  </p:stCondLst>
+                                  <p:childTnLst>
+                                    <p:set>
+                                      <p:cBhvr>
+                                        <p:cTn id="6" dur="1" fill="hold">
+                                          <p:stCondLst>
+                                            <p:cond delay="0"/>
+                                          </p:stCondLst>
+                                        </p:cTn>
+                                        <p:tgtEl>
+                                          <p:spTgt spid="10"/>
+                                        </p:tgtEl>
+                                        <p:attrNameLst>
+                                          <p:attrName>style.visibility</p:attrName>
+                                        </p:attrNameLst>
+                                      </p:cBhvr>
+                                      <p:to>
+                                        <p:strVal val="visible"/>
+                                      </p:to>
+                                    </p:set>
+                                    <p:animEffect transition="in" filter="wipe(down)">
+                                      <p:cBhvr>
+                                        <p:cTn id="7" dur="500"/>
+                                        <p:tgtEl>
+                                          <p:spTgt spid="10"/>
+                                        </p:tgtEl>
+                                      </p:cBhvr>
+                                    </p:animEffect>
+                                  </p:childTnLst>
+                                </p:cTn>
+                              </p:par>
+                              <p:par>
+                                <p:cTn id="8" presetID="22" presetClass="entr" presetSubtype="4" fill="hold" nodeType="withEffect">
+                                  <p:stCondLst>
+                                    <p:cond delay="0"/>
+                                  </p:stCondLst>
+                                  <p:childTnLst>
+                                    <p:set>
+                                      <p:cBhvr>
+                                        <p:cTn id="9" dur="1" fill="hold">
+                                          <p:stCondLst>
+                                            <p:cond delay="0"/>
+                                          </p:stCondLst>
+                                        </p:cTn>
+                                        <p:tgtEl>
+                                          <p:spTgt spid="7"/>
+                                        </p:tgtEl>
+                                        <p:attrNameLst>
+                                          <p:attrName>style.visibility</p:attrName>
+                                        </p:attrNameLst>
+                                      </p:cBhvr>
+                                      <p:to>
+                                        <p:strVal val="visible"/>
+                                      </p:to>
+                                    </p:set>
+                                    <p:animEffect transition="in" filter="wipe(down)">
+                                      <p:cBhvr>
+                                        <p:cTn id="10" dur="500"/>
+                                        <p:tgtEl>
+                                          <p:spTgt spid="7"/>
+                                        </p:tgtEl>
+                                      </p:cBhvr>
+                                    </p:animEffect>
+                                  </p:childTnLst>
+                                </p:cTn>
+                              </p:par>
+                            </p:childTnLst>
+                          </p:cTn>
+                        </p:par>
+                      </p:childTnLst>
+                    </p:cTn>
+                  </p:par>
+                </p:childTnLst>
+              </p:cTn>
+              <p:prevCondLst>
+                <p:cond evt="onPrev" delay="0">
+                  <p:tgtEl>
+                    <p:sldTgt/>
+                  </p:tgtEl>
+                </p:cond>
+              </p:prevCondLst>
+              <p:nextCondLst>
+                <p:cond evt="onNext" delay="0">
+                  <p:tgtEl>
+                    <p:sldTgt/>
+                  </p:tgtEl>
+                </p:cond>
+              </p:nextCondLst>
+            </p:seq>
+          </p:childTnLst>
+        </p:cTn>
+      </p:par>
+    </p:tnLst>
+  </p:timing>
+</p:sld>
+</file>
+
+<file path=ppt/slides/slide30.xml><?xml version="1.0" encoding="utf-8"?>
 <p:sld xmlns:a="http://schemas.openxmlformats.org/drawingml/2006/main" xmlns:r="http://schemas.openxmlformats.org/officeDocument/2006/relationships" xmlns:p="http://schemas.openxmlformats.org/presentationml/2006/main">
   <p:cSld>
     <p:spTree>
@@ -13492,21 +17220,21 @@
                 <a:gridCol w="2856317">
                   <a:extLst>
                     <a:ext uri="{9D8B030D-6E8A-4147-A177-3AD203B41FA5}">
-                      <a16:colId xmlns:a16="http://schemas.microsoft.com/office/drawing/2014/main" val="20000"/>
+                      <a16:colId xmlns:a16="http://schemas.microsoft.com/office/drawing/2014/main" xmlns="" val="20000"/>
                     </a:ext>
                   </a:extLst>
                 </a:gridCol>
                 <a:gridCol w="2856317">
                   <a:extLst>
                     <a:ext uri="{9D8B030D-6E8A-4147-A177-3AD203B41FA5}">
-                      <a16:colId xmlns:a16="http://schemas.microsoft.com/office/drawing/2014/main" val="20001"/>
+                      <a16:colId xmlns:a16="http://schemas.microsoft.com/office/drawing/2014/main" xmlns="" val="20001"/>
                     </a:ext>
                   </a:extLst>
                 </a:gridCol>
                 <a:gridCol w="2856317">
                   <a:extLst>
                     <a:ext uri="{9D8B030D-6E8A-4147-A177-3AD203B41FA5}">
-                      <a16:colId xmlns:a16="http://schemas.microsoft.com/office/drawing/2014/main" val="20002"/>
+                      <a16:colId xmlns:a16="http://schemas.microsoft.com/office/drawing/2014/main" xmlns="" val="20002"/>
                     </a:ext>
                   </a:extLst>
                 </a:gridCol>
@@ -13652,7 +17380,7 @@
                 </a:tc>
                 <a:extLst>
                   <a:ext uri="{0D108BD9-81ED-4DB2-BD59-A6C34878D82A}">
-                    <a16:rowId xmlns:a16="http://schemas.microsoft.com/office/drawing/2014/main" val="10000"/>
+                    <a16:rowId xmlns:a16="http://schemas.microsoft.com/office/drawing/2014/main" xmlns="" val="10000"/>
                   </a:ext>
                 </a:extLst>
               </a:tr>
@@ -13802,7 +17530,7 @@
                 </a:tc>
                 <a:extLst>
                   <a:ext uri="{0D108BD9-81ED-4DB2-BD59-A6C34878D82A}">
-                    <a16:rowId xmlns:a16="http://schemas.microsoft.com/office/drawing/2014/main" val="10001"/>
+                    <a16:rowId xmlns:a16="http://schemas.microsoft.com/office/drawing/2014/main" xmlns="" val="10001"/>
                   </a:ext>
                 </a:extLst>
               </a:tr>
@@ -13919,10 +17647,17 @@
   <p:clrMapOvr>
     <a:masterClrMapping/>
   </p:clrMapOvr>
+  <p:timing>
+    <p:tnLst>
+      <p:par>
+        <p:cTn id="1" dur="indefinite" restart="never" nodeType="tmRoot"/>
+      </p:par>
+    </p:tnLst>
+  </p:timing>
 </p:sld>
 </file>
 
-<file path=ppt/slides/slide22.xml><?xml version="1.0" encoding="utf-8"?>
+<file path=ppt/slides/slide31.xml><?xml version="1.0" encoding="utf-8"?>
 <p:sld xmlns:a="http://schemas.openxmlformats.org/drawingml/2006/main" xmlns:r="http://schemas.openxmlformats.org/officeDocument/2006/relationships" xmlns:p="http://schemas.openxmlformats.org/presentationml/2006/main">
   <p:cSld>
     <p:spTree>
@@ -14425,7 +18160,7 @@
 </p:sld>
 </file>
 
-<file path=ppt/slides/slide23.xml><?xml version="1.0" encoding="utf-8"?>
+<file path=ppt/slides/slide32.xml><?xml version="1.0" encoding="utf-8"?>
 <p:sld xmlns:a="http://schemas.openxmlformats.org/drawingml/2006/main" xmlns:r="http://schemas.openxmlformats.org/officeDocument/2006/relationships" xmlns:p="http://schemas.openxmlformats.org/presentationml/2006/main">
   <p:cSld>
     <p:spTree>
@@ -14540,10 +18275,17 @@
   <p:clrMapOvr>
     <a:masterClrMapping/>
   </p:clrMapOvr>
+  <p:timing>
+    <p:tnLst>
+      <p:par>
+        <p:cTn id="1" dur="indefinite" restart="never" nodeType="tmRoot"/>
+      </p:par>
+    </p:tnLst>
+  </p:timing>
 </p:sld>
 </file>
 
-<file path=ppt/slides/slide24.xml><?xml version="1.0" encoding="utf-8"?>
+<file path=ppt/slides/slide33.xml><?xml version="1.0" encoding="utf-8"?>
 <p:sld xmlns:a="http://schemas.openxmlformats.org/drawingml/2006/main" xmlns:r="http://schemas.openxmlformats.org/officeDocument/2006/relationships" xmlns:p="http://schemas.openxmlformats.org/presentationml/2006/main">
   <p:cSld>
     <p:spTree>
@@ -14640,10 +18382,17 @@
   <p:clrMapOvr>
     <a:masterClrMapping/>
   </p:clrMapOvr>
+  <p:timing>
+    <p:tnLst>
+      <p:par>
+        <p:cTn id="1" dur="indefinite" restart="never" nodeType="tmRoot"/>
+      </p:par>
+    </p:tnLst>
+  </p:timing>
 </p:sld>
 </file>
 
-<file path=ppt/slides/slide25.xml><?xml version="1.0" encoding="utf-8"?>
+<file path=ppt/slides/slide34.xml><?xml version="1.0" encoding="utf-8"?>
 <p:sld xmlns:a="http://schemas.openxmlformats.org/drawingml/2006/main" xmlns:r="http://schemas.openxmlformats.org/officeDocument/2006/relationships" xmlns:p="http://schemas.openxmlformats.org/presentationml/2006/main">
   <p:cSld>
     <p:spTree>
@@ -16288,7 +20037,7 @@
 </p:sld>
 </file>
 
-<file path=ppt/slides/slide26.xml><?xml version="1.0" encoding="utf-8"?>
+<file path=ppt/slides/slide35.xml><?xml version="1.0" encoding="utf-8"?>
 <p:sld xmlns:a="http://schemas.openxmlformats.org/drawingml/2006/main" xmlns:r="http://schemas.openxmlformats.org/officeDocument/2006/relationships" xmlns:p="http://schemas.openxmlformats.org/presentationml/2006/main">
   <p:cSld>
     <p:spTree>
@@ -17509,7 +21258,7 @@
 </p:sld>
 </file>
 
-<file path=ppt/slides/slide27.xml><?xml version="1.0" encoding="utf-8"?>
+<file path=ppt/slides/slide36.xml><?xml version="1.0" encoding="utf-8"?>
 <p:sld xmlns:a="http://schemas.openxmlformats.org/drawingml/2006/main" xmlns:r="http://schemas.openxmlformats.org/officeDocument/2006/relationships" xmlns:p="http://schemas.openxmlformats.org/presentationml/2006/main">
   <p:cSld>
     <p:spTree>
@@ -19522,2863 +23271,6 @@
 </p:sld>
 </file>
 
-<file path=ppt/slides/slide28.xml><?xml version="1.0" encoding="utf-8"?>
-<p:sld xmlns:a="http://schemas.openxmlformats.org/drawingml/2006/main" xmlns:r="http://schemas.openxmlformats.org/officeDocument/2006/relationships" xmlns:p="http://schemas.openxmlformats.org/presentationml/2006/main">
-  <p:cSld>
-    <p:bg>
-      <p:bgPr>
-        <a:solidFill>
-          <a:schemeClr val="bg1"/>
-        </a:solidFill>
-        <a:effectLst/>
-      </p:bgPr>
-    </p:bg>
-    <p:spTree>
-      <p:nvGrpSpPr>
-        <p:cNvPr id="1" name=""/>
-        <p:cNvGrpSpPr/>
-        <p:nvPr/>
-      </p:nvGrpSpPr>
-      <p:grpSpPr>
-        <a:xfrm>
-          <a:off x="0" y="0"/>
-          <a:ext cx="0" cy="0"/>
-          <a:chOff x="0" y="0"/>
-          <a:chExt cx="0" cy="0"/>
-        </a:xfrm>
-      </p:grpSpPr>
-      <p:sp>
-        <p:nvSpPr>
-          <p:cNvPr id="2" name="Titolo 1"/>
-          <p:cNvSpPr>
-            <a:spLocks noGrp="1"/>
-          </p:cNvSpPr>
-          <p:nvPr>
-            <p:ph type="ctrTitle"/>
-          </p:nvPr>
-        </p:nvSpPr>
-        <p:spPr>
-          <a:xfrm>
-            <a:off x="1012825" y="1988840"/>
-            <a:ext cx="8131175" cy="936104"/>
-          </a:xfrm>
-          <a:prstGeom prst="rect">
-            <a:avLst/>
-          </a:prstGeom>
-        </p:spPr>
-        <p:txBody>
-          <a:bodyPr anchor="t"/>
-          <a:lstStyle/>
-          <a:p>
-            <a:pPr algn="l"/>
-            <a:r>
-              <a:rPr lang="it-IT"/>
-              <a:t>PERCHÉ?</a:t>
-            </a:r>
-            <a:endParaRPr lang="it-IT">
-              <a:solidFill>
-                <a:srgbClr val="FF6633"/>
-              </a:solidFill>
-              <a:latin typeface="Cabin"/>
-            </a:endParaRPr>
-          </a:p>
-        </p:txBody>
-      </p:sp>
-      <p:sp>
-        <p:nvSpPr>
-          <p:cNvPr id="3" name="Titolo 1"/>
-          <p:cNvSpPr txBox="1">
-            <a:spLocks/>
-          </p:cNvSpPr>
-          <p:nvPr/>
-        </p:nvSpPr>
-        <p:spPr>
-          <a:xfrm>
-            <a:off x="1034585" y="3077344"/>
-            <a:ext cx="8131175" cy="936104"/>
-          </a:xfrm>
-          <a:prstGeom prst="rect">
-            <a:avLst/>
-          </a:prstGeom>
-        </p:spPr>
-        <p:txBody>
-          <a:bodyPr anchor="t"/>
-          <a:lstStyle>
-            <a:lvl1pPr algn="r" defTabSz="914400" rtl="0" eaLnBrk="1" latinLnBrk="0" hangingPunct="1">
-              <a:spcBef>
-                <a:spcPct val="0"/>
-              </a:spcBef>
-              <a:buNone/>
-              <a:defRPr sz="6000" b="1" kern="1200" baseline="0">
-                <a:solidFill>
-                  <a:srgbClr val="FF6633"/>
-                </a:solidFill>
-                <a:latin typeface="Cabin"/>
-                <a:ea typeface="+mj-ea"/>
-                <a:cs typeface="+mj-cs"/>
-              </a:defRPr>
-            </a:lvl1pPr>
-          </a:lstStyle>
-          <a:p>
-            <a:pPr algn="l"/>
-            <a:r>
-              <a:rPr lang="it-IT" sz="3600" b="0"/>
-              <a:t>A quali bisogni risponde la </a:t>
-            </a:r>
-            <a:r>
-              <a:rPr lang="it-IT" sz="3600" b="0" err="1"/>
-              <a:t>blockchain</a:t>
-            </a:r>
-            <a:r>
-              <a:rPr lang="it-IT" sz="3600" b="0"/>
-              <a:t>?</a:t>
-            </a:r>
-          </a:p>
-        </p:txBody>
-      </p:sp>
-    </p:spTree>
-    <p:extLst>
-      <p:ext uri="{BB962C8B-B14F-4D97-AF65-F5344CB8AC3E}">
-        <p14:creationId xmlns:p14="http://schemas.microsoft.com/office/powerpoint/2010/main" val="3663766710"/>
-      </p:ext>
-    </p:extLst>
-  </p:cSld>
-  <p:clrMapOvr>
-    <a:masterClrMapping/>
-  </p:clrMapOvr>
-</p:sld>
-</file>
-
-<file path=ppt/slides/slide29.xml><?xml version="1.0" encoding="utf-8"?>
-<p:sld xmlns:a="http://schemas.openxmlformats.org/drawingml/2006/main" xmlns:r="http://schemas.openxmlformats.org/officeDocument/2006/relationships" xmlns:p="http://schemas.openxmlformats.org/presentationml/2006/main">
-  <p:cSld>
-    <p:spTree>
-      <p:nvGrpSpPr>
-        <p:cNvPr id="1" name=""/>
-        <p:cNvGrpSpPr/>
-        <p:nvPr/>
-      </p:nvGrpSpPr>
-      <p:grpSpPr>
-        <a:xfrm>
-          <a:off x="0" y="0"/>
-          <a:ext cx="0" cy="0"/>
-          <a:chOff x="0" y="0"/>
-          <a:chExt cx="0" cy="0"/>
-        </a:xfrm>
-      </p:grpSpPr>
-      <p:sp>
-        <p:nvSpPr>
-          <p:cNvPr id="2" name="Titolo verticale 1"/>
-          <p:cNvSpPr>
-            <a:spLocks noGrp="1"/>
-          </p:cNvSpPr>
-          <p:nvPr>
-            <p:ph type="title" orient="vert"/>
-          </p:nvPr>
-        </p:nvSpPr>
-        <p:spPr/>
-        <p:txBody>
-          <a:bodyPr vert="eaVert" anchor="t"/>
-          <a:lstStyle/>
-          <a:p>
-            <a:r>
-              <a:rPr lang="it-IT">
-                <a:cs typeface="Calibri"/>
-              </a:rPr>
-              <a:t>Transfer of trust in a </a:t>
-            </a:r>
-            <a:r>
-              <a:rPr lang="it-IT" err="1">
-                <a:cs typeface="Calibri"/>
-              </a:rPr>
-              <a:t>trustless</a:t>
-            </a:r>
-            <a:r>
-              <a:rPr lang="it-IT">
-                <a:cs typeface="Calibri"/>
-              </a:rPr>
-              <a:t> world</a:t>
-            </a:r>
-          </a:p>
-        </p:txBody>
-      </p:sp>
-      <p:pic>
-        <p:nvPicPr>
-          <p:cNvPr id="6" name="Immagine 6">
-            <a:extLst>
-              <a:ext uri="{FF2B5EF4-FFF2-40B4-BE49-F238E27FC236}">
-                <a16:creationId xmlns:a16="http://schemas.microsoft.com/office/drawing/2014/main" id="{0EC8AFDE-61F1-45EE-A813-7B987B993785}"/>
-              </a:ext>
-            </a:extLst>
-          </p:cNvPr>
-          <p:cNvPicPr>
-            <a:picLocks noChangeAspect="1"/>
-          </p:cNvPicPr>
-          <p:nvPr/>
-        </p:nvPicPr>
-        <p:blipFill>
-          <a:blip r:embed="rId2"/>
-          <a:stretch>
-            <a:fillRect/>
-          </a:stretch>
-        </p:blipFill>
-        <p:spPr>
-          <a:xfrm>
-            <a:off x="847725" y="1228725"/>
-            <a:ext cx="8280237" cy="6241097"/>
-          </a:xfrm>
-          <a:prstGeom prst="rect">
-            <a:avLst/>
-          </a:prstGeom>
-        </p:spPr>
-      </p:pic>
-      <p:sp>
-        <p:nvSpPr>
-          <p:cNvPr id="8" name="Ovale 7">
-            <a:extLst>
-              <a:ext uri="{FF2B5EF4-FFF2-40B4-BE49-F238E27FC236}">
-                <a16:creationId xmlns:a16="http://schemas.microsoft.com/office/drawing/2014/main" id="{DD75E03B-AD47-4631-BAC8-4207D17B0941}"/>
-              </a:ext>
-            </a:extLst>
-          </p:cNvPr>
-          <p:cNvSpPr/>
-          <p:nvPr/>
-        </p:nvSpPr>
-        <p:spPr>
-          <a:xfrm>
-            <a:off x="4476750" y="1390650"/>
-            <a:ext cx="4461837" cy="4206875"/>
-          </a:xfrm>
-          <a:prstGeom prst="ellipse">
-            <a:avLst/>
-          </a:prstGeom>
-          <a:noFill/>
-          <a:ln w="57150">
-            <a:solidFill>
-              <a:srgbClr val="FF0000"/>
-            </a:solidFill>
-          </a:ln>
-        </p:spPr>
-        <p:style>
-          <a:lnRef idx="2">
-            <a:schemeClr val="accent1">
-              <a:shade val="50000"/>
-            </a:schemeClr>
-          </a:lnRef>
-          <a:fillRef idx="1">
-            <a:schemeClr val="accent1"/>
-          </a:fillRef>
-          <a:effectRef idx="0">
-            <a:schemeClr val="accent1"/>
-          </a:effectRef>
-          <a:fontRef idx="minor">
-            <a:schemeClr val="lt1"/>
-          </a:fontRef>
-        </p:style>
-        <p:txBody>
-          <a:bodyPr rtlCol="0" anchor="ctr"/>
-          <a:lstStyle/>
-          <a:p>
-            <a:pPr algn="ctr"/>
-            <a:endParaRPr lang="it-IT"/>
-          </a:p>
-        </p:txBody>
-      </p:sp>
-      <p:pic>
-        <p:nvPicPr>
-          <p:cNvPr id="4" name="Immagine 4">
-            <a:extLst>
-              <a:ext uri="{FF2B5EF4-FFF2-40B4-BE49-F238E27FC236}">
-                <a16:creationId xmlns:a16="http://schemas.microsoft.com/office/drawing/2014/main" id="{51D64BCB-B846-48D9-981E-811C1D3EAF4A}"/>
-              </a:ext>
-            </a:extLst>
-          </p:cNvPr>
-          <p:cNvPicPr>
-            <a:picLocks noChangeAspect="1"/>
-          </p:cNvPicPr>
-          <p:nvPr/>
-        </p:nvPicPr>
-        <p:blipFill>
-          <a:blip r:embed="rId3"/>
-          <a:stretch>
-            <a:fillRect/>
-          </a:stretch>
-        </p:blipFill>
-        <p:spPr>
-          <a:xfrm>
-            <a:off x="4276725" y="1085850"/>
-            <a:ext cx="1261951" cy="1271956"/>
-          </a:xfrm>
-          <a:prstGeom prst="rect">
-            <a:avLst/>
-          </a:prstGeom>
-        </p:spPr>
-      </p:pic>
-    </p:spTree>
-    <p:extLst>
-      <p:ext uri="{BB962C8B-B14F-4D97-AF65-F5344CB8AC3E}">
-        <p14:creationId xmlns:p14="http://schemas.microsoft.com/office/powerpoint/2010/main" val="2141546148"/>
-      </p:ext>
-    </p:extLst>
-  </p:cSld>
-  <p:clrMapOvr>
-    <a:masterClrMapping/>
-  </p:clrMapOvr>
-</p:sld>
-</file>
-
-<file path=ppt/slides/slide3.xml><?xml version="1.0" encoding="utf-8"?>
-<p:sld xmlns:a="http://schemas.openxmlformats.org/drawingml/2006/main" xmlns:r="http://schemas.openxmlformats.org/officeDocument/2006/relationships" xmlns:p="http://schemas.openxmlformats.org/presentationml/2006/main">
-  <p:cSld>
-    <p:spTree>
-      <p:nvGrpSpPr>
-        <p:cNvPr id="1" name=""/>
-        <p:cNvGrpSpPr/>
-        <p:nvPr/>
-      </p:nvGrpSpPr>
-      <p:grpSpPr>
-        <a:xfrm>
-          <a:off x="0" y="0"/>
-          <a:ext cx="0" cy="0"/>
-          <a:chOff x="0" y="0"/>
-          <a:chExt cx="0" cy="0"/>
-        </a:xfrm>
-      </p:grpSpPr>
-      <p:sp>
-        <p:nvSpPr>
-          <p:cNvPr id="2" name="Titolo verticale 1"/>
-          <p:cNvSpPr>
-            <a:spLocks noGrp="1"/>
-          </p:cNvSpPr>
-          <p:nvPr>
-            <p:ph type="title" orient="vert"/>
-          </p:nvPr>
-        </p:nvSpPr>
-        <p:spPr/>
-        <p:txBody>
-          <a:bodyPr/>
-          <a:lstStyle/>
-          <a:p>
-            <a:r>
-              <a:rPr lang="it-IT"/>
-              <a:t>DISCLAIMER</a:t>
-            </a:r>
-          </a:p>
-        </p:txBody>
-      </p:sp>
-      <p:sp>
-        <p:nvSpPr>
-          <p:cNvPr id="4" name="AutoShape 2" descr="Risultati immagini per coinbase"/>
-          <p:cNvSpPr>
-            <a:spLocks noChangeAspect="1" noChangeArrowheads="1"/>
-          </p:cNvSpPr>
-          <p:nvPr/>
-        </p:nvSpPr>
-        <p:spPr bwMode="auto">
-          <a:xfrm>
-            <a:off x="155575" y="-144463"/>
-            <a:ext cx="304800" cy="304801"/>
-          </a:xfrm>
-          <a:prstGeom prst="rect">
-            <a:avLst/>
-          </a:prstGeom>
-          <a:noFill/>
-          <a:extLst>
-            <a:ext uri="{909E8E84-426E-40DD-AFC4-6F175D3DCCD1}">
-              <a14:hiddenFill xmlns:a14="http://schemas.microsoft.com/office/drawing/2010/main">
-                <a:solidFill>
-                  <a:srgbClr val="FFFFFF"/>
-                </a:solidFill>
-              </a14:hiddenFill>
-            </a:ext>
-          </a:extLst>
-        </p:spPr>
-        <p:txBody>
-          <a:bodyPr vert="horz" wrap="square" lIns="91440" tIns="45720" rIns="91440" bIns="45720" numCol="1" anchor="t" anchorCtr="0" compatLnSpc="1">
-            <a:prstTxWarp prst="textNoShape">
-              <a:avLst/>
-            </a:prstTxWarp>
-          </a:bodyPr>
-          <a:lstStyle/>
-          <a:p>
-            <a:endParaRPr lang="it-IT"/>
-          </a:p>
-        </p:txBody>
-      </p:sp>
-      <p:pic>
-        <p:nvPicPr>
-          <p:cNvPr id="1027" name="Picture 3"/>
-          <p:cNvPicPr>
-            <a:picLocks noChangeAspect="1" noChangeArrowheads="1"/>
-          </p:cNvPicPr>
-          <p:nvPr/>
-        </p:nvPicPr>
-        <p:blipFill>
-          <a:blip r:embed="rId2">
-            <a:extLst>
-              <a:ext uri="{28A0092B-C50C-407E-A947-70E740481C1C}">
-                <a14:useLocalDpi xmlns:a14="http://schemas.microsoft.com/office/drawing/2010/main" val="0"/>
-              </a:ext>
-            </a:extLst>
-          </a:blip>
-          <a:srcRect/>
-          <a:stretch>
-            <a:fillRect/>
-          </a:stretch>
-        </p:blipFill>
-        <p:spPr bwMode="auto">
-          <a:xfrm>
-            <a:off x="1984572" y="1700808"/>
-            <a:ext cx="5323732" cy="2808312"/>
-          </a:xfrm>
-          <a:prstGeom prst="rect">
-            <a:avLst/>
-          </a:prstGeom>
-          <a:noFill/>
-          <a:ln>
-            <a:noFill/>
-          </a:ln>
-          <a:effectLst/>
-          <a:extLst>
-            <a:ext uri="{909E8E84-426E-40DD-AFC4-6F175D3DCCD1}">
-              <a14:hiddenFill xmlns:a14="http://schemas.microsoft.com/office/drawing/2010/main">
-                <a:solidFill>
-                  <a:schemeClr val="accent1"/>
-                </a:solidFill>
-              </a14:hiddenFill>
-            </a:ext>
-            <a:ext uri="{91240B29-F687-4F45-9708-019B960494DF}">
-              <a14:hiddenLine xmlns:a14="http://schemas.microsoft.com/office/drawing/2010/main" w="9525">
-                <a:solidFill>
-                  <a:schemeClr val="tx1"/>
-                </a:solidFill>
-                <a:miter lim="800000"/>
-                <a:headEnd/>
-                <a:tailEnd/>
-              </a14:hiddenLine>
-            </a:ext>
-            <a:ext uri="{AF507438-7753-43E0-B8FC-AC1667EBCBE1}">
-              <a14:hiddenEffects xmlns:a14="http://schemas.microsoft.com/office/drawing/2010/main">
-                <a:effectLst>
-                  <a:outerShdw dist="35921" dir="2700000" algn="ctr" rotWithShape="0">
-                    <a:schemeClr val="bg2"/>
-                  </a:outerShdw>
-                </a:effectLst>
-              </a14:hiddenEffects>
-            </a:ext>
-          </a:extLst>
-        </p:spPr>
-      </p:pic>
-      <p:cxnSp>
-        <p:nvCxnSpPr>
-          <p:cNvPr id="7" name="Connettore 1 6"/>
-          <p:cNvCxnSpPr/>
-          <p:nvPr/>
-        </p:nvCxnSpPr>
-        <p:spPr>
-          <a:xfrm>
-            <a:off x="2800597" y="1772816"/>
-            <a:ext cx="3384376" cy="3312368"/>
-          </a:xfrm>
-          <a:prstGeom prst="line">
-            <a:avLst/>
-          </a:prstGeom>
-          <a:ln w="76200">
-            <a:solidFill>
-              <a:srgbClr val="FF0000"/>
-            </a:solidFill>
-          </a:ln>
-        </p:spPr>
-        <p:style>
-          <a:lnRef idx="1">
-            <a:schemeClr val="accent1"/>
-          </a:lnRef>
-          <a:fillRef idx="0">
-            <a:schemeClr val="accent1"/>
-          </a:fillRef>
-          <a:effectRef idx="0">
-            <a:schemeClr val="accent1"/>
-          </a:effectRef>
-          <a:fontRef idx="minor">
-            <a:schemeClr val="tx1"/>
-          </a:fontRef>
-        </p:style>
-      </p:cxnSp>
-      <p:cxnSp>
-        <p:nvCxnSpPr>
-          <p:cNvPr id="10" name="Connettore 1 9"/>
-          <p:cNvCxnSpPr/>
-          <p:nvPr/>
-        </p:nvCxnSpPr>
-        <p:spPr>
-          <a:xfrm flipV="1">
-            <a:off x="2944613" y="1772816"/>
-            <a:ext cx="3240360" cy="3168352"/>
-          </a:xfrm>
-          <a:prstGeom prst="line">
-            <a:avLst/>
-          </a:prstGeom>
-          <a:ln w="76200">
-            <a:solidFill>
-              <a:srgbClr val="FF0000"/>
-            </a:solidFill>
-          </a:ln>
-        </p:spPr>
-        <p:style>
-          <a:lnRef idx="1">
-            <a:schemeClr val="accent1"/>
-          </a:lnRef>
-          <a:fillRef idx="0">
-            <a:schemeClr val="accent1"/>
-          </a:fillRef>
-          <a:effectRef idx="0">
-            <a:schemeClr val="accent1"/>
-          </a:effectRef>
-          <a:fontRef idx="minor">
-            <a:schemeClr val="tx1"/>
-          </a:fontRef>
-        </p:style>
-      </p:cxnSp>
-    </p:spTree>
-    <p:extLst>
-      <p:ext uri="{BB962C8B-B14F-4D97-AF65-F5344CB8AC3E}">
-        <p14:creationId xmlns:p14="http://schemas.microsoft.com/office/powerpoint/2010/main" val="2176363407"/>
-      </p:ext>
-    </p:extLst>
-  </p:cSld>
-  <p:clrMapOvr>
-    <a:masterClrMapping/>
-  </p:clrMapOvr>
-  <p:timing>
-    <p:tnLst>
-      <p:par>
-        <p:cTn id="1" dur="indefinite" restart="never" nodeType="tmRoot">
-          <p:childTnLst>
-            <p:seq concurrent="1" nextAc="seek">
-              <p:cTn id="2" dur="indefinite" nodeType="mainSeq">
-                <p:childTnLst>
-                  <p:par>
-                    <p:cTn id="3" fill="hold">
-                      <p:stCondLst>
-                        <p:cond delay="indefinite"/>
-                      </p:stCondLst>
-                      <p:childTnLst>
-                        <p:par>
-                          <p:cTn id="4" fill="hold">
-                            <p:stCondLst>
-                              <p:cond delay="0"/>
-                            </p:stCondLst>
-                            <p:childTnLst>
-                              <p:par>
-                                <p:cTn id="5" presetID="22" presetClass="entr" presetSubtype="4" fill="hold" nodeType="clickEffect">
-                                  <p:stCondLst>
-                                    <p:cond delay="0"/>
-                                  </p:stCondLst>
-                                  <p:childTnLst>
-                                    <p:set>
-                                      <p:cBhvr>
-                                        <p:cTn id="6" dur="1" fill="hold">
-                                          <p:stCondLst>
-                                            <p:cond delay="0"/>
-                                          </p:stCondLst>
-                                        </p:cTn>
-                                        <p:tgtEl>
-                                          <p:spTgt spid="10"/>
-                                        </p:tgtEl>
-                                        <p:attrNameLst>
-                                          <p:attrName>style.visibility</p:attrName>
-                                        </p:attrNameLst>
-                                      </p:cBhvr>
-                                      <p:to>
-                                        <p:strVal val="visible"/>
-                                      </p:to>
-                                    </p:set>
-                                    <p:animEffect transition="in" filter="wipe(down)">
-                                      <p:cBhvr>
-                                        <p:cTn id="7" dur="500"/>
-                                        <p:tgtEl>
-                                          <p:spTgt spid="10"/>
-                                        </p:tgtEl>
-                                      </p:cBhvr>
-                                    </p:animEffect>
-                                  </p:childTnLst>
-                                </p:cTn>
-                              </p:par>
-                              <p:par>
-                                <p:cTn id="8" presetID="22" presetClass="entr" presetSubtype="4" fill="hold" nodeType="withEffect">
-                                  <p:stCondLst>
-                                    <p:cond delay="0"/>
-                                  </p:stCondLst>
-                                  <p:childTnLst>
-                                    <p:set>
-                                      <p:cBhvr>
-                                        <p:cTn id="9" dur="1" fill="hold">
-                                          <p:stCondLst>
-                                            <p:cond delay="0"/>
-                                          </p:stCondLst>
-                                        </p:cTn>
-                                        <p:tgtEl>
-                                          <p:spTgt spid="7"/>
-                                        </p:tgtEl>
-                                        <p:attrNameLst>
-                                          <p:attrName>style.visibility</p:attrName>
-                                        </p:attrNameLst>
-                                      </p:cBhvr>
-                                      <p:to>
-                                        <p:strVal val="visible"/>
-                                      </p:to>
-                                    </p:set>
-                                    <p:animEffect transition="in" filter="wipe(down)">
-                                      <p:cBhvr>
-                                        <p:cTn id="10" dur="500"/>
-                                        <p:tgtEl>
-                                          <p:spTgt spid="7"/>
-                                        </p:tgtEl>
-                                      </p:cBhvr>
-                                    </p:animEffect>
-                                  </p:childTnLst>
-                                </p:cTn>
-                              </p:par>
-                            </p:childTnLst>
-                          </p:cTn>
-                        </p:par>
-                      </p:childTnLst>
-                    </p:cTn>
-                  </p:par>
-                </p:childTnLst>
-              </p:cTn>
-              <p:prevCondLst>
-                <p:cond evt="onPrev" delay="0">
-                  <p:tgtEl>
-                    <p:sldTgt/>
-                  </p:tgtEl>
-                </p:cond>
-              </p:prevCondLst>
-              <p:nextCondLst>
-                <p:cond evt="onNext" delay="0">
-                  <p:tgtEl>
-                    <p:sldTgt/>
-                  </p:tgtEl>
-                </p:cond>
-              </p:nextCondLst>
-            </p:seq>
-          </p:childTnLst>
-        </p:cTn>
-      </p:par>
-    </p:tnLst>
-  </p:timing>
-</p:sld>
-</file>
-
-<file path=ppt/slides/slide30.xml><?xml version="1.0" encoding="utf-8"?>
-<p:sld xmlns:a="http://schemas.openxmlformats.org/drawingml/2006/main" xmlns:r="http://schemas.openxmlformats.org/officeDocument/2006/relationships" xmlns:p="http://schemas.openxmlformats.org/presentationml/2006/main">
-  <p:cSld>
-    <p:spTree>
-      <p:nvGrpSpPr>
-        <p:cNvPr id="1" name=""/>
-        <p:cNvGrpSpPr/>
-        <p:nvPr/>
-      </p:nvGrpSpPr>
-      <p:grpSpPr>
-        <a:xfrm>
-          <a:off x="0" y="0"/>
-          <a:ext cx="0" cy="0"/>
-          <a:chOff x="0" y="0"/>
-          <a:chExt cx="0" cy="0"/>
-        </a:xfrm>
-      </p:grpSpPr>
-      <p:sp>
-        <p:nvSpPr>
-          <p:cNvPr id="2" name="Titolo verticale 1"/>
-          <p:cNvSpPr>
-            <a:spLocks noGrp="1"/>
-          </p:cNvSpPr>
-          <p:nvPr>
-            <p:ph type="title" orient="vert"/>
-          </p:nvPr>
-        </p:nvSpPr>
-        <p:spPr/>
-        <p:txBody>
-          <a:bodyPr vert="eaVert" anchor="t"/>
-          <a:lstStyle/>
-          <a:p>
-            <a:r>
-              <a:rPr lang="it-IT">
-                <a:cs typeface="Calibri"/>
-              </a:rPr>
-              <a:t>Transfer of trust in a </a:t>
-            </a:r>
-            <a:r>
-              <a:rPr lang="it-IT" err="1">
-                <a:cs typeface="Calibri"/>
-              </a:rPr>
-              <a:t>trustless</a:t>
-            </a:r>
-            <a:r>
-              <a:rPr lang="it-IT">
-                <a:cs typeface="Calibri"/>
-              </a:rPr>
-              <a:t> world</a:t>
-            </a:r>
-          </a:p>
-        </p:txBody>
-      </p:sp>
-      <p:pic>
-        <p:nvPicPr>
-          <p:cNvPr id="3" name="Immagine 4">
-            <a:extLst>
-              <a:ext uri="{FF2B5EF4-FFF2-40B4-BE49-F238E27FC236}">
-                <a16:creationId xmlns:a16="http://schemas.microsoft.com/office/drawing/2014/main" id="{CE06430E-17C6-485D-8FF8-9E789256210B}"/>
-              </a:ext>
-            </a:extLst>
-          </p:cNvPr>
-          <p:cNvPicPr>
-            <a:picLocks noChangeAspect="1"/>
-          </p:cNvPicPr>
-          <p:nvPr/>
-        </p:nvPicPr>
-        <p:blipFill>
-          <a:blip r:embed="rId2"/>
-          <a:stretch>
-            <a:fillRect/>
-          </a:stretch>
-        </p:blipFill>
-        <p:spPr>
-          <a:xfrm>
-            <a:off x="2166131" y="1027094"/>
-            <a:ext cx="4779182" cy="4770456"/>
-          </a:xfrm>
-          <a:prstGeom prst="rect">
-            <a:avLst/>
-          </a:prstGeom>
-        </p:spPr>
-      </p:pic>
-      <p:pic>
-        <p:nvPicPr>
-          <p:cNvPr id="7" name="Immagine 8">
-            <a:extLst>
-              <a:ext uri="{FF2B5EF4-FFF2-40B4-BE49-F238E27FC236}">
-                <a16:creationId xmlns:a16="http://schemas.microsoft.com/office/drawing/2014/main" id="{5501D58B-DC3E-424C-90B2-099BFFCE0A2F}"/>
-              </a:ext>
-            </a:extLst>
-          </p:cNvPr>
-          <p:cNvPicPr>
-            <a:picLocks noChangeAspect="1"/>
-          </p:cNvPicPr>
-          <p:nvPr/>
-        </p:nvPicPr>
-        <p:blipFill>
-          <a:blip r:embed="rId3"/>
-          <a:stretch>
-            <a:fillRect/>
-          </a:stretch>
-        </p:blipFill>
-        <p:spPr>
-          <a:xfrm>
-            <a:off x="6667677" y="1016000"/>
-            <a:ext cx="2566811" cy="1372041"/>
-          </a:xfrm>
-          <a:prstGeom prst="rect">
-            <a:avLst/>
-          </a:prstGeom>
-        </p:spPr>
-      </p:pic>
-      <p:pic>
-        <p:nvPicPr>
-          <p:cNvPr id="10" name="Immagine 10" descr="Immagine che contiene edificio&#10;&#10;Descrizione generata con affidabilità molto elevata">
-            <a:extLst>
-              <a:ext uri="{FF2B5EF4-FFF2-40B4-BE49-F238E27FC236}">
-                <a16:creationId xmlns:a16="http://schemas.microsoft.com/office/drawing/2014/main" id="{98E7AD59-AC88-49D9-A3B1-45FF0DF5E583}"/>
-              </a:ext>
-            </a:extLst>
-          </p:cNvPr>
-          <p:cNvPicPr>
-            <a:picLocks noChangeAspect="1"/>
-          </p:cNvPicPr>
-          <p:nvPr/>
-        </p:nvPicPr>
-        <p:blipFill>
-          <a:blip r:embed="rId4"/>
-          <a:stretch>
-            <a:fillRect/>
-          </a:stretch>
-        </p:blipFill>
-        <p:spPr>
-          <a:xfrm>
-            <a:off x="6572250" y="3105150"/>
-            <a:ext cx="2552259" cy="2348179"/>
-          </a:xfrm>
-          <a:prstGeom prst="rect">
-            <a:avLst/>
-          </a:prstGeom>
-        </p:spPr>
-      </p:pic>
-      <p:pic>
-        <p:nvPicPr>
-          <p:cNvPr id="12" name="Immagine 12">
-            <a:extLst>
-              <a:ext uri="{FF2B5EF4-FFF2-40B4-BE49-F238E27FC236}">
-                <a16:creationId xmlns:a16="http://schemas.microsoft.com/office/drawing/2014/main" id="{88B0562D-626E-4EEA-8B80-228D04F9F930}"/>
-              </a:ext>
-            </a:extLst>
-          </p:cNvPr>
-          <p:cNvPicPr>
-            <a:picLocks noChangeAspect="1"/>
-          </p:cNvPicPr>
-          <p:nvPr/>
-        </p:nvPicPr>
-        <p:blipFill>
-          <a:blip r:embed="rId3"/>
-          <a:stretch>
-            <a:fillRect/>
-          </a:stretch>
-        </p:blipFill>
-        <p:spPr>
-          <a:xfrm>
-            <a:off x="7315200" y="5276850"/>
-            <a:ext cx="1072458" cy="573467"/>
-          </a:xfrm>
-          <a:prstGeom prst="rect">
-            <a:avLst/>
-          </a:prstGeom>
-        </p:spPr>
-      </p:pic>
-      <p:pic>
-        <p:nvPicPr>
-          <p:cNvPr id="14" name="Immagine 14">
-            <a:extLst>
-              <a:ext uri="{FF2B5EF4-FFF2-40B4-BE49-F238E27FC236}">
-                <a16:creationId xmlns:a16="http://schemas.microsoft.com/office/drawing/2014/main" id="{A71282B5-BF37-4D88-9B1B-AF5C15FF9A14}"/>
-              </a:ext>
-            </a:extLst>
-          </p:cNvPr>
-          <p:cNvPicPr>
-            <a:picLocks noChangeAspect="1"/>
-          </p:cNvPicPr>
-          <p:nvPr/>
-        </p:nvPicPr>
-        <p:blipFill>
-          <a:blip r:embed="rId5"/>
-          <a:stretch>
-            <a:fillRect/>
-          </a:stretch>
-        </p:blipFill>
-        <p:spPr>
-          <a:xfrm>
-            <a:off x="6619875" y="5048250"/>
-            <a:ext cx="801957" cy="812120"/>
-          </a:xfrm>
-          <a:prstGeom prst="rect">
-            <a:avLst/>
-          </a:prstGeom>
-        </p:spPr>
-      </p:pic>
-      <p:pic>
-        <p:nvPicPr>
-          <p:cNvPr id="16" name="Immagine 16">
-            <a:extLst>
-              <a:ext uri="{FF2B5EF4-FFF2-40B4-BE49-F238E27FC236}">
-                <a16:creationId xmlns:a16="http://schemas.microsoft.com/office/drawing/2014/main" id="{5664CBED-600F-4DD5-92D5-3DFD7888D1A8}"/>
-              </a:ext>
-            </a:extLst>
-          </p:cNvPr>
-          <p:cNvPicPr>
-            <a:picLocks noChangeAspect="1"/>
-          </p:cNvPicPr>
-          <p:nvPr/>
-        </p:nvPicPr>
-        <p:blipFill>
-          <a:blip r:embed="rId3"/>
-          <a:stretch>
-            <a:fillRect/>
-          </a:stretch>
-        </p:blipFill>
-        <p:spPr>
-          <a:xfrm>
-            <a:off x="352425" y="4302248"/>
-            <a:ext cx="1879126" cy="1005407"/>
-          </a:xfrm>
-          <a:prstGeom prst="rect">
-            <a:avLst/>
-          </a:prstGeom>
-        </p:spPr>
-      </p:pic>
-      <p:pic>
-        <p:nvPicPr>
-          <p:cNvPr id="18" name="Immagine 18" descr="Immagine che contiene persona, arighe, interni&#10;&#10;Descrizione generata con affidabilità elevata">
-            <a:extLst>
-              <a:ext uri="{FF2B5EF4-FFF2-40B4-BE49-F238E27FC236}">
-                <a16:creationId xmlns:a16="http://schemas.microsoft.com/office/drawing/2014/main" id="{5C118A92-4505-4010-A2AB-5520E65296AF}"/>
-              </a:ext>
-            </a:extLst>
-          </p:cNvPr>
-          <p:cNvPicPr>
-            <a:picLocks noChangeAspect="1"/>
-          </p:cNvPicPr>
-          <p:nvPr/>
-        </p:nvPicPr>
-        <p:blipFill>
-          <a:blip r:embed="rId6"/>
-          <a:stretch>
-            <a:fillRect/>
-          </a:stretch>
-        </p:blipFill>
-        <p:spPr>
-          <a:xfrm>
-            <a:off x="584495" y="1250079"/>
-            <a:ext cx="1581637" cy="1581637"/>
-          </a:xfrm>
-          <a:prstGeom prst="rect">
-            <a:avLst/>
-          </a:prstGeom>
-        </p:spPr>
-      </p:pic>
-      <p:cxnSp>
-        <p:nvCxnSpPr>
-          <p:cNvPr id="20" name="Connettore curvo 19">
-            <a:extLst>
-              <a:ext uri="{FF2B5EF4-FFF2-40B4-BE49-F238E27FC236}">
-                <a16:creationId xmlns:a16="http://schemas.microsoft.com/office/drawing/2014/main" id="{892F748A-454B-4C5E-A0F1-044B06D60370}"/>
-              </a:ext>
-            </a:extLst>
-          </p:cNvPr>
-          <p:cNvCxnSpPr/>
-          <p:nvPr/>
-        </p:nvCxnSpPr>
-        <p:spPr>
-          <a:xfrm flipV="1">
-            <a:off x="4476750" y="1518697"/>
-            <a:ext cx="2044140" cy="1376903"/>
-          </a:xfrm>
-          <a:prstGeom prst="curvedConnector3">
-            <a:avLst/>
-          </a:prstGeom>
-          <a:ln w="57150">
-            <a:solidFill>
-              <a:schemeClr val="tx1"/>
-            </a:solidFill>
-            <a:tailEnd type="triangle"/>
-          </a:ln>
-        </p:spPr>
-        <p:style>
-          <a:lnRef idx="1">
-            <a:schemeClr val="accent1"/>
-          </a:lnRef>
-          <a:fillRef idx="0">
-            <a:schemeClr val="accent1"/>
-          </a:fillRef>
-          <a:effectRef idx="0">
-            <a:schemeClr val="accent1"/>
-          </a:effectRef>
-          <a:fontRef idx="minor">
-            <a:schemeClr val="tx1"/>
-          </a:fontRef>
-        </p:style>
-      </p:cxnSp>
-      <p:cxnSp>
-        <p:nvCxnSpPr>
-          <p:cNvPr id="21" name="Connettore 2 20">
-            <a:extLst>
-              <a:ext uri="{FF2B5EF4-FFF2-40B4-BE49-F238E27FC236}">
-                <a16:creationId xmlns:a16="http://schemas.microsoft.com/office/drawing/2014/main" id="{7E4C5B4F-13B4-428F-B1B5-7625E8C53203}"/>
-              </a:ext>
-            </a:extLst>
-          </p:cNvPr>
-          <p:cNvCxnSpPr/>
-          <p:nvPr/>
-        </p:nvCxnSpPr>
-        <p:spPr>
-          <a:xfrm>
-            <a:off x="8413096" y="2328705"/>
-            <a:ext cx="23337" cy="1025783"/>
-          </a:xfrm>
-          <a:prstGeom prst="straightConnector1">
-            <a:avLst/>
-          </a:prstGeom>
-          <a:ln w="57150">
-            <a:solidFill>
-              <a:schemeClr val="tx1"/>
-            </a:solidFill>
-            <a:tailEnd type="triangle"/>
-          </a:ln>
-        </p:spPr>
-        <p:style>
-          <a:lnRef idx="1">
-            <a:schemeClr val="accent1"/>
-          </a:lnRef>
-          <a:fillRef idx="0">
-            <a:schemeClr val="accent1"/>
-          </a:fillRef>
-          <a:effectRef idx="0">
-            <a:schemeClr val="accent1"/>
-          </a:effectRef>
-          <a:fontRef idx="minor">
-            <a:schemeClr val="tx1"/>
-          </a:fontRef>
-        </p:style>
-      </p:cxnSp>
-      <p:cxnSp>
-        <p:nvCxnSpPr>
-          <p:cNvPr id="22" name="Connettore 2 21">
-            <a:extLst>
-              <a:ext uri="{FF2B5EF4-FFF2-40B4-BE49-F238E27FC236}">
-                <a16:creationId xmlns:a16="http://schemas.microsoft.com/office/drawing/2014/main" id="{F883EEB9-D82E-4AE7-B8E7-8805D29F93AE}"/>
-              </a:ext>
-            </a:extLst>
-          </p:cNvPr>
-          <p:cNvCxnSpPr/>
-          <p:nvPr/>
-        </p:nvCxnSpPr>
-        <p:spPr>
-          <a:xfrm flipH="1" flipV="1">
-            <a:off x="2135916" y="5169003"/>
-            <a:ext cx="4256944" cy="247164"/>
-          </a:xfrm>
-          <a:prstGeom prst="straightConnector1">
-            <a:avLst/>
-          </a:prstGeom>
-          <a:ln w="57150">
-            <a:solidFill>
-              <a:schemeClr val="tx1"/>
-            </a:solidFill>
-            <a:tailEnd type="triangle"/>
-          </a:ln>
-        </p:spPr>
-        <p:style>
-          <a:lnRef idx="1">
-            <a:schemeClr val="accent1"/>
-          </a:lnRef>
-          <a:fillRef idx="0">
-            <a:schemeClr val="accent1"/>
-          </a:fillRef>
-          <a:effectRef idx="0">
-            <a:schemeClr val="accent1"/>
-          </a:effectRef>
-          <a:fontRef idx="minor">
-            <a:schemeClr val="tx1"/>
-          </a:fontRef>
-        </p:style>
-      </p:cxnSp>
-      <p:cxnSp>
-        <p:nvCxnSpPr>
-          <p:cNvPr id="23" name="Connettore 2 22">
-            <a:extLst>
-              <a:ext uri="{FF2B5EF4-FFF2-40B4-BE49-F238E27FC236}">
-                <a16:creationId xmlns:a16="http://schemas.microsoft.com/office/drawing/2014/main" id="{928C2C3E-71AE-4FE0-8294-A5624F551DC1}"/>
-              </a:ext>
-            </a:extLst>
-          </p:cNvPr>
-          <p:cNvCxnSpPr/>
-          <p:nvPr/>
-        </p:nvCxnSpPr>
-        <p:spPr>
-          <a:xfrm flipV="1">
-            <a:off x="895350" y="2994613"/>
-            <a:ext cx="262015" cy="1376903"/>
-          </a:xfrm>
-          <a:prstGeom prst="straightConnector1">
-            <a:avLst/>
-          </a:prstGeom>
-          <a:ln w="57150">
-            <a:solidFill>
-              <a:schemeClr val="tx1"/>
-            </a:solidFill>
-            <a:tailEnd type="triangle"/>
-          </a:ln>
-        </p:spPr>
-        <p:style>
-          <a:lnRef idx="1">
-            <a:schemeClr val="accent1"/>
-          </a:lnRef>
-          <a:fillRef idx="0">
-            <a:schemeClr val="accent1"/>
-          </a:fillRef>
-          <a:effectRef idx="0">
-            <a:schemeClr val="accent1"/>
-          </a:effectRef>
-          <a:fontRef idx="minor">
-            <a:schemeClr val="tx1"/>
-          </a:fontRef>
-        </p:style>
-      </p:cxnSp>
-      <p:cxnSp>
-        <p:nvCxnSpPr>
-          <p:cNvPr id="24" name="Connettore 2 23">
-            <a:extLst>
-              <a:ext uri="{FF2B5EF4-FFF2-40B4-BE49-F238E27FC236}">
-                <a16:creationId xmlns:a16="http://schemas.microsoft.com/office/drawing/2014/main" id="{8D4438B9-3CC4-4E12-A6E8-A75155D7ACB8}"/>
-              </a:ext>
-            </a:extLst>
-          </p:cNvPr>
-          <p:cNvCxnSpPr/>
-          <p:nvPr/>
-        </p:nvCxnSpPr>
-        <p:spPr>
-          <a:xfrm>
-            <a:off x="2271129" y="1883173"/>
-            <a:ext cx="1948669" cy="930312"/>
-          </a:xfrm>
-          <a:prstGeom prst="straightConnector1">
-            <a:avLst/>
-          </a:prstGeom>
-          <a:ln w="57150">
-            <a:solidFill>
-              <a:schemeClr val="tx1"/>
-            </a:solidFill>
-            <a:tailEnd type="triangle"/>
-          </a:ln>
-        </p:spPr>
-        <p:style>
-          <a:lnRef idx="1">
-            <a:schemeClr val="accent1"/>
-          </a:lnRef>
-          <a:fillRef idx="0">
-            <a:schemeClr val="accent1"/>
-          </a:fillRef>
-          <a:effectRef idx="0">
-            <a:schemeClr val="accent1"/>
-          </a:effectRef>
-          <a:fontRef idx="minor">
-            <a:schemeClr val="tx1"/>
-          </a:fontRef>
-        </p:style>
-      </p:cxnSp>
-    </p:spTree>
-    <p:extLst>
-      <p:ext uri="{BB962C8B-B14F-4D97-AF65-F5344CB8AC3E}">
-        <p14:creationId xmlns:p14="http://schemas.microsoft.com/office/powerpoint/2010/main" val="4081668157"/>
-      </p:ext>
-    </p:extLst>
-  </p:cSld>
-  <p:clrMapOvr>
-    <a:masterClrMapping/>
-  </p:clrMapOvr>
-</p:sld>
-</file>
-
-<file path=ppt/slides/slide31.xml><?xml version="1.0" encoding="utf-8"?>
-<p:sld xmlns:a="http://schemas.openxmlformats.org/drawingml/2006/main" xmlns:r="http://schemas.openxmlformats.org/officeDocument/2006/relationships" xmlns:p="http://schemas.openxmlformats.org/presentationml/2006/main">
-  <p:cSld>
-    <p:spTree>
-      <p:nvGrpSpPr>
-        <p:cNvPr id="1" name=""/>
-        <p:cNvGrpSpPr/>
-        <p:nvPr/>
-      </p:nvGrpSpPr>
-      <p:grpSpPr>
-        <a:xfrm>
-          <a:off x="0" y="0"/>
-          <a:ext cx="0" cy="0"/>
-          <a:chOff x="0" y="0"/>
-          <a:chExt cx="0" cy="0"/>
-        </a:xfrm>
-      </p:grpSpPr>
-      <p:pic>
-        <p:nvPicPr>
-          <p:cNvPr id="3" name="Immagine 4">
-            <a:extLst>
-              <a:ext uri="{FF2B5EF4-FFF2-40B4-BE49-F238E27FC236}">
-                <a16:creationId xmlns:a16="http://schemas.microsoft.com/office/drawing/2014/main" id="{CE06430E-17C6-485D-8FF8-9E789256210B}"/>
-              </a:ext>
-            </a:extLst>
-          </p:cNvPr>
-          <p:cNvPicPr>
-            <a:picLocks noChangeAspect="1"/>
-          </p:cNvPicPr>
-          <p:nvPr/>
-        </p:nvPicPr>
-        <p:blipFill>
-          <a:blip r:embed="rId2"/>
-          <a:stretch>
-            <a:fillRect/>
-          </a:stretch>
-        </p:blipFill>
-        <p:spPr>
-          <a:xfrm>
-            <a:off x="2166131" y="1027094"/>
-            <a:ext cx="4779182" cy="4770456"/>
-          </a:xfrm>
-          <a:prstGeom prst="rect">
-            <a:avLst/>
-          </a:prstGeom>
-        </p:spPr>
-      </p:pic>
-      <p:sp>
-        <p:nvSpPr>
-          <p:cNvPr id="2" name="Titolo verticale 1"/>
-          <p:cNvSpPr>
-            <a:spLocks noGrp="1"/>
-          </p:cNvSpPr>
-          <p:nvPr>
-            <p:ph type="title" orient="vert"/>
-          </p:nvPr>
-        </p:nvSpPr>
-        <p:spPr/>
-        <p:txBody>
-          <a:bodyPr vert="eaVert" anchor="t"/>
-          <a:lstStyle/>
-          <a:p>
-            <a:r>
-              <a:rPr lang="it-IT">
-                <a:cs typeface="Calibri"/>
-              </a:rPr>
-              <a:t>Transfer of trust in a </a:t>
-            </a:r>
-            <a:r>
-              <a:rPr lang="it-IT" err="1">
-                <a:cs typeface="Calibri"/>
-              </a:rPr>
-              <a:t>trustless</a:t>
-            </a:r>
-            <a:r>
-              <a:rPr lang="it-IT">
-                <a:cs typeface="Calibri"/>
-              </a:rPr>
-              <a:t> world</a:t>
-            </a:r>
-          </a:p>
-        </p:txBody>
-      </p:sp>
-      <p:pic>
-        <p:nvPicPr>
-          <p:cNvPr id="18" name="Immagine 18" descr="Immagine che contiene persona, arighe, interni&#10;&#10;Descrizione generata con affidabilità elevata">
-            <a:extLst>
-              <a:ext uri="{FF2B5EF4-FFF2-40B4-BE49-F238E27FC236}">
-                <a16:creationId xmlns:a16="http://schemas.microsoft.com/office/drawing/2014/main" id="{5C118A92-4505-4010-A2AB-5520E65296AF}"/>
-              </a:ext>
-            </a:extLst>
-          </p:cNvPr>
-          <p:cNvPicPr>
-            <a:picLocks noChangeAspect="1"/>
-          </p:cNvPicPr>
-          <p:nvPr/>
-        </p:nvPicPr>
-        <p:blipFill>
-          <a:blip r:embed="rId3"/>
-          <a:stretch>
-            <a:fillRect/>
-          </a:stretch>
-        </p:blipFill>
-        <p:spPr>
-          <a:xfrm>
-            <a:off x="584495" y="1250079"/>
-            <a:ext cx="1581637" cy="1581637"/>
-          </a:xfrm>
-          <a:prstGeom prst="rect">
-            <a:avLst/>
-          </a:prstGeom>
-        </p:spPr>
-      </p:pic>
-      <p:cxnSp>
-        <p:nvCxnSpPr>
-          <p:cNvPr id="22" name="Connettore 2 21">
-            <a:extLst>
-              <a:ext uri="{FF2B5EF4-FFF2-40B4-BE49-F238E27FC236}">
-                <a16:creationId xmlns:a16="http://schemas.microsoft.com/office/drawing/2014/main" id="{F883EEB9-D82E-4AE7-B8E7-8805D29F93AE}"/>
-              </a:ext>
-            </a:extLst>
-          </p:cNvPr>
-          <p:cNvCxnSpPr/>
-          <p:nvPr/>
-        </p:nvCxnSpPr>
-        <p:spPr>
-          <a:xfrm flipH="1">
-            <a:off x="2708741" y="3029393"/>
-            <a:ext cx="1615581" cy="1407666"/>
-          </a:xfrm>
-          <a:prstGeom prst="straightConnector1">
-            <a:avLst/>
-          </a:prstGeom>
-          <a:ln w="57150">
-            <a:solidFill>
-              <a:schemeClr val="tx1"/>
-            </a:solidFill>
-            <a:tailEnd type="triangle"/>
-          </a:ln>
-        </p:spPr>
-        <p:style>
-          <a:lnRef idx="1">
-            <a:schemeClr val="accent1"/>
-          </a:lnRef>
-          <a:fillRef idx="0">
-            <a:schemeClr val="accent1"/>
-          </a:fillRef>
-          <a:effectRef idx="0">
-            <a:schemeClr val="accent1"/>
-          </a:effectRef>
-          <a:fontRef idx="minor">
-            <a:schemeClr val="tx1"/>
-          </a:fontRef>
-        </p:style>
-      </p:cxnSp>
-      <p:cxnSp>
-        <p:nvCxnSpPr>
-          <p:cNvPr id="23" name="Connettore 2 22">
-            <a:extLst>
-              <a:ext uri="{FF2B5EF4-FFF2-40B4-BE49-F238E27FC236}">
-                <a16:creationId xmlns:a16="http://schemas.microsoft.com/office/drawing/2014/main" id="{928C2C3E-71AE-4FE0-8294-A5624F551DC1}"/>
-              </a:ext>
-            </a:extLst>
-          </p:cNvPr>
-          <p:cNvCxnSpPr/>
-          <p:nvPr/>
-        </p:nvCxnSpPr>
-        <p:spPr>
-          <a:xfrm flipH="1" flipV="1">
-            <a:off x="1157365" y="2994613"/>
-            <a:ext cx="135780" cy="1138226"/>
-          </a:xfrm>
-          <a:prstGeom prst="straightConnector1">
-            <a:avLst/>
-          </a:prstGeom>
-          <a:ln w="57150">
-            <a:solidFill>
-              <a:schemeClr val="tx1"/>
-            </a:solidFill>
-            <a:tailEnd type="triangle"/>
-          </a:ln>
-        </p:spPr>
-        <p:style>
-          <a:lnRef idx="1">
-            <a:schemeClr val="accent1"/>
-          </a:lnRef>
-          <a:fillRef idx="0">
-            <a:schemeClr val="accent1"/>
-          </a:fillRef>
-          <a:effectRef idx="0">
-            <a:schemeClr val="accent1"/>
-          </a:effectRef>
-          <a:fontRef idx="minor">
-            <a:schemeClr val="tx1"/>
-          </a:fontRef>
-        </p:style>
-      </p:cxnSp>
-      <p:cxnSp>
-        <p:nvCxnSpPr>
-          <p:cNvPr id="24" name="Connettore 2 23">
-            <a:extLst>
-              <a:ext uri="{FF2B5EF4-FFF2-40B4-BE49-F238E27FC236}">
-                <a16:creationId xmlns:a16="http://schemas.microsoft.com/office/drawing/2014/main" id="{8D4438B9-3CC4-4E12-A6E8-A75155D7ACB8}"/>
-              </a:ext>
-            </a:extLst>
-          </p:cNvPr>
-          <p:cNvCxnSpPr/>
-          <p:nvPr/>
-        </p:nvCxnSpPr>
-        <p:spPr>
-          <a:xfrm>
-            <a:off x="2271129" y="1883173"/>
-            <a:ext cx="1948669" cy="930312"/>
-          </a:xfrm>
-          <a:prstGeom prst="straightConnector1">
-            <a:avLst/>
-          </a:prstGeom>
-          <a:ln w="57150">
-            <a:solidFill>
-              <a:schemeClr val="tx1"/>
-            </a:solidFill>
-            <a:tailEnd type="triangle"/>
-          </a:ln>
-        </p:spPr>
-        <p:style>
-          <a:lnRef idx="1">
-            <a:schemeClr val="accent1"/>
-          </a:lnRef>
-          <a:fillRef idx="0">
-            <a:schemeClr val="accent1"/>
-          </a:fillRef>
-          <a:effectRef idx="0">
-            <a:schemeClr val="accent1"/>
-          </a:effectRef>
-          <a:fontRef idx="minor">
-            <a:schemeClr val="tx1"/>
-          </a:fontRef>
-        </p:style>
-      </p:cxnSp>
-      <p:pic>
-        <p:nvPicPr>
-          <p:cNvPr id="4" name="Immagine 4">
-            <a:extLst>
-              <a:ext uri="{FF2B5EF4-FFF2-40B4-BE49-F238E27FC236}">
-                <a16:creationId xmlns:a16="http://schemas.microsoft.com/office/drawing/2014/main" id="{591DA4DC-C561-43A5-8CDA-5A5EA57DD621}"/>
-              </a:ext>
-            </a:extLst>
-          </p:cNvPr>
-          <p:cNvPicPr>
-            <a:picLocks noChangeAspect="1"/>
-          </p:cNvPicPr>
-          <p:nvPr/>
-        </p:nvPicPr>
-        <p:blipFill>
-          <a:blip r:embed="rId4"/>
-          <a:stretch>
-            <a:fillRect/>
-          </a:stretch>
-        </p:blipFill>
-        <p:spPr>
-          <a:xfrm>
-            <a:off x="846989" y="4165600"/>
-            <a:ext cx="1856524" cy="1685494"/>
-          </a:xfrm>
-          <a:prstGeom prst="rect">
-            <a:avLst/>
-          </a:prstGeom>
-        </p:spPr>
-      </p:pic>
-      <p:sp>
-        <p:nvSpPr>
-          <p:cNvPr id="5" name="Segno di moltiplicazione 4">
-            <a:extLst>
-              <a:ext uri="{FF2B5EF4-FFF2-40B4-BE49-F238E27FC236}">
-                <a16:creationId xmlns:a16="http://schemas.microsoft.com/office/drawing/2014/main" id="{770C9C8A-3937-4232-A6CB-168E931295C5}"/>
-              </a:ext>
-            </a:extLst>
-          </p:cNvPr>
-          <p:cNvSpPr/>
-          <p:nvPr/>
-        </p:nvSpPr>
-        <p:spPr>
-          <a:xfrm>
-            <a:off x="2716046" y="1818313"/>
-            <a:ext cx="914400" cy="914400"/>
-          </a:xfrm>
-          <a:prstGeom prst="mathMultiply">
-            <a:avLst/>
-          </a:prstGeom>
-          <a:solidFill>
-            <a:srgbClr val="FF0000"/>
-          </a:solidFill>
-          <a:ln>
-            <a:solidFill>
-              <a:srgbClr val="FF0000"/>
-            </a:solidFill>
-          </a:ln>
-        </p:spPr>
-        <p:style>
-          <a:lnRef idx="2">
-            <a:schemeClr val="accent1">
-              <a:shade val="50000"/>
-            </a:schemeClr>
-          </a:lnRef>
-          <a:fillRef idx="1">
-            <a:schemeClr val="accent1"/>
-          </a:fillRef>
-          <a:effectRef idx="0">
-            <a:schemeClr val="accent1"/>
-          </a:effectRef>
-          <a:fontRef idx="minor">
-            <a:schemeClr val="lt1"/>
-          </a:fontRef>
-        </p:style>
-        <p:txBody>
-          <a:bodyPr rtlCol="0" anchor="ctr"/>
-          <a:lstStyle/>
-          <a:p>
-            <a:pPr algn="ctr"/>
-            <a:endParaRPr lang="it-IT"/>
-          </a:p>
-        </p:txBody>
-      </p:sp>
-    </p:spTree>
-    <p:extLst>
-      <p:ext uri="{BB962C8B-B14F-4D97-AF65-F5344CB8AC3E}">
-        <p14:creationId xmlns:p14="http://schemas.microsoft.com/office/powerpoint/2010/main" val="481560211"/>
-      </p:ext>
-    </p:extLst>
-  </p:cSld>
-  <p:clrMapOvr>
-    <a:masterClrMapping/>
-  </p:clrMapOvr>
-</p:sld>
-</file>
-
-<file path=ppt/slides/slide32.xml><?xml version="1.0" encoding="utf-8"?>
-<p:sld xmlns:a="http://schemas.openxmlformats.org/drawingml/2006/main" xmlns:r="http://schemas.openxmlformats.org/officeDocument/2006/relationships" xmlns:p="http://schemas.openxmlformats.org/presentationml/2006/main">
-  <p:cSld>
-    <p:spTree>
-      <p:nvGrpSpPr>
-        <p:cNvPr id="1" name=""/>
-        <p:cNvGrpSpPr/>
-        <p:nvPr/>
-      </p:nvGrpSpPr>
-      <p:grpSpPr>
-        <a:xfrm>
-          <a:off x="0" y="0"/>
-          <a:ext cx="0" cy="0"/>
-          <a:chOff x="0" y="0"/>
-          <a:chExt cx="0" cy="0"/>
-        </a:xfrm>
-      </p:grpSpPr>
-      <p:sp>
-        <p:nvSpPr>
-          <p:cNvPr id="2" name="Titolo verticale 1"/>
-          <p:cNvSpPr>
-            <a:spLocks noGrp="1"/>
-          </p:cNvSpPr>
-          <p:nvPr>
-            <p:ph type="title" orient="vert"/>
-          </p:nvPr>
-        </p:nvSpPr>
-        <p:spPr/>
-        <p:txBody>
-          <a:bodyPr vert="eaVert" anchor="t"/>
-          <a:lstStyle/>
-          <a:p>
-            <a:r>
-              <a:rPr lang="it-IT">
-                <a:cs typeface="Calibri"/>
-              </a:rPr>
-              <a:t>Transfer of trust in a </a:t>
-            </a:r>
-            <a:r>
-              <a:rPr lang="it-IT" err="1">
-                <a:cs typeface="Calibri"/>
-              </a:rPr>
-              <a:t>trustless</a:t>
-            </a:r>
-            <a:r>
-              <a:rPr lang="it-IT">
-                <a:cs typeface="Calibri"/>
-              </a:rPr>
-              <a:t> world</a:t>
-            </a:r>
-          </a:p>
-        </p:txBody>
-      </p:sp>
-      <p:pic>
-        <p:nvPicPr>
-          <p:cNvPr id="3" name="Immagine 4">
-            <a:extLst>
-              <a:ext uri="{FF2B5EF4-FFF2-40B4-BE49-F238E27FC236}">
-                <a16:creationId xmlns:a16="http://schemas.microsoft.com/office/drawing/2014/main" id="{CE06430E-17C6-485D-8FF8-9E789256210B}"/>
-              </a:ext>
-            </a:extLst>
-          </p:cNvPr>
-          <p:cNvPicPr>
-            <a:picLocks noChangeAspect="1"/>
-          </p:cNvPicPr>
-          <p:nvPr/>
-        </p:nvPicPr>
-        <p:blipFill>
-          <a:blip r:embed="rId2"/>
-          <a:stretch>
-            <a:fillRect/>
-          </a:stretch>
-        </p:blipFill>
-        <p:spPr>
-          <a:xfrm>
-            <a:off x="2166131" y="1027094"/>
-            <a:ext cx="4779182" cy="4770456"/>
-          </a:xfrm>
-          <a:prstGeom prst="rect">
-            <a:avLst/>
-          </a:prstGeom>
-        </p:spPr>
-      </p:pic>
-      <p:pic>
-        <p:nvPicPr>
-          <p:cNvPr id="10" name="Immagine 10" descr="Immagine che contiene edificio&#10;&#10;Descrizione generata con affidabilità molto elevata">
-            <a:extLst>
-              <a:ext uri="{FF2B5EF4-FFF2-40B4-BE49-F238E27FC236}">
-                <a16:creationId xmlns:a16="http://schemas.microsoft.com/office/drawing/2014/main" id="{98E7AD59-AC88-49D9-A3B1-45FF0DF5E583}"/>
-              </a:ext>
-            </a:extLst>
-          </p:cNvPr>
-          <p:cNvPicPr>
-            <a:picLocks noChangeAspect="1"/>
-          </p:cNvPicPr>
-          <p:nvPr/>
-        </p:nvPicPr>
-        <p:blipFill>
-          <a:blip r:embed="rId3"/>
-          <a:stretch>
-            <a:fillRect/>
-          </a:stretch>
-        </p:blipFill>
-        <p:spPr>
-          <a:xfrm>
-            <a:off x="6572250" y="3105150"/>
-            <a:ext cx="2552259" cy="2348179"/>
-          </a:xfrm>
-          <a:prstGeom prst="rect">
-            <a:avLst/>
-          </a:prstGeom>
-        </p:spPr>
-      </p:pic>
-      <p:pic>
-        <p:nvPicPr>
-          <p:cNvPr id="14" name="Immagine 14">
-            <a:extLst>
-              <a:ext uri="{FF2B5EF4-FFF2-40B4-BE49-F238E27FC236}">
-                <a16:creationId xmlns:a16="http://schemas.microsoft.com/office/drawing/2014/main" id="{A71282B5-BF37-4D88-9B1B-AF5C15FF9A14}"/>
-              </a:ext>
-            </a:extLst>
-          </p:cNvPr>
-          <p:cNvPicPr>
-            <a:picLocks noChangeAspect="1"/>
-          </p:cNvPicPr>
-          <p:nvPr/>
-        </p:nvPicPr>
-        <p:blipFill>
-          <a:blip r:embed="rId4"/>
-          <a:stretch>
-            <a:fillRect/>
-          </a:stretch>
-        </p:blipFill>
-        <p:spPr>
-          <a:xfrm>
-            <a:off x="3724275" y="3904615"/>
-            <a:ext cx="626658" cy="637770"/>
-          </a:xfrm>
-          <a:prstGeom prst="rect">
-            <a:avLst/>
-          </a:prstGeom>
-        </p:spPr>
-      </p:pic>
-      <p:pic>
-        <p:nvPicPr>
-          <p:cNvPr id="18" name="Immagine 18" descr="Immagine che contiene persona, arighe, interni&#10;&#10;Descrizione generata con affidabilità elevata">
-            <a:extLst>
-              <a:ext uri="{FF2B5EF4-FFF2-40B4-BE49-F238E27FC236}">
-                <a16:creationId xmlns:a16="http://schemas.microsoft.com/office/drawing/2014/main" id="{5C118A92-4505-4010-A2AB-5520E65296AF}"/>
-              </a:ext>
-            </a:extLst>
-          </p:cNvPr>
-          <p:cNvPicPr>
-            <a:picLocks noChangeAspect="1"/>
-          </p:cNvPicPr>
-          <p:nvPr/>
-        </p:nvPicPr>
-        <p:blipFill>
-          <a:blip r:embed="rId5"/>
-          <a:stretch>
-            <a:fillRect/>
-          </a:stretch>
-        </p:blipFill>
-        <p:spPr>
-          <a:xfrm>
-            <a:off x="419100" y="2574119"/>
-            <a:ext cx="1581637" cy="1581637"/>
-          </a:xfrm>
-          <a:prstGeom prst="rect">
-            <a:avLst/>
-          </a:prstGeom>
-        </p:spPr>
-      </p:pic>
-      <p:sp>
-        <p:nvSpPr>
-          <p:cNvPr id="4" name="Segno di moltiplicazione 3">
-            <a:extLst>
-              <a:ext uri="{FF2B5EF4-FFF2-40B4-BE49-F238E27FC236}">
-                <a16:creationId xmlns:a16="http://schemas.microsoft.com/office/drawing/2014/main" id="{A02AB8DD-A741-45ED-AC2E-B60F54FB178D}"/>
-              </a:ext>
-            </a:extLst>
-          </p:cNvPr>
-          <p:cNvSpPr/>
-          <p:nvPr/>
-        </p:nvSpPr>
-        <p:spPr>
-          <a:xfrm>
-            <a:off x="6682596" y="3184809"/>
-            <a:ext cx="2346464" cy="2298729"/>
-          </a:xfrm>
-          <a:prstGeom prst="mathMultiply">
-            <a:avLst/>
-          </a:prstGeom>
-          <a:solidFill>
-            <a:srgbClr val="FF0000"/>
-          </a:solidFill>
-          <a:ln>
-            <a:solidFill>
-              <a:srgbClr val="FF0000"/>
-            </a:solidFill>
-          </a:ln>
-        </p:spPr>
-        <p:style>
-          <a:lnRef idx="2">
-            <a:schemeClr val="accent1">
-              <a:shade val="50000"/>
-            </a:schemeClr>
-          </a:lnRef>
-          <a:fillRef idx="1">
-            <a:schemeClr val="accent1"/>
-          </a:fillRef>
-          <a:effectRef idx="0">
-            <a:schemeClr val="accent1"/>
-          </a:effectRef>
-          <a:fontRef idx="minor">
-            <a:schemeClr val="lt1"/>
-          </a:fontRef>
-        </p:style>
-        <p:txBody>
-          <a:bodyPr rtlCol="0" anchor="ctr"/>
-          <a:lstStyle/>
-          <a:p>
-            <a:pPr algn="ctr"/>
-            <a:endParaRPr lang="it-IT"/>
-          </a:p>
-        </p:txBody>
-      </p:sp>
-      <p:pic>
-        <p:nvPicPr>
-          <p:cNvPr id="5" name="Immagine 5">
-            <a:extLst>
-              <a:ext uri="{FF2B5EF4-FFF2-40B4-BE49-F238E27FC236}">
-                <a16:creationId xmlns:a16="http://schemas.microsoft.com/office/drawing/2014/main" id="{CEF0A75C-81D1-4CEE-9D6A-36126F6A433A}"/>
-              </a:ext>
-            </a:extLst>
-          </p:cNvPr>
-          <p:cNvPicPr>
-            <a:picLocks noChangeAspect="1"/>
-          </p:cNvPicPr>
-          <p:nvPr/>
-        </p:nvPicPr>
-        <p:blipFill>
-          <a:blip r:embed="rId6"/>
-          <a:stretch>
-            <a:fillRect/>
-          </a:stretch>
-        </p:blipFill>
-        <p:spPr>
-          <a:xfrm>
-            <a:off x="2340633" y="1229625"/>
-            <a:ext cx="4339510" cy="4321205"/>
-          </a:xfrm>
-          <a:prstGeom prst="rect">
-            <a:avLst/>
-          </a:prstGeom>
-        </p:spPr>
-      </p:pic>
-      <p:pic>
-        <p:nvPicPr>
-          <p:cNvPr id="7" name="Immagine 8">
-            <a:extLst>
-              <a:ext uri="{FF2B5EF4-FFF2-40B4-BE49-F238E27FC236}">
-                <a16:creationId xmlns:a16="http://schemas.microsoft.com/office/drawing/2014/main" id="{5501D58B-DC3E-424C-90B2-099BFFCE0A2F}"/>
-              </a:ext>
-            </a:extLst>
-          </p:cNvPr>
-          <p:cNvPicPr>
-            <a:picLocks noChangeAspect="1"/>
-          </p:cNvPicPr>
-          <p:nvPr/>
-        </p:nvPicPr>
-        <p:blipFill>
-          <a:blip r:embed="rId7"/>
-          <a:stretch>
-            <a:fillRect/>
-          </a:stretch>
-        </p:blipFill>
-        <p:spPr>
-          <a:xfrm>
-            <a:off x="5248275" y="3295650"/>
-            <a:ext cx="1007629" cy="535296"/>
-          </a:xfrm>
-          <a:prstGeom prst="rect">
-            <a:avLst/>
-          </a:prstGeom>
-        </p:spPr>
-      </p:pic>
-      <p:pic>
-        <p:nvPicPr>
-          <p:cNvPr id="12" name="Immagine 12">
-            <a:extLst>
-              <a:ext uri="{FF2B5EF4-FFF2-40B4-BE49-F238E27FC236}">
-                <a16:creationId xmlns:a16="http://schemas.microsoft.com/office/drawing/2014/main" id="{88B0562D-626E-4EEA-8B80-228D04F9F930}"/>
-              </a:ext>
-            </a:extLst>
-          </p:cNvPr>
-          <p:cNvPicPr>
-            <a:picLocks noChangeAspect="1"/>
-          </p:cNvPicPr>
-          <p:nvPr/>
-        </p:nvPicPr>
-        <p:blipFill>
-          <a:blip r:embed="rId7"/>
-          <a:stretch>
-            <a:fillRect/>
-          </a:stretch>
-        </p:blipFill>
-        <p:spPr>
-          <a:xfrm>
-            <a:off x="4114800" y="4487535"/>
-            <a:ext cx="1072458" cy="573467"/>
-          </a:xfrm>
-          <a:prstGeom prst="rect">
-            <a:avLst/>
-          </a:prstGeom>
-        </p:spPr>
-      </p:pic>
-      <p:pic>
-        <p:nvPicPr>
-          <p:cNvPr id="16" name="Immagine 16">
-            <a:extLst>
-              <a:ext uri="{FF2B5EF4-FFF2-40B4-BE49-F238E27FC236}">
-                <a16:creationId xmlns:a16="http://schemas.microsoft.com/office/drawing/2014/main" id="{5664CBED-600F-4DD5-92D5-3DFD7888D1A8}"/>
-              </a:ext>
-            </a:extLst>
-          </p:cNvPr>
-          <p:cNvPicPr>
-            <a:picLocks noChangeAspect="1"/>
-          </p:cNvPicPr>
-          <p:nvPr/>
-        </p:nvPicPr>
-        <p:blipFill>
-          <a:blip r:embed="rId7"/>
-          <a:stretch>
-            <a:fillRect/>
-          </a:stretch>
-        </p:blipFill>
-        <p:spPr>
-          <a:xfrm>
-            <a:off x="3597215" y="2285249"/>
-            <a:ext cx="1036273" cy="554256"/>
-          </a:xfrm>
-          <a:prstGeom prst="rect">
-            <a:avLst/>
-          </a:prstGeom>
-        </p:spPr>
-      </p:pic>
-      <p:pic>
-        <p:nvPicPr>
-          <p:cNvPr id="8" name="Immagine 8">
-            <a:extLst>
-              <a:ext uri="{FF2B5EF4-FFF2-40B4-BE49-F238E27FC236}">
-                <a16:creationId xmlns:a16="http://schemas.microsoft.com/office/drawing/2014/main" id="{1418F03E-9459-4CA3-B98B-0A612BDB43AC}"/>
-              </a:ext>
-            </a:extLst>
-          </p:cNvPr>
-          <p:cNvPicPr>
-            <a:picLocks noChangeAspect="1"/>
-          </p:cNvPicPr>
-          <p:nvPr/>
-        </p:nvPicPr>
-        <p:blipFill>
-          <a:blip r:embed="rId8"/>
-          <a:stretch>
-            <a:fillRect/>
-          </a:stretch>
-        </p:blipFill>
-        <p:spPr>
-          <a:xfrm>
-            <a:off x="1786890" y="4895850"/>
-            <a:ext cx="933826" cy="933826"/>
-          </a:xfrm>
-          <a:prstGeom prst="rect">
-            <a:avLst/>
-          </a:prstGeom>
-        </p:spPr>
-      </p:pic>
-      <p:cxnSp>
-        <p:nvCxnSpPr>
-          <p:cNvPr id="11" name="Connettore 2 10">
-            <a:extLst>
-              <a:ext uri="{FF2B5EF4-FFF2-40B4-BE49-F238E27FC236}">
-                <a16:creationId xmlns:a16="http://schemas.microsoft.com/office/drawing/2014/main" id="{99855D52-F516-422F-9DC7-D1D29FD27145}"/>
-              </a:ext>
-            </a:extLst>
-          </p:cNvPr>
-          <p:cNvCxnSpPr/>
-          <p:nvPr/>
-        </p:nvCxnSpPr>
-        <p:spPr>
-          <a:xfrm flipH="1">
-            <a:off x="2841268" y="5274110"/>
-            <a:ext cx="2777145" cy="373398"/>
-          </a:xfrm>
-          <a:prstGeom prst="straightConnector1">
-            <a:avLst/>
-          </a:prstGeom>
-          <a:ln w="28575">
-            <a:solidFill>
-              <a:schemeClr val="tx1"/>
-            </a:solidFill>
-            <a:tailEnd type="triangle"/>
-          </a:ln>
-        </p:spPr>
-        <p:style>
-          <a:lnRef idx="1">
-            <a:schemeClr val="accent1"/>
-          </a:lnRef>
-          <a:fillRef idx="0">
-            <a:schemeClr val="accent1"/>
-          </a:fillRef>
-          <a:effectRef idx="0">
-            <a:schemeClr val="accent1"/>
-          </a:effectRef>
-          <a:fontRef idx="minor">
-            <a:schemeClr val="tx1"/>
-          </a:fontRef>
-        </p:style>
-      </p:cxnSp>
-      <p:cxnSp>
-        <p:nvCxnSpPr>
-          <p:cNvPr id="13" name="Connettore 2 12">
-            <a:extLst>
-              <a:ext uri="{FF2B5EF4-FFF2-40B4-BE49-F238E27FC236}">
-                <a16:creationId xmlns:a16="http://schemas.microsoft.com/office/drawing/2014/main" id="{ECFCBFEC-27F3-4FD0-B270-8903F6D13858}"/>
-              </a:ext>
-            </a:extLst>
-          </p:cNvPr>
-          <p:cNvCxnSpPr/>
-          <p:nvPr/>
-        </p:nvCxnSpPr>
-        <p:spPr>
-          <a:xfrm flipH="1">
-            <a:off x="2241214" y="3726530"/>
-            <a:ext cx="438105" cy="1312195"/>
-          </a:xfrm>
-          <a:prstGeom prst="straightConnector1">
-            <a:avLst/>
-          </a:prstGeom>
-          <a:ln w="28575">
-            <a:solidFill>
-              <a:schemeClr val="tx1"/>
-            </a:solidFill>
-            <a:tailEnd type="triangle"/>
-          </a:ln>
-        </p:spPr>
-        <p:style>
-          <a:lnRef idx="1">
-            <a:schemeClr val="accent1"/>
-          </a:lnRef>
-          <a:fillRef idx="0">
-            <a:schemeClr val="accent1"/>
-          </a:fillRef>
-          <a:effectRef idx="0">
-            <a:schemeClr val="accent1"/>
-          </a:effectRef>
-          <a:fontRef idx="minor">
-            <a:schemeClr val="tx1"/>
-          </a:fontRef>
-        </p:style>
-      </p:cxnSp>
-      <p:cxnSp>
-        <p:nvCxnSpPr>
-          <p:cNvPr id="15" name="Connettore 2 14">
-            <a:extLst>
-              <a:ext uri="{FF2B5EF4-FFF2-40B4-BE49-F238E27FC236}">
-                <a16:creationId xmlns:a16="http://schemas.microsoft.com/office/drawing/2014/main" id="{BEA8B76C-9E87-454F-AD9C-3D2D3390D82F}"/>
-              </a:ext>
-            </a:extLst>
-          </p:cNvPr>
-          <p:cNvCxnSpPr/>
-          <p:nvPr/>
-        </p:nvCxnSpPr>
-        <p:spPr>
-          <a:xfrm flipH="1">
-            <a:off x="2495550" y="4468329"/>
-            <a:ext cx="342634" cy="437046"/>
-          </a:xfrm>
-          <a:prstGeom prst="straightConnector1">
-            <a:avLst/>
-          </a:prstGeom>
-          <a:ln w="28575">
-            <a:solidFill>
-              <a:schemeClr val="tx1"/>
-            </a:solidFill>
-            <a:tailEnd type="triangle"/>
-          </a:ln>
-        </p:spPr>
-        <p:style>
-          <a:lnRef idx="1">
-            <a:schemeClr val="accent1"/>
-          </a:lnRef>
-          <a:fillRef idx="0">
-            <a:schemeClr val="accent1"/>
-          </a:fillRef>
-          <a:effectRef idx="0">
-            <a:schemeClr val="accent1"/>
-          </a:effectRef>
-          <a:fontRef idx="minor">
-            <a:schemeClr val="tx1"/>
-          </a:fontRef>
-        </p:style>
-      </p:cxnSp>
-      <p:cxnSp>
-        <p:nvCxnSpPr>
-          <p:cNvPr id="17" name="Connettore 2 16">
-            <a:extLst>
-              <a:ext uri="{FF2B5EF4-FFF2-40B4-BE49-F238E27FC236}">
-                <a16:creationId xmlns:a16="http://schemas.microsoft.com/office/drawing/2014/main" id="{42900A6A-4AE4-44E0-AE9B-5C06917AFEEC}"/>
-              </a:ext>
-            </a:extLst>
-          </p:cNvPr>
-          <p:cNvCxnSpPr/>
-          <p:nvPr/>
-        </p:nvCxnSpPr>
-        <p:spPr>
-          <a:xfrm flipH="1">
-            <a:off x="2752520" y="4890266"/>
-            <a:ext cx="517664" cy="230192"/>
-          </a:xfrm>
-          <a:prstGeom prst="straightConnector1">
-            <a:avLst/>
-          </a:prstGeom>
-          <a:ln w="28575">
-            <a:solidFill>
-              <a:schemeClr val="tx1"/>
-            </a:solidFill>
-            <a:tailEnd type="triangle"/>
-          </a:ln>
-        </p:spPr>
-        <p:style>
-          <a:lnRef idx="1">
-            <a:schemeClr val="accent1"/>
-          </a:lnRef>
-          <a:fillRef idx="0">
-            <a:schemeClr val="accent1"/>
-          </a:fillRef>
-          <a:effectRef idx="0">
-            <a:schemeClr val="accent1"/>
-          </a:effectRef>
-          <a:fontRef idx="minor">
-            <a:schemeClr val="tx1"/>
-          </a:fontRef>
-        </p:style>
-      </p:cxnSp>
-      <p:cxnSp>
-        <p:nvCxnSpPr>
-          <p:cNvPr id="19" name="Connettore 2 18">
-            <a:extLst>
-              <a:ext uri="{FF2B5EF4-FFF2-40B4-BE49-F238E27FC236}">
-                <a16:creationId xmlns:a16="http://schemas.microsoft.com/office/drawing/2014/main" id="{3D18AFFF-14DA-47BE-931B-99000CB47561}"/>
-              </a:ext>
-            </a:extLst>
-          </p:cNvPr>
-          <p:cNvCxnSpPr/>
-          <p:nvPr/>
-        </p:nvCxnSpPr>
-        <p:spPr>
-          <a:xfrm flipH="1">
-            <a:off x="2752121" y="5263188"/>
-            <a:ext cx="1281432" cy="86985"/>
-          </a:xfrm>
-          <a:prstGeom prst="straightConnector1">
-            <a:avLst/>
-          </a:prstGeom>
-          <a:ln w="28575">
-            <a:solidFill>
-              <a:schemeClr val="tx1"/>
-            </a:solidFill>
-            <a:tailEnd type="triangle"/>
-          </a:ln>
-        </p:spPr>
-        <p:style>
-          <a:lnRef idx="1">
-            <a:schemeClr val="accent1"/>
-          </a:lnRef>
-          <a:fillRef idx="0">
-            <a:schemeClr val="accent1"/>
-          </a:fillRef>
-          <a:effectRef idx="0">
-            <a:schemeClr val="accent1"/>
-          </a:effectRef>
-          <a:fontRef idx="minor">
-            <a:schemeClr val="tx1"/>
-          </a:fontRef>
-        </p:style>
-      </p:cxnSp>
-      <p:cxnSp>
-        <p:nvCxnSpPr>
-          <p:cNvPr id="25" name="Connettore curvo 24">
-            <a:extLst>
-              <a:ext uri="{FF2B5EF4-FFF2-40B4-BE49-F238E27FC236}">
-                <a16:creationId xmlns:a16="http://schemas.microsoft.com/office/drawing/2014/main" id="{1CB8DE7F-985D-446C-9857-1E89253AEE7E}"/>
-              </a:ext>
-            </a:extLst>
-          </p:cNvPr>
-          <p:cNvCxnSpPr/>
-          <p:nvPr/>
-        </p:nvCxnSpPr>
-        <p:spPr>
-          <a:xfrm flipH="1" flipV="1">
-            <a:off x="1133299" y="4319228"/>
-            <a:ext cx="533576" cy="883637"/>
-          </a:xfrm>
-          <a:prstGeom prst="curvedConnector3">
-            <a:avLst/>
-          </a:prstGeom>
-          <a:ln>
-            <a:solidFill>
-              <a:schemeClr val="tx1"/>
-            </a:solidFill>
-            <a:tailEnd type="triangle"/>
-          </a:ln>
-        </p:spPr>
-        <p:style>
-          <a:lnRef idx="1">
-            <a:schemeClr val="accent1"/>
-          </a:lnRef>
-          <a:fillRef idx="0">
-            <a:schemeClr val="accent1"/>
-          </a:fillRef>
-          <a:effectRef idx="0">
-            <a:schemeClr val="accent1"/>
-          </a:effectRef>
-          <a:fontRef idx="minor">
-            <a:schemeClr val="tx1"/>
-          </a:fontRef>
-        </p:style>
-      </p:cxnSp>
-      <p:cxnSp>
-        <p:nvCxnSpPr>
-          <p:cNvPr id="26" name="Connettore curvo 25">
-            <a:extLst>
-              <a:ext uri="{FF2B5EF4-FFF2-40B4-BE49-F238E27FC236}">
-                <a16:creationId xmlns:a16="http://schemas.microsoft.com/office/drawing/2014/main" id="{FB4ED4D4-6C57-4082-9ECA-65B0C6C5F8BC}"/>
-              </a:ext>
-            </a:extLst>
-          </p:cNvPr>
-          <p:cNvCxnSpPr/>
-          <p:nvPr/>
-        </p:nvCxnSpPr>
-        <p:spPr>
-          <a:xfrm>
-            <a:off x="1399280" y="2362200"/>
-            <a:ext cx="2935202" cy="500693"/>
-          </a:xfrm>
-          <a:prstGeom prst="curvedConnector3">
-            <a:avLst/>
-          </a:prstGeom>
-          <a:ln>
-            <a:solidFill>
-              <a:schemeClr val="tx1"/>
-            </a:solidFill>
-            <a:tailEnd type="triangle"/>
-          </a:ln>
-        </p:spPr>
-        <p:style>
-          <a:lnRef idx="1">
-            <a:schemeClr val="accent1"/>
-          </a:lnRef>
-          <a:fillRef idx="0">
-            <a:schemeClr val="accent1"/>
-          </a:fillRef>
-          <a:effectRef idx="0">
-            <a:schemeClr val="accent1"/>
-          </a:effectRef>
-          <a:fontRef idx="minor">
-            <a:schemeClr val="tx1"/>
-          </a:fontRef>
-        </p:style>
-      </p:cxnSp>
-    </p:spTree>
-    <p:extLst>
-      <p:ext uri="{BB962C8B-B14F-4D97-AF65-F5344CB8AC3E}">
-        <p14:creationId xmlns:p14="http://schemas.microsoft.com/office/powerpoint/2010/main" val="3490867212"/>
-      </p:ext>
-    </p:extLst>
-  </p:cSld>
-  <p:clrMapOvr>
-    <a:masterClrMapping/>
-  </p:clrMapOvr>
-</p:sld>
-</file>
-
-<file path=ppt/slides/slide33.xml><?xml version="1.0" encoding="utf-8"?>
-<p:sld xmlns:a="http://schemas.openxmlformats.org/drawingml/2006/main" xmlns:r="http://schemas.openxmlformats.org/officeDocument/2006/relationships" xmlns:p="http://schemas.openxmlformats.org/presentationml/2006/main">
-  <p:cSld>
-    <p:spTree>
-      <p:nvGrpSpPr>
-        <p:cNvPr id="1" name=""/>
-        <p:cNvGrpSpPr/>
-        <p:nvPr/>
-      </p:nvGrpSpPr>
-      <p:grpSpPr>
-        <a:xfrm>
-          <a:off x="0" y="0"/>
-          <a:ext cx="0" cy="0"/>
-          <a:chOff x="0" y="0"/>
-          <a:chExt cx="0" cy="0"/>
-        </a:xfrm>
-      </p:grpSpPr>
-      <p:sp>
-        <p:nvSpPr>
-          <p:cNvPr id="2" name="Titolo verticale 1"/>
-          <p:cNvSpPr>
-            <a:spLocks noGrp="1"/>
-          </p:cNvSpPr>
-          <p:nvPr>
-            <p:ph type="title" orient="vert"/>
-          </p:nvPr>
-        </p:nvSpPr>
-        <p:spPr/>
-        <p:txBody>
-          <a:bodyPr vert="eaVert" anchor="t"/>
-          <a:lstStyle/>
-          <a:p>
-            <a:r>
-              <a:rPr lang="it-IT">
-                <a:cs typeface="Calibri"/>
-              </a:rPr>
-              <a:t>Transfer of trust in a </a:t>
-            </a:r>
-            <a:r>
-              <a:rPr lang="it-IT" err="1">
-                <a:cs typeface="Calibri"/>
-              </a:rPr>
-              <a:t>trustless</a:t>
-            </a:r>
-            <a:r>
-              <a:rPr lang="it-IT">
-                <a:cs typeface="Calibri"/>
-              </a:rPr>
-              <a:t> world</a:t>
-            </a:r>
-          </a:p>
-        </p:txBody>
-      </p:sp>
-      <p:sp>
-        <p:nvSpPr>
-          <p:cNvPr id="6" name="CasellaDiTesto 5">
-            <a:extLst>
-              <a:ext uri="{FF2B5EF4-FFF2-40B4-BE49-F238E27FC236}">
-                <a16:creationId xmlns:a16="http://schemas.microsoft.com/office/drawing/2014/main" id="{E95CB295-1755-48BA-8B24-7150DB13F051}"/>
-              </a:ext>
-            </a:extLst>
-          </p:cNvPr>
-          <p:cNvSpPr txBox="1"/>
-          <p:nvPr/>
-        </p:nvSpPr>
-        <p:spPr>
-          <a:xfrm>
-            <a:off x="347568" y="1152525"/>
-            <a:ext cx="8423481" cy="3416320"/>
-          </a:xfrm>
-          <a:prstGeom prst="rect">
-            <a:avLst/>
-          </a:prstGeom>
-        </p:spPr>
-        <p:txBody>
-          <a:bodyPr rot="0" spcFirstLastPara="0" vertOverflow="overflow" horzOverflow="overflow" vert="horz" wrap="square" lIns="91440" tIns="45720" rIns="91440" bIns="45720" numCol="1" spcCol="0" rtlCol="0" fromWordArt="0" anchor="t" anchorCtr="0" forceAA="0" compatLnSpc="1">
-            <a:prstTxWarp prst="textNoShape">
-              <a:avLst/>
-            </a:prstTxWarp>
-            <a:spAutoFit/>
-          </a:bodyPr>
-          <a:lstStyle/>
-          <a:p>
-            <a:r>
-              <a:rPr lang="it-IT" sz="7200"/>
-              <a:t>Sistema:</a:t>
-            </a:r>
-          </a:p>
-          <a:p>
-            <a:pPr marL="285750" indent="-285750">
-              <a:buFont typeface="Arial"/>
-              <a:buChar char="•"/>
-            </a:pPr>
-            <a:r>
-              <a:rPr lang="it-IT" sz="7200"/>
-              <a:t> DECENTRALIZZATO</a:t>
-            </a:r>
-          </a:p>
-          <a:p>
-            <a:pPr marL="285750" indent="-285750">
-              <a:buFont typeface="Arial"/>
-              <a:buChar char="•"/>
-            </a:pPr>
-            <a:r>
-              <a:rPr lang="it-IT" sz="7200"/>
-              <a:t> con MEMORIA</a:t>
-            </a:r>
-          </a:p>
-        </p:txBody>
-      </p:sp>
-    </p:spTree>
-    <p:extLst>
-      <p:ext uri="{BB962C8B-B14F-4D97-AF65-F5344CB8AC3E}">
-        <p14:creationId xmlns:p14="http://schemas.microsoft.com/office/powerpoint/2010/main" val="4081704389"/>
-      </p:ext>
-    </p:extLst>
-  </p:cSld>
-  <p:clrMapOvr>
-    <a:masterClrMapping/>
-  </p:clrMapOvr>
-</p:sld>
-</file>
-
-<file path=ppt/slides/slide34.xml><?xml version="1.0" encoding="utf-8"?>
-<p:sld xmlns:a="http://schemas.openxmlformats.org/drawingml/2006/main" xmlns:r="http://schemas.openxmlformats.org/officeDocument/2006/relationships" xmlns:p="http://schemas.openxmlformats.org/presentationml/2006/main">
-  <p:cSld>
-    <p:spTree>
-      <p:nvGrpSpPr>
-        <p:cNvPr id="1" name=""/>
-        <p:cNvGrpSpPr/>
-        <p:nvPr/>
-      </p:nvGrpSpPr>
-      <p:grpSpPr>
-        <a:xfrm>
-          <a:off x="0" y="0"/>
-          <a:ext cx="0" cy="0"/>
-          <a:chOff x="0" y="0"/>
-          <a:chExt cx="0" cy="0"/>
-        </a:xfrm>
-      </p:grpSpPr>
-      <p:sp>
-        <p:nvSpPr>
-          <p:cNvPr id="2" name="Titolo verticale 1"/>
-          <p:cNvSpPr>
-            <a:spLocks noGrp="1"/>
-          </p:cNvSpPr>
-          <p:nvPr>
-            <p:ph type="title" orient="vert"/>
-          </p:nvPr>
-        </p:nvSpPr>
-        <p:spPr/>
-        <p:txBody>
-          <a:bodyPr vert="eaVert" anchor="t"/>
-          <a:lstStyle/>
-          <a:p>
-            <a:r>
-              <a:rPr lang="it-IT">
-                <a:cs typeface="Calibri"/>
-              </a:rPr>
-              <a:t>Transfer of trust in a </a:t>
-            </a:r>
-            <a:r>
-              <a:rPr lang="it-IT" err="1">
-                <a:cs typeface="Calibri"/>
-              </a:rPr>
-              <a:t>trustless</a:t>
-            </a:r>
-            <a:r>
-              <a:rPr lang="it-IT">
-                <a:cs typeface="Calibri"/>
-              </a:rPr>
-              <a:t> world</a:t>
-            </a:r>
-          </a:p>
-        </p:txBody>
-      </p:sp>
-      <p:sp>
-        <p:nvSpPr>
-          <p:cNvPr id="6" name="CasellaDiTesto 5">
-            <a:extLst>
-              <a:ext uri="{FF2B5EF4-FFF2-40B4-BE49-F238E27FC236}">
-                <a16:creationId xmlns:a16="http://schemas.microsoft.com/office/drawing/2014/main" id="{E95CB295-1755-48BA-8B24-7150DB13F051}"/>
-              </a:ext>
-            </a:extLst>
-          </p:cNvPr>
-          <p:cNvSpPr txBox="1"/>
-          <p:nvPr/>
-        </p:nvSpPr>
-        <p:spPr>
-          <a:xfrm>
-            <a:off x="347568" y="1152525"/>
-            <a:ext cx="8423481" cy="1200329"/>
-          </a:xfrm>
-          <a:prstGeom prst="rect">
-            <a:avLst/>
-          </a:prstGeom>
-        </p:spPr>
-        <p:txBody>
-          <a:bodyPr rot="0" spcFirstLastPara="0" vertOverflow="overflow" horzOverflow="overflow" vert="horz" wrap="square" lIns="91440" tIns="45720" rIns="91440" bIns="45720" numCol="1" spcCol="0" rtlCol="0" fromWordArt="0" anchor="t" anchorCtr="0" forceAA="0" compatLnSpc="1">
-            <a:prstTxWarp prst="textNoShape">
-              <a:avLst/>
-            </a:prstTxWarp>
-            <a:spAutoFit/>
-          </a:bodyPr>
-          <a:lstStyle/>
-          <a:p>
-            <a:r>
-              <a:rPr lang="it-IT" sz="7200" err="1"/>
-              <a:t>Micropagamenti</a:t>
-            </a:r>
-          </a:p>
-        </p:txBody>
-      </p:sp>
-      <p:pic>
-        <p:nvPicPr>
-          <p:cNvPr id="3" name="Immagine 3">
-            <a:extLst>
-              <a:ext uri="{FF2B5EF4-FFF2-40B4-BE49-F238E27FC236}">
-                <a16:creationId xmlns:a16="http://schemas.microsoft.com/office/drawing/2014/main" id="{4BD7876B-2867-4240-85E9-7B3AAFFB74E1}"/>
-              </a:ext>
-            </a:extLst>
-          </p:cNvPr>
-          <p:cNvPicPr>
-            <a:picLocks noChangeAspect="1"/>
-          </p:cNvPicPr>
-          <p:nvPr/>
-        </p:nvPicPr>
-        <p:blipFill>
-          <a:blip r:embed="rId2"/>
-          <a:stretch>
-            <a:fillRect/>
-          </a:stretch>
-        </p:blipFill>
-        <p:spPr>
-          <a:xfrm>
-            <a:off x="3771900" y="2638425"/>
-            <a:ext cx="4764002" cy="2744963"/>
-          </a:xfrm>
-          <a:prstGeom prst="rect">
-            <a:avLst/>
-          </a:prstGeom>
-        </p:spPr>
-      </p:pic>
-      <p:pic>
-        <p:nvPicPr>
-          <p:cNvPr id="5" name="Immagine 6" descr="Immagine che contiene grafica vettoriale&#10;&#10;Descrizione generata con affidabilità elevata">
-            <a:extLst>
-              <a:ext uri="{FF2B5EF4-FFF2-40B4-BE49-F238E27FC236}">
-                <a16:creationId xmlns:a16="http://schemas.microsoft.com/office/drawing/2014/main" id="{1F682408-7529-4AE8-B679-81420532A27A}"/>
-              </a:ext>
-            </a:extLst>
-          </p:cNvPr>
-          <p:cNvPicPr>
-            <a:picLocks noChangeAspect="1"/>
-          </p:cNvPicPr>
-          <p:nvPr/>
-        </p:nvPicPr>
-        <p:blipFill>
-          <a:blip r:embed="rId3"/>
-          <a:stretch>
-            <a:fillRect/>
-          </a:stretch>
-        </p:blipFill>
-        <p:spPr>
-          <a:xfrm>
-            <a:off x="466725" y="2638425"/>
-            <a:ext cx="2743200" cy="1285875"/>
-          </a:xfrm>
-          <a:prstGeom prst="rect">
-            <a:avLst/>
-          </a:prstGeom>
-        </p:spPr>
-      </p:pic>
-      <p:pic>
-        <p:nvPicPr>
-          <p:cNvPr id="8" name="Immagine 8" descr="Immagine che contiene clipart&#10;&#10;Descrizione generata con affidabilità molto elevata">
-            <a:extLst>
-              <a:ext uri="{FF2B5EF4-FFF2-40B4-BE49-F238E27FC236}">
-                <a16:creationId xmlns:a16="http://schemas.microsoft.com/office/drawing/2014/main" id="{96BFEECF-ADA2-464C-8772-1C76FBB7826A}"/>
-              </a:ext>
-            </a:extLst>
-          </p:cNvPr>
-          <p:cNvPicPr>
-            <a:picLocks noChangeAspect="1"/>
-          </p:cNvPicPr>
-          <p:nvPr/>
-        </p:nvPicPr>
-        <p:blipFill>
-          <a:blip r:embed="rId4"/>
-          <a:stretch>
-            <a:fillRect/>
-          </a:stretch>
-        </p:blipFill>
-        <p:spPr>
-          <a:xfrm>
-            <a:off x="542925" y="4751897"/>
-            <a:ext cx="2743200" cy="619125"/>
-          </a:xfrm>
-          <a:prstGeom prst="rect">
-            <a:avLst/>
-          </a:prstGeom>
-        </p:spPr>
-      </p:pic>
-      <p:sp>
-        <p:nvSpPr>
-          <p:cNvPr id="11" name="CasellaDiTesto 10">
-            <a:extLst>
-              <a:ext uri="{FF2B5EF4-FFF2-40B4-BE49-F238E27FC236}">
-                <a16:creationId xmlns:a16="http://schemas.microsoft.com/office/drawing/2014/main" id="{0C508EED-470A-48F7-8FAF-DC1C8C75032F}"/>
-              </a:ext>
-            </a:extLst>
-          </p:cNvPr>
-          <p:cNvSpPr txBox="1"/>
-          <p:nvPr/>
-        </p:nvSpPr>
-        <p:spPr>
-          <a:xfrm>
-            <a:off x="465666" y="4116664"/>
-            <a:ext cx="2743200" cy="369332"/>
-          </a:xfrm>
-          <a:prstGeom prst="rect">
-            <a:avLst/>
-          </a:prstGeom>
-        </p:spPr>
-        <p:txBody>
-          <a:bodyPr rot="0" spcFirstLastPara="0" vertOverflow="overflow" horzOverflow="overflow" vert="horz" wrap="square" lIns="91440" tIns="45720" rIns="91440" bIns="45720" numCol="1" spcCol="0" rtlCol="0" fromWordArt="0" anchor="t" anchorCtr="0" forceAA="0" compatLnSpc="1">
-            <a:prstTxWarp prst="textNoShape">
-              <a:avLst/>
-            </a:prstTxWarp>
-            <a:spAutoFit/>
-          </a:bodyPr>
-          <a:lstStyle/>
-          <a:p>
-            <a:pPr algn="ctr"/>
-            <a:r>
-              <a:rPr lang="it-IT"/>
-              <a:t>VS</a:t>
-            </a:r>
-          </a:p>
-        </p:txBody>
-      </p:sp>
-      <p:pic>
-        <p:nvPicPr>
-          <p:cNvPr id="12" name="Immagine 12" descr="Immagine che contiene clipart&#10;&#10;Descrizione generata con affidabilità molto elevata">
-            <a:extLst>
-              <a:ext uri="{FF2B5EF4-FFF2-40B4-BE49-F238E27FC236}">
-                <a16:creationId xmlns:a16="http://schemas.microsoft.com/office/drawing/2014/main" id="{42F44A6A-1FEF-44EA-B8AC-9DCA76CE3B06}"/>
-              </a:ext>
-            </a:extLst>
-          </p:cNvPr>
-          <p:cNvPicPr>
-            <a:picLocks noChangeAspect="1"/>
-          </p:cNvPicPr>
-          <p:nvPr/>
-        </p:nvPicPr>
-        <p:blipFill>
-          <a:blip r:embed="rId5"/>
-          <a:stretch>
-            <a:fillRect/>
-          </a:stretch>
-        </p:blipFill>
-        <p:spPr>
-          <a:xfrm>
-            <a:off x="7288711" y="1653398"/>
-            <a:ext cx="1664789" cy="545290"/>
-          </a:xfrm>
-          <a:prstGeom prst="rect">
-            <a:avLst/>
-          </a:prstGeom>
-        </p:spPr>
-      </p:pic>
-      <p:pic>
-        <p:nvPicPr>
-          <p:cNvPr id="14" name="Immagine 14">
-            <a:extLst>
-              <a:ext uri="{FF2B5EF4-FFF2-40B4-BE49-F238E27FC236}">
-                <a16:creationId xmlns:a16="http://schemas.microsoft.com/office/drawing/2014/main" id="{9C9F5491-F36E-42BE-8532-05DD6E146588}"/>
-              </a:ext>
-            </a:extLst>
-          </p:cNvPr>
-          <p:cNvPicPr>
-            <a:picLocks noChangeAspect="1"/>
-          </p:cNvPicPr>
-          <p:nvPr/>
-        </p:nvPicPr>
-        <p:blipFill>
-          <a:blip r:embed="rId6"/>
-          <a:stretch>
-            <a:fillRect/>
-          </a:stretch>
-        </p:blipFill>
-        <p:spPr>
-          <a:xfrm rot="420000">
-            <a:off x="8559561" y="2247900"/>
-            <a:ext cx="534520" cy="536108"/>
-          </a:xfrm>
-          <a:prstGeom prst="rect">
-            <a:avLst/>
-          </a:prstGeom>
-        </p:spPr>
-      </p:pic>
-    </p:spTree>
-    <p:extLst>
-      <p:ext uri="{BB962C8B-B14F-4D97-AF65-F5344CB8AC3E}">
-        <p14:creationId xmlns:p14="http://schemas.microsoft.com/office/powerpoint/2010/main" val="2202265754"/>
-      </p:ext>
-    </p:extLst>
-  </p:cSld>
-  <p:clrMapOvr>
-    <a:masterClrMapping/>
-  </p:clrMapOvr>
-</p:sld>
-</file>
-
-<file path=ppt/slides/slide35.xml><?xml version="1.0" encoding="utf-8"?>
-<p:sld xmlns:a="http://schemas.openxmlformats.org/drawingml/2006/main" xmlns:r="http://schemas.openxmlformats.org/officeDocument/2006/relationships" xmlns:p="http://schemas.openxmlformats.org/presentationml/2006/main">
-  <p:cSld>
-    <p:spTree>
-      <p:nvGrpSpPr>
-        <p:cNvPr id="1" name=""/>
-        <p:cNvGrpSpPr/>
-        <p:nvPr/>
-      </p:nvGrpSpPr>
-      <p:grpSpPr>
-        <a:xfrm>
-          <a:off x="0" y="0"/>
-          <a:ext cx="0" cy="0"/>
-          <a:chOff x="0" y="0"/>
-          <a:chExt cx="0" cy="0"/>
-        </a:xfrm>
-      </p:grpSpPr>
-      <p:sp>
-        <p:nvSpPr>
-          <p:cNvPr id="2" name="Titolo verticale 1"/>
-          <p:cNvSpPr>
-            <a:spLocks noGrp="1"/>
-          </p:cNvSpPr>
-          <p:nvPr>
-            <p:ph type="title" orient="vert"/>
-          </p:nvPr>
-        </p:nvSpPr>
-        <p:spPr/>
-        <p:txBody>
-          <a:bodyPr vert="eaVert" anchor="t"/>
-          <a:lstStyle/>
-          <a:p>
-            <a:r>
-              <a:rPr lang="it-IT">
-                <a:cs typeface="Calibri"/>
-              </a:rPr>
-              <a:t>Transfer of trust in a </a:t>
-            </a:r>
-            <a:r>
-              <a:rPr lang="it-IT" err="1">
-                <a:cs typeface="Calibri"/>
-              </a:rPr>
-              <a:t>trustless</a:t>
-            </a:r>
-            <a:r>
-              <a:rPr lang="it-IT">
-                <a:cs typeface="Calibri"/>
-              </a:rPr>
-              <a:t> world</a:t>
-            </a:r>
-          </a:p>
-        </p:txBody>
-      </p:sp>
-      <p:pic>
-        <p:nvPicPr>
-          <p:cNvPr id="3" name="Immagine 3" descr="&#10;">
-            <a:extLst>
-              <a:ext uri="{FF2B5EF4-FFF2-40B4-BE49-F238E27FC236}">
-                <a16:creationId xmlns:a16="http://schemas.microsoft.com/office/drawing/2014/main" id="{A4C2D1CB-4AC8-464E-9D12-C3CB64B65E60}"/>
-              </a:ext>
-            </a:extLst>
-          </p:cNvPr>
-          <p:cNvPicPr>
-            <a:picLocks noChangeAspect="1"/>
-          </p:cNvPicPr>
-          <p:nvPr/>
-        </p:nvPicPr>
-        <p:blipFill>
-          <a:blip r:embed="rId2"/>
-          <a:stretch>
-            <a:fillRect/>
-          </a:stretch>
-        </p:blipFill>
-        <p:spPr>
-          <a:xfrm>
-            <a:off x="371475" y="1276350"/>
-            <a:ext cx="4319060" cy="2443637"/>
-          </a:xfrm>
-          <a:prstGeom prst="rect">
-            <a:avLst/>
-          </a:prstGeom>
-        </p:spPr>
-      </p:pic>
-      <p:pic>
-        <p:nvPicPr>
-          <p:cNvPr id="5" name="Immagine 5">
-            <a:extLst>
-              <a:ext uri="{FF2B5EF4-FFF2-40B4-BE49-F238E27FC236}">
-                <a16:creationId xmlns:a16="http://schemas.microsoft.com/office/drawing/2014/main" id="{116953F0-DAD0-463A-8B74-500A957D3EC1}"/>
-              </a:ext>
-            </a:extLst>
-          </p:cNvPr>
-          <p:cNvPicPr>
-            <a:picLocks noChangeAspect="1"/>
-          </p:cNvPicPr>
-          <p:nvPr/>
-        </p:nvPicPr>
-        <p:blipFill>
-          <a:blip r:embed="rId3"/>
-          <a:stretch>
-            <a:fillRect/>
-          </a:stretch>
-        </p:blipFill>
-        <p:spPr>
-          <a:xfrm>
-            <a:off x="4905375" y="1276350"/>
-            <a:ext cx="3884393" cy="1795797"/>
-          </a:xfrm>
-          <a:prstGeom prst="rect">
-            <a:avLst/>
-          </a:prstGeom>
-        </p:spPr>
-      </p:pic>
-      <p:pic>
-        <p:nvPicPr>
-          <p:cNvPr id="4" name="Immagine 5">
-            <a:extLst>
-              <a:ext uri="{FF2B5EF4-FFF2-40B4-BE49-F238E27FC236}">
-                <a16:creationId xmlns:a16="http://schemas.microsoft.com/office/drawing/2014/main" id="{BE69794B-F7EC-4B85-B0B9-D84BDCEF5F8C}"/>
-              </a:ext>
-            </a:extLst>
-          </p:cNvPr>
-          <p:cNvPicPr>
-            <a:picLocks noChangeAspect="1"/>
-          </p:cNvPicPr>
-          <p:nvPr/>
-        </p:nvPicPr>
-        <p:blipFill>
-          <a:blip r:embed="rId4"/>
-          <a:stretch>
-            <a:fillRect/>
-          </a:stretch>
-        </p:blipFill>
-        <p:spPr>
-          <a:xfrm>
-            <a:off x="4894787" y="3314700"/>
-            <a:ext cx="3888851" cy="2188232"/>
-          </a:xfrm>
-          <a:prstGeom prst="rect">
-            <a:avLst/>
-          </a:prstGeom>
-        </p:spPr>
-      </p:pic>
-      <p:sp>
-        <p:nvSpPr>
-          <p:cNvPr id="9" name="CasellaDiTesto 8">
-            <a:extLst>
-              <a:ext uri="{FF2B5EF4-FFF2-40B4-BE49-F238E27FC236}">
-                <a16:creationId xmlns:a16="http://schemas.microsoft.com/office/drawing/2014/main" id="{FE50714E-BA1D-4424-97CA-A43CF939D725}"/>
-              </a:ext>
-            </a:extLst>
-          </p:cNvPr>
-          <p:cNvSpPr txBox="1"/>
-          <p:nvPr/>
-        </p:nvSpPr>
-        <p:spPr>
-          <a:xfrm>
-            <a:off x="225360" y="4306738"/>
-            <a:ext cx="2743200" cy="1200329"/>
-          </a:xfrm>
-          <a:prstGeom prst="rect">
-            <a:avLst/>
-          </a:prstGeom>
-        </p:spPr>
-        <p:txBody>
-          <a:bodyPr rot="0" spcFirstLastPara="0" vertOverflow="overflow" horzOverflow="overflow" vert="horz" wrap="square" lIns="91440" tIns="45720" rIns="91440" bIns="45720" numCol="1" spcCol="0" rtlCol="0" fromWordArt="0" anchor="t" anchorCtr="0" forceAA="0" compatLnSpc="1">
-            <a:prstTxWarp prst="textNoShape">
-              <a:avLst/>
-            </a:prstTxWarp>
-            <a:spAutoFit/>
-          </a:bodyPr>
-          <a:lstStyle/>
-          <a:p>
-            <a:r>
-              <a:rPr lang="it-IT" sz="7200" dirty="0"/>
-              <a:t>Data</a:t>
-            </a:r>
-          </a:p>
-        </p:txBody>
-      </p:sp>
-    </p:spTree>
-    <p:extLst>
-      <p:ext uri="{BB962C8B-B14F-4D97-AF65-F5344CB8AC3E}">
-        <p14:creationId xmlns:p14="http://schemas.microsoft.com/office/powerpoint/2010/main" val="4294729061"/>
-      </p:ext>
-    </p:extLst>
-  </p:cSld>
-  <p:clrMapOvr>
-    <a:masterClrMapping/>
-  </p:clrMapOvr>
-</p:sld>
-</file>
-
-<file path=ppt/slides/slide36.xml><?xml version="1.0" encoding="utf-8"?>
-<p:sld xmlns:a="http://schemas.openxmlformats.org/drawingml/2006/main" xmlns:r="http://schemas.openxmlformats.org/officeDocument/2006/relationships" xmlns:p="http://schemas.openxmlformats.org/presentationml/2006/main">
-  <p:cSld>
-    <p:spTree>
-      <p:nvGrpSpPr>
-        <p:cNvPr id="1" name=""/>
-        <p:cNvGrpSpPr/>
-        <p:nvPr/>
-      </p:nvGrpSpPr>
-      <p:grpSpPr>
-        <a:xfrm>
-          <a:off x="0" y="0"/>
-          <a:ext cx="0" cy="0"/>
-          <a:chOff x="0" y="0"/>
-          <a:chExt cx="0" cy="0"/>
-        </a:xfrm>
-      </p:grpSpPr>
-      <p:sp>
-        <p:nvSpPr>
-          <p:cNvPr id="2" name="Titolo verticale 1"/>
-          <p:cNvSpPr>
-            <a:spLocks noGrp="1"/>
-          </p:cNvSpPr>
-          <p:nvPr>
-            <p:ph type="title" orient="vert"/>
-          </p:nvPr>
-        </p:nvSpPr>
-        <p:spPr/>
-        <p:txBody>
-          <a:bodyPr vert="eaVert" anchor="t"/>
-          <a:lstStyle/>
-          <a:p>
-            <a:r>
-              <a:rPr lang="it-IT">
-                <a:cs typeface="Calibri"/>
-              </a:rPr>
-              <a:t>Transfer of trust in a </a:t>
-            </a:r>
-            <a:r>
-              <a:rPr lang="it-IT" err="1">
-                <a:cs typeface="Calibri"/>
-              </a:rPr>
-              <a:t>trustless</a:t>
-            </a:r>
-            <a:r>
-              <a:rPr lang="it-IT">
-                <a:cs typeface="Calibri"/>
-              </a:rPr>
-              <a:t> world</a:t>
-            </a:r>
-          </a:p>
-        </p:txBody>
-      </p:sp>
-      <p:pic>
-        <p:nvPicPr>
-          <p:cNvPr id="6" name="Immagine 6">
-            <a:extLst>
-              <a:ext uri="{FF2B5EF4-FFF2-40B4-BE49-F238E27FC236}">
-                <a16:creationId xmlns:a16="http://schemas.microsoft.com/office/drawing/2014/main" id="{3599EF43-27D2-4F47-A4D5-9653B7F97500}"/>
-              </a:ext>
-            </a:extLst>
-          </p:cNvPr>
-          <p:cNvPicPr>
-            <a:picLocks noChangeAspect="1"/>
-          </p:cNvPicPr>
-          <p:nvPr/>
-        </p:nvPicPr>
-        <p:blipFill>
-          <a:blip r:embed="rId2"/>
-          <a:stretch>
-            <a:fillRect/>
-          </a:stretch>
-        </p:blipFill>
-        <p:spPr>
-          <a:xfrm>
-            <a:off x="31266" y="1685925"/>
-            <a:ext cx="9068278" cy="3507999"/>
-          </a:xfrm>
-          <a:prstGeom prst="rect">
-            <a:avLst/>
-          </a:prstGeom>
-        </p:spPr>
-      </p:pic>
-    </p:spTree>
-    <p:extLst>
-      <p:ext uri="{BB962C8B-B14F-4D97-AF65-F5344CB8AC3E}">
-        <p14:creationId xmlns:p14="http://schemas.microsoft.com/office/powerpoint/2010/main" val="1872351462"/>
-      </p:ext>
-    </p:extLst>
-  </p:cSld>
-  <p:clrMapOvr>
-    <a:masterClrMapping/>
-  </p:clrMapOvr>
-</p:sld>
-</file>
-
 <file path=ppt/slides/slide4.xml><?xml version="1.0" encoding="utf-8"?>
 <p:sld xmlns:a="http://schemas.openxmlformats.org/drawingml/2006/main" xmlns:r="http://schemas.openxmlformats.org/officeDocument/2006/relationships" xmlns:p="http://schemas.openxmlformats.org/presentationml/2006/main">
   <p:cSld>
@@ -22508,6 +23400,13 @@
   <p:clrMapOvr>
     <a:masterClrMapping/>
   </p:clrMapOvr>
+  <p:timing>
+    <p:tnLst>
+      <p:par>
+        <p:cTn id="1" dur="indefinite" restart="never" nodeType="tmRoot"/>
+      </p:par>
+    </p:tnLst>
+  </p:timing>
 </p:sld>
 </file>
 
@@ -22640,6 +23539,13 @@
   <p:clrMapOvr>
     <a:masterClrMapping/>
   </p:clrMapOvr>
+  <p:timing>
+    <p:tnLst>
+      <p:par>
+        <p:cTn id="1" dur="indefinite" restart="never" nodeType="tmRoot"/>
+      </p:par>
+    </p:tnLst>
+  </p:timing>
 </p:sld>
 </file>
 
@@ -22748,6 +23654,13 @@
   <p:clrMapOvr>
     <a:masterClrMapping/>
   </p:clrMapOvr>
+  <p:timing>
+    <p:tnLst>
+      <p:par>
+        <p:cTn id="1" dur="indefinite" restart="never" nodeType="tmRoot"/>
+      </p:par>
+    </p:tnLst>
+  </p:timing>
 </p:sld>
 </file>
 
@@ -22822,6 +23735,13 @@
   <p:clrMapOvr>
     <a:masterClrMapping/>
   </p:clrMapOvr>
+  <p:timing>
+    <p:tnLst>
+      <p:par>
+        <p:cTn id="1" dur="indefinite" restart="never" nodeType="tmRoot"/>
+      </p:par>
+    </p:tnLst>
+  </p:timing>
 </p:sld>
 </file>
 
@@ -22915,6 +23835,13 @@
   <p:clrMapOvr>
     <a:masterClrMapping/>
   </p:clrMapOvr>
+  <p:timing>
+    <p:tnLst>
+      <p:par>
+        <p:cTn id="1" dur="indefinite" restart="never" nodeType="tmRoot"/>
+      </p:par>
+    </p:tnLst>
+  </p:timing>
 </p:sld>
 </file>
 
@@ -23094,6 +24021,13 @@
   <p:clrMapOvr>
     <a:masterClrMapping/>
   </p:clrMapOvr>
+  <p:timing>
+    <p:tnLst>
+      <p:par>
+        <p:cTn id="1" dur="indefinite" restart="never" nodeType="tmRoot"/>
+      </p:par>
+    </p:tnLst>
+  </p:timing>
 </p:sld>
 </file>
 
